--- a/論文に使う画像.pptx
+++ b/論文に使う画像.pptx
@@ -4,9 +4,14 @@
   <p:sldMasterIdLst>
     <p:sldMasterId id="2147483648" r:id="rId1"/>
   </p:sldMasterIdLst>
+  <p:notesMasterIdLst>
+    <p:notesMasterId r:id="rId6"/>
+  </p:notesMasterIdLst>
   <p:sldIdLst>
     <p:sldId id="256" r:id="rId2"/>
     <p:sldId id="257" r:id="rId3"/>
+    <p:sldId id="258" r:id="rId4"/>
+    <p:sldId id="259" r:id="rId5"/>
   </p:sldIdLst>
   <p:sldSz cx="12192000" cy="6858000"/>
   <p:notesSz cx="6858000" cy="9144000"/>
@@ -113,6 +118,446 @@
 </p:presentation>
 </file>
 
+<file path=ppt/notesMasters/notesMaster1.xml><?xml version="1.0" encoding="utf-8"?>
+<p:notesMaster xmlns:a="http://schemas.openxmlformats.org/drawingml/2006/main" xmlns:r="http://schemas.openxmlformats.org/officeDocument/2006/relationships" xmlns:p="http://schemas.openxmlformats.org/presentationml/2006/main">
+  <p:cSld>
+    <p:bg>
+      <p:bgRef idx="1001">
+        <a:schemeClr val="bg1"/>
+      </p:bgRef>
+    </p:bg>
+    <p:spTree>
+      <p:nvGrpSpPr>
+        <p:cNvPr id="1" name=""/>
+        <p:cNvGrpSpPr/>
+        <p:nvPr/>
+      </p:nvGrpSpPr>
+      <p:grpSpPr>
+        <a:xfrm>
+          <a:off x="0" y="0"/>
+          <a:ext cx="0" cy="0"/>
+          <a:chOff x="0" y="0"/>
+          <a:chExt cx="0" cy="0"/>
+        </a:xfrm>
+      </p:grpSpPr>
+      <p:sp>
+        <p:nvSpPr>
+          <p:cNvPr id="2" name="ヘッダー プレースホルダー 1"/>
+          <p:cNvSpPr>
+            <a:spLocks noGrp="1"/>
+          </p:cNvSpPr>
+          <p:nvPr>
+            <p:ph type="hdr" sz="quarter"/>
+          </p:nvPr>
+        </p:nvSpPr>
+        <p:spPr>
+          <a:xfrm>
+            <a:off x="0" y="0"/>
+            <a:ext cx="2971800" cy="458788"/>
+          </a:xfrm>
+          <a:prstGeom prst="rect">
+            <a:avLst/>
+          </a:prstGeom>
+        </p:spPr>
+        <p:txBody>
+          <a:bodyPr vert="horz" lIns="91440" tIns="45720" rIns="91440" bIns="45720" rtlCol="0"/>
+          <a:lstStyle>
+            <a:lvl1pPr algn="l">
+              <a:defRPr sz="1200"/>
+            </a:lvl1pPr>
+          </a:lstStyle>
+          <a:p>
+            <a:endParaRPr kumimoji="1" lang="ja-JP" altLang="en-US"/>
+          </a:p>
+        </p:txBody>
+      </p:sp>
+      <p:sp>
+        <p:nvSpPr>
+          <p:cNvPr id="3" name="日付プレースホルダー 2"/>
+          <p:cNvSpPr>
+            <a:spLocks noGrp="1"/>
+          </p:cNvSpPr>
+          <p:nvPr>
+            <p:ph type="dt" idx="1"/>
+          </p:nvPr>
+        </p:nvSpPr>
+        <p:spPr>
+          <a:xfrm>
+            <a:off x="3884613" y="0"/>
+            <a:ext cx="2971800" cy="458788"/>
+          </a:xfrm>
+          <a:prstGeom prst="rect">
+            <a:avLst/>
+          </a:prstGeom>
+        </p:spPr>
+        <p:txBody>
+          <a:bodyPr vert="horz" lIns="91440" tIns="45720" rIns="91440" bIns="45720" rtlCol="0"/>
+          <a:lstStyle>
+            <a:lvl1pPr algn="r">
+              <a:defRPr sz="1200"/>
+            </a:lvl1pPr>
+          </a:lstStyle>
+          <a:p>
+            <a:fld id="{B3605A22-EF04-4240-9C27-9ADDF0E4DE85}" type="datetimeFigureOut">
+              <a:rPr kumimoji="1" lang="ja-JP" altLang="en-US" smtClean="0"/>
+              <a:t>2019/1/22</a:t>
+            </a:fld>
+            <a:endParaRPr kumimoji="1" lang="ja-JP" altLang="en-US"/>
+          </a:p>
+        </p:txBody>
+      </p:sp>
+      <p:sp>
+        <p:nvSpPr>
+          <p:cNvPr id="4" name="スライド イメージ プレースホルダー 3"/>
+          <p:cNvSpPr>
+            <a:spLocks noGrp="1" noRot="1" noChangeAspect="1"/>
+          </p:cNvSpPr>
+          <p:nvPr>
+            <p:ph type="sldImg" idx="2"/>
+          </p:nvPr>
+        </p:nvSpPr>
+        <p:spPr>
+          <a:xfrm>
+            <a:off x="685800" y="1143000"/>
+            <a:ext cx="5486400" cy="3086100"/>
+          </a:xfrm>
+          <a:prstGeom prst="rect">
+            <a:avLst/>
+          </a:prstGeom>
+          <a:noFill/>
+          <a:ln w="12700">
+            <a:solidFill>
+              <a:prstClr val="black"/>
+            </a:solidFill>
+          </a:ln>
+        </p:spPr>
+        <p:txBody>
+          <a:bodyPr vert="horz" lIns="91440" tIns="45720" rIns="91440" bIns="45720" rtlCol="0" anchor="ctr"/>
+          <a:lstStyle/>
+          <a:p>
+            <a:endParaRPr lang="ja-JP" altLang="en-US"/>
+          </a:p>
+        </p:txBody>
+      </p:sp>
+      <p:sp>
+        <p:nvSpPr>
+          <p:cNvPr id="5" name="ノート プレースホルダー 4"/>
+          <p:cNvSpPr>
+            <a:spLocks noGrp="1"/>
+          </p:cNvSpPr>
+          <p:nvPr>
+            <p:ph type="body" sz="quarter" idx="3"/>
+          </p:nvPr>
+        </p:nvSpPr>
+        <p:spPr>
+          <a:xfrm>
+            <a:off x="685800" y="4400550"/>
+            <a:ext cx="5486400" cy="3600450"/>
+          </a:xfrm>
+          <a:prstGeom prst="rect">
+            <a:avLst/>
+          </a:prstGeom>
+        </p:spPr>
+        <p:txBody>
+          <a:bodyPr vert="horz" lIns="91440" tIns="45720" rIns="91440" bIns="45720" rtlCol="0"/>
+          <a:lstStyle/>
+          <a:p>
+            <a:r>
+              <a:rPr kumimoji="1" lang="ja-JP" altLang="en-US"/>
+              <a:t>マスター テキストの書式設定
+第 </a:t>
+            </a:r>
+            <a:r>
+              <a:rPr kumimoji="1" lang="en-US" altLang="ja-JP"/>
+              <a:t>2 </a:t>
+            </a:r>
+            <a:r>
+              <a:rPr kumimoji="1" lang="ja-JP" altLang="en-US"/>
+              <a:t>レベル
+第 </a:t>
+            </a:r>
+            <a:r>
+              <a:rPr kumimoji="1" lang="en-US" altLang="ja-JP"/>
+              <a:t>3 </a:t>
+            </a:r>
+            <a:r>
+              <a:rPr kumimoji="1" lang="ja-JP" altLang="en-US"/>
+              <a:t>レベル
+第 </a:t>
+            </a:r>
+            <a:r>
+              <a:rPr kumimoji="1" lang="en-US" altLang="ja-JP"/>
+              <a:t>4 </a:t>
+            </a:r>
+            <a:r>
+              <a:rPr kumimoji="1" lang="ja-JP" altLang="en-US"/>
+              <a:t>レベル
+第 </a:t>
+            </a:r>
+            <a:r>
+              <a:rPr kumimoji="1" lang="en-US" altLang="ja-JP"/>
+              <a:t>5 </a:t>
+            </a:r>
+            <a:r>
+              <a:rPr kumimoji="1" lang="ja-JP" altLang="en-US"/>
+              <a:t>レベル</a:t>
+            </a:r>
+          </a:p>
+        </p:txBody>
+      </p:sp>
+      <p:sp>
+        <p:nvSpPr>
+          <p:cNvPr id="6" name="フッター プレースホルダー 5"/>
+          <p:cNvSpPr>
+            <a:spLocks noGrp="1"/>
+          </p:cNvSpPr>
+          <p:nvPr>
+            <p:ph type="ftr" sz="quarter" idx="4"/>
+          </p:nvPr>
+        </p:nvSpPr>
+        <p:spPr>
+          <a:xfrm>
+            <a:off x="0" y="8685213"/>
+            <a:ext cx="2971800" cy="458787"/>
+          </a:xfrm>
+          <a:prstGeom prst="rect">
+            <a:avLst/>
+          </a:prstGeom>
+        </p:spPr>
+        <p:txBody>
+          <a:bodyPr vert="horz" lIns="91440" tIns="45720" rIns="91440" bIns="45720" rtlCol="0" anchor="b"/>
+          <a:lstStyle>
+            <a:lvl1pPr algn="l">
+              <a:defRPr sz="1200"/>
+            </a:lvl1pPr>
+          </a:lstStyle>
+          <a:p>
+            <a:endParaRPr kumimoji="1" lang="ja-JP" altLang="en-US"/>
+          </a:p>
+        </p:txBody>
+      </p:sp>
+      <p:sp>
+        <p:nvSpPr>
+          <p:cNvPr id="7" name="スライド番号プレースホルダー 6"/>
+          <p:cNvSpPr>
+            <a:spLocks noGrp="1"/>
+          </p:cNvSpPr>
+          <p:nvPr>
+            <p:ph type="sldNum" sz="quarter" idx="5"/>
+          </p:nvPr>
+        </p:nvSpPr>
+        <p:spPr>
+          <a:xfrm>
+            <a:off x="3884613" y="8685213"/>
+            <a:ext cx="2971800" cy="458787"/>
+          </a:xfrm>
+          <a:prstGeom prst="rect">
+            <a:avLst/>
+          </a:prstGeom>
+        </p:spPr>
+        <p:txBody>
+          <a:bodyPr vert="horz" lIns="91440" tIns="45720" rIns="91440" bIns="45720" rtlCol="0" anchor="b"/>
+          <a:lstStyle>
+            <a:lvl1pPr algn="r">
+              <a:defRPr sz="1200"/>
+            </a:lvl1pPr>
+          </a:lstStyle>
+          <a:p>
+            <a:fld id="{D6D44BCE-5F17-9B4C-AC22-685A37095B64}" type="slidenum">
+              <a:rPr kumimoji="1" lang="ja-JP" altLang="en-US" smtClean="0"/>
+              <a:t>‹#›</a:t>
+            </a:fld>
+            <a:endParaRPr kumimoji="1" lang="ja-JP" altLang="en-US"/>
+          </a:p>
+        </p:txBody>
+      </p:sp>
+    </p:spTree>
+    <p:extLst>
+      <p:ext uri="{BB962C8B-B14F-4D97-AF65-F5344CB8AC3E}">
+        <p14:creationId xmlns:p14="http://schemas.microsoft.com/office/powerpoint/2010/main" val="1703563831"/>
+      </p:ext>
+    </p:extLst>
+  </p:cSld>
+  <p:clrMap bg1="lt1" tx1="dk1" bg2="lt2" tx2="dk2" accent1="accent1" accent2="accent2" accent3="accent3" accent4="accent4" accent5="accent5" accent6="accent6" hlink="hlink" folHlink="folHlink"/>
+  <p:notesStyle>
+    <a:lvl1pPr marL="0" algn="l" defTabSz="914400" rtl="0" eaLnBrk="1" latinLnBrk="0" hangingPunct="1">
+      <a:defRPr kumimoji="1" sz="1200" kern="1200">
+        <a:solidFill>
+          <a:schemeClr val="tx1"/>
+        </a:solidFill>
+        <a:latin typeface="+mn-lt"/>
+        <a:ea typeface="+mn-ea"/>
+        <a:cs typeface="+mn-cs"/>
+      </a:defRPr>
+    </a:lvl1pPr>
+    <a:lvl2pPr marL="457200" algn="l" defTabSz="914400" rtl="0" eaLnBrk="1" latinLnBrk="0" hangingPunct="1">
+      <a:defRPr kumimoji="1" sz="1200" kern="1200">
+        <a:solidFill>
+          <a:schemeClr val="tx1"/>
+        </a:solidFill>
+        <a:latin typeface="+mn-lt"/>
+        <a:ea typeface="+mn-ea"/>
+        <a:cs typeface="+mn-cs"/>
+      </a:defRPr>
+    </a:lvl2pPr>
+    <a:lvl3pPr marL="914400" algn="l" defTabSz="914400" rtl="0" eaLnBrk="1" latinLnBrk="0" hangingPunct="1">
+      <a:defRPr kumimoji="1" sz="1200" kern="1200">
+        <a:solidFill>
+          <a:schemeClr val="tx1"/>
+        </a:solidFill>
+        <a:latin typeface="+mn-lt"/>
+        <a:ea typeface="+mn-ea"/>
+        <a:cs typeface="+mn-cs"/>
+      </a:defRPr>
+    </a:lvl3pPr>
+    <a:lvl4pPr marL="1371600" algn="l" defTabSz="914400" rtl="0" eaLnBrk="1" latinLnBrk="0" hangingPunct="1">
+      <a:defRPr kumimoji="1" sz="1200" kern="1200">
+        <a:solidFill>
+          <a:schemeClr val="tx1"/>
+        </a:solidFill>
+        <a:latin typeface="+mn-lt"/>
+        <a:ea typeface="+mn-ea"/>
+        <a:cs typeface="+mn-cs"/>
+      </a:defRPr>
+    </a:lvl4pPr>
+    <a:lvl5pPr marL="1828800" algn="l" defTabSz="914400" rtl="0" eaLnBrk="1" latinLnBrk="0" hangingPunct="1">
+      <a:defRPr kumimoji="1" sz="1200" kern="1200">
+        <a:solidFill>
+          <a:schemeClr val="tx1"/>
+        </a:solidFill>
+        <a:latin typeface="+mn-lt"/>
+        <a:ea typeface="+mn-ea"/>
+        <a:cs typeface="+mn-cs"/>
+      </a:defRPr>
+    </a:lvl5pPr>
+    <a:lvl6pPr marL="2286000" algn="l" defTabSz="914400" rtl="0" eaLnBrk="1" latinLnBrk="0" hangingPunct="1">
+      <a:defRPr kumimoji="1" sz="1200" kern="1200">
+        <a:solidFill>
+          <a:schemeClr val="tx1"/>
+        </a:solidFill>
+        <a:latin typeface="+mn-lt"/>
+        <a:ea typeface="+mn-ea"/>
+        <a:cs typeface="+mn-cs"/>
+      </a:defRPr>
+    </a:lvl6pPr>
+    <a:lvl7pPr marL="2743200" algn="l" defTabSz="914400" rtl="0" eaLnBrk="1" latinLnBrk="0" hangingPunct="1">
+      <a:defRPr kumimoji="1" sz="1200" kern="1200">
+        <a:solidFill>
+          <a:schemeClr val="tx1"/>
+        </a:solidFill>
+        <a:latin typeface="+mn-lt"/>
+        <a:ea typeface="+mn-ea"/>
+        <a:cs typeface="+mn-cs"/>
+      </a:defRPr>
+    </a:lvl7pPr>
+    <a:lvl8pPr marL="3200400" algn="l" defTabSz="914400" rtl="0" eaLnBrk="1" latinLnBrk="0" hangingPunct="1">
+      <a:defRPr kumimoji="1" sz="1200" kern="1200">
+        <a:solidFill>
+          <a:schemeClr val="tx1"/>
+        </a:solidFill>
+        <a:latin typeface="+mn-lt"/>
+        <a:ea typeface="+mn-ea"/>
+        <a:cs typeface="+mn-cs"/>
+      </a:defRPr>
+    </a:lvl8pPr>
+    <a:lvl9pPr marL="3657600" algn="l" defTabSz="914400" rtl="0" eaLnBrk="1" latinLnBrk="0" hangingPunct="1">
+      <a:defRPr kumimoji="1" sz="1200" kern="1200">
+        <a:solidFill>
+          <a:schemeClr val="tx1"/>
+        </a:solidFill>
+        <a:latin typeface="+mn-lt"/>
+        <a:ea typeface="+mn-ea"/>
+        <a:cs typeface="+mn-cs"/>
+      </a:defRPr>
+    </a:lvl9pPr>
+  </p:notesStyle>
+</p:notesMaster>
+</file>
+
+<file path=ppt/notesSlides/notesSlide1.xml><?xml version="1.0" encoding="utf-8"?>
+<p:notes xmlns:a="http://schemas.openxmlformats.org/drawingml/2006/main" xmlns:r="http://schemas.openxmlformats.org/officeDocument/2006/relationships" xmlns:p="http://schemas.openxmlformats.org/presentationml/2006/main">
+  <p:cSld>
+    <p:spTree>
+      <p:nvGrpSpPr>
+        <p:cNvPr id="1" name=""/>
+        <p:cNvGrpSpPr/>
+        <p:nvPr/>
+      </p:nvGrpSpPr>
+      <p:grpSpPr>
+        <a:xfrm>
+          <a:off x="0" y="0"/>
+          <a:ext cx="0" cy="0"/>
+          <a:chOff x="0" y="0"/>
+          <a:chExt cx="0" cy="0"/>
+        </a:xfrm>
+      </p:grpSpPr>
+      <p:sp>
+        <p:nvSpPr>
+          <p:cNvPr id="2" name="スライド イメージ プレースホルダー 1"/>
+          <p:cNvSpPr>
+            <a:spLocks noGrp="1" noRot="1" noChangeAspect="1"/>
+          </p:cNvSpPr>
+          <p:nvPr>
+            <p:ph type="sldImg"/>
+          </p:nvPr>
+        </p:nvSpPr>
+        <p:spPr/>
+      </p:sp>
+      <p:sp>
+        <p:nvSpPr>
+          <p:cNvPr id="3" name="ノート プレースホルダー 2"/>
+          <p:cNvSpPr>
+            <a:spLocks noGrp="1"/>
+          </p:cNvSpPr>
+          <p:nvPr>
+            <p:ph type="body" idx="1"/>
+          </p:nvPr>
+        </p:nvSpPr>
+        <p:spPr/>
+        <p:txBody>
+          <a:bodyPr/>
+          <a:lstStyle/>
+          <a:p>
+            <a:endParaRPr kumimoji="1" lang="ja-JP" altLang="en-US"/>
+          </a:p>
+        </p:txBody>
+      </p:sp>
+      <p:sp>
+        <p:nvSpPr>
+          <p:cNvPr id="4" name="スライド番号プレースホルダー 3"/>
+          <p:cNvSpPr>
+            <a:spLocks noGrp="1"/>
+          </p:cNvSpPr>
+          <p:nvPr>
+            <p:ph type="sldNum" sz="quarter" idx="5"/>
+          </p:nvPr>
+        </p:nvSpPr>
+        <p:spPr/>
+        <p:txBody>
+          <a:bodyPr/>
+          <a:lstStyle/>
+          <a:p>
+            <a:fld id="{D6D44BCE-5F17-9B4C-AC22-685A37095B64}" type="slidenum">
+              <a:rPr kumimoji="1" lang="ja-JP" altLang="en-US" smtClean="0"/>
+              <a:t>4</a:t>
+            </a:fld>
+            <a:endParaRPr kumimoji="1" lang="ja-JP" altLang="en-US"/>
+          </a:p>
+        </p:txBody>
+      </p:sp>
+    </p:spTree>
+    <p:extLst>
+      <p:ext uri="{BB962C8B-B14F-4D97-AF65-F5344CB8AC3E}">
+        <p14:creationId xmlns:p14="http://schemas.microsoft.com/office/powerpoint/2010/main" val="3101442602"/>
+      </p:ext>
+    </p:extLst>
+  </p:cSld>
+  <p:clrMapOvr>
+    <a:masterClrMapping/>
+  </p:clrMapOvr>
+</p:notes>
+</file>
+
 <file path=ppt/slideLayouts/slideLayout1.xml><?xml version="1.0" encoding="utf-8"?>
 <p:sldLayout xmlns:a="http://schemas.openxmlformats.org/drawingml/2006/main" xmlns:r="http://schemas.openxmlformats.org/officeDocument/2006/relationships" xmlns:p="http://schemas.openxmlformats.org/presentationml/2006/main" type="title" preserve="1">
   <p:cSld name="タイトル スライド">
@@ -260,7 +705,7 @@
           <a:p>
             <a:fld id="{F8143675-065B-6249-819E-977928931EDE}" type="datetimeFigureOut">
               <a:rPr kumimoji="1" lang="ja-JP" altLang="en-US" smtClean="0"/>
-              <a:t>2019/1/16</a:t>
+              <a:t>2019/1/22</a:t>
             </a:fld>
             <a:endParaRPr kumimoji="1" lang="ja-JP" altLang="en-US"/>
           </a:p>
@@ -465,7 +910,7 @@
           <a:p>
             <a:fld id="{F8143675-065B-6249-819E-977928931EDE}" type="datetimeFigureOut">
               <a:rPr kumimoji="1" lang="ja-JP" altLang="en-US" smtClean="0"/>
-              <a:t>2019/1/16</a:t>
+              <a:t>2019/1/22</a:t>
             </a:fld>
             <a:endParaRPr kumimoji="1" lang="ja-JP" altLang="en-US"/>
           </a:p>
@@ -680,7 +1125,7 @@
           <a:p>
             <a:fld id="{F8143675-065B-6249-819E-977928931EDE}" type="datetimeFigureOut">
               <a:rPr kumimoji="1" lang="ja-JP" altLang="en-US" smtClean="0"/>
-              <a:t>2019/1/16</a:t>
+              <a:t>2019/1/22</a:t>
             </a:fld>
             <a:endParaRPr kumimoji="1" lang="ja-JP" altLang="en-US"/>
           </a:p>
@@ -885,7 +1330,7 @@
           <a:p>
             <a:fld id="{F8143675-065B-6249-819E-977928931EDE}" type="datetimeFigureOut">
               <a:rPr kumimoji="1" lang="ja-JP" altLang="en-US" smtClean="0"/>
-              <a:t>2019/1/16</a:t>
+              <a:t>2019/1/22</a:t>
             </a:fld>
             <a:endParaRPr kumimoji="1" lang="ja-JP" altLang="en-US"/>
           </a:p>
@@ -1195,7 +1640,7 @@
           <a:p>
             <a:fld id="{F8143675-065B-6249-819E-977928931EDE}" type="datetimeFigureOut">
               <a:rPr kumimoji="1" lang="ja-JP" altLang="en-US" smtClean="0"/>
-              <a:t>2019/1/16</a:t>
+              <a:t>2019/1/22</a:t>
             </a:fld>
             <a:endParaRPr kumimoji="1" lang="ja-JP" altLang="en-US"/>
           </a:p>
@@ -1474,7 +1919,7 @@
           <a:p>
             <a:fld id="{F8143675-065B-6249-819E-977928931EDE}" type="datetimeFigureOut">
               <a:rPr kumimoji="1" lang="ja-JP" altLang="en-US" smtClean="0"/>
-              <a:t>2019/1/16</a:t>
+              <a:t>2019/1/22</a:t>
             </a:fld>
             <a:endParaRPr kumimoji="1" lang="ja-JP" altLang="en-US"/>
           </a:p>
@@ -1970,7 +2415,7 @@
           <a:p>
             <a:fld id="{F8143675-065B-6249-819E-977928931EDE}" type="datetimeFigureOut">
               <a:rPr kumimoji="1" lang="ja-JP" altLang="en-US" smtClean="0"/>
-              <a:t>2019/1/16</a:t>
+              <a:t>2019/1/22</a:t>
             </a:fld>
             <a:endParaRPr kumimoji="1" lang="ja-JP" altLang="en-US"/>
           </a:p>
@@ -2111,7 +2556,7 @@
           <a:p>
             <a:fld id="{F8143675-065B-6249-819E-977928931EDE}" type="datetimeFigureOut">
               <a:rPr kumimoji="1" lang="ja-JP" altLang="en-US" smtClean="0"/>
-              <a:t>2019/1/16</a:t>
+              <a:t>2019/1/22</a:t>
             </a:fld>
             <a:endParaRPr kumimoji="1" lang="ja-JP" altLang="en-US"/>
           </a:p>
@@ -2224,7 +2669,7 @@
           <a:p>
             <a:fld id="{F8143675-065B-6249-819E-977928931EDE}" type="datetimeFigureOut">
               <a:rPr kumimoji="1" lang="ja-JP" altLang="en-US" smtClean="0"/>
-              <a:t>2019/1/16</a:t>
+              <a:t>2019/1/22</a:t>
             </a:fld>
             <a:endParaRPr kumimoji="1" lang="ja-JP" altLang="en-US"/>
           </a:p>
@@ -2577,7 +3022,7 @@
           <a:p>
             <a:fld id="{F8143675-065B-6249-819E-977928931EDE}" type="datetimeFigureOut">
               <a:rPr kumimoji="1" lang="ja-JP" altLang="en-US" smtClean="0"/>
-              <a:t>2019/1/16</a:t>
+              <a:t>2019/1/22</a:t>
             </a:fld>
             <a:endParaRPr kumimoji="1" lang="ja-JP" altLang="en-US"/>
           </a:p>
@@ -2900,7 +3345,7 @@
           <a:p>
             <a:fld id="{F8143675-065B-6249-819E-977928931EDE}" type="datetimeFigureOut">
               <a:rPr kumimoji="1" lang="ja-JP" altLang="en-US" smtClean="0"/>
-              <a:t>2019/1/16</a:t>
+              <a:t>2019/1/22</a:t>
             </a:fld>
             <a:endParaRPr kumimoji="1" lang="ja-JP" altLang="en-US"/>
           </a:p>
@@ -3148,7 +3593,7 @@
           <a:p>
             <a:fld id="{F8143675-065B-6249-819E-977928931EDE}" type="datetimeFigureOut">
               <a:rPr kumimoji="1" lang="ja-JP" altLang="en-US" smtClean="0"/>
-              <a:t>2019/1/16</a:t>
+              <a:t>2019/1/22</a:t>
             </a:fld>
             <a:endParaRPr kumimoji="1" lang="ja-JP" altLang="en-US"/>
           </a:p>
@@ -4741,6 +5186,2094 @@
 </p:sld>
 </file>
 
+<file path=ppt/slides/slide3.xml><?xml version="1.0" encoding="utf-8"?>
+<p:sld xmlns:a="http://schemas.openxmlformats.org/drawingml/2006/main" xmlns:r="http://schemas.openxmlformats.org/officeDocument/2006/relationships" xmlns:p="http://schemas.openxmlformats.org/presentationml/2006/main">
+  <p:cSld>
+    <p:bg>
+      <p:bgPr>
+        <a:solidFill>
+          <a:schemeClr val="bg1"/>
+        </a:solidFill>
+        <a:effectLst/>
+      </p:bgPr>
+    </p:bg>
+    <p:spTree>
+      <p:nvGrpSpPr>
+        <p:cNvPr id="1" name=""/>
+        <p:cNvGrpSpPr/>
+        <p:nvPr/>
+      </p:nvGrpSpPr>
+      <p:grpSpPr>
+        <a:xfrm>
+          <a:off x="0" y="0"/>
+          <a:ext cx="0" cy="0"/>
+          <a:chOff x="0" y="0"/>
+          <a:chExt cx="0" cy="0"/>
+        </a:xfrm>
+      </p:grpSpPr>
+      <p:pic>
+        <p:nvPicPr>
+          <p:cNvPr id="20" name="図 19">
+            <a:extLst>
+              <a:ext uri="{FF2B5EF4-FFF2-40B4-BE49-F238E27FC236}">
+                <a16:creationId xmlns:a16="http://schemas.microsoft.com/office/drawing/2014/main" id="{20713869-AF18-D541-A305-8A4E3B32B871}"/>
+              </a:ext>
+            </a:extLst>
+          </p:cNvPr>
+          <p:cNvPicPr>
+            <a:picLocks noChangeAspect="1"/>
+          </p:cNvPicPr>
+          <p:nvPr/>
+        </p:nvPicPr>
+        <p:blipFill>
+          <a:blip r:embed="rId2"/>
+          <a:stretch>
+            <a:fillRect/>
+          </a:stretch>
+        </p:blipFill>
+        <p:spPr>
+          <a:xfrm>
+            <a:off x="2206948" y="96251"/>
+            <a:ext cx="5961991" cy="6728059"/>
+          </a:xfrm>
+          <a:prstGeom prst="rect">
+            <a:avLst/>
+          </a:prstGeom>
+        </p:spPr>
+      </p:pic>
+      <p:sp>
+        <p:nvSpPr>
+          <p:cNvPr id="21" name="正方形/長方形 20">
+            <a:extLst>
+              <a:ext uri="{FF2B5EF4-FFF2-40B4-BE49-F238E27FC236}">
+                <a16:creationId xmlns:a16="http://schemas.microsoft.com/office/drawing/2014/main" id="{948831E9-A093-CE40-8C63-39DB29BB600D}"/>
+              </a:ext>
+            </a:extLst>
+          </p:cNvPr>
+          <p:cNvSpPr/>
+          <p:nvPr/>
+        </p:nvSpPr>
+        <p:spPr>
+          <a:xfrm>
+            <a:off x="5137511" y="999241"/>
+            <a:ext cx="2882125" cy="5762508"/>
+          </a:xfrm>
+          <a:prstGeom prst="rect">
+            <a:avLst/>
+          </a:prstGeom>
+          <a:noFill/>
+          <a:ln w="76200">
+            <a:solidFill>
+              <a:schemeClr val="accent2">
+                <a:lumMod val="60000"/>
+                <a:lumOff val="40000"/>
+              </a:schemeClr>
+            </a:solidFill>
+          </a:ln>
+        </p:spPr>
+        <p:style>
+          <a:lnRef idx="2">
+            <a:schemeClr val="accent1">
+              <a:shade val="50000"/>
+            </a:schemeClr>
+          </a:lnRef>
+          <a:fillRef idx="1">
+            <a:schemeClr val="accent1"/>
+          </a:fillRef>
+          <a:effectRef idx="0">
+            <a:schemeClr val="accent1"/>
+          </a:effectRef>
+          <a:fontRef idx="minor">
+            <a:schemeClr val="lt1"/>
+          </a:fontRef>
+        </p:style>
+        <p:txBody>
+          <a:bodyPr rtlCol="0" anchor="ctr"/>
+          <a:lstStyle/>
+          <a:p>
+            <a:pPr algn="ctr"/>
+            <a:endParaRPr kumimoji="1" lang="ja-JP" altLang="en-US"/>
+          </a:p>
+        </p:txBody>
+      </p:sp>
+      <p:sp>
+        <p:nvSpPr>
+          <p:cNvPr id="26" name="正方形/長方形 25">
+            <a:extLst>
+              <a:ext uri="{FF2B5EF4-FFF2-40B4-BE49-F238E27FC236}">
+                <a16:creationId xmlns:a16="http://schemas.microsoft.com/office/drawing/2014/main" id="{EC69BD9A-13CD-D146-8AA2-9C3FD864BA3A}"/>
+              </a:ext>
+            </a:extLst>
+          </p:cNvPr>
+          <p:cNvSpPr/>
+          <p:nvPr/>
+        </p:nvSpPr>
+        <p:spPr>
+          <a:xfrm>
+            <a:off x="2263509" y="1000809"/>
+            <a:ext cx="2882125" cy="5762508"/>
+          </a:xfrm>
+          <a:prstGeom prst="rect">
+            <a:avLst/>
+          </a:prstGeom>
+          <a:noFill/>
+          <a:ln w="76200">
+            <a:solidFill>
+              <a:schemeClr val="accent4">
+                <a:lumMod val="60000"/>
+                <a:lumOff val="40000"/>
+              </a:schemeClr>
+            </a:solidFill>
+          </a:ln>
+        </p:spPr>
+        <p:style>
+          <a:lnRef idx="2">
+            <a:schemeClr val="accent1">
+              <a:shade val="50000"/>
+            </a:schemeClr>
+          </a:lnRef>
+          <a:fillRef idx="1">
+            <a:schemeClr val="accent1"/>
+          </a:fillRef>
+          <a:effectRef idx="0">
+            <a:schemeClr val="accent1"/>
+          </a:effectRef>
+          <a:fontRef idx="minor">
+            <a:schemeClr val="lt1"/>
+          </a:fontRef>
+        </p:style>
+        <p:txBody>
+          <a:bodyPr rtlCol="0" anchor="ctr"/>
+          <a:lstStyle/>
+          <a:p>
+            <a:pPr algn="ctr"/>
+            <a:endParaRPr kumimoji="1" lang="ja-JP" altLang="en-US"/>
+          </a:p>
+        </p:txBody>
+      </p:sp>
+      <p:grpSp>
+        <p:nvGrpSpPr>
+          <p:cNvPr id="32" name="グループ化 31">
+            <a:extLst>
+              <a:ext uri="{FF2B5EF4-FFF2-40B4-BE49-F238E27FC236}">
+                <a16:creationId xmlns:a16="http://schemas.microsoft.com/office/drawing/2014/main" id="{BC6198D1-1499-9B46-872A-C8C1AD7960B5}"/>
+              </a:ext>
+            </a:extLst>
+          </p:cNvPr>
+          <p:cNvGrpSpPr/>
+          <p:nvPr/>
+        </p:nvGrpSpPr>
+        <p:grpSpPr>
+          <a:xfrm>
+            <a:off x="2734541" y="1625164"/>
+            <a:ext cx="1936000" cy="584775"/>
+            <a:chOff x="2864845" y="1716007"/>
+            <a:chExt cx="1936000" cy="584775"/>
+          </a:xfrm>
+        </p:grpSpPr>
+        <p:sp>
+          <p:nvSpPr>
+            <p:cNvPr id="29" name="正方形/長方形 28">
+              <a:extLst>
+                <a:ext uri="{FF2B5EF4-FFF2-40B4-BE49-F238E27FC236}">
+                  <a16:creationId xmlns:a16="http://schemas.microsoft.com/office/drawing/2014/main" id="{99EEF1DB-6E18-E742-98E0-97DF348BDD4F}"/>
+                </a:ext>
+              </a:extLst>
+            </p:cNvPr>
+            <p:cNvSpPr/>
+            <p:nvPr/>
+          </p:nvSpPr>
+          <p:spPr>
+            <a:xfrm>
+              <a:off x="2868906" y="1716007"/>
+              <a:ext cx="1931939" cy="553495"/>
+            </a:xfrm>
+            <a:prstGeom prst="rect">
+              <a:avLst/>
+            </a:prstGeom>
+            <a:solidFill>
+              <a:schemeClr val="accent4">
+                <a:lumMod val="60000"/>
+                <a:lumOff val="40000"/>
+              </a:schemeClr>
+            </a:solidFill>
+            <a:ln w="76200">
+              <a:solidFill>
+                <a:schemeClr val="accent4">
+                  <a:lumMod val="60000"/>
+                  <a:lumOff val="40000"/>
+                </a:schemeClr>
+              </a:solidFill>
+            </a:ln>
+          </p:spPr>
+          <p:style>
+            <a:lnRef idx="2">
+              <a:schemeClr val="accent1">
+                <a:shade val="50000"/>
+              </a:schemeClr>
+            </a:lnRef>
+            <a:fillRef idx="1">
+              <a:schemeClr val="accent1"/>
+            </a:fillRef>
+            <a:effectRef idx="0">
+              <a:schemeClr val="accent1"/>
+            </a:effectRef>
+            <a:fontRef idx="minor">
+              <a:schemeClr val="lt1"/>
+            </a:fontRef>
+          </p:style>
+          <p:txBody>
+            <a:bodyPr rtlCol="0" anchor="ctr"/>
+            <a:lstStyle/>
+            <a:p>
+              <a:pPr algn="ctr"/>
+              <a:endParaRPr kumimoji="1" lang="ja-JP" altLang="en-US"/>
+            </a:p>
+          </p:txBody>
+        </p:sp>
+        <p:sp>
+          <p:nvSpPr>
+            <p:cNvPr id="27" name="テキスト ボックス 26">
+              <a:extLst>
+                <a:ext uri="{FF2B5EF4-FFF2-40B4-BE49-F238E27FC236}">
+                  <a16:creationId xmlns:a16="http://schemas.microsoft.com/office/drawing/2014/main" id="{71920675-91BA-BC46-B05D-F3FA623D7771}"/>
+                </a:ext>
+              </a:extLst>
+            </p:cNvPr>
+            <p:cNvSpPr txBox="1"/>
+            <p:nvPr/>
+          </p:nvSpPr>
+          <p:spPr>
+            <a:xfrm>
+              <a:off x="2864845" y="1716007"/>
+              <a:ext cx="1931939" cy="584775"/>
+            </a:xfrm>
+            <a:prstGeom prst="rect">
+              <a:avLst/>
+            </a:prstGeom>
+            <a:noFill/>
+          </p:spPr>
+          <p:txBody>
+            <a:bodyPr wrap="none" rtlCol="0">
+              <a:spAutoFit/>
+            </a:bodyPr>
+            <a:lstStyle/>
+            <a:p>
+              <a:r>
+                <a:rPr kumimoji="1" lang="en-US" altLang="ja-JP" sz="3200" dirty="0">
+                  <a:latin typeface="Hiragino Kaku Gothic Pro W3" panose="020B0300000000000000" pitchFamily="34" charset="-128"/>
+                  <a:ea typeface="Hiragino Kaku Gothic Pro W3" panose="020B0300000000000000" pitchFamily="34" charset="-128"/>
+                </a:rPr>
+                <a:t>Canvas1</a:t>
+              </a:r>
+              <a:endParaRPr kumimoji="1" lang="ja-JP" altLang="en-US" sz="3200">
+                <a:latin typeface="Hiragino Kaku Gothic Pro W3" panose="020B0300000000000000" pitchFamily="34" charset="-128"/>
+                <a:ea typeface="Hiragino Kaku Gothic Pro W3" panose="020B0300000000000000" pitchFamily="34" charset="-128"/>
+              </a:endParaRPr>
+            </a:p>
+          </p:txBody>
+        </p:sp>
+      </p:grpSp>
+      <p:grpSp>
+        <p:nvGrpSpPr>
+          <p:cNvPr id="33" name="グループ化 32">
+            <a:extLst>
+              <a:ext uri="{FF2B5EF4-FFF2-40B4-BE49-F238E27FC236}">
+                <a16:creationId xmlns:a16="http://schemas.microsoft.com/office/drawing/2014/main" id="{484F91A4-9201-914F-BE96-E3072CFAAC9D}"/>
+              </a:ext>
+            </a:extLst>
+          </p:cNvPr>
+          <p:cNvGrpSpPr/>
+          <p:nvPr/>
+        </p:nvGrpSpPr>
+        <p:grpSpPr>
+          <a:xfrm>
+            <a:off x="5691317" y="1609523"/>
+            <a:ext cx="1931939" cy="584775"/>
+            <a:chOff x="5799469" y="1647125"/>
+            <a:chExt cx="1931939" cy="584775"/>
+          </a:xfrm>
+        </p:grpSpPr>
+        <p:sp>
+          <p:nvSpPr>
+            <p:cNvPr id="30" name="正方形/長方形 29">
+              <a:extLst>
+                <a:ext uri="{FF2B5EF4-FFF2-40B4-BE49-F238E27FC236}">
+                  <a16:creationId xmlns:a16="http://schemas.microsoft.com/office/drawing/2014/main" id="{43A961C6-1C86-2F40-98E2-B8DF47A3A53B}"/>
+                </a:ext>
+              </a:extLst>
+            </p:cNvPr>
+            <p:cNvSpPr/>
+            <p:nvPr/>
+          </p:nvSpPr>
+          <p:spPr>
+            <a:xfrm>
+              <a:off x="5799469" y="1662766"/>
+              <a:ext cx="1931939" cy="553495"/>
+            </a:xfrm>
+            <a:prstGeom prst="rect">
+              <a:avLst/>
+            </a:prstGeom>
+            <a:solidFill>
+              <a:schemeClr val="accent2">
+                <a:lumMod val="60000"/>
+                <a:lumOff val="40000"/>
+              </a:schemeClr>
+            </a:solidFill>
+            <a:ln w="76200">
+              <a:solidFill>
+                <a:schemeClr val="accent2">
+                  <a:lumMod val="60000"/>
+                  <a:lumOff val="40000"/>
+                </a:schemeClr>
+              </a:solidFill>
+            </a:ln>
+          </p:spPr>
+          <p:style>
+            <a:lnRef idx="2">
+              <a:schemeClr val="accent1">
+                <a:shade val="50000"/>
+              </a:schemeClr>
+            </a:lnRef>
+            <a:fillRef idx="1">
+              <a:schemeClr val="accent1"/>
+            </a:fillRef>
+            <a:effectRef idx="0">
+              <a:schemeClr val="accent1"/>
+            </a:effectRef>
+            <a:fontRef idx="minor">
+              <a:schemeClr val="lt1"/>
+            </a:fontRef>
+          </p:style>
+          <p:txBody>
+            <a:bodyPr rtlCol="0" anchor="ctr"/>
+            <a:lstStyle/>
+            <a:p>
+              <a:pPr algn="ctr"/>
+              <a:endParaRPr kumimoji="1" lang="ja-JP" altLang="en-US"/>
+            </a:p>
+          </p:txBody>
+        </p:sp>
+        <p:sp>
+          <p:nvSpPr>
+            <p:cNvPr id="31" name="テキスト ボックス 30">
+              <a:extLst>
+                <a:ext uri="{FF2B5EF4-FFF2-40B4-BE49-F238E27FC236}">
+                  <a16:creationId xmlns:a16="http://schemas.microsoft.com/office/drawing/2014/main" id="{81C179FE-F9C7-7C44-A10A-096E9C10B780}"/>
+                </a:ext>
+              </a:extLst>
+            </p:cNvPr>
+            <p:cNvSpPr txBox="1"/>
+            <p:nvPr/>
+          </p:nvSpPr>
+          <p:spPr>
+            <a:xfrm>
+              <a:off x="5799469" y="1647125"/>
+              <a:ext cx="1931939" cy="584775"/>
+            </a:xfrm>
+            <a:prstGeom prst="rect">
+              <a:avLst/>
+            </a:prstGeom>
+            <a:noFill/>
+          </p:spPr>
+          <p:txBody>
+            <a:bodyPr wrap="none" rtlCol="0">
+              <a:spAutoFit/>
+            </a:bodyPr>
+            <a:lstStyle/>
+            <a:p>
+              <a:r>
+                <a:rPr kumimoji="1" lang="en-US" altLang="ja-JP" sz="3200" dirty="0">
+                  <a:latin typeface="Hiragino Kaku Gothic Pro W3" panose="020B0300000000000000" pitchFamily="34" charset="-128"/>
+                  <a:ea typeface="Hiragino Kaku Gothic Pro W3" panose="020B0300000000000000" pitchFamily="34" charset="-128"/>
+                </a:rPr>
+                <a:t>Canvas2</a:t>
+              </a:r>
+              <a:endParaRPr kumimoji="1" lang="ja-JP" altLang="en-US" sz="3200">
+                <a:latin typeface="Hiragino Kaku Gothic Pro W3" panose="020B0300000000000000" pitchFamily="34" charset="-128"/>
+                <a:ea typeface="Hiragino Kaku Gothic Pro W3" panose="020B0300000000000000" pitchFamily="34" charset="-128"/>
+              </a:endParaRPr>
+            </a:p>
+          </p:txBody>
+        </p:sp>
+      </p:grpSp>
+    </p:spTree>
+    <p:extLst>
+      <p:ext uri="{BB962C8B-B14F-4D97-AF65-F5344CB8AC3E}">
+        <p14:creationId xmlns:p14="http://schemas.microsoft.com/office/powerpoint/2010/main" val="2454437620"/>
+      </p:ext>
+    </p:extLst>
+  </p:cSld>
+  <p:clrMapOvr>
+    <a:masterClrMapping/>
+  </p:clrMapOvr>
+</p:sld>
+</file>
+
+<file path=ppt/slides/slide4.xml><?xml version="1.0" encoding="utf-8"?>
+<p:sld xmlns:a="http://schemas.openxmlformats.org/drawingml/2006/main" xmlns:r="http://schemas.openxmlformats.org/officeDocument/2006/relationships" xmlns:p="http://schemas.openxmlformats.org/presentationml/2006/main">
+  <p:cSld>
+    <p:bg>
+      <p:bgPr>
+        <a:solidFill>
+          <a:schemeClr val="bg1"/>
+        </a:solidFill>
+        <a:effectLst/>
+      </p:bgPr>
+    </p:bg>
+    <p:spTree>
+      <p:nvGrpSpPr>
+        <p:cNvPr id="1" name=""/>
+        <p:cNvGrpSpPr/>
+        <p:nvPr/>
+      </p:nvGrpSpPr>
+      <p:grpSpPr>
+        <a:xfrm>
+          <a:off x="0" y="0"/>
+          <a:ext cx="0" cy="0"/>
+          <a:chOff x="0" y="0"/>
+          <a:chExt cx="0" cy="0"/>
+        </a:xfrm>
+      </p:grpSpPr>
+      <p:sp>
+        <p:nvSpPr>
+          <p:cNvPr id="60" name="正方形/長方形 59">
+            <a:extLst>
+              <a:ext uri="{FF2B5EF4-FFF2-40B4-BE49-F238E27FC236}">
+                <a16:creationId xmlns:a16="http://schemas.microsoft.com/office/drawing/2014/main" id="{28695312-9249-BE4C-8B44-9E254A602C57}"/>
+              </a:ext>
+            </a:extLst>
+          </p:cNvPr>
+          <p:cNvSpPr/>
+          <p:nvPr/>
+        </p:nvSpPr>
+        <p:spPr>
+          <a:xfrm rot="5400000">
+            <a:off x="8210848" y="5265487"/>
+            <a:ext cx="216000" cy="2018275"/>
+          </a:xfrm>
+          <a:prstGeom prst="rect">
+            <a:avLst/>
+          </a:prstGeom>
+          <a:solidFill>
+            <a:schemeClr val="tx1">
+              <a:lumMod val="65000"/>
+              <a:lumOff val="35000"/>
+            </a:schemeClr>
+          </a:solidFill>
+          <a:ln>
+            <a:noFill/>
+          </a:ln>
+        </p:spPr>
+        <p:style>
+          <a:lnRef idx="2">
+            <a:schemeClr val="accent1">
+              <a:shade val="50000"/>
+            </a:schemeClr>
+          </a:lnRef>
+          <a:fillRef idx="1">
+            <a:schemeClr val="accent1"/>
+          </a:fillRef>
+          <a:effectRef idx="0">
+            <a:schemeClr val="accent1"/>
+          </a:effectRef>
+          <a:fontRef idx="minor">
+            <a:schemeClr val="lt1"/>
+          </a:fontRef>
+        </p:style>
+        <p:txBody>
+          <a:bodyPr rtlCol="0" anchor="ctr"/>
+          <a:lstStyle/>
+          <a:p>
+            <a:pPr algn="ctr"/>
+            <a:endParaRPr kumimoji="1" lang="ja-JP" altLang="en-US"/>
+          </a:p>
+        </p:txBody>
+      </p:sp>
+      <p:sp>
+        <p:nvSpPr>
+          <p:cNvPr id="58" name="正方形/長方形 57">
+            <a:extLst>
+              <a:ext uri="{FF2B5EF4-FFF2-40B4-BE49-F238E27FC236}">
+                <a16:creationId xmlns:a16="http://schemas.microsoft.com/office/drawing/2014/main" id="{84042A17-700A-6A4D-B686-BECEFA4F684B}"/>
+              </a:ext>
+            </a:extLst>
+          </p:cNvPr>
+          <p:cNvSpPr/>
+          <p:nvPr/>
+        </p:nvSpPr>
+        <p:spPr>
+          <a:xfrm>
+            <a:off x="6771449" y="1528592"/>
+            <a:ext cx="188400" cy="4820799"/>
+          </a:xfrm>
+          <a:prstGeom prst="rect">
+            <a:avLst/>
+          </a:prstGeom>
+          <a:solidFill>
+            <a:schemeClr val="tx1">
+              <a:lumMod val="65000"/>
+              <a:lumOff val="35000"/>
+            </a:schemeClr>
+          </a:solidFill>
+          <a:ln>
+            <a:noFill/>
+          </a:ln>
+        </p:spPr>
+        <p:style>
+          <a:lnRef idx="2">
+            <a:schemeClr val="accent1">
+              <a:shade val="50000"/>
+            </a:schemeClr>
+          </a:lnRef>
+          <a:fillRef idx="1">
+            <a:schemeClr val="accent1"/>
+          </a:fillRef>
+          <a:effectRef idx="0">
+            <a:schemeClr val="accent1"/>
+          </a:effectRef>
+          <a:fontRef idx="minor">
+            <a:schemeClr val="lt1"/>
+          </a:fontRef>
+        </p:style>
+        <p:txBody>
+          <a:bodyPr rtlCol="0" anchor="ctr"/>
+          <a:lstStyle/>
+          <a:p>
+            <a:pPr algn="ctr"/>
+            <a:endParaRPr kumimoji="1" lang="ja-JP" altLang="en-US"/>
+          </a:p>
+        </p:txBody>
+      </p:sp>
+      <p:sp>
+        <p:nvSpPr>
+          <p:cNvPr id="12" name="正方形/長方形 11">
+            <a:extLst>
+              <a:ext uri="{FF2B5EF4-FFF2-40B4-BE49-F238E27FC236}">
+                <a16:creationId xmlns:a16="http://schemas.microsoft.com/office/drawing/2014/main" id="{F74780CC-6546-6F43-A56E-47C1AF7FC269}"/>
+              </a:ext>
+            </a:extLst>
+          </p:cNvPr>
+          <p:cNvSpPr/>
+          <p:nvPr/>
+        </p:nvSpPr>
+        <p:spPr>
+          <a:xfrm>
+            <a:off x="1830056" y="1625613"/>
+            <a:ext cx="188400" cy="4820799"/>
+          </a:xfrm>
+          <a:prstGeom prst="rect">
+            <a:avLst/>
+          </a:prstGeom>
+          <a:solidFill>
+            <a:schemeClr val="tx1">
+              <a:lumMod val="65000"/>
+              <a:lumOff val="35000"/>
+            </a:schemeClr>
+          </a:solidFill>
+          <a:ln>
+            <a:noFill/>
+          </a:ln>
+        </p:spPr>
+        <p:style>
+          <a:lnRef idx="2">
+            <a:schemeClr val="accent1">
+              <a:shade val="50000"/>
+            </a:schemeClr>
+          </a:lnRef>
+          <a:fillRef idx="1">
+            <a:schemeClr val="accent1"/>
+          </a:fillRef>
+          <a:effectRef idx="0">
+            <a:schemeClr val="accent1"/>
+          </a:effectRef>
+          <a:fontRef idx="minor">
+            <a:schemeClr val="lt1"/>
+          </a:fontRef>
+        </p:style>
+        <p:txBody>
+          <a:bodyPr rtlCol="0" anchor="ctr"/>
+          <a:lstStyle/>
+          <a:p>
+            <a:pPr algn="ctr"/>
+            <a:endParaRPr kumimoji="1" lang="ja-JP" altLang="en-US"/>
+          </a:p>
+        </p:txBody>
+      </p:sp>
+      <p:grpSp>
+        <p:nvGrpSpPr>
+          <p:cNvPr id="9" name="グループ化 8">
+            <a:extLst>
+              <a:ext uri="{FF2B5EF4-FFF2-40B4-BE49-F238E27FC236}">
+                <a16:creationId xmlns:a16="http://schemas.microsoft.com/office/drawing/2014/main" id="{A7F1A9F5-0423-AF49-A5C0-48F20291EE27}"/>
+              </a:ext>
+            </a:extLst>
+          </p:cNvPr>
+          <p:cNvGrpSpPr/>
+          <p:nvPr/>
+        </p:nvGrpSpPr>
+        <p:grpSpPr>
+          <a:xfrm>
+            <a:off x="481955" y="985444"/>
+            <a:ext cx="2884602" cy="1041695"/>
+            <a:chOff x="433633" y="160256"/>
+            <a:chExt cx="2884602" cy="1041695"/>
+          </a:xfrm>
+        </p:grpSpPr>
+        <p:sp>
+          <p:nvSpPr>
+            <p:cNvPr id="3" name="角丸四角形 2">
+              <a:extLst>
+                <a:ext uri="{FF2B5EF4-FFF2-40B4-BE49-F238E27FC236}">
+                  <a16:creationId xmlns:a16="http://schemas.microsoft.com/office/drawing/2014/main" id="{EB6AAA4C-95F3-CD46-9DF2-4542B805D92E}"/>
+                </a:ext>
+              </a:extLst>
+            </p:cNvPr>
+            <p:cNvSpPr/>
+            <p:nvPr/>
+          </p:nvSpPr>
+          <p:spPr>
+            <a:xfrm>
+              <a:off x="433633" y="160256"/>
+              <a:ext cx="2884602" cy="1041695"/>
+            </a:xfrm>
+            <a:prstGeom prst="roundRect">
+              <a:avLst>
+                <a:gd name="adj" fmla="val 50000"/>
+              </a:avLst>
+            </a:prstGeom>
+            <a:solidFill>
+              <a:schemeClr val="accent3">
+                <a:lumMod val="40000"/>
+                <a:lumOff val="60000"/>
+              </a:schemeClr>
+            </a:solidFill>
+            <a:ln>
+              <a:noFill/>
+            </a:ln>
+          </p:spPr>
+          <p:style>
+            <a:lnRef idx="2">
+              <a:schemeClr val="accent1">
+                <a:shade val="50000"/>
+              </a:schemeClr>
+            </a:lnRef>
+            <a:fillRef idx="1">
+              <a:schemeClr val="accent1"/>
+            </a:fillRef>
+            <a:effectRef idx="0">
+              <a:schemeClr val="accent1"/>
+            </a:effectRef>
+            <a:fontRef idx="minor">
+              <a:schemeClr val="lt1"/>
+            </a:fontRef>
+          </p:style>
+          <p:txBody>
+            <a:bodyPr rtlCol="0" anchor="ctr"/>
+            <a:lstStyle/>
+            <a:p>
+              <a:pPr algn="ctr"/>
+              <a:endParaRPr kumimoji="1" lang="ja-JP" altLang="en-US" sz="2400">
+                <a:latin typeface="Hiragino Kaku Gothic Pro W3" panose="020B0300000000000000" pitchFamily="34" charset="-128"/>
+                <a:ea typeface="Hiragino Kaku Gothic Pro W3" panose="020B0300000000000000" pitchFamily="34" charset="-128"/>
+              </a:endParaRPr>
+            </a:p>
+          </p:txBody>
+        </p:sp>
+        <p:sp>
+          <p:nvSpPr>
+            <p:cNvPr id="4" name="テキスト ボックス 3">
+              <a:extLst>
+                <a:ext uri="{FF2B5EF4-FFF2-40B4-BE49-F238E27FC236}">
+                  <a16:creationId xmlns:a16="http://schemas.microsoft.com/office/drawing/2014/main" id="{AD0D9F82-04F2-AC47-BC44-DD09E543310D}"/>
+                </a:ext>
+              </a:extLst>
+            </p:cNvPr>
+            <p:cNvSpPr txBox="1"/>
+            <p:nvPr/>
+          </p:nvSpPr>
+          <p:spPr>
+            <a:xfrm>
+              <a:off x="1409836" y="450270"/>
+              <a:ext cx="800219" cy="461665"/>
+            </a:xfrm>
+            <a:prstGeom prst="rect">
+              <a:avLst/>
+            </a:prstGeom>
+            <a:noFill/>
+          </p:spPr>
+          <p:txBody>
+            <a:bodyPr wrap="none" rtlCol="0">
+              <a:spAutoFit/>
+            </a:bodyPr>
+            <a:lstStyle/>
+            <a:p>
+              <a:r>
+                <a:rPr kumimoji="1" lang="ja-JP" altLang="en-US" sz="2400">
+                  <a:latin typeface="Hiragino Kaku Gothic Pro W3" panose="020B0300000000000000" pitchFamily="34" charset="-128"/>
+                  <a:ea typeface="Hiragino Kaku Gothic Pro W3" panose="020B0300000000000000" pitchFamily="34" charset="-128"/>
+                </a:rPr>
+                <a:t>開始</a:t>
+              </a:r>
+            </a:p>
+          </p:txBody>
+        </p:sp>
+      </p:grpSp>
+      <p:grpSp>
+        <p:nvGrpSpPr>
+          <p:cNvPr id="8" name="グループ化 7">
+            <a:extLst>
+              <a:ext uri="{FF2B5EF4-FFF2-40B4-BE49-F238E27FC236}">
+                <a16:creationId xmlns:a16="http://schemas.microsoft.com/office/drawing/2014/main" id="{6CB2FD18-DD8D-194F-9FA9-852CBED88C0C}"/>
+              </a:ext>
+            </a:extLst>
+          </p:cNvPr>
+          <p:cNvGrpSpPr/>
+          <p:nvPr/>
+        </p:nvGrpSpPr>
+        <p:grpSpPr>
+          <a:xfrm>
+            <a:off x="481955" y="2653204"/>
+            <a:ext cx="2884602" cy="906736"/>
+            <a:chOff x="433634" y="1847654"/>
+            <a:chExt cx="2884602" cy="906736"/>
+          </a:xfrm>
+        </p:grpSpPr>
+        <p:sp>
+          <p:nvSpPr>
+            <p:cNvPr id="2" name="正方形/長方形 1">
+              <a:extLst>
+                <a:ext uri="{FF2B5EF4-FFF2-40B4-BE49-F238E27FC236}">
+                  <a16:creationId xmlns:a16="http://schemas.microsoft.com/office/drawing/2014/main" id="{7E1680D2-7654-2246-9D26-02403541059B}"/>
+                </a:ext>
+              </a:extLst>
+            </p:cNvPr>
+            <p:cNvSpPr/>
+            <p:nvPr/>
+          </p:nvSpPr>
+          <p:spPr>
+            <a:xfrm>
+              <a:off x="433634" y="1847654"/>
+              <a:ext cx="2884602" cy="906736"/>
+            </a:xfrm>
+            <a:prstGeom prst="rect">
+              <a:avLst/>
+            </a:prstGeom>
+            <a:solidFill>
+              <a:schemeClr val="accent2">
+                <a:lumMod val="40000"/>
+                <a:lumOff val="60000"/>
+              </a:schemeClr>
+            </a:solidFill>
+            <a:ln>
+              <a:noFill/>
+            </a:ln>
+          </p:spPr>
+          <p:style>
+            <a:lnRef idx="2">
+              <a:schemeClr val="accent1">
+                <a:shade val="50000"/>
+              </a:schemeClr>
+            </a:lnRef>
+            <a:fillRef idx="1">
+              <a:schemeClr val="accent1"/>
+            </a:fillRef>
+            <a:effectRef idx="0">
+              <a:schemeClr val="accent1"/>
+            </a:effectRef>
+            <a:fontRef idx="minor">
+              <a:schemeClr val="lt1"/>
+            </a:fontRef>
+          </p:style>
+          <p:txBody>
+            <a:bodyPr rtlCol="0" anchor="ctr"/>
+            <a:lstStyle/>
+            <a:p>
+              <a:pPr algn="ctr"/>
+              <a:endParaRPr kumimoji="1" lang="ja-JP" altLang="en-US"/>
+            </a:p>
+          </p:txBody>
+        </p:sp>
+        <p:sp>
+          <p:nvSpPr>
+            <p:cNvPr id="15" name="テキスト ボックス 14">
+              <a:extLst>
+                <a:ext uri="{FF2B5EF4-FFF2-40B4-BE49-F238E27FC236}">
+                  <a16:creationId xmlns:a16="http://schemas.microsoft.com/office/drawing/2014/main" id="{B8F072AC-45EB-BF42-8B52-D76FC2F3730F}"/>
+                </a:ext>
+              </a:extLst>
+            </p:cNvPr>
+            <p:cNvSpPr txBox="1"/>
+            <p:nvPr/>
+          </p:nvSpPr>
+          <p:spPr>
+            <a:xfrm>
+              <a:off x="460323" y="1880622"/>
+              <a:ext cx="2831224" cy="830997"/>
+            </a:xfrm>
+            <a:prstGeom prst="rect">
+              <a:avLst/>
+            </a:prstGeom>
+            <a:noFill/>
+          </p:spPr>
+          <p:txBody>
+            <a:bodyPr wrap="none" rtlCol="0">
+              <a:spAutoFit/>
+            </a:bodyPr>
+            <a:lstStyle/>
+            <a:p>
+              <a:r>
+                <a:rPr lang="en-US" altLang="ja-JP" sz="2400" dirty="0">
+                  <a:latin typeface="Hiragino Kaku Gothic Pro W3" panose="020B0300000000000000" pitchFamily="34" charset="-128"/>
+                  <a:ea typeface="Hiragino Kaku Gothic Pro W3" panose="020B0300000000000000" pitchFamily="34" charset="-128"/>
+                </a:rPr>
+                <a:t>Canvas</a:t>
+              </a:r>
+              <a:r>
+                <a:rPr lang="ja-JP" altLang="en-US" sz="2400">
+                  <a:latin typeface="Hiragino Kaku Gothic Pro W3" panose="020B0300000000000000" pitchFamily="34" charset="-128"/>
+                  <a:ea typeface="Hiragino Kaku Gothic Pro W3" panose="020B0300000000000000" pitchFamily="34" charset="-128"/>
+                </a:rPr>
+                <a:t>要素の取得</a:t>
+              </a:r>
+              <a:endParaRPr lang="en-US" altLang="ja-JP" sz="2400" dirty="0">
+                <a:latin typeface="Hiragino Kaku Gothic Pro W3" panose="020B0300000000000000" pitchFamily="34" charset="-128"/>
+                <a:ea typeface="Hiragino Kaku Gothic Pro W3" panose="020B0300000000000000" pitchFamily="34" charset="-128"/>
+              </a:endParaRPr>
+            </a:p>
+            <a:p>
+              <a:r>
+                <a:rPr kumimoji="1" lang="en-US" altLang="ja-JP" sz="2400" dirty="0">
+                  <a:latin typeface="Hiragino Kaku Gothic Pro W3" panose="020B0300000000000000" pitchFamily="34" charset="-128"/>
+                  <a:ea typeface="Hiragino Kaku Gothic Pro W3" panose="020B0300000000000000" pitchFamily="34" charset="-128"/>
+                </a:rPr>
+                <a:t>Worker</a:t>
+              </a:r>
+              <a:r>
+                <a:rPr kumimoji="1" lang="ja-JP" altLang="en-US" sz="2400">
+                  <a:latin typeface="Hiragino Kaku Gothic Pro W3" panose="020B0300000000000000" pitchFamily="34" charset="-128"/>
+                  <a:ea typeface="Hiragino Kaku Gothic Pro W3" panose="020B0300000000000000" pitchFamily="34" charset="-128"/>
+                </a:rPr>
+                <a:t>の作成</a:t>
+              </a:r>
+            </a:p>
+          </p:txBody>
+        </p:sp>
+      </p:grpSp>
+      <p:grpSp>
+        <p:nvGrpSpPr>
+          <p:cNvPr id="7" name="グループ化 6">
+            <a:extLst>
+              <a:ext uri="{FF2B5EF4-FFF2-40B4-BE49-F238E27FC236}">
+                <a16:creationId xmlns:a16="http://schemas.microsoft.com/office/drawing/2014/main" id="{0CB8BA51-DA76-8344-A99F-B974214B004A}"/>
+              </a:ext>
+            </a:extLst>
+          </p:cNvPr>
+          <p:cNvGrpSpPr/>
+          <p:nvPr/>
+        </p:nvGrpSpPr>
+        <p:grpSpPr>
+          <a:xfrm>
+            <a:off x="481955" y="4186005"/>
+            <a:ext cx="2884602" cy="1015664"/>
+            <a:chOff x="441070" y="3037116"/>
+            <a:chExt cx="2884602" cy="1015664"/>
+          </a:xfrm>
+        </p:grpSpPr>
+        <p:sp>
+          <p:nvSpPr>
+            <p:cNvPr id="16" name="正方形/長方形 15">
+              <a:extLst>
+                <a:ext uri="{FF2B5EF4-FFF2-40B4-BE49-F238E27FC236}">
+                  <a16:creationId xmlns:a16="http://schemas.microsoft.com/office/drawing/2014/main" id="{1BD65ADC-16F7-EB46-9468-82257B3F6E99}"/>
+                </a:ext>
+              </a:extLst>
+            </p:cNvPr>
+            <p:cNvSpPr/>
+            <p:nvPr/>
+          </p:nvSpPr>
+          <p:spPr>
+            <a:xfrm>
+              <a:off x="441070" y="3037116"/>
+              <a:ext cx="2884602" cy="1015663"/>
+            </a:xfrm>
+            <a:prstGeom prst="rect">
+              <a:avLst/>
+            </a:prstGeom>
+            <a:solidFill>
+              <a:schemeClr val="accent2">
+                <a:lumMod val="40000"/>
+                <a:lumOff val="60000"/>
+              </a:schemeClr>
+            </a:solidFill>
+            <a:ln>
+              <a:noFill/>
+            </a:ln>
+          </p:spPr>
+          <p:style>
+            <a:lnRef idx="2">
+              <a:schemeClr val="accent1">
+                <a:shade val="50000"/>
+              </a:schemeClr>
+            </a:lnRef>
+            <a:fillRef idx="1">
+              <a:schemeClr val="accent1"/>
+            </a:fillRef>
+            <a:effectRef idx="0">
+              <a:schemeClr val="accent1"/>
+            </a:effectRef>
+            <a:fontRef idx="minor">
+              <a:schemeClr val="lt1"/>
+            </a:fontRef>
+          </p:style>
+          <p:txBody>
+            <a:bodyPr rtlCol="0" anchor="ctr"/>
+            <a:lstStyle/>
+            <a:p>
+              <a:pPr algn="ctr"/>
+              <a:endParaRPr kumimoji="1" lang="ja-JP" altLang="en-US"/>
+            </a:p>
+          </p:txBody>
+        </p:sp>
+        <p:sp>
+          <p:nvSpPr>
+            <p:cNvPr id="17" name="テキスト ボックス 16">
+              <a:extLst>
+                <a:ext uri="{FF2B5EF4-FFF2-40B4-BE49-F238E27FC236}">
+                  <a16:creationId xmlns:a16="http://schemas.microsoft.com/office/drawing/2014/main" id="{76CEA443-2C4E-AA46-8017-69AD715D3E2C}"/>
+                </a:ext>
+              </a:extLst>
+            </p:cNvPr>
+            <p:cNvSpPr txBox="1"/>
+            <p:nvPr/>
+          </p:nvSpPr>
+          <p:spPr>
+            <a:xfrm>
+              <a:off x="563138" y="3037117"/>
+              <a:ext cx="2640466" cy="1015663"/>
+            </a:xfrm>
+            <a:prstGeom prst="rect">
+              <a:avLst/>
+            </a:prstGeom>
+            <a:noFill/>
+          </p:spPr>
+          <p:txBody>
+            <a:bodyPr wrap="none" rtlCol="0">
+              <a:spAutoFit/>
+            </a:bodyPr>
+            <a:lstStyle/>
+            <a:p>
+              <a:r>
+                <a:rPr lang="en-US" altLang="ja-JP" sz="2000" dirty="0" err="1">
+                  <a:latin typeface="Hiragino Kaku Gothic Pro W3" panose="020B0300000000000000" pitchFamily="34" charset="-128"/>
+                  <a:ea typeface="Hiragino Kaku Gothic Pro W3" panose="020B0300000000000000" pitchFamily="34" charset="-128"/>
+                </a:rPr>
+                <a:t>OffscreenCanvas</a:t>
+              </a:r>
+              <a:r>
+                <a:rPr lang="ja-JP" altLang="en-US" sz="2000">
+                  <a:latin typeface="Hiragino Kaku Gothic Pro W3" panose="020B0300000000000000" pitchFamily="34" charset="-128"/>
+                  <a:ea typeface="Hiragino Kaku Gothic Pro W3" panose="020B0300000000000000" pitchFamily="34" charset="-128"/>
+                </a:rPr>
+                <a:t>へ</a:t>
+              </a:r>
+              <a:endParaRPr lang="en-US" altLang="ja-JP" sz="2000" dirty="0">
+                <a:latin typeface="Hiragino Kaku Gothic Pro W3" panose="020B0300000000000000" pitchFamily="34" charset="-128"/>
+                <a:ea typeface="Hiragino Kaku Gothic Pro W3" panose="020B0300000000000000" pitchFamily="34" charset="-128"/>
+              </a:endParaRPr>
+            </a:p>
+            <a:p>
+              <a:r>
+                <a:rPr lang="ja-JP" altLang="en-US" sz="2000">
+                  <a:latin typeface="Hiragino Kaku Gothic Pro W3" panose="020B0300000000000000" pitchFamily="34" charset="-128"/>
+                  <a:ea typeface="Hiragino Kaku Gothic Pro W3" panose="020B0300000000000000" pitchFamily="34" charset="-128"/>
+                </a:rPr>
+                <a:t>描画のコントロール</a:t>
+              </a:r>
+              <a:endParaRPr lang="en-US" altLang="ja-JP" sz="2000" dirty="0">
+                <a:latin typeface="Hiragino Kaku Gothic Pro W3" panose="020B0300000000000000" pitchFamily="34" charset="-128"/>
+                <a:ea typeface="Hiragino Kaku Gothic Pro W3" panose="020B0300000000000000" pitchFamily="34" charset="-128"/>
+              </a:endParaRPr>
+            </a:p>
+            <a:p>
+              <a:r>
+                <a:rPr kumimoji="1" lang="ja-JP" altLang="en-US" sz="2000">
+                  <a:latin typeface="Hiragino Kaku Gothic Pro W3" panose="020B0300000000000000" pitchFamily="34" charset="-128"/>
+                  <a:ea typeface="Hiragino Kaku Gothic Pro W3" panose="020B0300000000000000" pitchFamily="34" charset="-128"/>
+                </a:rPr>
+                <a:t>を委譲</a:t>
+              </a:r>
+            </a:p>
+          </p:txBody>
+        </p:sp>
+      </p:grpSp>
+      <p:grpSp>
+        <p:nvGrpSpPr>
+          <p:cNvPr id="5" name="グループ化 4">
+            <a:extLst>
+              <a:ext uri="{FF2B5EF4-FFF2-40B4-BE49-F238E27FC236}">
+                <a16:creationId xmlns:a16="http://schemas.microsoft.com/office/drawing/2014/main" id="{41B890CE-9922-DB41-B6A2-BF07E4FFF45B}"/>
+              </a:ext>
+            </a:extLst>
+          </p:cNvPr>
+          <p:cNvGrpSpPr/>
+          <p:nvPr/>
+        </p:nvGrpSpPr>
+        <p:grpSpPr>
+          <a:xfrm>
+            <a:off x="481955" y="5827734"/>
+            <a:ext cx="2884602" cy="805744"/>
+            <a:chOff x="441070" y="5002546"/>
+            <a:chExt cx="2884602" cy="805744"/>
+          </a:xfrm>
+        </p:grpSpPr>
+        <p:sp>
+          <p:nvSpPr>
+            <p:cNvPr id="24" name="正方形/長方形 23">
+              <a:extLst>
+                <a:ext uri="{FF2B5EF4-FFF2-40B4-BE49-F238E27FC236}">
+                  <a16:creationId xmlns:a16="http://schemas.microsoft.com/office/drawing/2014/main" id="{303D3B0D-9063-734B-A195-D585B48E43D9}"/>
+                </a:ext>
+              </a:extLst>
+            </p:cNvPr>
+            <p:cNvSpPr/>
+            <p:nvPr/>
+          </p:nvSpPr>
+          <p:spPr>
+            <a:xfrm>
+              <a:off x="441070" y="5002546"/>
+              <a:ext cx="2884602" cy="805744"/>
+            </a:xfrm>
+            <a:prstGeom prst="rect">
+              <a:avLst/>
+            </a:prstGeom>
+            <a:solidFill>
+              <a:schemeClr val="accent2">
+                <a:lumMod val="40000"/>
+                <a:lumOff val="60000"/>
+              </a:schemeClr>
+            </a:solidFill>
+            <a:ln>
+              <a:noFill/>
+            </a:ln>
+          </p:spPr>
+          <p:style>
+            <a:lnRef idx="2">
+              <a:schemeClr val="accent1">
+                <a:shade val="50000"/>
+              </a:schemeClr>
+            </a:lnRef>
+            <a:fillRef idx="1">
+              <a:schemeClr val="accent1"/>
+            </a:fillRef>
+            <a:effectRef idx="0">
+              <a:schemeClr val="accent1"/>
+            </a:effectRef>
+            <a:fontRef idx="minor">
+              <a:schemeClr val="lt1"/>
+            </a:fontRef>
+          </p:style>
+          <p:txBody>
+            <a:bodyPr rtlCol="0" anchor="ctr"/>
+            <a:lstStyle/>
+            <a:p>
+              <a:pPr algn="ctr"/>
+              <a:endParaRPr kumimoji="1" lang="ja-JP" altLang="en-US"/>
+            </a:p>
+          </p:txBody>
+        </p:sp>
+        <p:sp>
+          <p:nvSpPr>
+            <p:cNvPr id="25" name="テキスト ボックス 24">
+              <a:extLst>
+                <a:ext uri="{FF2B5EF4-FFF2-40B4-BE49-F238E27FC236}">
+                  <a16:creationId xmlns:a16="http://schemas.microsoft.com/office/drawing/2014/main" id="{381F0F3D-0101-7D44-AD78-069B22299C78}"/>
+                </a:ext>
+              </a:extLst>
+            </p:cNvPr>
+            <p:cNvSpPr txBox="1"/>
+            <p:nvPr/>
+          </p:nvSpPr>
+          <p:spPr>
+            <a:xfrm>
+              <a:off x="603213" y="5051475"/>
+              <a:ext cx="2560316" cy="707886"/>
+            </a:xfrm>
+            <a:prstGeom prst="rect">
+              <a:avLst/>
+            </a:prstGeom>
+            <a:noFill/>
+          </p:spPr>
+          <p:txBody>
+            <a:bodyPr wrap="none" rtlCol="0">
+              <a:spAutoFit/>
+            </a:bodyPr>
+            <a:lstStyle/>
+            <a:p>
+              <a:r>
+                <a:rPr lang="en-US" altLang="ja-JP" sz="2000" dirty="0">
+                  <a:latin typeface="Hiragino Kaku Gothic Pro W3" panose="020B0300000000000000" pitchFamily="34" charset="-128"/>
+                  <a:ea typeface="Hiragino Kaku Gothic Pro W3" panose="020B0300000000000000" pitchFamily="34" charset="-128"/>
+                </a:rPr>
+                <a:t>Worker</a:t>
+              </a:r>
+              <a:r>
+                <a:rPr lang="ja-JP" altLang="en-US" sz="2000">
+                  <a:latin typeface="Hiragino Kaku Gothic Pro W3" panose="020B0300000000000000" pitchFamily="34" charset="-128"/>
+                  <a:ea typeface="Hiragino Kaku Gothic Pro W3" panose="020B0300000000000000" pitchFamily="34" charset="-128"/>
+                </a:rPr>
+                <a:t>へ</a:t>
+              </a:r>
+              <a:r>
+                <a:rPr lang="en-US" altLang="ja-JP" sz="2000" dirty="0">
+                  <a:latin typeface="Hiragino Kaku Gothic Pro W3" panose="020B0300000000000000" pitchFamily="34" charset="-128"/>
+                  <a:ea typeface="Hiragino Kaku Gothic Pro W3" panose="020B0300000000000000" pitchFamily="34" charset="-128"/>
+                </a:rPr>
+                <a:t>Canvas</a:t>
+              </a:r>
+              <a:r>
+                <a:rPr lang="ja-JP" altLang="en-US" sz="2000">
+                  <a:latin typeface="Hiragino Kaku Gothic Pro W3" panose="020B0300000000000000" pitchFamily="34" charset="-128"/>
+                  <a:ea typeface="Hiragino Kaku Gothic Pro W3" panose="020B0300000000000000" pitchFamily="34" charset="-128"/>
+                </a:rPr>
+                <a:t>，</a:t>
+              </a:r>
+              <a:endParaRPr lang="en-US" altLang="ja-JP" sz="2000" dirty="0">
+                <a:latin typeface="Hiragino Kaku Gothic Pro W3" panose="020B0300000000000000" pitchFamily="34" charset="-128"/>
+                <a:ea typeface="Hiragino Kaku Gothic Pro W3" panose="020B0300000000000000" pitchFamily="34" charset="-128"/>
+              </a:endParaRPr>
+            </a:p>
+            <a:p>
+              <a:r>
+                <a:rPr lang="ja-JP" altLang="en-US" sz="2000">
+                  <a:latin typeface="Hiragino Kaku Gothic Pro W3" panose="020B0300000000000000" pitchFamily="34" charset="-128"/>
+                  <a:ea typeface="Hiragino Kaku Gothic Pro W3" panose="020B0300000000000000" pitchFamily="34" charset="-128"/>
+                </a:rPr>
+                <a:t>変数を送る</a:t>
+              </a:r>
+              <a:endParaRPr kumimoji="1" lang="ja-JP" altLang="en-US" sz="2000">
+                <a:latin typeface="Hiragino Kaku Gothic Pro W3" panose="020B0300000000000000" pitchFamily="34" charset="-128"/>
+                <a:ea typeface="Hiragino Kaku Gothic Pro W3" panose="020B0300000000000000" pitchFamily="34" charset="-128"/>
+              </a:endParaRPr>
+            </a:p>
+          </p:txBody>
+        </p:sp>
+      </p:grpSp>
+      <p:sp>
+        <p:nvSpPr>
+          <p:cNvPr id="14" name="テキスト ボックス 13">
+            <a:extLst>
+              <a:ext uri="{FF2B5EF4-FFF2-40B4-BE49-F238E27FC236}">
+                <a16:creationId xmlns:a16="http://schemas.microsoft.com/office/drawing/2014/main" id="{7C2D461D-3A62-A347-80F5-2D41332141BA}"/>
+              </a:ext>
+            </a:extLst>
+          </p:cNvPr>
+          <p:cNvSpPr txBox="1"/>
+          <p:nvPr/>
+        </p:nvSpPr>
+        <p:spPr>
+          <a:xfrm>
+            <a:off x="512652" y="117869"/>
+            <a:ext cx="2823209" cy="461665"/>
+          </a:xfrm>
+          <a:prstGeom prst="rect">
+            <a:avLst/>
+          </a:prstGeom>
+          <a:noFill/>
+        </p:spPr>
+        <p:txBody>
+          <a:bodyPr wrap="none" rtlCol="0">
+            <a:spAutoFit/>
+          </a:bodyPr>
+          <a:lstStyle/>
+          <a:p>
+            <a:r>
+              <a:rPr kumimoji="1" lang="en-US" altLang="ja-JP" sz="2400" dirty="0" err="1">
+                <a:latin typeface="Hiragino Kaku Gothic Pro W3" panose="020B0300000000000000" pitchFamily="34" charset="-128"/>
+                <a:ea typeface="Hiragino Kaku Gothic Pro W3" panose="020B0300000000000000" pitchFamily="34" charset="-128"/>
+              </a:rPr>
+              <a:t>OffscreenCanvas</a:t>
+            </a:r>
+            <a:endParaRPr kumimoji="1" lang="ja-JP" altLang="en-US" sz="2400">
+              <a:latin typeface="Hiragino Kaku Gothic Pro W3" panose="020B0300000000000000" pitchFamily="34" charset="-128"/>
+              <a:ea typeface="Hiragino Kaku Gothic Pro W3" panose="020B0300000000000000" pitchFamily="34" charset="-128"/>
+            </a:endParaRPr>
+          </a:p>
+        </p:txBody>
+      </p:sp>
+      <p:grpSp>
+        <p:nvGrpSpPr>
+          <p:cNvPr id="35" name="グループ化 34">
+            <a:extLst>
+              <a:ext uri="{FF2B5EF4-FFF2-40B4-BE49-F238E27FC236}">
+                <a16:creationId xmlns:a16="http://schemas.microsoft.com/office/drawing/2014/main" id="{7C23573E-0E18-7943-ABEA-95ECC9247165}"/>
+              </a:ext>
+            </a:extLst>
+          </p:cNvPr>
+          <p:cNvGrpSpPr/>
+          <p:nvPr/>
+        </p:nvGrpSpPr>
+        <p:grpSpPr>
+          <a:xfrm>
+            <a:off x="5670570" y="985444"/>
+            <a:ext cx="2390159" cy="863140"/>
+            <a:chOff x="433633" y="160256"/>
+            <a:chExt cx="2884602" cy="1041695"/>
+          </a:xfrm>
+        </p:grpSpPr>
+        <p:sp>
+          <p:nvSpPr>
+            <p:cNvPr id="36" name="角丸四角形 35">
+              <a:extLst>
+                <a:ext uri="{FF2B5EF4-FFF2-40B4-BE49-F238E27FC236}">
+                  <a16:creationId xmlns:a16="http://schemas.microsoft.com/office/drawing/2014/main" id="{6F94554F-7D1A-2C4A-BAFC-8B4BAB1EB8E9}"/>
+                </a:ext>
+              </a:extLst>
+            </p:cNvPr>
+            <p:cNvSpPr/>
+            <p:nvPr/>
+          </p:nvSpPr>
+          <p:spPr>
+            <a:xfrm>
+              <a:off x="433633" y="160256"/>
+              <a:ext cx="2884602" cy="1041695"/>
+            </a:xfrm>
+            <a:prstGeom prst="roundRect">
+              <a:avLst>
+                <a:gd name="adj" fmla="val 50000"/>
+              </a:avLst>
+            </a:prstGeom>
+            <a:solidFill>
+              <a:schemeClr val="accent3">
+                <a:lumMod val="40000"/>
+                <a:lumOff val="60000"/>
+              </a:schemeClr>
+            </a:solidFill>
+            <a:ln>
+              <a:noFill/>
+            </a:ln>
+          </p:spPr>
+          <p:style>
+            <a:lnRef idx="2">
+              <a:schemeClr val="accent1">
+                <a:shade val="50000"/>
+              </a:schemeClr>
+            </a:lnRef>
+            <a:fillRef idx="1">
+              <a:schemeClr val="accent1"/>
+            </a:fillRef>
+            <a:effectRef idx="0">
+              <a:schemeClr val="accent1"/>
+            </a:effectRef>
+            <a:fontRef idx="minor">
+              <a:schemeClr val="lt1"/>
+            </a:fontRef>
+          </p:style>
+          <p:txBody>
+            <a:bodyPr rtlCol="0" anchor="ctr"/>
+            <a:lstStyle/>
+            <a:p>
+              <a:pPr algn="ctr"/>
+              <a:endParaRPr kumimoji="1" lang="ja-JP" altLang="en-US" sz="2400">
+                <a:latin typeface="Hiragino Kaku Gothic Pro W3" panose="020B0300000000000000" pitchFamily="34" charset="-128"/>
+                <a:ea typeface="Hiragino Kaku Gothic Pro W3" panose="020B0300000000000000" pitchFamily="34" charset="-128"/>
+              </a:endParaRPr>
+            </a:p>
+          </p:txBody>
+        </p:sp>
+        <p:sp>
+          <p:nvSpPr>
+            <p:cNvPr id="37" name="テキスト ボックス 36">
+              <a:extLst>
+                <a:ext uri="{FF2B5EF4-FFF2-40B4-BE49-F238E27FC236}">
+                  <a16:creationId xmlns:a16="http://schemas.microsoft.com/office/drawing/2014/main" id="{B0289A06-899F-6B40-9BA2-B17725278E1C}"/>
+                </a:ext>
+              </a:extLst>
+            </p:cNvPr>
+            <p:cNvSpPr txBox="1"/>
+            <p:nvPr/>
+          </p:nvSpPr>
+          <p:spPr>
+            <a:xfrm>
+              <a:off x="1409836" y="450270"/>
+              <a:ext cx="800219" cy="461665"/>
+            </a:xfrm>
+            <a:prstGeom prst="rect">
+              <a:avLst/>
+            </a:prstGeom>
+            <a:noFill/>
+          </p:spPr>
+          <p:txBody>
+            <a:bodyPr wrap="none" rtlCol="0">
+              <a:spAutoFit/>
+            </a:bodyPr>
+            <a:lstStyle/>
+            <a:p>
+              <a:r>
+                <a:rPr kumimoji="1" lang="ja-JP" altLang="en-US" sz="2400">
+                  <a:latin typeface="Hiragino Kaku Gothic Pro W3" panose="020B0300000000000000" pitchFamily="34" charset="-128"/>
+                  <a:ea typeface="Hiragino Kaku Gothic Pro W3" panose="020B0300000000000000" pitchFamily="34" charset="-128"/>
+                </a:rPr>
+                <a:t>開始</a:t>
+              </a:r>
+            </a:p>
+          </p:txBody>
+        </p:sp>
+      </p:grpSp>
+      <p:sp>
+        <p:nvSpPr>
+          <p:cNvPr id="50" name="テキスト ボックス 49">
+            <a:extLst>
+              <a:ext uri="{FF2B5EF4-FFF2-40B4-BE49-F238E27FC236}">
+                <a16:creationId xmlns:a16="http://schemas.microsoft.com/office/drawing/2014/main" id="{3B1DCF6D-D4DA-B648-8A3E-DF1489834913}"/>
+              </a:ext>
+            </a:extLst>
+          </p:cNvPr>
+          <p:cNvSpPr txBox="1"/>
+          <p:nvPr/>
+        </p:nvSpPr>
+        <p:spPr>
+          <a:xfrm>
+            <a:off x="5866017" y="117869"/>
+            <a:ext cx="1999265" cy="461665"/>
+          </a:xfrm>
+          <a:prstGeom prst="rect">
+            <a:avLst/>
+          </a:prstGeom>
+          <a:noFill/>
+        </p:spPr>
+        <p:txBody>
+          <a:bodyPr wrap="none" rtlCol="0">
+            <a:spAutoFit/>
+          </a:bodyPr>
+          <a:lstStyle/>
+          <a:p>
+            <a:r>
+              <a:rPr kumimoji="1" lang="en-US" altLang="ja-JP" sz="2400" dirty="0" err="1">
+                <a:latin typeface="Hiragino Kaku Gothic Pro W3" panose="020B0300000000000000" pitchFamily="34" charset="-128"/>
+                <a:ea typeface="Hiragino Kaku Gothic Pro W3" panose="020B0300000000000000" pitchFamily="34" charset="-128"/>
+              </a:rPr>
+              <a:t>WebWorker</a:t>
+            </a:r>
+            <a:endParaRPr kumimoji="1" lang="ja-JP" altLang="en-US" sz="2400">
+              <a:latin typeface="Hiragino Kaku Gothic Pro W3" panose="020B0300000000000000" pitchFamily="34" charset="-128"/>
+              <a:ea typeface="Hiragino Kaku Gothic Pro W3" panose="020B0300000000000000" pitchFamily="34" charset="-128"/>
+            </a:endParaRPr>
+          </a:p>
+        </p:txBody>
+      </p:sp>
+      <p:grpSp>
+        <p:nvGrpSpPr>
+          <p:cNvPr id="28" name="グループ化 27">
+            <a:extLst>
+              <a:ext uri="{FF2B5EF4-FFF2-40B4-BE49-F238E27FC236}">
+                <a16:creationId xmlns:a16="http://schemas.microsoft.com/office/drawing/2014/main" id="{70466100-A9F6-5C46-AA02-E90BDAE7395F}"/>
+              </a:ext>
+            </a:extLst>
+          </p:cNvPr>
+          <p:cNvGrpSpPr/>
+          <p:nvPr/>
+        </p:nvGrpSpPr>
+        <p:grpSpPr>
+          <a:xfrm>
+            <a:off x="5670570" y="2295096"/>
+            <a:ext cx="2390159" cy="906736"/>
+            <a:chOff x="5661630" y="1772993"/>
+            <a:chExt cx="2390159" cy="906736"/>
+          </a:xfrm>
+        </p:grpSpPr>
+        <p:grpSp>
+          <p:nvGrpSpPr>
+            <p:cNvPr id="38" name="グループ化 37">
+              <a:extLst>
+                <a:ext uri="{FF2B5EF4-FFF2-40B4-BE49-F238E27FC236}">
+                  <a16:creationId xmlns:a16="http://schemas.microsoft.com/office/drawing/2014/main" id="{7CBCA24E-F44C-D34A-89E3-2EF4E0803316}"/>
+                </a:ext>
+              </a:extLst>
+            </p:cNvPr>
+            <p:cNvGrpSpPr/>
+            <p:nvPr/>
+          </p:nvGrpSpPr>
+          <p:grpSpPr>
+            <a:xfrm>
+              <a:off x="5661630" y="1772993"/>
+              <a:ext cx="2390159" cy="906736"/>
+              <a:chOff x="433634" y="1847654"/>
+              <a:chExt cx="2884602" cy="1094310"/>
+            </a:xfrm>
+          </p:grpSpPr>
+          <p:sp>
+            <p:nvSpPr>
+              <p:cNvPr id="39" name="正方形/長方形 38">
+                <a:extLst>
+                  <a:ext uri="{FF2B5EF4-FFF2-40B4-BE49-F238E27FC236}">
+                    <a16:creationId xmlns:a16="http://schemas.microsoft.com/office/drawing/2014/main" id="{86D3398E-31E3-D54E-8E45-C63C6B840668}"/>
+                  </a:ext>
+                </a:extLst>
+              </p:cNvPr>
+              <p:cNvSpPr/>
+              <p:nvPr/>
+            </p:nvSpPr>
+            <p:spPr>
+              <a:xfrm>
+                <a:off x="433634" y="1847654"/>
+                <a:ext cx="2884602" cy="1094310"/>
+              </a:xfrm>
+              <a:prstGeom prst="rect">
+                <a:avLst/>
+              </a:prstGeom>
+              <a:solidFill>
+                <a:schemeClr val="accent2">
+                  <a:lumMod val="40000"/>
+                  <a:lumOff val="60000"/>
+                </a:schemeClr>
+              </a:solidFill>
+              <a:ln>
+                <a:noFill/>
+              </a:ln>
+            </p:spPr>
+            <p:style>
+              <a:lnRef idx="2">
+                <a:schemeClr val="accent1">
+                  <a:shade val="50000"/>
+                </a:schemeClr>
+              </a:lnRef>
+              <a:fillRef idx="1">
+                <a:schemeClr val="accent1"/>
+              </a:fillRef>
+              <a:effectRef idx="0">
+                <a:schemeClr val="accent1"/>
+              </a:effectRef>
+              <a:fontRef idx="minor">
+                <a:schemeClr val="lt1"/>
+              </a:fontRef>
+            </p:style>
+            <p:txBody>
+              <a:bodyPr rtlCol="0" anchor="ctr"/>
+              <a:lstStyle/>
+              <a:p>
+                <a:pPr algn="ctr"/>
+                <a:endParaRPr kumimoji="1" lang="ja-JP" altLang="en-US"/>
+              </a:p>
+            </p:txBody>
+          </p:sp>
+          <p:sp>
+            <p:nvSpPr>
+              <p:cNvPr id="40" name="テキスト ボックス 39">
+                <a:extLst>
+                  <a:ext uri="{FF2B5EF4-FFF2-40B4-BE49-F238E27FC236}">
+                    <a16:creationId xmlns:a16="http://schemas.microsoft.com/office/drawing/2014/main" id="{3CA13FE7-164E-084F-AB2F-168C37AD457E}"/>
+                  </a:ext>
+                </a:extLst>
+              </p:cNvPr>
+              <p:cNvSpPr txBox="1"/>
+              <p:nvPr/>
+            </p:nvSpPr>
+            <p:spPr>
+              <a:xfrm>
+                <a:off x="460323" y="1975985"/>
+                <a:ext cx="2619849" cy="445735"/>
+              </a:xfrm>
+              <a:prstGeom prst="rect">
+                <a:avLst/>
+              </a:prstGeom>
+              <a:noFill/>
+            </p:spPr>
+            <p:txBody>
+              <a:bodyPr wrap="none" rtlCol="0">
+                <a:spAutoFit/>
+              </a:bodyPr>
+              <a:lstStyle/>
+              <a:p>
+                <a:r>
+                  <a:rPr lang="en-US" altLang="ja-JP" dirty="0">
+                    <a:latin typeface="Hiragino Kaku Gothic Pro W3" panose="020B0300000000000000" pitchFamily="34" charset="-128"/>
+                    <a:ea typeface="Hiragino Kaku Gothic Pro W3" panose="020B0300000000000000" pitchFamily="34" charset="-128"/>
+                  </a:rPr>
+                  <a:t>Canvas</a:t>
+                </a:r>
+                <a:r>
+                  <a:rPr lang="ja-JP" altLang="en-US">
+                    <a:latin typeface="Hiragino Kaku Gothic Pro W3" panose="020B0300000000000000" pitchFamily="34" charset="-128"/>
+                    <a:ea typeface="Hiragino Kaku Gothic Pro W3" panose="020B0300000000000000" pitchFamily="34" charset="-128"/>
+                  </a:rPr>
+                  <a:t>要素の取得</a:t>
+                </a:r>
+                <a:endParaRPr kumimoji="1" lang="ja-JP" altLang="en-US">
+                  <a:latin typeface="Hiragino Kaku Gothic Pro W3" panose="020B0300000000000000" pitchFamily="34" charset="-128"/>
+                  <a:ea typeface="Hiragino Kaku Gothic Pro W3" panose="020B0300000000000000" pitchFamily="34" charset="-128"/>
+                </a:endParaRPr>
+              </a:p>
+            </p:txBody>
+          </p:sp>
+        </p:grpSp>
+        <p:sp>
+          <p:nvSpPr>
+            <p:cNvPr id="51" name="テキスト ボックス 50">
+              <a:extLst>
+                <a:ext uri="{FF2B5EF4-FFF2-40B4-BE49-F238E27FC236}">
+                  <a16:creationId xmlns:a16="http://schemas.microsoft.com/office/drawing/2014/main" id="{EDDDC68F-8BC5-D44B-B56D-42ACA41AC798}"/>
+                </a:ext>
+              </a:extLst>
+            </p:cNvPr>
+            <p:cNvSpPr txBox="1"/>
+            <p:nvPr/>
+          </p:nvSpPr>
+          <p:spPr>
+            <a:xfrm>
+              <a:off x="5703794" y="2215783"/>
+              <a:ext cx="1721946" cy="369332"/>
+            </a:xfrm>
+            <a:prstGeom prst="rect">
+              <a:avLst/>
+            </a:prstGeom>
+            <a:noFill/>
+          </p:spPr>
+          <p:txBody>
+            <a:bodyPr wrap="none" rtlCol="0">
+              <a:spAutoFit/>
+            </a:bodyPr>
+            <a:lstStyle/>
+            <a:p>
+              <a:r>
+                <a:rPr lang="en-US" altLang="ja-JP" dirty="0">
+                  <a:latin typeface="Hiragino Kaku Gothic Pro W3" panose="020B0300000000000000" pitchFamily="34" charset="-128"/>
+                  <a:ea typeface="Hiragino Kaku Gothic Pro W3" panose="020B0300000000000000" pitchFamily="34" charset="-128"/>
+                </a:rPr>
+                <a:t>Worker</a:t>
+              </a:r>
+              <a:r>
+                <a:rPr lang="ja-JP" altLang="en-US">
+                  <a:latin typeface="Hiragino Kaku Gothic Pro W3" panose="020B0300000000000000" pitchFamily="34" charset="-128"/>
+                  <a:ea typeface="Hiragino Kaku Gothic Pro W3" panose="020B0300000000000000" pitchFamily="34" charset="-128"/>
+                </a:rPr>
+                <a:t>の作成</a:t>
+              </a:r>
+              <a:endParaRPr kumimoji="1" lang="ja-JP" altLang="en-US">
+                <a:latin typeface="Hiragino Kaku Gothic Pro W3" panose="020B0300000000000000" pitchFamily="34" charset="-128"/>
+                <a:ea typeface="Hiragino Kaku Gothic Pro W3" panose="020B0300000000000000" pitchFamily="34" charset="-128"/>
+              </a:endParaRPr>
+            </a:p>
+          </p:txBody>
+        </p:sp>
+      </p:grpSp>
+      <p:grpSp>
+        <p:nvGrpSpPr>
+          <p:cNvPr id="57" name="グループ化 56">
+            <a:extLst>
+              <a:ext uri="{FF2B5EF4-FFF2-40B4-BE49-F238E27FC236}">
+                <a16:creationId xmlns:a16="http://schemas.microsoft.com/office/drawing/2014/main" id="{E9F34DEA-CEB0-804F-AF3B-CC5916D0AB0A}"/>
+              </a:ext>
+            </a:extLst>
+          </p:cNvPr>
+          <p:cNvGrpSpPr/>
+          <p:nvPr/>
+        </p:nvGrpSpPr>
+        <p:grpSpPr>
+          <a:xfrm>
+            <a:off x="5647370" y="3648345"/>
+            <a:ext cx="2436558" cy="712237"/>
+            <a:chOff x="5637345" y="3636640"/>
+            <a:chExt cx="2436558" cy="712237"/>
+          </a:xfrm>
+        </p:grpSpPr>
+        <p:sp>
+          <p:nvSpPr>
+            <p:cNvPr id="42" name="正方形/長方形 41">
+              <a:extLst>
+                <a:ext uri="{FF2B5EF4-FFF2-40B4-BE49-F238E27FC236}">
+                  <a16:creationId xmlns:a16="http://schemas.microsoft.com/office/drawing/2014/main" id="{4A0AF7BB-4196-AE47-B523-C03A6F1935CD}"/>
+                </a:ext>
+              </a:extLst>
+            </p:cNvPr>
+            <p:cNvSpPr/>
+            <p:nvPr/>
+          </p:nvSpPr>
+          <p:spPr>
+            <a:xfrm>
+              <a:off x="5683744" y="3636640"/>
+              <a:ext cx="2390159" cy="712237"/>
+            </a:xfrm>
+            <a:prstGeom prst="rect">
+              <a:avLst/>
+            </a:prstGeom>
+            <a:solidFill>
+              <a:schemeClr val="accent2">
+                <a:lumMod val="40000"/>
+                <a:lumOff val="60000"/>
+              </a:schemeClr>
+            </a:solidFill>
+            <a:ln>
+              <a:noFill/>
+            </a:ln>
+          </p:spPr>
+          <p:style>
+            <a:lnRef idx="2">
+              <a:schemeClr val="accent1">
+                <a:shade val="50000"/>
+              </a:schemeClr>
+            </a:lnRef>
+            <a:fillRef idx="1">
+              <a:schemeClr val="accent1"/>
+            </a:fillRef>
+            <a:effectRef idx="0">
+              <a:schemeClr val="accent1"/>
+            </a:effectRef>
+            <a:fontRef idx="minor">
+              <a:schemeClr val="lt1"/>
+            </a:fontRef>
+          </p:style>
+          <p:txBody>
+            <a:bodyPr rtlCol="0" anchor="ctr"/>
+            <a:lstStyle/>
+            <a:p>
+              <a:pPr algn="ctr"/>
+              <a:endParaRPr kumimoji="1" lang="ja-JP" altLang="en-US"/>
+            </a:p>
+          </p:txBody>
+        </p:sp>
+        <p:sp>
+          <p:nvSpPr>
+            <p:cNvPr id="52" name="テキスト ボックス 51">
+              <a:extLst>
+                <a:ext uri="{FF2B5EF4-FFF2-40B4-BE49-F238E27FC236}">
+                  <a16:creationId xmlns:a16="http://schemas.microsoft.com/office/drawing/2014/main" id="{5656611C-A93F-2648-A81A-73250C11A22B}"/>
+                </a:ext>
+              </a:extLst>
+            </p:cNvPr>
+            <p:cNvSpPr txBox="1"/>
+            <p:nvPr/>
+          </p:nvSpPr>
+          <p:spPr>
+            <a:xfrm>
+              <a:off x="5637345" y="3656161"/>
+              <a:ext cx="2414444" cy="646331"/>
+            </a:xfrm>
+            <a:prstGeom prst="rect">
+              <a:avLst/>
+            </a:prstGeom>
+            <a:noFill/>
+          </p:spPr>
+          <p:txBody>
+            <a:bodyPr wrap="none" rtlCol="0">
+              <a:spAutoFit/>
+            </a:bodyPr>
+            <a:lstStyle/>
+            <a:p>
+              <a:r>
+                <a:rPr lang="ja-JP" altLang="en-US">
+                  <a:latin typeface="Hiragino Kaku Gothic Pro W3" panose="020B0300000000000000" pitchFamily="34" charset="-128"/>
+                  <a:ea typeface="Hiragino Kaku Gothic Pro W3" panose="020B0300000000000000" pitchFamily="34" charset="-128"/>
+                </a:rPr>
+                <a:t>同期処理</a:t>
+              </a:r>
+              <a:endParaRPr lang="en-US" altLang="ja-JP" dirty="0">
+                <a:latin typeface="Hiragino Kaku Gothic Pro W3" panose="020B0300000000000000" pitchFamily="34" charset="-128"/>
+                <a:ea typeface="Hiragino Kaku Gothic Pro W3" panose="020B0300000000000000" pitchFamily="34" charset="-128"/>
+              </a:endParaRPr>
+            </a:p>
+            <a:p>
+              <a:r>
+                <a:rPr lang="en-US" altLang="ja-JP" dirty="0">
+                  <a:latin typeface="Hiragino Kaku Gothic Pro W3" panose="020B0300000000000000" pitchFamily="34" charset="-128"/>
+                  <a:ea typeface="Hiragino Kaku Gothic Pro W3" panose="020B0300000000000000" pitchFamily="34" charset="-128"/>
+                </a:rPr>
+                <a:t>Worker</a:t>
+              </a:r>
+              <a:r>
+                <a:rPr lang="ja-JP" altLang="en-US">
+                  <a:latin typeface="Hiragino Kaku Gothic Pro W3" panose="020B0300000000000000" pitchFamily="34" charset="-128"/>
+                  <a:ea typeface="Hiragino Kaku Gothic Pro W3" panose="020B0300000000000000" pitchFamily="34" charset="-128"/>
+                </a:rPr>
+                <a:t>へ変数を送る</a:t>
+              </a:r>
+              <a:endParaRPr lang="en-US" altLang="ja-JP" dirty="0">
+                <a:latin typeface="Hiragino Kaku Gothic Pro W3" panose="020B0300000000000000" pitchFamily="34" charset="-128"/>
+                <a:ea typeface="Hiragino Kaku Gothic Pro W3" panose="020B0300000000000000" pitchFamily="34" charset="-128"/>
+              </a:endParaRPr>
+            </a:p>
+          </p:txBody>
+        </p:sp>
+      </p:grpSp>
+      <p:grpSp>
+        <p:nvGrpSpPr>
+          <p:cNvPr id="56" name="グループ化 55">
+            <a:extLst>
+              <a:ext uri="{FF2B5EF4-FFF2-40B4-BE49-F238E27FC236}">
+                <a16:creationId xmlns:a16="http://schemas.microsoft.com/office/drawing/2014/main" id="{884E7B9C-7651-1941-8E1F-5F2E6DB4E0F5}"/>
+              </a:ext>
+            </a:extLst>
+          </p:cNvPr>
+          <p:cNvGrpSpPr/>
+          <p:nvPr/>
+        </p:nvGrpSpPr>
+        <p:grpSpPr>
+          <a:xfrm>
+            <a:off x="5670570" y="4807095"/>
+            <a:ext cx="2390159" cy="712238"/>
+            <a:chOff x="5683743" y="4620330"/>
+            <a:chExt cx="2390159" cy="712238"/>
+          </a:xfrm>
+        </p:grpSpPr>
+        <p:sp>
+          <p:nvSpPr>
+            <p:cNvPr id="45" name="正方形/長方形 44">
+              <a:extLst>
+                <a:ext uri="{FF2B5EF4-FFF2-40B4-BE49-F238E27FC236}">
+                  <a16:creationId xmlns:a16="http://schemas.microsoft.com/office/drawing/2014/main" id="{A09211D2-29B3-9546-857F-49170910D4B7}"/>
+                </a:ext>
+              </a:extLst>
+            </p:cNvPr>
+            <p:cNvSpPr/>
+            <p:nvPr/>
+          </p:nvSpPr>
+          <p:spPr>
+            <a:xfrm>
+              <a:off x="5683743" y="4620330"/>
+              <a:ext cx="2390159" cy="712238"/>
+            </a:xfrm>
+            <a:prstGeom prst="rect">
+              <a:avLst/>
+            </a:prstGeom>
+            <a:solidFill>
+              <a:schemeClr val="accent2">
+                <a:lumMod val="40000"/>
+                <a:lumOff val="60000"/>
+              </a:schemeClr>
+            </a:solidFill>
+            <a:ln>
+              <a:noFill/>
+            </a:ln>
+          </p:spPr>
+          <p:style>
+            <a:lnRef idx="2">
+              <a:schemeClr val="accent1">
+                <a:shade val="50000"/>
+              </a:schemeClr>
+            </a:lnRef>
+            <a:fillRef idx="1">
+              <a:schemeClr val="accent1"/>
+            </a:fillRef>
+            <a:effectRef idx="0">
+              <a:schemeClr val="accent1"/>
+            </a:effectRef>
+            <a:fontRef idx="minor">
+              <a:schemeClr val="lt1"/>
+            </a:fontRef>
+          </p:style>
+          <p:txBody>
+            <a:bodyPr rtlCol="0" anchor="ctr"/>
+            <a:lstStyle/>
+            <a:p>
+              <a:pPr algn="ctr"/>
+              <a:endParaRPr kumimoji="1" lang="ja-JP" altLang="en-US"/>
+            </a:p>
+          </p:txBody>
+        </p:sp>
+        <p:sp>
+          <p:nvSpPr>
+            <p:cNvPr id="53" name="テキスト ボックス 52">
+              <a:extLst>
+                <a:ext uri="{FF2B5EF4-FFF2-40B4-BE49-F238E27FC236}">
+                  <a16:creationId xmlns:a16="http://schemas.microsoft.com/office/drawing/2014/main" id="{FA559739-EF8C-2048-99C5-C3C5586037CE}"/>
+                </a:ext>
+              </a:extLst>
+            </p:cNvPr>
+            <p:cNvSpPr txBox="1"/>
+            <p:nvPr/>
+          </p:nvSpPr>
+          <p:spPr>
+            <a:xfrm>
+              <a:off x="5703794" y="4686237"/>
+              <a:ext cx="2262158" cy="646331"/>
+            </a:xfrm>
+            <a:prstGeom prst="rect">
+              <a:avLst/>
+            </a:prstGeom>
+            <a:noFill/>
+          </p:spPr>
+          <p:txBody>
+            <a:bodyPr wrap="none" rtlCol="0">
+              <a:spAutoFit/>
+            </a:bodyPr>
+            <a:lstStyle/>
+            <a:p>
+              <a:r>
+                <a:rPr lang="en-US" altLang="ja-JP" dirty="0">
+                  <a:latin typeface="Hiragino Kaku Gothic Pro W3" panose="020B0300000000000000" pitchFamily="34" charset="-128"/>
+                  <a:ea typeface="Hiragino Kaku Gothic Pro W3" panose="020B0300000000000000" pitchFamily="34" charset="-128"/>
+                </a:rPr>
+                <a:t>Worker</a:t>
+              </a:r>
+              <a:r>
+                <a:rPr lang="ja-JP" altLang="en-US">
+                  <a:latin typeface="Hiragino Kaku Gothic Pro W3" panose="020B0300000000000000" pitchFamily="34" charset="-128"/>
+                  <a:ea typeface="Hiragino Kaku Gothic Pro W3" panose="020B0300000000000000" pitchFamily="34" charset="-128"/>
+                </a:rPr>
+                <a:t>から</a:t>
+              </a:r>
+              <a:endParaRPr lang="en-US" altLang="ja-JP" dirty="0">
+                <a:latin typeface="Hiragino Kaku Gothic Pro W3" panose="020B0300000000000000" pitchFamily="34" charset="-128"/>
+                <a:ea typeface="Hiragino Kaku Gothic Pro W3" panose="020B0300000000000000" pitchFamily="34" charset="-128"/>
+              </a:endParaRPr>
+            </a:p>
+            <a:p>
+              <a:r>
+                <a:rPr lang="ja-JP" altLang="en-US">
+                  <a:latin typeface="Hiragino Kaku Gothic Pro W3" panose="020B0300000000000000" pitchFamily="34" charset="-128"/>
+                  <a:ea typeface="Hiragino Kaku Gothic Pro W3" panose="020B0300000000000000" pitchFamily="34" charset="-128"/>
+                </a:rPr>
+                <a:t>演算結果を受け取る</a:t>
+              </a:r>
+              <a:endParaRPr kumimoji="1" lang="ja-JP" altLang="en-US">
+                <a:latin typeface="Hiragino Kaku Gothic Pro W3" panose="020B0300000000000000" pitchFamily="34" charset="-128"/>
+                <a:ea typeface="Hiragino Kaku Gothic Pro W3" panose="020B0300000000000000" pitchFamily="34" charset="-128"/>
+              </a:endParaRPr>
+            </a:p>
+          </p:txBody>
+        </p:sp>
+      </p:grpSp>
+      <p:grpSp>
+        <p:nvGrpSpPr>
+          <p:cNvPr id="55" name="グループ化 54">
+            <a:extLst>
+              <a:ext uri="{FF2B5EF4-FFF2-40B4-BE49-F238E27FC236}">
+                <a16:creationId xmlns:a16="http://schemas.microsoft.com/office/drawing/2014/main" id="{0831080F-1098-0B49-9F55-55B2AFF72078}"/>
+              </a:ext>
+            </a:extLst>
+          </p:cNvPr>
+          <p:cNvGrpSpPr/>
+          <p:nvPr/>
+        </p:nvGrpSpPr>
+        <p:grpSpPr>
+          <a:xfrm>
+            <a:off x="5670570" y="5965845"/>
+            <a:ext cx="2390159" cy="667633"/>
+            <a:chOff x="5703794" y="5656597"/>
+            <a:chExt cx="2390159" cy="667633"/>
+          </a:xfrm>
+        </p:grpSpPr>
+        <p:sp>
+          <p:nvSpPr>
+            <p:cNvPr id="48" name="正方形/長方形 47">
+              <a:extLst>
+                <a:ext uri="{FF2B5EF4-FFF2-40B4-BE49-F238E27FC236}">
+                  <a16:creationId xmlns:a16="http://schemas.microsoft.com/office/drawing/2014/main" id="{4D28DC4A-0666-9649-BDAB-899E0B74CBE5}"/>
+                </a:ext>
+              </a:extLst>
+            </p:cNvPr>
+            <p:cNvSpPr/>
+            <p:nvPr/>
+          </p:nvSpPr>
+          <p:spPr>
+            <a:xfrm>
+              <a:off x="5703794" y="5656597"/>
+              <a:ext cx="2390159" cy="667633"/>
+            </a:xfrm>
+            <a:prstGeom prst="rect">
+              <a:avLst/>
+            </a:prstGeom>
+            <a:solidFill>
+              <a:schemeClr val="accent2">
+                <a:lumMod val="40000"/>
+                <a:lumOff val="60000"/>
+              </a:schemeClr>
+            </a:solidFill>
+            <a:ln>
+              <a:noFill/>
+            </a:ln>
+          </p:spPr>
+          <p:style>
+            <a:lnRef idx="2">
+              <a:schemeClr val="accent1">
+                <a:shade val="50000"/>
+              </a:schemeClr>
+            </a:lnRef>
+            <a:fillRef idx="1">
+              <a:schemeClr val="accent1"/>
+            </a:fillRef>
+            <a:effectRef idx="0">
+              <a:schemeClr val="accent1"/>
+            </a:effectRef>
+            <a:fontRef idx="minor">
+              <a:schemeClr val="lt1"/>
+            </a:fontRef>
+          </p:style>
+          <p:txBody>
+            <a:bodyPr rtlCol="0" anchor="ctr"/>
+            <a:lstStyle/>
+            <a:p>
+              <a:pPr algn="ctr"/>
+              <a:endParaRPr kumimoji="1" lang="ja-JP" altLang="en-US"/>
+            </a:p>
+          </p:txBody>
+        </p:sp>
+        <p:sp>
+          <p:nvSpPr>
+            <p:cNvPr id="54" name="テキスト ボックス 53">
+              <a:extLst>
+                <a:ext uri="{FF2B5EF4-FFF2-40B4-BE49-F238E27FC236}">
+                  <a16:creationId xmlns:a16="http://schemas.microsoft.com/office/drawing/2014/main" id="{F91B6F68-B4EB-9A47-ABD3-1A8FD6512EDF}"/>
+                </a:ext>
+              </a:extLst>
+            </p:cNvPr>
+            <p:cNvSpPr txBox="1"/>
+            <p:nvPr/>
+          </p:nvSpPr>
+          <p:spPr>
+            <a:xfrm>
+              <a:off x="6434763" y="5759580"/>
+              <a:ext cx="800219" cy="461665"/>
+            </a:xfrm>
+            <a:prstGeom prst="rect">
+              <a:avLst/>
+            </a:prstGeom>
+            <a:noFill/>
+          </p:spPr>
+          <p:txBody>
+            <a:bodyPr wrap="none" rtlCol="0">
+              <a:spAutoFit/>
+            </a:bodyPr>
+            <a:lstStyle/>
+            <a:p>
+              <a:r>
+                <a:rPr lang="ja-JP" altLang="en-US" sz="2400">
+                  <a:latin typeface="Hiragino Kaku Gothic Pro W3" panose="020B0300000000000000" pitchFamily="34" charset="-128"/>
+                  <a:ea typeface="Hiragino Kaku Gothic Pro W3" panose="020B0300000000000000" pitchFamily="34" charset="-128"/>
+                </a:rPr>
+                <a:t>描画</a:t>
+              </a:r>
+              <a:endParaRPr kumimoji="1" lang="ja-JP" altLang="en-US" sz="2400">
+                <a:latin typeface="Hiragino Kaku Gothic Pro W3" panose="020B0300000000000000" pitchFamily="34" charset="-128"/>
+                <a:ea typeface="Hiragino Kaku Gothic Pro W3" panose="020B0300000000000000" pitchFamily="34" charset="-128"/>
+              </a:endParaRPr>
+            </a:p>
+          </p:txBody>
+        </p:sp>
+      </p:grpSp>
+      <p:sp>
+        <p:nvSpPr>
+          <p:cNvPr id="59" name="正方形/長方形 58">
+            <a:extLst>
+              <a:ext uri="{FF2B5EF4-FFF2-40B4-BE49-F238E27FC236}">
+                <a16:creationId xmlns:a16="http://schemas.microsoft.com/office/drawing/2014/main" id="{6F666FF4-FEED-854F-ACB1-3042C72EB876}"/>
+              </a:ext>
+            </a:extLst>
+          </p:cNvPr>
+          <p:cNvSpPr/>
+          <p:nvPr/>
+        </p:nvSpPr>
+        <p:spPr>
+          <a:xfrm>
+            <a:off x="9261082" y="3417849"/>
+            <a:ext cx="216000" cy="2965151"/>
+          </a:xfrm>
+          <a:prstGeom prst="rect">
+            <a:avLst/>
+          </a:prstGeom>
+          <a:solidFill>
+            <a:schemeClr val="tx1">
+              <a:lumMod val="65000"/>
+              <a:lumOff val="35000"/>
+            </a:schemeClr>
+          </a:solidFill>
+          <a:ln>
+            <a:noFill/>
+          </a:ln>
+        </p:spPr>
+        <p:style>
+          <a:lnRef idx="2">
+            <a:schemeClr val="accent1">
+              <a:shade val="50000"/>
+            </a:schemeClr>
+          </a:lnRef>
+          <a:fillRef idx="1">
+            <a:schemeClr val="accent1"/>
+          </a:fillRef>
+          <a:effectRef idx="0">
+            <a:schemeClr val="accent1"/>
+          </a:effectRef>
+          <a:fontRef idx="minor">
+            <a:schemeClr val="lt1"/>
+          </a:fontRef>
+        </p:style>
+        <p:txBody>
+          <a:bodyPr rtlCol="0" anchor="ctr"/>
+          <a:lstStyle/>
+          <a:p>
+            <a:pPr algn="ctr"/>
+            <a:endParaRPr kumimoji="1" lang="ja-JP" altLang="en-US"/>
+          </a:p>
+        </p:txBody>
+      </p:sp>
+      <p:sp>
+        <p:nvSpPr>
+          <p:cNvPr id="61" name="正方形/長方形 60">
+            <a:extLst>
+              <a:ext uri="{FF2B5EF4-FFF2-40B4-BE49-F238E27FC236}">
+                <a16:creationId xmlns:a16="http://schemas.microsoft.com/office/drawing/2014/main" id="{1CDB41C2-024E-D54A-9082-FA1EC07326EB}"/>
+              </a:ext>
+            </a:extLst>
+          </p:cNvPr>
+          <p:cNvSpPr/>
+          <p:nvPr/>
+        </p:nvSpPr>
+        <p:spPr>
+          <a:xfrm rot="5400000">
+            <a:off x="8132933" y="2139598"/>
+            <a:ext cx="180000" cy="2520000"/>
+          </a:xfrm>
+          <a:prstGeom prst="rect">
+            <a:avLst/>
+          </a:prstGeom>
+          <a:solidFill>
+            <a:schemeClr val="tx1">
+              <a:lumMod val="65000"/>
+              <a:lumOff val="35000"/>
+            </a:schemeClr>
+          </a:solidFill>
+          <a:ln>
+            <a:noFill/>
+          </a:ln>
+        </p:spPr>
+        <p:style>
+          <a:lnRef idx="2">
+            <a:schemeClr val="accent1">
+              <a:shade val="50000"/>
+            </a:schemeClr>
+          </a:lnRef>
+          <a:fillRef idx="1">
+            <a:schemeClr val="accent1"/>
+          </a:fillRef>
+          <a:effectRef idx="0">
+            <a:schemeClr val="accent1"/>
+          </a:effectRef>
+          <a:fontRef idx="minor">
+            <a:schemeClr val="lt1"/>
+          </a:fontRef>
+        </p:style>
+        <p:txBody>
+          <a:bodyPr rtlCol="0" anchor="ctr"/>
+          <a:lstStyle/>
+          <a:p>
+            <a:pPr algn="ctr"/>
+            <a:endParaRPr kumimoji="1" lang="ja-JP" altLang="en-US"/>
+          </a:p>
+        </p:txBody>
+      </p:sp>
+    </p:spTree>
+    <p:extLst>
+      <p:ext uri="{BB962C8B-B14F-4D97-AF65-F5344CB8AC3E}">
+        <p14:creationId xmlns:p14="http://schemas.microsoft.com/office/powerpoint/2010/main" val="3093999784"/>
+      </p:ext>
+    </p:extLst>
+  </p:cSld>
+  <p:clrMapOvr>
+    <a:masterClrMapping/>
+  </p:clrMapOvr>
+</p:sld>
+</file>
+
 <file path=ppt/theme/theme1.xml><?xml version="1.0" encoding="utf-8"?>
 <a:theme xmlns:a="http://schemas.openxmlformats.org/drawingml/2006/main" name="Office テーマ">
   <a:themeElements>
@@ -5034,4 +7567,299 @@
     </a:ext>
   </a:extLst>
 </a:theme>
+</file>
+
+<file path=ppt/theme/theme2.xml><?xml version="1.0" encoding="utf-8"?>
+<a:theme xmlns:a="http://schemas.openxmlformats.org/drawingml/2006/main" name="Office テーマ">
+  <a:themeElements>
+    <a:clrScheme name="Office">
+      <a:dk1>
+        <a:sysClr val="windowText" lastClr="000000"/>
+      </a:dk1>
+      <a:lt1>
+        <a:sysClr val="window" lastClr="FFFFFF"/>
+      </a:lt1>
+      <a:dk2>
+        <a:srgbClr val="44546A"/>
+      </a:dk2>
+      <a:lt2>
+        <a:srgbClr val="E7E6E6"/>
+      </a:lt2>
+      <a:accent1>
+        <a:srgbClr val="4472C4"/>
+      </a:accent1>
+      <a:accent2>
+        <a:srgbClr val="ED7D31"/>
+      </a:accent2>
+      <a:accent3>
+        <a:srgbClr val="A5A5A5"/>
+      </a:accent3>
+      <a:accent4>
+        <a:srgbClr val="FFC000"/>
+      </a:accent4>
+      <a:accent5>
+        <a:srgbClr val="5B9BD5"/>
+      </a:accent5>
+      <a:accent6>
+        <a:srgbClr val="70AD47"/>
+      </a:accent6>
+      <a:hlink>
+        <a:srgbClr val="0563C1"/>
+      </a:hlink>
+      <a:folHlink>
+        <a:srgbClr val="954F72"/>
+      </a:folHlink>
+    </a:clrScheme>
+    <a:fontScheme name="Office">
+      <a:majorFont>
+        <a:latin typeface="游ゴシック Light" panose="020F0302020204030204"/>
+        <a:ea typeface=""/>
+        <a:cs typeface=""/>
+        <a:font script="Jpan" typeface="游ゴシック Light"/>
+        <a:font script="Hang" typeface="맑은 고딕"/>
+        <a:font script="Hans" typeface="等线 Light"/>
+        <a:font script="Hant" typeface="新細明體"/>
+        <a:font script="Arab" typeface="Times New Roman"/>
+        <a:font script="Hebr" typeface="Times New Roman"/>
+        <a:font script="Thai" typeface="Angsana New"/>
+        <a:font script="Ethi" typeface="Nyala"/>
+        <a:font script="Beng" typeface="Vrinda"/>
+        <a:font script="Gujr" typeface="Shruti"/>
+        <a:font script="Khmr" typeface="MoolBoran"/>
+        <a:font script="Knda" typeface="Tunga"/>
+        <a:font script="Guru" typeface="Raavi"/>
+        <a:font script="Cans" typeface="Euphemia"/>
+        <a:font script="Cher" typeface="Plantagenet Cherokee"/>
+        <a:font script="Yiii" typeface="Microsoft Yi Baiti"/>
+        <a:font script="Tibt" typeface="Microsoft Himalaya"/>
+        <a:font script="Thaa" typeface="MV Boli"/>
+        <a:font script="Deva" typeface="Mangal"/>
+        <a:font script="Telu" typeface="Gautami"/>
+        <a:font script="Taml" typeface="Latha"/>
+        <a:font script="Syrc" typeface="Estrangelo Edessa"/>
+        <a:font script="Orya" typeface="Kalinga"/>
+        <a:font script="Mlym" typeface="Kartika"/>
+        <a:font script="Laoo" typeface="DokChampa"/>
+        <a:font script="Sinh" typeface="Iskoola Pota"/>
+        <a:font script="Mong" typeface="Mongolian Baiti"/>
+        <a:font script="Viet" typeface="Times New Roman"/>
+        <a:font script="Uigh" typeface="Microsoft Uighur"/>
+        <a:font script="Geor" typeface="Sylfaen"/>
+        <a:font script="Armn" typeface="Arial"/>
+        <a:font script="Bugi" typeface="Leelawadee UI"/>
+        <a:font script="Bopo" typeface="Microsoft JhengHei"/>
+        <a:font script="Java" typeface="Javanese Text"/>
+        <a:font script="Lisu" typeface="Segoe UI"/>
+        <a:font script="Mymr" typeface="Myanmar Text"/>
+        <a:font script="Nkoo" typeface="Ebrima"/>
+        <a:font script="Olck" typeface="Nirmala UI"/>
+        <a:font script="Osma" typeface="Ebrima"/>
+        <a:font script="Phag" typeface="Phagspa"/>
+        <a:font script="Syrn" typeface="Estrangelo Edessa"/>
+        <a:font script="Syrj" typeface="Estrangelo Edessa"/>
+        <a:font script="Syre" typeface="Estrangelo Edessa"/>
+        <a:font script="Sora" typeface="Nirmala UI"/>
+        <a:font script="Tale" typeface="Microsoft Tai Le"/>
+        <a:font script="Talu" typeface="Microsoft New Tai Lue"/>
+        <a:font script="Tfng" typeface="Ebrima"/>
+      </a:majorFont>
+      <a:minorFont>
+        <a:latin typeface="游ゴシック" panose="020F0502020204030204"/>
+        <a:ea typeface=""/>
+        <a:cs typeface=""/>
+        <a:font script="Jpan" typeface="游ゴシック"/>
+        <a:font script="Hang" typeface="맑은 고딕"/>
+        <a:font script="Hans" typeface="等线"/>
+        <a:font script="Hant" typeface="新細明體"/>
+        <a:font script="Arab" typeface="Arial"/>
+        <a:font script="Hebr" typeface="Arial"/>
+        <a:font script="Thai" typeface="Cordia New"/>
+        <a:font script="Ethi" typeface="Nyala"/>
+        <a:font script="Beng" typeface="Vrinda"/>
+        <a:font script="Gujr" typeface="Shruti"/>
+        <a:font script="Khmr" typeface="DaunPenh"/>
+        <a:font script="Knda" typeface="Tunga"/>
+        <a:font script="Guru" typeface="Raavi"/>
+        <a:font script="Cans" typeface="Euphemia"/>
+        <a:font script="Cher" typeface="Plantagenet Cherokee"/>
+        <a:font script="Yiii" typeface="Microsoft Yi Baiti"/>
+        <a:font script="Tibt" typeface="Microsoft Himalaya"/>
+        <a:font script="Thaa" typeface="MV Boli"/>
+        <a:font script="Deva" typeface="Mangal"/>
+        <a:font script="Telu" typeface="Gautami"/>
+        <a:font script="Taml" typeface="Latha"/>
+        <a:font script="Syrc" typeface="Estrangelo Edessa"/>
+        <a:font script="Orya" typeface="Kalinga"/>
+        <a:font script="Mlym" typeface="Kartika"/>
+        <a:font script="Laoo" typeface="DokChampa"/>
+        <a:font script="Sinh" typeface="Iskoola Pota"/>
+        <a:font script="Mong" typeface="Mongolian Baiti"/>
+        <a:font script="Viet" typeface="Arial"/>
+        <a:font script="Uigh" typeface="Microsoft Uighur"/>
+        <a:font script="Geor" typeface="Sylfaen"/>
+        <a:font script="Armn" typeface="Arial"/>
+        <a:font script="Bugi" typeface="Leelawadee UI"/>
+        <a:font script="Bopo" typeface="Microsoft JhengHei"/>
+        <a:font script="Java" typeface="Javanese Text"/>
+        <a:font script="Lisu" typeface="Segoe UI"/>
+        <a:font script="Mymr" typeface="Myanmar Text"/>
+        <a:font script="Nkoo" typeface="Ebrima"/>
+        <a:font script="Olck" typeface="Nirmala UI"/>
+        <a:font script="Osma" typeface="Ebrima"/>
+        <a:font script="Phag" typeface="Phagspa"/>
+        <a:font script="Syrn" typeface="Estrangelo Edessa"/>
+        <a:font script="Syrj" typeface="Estrangelo Edessa"/>
+        <a:font script="Syre" typeface="Estrangelo Edessa"/>
+        <a:font script="Sora" typeface="Nirmala UI"/>
+        <a:font script="Tale" typeface="Microsoft Tai Le"/>
+        <a:font script="Talu" typeface="Microsoft New Tai Lue"/>
+        <a:font script="Tfng" typeface="Ebrima"/>
+      </a:minorFont>
+    </a:fontScheme>
+    <a:fmtScheme name="Office">
+      <a:fillStyleLst>
+        <a:solidFill>
+          <a:schemeClr val="phClr"/>
+        </a:solidFill>
+        <a:gradFill rotWithShape="1">
+          <a:gsLst>
+            <a:gs pos="0">
+              <a:schemeClr val="phClr">
+                <a:lumMod val="110000"/>
+                <a:satMod val="105000"/>
+                <a:tint val="67000"/>
+              </a:schemeClr>
+            </a:gs>
+            <a:gs pos="50000">
+              <a:schemeClr val="phClr">
+                <a:lumMod val="105000"/>
+                <a:satMod val="103000"/>
+                <a:tint val="73000"/>
+              </a:schemeClr>
+            </a:gs>
+            <a:gs pos="100000">
+              <a:schemeClr val="phClr">
+                <a:lumMod val="105000"/>
+                <a:satMod val="109000"/>
+                <a:tint val="81000"/>
+              </a:schemeClr>
+            </a:gs>
+          </a:gsLst>
+          <a:lin ang="5400000" scaled="0"/>
+        </a:gradFill>
+        <a:gradFill rotWithShape="1">
+          <a:gsLst>
+            <a:gs pos="0">
+              <a:schemeClr val="phClr">
+                <a:satMod val="103000"/>
+                <a:lumMod val="102000"/>
+                <a:tint val="94000"/>
+              </a:schemeClr>
+            </a:gs>
+            <a:gs pos="50000">
+              <a:schemeClr val="phClr">
+                <a:satMod val="110000"/>
+                <a:lumMod val="100000"/>
+                <a:shade val="100000"/>
+              </a:schemeClr>
+            </a:gs>
+            <a:gs pos="100000">
+              <a:schemeClr val="phClr">
+                <a:lumMod val="99000"/>
+                <a:satMod val="120000"/>
+                <a:shade val="78000"/>
+              </a:schemeClr>
+            </a:gs>
+          </a:gsLst>
+          <a:lin ang="5400000" scaled="0"/>
+        </a:gradFill>
+      </a:fillStyleLst>
+      <a:lnStyleLst>
+        <a:ln w="6350" cap="flat" cmpd="sng" algn="ctr">
+          <a:solidFill>
+            <a:schemeClr val="phClr"/>
+          </a:solidFill>
+          <a:prstDash val="solid"/>
+          <a:miter lim="800000"/>
+        </a:ln>
+        <a:ln w="12700" cap="flat" cmpd="sng" algn="ctr">
+          <a:solidFill>
+            <a:schemeClr val="phClr"/>
+          </a:solidFill>
+          <a:prstDash val="solid"/>
+          <a:miter lim="800000"/>
+        </a:ln>
+        <a:ln w="19050" cap="flat" cmpd="sng" algn="ctr">
+          <a:solidFill>
+            <a:schemeClr val="phClr"/>
+          </a:solidFill>
+          <a:prstDash val="solid"/>
+          <a:miter lim="800000"/>
+        </a:ln>
+      </a:lnStyleLst>
+      <a:effectStyleLst>
+        <a:effectStyle>
+          <a:effectLst/>
+        </a:effectStyle>
+        <a:effectStyle>
+          <a:effectLst/>
+        </a:effectStyle>
+        <a:effectStyle>
+          <a:effectLst>
+            <a:outerShdw blurRad="57150" dist="19050" dir="5400000" algn="ctr" rotWithShape="0">
+              <a:srgbClr val="000000">
+                <a:alpha val="63000"/>
+              </a:srgbClr>
+            </a:outerShdw>
+          </a:effectLst>
+        </a:effectStyle>
+      </a:effectStyleLst>
+      <a:bgFillStyleLst>
+        <a:solidFill>
+          <a:schemeClr val="phClr"/>
+        </a:solidFill>
+        <a:solidFill>
+          <a:schemeClr val="phClr">
+            <a:tint val="95000"/>
+            <a:satMod val="170000"/>
+          </a:schemeClr>
+        </a:solidFill>
+        <a:gradFill rotWithShape="1">
+          <a:gsLst>
+            <a:gs pos="0">
+              <a:schemeClr val="phClr">
+                <a:tint val="93000"/>
+                <a:satMod val="150000"/>
+                <a:shade val="98000"/>
+                <a:lumMod val="102000"/>
+              </a:schemeClr>
+            </a:gs>
+            <a:gs pos="50000">
+              <a:schemeClr val="phClr">
+                <a:tint val="98000"/>
+                <a:satMod val="130000"/>
+                <a:shade val="90000"/>
+                <a:lumMod val="103000"/>
+              </a:schemeClr>
+            </a:gs>
+            <a:gs pos="100000">
+              <a:schemeClr val="phClr">
+                <a:shade val="63000"/>
+                <a:satMod val="120000"/>
+              </a:schemeClr>
+            </a:gs>
+          </a:gsLst>
+          <a:lin ang="5400000" scaled="0"/>
+        </a:gradFill>
+      </a:bgFillStyleLst>
+    </a:fmtScheme>
+  </a:themeElements>
+  <a:objectDefaults/>
+  <a:extraClrSchemeLst/>
+  <a:extLst>
+    <a:ext uri="{05A4C25C-085E-4340-85A3-A5531E510DB2}">
+      <thm15:themeFamily xmlns:thm15="http://schemas.microsoft.com/office/thememl/2012/main" name="Office Theme" id="{62F939B6-93AF-4DB8-9C6B-D6C7DFDC589F}" vid="{4A3C46E8-61CC-4603-A589-7422A47A8E4A}"/>
+    </a:ext>
+  </a:extLst>
+</a:theme>
 </file>
--- a/論文に使う画像.pptx
+++ b/論文に使う画像.pptx
@@ -5,13 +5,15 @@
     <p:sldMasterId id="2147483648" r:id="rId1"/>
   </p:sldMasterIdLst>
   <p:notesMasterIdLst>
-    <p:notesMasterId r:id="rId6"/>
+    <p:notesMasterId r:id="rId8"/>
   </p:notesMasterIdLst>
   <p:sldIdLst>
     <p:sldId id="256" r:id="rId2"/>
     <p:sldId id="257" r:id="rId3"/>
     <p:sldId id="258" r:id="rId4"/>
     <p:sldId id="259" r:id="rId5"/>
+    <p:sldId id="260" r:id="rId6"/>
+    <p:sldId id="261" r:id="rId7"/>
   </p:sldIdLst>
   <p:sldSz cx="12192000" cy="6858000"/>
   <p:notesSz cx="6858000" cy="9144000"/>
@@ -200,7 +202,7 @@
           <a:p>
             <a:fld id="{B3605A22-EF04-4240-9C27-9ADDF0E4DE85}" type="datetimeFigureOut">
               <a:rPr kumimoji="1" lang="ja-JP" altLang="en-US" smtClean="0"/>
-              <a:t>2019/1/22</a:t>
+              <a:t>2019/1/24</a:t>
             </a:fld>
             <a:endParaRPr kumimoji="1" lang="ja-JP" altLang="en-US"/>
           </a:p>
@@ -558,6 +560,174 @@
 </p:notes>
 </file>
 
+<file path=ppt/notesSlides/notesSlide2.xml><?xml version="1.0" encoding="utf-8"?>
+<p:notes xmlns:a="http://schemas.openxmlformats.org/drawingml/2006/main" xmlns:r="http://schemas.openxmlformats.org/officeDocument/2006/relationships" xmlns:p="http://schemas.openxmlformats.org/presentationml/2006/main">
+  <p:cSld>
+    <p:spTree>
+      <p:nvGrpSpPr>
+        <p:cNvPr id="1" name=""/>
+        <p:cNvGrpSpPr/>
+        <p:nvPr/>
+      </p:nvGrpSpPr>
+      <p:grpSpPr>
+        <a:xfrm>
+          <a:off x="0" y="0"/>
+          <a:ext cx="0" cy="0"/>
+          <a:chOff x="0" y="0"/>
+          <a:chExt cx="0" cy="0"/>
+        </a:xfrm>
+      </p:grpSpPr>
+      <p:sp>
+        <p:nvSpPr>
+          <p:cNvPr id="2" name="スライド イメージ プレースホルダー 1"/>
+          <p:cNvSpPr>
+            <a:spLocks noGrp="1" noRot="1" noChangeAspect="1"/>
+          </p:cNvSpPr>
+          <p:nvPr>
+            <p:ph type="sldImg"/>
+          </p:nvPr>
+        </p:nvSpPr>
+        <p:spPr/>
+      </p:sp>
+      <p:sp>
+        <p:nvSpPr>
+          <p:cNvPr id="3" name="ノート プレースホルダー 2"/>
+          <p:cNvSpPr>
+            <a:spLocks noGrp="1"/>
+          </p:cNvSpPr>
+          <p:nvPr>
+            <p:ph type="body" idx="1"/>
+          </p:nvPr>
+        </p:nvSpPr>
+        <p:spPr/>
+        <p:txBody>
+          <a:bodyPr/>
+          <a:lstStyle/>
+          <a:p>
+            <a:endParaRPr kumimoji="1" lang="ja-JP" altLang="en-US"/>
+          </a:p>
+        </p:txBody>
+      </p:sp>
+      <p:sp>
+        <p:nvSpPr>
+          <p:cNvPr id="4" name="スライド番号プレースホルダー 3"/>
+          <p:cNvSpPr>
+            <a:spLocks noGrp="1"/>
+          </p:cNvSpPr>
+          <p:nvPr>
+            <p:ph type="sldNum" sz="quarter" idx="5"/>
+          </p:nvPr>
+        </p:nvSpPr>
+        <p:spPr/>
+        <p:txBody>
+          <a:bodyPr/>
+          <a:lstStyle/>
+          <a:p>
+            <a:fld id="{D6D44BCE-5F17-9B4C-AC22-685A37095B64}" type="slidenum">
+              <a:rPr kumimoji="1" lang="ja-JP" altLang="en-US" smtClean="0"/>
+              <a:t>5</a:t>
+            </a:fld>
+            <a:endParaRPr kumimoji="1" lang="ja-JP" altLang="en-US"/>
+          </a:p>
+        </p:txBody>
+      </p:sp>
+    </p:spTree>
+    <p:extLst>
+      <p:ext uri="{BB962C8B-B14F-4D97-AF65-F5344CB8AC3E}">
+        <p14:creationId xmlns:p14="http://schemas.microsoft.com/office/powerpoint/2010/main" val="2284574804"/>
+      </p:ext>
+    </p:extLst>
+  </p:cSld>
+  <p:clrMapOvr>
+    <a:masterClrMapping/>
+  </p:clrMapOvr>
+</p:notes>
+</file>
+
+<file path=ppt/notesSlides/notesSlide3.xml><?xml version="1.0" encoding="utf-8"?>
+<p:notes xmlns:a="http://schemas.openxmlformats.org/drawingml/2006/main" xmlns:r="http://schemas.openxmlformats.org/officeDocument/2006/relationships" xmlns:p="http://schemas.openxmlformats.org/presentationml/2006/main">
+  <p:cSld>
+    <p:spTree>
+      <p:nvGrpSpPr>
+        <p:cNvPr id="1" name=""/>
+        <p:cNvGrpSpPr/>
+        <p:nvPr/>
+      </p:nvGrpSpPr>
+      <p:grpSpPr>
+        <a:xfrm>
+          <a:off x="0" y="0"/>
+          <a:ext cx="0" cy="0"/>
+          <a:chOff x="0" y="0"/>
+          <a:chExt cx="0" cy="0"/>
+        </a:xfrm>
+      </p:grpSpPr>
+      <p:sp>
+        <p:nvSpPr>
+          <p:cNvPr id="2" name="スライド イメージ プレースホルダー 1"/>
+          <p:cNvSpPr>
+            <a:spLocks noGrp="1" noRot="1" noChangeAspect="1"/>
+          </p:cNvSpPr>
+          <p:nvPr>
+            <p:ph type="sldImg"/>
+          </p:nvPr>
+        </p:nvSpPr>
+        <p:spPr/>
+      </p:sp>
+      <p:sp>
+        <p:nvSpPr>
+          <p:cNvPr id="3" name="ノート プレースホルダー 2"/>
+          <p:cNvSpPr>
+            <a:spLocks noGrp="1"/>
+          </p:cNvSpPr>
+          <p:nvPr>
+            <p:ph type="body" idx="1"/>
+          </p:nvPr>
+        </p:nvSpPr>
+        <p:spPr/>
+        <p:txBody>
+          <a:bodyPr/>
+          <a:lstStyle/>
+          <a:p>
+            <a:endParaRPr kumimoji="1" lang="ja-JP" altLang="en-US"/>
+          </a:p>
+        </p:txBody>
+      </p:sp>
+      <p:sp>
+        <p:nvSpPr>
+          <p:cNvPr id="4" name="スライド番号プレースホルダー 3"/>
+          <p:cNvSpPr>
+            <a:spLocks noGrp="1"/>
+          </p:cNvSpPr>
+          <p:nvPr>
+            <p:ph type="sldNum" sz="quarter" idx="5"/>
+          </p:nvPr>
+        </p:nvSpPr>
+        <p:spPr/>
+        <p:txBody>
+          <a:bodyPr/>
+          <a:lstStyle/>
+          <a:p>
+            <a:fld id="{D6D44BCE-5F17-9B4C-AC22-685A37095B64}" type="slidenum">
+              <a:rPr kumimoji="1" lang="ja-JP" altLang="en-US" smtClean="0"/>
+              <a:t>6</a:t>
+            </a:fld>
+            <a:endParaRPr kumimoji="1" lang="ja-JP" altLang="en-US"/>
+          </a:p>
+        </p:txBody>
+      </p:sp>
+    </p:spTree>
+    <p:extLst>
+      <p:ext uri="{BB962C8B-B14F-4D97-AF65-F5344CB8AC3E}">
+        <p14:creationId xmlns:p14="http://schemas.microsoft.com/office/powerpoint/2010/main" val="3724957376"/>
+      </p:ext>
+    </p:extLst>
+  </p:cSld>
+  <p:clrMapOvr>
+    <a:masterClrMapping/>
+  </p:clrMapOvr>
+</p:notes>
+</file>
+
 <file path=ppt/slideLayouts/slideLayout1.xml><?xml version="1.0" encoding="utf-8"?>
 <p:sldLayout xmlns:a="http://schemas.openxmlformats.org/drawingml/2006/main" xmlns:r="http://schemas.openxmlformats.org/officeDocument/2006/relationships" xmlns:p="http://schemas.openxmlformats.org/presentationml/2006/main" type="title" preserve="1">
   <p:cSld name="タイトル スライド">
@@ -705,7 +875,7 @@
           <a:p>
             <a:fld id="{F8143675-065B-6249-819E-977928931EDE}" type="datetimeFigureOut">
               <a:rPr kumimoji="1" lang="ja-JP" altLang="en-US" smtClean="0"/>
-              <a:t>2019/1/22</a:t>
+              <a:t>2019/1/24</a:t>
             </a:fld>
             <a:endParaRPr kumimoji="1" lang="ja-JP" altLang="en-US"/>
           </a:p>
@@ -910,7 +1080,7 @@
           <a:p>
             <a:fld id="{F8143675-065B-6249-819E-977928931EDE}" type="datetimeFigureOut">
               <a:rPr kumimoji="1" lang="ja-JP" altLang="en-US" smtClean="0"/>
-              <a:t>2019/1/22</a:t>
+              <a:t>2019/1/24</a:t>
             </a:fld>
             <a:endParaRPr kumimoji="1" lang="ja-JP" altLang="en-US"/>
           </a:p>
@@ -1125,7 +1295,7 @@
           <a:p>
             <a:fld id="{F8143675-065B-6249-819E-977928931EDE}" type="datetimeFigureOut">
               <a:rPr kumimoji="1" lang="ja-JP" altLang="en-US" smtClean="0"/>
-              <a:t>2019/1/22</a:t>
+              <a:t>2019/1/24</a:t>
             </a:fld>
             <a:endParaRPr kumimoji="1" lang="ja-JP" altLang="en-US"/>
           </a:p>
@@ -1330,7 +1500,7 @@
           <a:p>
             <a:fld id="{F8143675-065B-6249-819E-977928931EDE}" type="datetimeFigureOut">
               <a:rPr kumimoji="1" lang="ja-JP" altLang="en-US" smtClean="0"/>
-              <a:t>2019/1/22</a:t>
+              <a:t>2019/1/24</a:t>
             </a:fld>
             <a:endParaRPr kumimoji="1" lang="ja-JP" altLang="en-US"/>
           </a:p>
@@ -1640,7 +1810,7 @@
           <a:p>
             <a:fld id="{F8143675-065B-6249-819E-977928931EDE}" type="datetimeFigureOut">
               <a:rPr kumimoji="1" lang="ja-JP" altLang="en-US" smtClean="0"/>
-              <a:t>2019/1/22</a:t>
+              <a:t>2019/1/24</a:t>
             </a:fld>
             <a:endParaRPr kumimoji="1" lang="ja-JP" altLang="en-US"/>
           </a:p>
@@ -1919,7 +2089,7 @@
           <a:p>
             <a:fld id="{F8143675-065B-6249-819E-977928931EDE}" type="datetimeFigureOut">
               <a:rPr kumimoji="1" lang="ja-JP" altLang="en-US" smtClean="0"/>
-              <a:t>2019/1/22</a:t>
+              <a:t>2019/1/24</a:t>
             </a:fld>
             <a:endParaRPr kumimoji="1" lang="ja-JP" altLang="en-US"/>
           </a:p>
@@ -2415,7 +2585,7 @@
           <a:p>
             <a:fld id="{F8143675-065B-6249-819E-977928931EDE}" type="datetimeFigureOut">
               <a:rPr kumimoji="1" lang="ja-JP" altLang="en-US" smtClean="0"/>
-              <a:t>2019/1/22</a:t>
+              <a:t>2019/1/24</a:t>
             </a:fld>
             <a:endParaRPr kumimoji="1" lang="ja-JP" altLang="en-US"/>
           </a:p>
@@ -2556,7 +2726,7 @@
           <a:p>
             <a:fld id="{F8143675-065B-6249-819E-977928931EDE}" type="datetimeFigureOut">
               <a:rPr kumimoji="1" lang="ja-JP" altLang="en-US" smtClean="0"/>
-              <a:t>2019/1/22</a:t>
+              <a:t>2019/1/24</a:t>
             </a:fld>
             <a:endParaRPr kumimoji="1" lang="ja-JP" altLang="en-US"/>
           </a:p>
@@ -2669,7 +2839,7 @@
           <a:p>
             <a:fld id="{F8143675-065B-6249-819E-977928931EDE}" type="datetimeFigureOut">
               <a:rPr kumimoji="1" lang="ja-JP" altLang="en-US" smtClean="0"/>
-              <a:t>2019/1/22</a:t>
+              <a:t>2019/1/24</a:t>
             </a:fld>
             <a:endParaRPr kumimoji="1" lang="ja-JP" altLang="en-US"/>
           </a:p>
@@ -3022,7 +3192,7 @@
           <a:p>
             <a:fld id="{F8143675-065B-6249-819E-977928931EDE}" type="datetimeFigureOut">
               <a:rPr kumimoji="1" lang="ja-JP" altLang="en-US" smtClean="0"/>
-              <a:t>2019/1/22</a:t>
+              <a:t>2019/1/24</a:t>
             </a:fld>
             <a:endParaRPr kumimoji="1" lang="ja-JP" altLang="en-US"/>
           </a:p>
@@ -3345,7 +3515,7 @@
           <a:p>
             <a:fld id="{F8143675-065B-6249-819E-977928931EDE}" type="datetimeFigureOut">
               <a:rPr kumimoji="1" lang="ja-JP" altLang="en-US" smtClean="0"/>
-              <a:t>2019/1/22</a:t>
+              <a:t>2019/1/24</a:t>
             </a:fld>
             <a:endParaRPr kumimoji="1" lang="ja-JP" altLang="en-US"/>
           </a:p>
@@ -3593,7 +3763,7 @@
           <a:p>
             <a:fld id="{F8143675-065B-6249-819E-977928931EDE}" type="datetimeFigureOut">
               <a:rPr kumimoji="1" lang="ja-JP" altLang="en-US" smtClean="0"/>
-              <a:t>2019/1/22</a:t>
+              <a:t>2019/1/24</a:t>
             </a:fld>
             <a:endParaRPr kumimoji="1" lang="ja-JP" altLang="en-US"/>
           </a:p>
@@ -5211,6 +5381,200 @@
           <a:chExt cx="0" cy="0"/>
         </a:xfrm>
       </p:grpSpPr>
+      <p:sp>
+        <p:nvSpPr>
+          <p:cNvPr id="28" name="正方形/長方形 27">
+            <a:extLst>
+              <a:ext uri="{FF2B5EF4-FFF2-40B4-BE49-F238E27FC236}">
+                <a16:creationId xmlns:a16="http://schemas.microsoft.com/office/drawing/2014/main" id="{07E13271-EFCE-A649-AF3D-AE7DFCE9FB10}"/>
+              </a:ext>
+            </a:extLst>
+          </p:cNvPr>
+          <p:cNvSpPr/>
+          <p:nvPr/>
+        </p:nvSpPr>
+        <p:spPr>
+          <a:xfrm>
+            <a:off x="9290122" y="1618488"/>
+            <a:ext cx="2660904" cy="1143000"/>
+          </a:xfrm>
+          <a:prstGeom prst="rect">
+            <a:avLst/>
+          </a:prstGeom>
+          <a:solidFill>
+            <a:schemeClr val="accent2">
+              <a:lumMod val="60000"/>
+              <a:lumOff val="40000"/>
+            </a:schemeClr>
+          </a:solidFill>
+          <a:ln>
+            <a:noFill/>
+          </a:ln>
+        </p:spPr>
+        <p:style>
+          <a:lnRef idx="2">
+            <a:schemeClr val="accent1">
+              <a:shade val="50000"/>
+            </a:schemeClr>
+          </a:lnRef>
+          <a:fillRef idx="1">
+            <a:schemeClr val="accent1"/>
+          </a:fillRef>
+          <a:effectRef idx="0">
+            <a:schemeClr val="accent1"/>
+          </a:effectRef>
+          <a:fontRef idx="minor">
+            <a:schemeClr val="lt1"/>
+          </a:fontRef>
+        </p:style>
+        <p:txBody>
+          <a:bodyPr rtlCol="0" anchor="ctr"/>
+          <a:lstStyle/>
+          <a:p>
+            <a:pPr algn="ctr"/>
+            <a:endParaRPr kumimoji="1" lang="ja-JP" altLang="en-US"/>
+          </a:p>
+        </p:txBody>
+      </p:sp>
+      <p:sp>
+        <p:nvSpPr>
+          <p:cNvPr id="25" name="テキスト ボックス 24">
+            <a:extLst>
+              <a:ext uri="{FF2B5EF4-FFF2-40B4-BE49-F238E27FC236}">
+                <a16:creationId xmlns:a16="http://schemas.microsoft.com/office/drawing/2014/main" id="{80248FED-2684-D742-B362-E029490DDDE4}"/>
+              </a:ext>
+            </a:extLst>
+          </p:cNvPr>
+          <p:cNvSpPr txBox="1"/>
+          <p:nvPr/>
+        </p:nvSpPr>
+        <p:spPr>
+          <a:xfrm>
+            <a:off x="9439875" y="1836045"/>
+            <a:ext cx="2371162" cy="707886"/>
+          </a:xfrm>
+          <a:prstGeom prst="rect">
+            <a:avLst/>
+          </a:prstGeom>
+          <a:noFill/>
+        </p:spPr>
+        <p:txBody>
+          <a:bodyPr wrap="none" rtlCol="0">
+            <a:spAutoFit/>
+          </a:bodyPr>
+          <a:lstStyle/>
+          <a:p>
+            <a:r>
+              <a:rPr kumimoji="1" lang="en-US" altLang="ja-JP" sz="4000" dirty="0">
+                <a:latin typeface="Hiragino Kaku Gothic Pro W3" panose="020B0300000000000000" pitchFamily="34" charset="-128"/>
+                <a:ea typeface="Hiragino Kaku Gothic Pro W3" panose="020B0300000000000000" pitchFamily="34" charset="-128"/>
+              </a:rPr>
+              <a:t>Canvas2</a:t>
+            </a:r>
+            <a:endParaRPr kumimoji="1" lang="ja-JP" altLang="en-US" sz="4000">
+              <a:latin typeface="Hiragino Kaku Gothic Pro W3" panose="020B0300000000000000" pitchFamily="34" charset="-128"/>
+              <a:ea typeface="Hiragino Kaku Gothic Pro W3" panose="020B0300000000000000" pitchFamily="34" charset="-128"/>
+            </a:endParaRPr>
+          </a:p>
+        </p:txBody>
+      </p:sp>
+      <p:sp>
+        <p:nvSpPr>
+          <p:cNvPr id="10" name="正方形/長方形 9">
+            <a:extLst>
+              <a:ext uri="{FF2B5EF4-FFF2-40B4-BE49-F238E27FC236}">
+                <a16:creationId xmlns:a16="http://schemas.microsoft.com/office/drawing/2014/main" id="{0EB05E8B-E1C8-B44B-A8A3-B616E6856AB0}"/>
+              </a:ext>
+            </a:extLst>
+          </p:cNvPr>
+          <p:cNvSpPr/>
+          <p:nvPr/>
+        </p:nvSpPr>
+        <p:spPr>
+          <a:xfrm>
+            <a:off x="36576" y="1618488"/>
+            <a:ext cx="2660904" cy="1143000"/>
+          </a:xfrm>
+          <a:prstGeom prst="rect">
+            <a:avLst/>
+          </a:prstGeom>
+          <a:solidFill>
+            <a:schemeClr val="accent4">
+              <a:lumMod val="40000"/>
+              <a:lumOff val="60000"/>
+            </a:schemeClr>
+          </a:solidFill>
+          <a:ln>
+            <a:noFill/>
+          </a:ln>
+        </p:spPr>
+        <p:style>
+          <a:lnRef idx="2">
+            <a:schemeClr val="accent1">
+              <a:shade val="50000"/>
+            </a:schemeClr>
+          </a:lnRef>
+          <a:fillRef idx="1">
+            <a:schemeClr val="accent1"/>
+          </a:fillRef>
+          <a:effectRef idx="0">
+            <a:schemeClr val="accent1"/>
+          </a:effectRef>
+          <a:fontRef idx="minor">
+            <a:schemeClr val="lt1"/>
+          </a:fontRef>
+        </p:style>
+        <p:txBody>
+          <a:bodyPr rtlCol="0" anchor="ctr"/>
+          <a:lstStyle/>
+          <a:p>
+            <a:pPr algn="ctr"/>
+            <a:endParaRPr kumimoji="1" lang="ja-JP" altLang="en-US"/>
+          </a:p>
+        </p:txBody>
+      </p:sp>
+      <p:sp>
+        <p:nvSpPr>
+          <p:cNvPr id="9" name="テキスト ボックス 8">
+            <a:extLst>
+              <a:ext uri="{FF2B5EF4-FFF2-40B4-BE49-F238E27FC236}">
+                <a16:creationId xmlns:a16="http://schemas.microsoft.com/office/drawing/2014/main" id="{963AAF97-372C-8C43-9F27-B13F9F7E2627}"/>
+              </a:ext>
+            </a:extLst>
+          </p:cNvPr>
+          <p:cNvSpPr txBox="1"/>
+          <p:nvPr/>
+        </p:nvSpPr>
+        <p:spPr>
+          <a:xfrm>
+            <a:off x="125788" y="1836045"/>
+            <a:ext cx="2371162" cy="707886"/>
+          </a:xfrm>
+          <a:prstGeom prst="rect">
+            <a:avLst/>
+          </a:prstGeom>
+          <a:noFill/>
+        </p:spPr>
+        <p:txBody>
+          <a:bodyPr wrap="none" rtlCol="0">
+            <a:spAutoFit/>
+          </a:bodyPr>
+          <a:lstStyle/>
+          <a:p>
+            <a:r>
+              <a:rPr kumimoji="1" lang="en-US" altLang="ja-JP" sz="4000" dirty="0">
+                <a:latin typeface="Hiragino Kaku Gothic Pro W3" panose="020B0300000000000000" pitchFamily="34" charset="-128"/>
+                <a:ea typeface="Hiragino Kaku Gothic Pro W3" panose="020B0300000000000000" pitchFamily="34" charset="-128"/>
+              </a:rPr>
+              <a:t>Canvas1</a:t>
+            </a:r>
+            <a:endParaRPr kumimoji="1" lang="ja-JP" altLang="en-US" sz="4000">
+              <a:latin typeface="Hiragino Kaku Gothic Pro W3" panose="020B0300000000000000" pitchFamily="34" charset="-128"/>
+              <a:ea typeface="Hiragino Kaku Gothic Pro W3" panose="020B0300000000000000" pitchFamily="34" charset="-128"/>
+            </a:endParaRPr>
+          </a:p>
+        </p:txBody>
+      </p:sp>
       <p:pic>
         <p:nvPicPr>
           <p:cNvPr id="20" name="図 19">
@@ -5233,7 +5597,7 @@
         </p:blipFill>
         <p:spPr>
           <a:xfrm>
-            <a:off x="2206948" y="96251"/>
+            <a:off x="2975044" y="96251"/>
             <a:ext cx="5961991" cy="6728059"/>
           </a:xfrm>
           <a:prstGeom prst="rect">
@@ -5255,7 +5619,7 @@
         </p:nvSpPr>
         <p:spPr>
           <a:xfrm>
-            <a:off x="5137511" y="999241"/>
+            <a:off x="5905607" y="999241"/>
             <a:ext cx="2882125" cy="5762508"/>
           </a:xfrm>
           <a:prstGeom prst="rect">
@@ -5310,7 +5674,7 @@
         </p:nvSpPr>
         <p:spPr>
           <a:xfrm>
-            <a:off x="2263509" y="1000809"/>
+            <a:off x="3031605" y="1000809"/>
             <a:ext cx="2882125" cy="5762508"/>
           </a:xfrm>
           <a:prstGeom prst="rect">
@@ -5351,252 +5715,116 @@
           </a:p>
         </p:txBody>
       </p:sp>
-      <p:grpSp>
-        <p:nvGrpSpPr>
-          <p:cNvPr id="32" name="グループ化 31">
-            <a:extLst>
-              <a:ext uri="{FF2B5EF4-FFF2-40B4-BE49-F238E27FC236}">
-                <a16:creationId xmlns:a16="http://schemas.microsoft.com/office/drawing/2014/main" id="{BC6198D1-1499-9B46-872A-C8C1AD7960B5}"/>
-              </a:ext>
-            </a:extLst>
-          </p:cNvPr>
-          <p:cNvGrpSpPr/>
+      <p:sp>
+        <p:nvSpPr>
+          <p:cNvPr id="11" name="三角形 10">
+            <a:extLst>
+              <a:ext uri="{FF2B5EF4-FFF2-40B4-BE49-F238E27FC236}">
+                <a16:creationId xmlns:a16="http://schemas.microsoft.com/office/drawing/2014/main" id="{BCD9816B-EBDC-BA43-A665-064BB7CBEF5E}"/>
+              </a:ext>
+            </a:extLst>
+          </p:cNvPr>
+          <p:cNvSpPr/>
           <p:nvPr/>
-        </p:nvGrpSpPr>
-        <p:grpSpPr>
-          <a:xfrm>
-            <a:off x="2734541" y="1625164"/>
-            <a:ext cx="1936000" cy="584775"/>
-            <a:chOff x="2864845" y="1716007"/>
-            <a:chExt cx="1936000" cy="584775"/>
+        </p:nvSpPr>
+        <p:spPr>
+          <a:xfrm rot="5400000">
+            <a:off x="2508264" y="1789420"/>
+            <a:ext cx="1142999" cy="801143"/>
           </a:xfrm>
-        </p:grpSpPr>
-        <p:sp>
-          <p:nvSpPr>
-            <p:cNvPr id="29" name="正方形/長方形 28">
-              <a:extLst>
-                <a:ext uri="{FF2B5EF4-FFF2-40B4-BE49-F238E27FC236}">
-                  <a16:creationId xmlns:a16="http://schemas.microsoft.com/office/drawing/2014/main" id="{99EEF1DB-6E18-E742-98E0-97DF348BDD4F}"/>
-                </a:ext>
-              </a:extLst>
-            </p:cNvPr>
-            <p:cNvSpPr/>
-            <p:nvPr/>
-          </p:nvSpPr>
-          <p:spPr>
-            <a:xfrm>
-              <a:off x="2868906" y="1716007"/>
-              <a:ext cx="1931939" cy="553495"/>
-            </a:xfrm>
-            <a:prstGeom prst="rect">
-              <a:avLst/>
-            </a:prstGeom>
-            <a:solidFill>
-              <a:schemeClr val="accent4">
-                <a:lumMod val="60000"/>
-                <a:lumOff val="40000"/>
-              </a:schemeClr>
-            </a:solidFill>
-            <a:ln w="76200">
-              <a:solidFill>
-                <a:schemeClr val="accent4">
-                  <a:lumMod val="60000"/>
-                  <a:lumOff val="40000"/>
-                </a:schemeClr>
-              </a:solidFill>
-            </a:ln>
-          </p:spPr>
-          <p:style>
-            <a:lnRef idx="2">
-              <a:schemeClr val="accent1">
-                <a:shade val="50000"/>
-              </a:schemeClr>
-            </a:lnRef>
-            <a:fillRef idx="1">
-              <a:schemeClr val="accent1"/>
-            </a:fillRef>
-            <a:effectRef idx="0">
-              <a:schemeClr val="accent1"/>
-            </a:effectRef>
-            <a:fontRef idx="minor">
-              <a:schemeClr val="lt1"/>
-            </a:fontRef>
-          </p:style>
-          <p:txBody>
-            <a:bodyPr rtlCol="0" anchor="ctr"/>
-            <a:lstStyle/>
-            <a:p>
-              <a:pPr algn="ctr"/>
-              <a:endParaRPr kumimoji="1" lang="ja-JP" altLang="en-US"/>
-            </a:p>
-          </p:txBody>
-        </p:sp>
-        <p:sp>
-          <p:nvSpPr>
-            <p:cNvPr id="27" name="テキスト ボックス 26">
-              <a:extLst>
-                <a:ext uri="{FF2B5EF4-FFF2-40B4-BE49-F238E27FC236}">
-                  <a16:creationId xmlns:a16="http://schemas.microsoft.com/office/drawing/2014/main" id="{71920675-91BA-BC46-B05D-F3FA623D7771}"/>
-                </a:ext>
-              </a:extLst>
-            </p:cNvPr>
-            <p:cNvSpPr txBox="1"/>
-            <p:nvPr/>
-          </p:nvSpPr>
-          <p:spPr>
-            <a:xfrm>
-              <a:off x="2864845" y="1716007"/>
-              <a:ext cx="1931939" cy="584775"/>
-            </a:xfrm>
-            <a:prstGeom prst="rect">
-              <a:avLst/>
-            </a:prstGeom>
+          <a:prstGeom prst="triangle">
+            <a:avLst/>
+          </a:prstGeom>
+          <a:solidFill>
+            <a:schemeClr val="accent4">
+              <a:lumMod val="40000"/>
+              <a:lumOff val="60000"/>
+            </a:schemeClr>
+          </a:solidFill>
+          <a:ln>
             <a:noFill/>
-          </p:spPr>
-          <p:txBody>
-            <a:bodyPr wrap="none" rtlCol="0">
-              <a:spAutoFit/>
-            </a:bodyPr>
-            <a:lstStyle/>
-            <a:p>
-              <a:r>
-                <a:rPr kumimoji="1" lang="en-US" altLang="ja-JP" sz="3200" dirty="0">
-                  <a:latin typeface="Hiragino Kaku Gothic Pro W3" panose="020B0300000000000000" pitchFamily="34" charset="-128"/>
-                  <a:ea typeface="Hiragino Kaku Gothic Pro W3" panose="020B0300000000000000" pitchFamily="34" charset="-128"/>
-                </a:rPr>
-                <a:t>Canvas1</a:t>
-              </a:r>
-              <a:endParaRPr kumimoji="1" lang="ja-JP" altLang="en-US" sz="3200">
-                <a:latin typeface="Hiragino Kaku Gothic Pro W3" panose="020B0300000000000000" pitchFamily="34" charset="-128"/>
-                <a:ea typeface="Hiragino Kaku Gothic Pro W3" panose="020B0300000000000000" pitchFamily="34" charset="-128"/>
-              </a:endParaRPr>
-            </a:p>
-          </p:txBody>
-        </p:sp>
-      </p:grpSp>
-      <p:grpSp>
-        <p:nvGrpSpPr>
-          <p:cNvPr id="33" name="グループ化 32">
-            <a:extLst>
-              <a:ext uri="{FF2B5EF4-FFF2-40B4-BE49-F238E27FC236}">
-                <a16:creationId xmlns:a16="http://schemas.microsoft.com/office/drawing/2014/main" id="{484F91A4-9201-914F-BE96-E3072CFAAC9D}"/>
-              </a:ext>
-            </a:extLst>
-          </p:cNvPr>
-          <p:cNvGrpSpPr/>
+          </a:ln>
+        </p:spPr>
+        <p:style>
+          <a:lnRef idx="2">
+            <a:schemeClr val="accent1">
+              <a:shade val="50000"/>
+            </a:schemeClr>
+          </a:lnRef>
+          <a:fillRef idx="1">
+            <a:schemeClr val="accent1"/>
+          </a:fillRef>
+          <a:effectRef idx="0">
+            <a:schemeClr val="accent1"/>
+          </a:effectRef>
+          <a:fontRef idx="minor">
+            <a:schemeClr val="lt1"/>
+          </a:fontRef>
+        </p:style>
+        <p:txBody>
+          <a:bodyPr rtlCol="0" anchor="ctr"/>
+          <a:lstStyle/>
+          <a:p>
+            <a:pPr algn="ctr"/>
+            <a:endParaRPr kumimoji="1" lang="ja-JP" altLang="en-US"/>
+          </a:p>
+        </p:txBody>
+      </p:sp>
+      <p:sp>
+        <p:nvSpPr>
+          <p:cNvPr id="34" name="三角形 33">
+            <a:extLst>
+              <a:ext uri="{FF2B5EF4-FFF2-40B4-BE49-F238E27FC236}">
+                <a16:creationId xmlns:a16="http://schemas.microsoft.com/office/drawing/2014/main" id="{111AF858-DA88-9147-B132-00D298867F41}"/>
+              </a:ext>
+            </a:extLst>
+          </p:cNvPr>
+          <p:cNvSpPr/>
           <p:nvPr/>
-        </p:nvGrpSpPr>
-        <p:grpSpPr>
-          <a:xfrm>
-            <a:off x="5691317" y="1609523"/>
-            <a:ext cx="1931939" cy="584775"/>
-            <a:chOff x="5799469" y="1647125"/>
-            <a:chExt cx="1931939" cy="584775"/>
+        </p:nvSpPr>
+        <p:spPr>
+          <a:xfrm rot="16200000">
+            <a:off x="8342484" y="1789417"/>
+            <a:ext cx="1142999" cy="801143"/>
           </a:xfrm>
-        </p:grpSpPr>
-        <p:sp>
-          <p:nvSpPr>
-            <p:cNvPr id="30" name="正方形/長方形 29">
-              <a:extLst>
-                <a:ext uri="{FF2B5EF4-FFF2-40B4-BE49-F238E27FC236}">
-                  <a16:creationId xmlns:a16="http://schemas.microsoft.com/office/drawing/2014/main" id="{43A961C6-1C86-2F40-98E2-B8DF47A3A53B}"/>
-                </a:ext>
-              </a:extLst>
-            </p:cNvPr>
-            <p:cNvSpPr/>
-            <p:nvPr/>
-          </p:nvSpPr>
-          <p:spPr>
-            <a:xfrm>
-              <a:off x="5799469" y="1662766"/>
-              <a:ext cx="1931939" cy="553495"/>
-            </a:xfrm>
-            <a:prstGeom prst="rect">
-              <a:avLst/>
-            </a:prstGeom>
-            <a:solidFill>
-              <a:schemeClr val="accent2">
-                <a:lumMod val="60000"/>
-                <a:lumOff val="40000"/>
-              </a:schemeClr>
-            </a:solidFill>
-            <a:ln w="76200">
-              <a:solidFill>
-                <a:schemeClr val="accent2">
-                  <a:lumMod val="60000"/>
-                  <a:lumOff val="40000"/>
-                </a:schemeClr>
-              </a:solidFill>
-            </a:ln>
-          </p:spPr>
-          <p:style>
-            <a:lnRef idx="2">
-              <a:schemeClr val="accent1">
-                <a:shade val="50000"/>
-              </a:schemeClr>
-            </a:lnRef>
-            <a:fillRef idx="1">
-              <a:schemeClr val="accent1"/>
-            </a:fillRef>
-            <a:effectRef idx="0">
-              <a:schemeClr val="accent1"/>
-            </a:effectRef>
-            <a:fontRef idx="minor">
-              <a:schemeClr val="lt1"/>
-            </a:fontRef>
-          </p:style>
-          <p:txBody>
-            <a:bodyPr rtlCol="0" anchor="ctr"/>
-            <a:lstStyle/>
-            <a:p>
-              <a:pPr algn="ctr"/>
-              <a:endParaRPr kumimoji="1" lang="ja-JP" altLang="en-US"/>
-            </a:p>
-          </p:txBody>
-        </p:sp>
-        <p:sp>
-          <p:nvSpPr>
-            <p:cNvPr id="31" name="テキスト ボックス 30">
-              <a:extLst>
-                <a:ext uri="{FF2B5EF4-FFF2-40B4-BE49-F238E27FC236}">
-                  <a16:creationId xmlns:a16="http://schemas.microsoft.com/office/drawing/2014/main" id="{81C179FE-F9C7-7C44-A10A-096E9C10B780}"/>
-                </a:ext>
-              </a:extLst>
-            </p:cNvPr>
-            <p:cNvSpPr txBox="1"/>
-            <p:nvPr/>
-          </p:nvSpPr>
-          <p:spPr>
-            <a:xfrm>
-              <a:off x="5799469" y="1647125"/>
-              <a:ext cx="1931939" cy="584775"/>
-            </a:xfrm>
-            <a:prstGeom prst="rect">
-              <a:avLst/>
-            </a:prstGeom>
+          <a:prstGeom prst="triangle">
+            <a:avLst/>
+          </a:prstGeom>
+          <a:solidFill>
+            <a:schemeClr val="accent2">
+              <a:lumMod val="60000"/>
+              <a:lumOff val="40000"/>
+            </a:schemeClr>
+          </a:solidFill>
+          <a:ln>
             <a:noFill/>
-          </p:spPr>
-          <p:txBody>
-            <a:bodyPr wrap="none" rtlCol="0">
-              <a:spAutoFit/>
-            </a:bodyPr>
-            <a:lstStyle/>
-            <a:p>
-              <a:r>
-                <a:rPr kumimoji="1" lang="en-US" altLang="ja-JP" sz="3200" dirty="0">
-                  <a:latin typeface="Hiragino Kaku Gothic Pro W3" panose="020B0300000000000000" pitchFamily="34" charset="-128"/>
-                  <a:ea typeface="Hiragino Kaku Gothic Pro W3" panose="020B0300000000000000" pitchFamily="34" charset="-128"/>
-                </a:rPr>
-                <a:t>Canvas2</a:t>
-              </a:r>
-              <a:endParaRPr kumimoji="1" lang="ja-JP" altLang="en-US" sz="3200">
-                <a:latin typeface="Hiragino Kaku Gothic Pro W3" panose="020B0300000000000000" pitchFamily="34" charset="-128"/>
-                <a:ea typeface="Hiragino Kaku Gothic Pro W3" panose="020B0300000000000000" pitchFamily="34" charset="-128"/>
-              </a:endParaRPr>
-            </a:p>
-          </p:txBody>
-        </p:sp>
-      </p:grpSp>
+          </a:ln>
+        </p:spPr>
+        <p:style>
+          <a:lnRef idx="2">
+            <a:schemeClr val="accent1">
+              <a:shade val="50000"/>
+            </a:schemeClr>
+          </a:lnRef>
+          <a:fillRef idx="1">
+            <a:schemeClr val="accent1"/>
+          </a:fillRef>
+          <a:effectRef idx="0">
+            <a:schemeClr val="accent1"/>
+          </a:effectRef>
+          <a:fontRef idx="minor">
+            <a:schemeClr val="lt1"/>
+          </a:fontRef>
+        </p:style>
+        <p:txBody>
+          <a:bodyPr rtlCol="0" anchor="ctr"/>
+          <a:lstStyle/>
+          <a:p>
+            <a:pPr algn="ctr"/>
+            <a:endParaRPr kumimoji="1" lang="ja-JP" altLang="en-US"/>
+          </a:p>
+        </p:txBody>
+      </p:sp>
     </p:spTree>
     <p:extLst>
       <p:ext uri="{BB962C8B-B14F-4D97-AF65-F5344CB8AC3E}">
@@ -5635,177 +5863,12 @@
           <a:chExt cx="0" cy="0"/>
         </a:xfrm>
       </p:grpSpPr>
-      <p:sp>
-        <p:nvSpPr>
-          <p:cNvPr id="60" name="正方形/長方形 59">
-            <a:extLst>
-              <a:ext uri="{FF2B5EF4-FFF2-40B4-BE49-F238E27FC236}">
-                <a16:creationId xmlns:a16="http://schemas.microsoft.com/office/drawing/2014/main" id="{28695312-9249-BE4C-8B44-9E254A602C57}"/>
-              </a:ext>
-            </a:extLst>
-          </p:cNvPr>
-          <p:cNvSpPr/>
-          <p:nvPr/>
-        </p:nvSpPr>
-        <p:spPr>
-          <a:xfrm rot="5400000">
-            <a:off x="8210848" y="5265487"/>
-            <a:ext cx="216000" cy="2018275"/>
-          </a:xfrm>
-          <a:prstGeom prst="rect">
-            <a:avLst/>
-          </a:prstGeom>
-          <a:solidFill>
-            <a:schemeClr val="tx1">
-              <a:lumMod val="65000"/>
-              <a:lumOff val="35000"/>
-            </a:schemeClr>
-          </a:solidFill>
-          <a:ln>
-            <a:noFill/>
-          </a:ln>
-        </p:spPr>
-        <p:style>
-          <a:lnRef idx="2">
-            <a:schemeClr val="accent1">
-              <a:shade val="50000"/>
-            </a:schemeClr>
-          </a:lnRef>
-          <a:fillRef idx="1">
-            <a:schemeClr val="accent1"/>
-          </a:fillRef>
-          <a:effectRef idx="0">
-            <a:schemeClr val="accent1"/>
-          </a:effectRef>
-          <a:fontRef idx="minor">
-            <a:schemeClr val="lt1"/>
-          </a:fontRef>
-        </p:style>
-        <p:txBody>
-          <a:bodyPr rtlCol="0" anchor="ctr"/>
-          <a:lstStyle/>
-          <a:p>
-            <a:pPr algn="ctr"/>
-            <a:endParaRPr kumimoji="1" lang="ja-JP" altLang="en-US"/>
-          </a:p>
-        </p:txBody>
-      </p:sp>
-      <p:sp>
-        <p:nvSpPr>
-          <p:cNvPr id="58" name="正方形/長方形 57">
-            <a:extLst>
-              <a:ext uri="{FF2B5EF4-FFF2-40B4-BE49-F238E27FC236}">
-                <a16:creationId xmlns:a16="http://schemas.microsoft.com/office/drawing/2014/main" id="{84042A17-700A-6A4D-B686-BECEFA4F684B}"/>
-              </a:ext>
-            </a:extLst>
-          </p:cNvPr>
-          <p:cNvSpPr/>
-          <p:nvPr/>
-        </p:nvSpPr>
-        <p:spPr>
-          <a:xfrm>
-            <a:off x="6771449" y="1528592"/>
-            <a:ext cx="188400" cy="4820799"/>
-          </a:xfrm>
-          <a:prstGeom prst="rect">
-            <a:avLst/>
-          </a:prstGeom>
-          <a:solidFill>
-            <a:schemeClr val="tx1">
-              <a:lumMod val="65000"/>
-              <a:lumOff val="35000"/>
-            </a:schemeClr>
-          </a:solidFill>
-          <a:ln>
-            <a:noFill/>
-          </a:ln>
-        </p:spPr>
-        <p:style>
-          <a:lnRef idx="2">
-            <a:schemeClr val="accent1">
-              <a:shade val="50000"/>
-            </a:schemeClr>
-          </a:lnRef>
-          <a:fillRef idx="1">
-            <a:schemeClr val="accent1"/>
-          </a:fillRef>
-          <a:effectRef idx="0">
-            <a:schemeClr val="accent1"/>
-          </a:effectRef>
-          <a:fontRef idx="minor">
-            <a:schemeClr val="lt1"/>
-          </a:fontRef>
-        </p:style>
-        <p:txBody>
-          <a:bodyPr rtlCol="0" anchor="ctr"/>
-          <a:lstStyle/>
-          <a:p>
-            <a:pPr algn="ctr"/>
-            <a:endParaRPr kumimoji="1" lang="ja-JP" altLang="en-US"/>
-          </a:p>
-        </p:txBody>
-      </p:sp>
-      <p:sp>
-        <p:nvSpPr>
-          <p:cNvPr id="12" name="正方形/長方形 11">
-            <a:extLst>
-              <a:ext uri="{FF2B5EF4-FFF2-40B4-BE49-F238E27FC236}">
-                <a16:creationId xmlns:a16="http://schemas.microsoft.com/office/drawing/2014/main" id="{F74780CC-6546-6F43-A56E-47C1AF7FC269}"/>
-              </a:ext>
-            </a:extLst>
-          </p:cNvPr>
-          <p:cNvSpPr/>
-          <p:nvPr/>
-        </p:nvSpPr>
-        <p:spPr>
-          <a:xfrm>
-            <a:off x="1830056" y="1625613"/>
-            <a:ext cx="188400" cy="4820799"/>
-          </a:xfrm>
-          <a:prstGeom prst="rect">
-            <a:avLst/>
-          </a:prstGeom>
-          <a:solidFill>
-            <a:schemeClr val="tx1">
-              <a:lumMod val="65000"/>
-              <a:lumOff val="35000"/>
-            </a:schemeClr>
-          </a:solidFill>
-          <a:ln>
-            <a:noFill/>
-          </a:ln>
-        </p:spPr>
-        <p:style>
-          <a:lnRef idx="2">
-            <a:schemeClr val="accent1">
-              <a:shade val="50000"/>
-            </a:schemeClr>
-          </a:lnRef>
-          <a:fillRef idx="1">
-            <a:schemeClr val="accent1"/>
-          </a:fillRef>
-          <a:effectRef idx="0">
-            <a:schemeClr val="accent1"/>
-          </a:effectRef>
-          <a:fontRef idx="minor">
-            <a:schemeClr val="lt1"/>
-          </a:fontRef>
-        </p:style>
-        <p:txBody>
-          <a:bodyPr rtlCol="0" anchor="ctr"/>
-          <a:lstStyle/>
-          <a:p>
-            <a:pPr algn="ctr"/>
-            <a:endParaRPr kumimoji="1" lang="ja-JP" altLang="en-US"/>
-          </a:p>
-        </p:txBody>
-      </p:sp>
       <p:grpSp>
         <p:nvGrpSpPr>
-          <p:cNvPr id="9" name="グループ化 8">
-            <a:extLst>
-              <a:ext uri="{FF2B5EF4-FFF2-40B4-BE49-F238E27FC236}">
-                <a16:creationId xmlns:a16="http://schemas.microsoft.com/office/drawing/2014/main" id="{A7F1A9F5-0423-AF49-A5C0-48F20291EE27}"/>
+          <p:cNvPr id="6" name="グループ化 5">
+            <a:extLst>
+              <a:ext uri="{FF2B5EF4-FFF2-40B4-BE49-F238E27FC236}">
+                <a16:creationId xmlns:a16="http://schemas.microsoft.com/office/drawing/2014/main" id="{C267E7A9-EFB7-ED44-94BE-E7AD54514592}"/>
               </a:ext>
             </a:extLst>
           </p:cNvPr>
@@ -5814,10 +5877,10 @@
         </p:nvGrpSpPr>
         <p:grpSpPr>
           <a:xfrm>
-            <a:off x="481955" y="985444"/>
-            <a:ext cx="2884602" cy="1041695"/>
-            <a:chOff x="433633" y="160256"/>
-            <a:chExt cx="2884602" cy="1041695"/>
+            <a:off x="795484" y="901734"/>
+            <a:ext cx="2254900" cy="814296"/>
+            <a:chOff x="783091" y="901734"/>
+            <a:chExt cx="2254900" cy="814296"/>
           </a:xfrm>
         </p:grpSpPr>
         <p:sp>
@@ -5834,8 +5897,8 @@
           </p:nvSpPr>
           <p:spPr>
             <a:xfrm>
-              <a:off x="433633" y="160256"/>
-              <a:ext cx="2884602" cy="1041695"/>
+              <a:off x="783091" y="901734"/>
+              <a:ext cx="2254900" cy="814296"/>
             </a:xfrm>
             <a:prstGeom prst="roundRect">
               <a:avLst>
@@ -5873,7 +5936,7 @@
             <a:lstStyle/>
             <a:p>
               <a:pPr algn="ctr"/>
-              <a:endParaRPr kumimoji="1" lang="ja-JP" altLang="en-US" sz="2400">
+              <a:endParaRPr kumimoji="1" lang="ja-JP" altLang="en-US" sz="2000">
                 <a:latin typeface="Hiragino Kaku Gothic Pro W3" panose="020B0300000000000000" pitchFamily="34" charset="-128"/>
                 <a:ea typeface="Hiragino Kaku Gothic Pro W3" panose="020B0300000000000000" pitchFamily="34" charset="-128"/>
               </a:endParaRPr>
@@ -5894,8 +5957,8 @@
           </p:nvSpPr>
           <p:spPr>
             <a:xfrm>
-              <a:off x="1409836" y="450270"/>
-              <a:ext cx="800219" cy="461665"/>
+              <a:off x="1510432" y="1072798"/>
+              <a:ext cx="697627" cy="400110"/>
             </a:xfrm>
             <a:prstGeom prst="rect">
               <a:avLst/>
@@ -5909,7 +5972,7 @@
             <a:lstStyle/>
             <a:p>
               <a:r>
-                <a:rPr kumimoji="1" lang="ja-JP" altLang="en-US" sz="2400">
+                <a:rPr kumimoji="1" lang="ja-JP" altLang="en-US" sz="2000">
                   <a:latin typeface="Hiragino Kaku Gothic Pro W3" panose="020B0300000000000000" pitchFamily="34" charset="-128"/>
                   <a:ea typeface="Hiragino Kaku Gothic Pro W3" panose="020B0300000000000000" pitchFamily="34" charset="-128"/>
                 </a:rPr>
@@ -5921,10 +5984,10 @@
       </p:grpSp>
       <p:grpSp>
         <p:nvGrpSpPr>
-          <p:cNvPr id="8" name="グループ化 7">
-            <a:extLst>
-              <a:ext uri="{FF2B5EF4-FFF2-40B4-BE49-F238E27FC236}">
-                <a16:creationId xmlns:a16="http://schemas.microsoft.com/office/drawing/2014/main" id="{6CB2FD18-DD8D-194F-9FA9-852CBED88C0C}"/>
+          <p:cNvPr id="10" name="グループ化 9">
+            <a:extLst>
+              <a:ext uri="{FF2B5EF4-FFF2-40B4-BE49-F238E27FC236}">
+                <a16:creationId xmlns:a16="http://schemas.microsoft.com/office/drawing/2014/main" id="{B08A46EA-0F38-CB4A-9237-827BBFAC94F2}"/>
               </a:ext>
             </a:extLst>
           </p:cNvPr>
@@ -5933,10 +5996,10 @@
         </p:nvGrpSpPr>
         <p:grpSpPr>
           <a:xfrm>
-            <a:off x="481955" y="2653204"/>
-            <a:ext cx="2884602" cy="906736"/>
-            <a:chOff x="433634" y="1847654"/>
-            <a:chExt cx="2884602" cy="906736"/>
+            <a:off x="832662" y="2040329"/>
+            <a:ext cx="2180544" cy="814296"/>
+            <a:chOff x="820269" y="1937759"/>
+            <a:chExt cx="2180544" cy="814296"/>
           </a:xfrm>
         </p:grpSpPr>
         <p:sp>
@@ -5953,8 +6016,8 @@
           </p:nvSpPr>
           <p:spPr>
             <a:xfrm>
-              <a:off x="433634" y="1847654"/>
-              <a:ext cx="2884602" cy="906736"/>
+              <a:off x="820269" y="1937759"/>
+              <a:ext cx="2180544" cy="814296"/>
             </a:xfrm>
             <a:prstGeom prst="rect">
               <a:avLst/>
@@ -5990,7 +6053,7 @@
             <a:lstStyle/>
             <a:p>
               <a:pPr algn="ctr"/>
-              <a:endParaRPr kumimoji="1" lang="ja-JP" altLang="en-US"/>
+              <a:endParaRPr kumimoji="1" lang="ja-JP" altLang="en-US" sz="2000"/>
             </a:p>
           </p:txBody>
         </p:sp>
@@ -6008,8 +6071,8 @@
           </p:nvSpPr>
           <p:spPr>
             <a:xfrm>
-              <a:off x="460323" y="1880622"/>
-              <a:ext cx="2831224" cy="830997"/>
+              <a:off x="971020" y="1990964"/>
+              <a:ext cx="1879041" cy="707886"/>
             </a:xfrm>
             <a:prstGeom prst="rect">
               <a:avLst/>
@@ -6023,49 +6086,46 @@
             <a:lstStyle/>
             <a:p>
               <a:r>
-                <a:rPr lang="en-US" altLang="ja-JP" sz="2400" dirty="0">
+                <a:rPr lang="en-US" altLang="ja-JP" sz="2000" dirty="0">
                   <a:latin typeface="Hiragino Kaku Gothic Pro W3" panose="020B0300000000000000" pitchFamily="34" charset="-128"/>
                   <a:ea typeface="Hiragino Kaku Gothic Pro W3" panose="020B0300000000000000" pitchFamily="34" charset="-128"/>
                 </a:rPr>
                 <a:t>Canvas</a:t>
               </a:r>
               <a:r>
-                <a:rPr lang="ja-JP" altLang="en-US" sz="2400">
+                <a:rPr lang="ja-JP" altLang="en-US" sz="2000">
                   <a:latin typeface="Hiragino Kaku Gothic Pro W3" panose="020B0300000000000000" pitchFamily="34" charset="-128"/>
                   <a:ea typeface="Hiragino Kaku Gothic Pro W3" panose="020B0300000000000000" pitchFamily="34" charset="-128"/>
                 </a:rPr>
-                <a:t>要素の取得</a:t>
+                <a:t>要素の</a:t>
               </a:r>
-              <a:endParaRPr lang="en-US" altLang="ja-JP" sz="2400" dirty="0">
+              <a:endParaRPr lang="en-US" altLang="ja-JP" sz="2000" dirty="0">
                 <a:latin typeface="Hiragino Kaku Gothic Pro W3" panose="020B0300000000000000" pitchFamily="34" charset="-128"/>
                 <a:ea typeface="Hiragino Kaku Gothic Pro W3" panose="020B0300000000000000" pitchFamily="34" charset="-128"/>
               </a:endParaRPr>
             </a:p>
             <a:p>
               <a:r>
-                <a:rPr kumimoji="1" lang="en-US" altLang="ja-JP" sz="2400" dirty="0">
+                <a:rPr lang="ja-JP" altLang="en-US" sz="2000">
                   <a:latin typeface="Hiragino Kaku Gothic Pro W3" panose="020B0300000000000000" pitchFamily="34" charset="-128"/>
                   <a:ea typeface="Hiragino Kaku Gothic Pro W3" panose="020B0300000000000000" pitchFamily="34" charset="-128"/>
                 </a:rPr>
-                <a:t>Worker</a:t>
+                <a:t>取得</a:t>
               </a:r>
-              <a:r>
-                <a:rPr kumimoji="1" lang="ja-JP" altLang="en-US" sz="2400">
-                  <a:latin typeface="Hiragino Kaku Gothic Pro W3" panose="020B0300000000000000" pitchFamily="34" charset="-128"/>
-                  <a:ea typeface="Hiragino Kaku Gothic Pro W3" panose="020B0300000000000000" pitchFamily="34" charset="-128"/>
-                </a:rPr>
-                <a:t>の作成</a:t>
-              </a:r>
+              <a:endParaRPr lang="en-US" altLang="ja-JP" sz="2000" dirty="0">
+                <a:latin typeface="Hiragino Kaku Gothic Pro W3" panose="020B0300000000000000" pitchFamily="34" charset="-128"/>
+                <a:ea typeface="Hiragino Kaku Gothic Pro W3" panose="020B0300000000000000" pitchFamily="34" charset="-128"/>
+              </a:endParaRPr>
             </a:p>
           </p:txBody>
         </p:sp>
       </p:grpSp>
       <p:grpSp>
         <p:nvGrpSpPr>
-          <p:cNvPr id="7" name="グループ化 6">
-            <a:extLst>
-              <a:ext uri="{FF2B5EF4-FFF2-40B4-BE49-F238E27FC236}">
-                <a16:creationId xmlns:a16="http://schemas.microsoft.com/office/drawing/2014/main" id="{0CB8BA51-DA76-8344-A99F-B974214B004A}"/>
+          <p:cNvPr id="11" name="グループ化 10">
+            <a:extLst>
+              <a:ext uri="{FF2B5EF4-FFF2-40B4-BE49-F238E27FC236}">
+                <a16:creationId xmlns:a16="http://schemas.microsoft.com/office/drawing/2014/main" id="{DD002276-B24A-1943-8755-7D076534671E}"/>
               </a:ext>
             </a:extLst>
           </p:cNvPr>
@@ -6074,18 +6134,18 @@
         </p:nvGrpSpPr>
         <p:grpSpPr>
           <a:xfrm>
-            <a:off x="481955" y="4186005"/>
-            <a:ext cx="2884602" cy="1015664"/>
-            <a:chOff x="441070" y="3037116"/>
-            <a:chExt cx="2884602" cy="1015664"/>
+            <a:off x="832662" y="3195625"/>
+            <a:ext cx="2180544" cy="814296"/>
+            <a:chOff x="820269" y="3002608"/>
+            <a:chExt cx="2180544" cy="814296"/>
           </a:xfrm>
         </p:grpSpPr>
         <p:sp>
           <p:nvSpPr>
-            <p:cNvPr id="16" name="正方形/長方形 15">
+            <p:cNvPr id="41" name="正方形/長方形 40">
               <a:extLst>
                 <a:ext uri="{FF2B5EF4-FFF2-40B4-BE49-F238E27FC236}">
-                  <a16:creationId xmlns:a16="http://schemas.microsoft.com/office/drawing/2014/main" id="{1BD65ADC-16F7-EB46-9468-82257B3F6E99}"/>
+                  <a16:creationId xmlns:a16="http://schemas.microsoft.com/office/drawing/2014/main" id="{D1654946-8FAD-E24A-ACCC-125E4D073178}"/>
                 </a:ext>
               </a:extLst>
             </p:cNvPr>
@@ -6094,14 +6154,14 @@
           </p:nvSpPr>
           <p:spPr>
             <a:xfrm>
-              <a:off x="441070" y="3037116"/>
-              <a:ext cx="2884602" cy="1015663"/>
+              <a:off x="820269" y="3002608"/>
+              <a:ext cx="2180544" cy="814296"/>
             </a:xfrm>
             <a:prstGeom prst="rect">
               <a:avLst/>
             </a:prstGeom>
             <a:solidFill>
-              <a:schemeClr val="accent2">
+              <a:schemeClr val="accent6">
                 <a:lumMod val="40000"/>
                 <a:lumOff val="60000"/>
               </a:schemeClr>
@@ -6131,7 +6191,7 @@
             <a:lstStyle/>
             <a:p>
               <a:pPr algn="ctr"/>
-              <a:endParaRPr kumimoji="1" lang="ja-JP" altLang="en-US"/>
+              <a:endParaRPr kumimoji="1" lang="ja-JP" altLang="en-US" sz="2000"/>
             </a:p>
           </p:txBody>
         </p:sp>
@@ -6149,8 +6209,8 @@
           </p:nvSpPr>
           <p:spPr>
             <a:xfrm>
-              <a:off x="563138" y="3037117"/>
-              <a:ext cx="2640466" cy="1015663"/>
+              <a:off x="1510432" y="3178923"/>
+              <a:ext cx="697627" cy="400110"/>
             </a:xfrm>
             <a:prstGeom prst="rect">
               <a:avLst/>
@@ -6164,44 +6224,11 @@
             <a:lstStyle/>
             <a:p>
               <a:r>
-                <a:rPr lang="en-US" altLang="ja-JP" sz="2000" dirty="0" err="1">
-                  <a:latin typeface="Hiragino Kaku Gothic Pro W3" panose="020B0300000000000000" pitchFamily="34" charset="-128"/>
-                  <a:ea typeface="Hiragino Kaku Gothic Pro W3" panose="020B0300000000000000" pitchFamily="34" charset="-128"/>
-                </a:rPr>
-                <a:t>OffscreenCanvas</a:t>
-              </a:r>
-              <a:r>
-                <a:rPr lang="ja-JP" altLang="en-US" sz="2000">
-                  <a:latin typeface="Hiragino Kaku Gothic Pro W3" panose="020B0300000000000000" pitchFamily="34" charset="-128"/>
-                  <a:ea typeface="Hiragino Kaku Gothic Pro W3" panose="020B0300000000000000" pitchFamily="34" charset="-128"/>
-                </a:rPr>
-                <a:t>へ</a:t>
-              </a:r>
-              <a:endParaRPr lang="en-US" altLang="ja-JP" sz="2000" dirty="0">
-                <a:latin typeface="Hiragino Kaku Gothic Pro W3" panose="020B0300000000000000" pitchFamily="34" charset="-128"/>
-                <a:ea typeface="Hiragino Kaku Gothic Pro W3" panose="020B0300000000000000" pitchFamily="34" charset="-128"/>
-              </a:endParaRPr>
-            </a:p>
-            <a:p>
-              <a:r>
-                <a:rPr lang="ja-JP" altLang="en-US" sz="2000">
-                  <a:latin typeface="Hiragino Kaku Gothic Pro W3" panose="020B0300000000000000" pitchFamily="34" charset="-128"/>
-                  <a:ea typeface="Hiragino Kaku Gothic Pro W3" panose="020B0300000000000000" pitchFamily="34" charset="-128"/>
-                </a:rPr>
-                <a:t>描画のコントロール</a:t>
-              </a:r>
-              <a:endParaRPr lang="en-US" altLang="ja-JP" sz="2000" dirty="0">
-                <a:latin typeface="Hiragino Kaku Gothic Pro W3" panose="020B0300000000000000" pitchFamily="34" charset="-128"/>
-                <a:ea typeface="Hiragino Kaku Gothic Pro W3" panose="020B0300000000000000" pitchFamily="34" charset="-128"/>
-              </a:endParaRPr>
-            </a:p>
-            <a:p>
-              <a:r>
                 <a:rPr kumimoji="1" lang="ja-JP" altLang="en-US" sz="2000">
                   <a:latin typeface="Hiragino Kaku Gothic Pro W3" panose="020B0300000000000000" pitchFamily="34" charset="-128"/>
                   <a:ea typeface="Hiragino Kaku Gothic Pro W3" panose="020B0300000000000000" pitchFamily="34" charset="-128"/>
                 </a:rPr>
-                <a:t>を委譲</a:t>
+                <a:t>演算</a:t>
               </a:r>
             </a:p>
           </p:txBody>
@@ -6209,10 +6236,10 @@
       </p:grpSp>
       <p:grpSp>
         <p:nvGrpSpPr>
-          <p:cNvPr id="5" name="グループ化 4">
-            <a:extLst>
-              <a:ext uri="{FF2B5EF4-FFF2-40B4-BE49-F238E27FC236}">
-                <a16:creationId xmlns:a16="http://schemas.microsoft.com/office/drawing/2014/main" id="{41B890CE-9922-DB41-B6A2-BF07E4FFF45B}"/>
+          <p:cNvPr id="13" name="グループ化 12">
+            <a:extLst>
+              <a:ext uri="{FF2B5EF4-FFF2-40B4-BE49-F238E27FC236}">
+                <a16:creationId xmlns:a16="http://schemas.microsoft.com/office/drawing/2014/main" id="{30858D3A-DC70-F740-98F8-88A82492A311}"/>
               </a:ext>
             </a:extLst>
           </p:cNvPr>
@@ -6221,18 +6248,18 @@
         </p:nvGrpSpPr>
         <p:grpSpPr>
           <a:xfrm>
-            <a:off x="481955" y="5827734"/>
-            <a:ext cx="2884602" cy="805744"/>
-            <a:chOff x="441070" y="5002546"/>
-            <a:chExt cx="2884602" cy="805744"/>
+            <a:off x="832662" y="4334220"/>
+            <a:ext cx="2180544" cy="814296"/>
+            <a:chOff x="820269" y="4050756"/>
+            <a:chExt cx="2180544" cy="814296"/>
           </a:xfrm>
         </p:grpSpPr>
         <p:sp>
           <p:nvSpPr>
-            <p:cNvPr id="24" name="正方形/長方形 23">
+            <p:cNvPr id="43" name="正方形/長方形 42">
               <a:extLst>
                 <a:ext uri="{FF2B5EF4-FFF2-40B4-BE49-F238E27FC236}">
-                  <a16:creationId xmlns:a16="http://schemas.microsoft.com/office/drawing/2014/main" id="{303D3B0D-9063-734B-A195-D585B48E43D9}"/>
+                  <a16:creationId xmlns:a16="http://schemas.microsoft.com/office/drawing/2014/main" id="{6DB7C513-7D10-8C48-A8A7-88BF820E476E}"/>
                 </a:ext>
               </a:extLst>
             </p:cNvPr>
@@ -6241,14 +6268,14 @@
           </p:nvSpPr>
           <p:spPr>
             <a:xfrm>
-              <a:off x="441070" y="5002546"/>
-              <a:ext cx="2884602" cy="805744"/>
+              <a:off x="820269" y="4050756"/>
+              <a:ext cx="2180544" cy="814296"/>
             </a:xfrm>
             <a:prstGeom prst="rect">
               <a:avLst/>
             </a:prstGeom>
             <a:solidFill>
-              <a:schemeClr val="accent2">
+              <a:schemeClr val="accent6">
                 <a:lumMod val="40000"/>
                 <a:lumOff val="60000"/>
               </a:schemeClr>
@@ -6278,7 +6305,7 @@
             <a:lstStyle/>
             <a:p>
               <a:pPr algn="ctr"/>
-              <a:endParaRPr kumimoji="1" lang="ja-JP" altLang="en-US"/>
+              <a:endParaRPr kumimoji="1" lang="ja-JP" altLang="en-US" sz="2000"/>
             </a:p>
           </p:txBody>
         </p:sp>
@@ -6296,8 +6323,8 @@
           </p:nvSpPr>
           <p:spPr>
             <a:xfrm>
-              <a:off x="603213" y="5051475"/>
-              <a:ext cx="2560316" cy="707886"/>
+              <a:off x="1510432" y="4216260"/>
+              <a:ext cx="697627" cy="400110"/>
             </a:xfrm>
             <a:prstGeom prst="rect">
               <a:avLst/>
@@ -6311,47 +6338,13 @@
             <a:lstStyle/>
             <a:p>
               <a:r>
-                <a:rPr lang="en-US" altLang="ja-JP" sz="2000" dirty="0">
-                  <a:latin typeface="Hiragino Kaku Gothic Pro W3" panose="020B0300000000000000" pitchFamily="34" charset="-128"/>
-                  <a:ea typeface="Hiragino Kaku Gothic Pro W3" panose="020B0300000000000000" pitchFamily="34" charset="-128"/>
-                </a:rPr>
-                <a:t>Worker</a:t>
-              </a:r>
-              <a:r>
                 <a:rPr lang="ja-JP" altLang="en-US" sz="2000">
                   <a:latin typeface="Hiragino Kaku Gothic Pro W3" panose="020B0300000000000000" pitchFamily="34" charset="-128"/>
                   <a:ea typeface="Hiragino Kaku Gothic Pro W3" panose="020B0300000000000000" pitchFamily="34" charset="-128"/>
                 </a:rPr>
-                <a:t>へ</a:t>
-              </a:r>
-              <a:r>
-                <a:rPr lang="en-US" altLang="ja-JP" sz="2000" dirty="0">
-                  <a:latin typeface="Hiragino Kaku Gothic Pro W3" panose="020B0300000000000000" pitchFamily="34" charset="-128"/>
-                  <a:ea typeface="Hiragino Kaku Gothic Pro W3" panose="020B0300000000000000" pitchFamily="34" charset="-128"/>
-                </a:rPr>
-                <a:t>Canvas</a:t>
-              </a:r>
-              <a:r>
-                <a:rPr lang="ja-JP" altLang="en-US" sz="2000">
-                  <a:latin typeface="Hiragino Kaku Gothic Pro W3" panose="020B0300000000000000" pitchFamily="34" charset="-128"/>
-                  <a:ea typeface="Hiragino Kaku Gothic Pro W3" panose="020B0300000000000000" pitchFamily="34" charset="-128"/>
-                </a:rPr>
-                <a:t>，</a:t>
+                <a:t>描画</a:t>
               </a:r>
               <a:endParaRPr lang="en-US" altLang="ja-JP" sz="2000" dirty="0">
-                <a:latin typeface="Hiragino Kaku Gothic Pro W3" panose="020B0300000000000000" pitchFamily="34" charset="-128"/>
-                <a:ea typeface="Hiragino Kaku Gothic Pro W3" panose="020B0300000000000000" pitchFamily="34" charset="-128"/>
-              </a:endParaRPr>
-            </a:p>
-            <a:p>
-              <a:r>
-                <a:rPr lang="ja-JP" altLang="en-US" sz="2000">
-                  <a:latin typeface="Hiragino Kaku Gothic Pro W3" panose="020B0300000000000000" pitchFamily="34" charset="-128"/>
-                  <a:ea typeface="Hiragino Kaku Gothic Pro W3" panose="020B0300000000000000" pitchFamily="34" charset="-128"/>
-                </a:rPr>
-                <a:t>変数を送る</a:t>
-              </a:r>
-              <a:endParaRPr kumimoji="1" lang="ja-JP" altLang="en-US" sz="2000">
                 <a:latin typeface="Hiragino Kaku Gothic Pro W3" panose="020B0300000000000000" pitchFamily="34" charset="-128"/>
                 <a:ea typeface="Hiragino Kaku Gothic Pro W3" panose="020B0300000000000000" pitchFamily="34" charset="-128"/>
               </a:endParaRPr>
@@ -6361,6 +6354,429 @@
       </p:grpSp>
       <p:sp>
         <p:nvSpPr>
+          <p:cNvPr id="8" name="下矢印 7">
+            <a:extLst>
+              <a:ext uri="{FF2B5EF4-FFF2-40B4-BE49-F238E27FC236}">
+                <a16:creationId xmlns:a16="http://schemas.microsoft.com/office/drawing/2014/main" id="{6430E466-3594-144F-96C5-048A43D3227B}"/>
+              </a:ext>
+            </a:extLst>
+          </p:cNvPr>
+          <p:cNvSpPr/>
+          <p:nvPr/>
+        </p:nvSpPr>
+        <p:spPr>
+          <a:xfrm>
+            <a:off x="1753252" y="1769234"/>
+            <a:ext cx="339365" cy="271095"/>
+          </a:xfrm>
+          <a:prstGeom prst="downArrow">
+            <a:avLst/>
+          </a:prstGeom>
+          <a:solidFill>
+            <a:schemeClr val="tx1">
+              <a:lumMod val="85000"/>
+              <a:lumOff val="15000"/>
+            </a:schemeClr>
+          </a:solidFill>
+          <a:ln>
+            <a:noFill/>
+          </a:ln>
+        </p:spPr>
+        <p:style>
+          <a:lnRef idx="2">
+            <a:schemeClr val="accent1">
+              <a:shade val="50000"/>
+            </a:schemeClr>
+          </a:lnRef>
+          <a:fillRef idx="1">
+            <a:schemeClr val="accent1"/>
+          </a:fillRef>
+          <a:effectRef idx="0">
+            <a:schemeClr val="accent1"/>
+          </a:effectRef>
+          <a:fontRef idx="minor">
+            <a:schemeClr val="lt1"/>
+          </a:fontRef>
+        </p:style>
+        <p:txBody>
+          <a:bodyPr rtlCol="0" anchor="ctr"/>
+          <a:lstStyle/>
+          <a:p>
+            <a:pPr algn="ctr"/>
+            <a:endParaRPr kumimoji="1" lang="ja-JP" altLang="en-US"/>
+          </a:p>
+        </p:txBody>
+      </p:sp>
+      <p:sp>
+        <p:nvSpPr>
+          <p:cNvPr id="21" name="下矢印 20">
+            <a:extLst>
+              <a:ext uri="{FF2B5EF4-FFF2-40B4-BE49-F238E27FC236}">
+                <a16:creationId xmlns:a16="http://schemas.microsoft.com/office/drawing/2014/main" id="{2FFD12F3-BF63-6043-8968-01A4D34B4C9F}"/>
+              </a:ext>
+            </a:extLst>
+          </p:cNvPr>
+          <p:cNvSpPr/>
+          <p:nvPr/>
+        </p:nvSpPr>
+        <p:spPr>
+          <a:xfrm>
+            <a:off x="1753252" y="2873742"/>
+            <a:ext cx="339365" cy="271095"/>
+          </a:xfrm>
+          <a:prstGeom prst="downArrow">
+            <a:avLst/>
+          </a:prstGeom>
+          <a:solidFill>
+            <a:schemeClr val="tx1">
+              <a:lumMod val="85000"/>
+              <a:lumOff val="15000"/>
+            </a:schemeClr>
+          </a:solidFill>
+          <a:ln>
+            <a:noFill/>
+          </a:ln>
+        </p:spPr>
+        <p:style>
+          <a:lnRef idx="2">
+            <a:schemeClr val="accent1">
+              <a:shade val="50000"/>
+            </a:schemeClr>
+          </a:lnRef>
+          <a:fillRef idx="1">
+            <a:schemeClr val="accent1"/>
+          </a:fillRef>
+          <a:effectRef idx="0">
+            <a:schemeClr val="accent1"/>
+          </a:effectRef>
+          <a:fontRef idx="minor">
+            <a:schemeClr val="lt1"/>
+          </a:fontRef>
+        </p:style>
+        <p:txBody>
+          <a:bodyPr rtlCol="0" anchor="ctr"/>
+          <a:lstStyle/>
+          <a:p>
+            <a:pPr algn="ctr"/>
+            <a:endParaRPr kumimoji="1" lang="ja-JP" altLang="en-US"/>
+          </a:p>
+        </p:txBody>
+      </p:sp>
+      <p:sp>
+        <p:nvSpPr>
+          <p:cNvPr id="22" name="下矢印 21">
+            <a:extLst>
+              <a:ext uri="{FF2B5EF4-FFF2-40B4-BE49-F238E27FC236}">
+                <a16:creationId xmlns:a16="http://schemas.microsoft.com/office/drawing/2014/main" id="{BC45455E-8BCC-764D-8316-14E0E7AD73A0}"/>
+              </a:ext>
+            </a:extLst>
+          </p:cNvPr>
+          <p:cNvSpPr/>
+          <p:nvPr/>
+        </p:nvSpPr>
+        <p:spPr>
+          <a:xfrm>
+            <a:off x="1753252" y="4053666"/>
+            <a:ext cx="339365" cy="271095"/>
+          </a:xfrm>
+          <a:prstGeom prst="downArrow">
+            <a:avLst/>
+          </a:prstGeom>
+          <a:solidFill>
+            <a:schemeClr val="tx1">
+              <a:lumMod val="85000"/>
+              <a:lumOff val="15000"/>
+            </a:schemeClr>
+          </a:solidFill>
+          <a:ln>
+            <a:noFill/>
+          </a:ln>
+        </p:spPr>
+        <p:style>
+          <a:lnRef idx="2">
+            <a:schemeClr val="accent1">
+              <a:shade val="50000"/>
+            </a:schemeClr>
+          </a:lnRef>
+          <a:fillRef idx="1">
+            <a:schemeClr val="accent1"/>
+          </a:fillRef>
+          <a:effectRef idx="0">
+            <a:schemeClr val="accent1"/>
+          </a:effectRef>
+          <a:fontRef idx="minor">
+            <a:schemeClr val="lt1"/>
+          </a:fontRef>
+        </p:style>
+        <p:txBody>
+          <a:bodyPr rtlCol="0" anchor="ctr"/>
+          <a:lstStyle/>
+          <a:p>
+            <a:pPr algn="ctr"/>
+            <a:endParaRPr kumimoji="1" lang="ja-JP" altLang="en-US"/>
+          </a:p>
+        </p:txBody>
+      </p:sp>
+      <p:sp>
+        <p:nvSpPr>
+          <p:cNvPr id="23" name="下矢印 22">
+            <a:extLst>
+              <a:ext uri="{FF2B5EF4-FFF2-40B4-BE49-F238E27FC236}">
+                <a16:creationId xmlns:a16="http://schemas.microsoft.com/office/drawing/2014/main" id="{B599B5AE-D37D-494B-9020-817E59ABB2DD}"/>
+              </a:ext>
+            </a:extLst>
+          </p:cNvPr>
+          <p:cNvSpPr/>
+          <p:nvPr/>
+        </p:nvSpPr>
+        <p:spPr>
+          <a:xfrm rot="5400000">
+            <a:off x="2843523" y="2865001"/>
+            <a:ext cx="339365" cy="271095"/>
+          </a:xfrm>
+          <a:prstGeom prst="downArrow">
+            <a:avLst/>
+          </a:prstGeom>
+          <a:solidFill>
+            <a:schemeClr val="tx1">
+              <a:lumMod val="85000"/>
+              <a:lumOff val="15000"/>
+            </a:schemeClr>
+          </a:solidFill>
+          <a:ln>
+            <a:noFill/>
+          </a:ln>
+        </p:spPr>
+        <p:style>
+          <a:lnRef idx="2">
+            <a:schemeClr val="accent1">
+              <a:shade val="50000"/>
+            </a:schemeClr>
+          </a:lnRef>
+          <a:fillRef idx="1">
+            <a:schemeClr val="accent1"/>
+          </a:fillRef>
+          <a:effectRef idx="0">
+            <a:schemeClr val="accent1"/>
+          </a:effectRef>
+          <a:fontRef idx="minor">
+            <a:schemeClr val="lt1"/>
+          </a:fontRef>
+        </p:style>
+        <p:txBody>
+          <a:bodyPr rtlCol="0" anchor="ctr"/>
+          <a:lstStyle/>
+          <a:p>
+            <a:pPr algn="ctr"/>
+            <a:endParaRPr kumimoji="1" lang="ja-JP" altLang="en-US"/>
+          </a:p>
+        </p:txBody>
+      </p:sp>
+      <p:sp>
+        <p:nvSpPr>
+          <p:cNvPr id="9" name="正方形/長方形 8">
+            <a:extLst>
+              <a:ext uri="{FF2B5EF4-FFF2-40B4-BE49-F238E27FC236}">
+                <a16:creationId xmlns:a16="http://schemas.microsoft.com/office/drawing/2014/main" id="{4044581B-BFCB-5047-8E6A-7F4FCFBD5F9E}"/>
+              </a:ext>
+            </a:extLst>
+          </p:cNvPr>
+          <p:cNvSpPr/>
+          <p:nvPr/>
+        </p:nvSpPr>
+        <p:spPr>
+          <a:xfrm>
+            <a:off x="3130197" y="2915234"/>
+            <a:ext cx="169683" cy="2700000"/>
+          </a:xfrm>
+          <a:prstGeom prst="rect">
+            <a:avLst/>
+          </a:prstGeom>
+          <a:solidFill>
+            <a:schemeClr val="tx1">
+              <a:lumMod val="85000"/>
+              <a:lumOff val="15000"/>
+            </a:schemeClr>
+          </a:solidFill>
+          <a:ln>
+            <a:noFill/>
+          </a:ln>
+        </p:spPr>
+        <p:style>
+          <a:lnRef idx="2">
+            <a:schemeClr val="accent1">
+              <a:shade val="50000"/>
+            </a:schemeClr>
+          </a:lnRef>
+          <a:fillRef idx="1">
+            <a:schemeClr val="accent1"/>
+          </a:fillRef>
+          <a:effectRef idx="0">
+            <a:schemeClr val="accent1"/>
+          </a:effectRef>
+          <a:fontRef idx="minor">
+            <a:schemeClr val="lt1"/>
+          </a:fontRef>
+        </p:style>
+        <p:txBody>
+          <a:bodyPr rtlCol="0" anchor="ctr"/>
+          <a:lstStyle/>
+          <a:p>
+            <a:pPr algn="ctr"/>
+            <a:endParaRPr kumimoji="1" lang="ja-JP" altLang="en-US"/>
+          </a:p>
+        </p:txBody>
+      </p:sp>
+      <p:sp>
+        <p:nvSpPr>
+          <p:cNvPr id="26" name="正方形/長方形 25">
+            <a:extLst>
+              <a:ext uri="{FF2B5EF4-FFF2-40B4-BE49-F238E27FC236}">
+                <a16:creationId xmlns:a16="http://schemas.microsoft.com/office/drawing/2014/main" id="{539D3C94-8591-3545-9E67-FE485DA138F0}"/>
+              </a:ext>
+            </a:extLst>
+          </p:cNvPr>
+          <p:cNvSpPr/>
+          <p:nvPr/>
+        </p:nvSpPr>
+        <p:spPr>
+          <a:xfrm>
+            <a:off x="1827639" y="5148548"/>
+            <a:ext cx="169683" cy="396000"/>
+          </a:xfrm>
+          <a:prstGeom prst="rect">
+            <a:avLst/>
+          </a:prstGeom>
+          <a:solidFill>
+            <a:schemeClr val="tx1">
+              <a:lumMod val="85000"/>
+              <a:lumOff val="15000"/>
+            </a:schemeClr>
+          </a:solidFill>
+          <a:ln>
+            <a:noFill/>
+          </a:ln>
+        </p:spPr>
+        <p:style>
+          <a:lnRef idx="2">
+            <a:schemeClr val="accent1">
+              <a:shade val="50000"/>
+            </a:schemeClr>
+          </a:lnRef>
+          <a:fillRef idx="1">
+            <a:schemeClr val="accent1"/>
+          </a:fillRef>
+          <a:effectRef idx="0">
+            <a:schemeClr val="accent1"/>
+          </a:effectRef>
+          <a:fontRef idx="minor">
+            <a:schemeClr val="lt1"/>
+          </a:fontRef>
+        </p:style>
+        <p:txBody>
+          <a:bodyPr rtlCol="0" anchor="ctr"/>
+          <a:lstStyle/>
+          <a:p>
+            <a:pPr algn="ctr"/>
+            <a:endParaRPr kumimoji="1" lang="ja-JP" altLang="en-US"/>
+          </a:p>
+        </p:txBody>
+      </p:sp>
+      <p:sp>
+        <p:nvSpPr>
+          <p:cNvPr id="27" name="正方形/長方形 26">
+            <a:extLst>
+              <a:ext uri="{FF2B5EF4-FFF2-40B4-BE49-F238E27FC236}">
+                <a16:creationId xmlns:a16="http://schemas.microsoft.com/office/drawing/2014/main" id="{C10C67EE-C3DA-3147-AF6D-96B4219649ED}"/>
+              </a:ext>
+            </a:extLst>
+          </p:cNvPr>
+          <p:cNvSpPr/>
+          <p:nvPr/>
+        </p:nvSpPr>
+        <p:spPr>
+          <a:xfrm rot="16200000">
+            <a:off x="2423440" y="4848401"/>
+            <a:ext cx="169683" cy="1368000"/>
+          </a:xfrm>
+          <a:prstGeom prst="rect">
+            <a:avLst/>
+          </a:prstGeom>
+          <a:solidFill>
+            <a:schemeClr val="tx1">
+              <a:lumMod val="85000"/>
+              <a:lumOff val="15000"/>
+            </a:schemeClr>
+          </a:solidFill>
+          <a:ln>
+            <a:noFill/>
+          </a:ln>
+        </p:spPr>
+        <p:style>
+          <a:lnRef idx="2">
+            <a:schemeClr val="accent1">
+              <a:shade val="50000"/>
+            </a:schemeClr>
+          </a:lnRef>
+          <a:fillRef idx="1">
+            <a:schemeClr val="accent1"/>
+          </a:fillRef>
+          <a:effectRef idx="0">
+            <a:schemeClr val="accent1"/>
+          </a:effectRef>
+          <a:fontRef idx="minor">
+            <a:schemeClr val="lt1"/>
+          </a:fontRef>
+        </p:style>
+        <p:txBody>
+          <a:bodyPr rtlCol="0" anchor="ctr"/>
+          <a:lstStyle/>
+          <a:p>
+            <a:pPr algn="ctr"/>
+            <a:endParaRPr kumimoji="1" lang="ja-JP" altLang="en-US"/>
+          </a:p>
+        </p:txBody>
+      </p:sp>
+    </p:spTree>
+    <p:extLst>
+      <p:ext uri="{BB962C8B-B14F-4D97-AF65-F5344CB8AC3E}">
+        <p14:creationId xmlns:p14="http://schemas.microsoft.com/office/powerpoint/2010/main" val="3093999784"/>
+      </p:ext>
+    </p:extLst>
+  </p:cSld>
+  <p:clrMapOvr>
+    <a:masterClrMapping/>
+  </p:clrMapOvr>
+</p:sld>
+</file>
+
+<file path=ppt/slides/slide5.xml><?xml version="1.0" encoding="utf-8"?>
+<p:sld xmlns:a="http://schemas.openxmlformats.org/drawingml/2006/main" xmlns:r="http://schemas.openxmlformats.org/officeDocument/2006/relationships" xmlns:p="http://schemas.openxmlformats.org/presentationml/2006/main">
+  <p:cSld>
+    <p:bg>
+      <p:bgPr>
+        <a:solidFill>
+          <a:schemeClr val="bg1"/>
+        </a:solidFill>
+        <a:effectLst/>
+      </p:bgPr>
+    </p:bg>
+    <p:spTree>
+      <p:nvGrpSpPr>
+        <p:cNvPr id="1" name=""/>
+        <p:cNvGrpSpPr/>
+        <p:nvPr/>
+      </p:nvGrpSpPr>
+      <p:grpSpPr>
+        <a:xfrm>
+          <a:off x="0" y="0"/>
+          <a:ext cx="0" cy="0"/>
+          <a:chOff x="0" y="0"/>
+          <a:chExt cx="0" cy="0"/>
+        </a:xfrm>
+      </p:grpSpPr>
+      <p:sp>
+        <p:nvSpPr>
           <p:cNvPr id="14" name="テキスト ボックス 13">
             <a:extLst>
               <a:ext uri="{FF2B5EF4-FFF2-40B4-BE49-F238E27FC236}">
@@ -6373,8 +6789,8 @@
         </p:nvSpPr>
         <p:spPr>
           <a:xfrm>
-            <a:off x="512652" y="117869"/>
-            <a:ext cx="2823209" cy="461665"/>
+            <a:off x="1191900" y="330446"/>
+            <a:ext cx="790601" cy="400110"/>
           </a:xfrm>
           <a:prstGeom prst="rect">
             <a:avLst/>
@@ -6388,25 +6804,175 @@
           <a:lstStyle/>
           <a:p>
             <a:r>
-              <a:rPr kumimoji="1" lang="en-US" altLang="ja-JP" sz="2400" dirty="0" err="1">
+              <a:rPr kumimoji="1" lang="en-US" altLang="ja-JP" sz="2000" dirty="0">
                 <a:latin typeface="Hiragino Kaku Gothic Pro W3" panose="020B0300000000000000" pitchFamily="34" charset="-128"/>
                 <a:ea typeface="Hiragino Kaku Gothic Pro W3" panose="020B0300000000000000" pitchFamily="34" charset="-128"/>
               </a:rPr>
-              <a:t>OffscreenCanvas</a:t>
-            </a:r>
-            <a:endParaRPr kumimoji="1" lang="ja-JP" altLang="en-US" sz="2400">
+              <a:t>main</a:t>
+            </a:r>
+            <a:endParaRPr kumimoji="1" lang="ja-JP" altLang="en-US" sz="2000">
               <a:latin typeface="Hiragino Kaku Gothic Pro W3" panose="020B0300000000000000" pitchFamily="34" charset="-128"/>
               <a:ea typeface="Hiragino Kaku Gothic Pro W3" panose="020B0300000000000000" pitchFamily="34" charset="-128"/>
             </a:endParaRPr>
           </a:p>
         </p:txBody>
       </p:sp>
+      <p:sp>
+        <p:nvSpPr>
+          <p:cNvPr id="50" name="テキスト ボックス 49">
+            <a:extLst>
+              <a:ext uri="{FF2B5EF4-FFF2-40B4-BE49-F238E27FC236}">
+                <a16:creationId xmlns:a16="http://schemas.microsoft.com/office/drawing/2014/main" id="{3B1DCF6D-D4DA-B648-8A3E-DF1489834913}"/>
+              </a:ext>
+            </a:extLst>
+          </p:cNvPr>
+          <p:cNvSpPr txBox="1"/>
+          <p:nvPr/>
+        </p:nvSpPr>
+        <p:spPr>
+          <a:xfrm>
+            <a:off x="4173983" y="409316"/>
+            <a:ext cx="1061509" cy="400110"/>
+          </a:xfrm>
+          <a:prstGeom prst="rect">
+            <a:avLst/>
+          </a:prstGeom>
+          <a:noFill/>
+        </p:spPr>
+        <p:txBody>
+          <a:bodyPr wrap="none" rtlCol="0">
+            <a:spAutoFit/>
+          </a:bodyPr>
+          <a:lstStyle/>
+          <a:p>
+            <a:r>
+              <a:rPr kumimoji="1" lang="en-US" altLang="ja-JP" sz="2000" dirty="0">
+                <a:latin typeface="Hiragino Kaku Gothic Pro W3" panose="020B0300000000000000" pitchFamily="34" charset="-128"/>
+                <a:ea typeface="Hiragino Kaku Gothic Pro W3" panose="020B0300000000000000" pitchFamily="34" charset="-128"/>
+              </a:rPr>
+              <a:t>worker</a:t>
+            </a:r>
+            <a:endParaRPr kumimoji="1" lang="ja-JP" altLang="en-US" sz="2000">
+              <a:latin typeface="Hiragino Kaku Gothic Pro W3" panose="020B0300000000000000" pitchFamily="34" charset="-128"/>
+              <a:ea typeface="Hiragino Kaku Gothic Pro W3" panose="020B0300000000000000" pitchFamily="34" charset="-128"/>
+            </a:endParaRPr>
+          </a:p>
+        </p:txBody>
+      </p:sp>
+      <p:sp>
+        <p:nvSpPr>
+          <p:cNvPr id="47" name="正方形/長方形 46">
+            <a:extLst>
+              <a:ext uri="{FF2B5EF4-FFF2-40B4-BE49-F238E27FC236}">
+                <a16:creationId xmlns:a16="http://schemas.microsoft.com/office/drawing/2014/main" id="{93DA75B9-46F5-4144-B4C8-AE2CBEF54503}"/>
+              </a:ext>
+            </a:extLst>
+          </p:cNvPr>
+          <p:cNvSpPr/>
+          <p:nvPr/>
+        </p:nvSpPr>
+        <p:spPr>
+          <a:xfrm>
+            <a:off x="3312803" y="323641"/>
+            <a:ext cx="3106285" cy="4303223"/>
+          </a:xfrm>
+          <a:prstGeom prst="rect">
+            <a:avLst/>
+          </a:prstGeom>
+          <a:noFill/>
+          <a:ln w="76200">
+            <a:solidFill>
+              <a:schemeClr val="accent4">
+                <a:lumMod val="75000"/>
+              </a:schemeClr>
+            </a:solidFill>
+          </a:ln>
+        </p:spPr>
+        <p:style>
+          <a:lnRef idx="2">
+            <a:schemeClr val="accent1">
+              <a:shade val="50000"/>
+            </a:schemeClr>
+          </a:lnRef>
+          <a:fillRef idx="1">
+            <a:schemeClr val="accent1"/>
+          </a:fillRef>
+          <a:effectRef idx="0">
+            <a:schemeClr val="accent1"/>
+          </a:effectRef>
+          <a:fontRef idx="minor">
+            <a:schemeClr val="lt1"/>
+          </a:fontRef>
+        </p:style>
+        <p:txBody>
+          <a:bodyPr rtlCol="0" anchor="ctr"/>
+          <a:lstStyle/>
+          <a:p>
+            <a:pPr algn="ctr"/>
+            <a:endParaRPr kumimoji="1" lang="ja-JP" altLang="en-US" sz="2000"/>
+          </a:p>
+        </p:txBody>
+      </p:sp>
+      <p:sp>
+        <p:nvSpPr>
+          <p:cNvPr id="49" name="正方形/長方形 48">
+            <a:extLst>
+              <a:ext uri="{FF2B5EF4-FFF2-40B4-BE49-F238E27FC236}">
+                <a16:creationId xmlns:a16="http://schemas.microsoft.com/office/drawing/2014/main" id="{4160FC62-5DC9-E349-8020-22941A26DAF7}"/>
+              </a:ext>
+            </a:extLst>
+          </p:cNvPr>
+          <p:cNvSpPr/>
+          <p:nvPr/>
+        </p:nvSpPr>
+        <p:spPr>
+          <a:xfrm>
+            <a:off x="429768" y="280870"/>
+            <a:ext cx="2396177" cy="4303223"/>
+          </a:xfrm>
+          <a:prstGeom prst="rect">
+            <a:avLst/>
+          </a:prstGeom>
+          <a:noFill/>
+          <a:ln w="76200">
+            <a:solidFill>
+              <a:schemeClr val="accent1">
+                <a:lumMod val="75000"/>
+              </a:schemeClr>
+            </a:solidFill>
+          </a:ln>
+        </p:spPr>
+        <p:style>
+          <a:lnRef idx="2">
+            <a:schemeClr val="accent1">
+              <a:shade val="50000"/>
+            </a:schemeClr>
+          </a:lnRef>
+          <a:fillRef idx="1">
+            <a:schemeClr val="accent1"/>
+          </a:fillRef>
+          <a:effectRef idx="0">
+            <a:schemeClr val="accent1"/>
+          </a:effectRef>
+          <a:fontRef idx="minor">
+            <a:schemeClr val="lt1"/>
+          </a:fontRef>
+        </p:style>
+        <p:txBody>
+          <a:bodyPr rtlCol="0" anchor="ctr"/>
+          <a:lstStyle/>
+          <a:p>
+            <a:pPr algn="ctr"/>
+            <a:endParaRPr kumimoji="1" lang="ja-JP" altLang="en-US" sz="2000"/>
+          </a:p>
+        </p:txBody>
+      </p:sp>
       <p:grpSp>
         <p:nvGrpSpPr>
-          <p:cNvPr id="35" name="グループ化 34">
-            <a:extLst>
-              <a:ext uri="{FF2B5EF4-FFF2-40B4-BE49-F238E27FC236}">
-                <a16:creationId xmlns:a16="http://schemas.microsoft.com/office/drawing/2014/main" id="{7C23573E-0E18-7943-ABEA-95ECC9247165}"/>
+          <p:cNvPr id="66" name="グループ化 65">
+            <a:extLst>
+              <a:ext uri="{FF2B5EF4-FFF2-40B4-BE49-F238E27FC236}">
+                <a16:creationId xmlns:a16="http://schemas.microsoft.com/office/drawing/2014/main" id="{B2E1FA8A-CBAE-CD4E-A2F2-7EE3FE076637}"/>
               </a:ext>
             </a:extLst>
           </p:cNvPr>
@@ -6415,18 +6981,18 @@
         </p:nvGrpSpPr>
         <p:grpSpPr>
           <a:xfrm>
-            <a:off x="5670570" y="985444"/>
-            <a:ext cx="2390159" cy="863140"/>
-            <a:chOff x="433633" y="160256"/>
-            <a:chExt cx="2884602" cy="1041695"/>
+            <a:off x="523633" y="804011"/>
+            <a:ext cx="2254900" cy="814296"/>
+            <a:chOff x="783091" y="901734"/>
+            <a:chExt cx="2254900" cy="814296"/>
           </a:xfrm>
         </p:grpSpPr>
         <p:sp>
           <p:nvSpPr>
-            <p:cNvPr id="36" name="角丸四角形 35">
+            <p:cNvPr id="67" name="角丸四角形 66">
               <a:extLst>
                 <a:ext uri="{FF2B5EF4-FFF2-40B4-BE49-F238E27FC236}">
-                  <a16:creationId xmlns:a16="http://schemas.microsoft.com/office/drawing/2014/main" id="{6F94554F-7D1A-2C4A-BAFC-8B4BAB1EB8E9}"/>
+                  <a16:creationId xmlns:a16="http://schemas.microsoft.com/office/drawing/2014/main" id="{D1EC1E59-E389-9146-B53A-5D292F428389}"/>
                 </a:ext>
               </a:extLst>
             </p:cNvPr>
@@ -6435,8 +7001,8 @@
           </p:nvSpPr>
           <p:spPr>
             <a:xfrm>
-              <a:off x="433633" y="160256"/>
-              <a:ext cx="2884602" cy="1041695"/>
+              <a:off x="783091" y="901734"/>
+              <a:ext cx="2254900" cy="814296"/>
             </a:xfrm>
             <a:prstGeom prst="roundRect">
               <a:avLst>
@@ -6474,7 +7040,7 @@
             <a:lstStyle/>
             <a:p>
               <a:pPr algn="ctr"/>
-              <a:endParaRPr kumimoji="1" lang="ja-JP" altLang="en-US" sz="2400">
+              <a:endParaRPr kumimoji="1" lang="ja-JP" altLang="en-US" sz="2000">
                 <a:latin typeface="Hiragino Kaku Gothic Pro W3" panose="020B0300000000000000" pitchFamily="34" charset="-128"/>
                 <a:ea typeface="Hiragino Kaku Gothic Pro W3" panose="020B0300000000000000" pitchFamily="34" charset="-128"/>
               </a:endParaRPr>
@@ -6483,10 +7049,10 @@
         </p:sp>
         <p:sp>
           <p:nvSpPr>
-            <p:cNvPr id="37" name="テキスト ボックス 36">
+            <p:cNvPr id="68" name="テキスト ボックス 67">
               <a:extLst>
                 <a:ext uri="{FF2B5EF4-FFF2-40B4-BE49-F238E27FC236}">
-                  <a16:creationId xmlns:a16="http://schemas.microsoft.com/office/drawing/2014/main" id="{B0289A06-899F-6B40-9BA2-B17725278E1C}"/>
+                  <a16:creationId xmlns:a16="http://schemas.microsoft.com/office/drawing/2014/main" id="{71D0C98C-C09C-CF43-B38D-4B4F448BD64B}"/>
                 </a:ext>
               </a:extLst>
             </p:cNvPr>
@@ -6495,8 +7061,8 @@
           </p:nvSpPr>
           <p:spPr>
             <a:xfrm>
-              <a:off x="1409836" y="450270"/>
-              <a:ext cx="800219" cy="461665"/>
+              <a:off x="1510432" y="1072798"/>
+              <a:ext cx="697627" cy="400110"/>
             </a:xfrm>
             <a:prstGeom prst="rect">
               <a:avLst/>
@@ -6510,7 +7076,7 @@
             <a:lstStyle/>
             <a:p>
               <a:r>
-                <a:rPr kumimoji="1" lang="ja-JP" altLang="en-US" sz="2400">
+                <a:rPr kumimoji="1" lang="ja-JP" altLang="en-US" sz="2000">
                   <a:latin typeface="Hiragino Kaku Gothic Pro W3" panose="020B0300000000000000" pitchFamily="34" charset="-128"/>
                   <a:ea typeface="Hiragino Kaku Gothic Pro W3" panose="020B0300000000000000" pitchFamily="34" charset="-128"/>
                 </a:rPr>
@@ -6520,54 +7086,12 @@
           </p:txBody>
         </p:sp>
       </p:grpSp>
-      <p:sp>
-        <p:nvSpPr>
-          <p:cNvPr id="50" name="テキスト ボックス 49">
-            <a:extLst>
-              <a:ext uri="{FF2B5EF4-FFF2-40B4-BE49-F238E27FC236}">
-                <a16:creationId xmlns:a16="http://schemas.microsoft.com/office/drawing/2014/main" id="{3B1DCF6D-D4DA-B648-8A3E-DF1489834913}"/>
-              </a:ext>
-            </a:extLst>
-          </p:cNvPr>
-          <p:cNvSpPr txBox="1"/>
-          <p:nvPr/>
-        </p:nvSpPr>
-        <p:spPr>
-          <a:xfrm>
-            <a:off x="5866017" y="117869"/>
-            <a:ext cx="1999265" cy="461665"/>
-          </a:xfrm>
-          <a:prstGeom prst="rect">
-            <a:avLst/>
-          </a:prstGeom>
-          <a:noFill/>
-        </p:spPr>
-        <p:txBody>
-          <a:bodyPr wrap="none" rtlCol="0">
-            <a:spAutoFit/>
-          </a:bodyPr>
-          <a:lstStyle/>
-          <a:p>
-            <a:r>
-              <a:rPr kumimoji="1" lang="en-US" altLang="ja-JP" sz="2400" dirty="0" err="1">
-                <a:latin typeface="Hiragino Kaku Gothic Pro W3" panose="020B0300000000000000" pitchFamily="34" charset="-128"/>
-                <a:ea typeface="Hiragino Kaku Gothic Pro W3" panose="020B0300000000000000" pitchFamily="34" charset="-128"/>
-              </a:rPr>
-              <a:t>WebWorker</a:t>
-            </a:r>
-            <a:endParaRPr kumimoji="1" lang="ja-JP" altLang="en-US" sz="2400">
-              <a:latin typeface="Hiragino Kaku Gothic Pro W3" panose="020B0300000000000000" pitchFamily="34" charset="-128"/>
-              <a:ea typeface="Hiragino Kaku Gothic Pro W3" panose="020B0300000000000000" pitchFamily="34" charset="-128"/>
-            </a:endParaRPr>
-          </a:p>
-        </p:txBody>
-      </p:sp>
       <p:grpSp>
         <p:nvGrpSpPr>
-          <p:cNvPr id="28" name="グループ化 27">
-            <a:extLst>
-              <a:ext uri="{FF2B5EF4-FFF2-40B4-BE49-F238E27FC236}">
-                <a16:creationId xmlns:a16="http://schemas.microsoft.com/office/drawing/2014/main" id="{70466100-A9F6-5C46-AA02-E90BDAE7395F}"/>
+          <p:cNvPr id="69" name="グループ化 68">
+            <a:extLst>
+              <a:ext uri="{FF2B5EF4-FFF2-40B4-BE49-F238E27FC236}">
+                <a16:creationId xmlns:a16="http://schemas.microsoft.com/office/drawing/2014/main" id="{C73A0B1F-26AC-DD4F-801F-9CD926A9171C}"/>
               </a:ext>
             </a:extLst>
           </p:cNvPr>
@@ -6576,213 +7100,18 @@
         </p:nvGrpSpPr>
         <p:grpSpPr>
           <a:xfrm>
-            <a:off x="5670570" y="2295096"/>
-            <a:ext cx="2390159" cy="906736"/>
-            <a:chOff x="5661630" y="1772993"/>
-            <a:chExt cx="2390159" cy="906736"/>
-          </a:xfrm>
-        </p:grpSpPr>
-        <p:grpSp>
-          <p:nvGrpSpPr>
-            <p:cNvPr id="38" name="グループ化 37">
-              <a:extLst>
-                <a:ext uri="{FF2B5EF4-FFF2-40B4-BE49-F238E27FC236}">
-                  <a16:creationId xmlns:a16="http://schemas.microsoft.com/office/drawing/2014/main" id="{7CBCA24E-F44C-D34A-89E3-2EF4E0803316}"/>
-                </a:ext>
-              </a:extLst>
-            </p:cNvPr>
-            <p:cNvGrpSpPr/>
-            <p:nvPr/>
-          </p:nvGrpSpPr>
-          <p:grpSpPr>
-            <a:xfrm>
-              <a:off x="5661630" y="1772993"/>
-              <a:ext cx="2390159" cy="906736"/>
-              <a:chOff x="433634" y="1847654"/>
-              <a:chExt cx="2884602" cy="1094310"/>
-            </a:xfrm>
-          </p:grpSpPr>
-          <p:sp>
-            <p:nvSpPr>
-              <p:cNvPr id="39" name="正方形/長方形 38">
-                <a:extLst>
-                  <a:ext uri="{FF2B5EF4-FFF2-40B4-BE49-F238E27FC236}">
-                    <a16:creationId xmlns:a16="http://schemas.microsoft.com/office/drawing/2014/main" id="{86D3398E-31E3-D54E-8E45-C63C6B840668}"/>
-                  </a:ext>
-                </a:extLst>
-              </p:cNvPr>
-              <p:cNvSpPr/>
-              <p:nvPr/>
-            </p:nvSpPr>
-            <p:spPr>
-              <a:xfrm>
-                <a:off x="433634" y="1847654"/>
-                <a:ext cx="2884602" cy="1094310"/>
-              </a:xfrm>
-              <a:prstGeom prst="rect">
-                <a:avLst/>
-              </a:prstGeom>
-              <a:solidFill>
-                <a:schemeClr val="accent2">
-                  <a:lumMod val="40000"/>
-                  <a:lumOff val="60000"/>
-                </a:schemeClr>
-              </a:solidFill>
-              <a:ln>
-                <a:noFill/>
-              </a:ln>
-            </p:spPr>
-            <p:style>
-              <a:lnRef idx="2">
-                <a:schemeClr val="accent1">
-                  <a:shade val="50000"/>
-                </a:schemeClr>
-              </a:lnRef>
-              <a:fillRef idx="1">
-                <a:schemeClr val="accent1"/>
-              </a:fillRef>
-              <a:effectRef idx="0">
-                <a:schemeClr val="accent1"/>
-              </a:effectRef>
-              <a:fontRef idx="minor">
-                <a:schemeClr val="lt1"/>
-              </a:fontRef>
-            </p:style>
-            <p:txBody>
-              <a:bodyPr rtlCol="0" anchor="ctr"/>
-              <a:lstStyle/>
-              <a:p>
-                <a:pPr algn="ctr"/>
-                <a:endParaRPr kumimoji="1" lang="ja-JP" altLang="en-US"/>
-              </a:p>
-            </p:txBody>
-          </p:sp>
-          <p:sp>
-            <p:nvSpPr>
-              <p:cNvPr id="40" name="テキスト ボックス 39">
-                <a:extLst>
-                  <a:ext uri="{FF2B5EF4-FFF2-40B4-BE49-F238E27FC236}">
-                    <a16:creationId xmlns:a16="http://schemas.microsoft.com/office/drawing/2014/main" id="{3CA13FE7-164E-084F-AB2F-168C37AD457E}"/>
-                  </a:ext>
-                </a:extLst>
-              </p:cNvPr>
-              <p:cNvSpPr txBox="1"/>
-              <p:nvPr/>
-            </p:nvSpPr>
-            <p:spPr>
-              <a:xfrm>
-                <a:off x="460323" y="1975985"/>
-                <a:ext cx="2619849" cy="445735"/>
-              </a:xfrm>
-              <a:prstGeom prst="rect">
-                <a:avLst/>
-              </a:prstGeom>
-              <a:noFill/>
-            </p:spPr>
-            <p:txBody>
-              <a:bodyPr wrap="none" rtlCol="0">
-                <a:spAutoFit/>
-              </a:bodyPr>
-              <a:lstStyle/>
-              <a:p>
-                <a:r>
-                  <a:rPr lang="en-US" altLang="ja-JP" dirty="0">
-                    <a:latin typeface="Hiragino Kaku Gothic Pro W3" panose="020B0300000000000000" pitchFamily="34" charset="-128"/>
-                    <a:ea typeface="Hiragino Kaku Gothic Pro W3" panose="020B0300000000000000" pitchFamily="34" charset="-128"/>
-                  </a:rPr>
-                  <a:t>Canvas</a:t>
-                </a:r>
-                <a:r>
-                  <a:rPr lang="ja-JP" altLang="en-US">
-                    <a:latin typeface="Hiragino Kaku Gothic Pro W3" panose="020B0300000000000000" pitchFamily="34" charset="-128"/>
-                    <a:ea typeface="Hiragino Kaku Gothic Pro W3" panose="020B0300000000000000" pitchFamily="34" charset="-128"/>
-                  </a:rPr>
-                  <a:t>要素の取得</a:t>
-                </a:r>
-                <a:endParaRPr kumimoji="1" lang="ja-JP" altLang="en-US">
-                  <a:latin typeface="Hiragino Kaku Gothic Pro W3" panose="020B0300000000000000" pitchFamily="34" charset="-128"/>
-                  <a:ea typeface="Hiragino Kaku Gothic Pro W3" panose="020B0300000000000000" pitchFamily="34" charset="-128"/>
-                </a:endParaRPr>
-              </a:p>
-            </p:txBody>
-          </p:sp>
-        </p:grpSp>
-        <p:sp>
-          <p:nvSpPr>
-            <p:cNvPr id="51" name="テキスト ボックス 50">
-              <a:extLst>
-                <a:ext uri="{FF2B5EF4-FFF2-40B4-BE49-F238E27FC236}">
-                  <a16:creationId xmlns:a16="http://schemas.microsoft.com/office/drawing/2014/main" id="{EDDDC68F-8BC5-D44B-B56D-42ACA41AC798}"/>
-                </a:ext>
-              </a:extLst>
-            </p:cNvPr>
-            <p:cNvSpPr txBox="1"/>
-            <p:nvPr/>
-          </p:nvSpPr>
-          <p:spPr>
-            <a:xfrm>
-              <a:off x="5703794" y="2215783"/>
-              <a:ext cx="1721946" cy="369332"/>
-            </a:xfrm>
-            <a:prstGeom prst="rect">
-              <a:avLst/>
-            </a:prstGeom>
-            <a:noFill/>
-          </p:spPr>
-          <p:txBody>
-            <a:bodyPr wrap="none" rtlCol="0">
-              <a:spAutoFit/>
-            </a:bodyPr>
-            <a:lstStyle/>
-            <a:p>
-              <a:r>
-                <a:rPr lang="en-US" altLang="ja-JP" dirty="0">
-                  <a:latin typeface="Hiragino Kaku Gothic Pro W3" panose="020B0300000000000000" pitchFamily="34" charset="-128"/>
-                  <a:ea typeface="Hiragino Kaku Gothic Pro W3" panose="020B0300000000000000" pitchFamily="34" charset="-128"/>
-                </a:rPr>
-                <a:t>Worker</a:t>
-              </a:r>
-              <a:r>
-                <a:rPr lang="ja-JP" altLang="en-US">
-                  <a:latin typeface="Hiragino Kaku Gothic Pro W3" panose="020B0300000000000000" pitchFamily="34" charset="-128"/>
-                  <a:ea typeface="Hiragino Kaku Gothic Pro W3" panose="020B0300000000000000" pitchFamily="34" charset="-128"/>
-                </a:rPr>
-                <a:t>の作成</a:t>
-              </a:r>
-              <a:endParaRPr kumimoji="1" lang="ja-JP" altLang="en-US">
-                <a:latin typeface="Hiragino Kaku Gothic Pro W3" panose="020B0300000000000000" pitchFamily="34" charset="-128"/>
-                <a:ea typeface="Hiragino Kaku Gothic Pro W3" panose="020B0300000000000000" pitchFamily="34" charset="-128"/>
-              </a:endParaRPr>
-            </a:p>
-          </p:txBody>
-        </p:sp>
-      </p:grpSp>
-      <p:grpSp>
-        <p:nvGrpSpPr>
-          <p:cNvPr id="57" name="グループ化 56">
-            <a:extLst>
-              <a:ext uri="{FF2B5EF4-FFF2-40B4-BE49-F238E27FC236}">
-                <a16:creationId xmlns:a16="http://schemas.microsoft.com/office/drawing/2014/main" id="{E9F34DEA-CEB0-804F-AF3B-CC5916D0AB0A}"/>
-              </a:ext>
-            </a:extLst>
-          </p:cNvPr>
-          <p:cNvGrpSpPr/>
-          <p:nvPr/>
-        </p:nvGrpSpPr>
-        <p:grpSpPr>
-          <a:xfrm>
-            <a:off x="5647370" y="3648345"/>
-            <a:ext cx="2436558" cy="712237"/>
-            <a:chOff x="5637345" y="3636640"/>
-            <a:chExt cx="2436558" cy="712237"/>
+            <a:off x="552030" y="1875934"/>
+            <a:ext cx="2198107" cy="814296"/>
+            <a:chOff x="802706" y="1937759"/>
+            <a:chExt cx="2198107" cy="814296"/>
           </a:xfrm>
         </p:grpSpPr>
         <p:sp>
           <p:nvSpPr>
-            <p:cNvPr id="42" name="正方形/長方形 41">
+            <p:cNvPr id="70" name="正方形/長方形 69">
               <a:extLst>
                 <a:ext uri="{FF2B5EF4-FFF2-40B4-BE49-F238E27FC236}">
-                  <a16:creationId xmlns:a16="http://schemas.microsoft.com/office/drawing/2014/main" id="{4A0AF7BB-4196-AE47-B523-C03A6F1935CD}"/>
+                  <a16:creationId xmlns:a16="http://schemas.microsoft.com/office/drawing/2014/main" id="{09CBE9F9-571C-4443-964C-4624DC0DA7DA}"/>
                 </a:ext>
               </a:extLst>
             </p:cNvPr>
@@ -6791,8 +7120,8 @@
           </p:nvSpPr>
           <p:spPr>
             <a:xfrm>
-              <a:off x="5683744" y="3636640"/>
-              <a:ext cx="2390159" cy="712237"/>
+              <a:off x="820269" y="1937759"/>
+              <a:ext cx="2180544" cy="814296"/>
             </a:xfrm>
             <a:prstGeom prst="rect">
               <a:avLst/>
@@ -6828,16 +7157,16 @@
             <a:lstStyle/>
             <a:p>
               <a:pPr algn="ctr"/>
-              <a:endParaRPr kumimoji="1" lang="ja-JP" altLang="en-US"/>
+              <a:endParaRPr kumimoji="1" lang="ja-JP" altLang="en-US" sz="2000"/>
             </a:p>
           </p:txBody>
         </p:sp>
         <p:sp>
           <p:nvSpPr>
-            <p:cNvPr id="52" name="テキスト ボックス 51">
+            <p:cNvPr id="71" name="テキスト ボックス 70">
               <a:extLst>
                 <a:ext uri="{FF2B5EF4-FFF2-40B4-BE49-F238E27FC236}">
-                  <a16:creationId xmlns:a16="http://schemas.microsoft.com/office/drawing/2014/main" id="{5656611C-A93F-2648-A81A-73250C11A22B}"/>
+                  <a16:creationId xmlns:a16="http://schemas.microsoft.com/office/drawing/2014/main" id="{9F3626AC-96E0-9247-B70B-220DB3427EB5}"/>
                 </a:ext>
               </a:extLst>
             </p:cNvPr>
@@ -6846,8 +7175,8 @@
           </p:nvSpPr>
           <p:spPr>
             <a:xfrm>
-              <a:off x="5637345" y="3656161"/>
-              <a:ext cx="2414444" cy="646331"/>
+              <a:off x="802706" y="1937759"/>
+              <a:ext cx="2135521" cy="707886"/>
             </a:xfrm>
             <a:prstGeom prst="rect">
               <a:avLst/>
@@ -6861,33 +7190,40 @@
             <a:lstStyle/>
             <a:p>
               <a:r>
-                <a:rPr lang="ja-JP" altLang="en-US">
+                <a:rPr lang="en-US" altLang="ja-JP" sz="2000" dirty="0">
                   <a:latin typeface="Hiragino Kaku Gothic Pro W3" panose="020B0300000000000000" pitchFamily="34" charset="-128"/>
                   <a:ea typeface="Hiragino Kaku Gothic Pro W3" panose="020B0300000000000000" pitchFamily="34" charset="-128"/>
                 </a:rPr>
-                <a:t>同期処理</a:t>
+                <a:t>Canvas</a:t>
               </a:r>
-              <a:endParaRPr lang="en-US" altLang="ja-JP" dirty="0">
+              <a:r>
+                <a:rPr lang="ja-JP" altLang="en-US" sz="2000">
+                  <a:latin typeface="Hiragino Kaku Gothic Pro W3" panose="020B0300000000000000" pitchFamily="34" charset="-128"/>
+                  <a:ea typeface="Hiragino Kaku Gothic Pro W3" panose="020B0300000000000000" pitchFamily="34" charset="-128"/>
+                </a:rPr>
+                <a:t>要素取得</a:t>
+              </a:r>
+              <a:endParaRPr lang="en-US" altLang="ja-JP" sz="2000" dirty="0">
                 <a:latin typeface="Hiragino Kaku Gothic Pro W3" panose="020B0300000000000000" pitchFamily="34" charset="-128"/>
                 <a:ea typeface="Hiragino Kaku Gothic Pro W3" panose="020B0300000000000000" pitchFamily="34" charset="-128"/>
               </a:endParaRPr>
             </a:p>
             <a:p>
               <a:r>
-                <a:rPr lang="en-US" altLang="ja-JP" dirty="0">
+                <a:rPr lang="en-US" altLang="ja-JP" sz="2000" dirty="0">
                   <a:latin typeface="Hiragino Kaku Gothic Pro W3" panose="020B0300000000000000" pitchFamily="34" charset="-128"/>
                   <a:ea typeface="Hiragino Kaku Gothic Pro W3" panose="020B0300000000000000" pitchFamily="34" charset="-128"/>
                 </a:rPr>
-                <a:t>Worker</a:t>
+                <a:t>worker</a:t>
               </a:r>
               <a:r>
-                <a:rPr lang="ja-JP" altLang="en-US">
+                <a:rPr lang="ja-JP" altLang="en-US" sz="2000">
                   <a:latin typeface="Hiragino Kaku Gothic Pro W3" panose="020B0300000000000000" pitchFamily="34" charset="-128"/>
                   <a:ea typeface="Hiragino Kaku Gothic Pro W3" panose="020B0300000000000000" pitchFamily="34" charset="-128"/>
                 </a:rPr>
-                <a:t>へ変数を送る</a:t>
+                <a:t>作成</a:t>
               </a:r>
-              <a:endParaRPr lang="en-US" altLang="ja-JP" dirty="0">
+              <a:endParaRPr lang="en-US" altLang="ja-JP" sz="2000" dirty="0">
                 <a:latin typeface="Hiragino Kaku Gothic Pro W3" panose="020B0300000000000000" pitchFamily="34" charset="-128"/>
                 <a:ea typeface="Hiragino Kaku Gothic Pro W3" panose="020B0300000000000000" pitchFamily="34" charset="-128"/>
               </a:endParaRPr>
@@ -6897,10 +7233,10 @@
       </p:grpSp>
       <p:grpSp>
         <p:nvGrpSpPr>
-          <p:cNvPr id="56" name="グループ化 55">
-            <a:extLst>
-              <a:ext uri="{FF2B5EF4-FFF2-40B4-BE49-F238E27FC236}">
-                <a16:creationId xmlns:a16="http://schemas.microsoft.com/office/drawing/2014/main" id="{884E7B9C-7651-1941-8E1F-5F2E6DB4E0F5}"/>
+          <p:cNvPr id="75" name="グループ化 74">
+            <a:extLst>
+              <a:ext uri="{FF2B5EF4-FFF2-40B4-BE49-F238E27FC236}">
+                <a16:creationId xmlns:a16="http://schemas.microsoft.com/office/drawing/2014/main" id="{645BDE4F-F89F-3C45-87B9-AD5668D1C6DC}"/>
               </a:ext>
             </a:extLst>
           </p:cNvPr>
@@ -6909,18 +7245,18 @@
         </p:nvGrpSpPr>
         <p:grpSpPr>
           <a:xfrm>
-            <a:off x="5670570" y="4807095"/>
-            <a:ext cx="2390159" cy="712238"/>
-            <a:chOff x="5683743" y="4620330"/>
-            <a:chExt cx="2390159" cy="712238"/>
+            <a:off x="560811" y="2947857"/>
+            <a:ext cx="2180544" cy="814296"/>
+            <a:chOff x="820269" y="4050756"/>
+            <a:chExt cx="2180544" cy="814296"/>
           </a:xfrm>
         </p:grpSpPr>
         <p:sp>
           <p:nvSpPr>
-            <p:cNvPr id="45" name="正方形/長方形 44">
+            <p:cNvPr id="76" name="正方形/長方形 75">
               <a:extLst>
                 <a:ext uri="{FF2B5EF4-FFF2-40B4-BE49-F238E27FC236}">
-                  <a16:creationId xmlns:a16="http://schemas.microsoft.com/office/drawing/2014/main" id="{A09211D2-29B3-9546-857F-49170910D4B7}"/>
+                  <a16:creationId xmlns:a16="http://schemas.microsoft.com/office/drawing/2014/main" id="{8EC6BE40-C79F-AA44-BAC5-7FC250D9DB41}"/>
                 </a:ext>
               </a:extLst>
             </p:cNvPr>
@@ -6929,8 +7265,8 @@
           </p:nvSpPr>
           <p:spPr>
             <a:xfrm>
-              <a:off x="5683743" y="4620330"/>
-              <a:ext cx="2390159" cy="712238"/>
+              <a:off x="820269" y="4050756"/>
+              <a:ext cx="2180544" cy="814296"/>
             </a:xfrm>
             <a:prstGeom prst="rect">
               <a:avLst/>
@@ -6966,16 +7302,16 @@
             <a:lstStyle/>
             <a:p>
               <a:pPr algn="ctr"/>
-              <a:endParaRPr kumimoji="1" lang="ja-JP" altLang="en-US"/>
+              <a:endParaRPr kumimoji="1" lang="ja-JP" altLang="en-US" sz="2000"/>
             </a:p>
           </p:txBody>
         </p:sp>
         <p:sp>
           <p:nvSpPr>
-            <p:cNvPr id="53" name="テキスト ボックス 52">
+            <p:cNvPr id="77" name="テキスト ボックス 76">
               <a:extLst>
                 <a:ext uri="{FF2B5EF4-FFF2-40B4-BE49-F238E27FC236}">
-                  <a16:creationId xmlns:a16="http://schemas.microsoft.com/office/drawing/2014/main" id="{FA559739-EF8C-2048-99C5-C3C5586037CE}"/>
+                  <a16:creationId xmlns:a16="http://schemas.microsoft.com/office/drawing/2014/main" id="{9FA11716-CFCB-234C-B9D6-DC606D43D1EB}"/>
                 </a:ext>
               </a:extLst>
             </p:cNvPr>
@@ -6984,8 +7320,8 @@
           </p:nvSpPr>
           <p:spPr>
             <a:xfrm>
-              <a:off x="5703794" y="4686237"/>
-              <a:ext cx="2262158" cy="646331"/>
+              <a:off x="842780" y="4257849"/>
+              <a:ext cx="2135521" cy="400110"/>
             </a:xfrm>
             <a:prstGeom prst="rect">
               <a:avLst/>
@@ -6999,33 +7335,20 @@
             <a:lstStyle/>
             <a:p>
               <a:r>
-                <a:rPr lang="en-US" altLang="ja-JP" dirty="0">
+                <a:rPr lang="en-US" altLang="ja-JP" sz="2000" dirty="0">
                   <a:latin typeface="Hiragino Kaku Gothic Pro W3" panose="020B0300000000000000" pitchFamily="34" charset="-128"/>
                   <a:ea typeface="Hiragino Kaku Gothic Pro W3" panose="020B0300000000000000" pitchFamily="34" charset="-128"/>
                 </a:rPr>
-                <a:t>Worker</a:t>
+                <a:t>Canvas</a:t>
               </a:r>
               <a:r>
-                <a:rPr lang="ja-JP" altLang="en-US">
+                <a:rPr lang="ja-JP" altLang="en-US" sz="2000">
                   <a:latin typeface="Hiragino Kaku Gothic Pro W3" panose="020B0300000000000000" pitchFamily="34" charset="-128"/>
                   <a:ea typeface="Hiragino Kaku Gothic Pro W3" panose="020B0300000000000000" pitchFamily="34" charset="-128"/>
                 </a:rPr>
-                <a:t>から</a:t>
+                <a:t>要素送信</a:t>
               </a:r>
-              <a:endParaRPr lang="en-US" altLang="ja-JP" dirty="0">
-                <a:latin typeface="Hiragino Kaku Gothic Pro W3" panose="020B0300000000000000" pitchFamily="34" charset="-128"/>
-                <a:ea typeface="Hiragino Kaku Gothic Pro W3" panose="020B0300000000000000" pitchFamily="34" charset="-128"/>
-              </a:endParaRPr>
-            </a:p>
-            <a:p>
-              <a:r>
-                <a:rPr lang="ja-JP" altLang="en-US">
-                  <a:latin typeface="Hiragino Kaku Gothic Pro W3" panose="020B0300000000000000" pitchFamily="34" charset="-128"/>
-                  <a:ea typeface="Hiragino Kaku Gothic Pro W3" panose="020B0300000000000000" pitchFamily="34" charset="-128"/>
-                </a:rPr>
-                <a:t>演算結果を受け取る</a:t>
-              </a:r>
-              <a:endParaRPr kumimoji="1" lang="ja-JP" altLang="en-US">
+              <a:endParaRPr lang="en-US" altLang="ja-JP" sz="2000" dirty="0">
                 <a:latin typeface="Hiragino Kaku Gothic Pro W3" panose="020B0300000000000000" pitchFamily="34" charset="-128"/>
                 <a:ea typeface="Hiragino Kaku Gothic Pro W3" panose="020B0300000000000000" pitchFamily="34" charset="-128"/>
               </a:endParaRPr>
@@ -7035,10 +7358,10 @@
       </p:grpSp>
       <p:grpSp>
         <p:nvGrpSpPr>
-          <p:cNvPr id="55" name="グループ化 54">
-            <a:extLst>
-              <a:ext uri="{FF2B5EF4-FFF2-40B4-BE49-F238E27FC236}">
-                <a16:creationId xmlns:a16="http://schemas.microsoft.com/office/drawing/2014/main" id="{0831080F-1098-0B49-9F55-55B2AFF72078}"/>
+          <p:cNvPr id="85" name="グループ化 84">
+            <a:extLst>
+              <a:ext uri="{FF2B5EF4-FFF2-40B4-BE49-F238E27FC236}">
+                <a16:creationId xmlns:a16="http://schemas.microsoft.com/office/drawing/2014/main" id="{89826A22-B094-F843-A163-42C0A697EF06}"/>
               </a:ext>
             </a:extLst>
           </p:cNvPr>
@@ -7047,18 +7370,18 @@
         </p:nvGrpSpPr>
         <p:grpSpPr>
           <a:xfrm>
-            <a:off x="5670570" y="5965845"/>
-            <a:ext cx="2390159" cy="667633"/>
-            <a:chOff x="5703794" y="5656597"/>
-            <a:chExt cx="2390159" cy="667633"/>
+            <a:off x="3604252" y="1100204"/>
+            <a:ext cx="2183232" cy="814296"/>
+            <a:chOff x="817581" y="1937759"/>
+            <a:chExt cx="2183232" cy="814296"/>
           </a:xfrm>
         </p:grpSpPr>
         <p:sp>
           <p:nvSpPr>
-            <p:cNvPr id="48" name="正方形/長方形 47">
+            <p:cNvPr id="86" name="正方形/長方形 85">
               <a:extLst>
                 <a:ext uri="{FF2B5EF4-FFF2-40B4-BE49-F238E27FC236}">
-                  <a16:creationId xmlns:a16="http://schemas.microsoft.com/office/drawing/2014/main" id="{4D28DC4A-0666-9649-BDAB-899E0B74CBE5}"/>
+                  <a16:creationId xmlns:a16="http://schemas.microsoft.com/office/drawing/2014/main" id="{68563B49-5681-0145-9B8F-0ACD7003EC31}"/>
                 </a:ext>
               </a:extLst>
             </p:cNvPr>
@@ -7067,8 +7390,8 @@
           </p:nvSpPr>
           <p:spPr>
             <a:xfrm>
-              <a:off x="5703794" y="5656597"/>
-              <a:ext cx="2390159" cy="667633"/>
+              <a:off x="820269" y="1937759"/>
+              <a:ext cx="2180544" cy="814296"/>
             </a:xfrm>
             <a:prstGeom prst="rect">
               <a:avLst/>
@@ -7104,16 +7427,16 @@
             <a:lstStyle/>
             <a:p>
               <a:pPr algn="ctr"/>
-              <a:endParaRPr kumimoji="1" lang="ja-JP" altLang="en-US"/>
+              <a:endParaRPr kumimoji="1" lang="ja-JP" altLang="en-US" sz="2000"/>
             </a:p>
           </p:txBody>
         </p:sp>
         <p:sp>
           <p:nvSpPr>
-            <p:cNvPr id="54" name="テキスト ボックス 53">
+            <p:cNvPr id="87" name="テキスト ボックス 86">
               <a:extLst>
                 <a:ext uri="{FF2B5EF4-FFF2-40B4-BE49-F238E27FC236}">
-                  <a16:creationId xmlns:a16="http://schemas.microsoft.com/office/drawing/2014/main" id="{F91B6F68-B4EB-9A47-ABD3-1A8FD6512EDF}"/>
+                  <a16:creationId xmlns:a16="http://schemas.microsoft.com/office/drawing/2014/main" id="{F9FC5368-0C0C-6C40-8539-F144BC17A8E6}"/>
                 </a:ext>
               </a:extLst>
             </p:cNvPr>
@@ -7122,8 +7445,8 @@
           </p:nvSpPr>
           <p:spPr>
             <a:xfrm>
-              <a:off x="6434763" y="5759580"/>
-              <a:ext cx="800219" cy="461665"/>
+              <a:off x="817581" y="2165390"/>
+              <a:ext cx="2135521" cy="400110"/>
             </a:xfrm>
             <a:prstGeom prst="rect">
               <a:avLst/>
@@ -7137,13 +7460,20 @@
             <a:lstStyle/>
             <a:p>
               <a:r>
-                <a:rPr lang="ja-JP" altLang="en-US" sz="2400">
+                <a:rPr lang="en-US" altLang="ja-JP" sz="2000" dirty="0">
                   <a:latin typeface="Hiragino Kaku Gothic Pro W3" panose="020B0300000000000000" pitchFamily="34" charset="-128"/>
                   <a:ea typeface="Hiragino Kaku Gothic Pro W3" panose="020B0300000000000000" pitchFamily="34" charset="-128"/>
                 </a:rPr>
-                <a:t>描画</a:t>
+                <a:t>Canvas</a:t>
               </a:r>
-              <a:endParaRPr kumimoji="1" lang="ja-JP" altLang="en-US" sz="2400">
+              <a:r>
+                <a:rPr lang="ja-JP" altLang="en-US" sz="2000">
+                  <a:latin typeface="Hiragino Kaku Gothic Pro W3" panose="020B0300000000000000" pitchFamily="34" charset="-128"/>
+                  <a:ea typeface="Hiragino Kaku Gothic Pro W3" panose="020B0300000000000000" pitchFamily="34" charset="-128"/>
+                </a:rPr>
+                <a:t>要素受信</a:t>
+              </a:r>
+              <a:endParaRPr lang="en-US" altLang="ja-JP" sz="2000" dirty="0">
                 <a:latin typeface="Hiragino Kaku Gothic Pro W3" panose="020B0300000000000000" pitchFamily="34" charset="-128"/>
                 <a:ea typeface="Hiragino Kaku Gothic Pro W3" panose="020B0300000000000000" pitchFamily="34" charset="-128"/>
               </a:endParaRPr>
@@ -7151,12 +7481,244 @@
           </p:txBody>
         </p:sp>
       </p:grpSp>
-      <p:sp>
-        <p:nvSpPr>
-          <p:cNvPr id="59" name="正方形/長方形 58">
-            <a:extLst>
-              <a:ext uri="{FF2B5EF4-FFF2-40B4-BE49-F238E27FC236}">
-                <a16:creationId xmlns:a16="http://schemas.microsoft.com/office/drawing/2014/main" id="{6F666FF4-FEED-854F-ACB1-3042C72EB876}"/>
+      <p:grpSp>
+        <p:nvGrpSpPr>
+          <p:cNvPr id="88" name="グループ化 87">
+            <a:extLst>
+              <a:ext uri="{FF2B5EF4-FFF2-40B4-BE49-F238E27FC236}">
+                <a16:creationId xmlns:a16="http://schemas.microsoft.com/office/drawing/2014/main" id="{803F4D88-F4F8-AE4D-9DF4-C53A6E594C0F}"/>
+              </a:ext>
+            </a:extLst>
+          </p:cNvPr>
+          <p:cNvGrpSpPr/>
+          <p:nvPr/>
+        </p:nvGrpSpPr>
+        <p:grpSpPr>
+          <a:xfrm>
+            <a:off x="3605596" y="2225475"/>
+            <a:ext cx="2180544" cy="814296"/>
+            <a:chOff x="820269" y="3002608"/>
+            <a:chExt cx="2180544" cy="814296"/>
+          </a:xfrm>
+        </p:grpSpPr>
+        <p:sp>
+          <p:nvSpPr>
+            <p:cNvPr id="89" name="正方形/長方形 88">
+              <a:extLst>
+                <a:ext uri="{FF2B5EF4-FFF2-40B4-BE49-F238E27FC236}">
+                  <a16:creationId xmlns:a16="http://schemas.microsoft.com/office/drawing/2014/main" id="{3F24F69F-355B-EF44-9465-AB90799FDBCA}"/>
+                </a:ext>
+              </a:extLst>
+            </p:cNvPr>
+            <p:cNvSpPr/>
+            <p:nvPr/>
+          </p:nvSpPr>
+          <p:spPr>
+            <a:xfrm>
+              <a:off x="820269" y="3002608"/>
+              <a:ext cx="2180544" cy="814296"/>
+            </a:xfrm>
+            <a:prstGeom prst="rect">
+              <a:avLst/>
+            </a:prstGeom>
+            <a:solidFill>
+              <a:schemeClr val="accent6">
+                <a:lumMod val="40000"/>
+                <a:lumOff val="60000"/>
+              </a:schemeClr>
+            </a:solidFill>
+            <a:ln>
+              <a:noFill/>
+            </a:ln>
+          </p:spPr>
+          <p:style>
+            <a:lnRef idx="2">
+              <a:schemeClr val="accent1">
+                <a:shade val="50000"/>
+              </a:schemeClr>
+            </a:lnRef>
+            <a:fillRef idx="1">
+              <a:schemeClr val="accent1"/>
+            </a:fillRef>
+            <a:effectRef idx="0">
+              <a:schemeClr val="accent1"/>
+            </a:effectRef>
+            <a:fontRef idx="minor">
+              <a:schemeClr val="lt1"/>
+            </a:fontRef>
+          </p:style>
+          <p:txBody>
+            <a:bodyPr rtlCol="0" anchor="ctr"/>
+            <a:lstStyle/>
+            <a:p>
+              <a:pPr algn="ctr"/>
+              <a:endParaRPr kumimoji="1" lang="ja-JP" altLang="en-US" sz="2000"/>
+            </a:p>
+          </p:txBody>
+        </p:sp>
+        <p:sp>
+          <p:nvSpPr>
+            <p:cNvPr id="90" name="テキスト ボックス 89">
+              <a:extLst>
+                <a:ext uri="{FF2B5EF4-FFF2-40B4-BE49-F238E27FC236}">
+                  <a16:creationId xmlns:a16="http://schemas.microsoft.com/office/drawing/2014/main" id="{E95C5F2A-23C1-5342-BEC9-44CAD500BDE3}"/>
+                </a:ext>
+              </a:extLst>
+            </p:cNvPr>
+            <p:cNvSpPr txBox="1"/>
+            <p:nvPr/>
+          </p:nvSpPr>
+          <p:spPr>
+            <a:xfrm>
+              <a:off x="1561727" y="3215947"/>
+              <a:ext cx="697627" cy="400110"/>
+            </a:xfrm>
+            <a:prstGeom prst="rect">
+              <a:avLst/>
+            </a:prstGeom>
+            <a:noFill/>
+          </p:spPr>
+          <p:txBody>
+            <a:bodyPr wrap="none" rtlCol="0">
+              <a:spAutoFit/>
+            </a:bodyPr>
+            <a:lstStyle/>
+            <a:p>
+              <a:r>
+                <a:rPr kumimoji="1" lang="ja-JP" altLang="en-US" sz="2000">
+                  <a:latin typeface="Hiragino Kaku Gothic Pro W3" panose="020B0300000000000000" pitchFamily="34" charset="-128"/>
+                  <a:ea typeface="Hiragino Kaku Gothic Pro W3" panose="020B0300000000000000" pitchFamily="34" charset="-128"/>
+                </a:rPr>
+                <a:t>演算</a:t>
+              </a:r>
+            </a:p>
+          </p:txBody>
+        </p:sp>
+      </p:grpSp>
+      <p:grpSp>
+        <p:nvGrpSpPr>
+          <p:cNvPr id="91" name="グループ化 90">
+            <a:extLst>
+              <a:ext uri="{FF2B5EF4-FFF2-40B4-BE49-F238E27FC236}">
+                <a16:creationId xmlns:a16="http://schemas.microsoft.com/office/drawing/2014/main" id="{6E175F04-2D0A-E043-ACD7-48CB671F8862}"/>
+              </a:ext>
+            </a:extLst>
+          </p:cNvPr>
+          <p:cNvGrpSpPr/>
+          <p:nvPr/>
+        </p:nvGrpSpPr>
+        <p:grpSpPr>
+          <a:xfrm>
+            <a:off x="3605596" y="3350746"/>
+            <a:ext cx="2180544" cy="814296"/>
+            <a:chOff x="820269" y="4050756"/>
+            <a:chExt cx="2180544" cy="814296"/>
+          </a:xfrm>
+        </p:grpSpPr>
+        <p:sp>
+          <p:nvSpPr>
+            <p:cNvPr id="92" name="正方形/長方形 91">
+              <a:extLst>
+                <a:ext uri="{FF2B5EF4-FFF2-40B4-BE49-F238E27FC236}">
+                  <a16:creationId xmlns:a16="http://schemas.microsoft.com/office/drawing/2014/main" id="{880844F5-8C59-9341-95B6-BC3D15E21BCF}"/>
+                </a:ext>
+              </a:extLst>
+            </p:cNvPr>
+            <p:cNvSpPr/>
+            <p:nvPr/>
+          </p:nvSpPr>
+          <p:spPr>
+            <a:xfrm>
+              <a:off x="820269" y="4050756"/>
+              <a:ext cx="2180544" cy="814296"/>
+            </a:xfrm>
+            <a:prstGeom prst="rect">
+              <a:avLst/>
+            </a:prstGeom>
+            <a:solidFill>
+              <a:schemeClr val="accent6">
+                <a:lumMod val="40000"/>
+                <a:lumOff val="60000"/>
+              </a:schemeClr>
+            </a:solidFill>
+            <a:ln>
+              <a:noFill/>
+            </a:ln>
+          </p:spPr>
+          <p:style>
+            <a:lnRef idx="2">
+              <a:schemeClr val="accent1">
+                <a:shade val="50000"/>
+              </a:schemeClr>
+            </a:lnRef>
+            <a:fillRef idx="1">
+              <a:schemeClr val="accent1"/>
+            </a:fillRef>
+            <a:effectRef idx="0">
+              <a:schemeClr val="accent1"/>
+            </a:effectRef>
+            <a:fontRef idx="minor">
+              <a:schemeClr val="lt1"/>
+            </a:fontRef>
+          </p:style>
+          <p:txBody>
+            <a:bodyPr rtlCol="0" anchor="ctr"/>
+            <a:lstStyle/>
+            <a:p>
+              <a:pPr algn="ctr"/>
+              <a:endParaRPr kumimoji="1" lang="ja-JP" altLang="en-US" sz="2000"/>
+            </a:p>
+          </p:txBody>
+        </p:sp>
+        <p:sp>
+          <p:nvSpPr>
+            <p:cNvPr id="93" name="テキスト ボックス 92">
+              <a:extLst>
+                <a:ext uri="{FF2B5EF4-FFF2-40B4-BE49-F238E27FC236}">
+                  <a16:creationId xmlns:a16="http://schemas.microsoft.com/office/drawing/2014/main" id="{4CC207C3-67C8-CC4D-987B-7FFA1A6DE78F}"/>
+                </a:ext>
+              </a:extLst>
+            </p:cNvPr>
+            <p:cNvSpPr txBox="1"/>
+            <p:nvPr/>
+          </p:nvSpPr>
+          <p:spPr>
+            <a:xfrm>
+              <a:off x="1536527" y="4254157"/>
+              <a:ext cx="697627" cy="400110"/>
+            </a:xfrm>
+            <a:prstGeom prst="rect">
+              <a:avLst/>
+            </a:prstGeom>
+            <a:noFill/>
+          </p:spPr>
+          <p:txBody>
+            <a:bodyPr wrap="none" rtlCol="0">
+              <a:spAutoFit/>
+            </a:bodyPr>
+            <a:lstStyle/>
+            <a:p>
+              <a:r>
+                <a:rPr lang="ja-JP" altLang="en-US" sz="2000">
+                  <a:latin typeface="Hiragino Kaku Gothic Pro W3" panose="020B0300000000000000" pitchFamily="34" charset="-128"/>
+                  <a:ea typeface="Hiragino Kaku Gothic Pro W3" panose="020B0300000000000000" pitchFamily="34" charset="-128"/>
+                </a:rPr>
+                <a:t>描画</a:t>
+              </a:r>
+              <a:endParaRPr lang="en-US" altLang="ja-JP" sz="2000" dirty="0">
+                <a:latin typeface="Hiragino Kaku Gothic Pro W3" panose="020B0300000000000000" pitchFamily="34" charset="-128"/>
+                <a:ea typeface="Hiragino Kaku Gothic Pro W3" panose="020B0300000000000000" pitchFamily="34" charset="-128"/>
+              </a:endParaRPr>
+            </a:p>
+          </p:txBody>
+        </p:sp>
+      </p:grpSp>
+      <p:sp>
+        <p:nvSpPr>
+          <p:cNvPr id="32" name="下矢印 31">
+            <a:extLst>
+              <a:ext uri="{FF2B5EF4-FFF2-40B4-BE49-F238E27FC236}">
+                <a16:creationId xmlns:a16="http://schemas.microsoft.com/office/drawing/2014/main" id="{35AD3ED3-3FC0-684D-A6FE-22E7FADD73EE}"/>
               </a:ext>
             </a:extLst>
           </p:cNvPr>
@@ -7165,16 +7727,16 @@
         </p:nvSpPr>
         <p:spPr>
           <a:xfrm>
-            <a:off x="9261082" y="3417849"/>
-            <a:ext cx="216000" cy="2965151"/>
+            <a:off x="1481401" y="1611573"/>
+            <a:ext cx="339365" cy="271095"/>
           </a:xfrm>
-          <a:prstGeom prst="rect">
+          <a:prstGeom prst="downArrow">
             <a:avLst/>
           </a:prstGeom>
           <a:solidFill>
             <a:schemeClr val="tx1">
-              <a:lumMod val="65000"/>
-              <a:lumOff val="35000"/>
+              <a:lumMod val="85000"/>
+              <a:lumOff val="15000"/>
             </a:schemeClr>
           </a:solidFill>
           <a:ln>
@@ -7208,10 +7770,10 @@
       </p:sp>
       <p:sp>
         <p:nvSpPr>
-          <p:cNvPr id="61" name="正方形/長方形 60">
-            <a:extLst>
-              <a:ext uri="{FF2B5EF4-FFF2-40B4-BE49-F238E27FC236}">
-                <a16:creationId xmlns:a16="http://schemas.microsoft.com/office/drawing/2014/main" id="{1CDB41C2-024E-D54A-9082-FA1EC07326EB}"/>
+          <p:cNvPr id="33" name="下矢印 32">
+            <a:extLst>
+              <a:ext uri="{FF2B5EF4-FFF2-40B4-BE49-F238E27FC236}">
+                <a16:creationId xmlns:a16="http://schemas.microsoft.com/office/drawing/2014/main" id="{E40F777B-0A94-1042-A0D9-94ABA38C3E7F}"/>
               </a:ext>
             </a:extLst>
           </p:cNvPr>
@@ -7219,17 +7781,17 @@
           <p:nvPr/>
         </p:nvSpPr>
         <p:spPr>
-          <a:xfrm rot="5400000">
-            <a:off x="8132933" y="2139598"/>
-            <a:ext cx="180000" cy="2520000"/>
+          <a:xfrm>
+            <a:off x="1481401" y="2683496"/>
+            <a:ext cx="339365" cy="271095"/>
           </a:xfrm>
-          <a:prstGeom prst="rect">
+          <a:prstGeom prst="downArrow">
             <a:avLst/>
           </a:prstGeom>
           <a:solidFill>
             <a:schemeClr val="tx1">
-              <a:lumMod val="65000"/>
-              <a:lumOff val="35000"/>
+              <a:lumMod val="85000"/>
+              <a:lumOff val="15000"/>
             </a:schemeClr>
           </a:solidFill>
           <a:ln>
@@ -7261,10 +7823,2528 @@
           </a:p>
         </p:txBody>
       </p:sp>
+      <p:sp>
+        <p:nvSpPr>
+          <p:cNvPr id="34" name="下矢印 33">
+            <a:extLst>
+              <a:ext uri="{FF2B5EF4-FFF2-40B4-BE49-F238E27FC236}">
+                <a16:creationId xmlns:a16="http://schemas.microsoft.com/office/drawing/2014/main" id="{DE3BC0D0-9DBF-894C-A158-1720A8470F36}"/>
+              </a:ext>
+            </a:extLst>
+          </p:cNvPr>
+          <p:cNvSpPr/>
+          <p:nvPr/>
+        </p:nvSpPr>
+        <p:spPr>
+          <a:xfrm>
+            <a:off x="4526186" y="1934440"/>
+            <a:ext cx="339365" cy="271095"/>
+          </a:xfrm>
+          <a:prstGeom prst="downArrow">
+            <a:avLst/>
+          </a:prstGeom>
+          <a:solidFill>
+            <a:schemeClr val="tx1">
+              <a:lumMod val="85000"/>
+              <a:lumOff val="15000"/>
+            </a:schemeClr>
+          </a:solidFill>
+          <a:ln>
+            <a:noFill/>
+          </a:ln>
+        </p:spPr>
+        <p:style>
+          <a:lnRef idx="2">
+            <a:schemeClr val="accent1">
+              <a:shade val="50000"/>
+            </a:schemeClr>
+          </a:lnRef>
+          <a:fillRef idx="1">
+            <a:schemeClr val="accent1"/>
+          </a:fillRef>
+          <a:effectRef idx="0">
+            <a:schemeClr val="accent1"/>
+          </a:effectRef>
+          <a:fontRef idx="minor">
+            <a:schemeClr val="lt1"/>
+          </a:fontRef>
+        </p:style>
+        <p:txBody>
+          <a:bodyPr rtlCol="0" anchor="ctr"/>
+          <a:lstStyle/>
+          <a:p>
+            <a:pPr algn="ctr"/>
+            <a:endParaRPr kumimoji="1" lang="ja-JP" altLang="en-US"/>
+          </a:p>
+        </p:txBody>
+      </p:sp>
+      <p:sp>
+        <p:nvSpPr>
+          <p:cNvPr id="35" name="下矢印 34">
+            <a:extLst>
+              <a:ext uri="{FF2B5EF4-FFF2-40B4-BE49-F238E27FC236}">
+                <a16:creationId xmlns:a16="http://schemas.microsoft.com/office/drawing/2014/main" id="{7480784B-098A-4941-A1F0-D972C1D04099}"/>
+              </a:ext>
+            </a:extLst>
+          </p:cNvPr>
+          <p:cNvSpPr/>
+          <p:nvPr/>
+        </p:nvSpPr>
+        <p:spPr>
+          <a:xfrm>
+            <a:off x="4526186" y="3059711"/>
+            <a:ext cx="339365" cy="271095"/>
+          </a:xfrm>
+          <a:prstGeom prst="downArrow">
+            <a:avLst/>
+          </a:prstGeom>
+          <a:solidFill>
+            <a:schemeClr val="tx1">
+              <a:lumMod val="85000"/>
+              <a:lumOff val="15000"/>
+            </a:schemeClr>
+          </a:solidFill>
+          <a:ln>
+            <a:noFill/>
+          </a:ln>
+        </p:spPr>
+        <p:style>
+          <a:lnRef idx="2">
+            <a:schemeClr val="accent1">
+              <a:shade val="50000"/>
+            </a:schemeClr>
+          </a:lnRef>
+          <a:fillRef idx="1">
+            <a:schemeClr val="accent1"/>
+          </a:fillRef>
+          <a:effectRef idx="0">
+            <a:schemeClr val="accent1"/>
+          </a:effectRef>
+          <a:fontRef idx="minor">
+            <a:schemeClr val="lt1"/>
+          </a:fontRef>
+        </p:style>
+        <p:txBody>
+          <a:bodyPr rtlCol="0" anchor="ctr"/>
+          <a:lstStyle/>
+          <a:p>
+            <a:pPr algn="ctr"/>
+            <a:endParaRPr kumimoji="1" lang="ja-JP" altLang="en-US"/>
+          </a:p>
+        </p:txBody>
+      </p:sp>
+      <p:sp>
+        <p:nvSpPr>
+          <p:cNvPr id="36" name="正方形/長方形 35">
+            <a:extLst>
+              <a:ext uri="{FF2B5EF4-FFF2-40B4-BE49-F238E27FC236}">
+                <a16:creationId xmlns:a16="http://schemas.microsoft.com/office/drawing/2014/main" id="{145F88E2-A318-C141-BEE1-FCBABDCCD177}"/>
+              </a:ext>
+            </a:extLst>
+          </p:cNvPr>
+          <p:cNvSpPr/>
+          <p:nvPr/>
+        </p:nvSpPr>
+        <p:spPr>
+          <a:xfrm>
+            <a:off x="1566242" y="3755417"/>
+            <a:ext cx="169683" cy="396000"/>
+          </a:xfrm>
+          <a:prstGeom prst="rect">
+            <a:avLst/>
+          </a:prstGeom>
+          <a:solidFill>
+            <a:schemeClr val="tx1">
+              <a:lumMod val="85000"/>
+              <a:lumOff val="15000"/>
+            </a:schemeClr>
+          </a:solidFill>
+          <a:ln>
+            <a:noFill/>
+          </a:ln>
+        </p:spPr>
+        <p:style>
+          <a:lnRef idx="2">
+            <a:schemeClr val="accent1">
+              <a:shade val="50000"/>
+            </a:schemeClr>
+          </a:lnRef>
+          <a:fillRef idx="1">
+            <a:schemeClr val="accent1"/>
+          </a:fillRef>
+          <a:effectRef idx="0">
+            <a:schemeClr val="accent1"/>
+          </a:effectRef>
+          <a:fontRef idx="minor">
+            <a:schemeClr val="lt1"/>
+          </a:fontRef>
+        </p:style>
+        <p:txBody>
+          <a:bodyPr rtlCol="0" anchor="ctr"/>
+          <a:lstStyle/>
+          <a:p>
+            <a:pPr algn="ctr"/>
+            <a:endParaRPr kumimoji="1" lang="ja-JP" altLang="en-US"/>
+          </a:p>
+        </p:txBody>
+      </p:sp>
+      <p:sp>
+        <p:nvSpPr>
+          <p:cNvPr id="38" name="正方形/長方形 37">
+            <a:extLst>
+              <a:ext uri="{FF2B5EF4-FFF2-40B4-BE49-F238E27FC236}">
+                <a16:creationId xmlns:a16="http://schemas.microsoft.com/office/drawing/2014/main" id="{8AD6D823-B986-FC48-A4DE-C18CCD059D01}"/>
+              </a:ext>
+            </a:extLst>
+          </p:cNvPr>
+          <p:cNvSpPr/>
+          <p:nvPr/>
+        </p:nvSpPr>
+        <p:spPr>
+          <a:xfrm>
+            <a:off x="4611027" y="4184984"/>
+            <a:ext cx="169683" cy="360000"/>
+          </a:xfrm>
+          <a:prstGeom prst="rect">
+            <a:avLst/>
+          </a:prstGeom>
+          <a:solidFill>
+            <a:schemeClr val="tx1">
+              <a:lumMod val="85000"/>
+              <a:lumOff val="15000"/>
+            </a:schemeClr>
+          </a:solidFill>
+          <a:ln>
+            <a:noFill/>
+          </a:ln>
+        </p:spPr>
+        <p:style>
+          <a:lnRef idx="2">
+            <a:schemeClr val="accent1">
+              <a:shade val="50000"/>
+            </a:schemeClr>
+          </a:lnRef>
+          <a:fillRef idx="1">
+            <a:schemeClr val="accent1"/>
+          </a:fillRef>
+          <a:effectRef idx="0">
+            <a:schemeClr val="accent1"/>
+          </a:effectRef>
+          <a:fontRef idx="minor">
+            <a:schemeClr val="lt1"/>
+          </a:fontRef>
+        </p:style>
+        <p:txBody>
+          <a:bodyPr rtlCol="0" anchor="ctr"/>
+          <a:lstStyle/>
+          <a:p>
+            <a:pPr algn="ctr"/>
+            <a:endParaRPr kumimoji="1" lang="ja-JP" altLang="en-US"/>
+          </a:p>
+        </p:txBody>
+      </p:sp>
+      <p:sp>
+        <p:nvSpPr>
+          <p:cNvPr id="39" name="下矢印 38">
+            <a:extLst>
+              <a:ext uri="{FF2B5EF4-FFF2-40B4-BE49-F238E27FC236}">
+                <a16:creationId xmlns:a16="http://schemas.microsoft.com/office/drawing/2014/main" id="{4C05619A-E5B3-1642-8F2B-4546806D7CFD}"/>
+              </a:ext>
+            </a:extLst>
+          </p:cNvPr>
+          <p:cNvSpPr/>
+          <p:nvPr/>
+        </p:nvSpPr>
+        <p:spPr>
+          <a:xfrm rot="16200000">
+            <a:off x="3212816" y="1311889"/>
+            <a:ext cx="339365" cy="432000"/>
+          </a:xfrm>
+          <a:prstGeom prst="downArrow">
+            <a:avLst/>
+          </a:prstGeom>
+          <a:solidFill>
+            <a:schemeClr val="tx1">
+              <a:lumMod val="85000"/>
+              <a:lumOff val="15000"/>
+            </a:schemeClr>
+          </a:solidFill>
+          <a:ln>
+            <a:noFill/>
+          </a:ln>
+        </p:spPr>
+        <p:style>
+          <a:lnRef idx="2">
+            <a:schemeClr val="accent1">
+              <a:shade val="50000"/>
+            </a:schemeClr>
+          </a:lnRef>
+          <a:fillRef idx="1">
+            <a:schemeClr val="accent1"/>
+          </a:fillRef>
+          <a:effectRef idx="0">
+            <a:schemeClr val="accent1"/>
+          </a:effectRef>
+          <a:fontRef idx="minor">
+            <a:schemeClr val="lt1"/>
+          </a:fontRef>
+        </p:style>
+        <p:txBody>
+          <a:bodyPr rtlCol="0" anchor="ctr"/>
+          <a:lstStyle/>
+          <a:p>
+            <a:pPr algn="ctr"/>
+            <a:endParaRPr kumimoji="1" lang="ja-JP" altLang="en-US"/>
+          </a:p>
+        </p:txBody>
+      </p:sp>
+      <p:sp>
+        <p:nvSpPr>
+          <p:cNvPr id="40" name="正方形/長方形 39">
+            <a:extLst>
+              <a:ext uri="{FF2B5EF4-FFF2-40B4-BE49-F238E27FC236}">
+                <a16:creationId xmlns:a16="http://schemas.microsoft.com/office/drawing/2014/main" id="{C8393259-0D9A-B64D-95DF-285C6AD29985}"/>
+              </a:ext>
+            </a:extLst>
+          </p:cNvPr>
+          <p:cNvSpPr/>
+          <p:nvPr/>
+        </p:nvSpPr>
+        <p:spPr>
+          <a:xfrm>
+            <a:off x="3049892" y="1442273"/>
+            <a:ext cx="169683" cy="2844000"/>
+          </a:xfrm>
+          <a:prstGeom prst="rect">
+            <a:avLst/>
+          </a:prstGeom>
+          <a:solidFill>
+            <a:schemeClr val="tx1">
+              <a:lumMod val="85000"/>
+              <a:lumOff val="15000"/>
+            </a:schemeClr>
+          </a:solidFill>
+          <a:ln>
+            <a:noFill/>
+          </a:ln>
+        </p:spPr>
+        <p:style>
+          <a:lnRef idx="2">
+            <a:schemeClr val="accent1">
+              <a:shade val="50000"/>
+            </a:schemeClr>
+          </a:lnRef>
+          <a:fillRef idx="1">
+            <a:schemeClr val="accent1"/>
+          </a:fillRef>
+          <a:effectRef idx="0">
+            <a:schemeClr val="accent1"/>
+          </a:effectRef>
+          <a:fontRef idx="minor">
+            <a:schemeClr val="lt1"/>
+          </a:fontRef>
+        </p:style>
+        <p:txBody>
+          <a:bodyPr rtlCol="0" anchor="ctr"/>
+          <a:lstStyle/>
+          <a:p>
+            <a:pPr algn="ctr"/>
+            <a:endParaRPr kumimoji="1" lang="ja-JP" altLang="en-US"/>
+          </a:p>
+        </p:txBody>
+      </p:sp>
+      <p:sp>
+        <p:nvSpPr>
+          <p:cNvPr id="41" name="正方形/長方形 40">
+            <a:extLst>
+              <a:ext uri="{FF2B5EF4-FFF2-40B4-BE49-F238E27FC236}">
+                <a16:creationId xmlns:a16="http://schemas.microsoft.com/office/drawing/2014/main" id="{AEE17BD5-1CAE-FD41-BE38-B066645A739C}"/>
+              </a:ext>
+            </a:extLst>
+          </p:cNvPr>
+          <p:cNvSpPr/>
+          <p:nvPr/>
+        </p:nvSpPr>
+        <p:spPr>
+          <a:xfrm rot="16200000">
+            <a:off x="2309492" y="3402085"/>
+            <a:ext cx="169683" cy="1655999"/>
+          </a:xfrm>
+          <a:prstGeom prst="rect">
+            <a:avLst/>
+          </a:prstGeom>
+          <a:solidFill>
+            <a:schemeClr val="tx1">
+              <a:lumMod val="85000"/>
+              <a:lumOff val="15000"/>
+            </a:schemeClr>
+          </a:solidFill>
+          <a:ln>
+            <a:noFill/>
+          </a:ln>
+        </p:spPr>
+        <p:style>
+          <a:lnRef idx="2">
+            <a:schemeClr val="accent1">
+              <a:shade val="50000"/>
+            </a:schemeClr>
+          </a:lnRef>
+          <a:fillRef idx="1">
+            <a:schemeClr val="accent1"/>
+          </a:fillRef>
+          <a:effectRef idx="0">
+            <a:schemeClr val="accent1"/>
+          </a:effectRef>
+          <a:fontRef idx="minor">
+            <a:schemeClr val="lt1"/>
+          </a:fontRef>
+        </p:style>
+        <p:txBody>
+          <a:bodyPr rtlCol="0" anchor="ctr"/>
+          <a:lstStyle/>
+          <a:p>
+            <a:pPr algn="ctr"/>
+            <a:endParaRPr kumimoji="1" lang="ja-JP" altLang="en-US" b="1"/>
+          </a:p>
+        </p:txBody>
+      </p:sp>
+      <p:sp>
+        <p:nvSpPr>
+          <p:cNvPr id="45" name="正方形/長方形 44">
+            <a:extLst>
+              <a:ext uri="{FF2B5EF4-FFF2-40B4-BE49-F238E27FC236}">
+                <a16:creationId xmlns:a16="http://schemas.microsoft.com/office/drawing/2014/main" id="{08C1F2BC-A8B3-8F47-9576-682132A25C72}"/>
+              </a:ext>
+            </a:extLst>
+          </p:cNvPr>
+          <p:cNvSpPr/>
+          <p:nvPr/>
+        </p:nvSpPr>
+        <p:spPr>
+          <a:xfrm rot="16200000">
+            <a:off x="5304330" y="3760322"/>
+            <a:ext cx="169683" cy="1404000"/>
+          </a:xfrm>
+          <a:prstGeom prst="rect">
+            <a:avLst/>
+          </a:prstGeom>
+          <a:solidFill>
+            <a:schemeClr val="tx1">
+              <a:lumMod val="85000"/>
+              <a:lumOff val="15000"/>
+            </a:schemeClr>
+          </a:solidFill>
+          <a:ln>
+            <a:noFill/>
+          </a:ln>
+        </p:spPr>
+        <p:style>
+          <a:lnRef idx="2">
+            <a:schemeClr val="accent1">
+              <a:shade val="50000"/>
+            </a:schemeClr>
+          </a:lnRef>
+          <a:fillRef idx="1">
+            <a:schemeClr val="accent1"/>
+          </a:fillRef>
+          <a:effectRef idx="0">
+            <a:schemeClr val="accent1"/>
+          </a:effectRef>
+          <a:fontRef idx="minor">
+            <a:schemeClr val="lt1"/>
+          </a:fontRef>
+        </p:style>
+        <p:txBody>
+          <a:bodyPr rtlCol="0" anchor="ctr"/>
+          <a:lstStyle/>
+          <a:p>
+            <a:pPr algn="ctr"/>
+            <a:endParaRPr kumimoji="1" lang="ja-JP" altLang="en-US" b="1"/>
+          </a:p>
+        </p:txBody>
+      </p:sp>
+      <p:sp>
+        <p:nvSpPr>
+          <p:cNvPr id="46" name="下矢印 45">
+            <a:extLst>
+              <a:ext uri="{FF2B5EF4-FFF2-40B4-BE49-F238E27FC236}">
+                <a16:creationId xmlns:a16="http://schemas.microsoft.com/office/drawing/2014/main" id="{FB780828-26C7-6A47-9D43-741E59793F55}"/>
+              </a:ext>
+            </a:extLst>
+          </p:cNvPr>
+          <p:cNvSpPr/>
+          <p:nvPr/>
+        </p:nvSpPr>
+        <p:spPr>
+          <a:xfrm rot="5400000">
+            <a:off x="5616458" y="1868181"/>
+            <a:ext cx="339365" cy="432000"/>
+          </a:xfrm>
+          <a:prstGeom prst="downArrow">
+            <a:avLst/>
+          </a:prstGeom>
+          <a:solidFill>
+            <a:schemeClr val="tx1">
+              <a:lumMod val="85000"/>
+              <a:lumOff val="15000"/>
+            </a:schemeClr>
+          </a:solidFill>
+          <a:ln>
+            <a:noFill/>
+          </a:ln>
+        </p:spPr>
+        <p:style>
+          <a:lnRef idx="2">
+            <a:schemeClr val="accent1">
+              <a:shade val="50000"/>
+            </a:schemeClr>
+          </a:lnRef>
+          <a:fillRef idx="1">
+            <a:schemeClr val="accent1"/>
+          </a:fillRef>
+          <a:effectRef idx="0">
+            <a:schemeClr val="accent1"/>
+          </a:effectRef>
+          <a:fontRef idx="minor">
+            <a:schemeClr val="lt1"/>
+          </a:fontRef>
+        </p:style>
+        <p:txBody>
+          <a:bodyPr rtlCol="0" anchor="ctr"/>
+          <a:lstStyle/>
+          <a:p>
+            <a:pPr algn="ctr"/>
+            <a:endParaRPr kumimoji="1" lang="ja-JP" altLang="en-US"/>
+          </a:p>
+        </p:txBody>
+      </p:sp>
+      <p:sp>
+        <p:nvSpPr>
+          <p:cNvPr id="48" name="正方形/長方形 47">
+            <a:extLst>
+              <a:ext uri="{FF2B5EF4-FFF2-40B4-BE49-F238E27FC236}">
+                <a16:creationId xmlns:a16="http://schemas.microsoft.com/office/drawing/2014/main" id="{7F4F8D52-417A-BF4E-8979-76E97DCA03CA}"/>
+              </a:ext>
+            </a:extLst>
+          </p:cNvPr>
+          <p:cNvSpPr/>
+          <p:nvPr/>
+        </p:nvSpPr>
+        <p:spPr>
+          <a:xfrm>
+            <a:off x="5923182" y="1997856"/>
+            <a:ext cx="169683" cy="2520000"/>
+          </a:xfrm>
+          <a:prstGeom prst="rect">
+            <a:avLst/>
+          </a:prstGeom>
+          <a:solidFill>
+            <a:schemeClr val="tx1">
+              <a:lumMod val="85000"/>
+              <a:lumOff val="15000"/>
+            </a:schemeClr>
+          </a:solidFill>
+          <a:ln>
+            <a:noFill/>
+          </a:ln>
+        </p:spPr>
+        <p:style>
+          <a:lnRef idx="2">
+            <a:schemeClr val="accent1">
+              <a:shade val="50000"/>
+            </a:schemeClr>
+          </a:lnRef>
+          <a:fillRef idx="1">
+            <a:schemeClr val="accent1"/>
+          </a:fillRef>
+          <a:effectRef idx="0">
+            <a:schemeClr val="accent1"/>
+          </a:effectRef>
+          <a:fontRef idx="minor">
+            <a:schemeClr val="lt1"/>
+          </a:fontRef>
+        </p:style>
+        <p:txBody>
+          <a:bodyPr rtlCol="0" anchor="ctr"/>
+          <a:lstStyle/>
+          <a:p>
+            <a:pPr algn="ctr"/>
+            <a:endParaRPr kumimoji="1" lang="ja-JP" altLang="en-US"/>
+          </a:p>
+        </p:txBody>
+      </p:sp>
     </p:spTree>
     <p:extLst>
       <p:ext uri="{BB962C8B-B14F-4D97-AF65-F5344CB8AC3E}">
-        <p14:creationId xmlns:p14="http://schemas.microsoft.com/office/powerpoint/2010/main" val="3093999784"/>
+        <p14:creationId xmlns:p14="http://schemas.microsoft.com/office/powerpoint/2010/main" val="47273256"/>
+      </p:ext>
+    </p:extLst>
+  </p:cSld>
+  <p:clrMapOvr>
+    <a:masterClrMapping/>
+  </p:clrMapOvr>
+</p:sld>
+</file>
+
+<file path=ppt/slides/slide6.xml><?xml version="1.0" encoding="utf-8"?>
+<p:sld xmlns:a="http://schemas.openxmlformats.org/drawingml/2006/main" xmlns:r="http://schemas.openxmlformats.org/officeDocument/2006/relationships" xmlns:p="http://schemas.openxmlformats.org/presentationml/2006/main">
+  <p:cSld>
+    <p:bg>
+      <p:bgPr>
+        <a:solidFill>
+          <a:schemeClr val="bg1"/>
+        </a:solidFill>
+        <a:effectLst/>
+      </p:bgPr>
+    </p:bg>
+    <p:spTree>
+      <p:nvGrpSpPr>
+        <p:cNvPr id="1" name=""/>
+        <p:cNvGrpSpPr/>
+        <p:nvPr/>
+      </p:nvGrpSpPr>
+      <p:grpSpPr>
+        <a:xfrm>
+          <a:off x="0" y="0"/>
+          <a:ext cx="0" cy="0"/>
+          <a:chOff x="0" y="0"/>
+          <a:chExt cx="0" cy="0"/>
+        </a:xfrm>
+      </p:grpSpPr>
+      <p:sp>
+        <p:nvSpPr>
+          <p:cNvPr id="94" name="テキスト ボックス 93">
+            <a:extLst>
+              <a:ext uri="{FF2B5EF4-FFF2-40B4-BE49-F238E27FC236}">
+                <a16:creationId xmlns:a16="http://schemas.microsoft.com/office/drawing/2014/main" id="{5CA831E9-D4FA-7840-9F7E-E23976BFB258}"/>
+              </a:ext>
+            </a:extLst>
+          </p:cNvPr>
+          <p:cNvSpPr txBox="1"/>
+          <p:nvPr/>
+        </p:nvSpPr>
+        <p:spPr>
+          <a:xfrm>
+            <a:off x="3748664" y="330446"/>
+            <a:ext cx="790601" cy="400110"/>
+          </a:xfrm>
+          <a:prstGeom prst="rect">
+            <a:avLst/>
+          </a:prstGeom>
+          <a:noFill/>
+        </p:spPr>
+        <p:txBody>
+          <a:bodyPr wrap="none" rtlCol="0">
+            <a:spAutoFit/>
+          </a:bodyPr>
+          <a:lstStyle/>
+          <a:p>
+            <a:r>
+              <a:rPr kumimoji="1" lang="en-US" altLang="ja-JP" sz="2000" dirty="0">
+                <a:latin typeface="Hiragino Kaku Gothic Pro W3" panose="020B0300000000000000" pitchFamily="34" charset="-128"/>
+                <a:ea typeface="Hiragino Kaku Gothic Pro W3" panose="020B0300000000000000" pitchFamily="34" charset="-128"/>
+              </a:rPr>
+              <a:t>main</a:t>
+            </a:r>
+            <a:endParaRPr kumimoji="1" lang="ja-JP" altLang="en-US" sz="2000">
+              <a:latin typeface="Hiragino Kaku Gothic Pro W3" panose="020B0300000000000000" pitchFamily="34" charset="-128"/>
+              <a:ea typeface="Hiragino Kaku Gothic Pro W3" panose="020B0300000000000000" pitchFamily="34" charset="-128"/>
+            </a:endParaRPr>
+          </a:p>
+        </p:txBody>
+      </p:sp>
+      <p:sp>
+        <p:nvSpPr>
+          <p:cNvPr id="95" name="テキスト ボックス 94">
+            <a:extLst>
+              <a:ext uri="{FF2B5EF4-FFF2-40B4-BE49-F238E27FC236}">
+                <a16:creationId xmlns:a16="http://schemas.microsoft.com/office/drawing/2014/main" id="{98EE98FE-F1B9-9443-A39F-C3537A3C0B0C}"/>
+              </a:ext>
+            </a:extLst>
+          </p:cNvPr>
+          <p:cNvSpPr txBox="1"/>
+          <p:nvPr/>
+        </p:nvSpPr>
+        <p:spPr>
+          <a:xfrm>
+            <a:off x="6807455" y="409316"/>
+            <a:ext cx="1061509" cy="400110"/>
+          </a:xfrm>
+          <a:prstGeom prst="rect">
+            <a:avLst/>
+          </a:prstGeom>
+          <a:noFill/>
+        </p:spPr>
+        <p:txBody>
+          <a:bodyPr wrap="none" rtlCol="0">
+            <a:spAutoFit/>
+          </a:bodyPr>
+          <a:lstStyle/>
+          <a:p>
+            <a:r>
+              <a:rPr kumimoji="1" lang="en-US" altLang="ja-JP" sz="2000" dirty="0">
+                <a:latin typeface="Hiragino Kaku Gothic Pro W3" panose="020B0300000000000000" pitchFamily="34" charset="-128"/>
+                <a:ea typeface="Hiragino Kaku Gothic Pro W3" panose="020B0300000000000000" pitchFamily="34" charset="-128"/>
+              </a:rPr>
+              <a:t>worker</a:t>
+            </a:r>
+            <a:endParaRPr kumimoji="1" lang="ja-JP" altLang="en-US" sz="2000">
+              <a:latin typeface="Hiragino Kaku Gothic Pro W3" panose="020B0300000000000000" pitchFamily="34" charset="-128"/>
+              <a:ea typeface="Hiragino Kaku Gothic Pro W3" panose="020B0300000000000000" pitchFamily="34" charset="-128"/>
+            </a:endParaRPr>
+          </a:p>
+        </p:txBody>
+      </p:sp>
+      <p:sp>
+        <p:nvSpPr>
+          <p:cNvPr id="97" name="正方形/長方形 96">
+            <a:extLst>
+              <a:ext uri="{FF2B5EF4-FFF2-40B4-BE49-F238E27FC236}">
+                <a16:creationId xmlns:a16="http://schemas.microsoft.com/office/drawing/2014/main" id="{5E40BA0C-B930-B64E-9D1F-81432D031DDB}"/>
+              </a:ext>
+            </a:extLst>
+          </p:cNvPr>
+          <p:cNvSpPr/>
+          <p:nvPr/>
+        </p:nvSpPr>
+        <p:spPr>
+          <a:xfrm>
+            <a:off x="6044818" y="323640"/>
+            <a:ext cx="2504822" cy="4603959"/>
+          </a:xfrm>
+          <a:prstGeom prst="rect">
+            <a:avLst/>
+          </a:prstGeom>
+          <a:noFill/>
+          <a:ln w="76200">
+            <a:solidFill>
+              <a:schemeClr val="accent4">
+                <a:lumMod val="75000"/>
+              </a:schemeClr>
+            </a:solidFill>
+          </a:ln>
+        </p:spPr>
+        <p:style>
+          <a:lnRef idx="2">
+            <a:schemeClr val="accent1">
+              <a:shade val="50000"/>
+            </a:schemeClr>
+          </a:lnRef>
+          <a:fillRef idx="1">
+            <a:schemeClr val="accent1"/>
+          </a:fillRef>
+          <a:effectRef idx="0">
+            <a:schemeClr val="accent1"/>
+          </a:effectRef>
+          <a:fontRef idx="minor">
+            <a:schemeClr val="lt1"/>
+          </a:fontRef>
+        </p:style>
+        <p:txBody>
+          <a:bodyPr rtlCol="0" anchor="ctr"/>
+          <a:lstStyle/>
+          <a:p>
+            <a:pPr algn="ctr"/>
+            <a:endParaRPr kumimoji="1" lang="ja-JP" altLang="en-US" sz="2000"/>
+          </a:p>
+        </p:txBody>
+      </p:sp>
+      <p:sp>
+        <p:nvSpPr>
+          <p:cNvPr id="98" name="正方形/長方形 97">
+            <a:extLst>
+              <a:ext uri="{FF2B5EF4-FFF2-40B4-BE49-F238E27FC236}">
+                <a16:creationId xmlns:a16="http://schemas.microsoft.com/office/drawing/2014/main" id="{78BCE53D-5BB9-9545-A27F-6C92B7AD2FA8}"/>
+              </a:ext>
+            </a:extLst>
+          </p:cNvPr>
+          <p:cNvSpPr/>
+          <p:nvPr/>
+        </p:nvSpPr>
+        <p:spPr>
+          <a:xfrm>
+            <a:off x="2487705" y="280869"/>
+            <a:ext cx="2895004" cy="6450131"/>
+          </a:xfrm>
+          <a:prstGeom prst="rect">
+            <a:avLst/>
+          </a:prstGeom>
+          <a:noFill/>
+          <a:ln w="76200">
+            <a:solidFill>
+              <a:schemeClr val="accent1">
+                <a:lumMod val="75000"/>
+              </a:schemeClr>
+            </a:solidFill>
+          </a:ln>
+        </p:spPr>
+        <p:style>
+          <a:lnRef idx="2">
+            <a:schemeClr val="accent1">
+              <a:shade val="50000"/>
+            </a:schemeClr>
+          </a:lnRef>
+          <a:fillRef idx="1">
+            <a:schemeClr val="accent1"/>
+          </a:fillRef>
+          <a:effectRef idx="0">
+            <a:schemeClr val="accent1"/>
+          </a:effectRef>
+          <a:fontRef idx="minor">
+            <a:schemeClr val="lt1"/>
+          </a:fontRef>
+        </p:style>
+        <p:txBody>
+          <a:bodyPr rtlCol="0" anchor="ctr"/>
+          <a:lstStyle/>
+          <a:p>
+            <a:pPr algn="ctr"/>
+            <a:endParaRPr kumimoji="1" lang="ja-JP" altLang="en-US" sz="2000"/>
+          </a:p>
+        </p:txBody>
+      </p:sp>
+      <p:grpSp>
+        <p:nvGrpSpPr>
+          <p:cNvPr id="100" name="グループ化 99">
+            <a:extLst>
+              <a:ext uri="{FF2B5EF4-FFF2-40B4-BE49-F238E27FC236}">
+                <a16:creationId xmlns:a16="http://schemas.microsoft.com/office/drawing/2014/main" id="{A8B2BBD6-EFBA-C646-AB4B-1230B5011464}"/>
+              </a:ext>
+            </a:extLst>
+          </p:cNvPr>
+          <p:cNvGrpSpPr/>
+          <p:nvPr/>
+        </p:nvGrpSpPr>
+        <p:grpSpPr>
+          <a:xfrm>
+            <a:off x="3062158" y="804011"/>
+            <a:ext cx="2254900" cy="814296"/>
+            <a:chOff x="783091" y="901734"/>
+            <a:chExt cx="2254900" cy="814296"/>
+          </a:xfrm>
+        </p:grpSpPr>
+        <p:sp>
+          <p:nvSpPr>
+            <p:cNvPr id="101" name="角丸四角形 100">
+              <a:extLst>
+                <a:ext uri="{FF2B5EF4-FFF2-40B4-BE49-F238E27FC236}">
+                  <a16:creationId xmlns:a16="http://schemas.microsoft.com/office/drawing/2014/main" id="{B914A628-F95D-F94D-AB5B-D40690FAFB8C}"/>
+                </a:ext>
+              </a:extLst>
+            </p:cNvPr>
+            <p:cNvSpPr/>
+            <p:nvPr/>
+          </p:nvSpPr>
+          <p:spPr>
+            <a:xfrm>
+              <a:off x="783091" y="901734"/>
+              <a:ext cx="2254900" cy="814296"/>
+            </a:xfrm>
+            <a:prstGeom prst="roundRect">
+              <a:avLst>
+                <a:gd name="adj" fmla="val 50000"/>
+              </a:avLst>
+            </a:prstGeom>
+            <a:solidFill>
+              <a:schemeClr val="accent3">
+                <a:lumMod val="40000"/>
+                <a:lumOff val="60000"/>
+              </a:schemeClr>
+            </a:solidFill>
+            <a:ln>
+              <a:noFill/>
+            </a:ln>
+          </p:spPr>
+          <p:style>
+            <a:lnRef idx="2">
+              <a:schemeClr val="accent1">
+                <a:shade val="50000"/>
+              </a:schemeClr>
+            </a:lnRef>
+            <a:fillRef idx="1">
+              <a:schemeClr val="accent1"/>
+            </a:fillRef>
+            <a:effectRef idx="0">
+              <a:schemeClr val="accent1"/>
+            </a:effectRef>
+            <a:fontRef idx="minor">
+              <a:schemeClr val="lt1"/>
+            </a:fontRef>
+          </p:style>
+          <p:txBody>
+            <a:bodyPr rtlCol="0" anchor="ctr"/>
+            <a:lstStyle/>
+            <a:p>
+              <a:pPr algn="ctr"/>
+              <a:endParaRPr kumimoji="1" lang="ja-JP" altLang="en-US" sz="2000">
+                <a:latin typeface="Hiragino Kaku Gothic Pro W3" panose="020B0300000000000000" pitchFamily="34" charset="-128"/>
+                <a:ea typeface="Hiragino Kaku Gothic Pro W3" panose="020B0300000000000000" pitchFamily="34" charset="-128"/>
+              </a:endParaRPr>
+            </a:p>
+          </p:txBody>
+        </p:sp>
+        <p:sp>
+          <p:nvSpPr>
+            <p:cNvPr id="102" name="テキスト ボックス 101">
+              <a:extLst>
+                <a:ext uri="{FF2B5EF4-FFF2-40B4-BE49-F238E27FC236}">
+                  <a16:creationId xmlns:a16="http://schemas.microsoft.com/office/drawing/2014/main" id="{ECDA8A0B-5269-9847-90DE-1D4E86FF161B}"/>
+                </a:ext>
+              </a:extLst>
+            </p:cNvPr>
+            <p:cNvSpPr txBox="1"/>
+            <p:nvPr/>
+          </p:nvSpPr>
+          <p:spPr>
+            <a:xfrm>
+              <a:off x="1510432" y="1072798"/>
+              <a:ext cx="697627" cy="400110"/>
+            </a:xfrm>
+            <a:prstGeom prst="rect">
+              <a:avLst/>
+            </a:prstGeom>
+            <a:noFill/>
+          </p:spPr>
+          <p:txBody>
+            <a:bodyPr wrap="none" rtlCol="0">
+              <a:spAutoFit/>
+            </a:bodyPr>
+            <a:lstStyle/>
+            <a:p>
+              <a:r>
+                <a:rPr kumimoji="1" lang="ja-JP" altLang="en-US" sz="2000">
+                  <a:latin typeface="Hiragino Kaku Gothic Pro W3" panose="020B0300000000000000" pitchFamily="34" charset="-128"/>
+                  <a:ea typeface="Hiragino Kaku Gothic Pro W3" panose="020B0300000000000000" pitchFamily="34" charset="-128"/>
+                </a:rPr>
+                <a:t>開始</a:t>
+              </a:r>
+            </a:p>
+          </p:txBody>
+        </p:sp>
+      </p:grpSp>
+      <p:grpSp>
+        <p:nvGrpSpPr>
+          <p:cNvPr id="103" name="グループ化 102">
+            <a:extLst>
+              <a:ext uri="{FF2B5EF4-FFF2-40B4-BE49-F238E27FC236}">
+                <a16:creationId xmlns:a16="http://schemas.microsoft.com/office/drawing/2014/main" id="{DDC9F2FA-6737-2142-B3DF-688347C497EC}"/>
+              </a:ext>
+            </a:extLst>
+          </p:cNvPr>
+          <p:cNvGrpSpPr/>
+          <p:nvPr/>
+        </p:nvGrpSpPr>
+        <p:grpSpPr>
+          <a:xfrm>
+            <a:off x="3099336" y="1879764"/>
+            <a:ext cx="2180544" cy="814296"/>
+            <a:chOff x="811487" y="1937759"/>
+            <a:chExt cx="2180544" cy="814296"/>
+          </a:xfrm>
+        </p:grpSpPr>
+        <p:sp>
+          <p:nvSpPr>
+            <p:cNvPr id="104" name="正方形/長方形 103">
+              <a:extLst>
+                <a:ext uri="{FF2B5EF4-FFF2-40B4-BE49-F238E27FC236}">
+                  <a16:creationId xmlns:a16="http://schemas.microsoft.com/office/drawing/2014/main" id="{AC37468F-1FB1-1140-B8CC-2D822C8D0B6C}"/>
+                </a:ext>
+              </a:extLst>
+            </p:cNvPr>
+            <p:cNvSpPr/>
+            <p:nvPr/>
+          </p:nvSpPr>
+          <p:spPr>
+            <a:xfrm>
+              <a:off x="811487" y="1937759"/>
+              <a:ext cx="2180544" cy="814296"/>
+            </a:xfrm>
+            <a:prstGeom prst="rect">
+              <a:avLst/>
+            </a:prstGeom>
+            <a:solidFill>
+              <a:schemeClr val="accent2">
+                <a:lumMod val="40000"/>
+                <a:lumOff val="60000"/>
+              </a:schemeClr>
+            </a:solidFill>
+            <a:ln>
+              <a:noFill/>
+            </a:ln>
+          </p:spPr>
+          <p:style>
+            <a:lnRef idx="2">
+              <a:schemeClr val="accent1">
+                <a:shade val="50000"/>
+              </a:schemeClr>
+            </a:lnRef>
+            <a:fillRef idx="1">
+              <a:schemeClr val="accent1"/>
+            </a:fillRef>
+            <a:effectRef idx="0">
+              <a:schemeClr val="accent1"/>
+            </a:effectRef>
+            <a:fontRef idx="minor">
+              <a:schemeClr val="lt1"/>
+            </a:fontRef>
+          </p:style>
+          <p:txBody>
+            <a:bodyPr rtlCol="0" anchor="ctr"/>
+            <a:lstStyle/>
+            <a:p>
+              <a:pPr algn="ctr"/>
+              <a:endParaRPr kumimoji="1" lang="ja-JP" altLang="en-US" sz="2000"/>
+            </a:p>
+          </p:txBody>
+        </p:sp>
+        <p:sp>
+          <p:nvSpPr>
+            <p:cNvPr id="105" name="テキスト ボックス 104">
+              <a:extLst>
+                <a:ext uri="{FF2B5EF4-FFF2-40B4-BE49-F238E27FC236}">
+                  <a16:creationId xmlns:a16="http://schemas.microsoft.com/office/drawing/2014/main" id="{6699AC69-298C-CE4A-8D90-B8DF3781D514}"/>
+                </a:ext>
+              </a:extLst>
+            </p:cNvPr>
+            <p:cNvSpPr txBox="1"/>
+            <p:nvPr/>
+          </p:nvSpPr>
+          <p:spPr>
+            <a:xfrm>
+              <a:off x="833999" y="1990964"/>
+              <a:ext cx="2135521" cy="707886"/>
+            </a:xfrm>
+            <a:prstGeom prst="rect">
+              <a:avLst/>
+            </a:prstGeom>
+            <a:noFill/>
+          </p:spPr>
+          <p:txBody>
+            <a:bodyPr wrap="none" rtlCol="0">
+              <a:spAutoFit/>
+            </a:bodyPr>
+            <a:lstStyle/>
+            <a:p>
+              <a:r>
+                <a:rPr lang="en-US" altLang="ja-JP" sz="2000" dirty="0">
+                  <a:latin typeface="Hiragino Kaku Gothic Pro W3" panose="020B0300000000000000" pitchFamily="34" charset="-128"/>
+                  <a:ea typeface="Hiragino Kaku Gothic Pro W3" panose="020B0300000000000000" pitchFamily="34" charset="-128"/>
+                </a:rPr>
+                <a:t>Canvas</a:t>
+              </a:r>
+              <a:r>
+                <a:rPr lang="ja-JP" altLang="en-US" sz="2000">
+                  <a:latin typeface="Hiragino Kaku Gothic Pro W3" panose="020B0300000000000000" pitchFamily="34" charset="-128"/>
+                  <a:ea typeface="Hiragino Kaku Gothic Pro W3" panose="020B0300000000000000" pitchFamily="34" charset="-128"/>
+                </a:rPr>
+                <a:t>要素取得</a:t>
+              </a:r>
+              <a:endParaRPr lang="en-US" altLang="ja-JP" sz="2000" dirty="0">
+                <a:latin typeface="Hiragino Kaku Gothic Pro W3" panose="020B0300000000000000" pitchFamily="34" charset="-128"/>
+                <a:ea typeface="Hiragino Kaku Gothic Pro W3" panose="020B0300000000000000" pitchFamily="34" charset="-128"/>
+              </a:endParaRPr>
+            </a:p>
+            <a:p>
+              <a:r>
+                <a:rPr lang="en-US" altLang="ja-JP" sz="2000" dirty="0">
+                  <a:latin typeface="Hiragino Kaku Gothic Pro W3" panose="020B0300000000000000" pitchFamily="34" charset="-128"/>
+                  <a:ea typeface="Hiragino Kaku Gothic Pro W3" panose="020B0300000000000000" pitchFamily="34" charset="-128"/>
+                </a:rPr>
+                <a:t>worker</a:t>
+              </a:r>
+              <a:r>
+                <a:rPr lang="ja-JP" altLang="en-US" sz="2000">
+                  <a:latin typeface="Hiragino Kaku Gothic Pro W3" panose="020B0300000000000000" pitchFamily="34" charset="-128"/>
+                  <a:ea typeface="Hiragino Kaku Gothic Pro W3" panose="020B0300000000000000" pitchFamily="34" charset="-128"/>
+                </a:rPr>
+                <a:t>作成</a:t>
+              </a:r>
+              <a:endParaRPr lang="en-US" altLang="ja-JP" sz="2000" dirty="0">
+                <a:latin typeface="Hiragino Kaku Gothic Pro W3" panose="020B0300000000000000" pitchFamily="34" charset="-128"/>
+                <a:ea typeface="Hiragino Kaku Gothic Pro W3" panose="020B0300000000000000" pitchFamily="34" charset="-128"/>
+              </a:endParaRPr>
+            </a:p>
+          </p:txBody>
+        </p:sp>
+      </p:grpSp>
+      <p:grpSp>
+        <p:nvGrpSpPr>
+          <p:cNvPr id="106" name="グループ化 105">
+            <a:extLst>
+              <a:ext uri="{FF2B5EF4-FFF2-40B4-BE49-F238E27FC236}">
+                <a16:creationId xmlns:a16="http://schemas.microsoft.com/office/drawing/2014/main" id="{F05DC684-6048-F741-84CC-F10FD6288254}"/>
+              </a:ext>
+            </a:extLst>
+          </p:cNvPr>
+          <p:cNvGrpSpPr/>
+          <p:nvPr/>
+        </p:nvGrpSpPr>
+        <p:grpSpPr>
+          <a:xfrm>
+            <a:off x="3099336" y="2955517"/>
+            <a:ext cx="2180544" cy="814296"/>
+            <a:chOff x="820269" y="4050756"/>
+            <a:chExt cx="2180544" cy="814296"/>
+          </a:xfrm>
+        </p:grpSpPr>
+        <p:sp>
+          <p:nvSpPr>
+            <p:cNvPr id="107" name="正方形/長方形 106">
+              <a:extLst>
+                <a:ext uri="{FF2B5EF4-FFF2-40B4-BE49-F238E27FC236}">
+                  <a16:creationId xmlns:a16="http://schemas.microsoft.com/office/drawing/2014/main" id="{59972133-777E-4945-AD57-2C0AD143E4C5}"/>
+                </a:ext>
+              </a:extLst>
+            </p:cNvPr>
+            <p:cNvSpPr/>
+            <p:nvPr/>
+          </p:nvSpPr>
+          <p:spPr>
+            <a:xfrm>
+              <a:off x="820269" y="4050756"/>
+              <a:ext cx="2180544" cy="814296"/>
+            </a:xfrm>
+            <a:prstGeom prst="rect">
+              <a:avLst/>
+            </a:prstGeom>
+            <a:solidFill>
+              <a:schemeClr val="accent2">
+                <a:lumMod val="40000"/>
+                <a:lumOff val="60000"/>
+              </a:schemeClr>
+            </a:solidFill>
+            <a:ln>
+              <a:noFill/>
+            </a:ln>
+          </p:spPr>
+          <p:style>
+            <a:lnRef idx="2">
+              <a:schemeClr val="accent1">
+                <a:shade val="50000"/>
+              </a:schemeClr>
+            </a:lnRef>
+            <a:fillRef idx="1">
+              <a:schemeClr val="accent1"/>
+            </a:fillRef>
+            <a:effectRef idx="0">
+              <a:schemeClr val="accent1"/>
+            </a:effectRef>
+            <a:fontRef idx="minor">
+              <a:schemeClr val="lt1"/>
+            </a:fontRef>
+          </p:style>
+          <p:txBody>
+            <a:bodyPr rtlCol="0" anchor="ctr"/>
+            <a:lstStyle/>
+            <a:p>
+              <a:pPr algn="ctr"/>
+              <a:endParaRPr kumimoji="1" lang="ja-JP" altLang="en-US" sz="2000"/>
+            </a:p>
+          </p:txBody>
+        </p:sp>
+        <p:sp>
+          <p:nvSpPr>
+            <p:cNvPr id="108" name="テキスト ボックス 107">
+              <a:extLst>
+                <a:ext uri="{FF2B5EF4-FFF2-40B4-BE49-F238E27FC236}">
+                  <a16:creationId xmlns:a16="http://schemas.microsoft.com/office/drawing/2014/main" id="{ACFBB38C-FD8B-BB49-A00A-5CF78E514BEB}"/>
+                </a:ext>
+              </a:extLst>
+            </p:cNvPr>
+            <p:cNvSpPr txBox="1"/>
+            <p:nvPr/>
+          </p:nvSpPr>
+          <p:spPr>
+            <a:xfrm>
+              <a:off x="1048767" y="4257849"/>
+              <a:ext cx="1723549" cy="400110"/>
+            </a:xfrm>
+            <a:prstGeom prst="rect">
+              <a:avLst/>
+            </a:prstGeom>
+            <a:noFill/>
+          </p:spPr>
+          <p:txBody>
+            <a:bodyPr wrap="none" rtlCol="0">
+              <a:spAutoFit/>
+            </a:bodyPr>
+            <a:lstStyle/>
+            <a:p>
+              <a:r>
+                <a:rPr lang="ja-JP" altLang="en-US" sz="2000">
+                  <a:latin typeface="Hiragino Kaku Gothic Pro W3" panose="020B0300000000000000" pitchFamily="34" charset="-128"/>
+                  <a:ea typeface="Hiragino Kaku Gothic Pro W3" panose="020B0300000000000000" pitchFamily="34" charset="-128"/>
+                </a:rPr>
+                <a:t>同期信号送信</a:t>
+              </a:r>
+              <a:endParaRPr lang="en-US" altLang="ja-JP" sz="2000" dirty="0">
+                <a:latin typeface="Hiragino Kaku Gothic Pro W3" panose="020B0300000000000000" pitchFamily="34" charset="-128"/>
+                <a:ea typeface="Hiragino Kaku Gothic Pro W3" panose="020B0300000000000000" pitchFamily="34" charset="-128"/>
+              </a:endParaRPr>
+            </a:p>
+          </p:txBody>
+        </p:sp>
+      </p:grpSp>
+      <p:grpSp>
+        <p:nvGrpSpPr>
+          <p:cNvPr id="111" name="グループ化 110">
+            <a:extLst>
+              <a:ext uri="{FF2B5EF4-FFF2-40B4-BE49-F238E27FC236}">
+                <a16:creationId xmlns:a16="http://schemas.microsoft.com/office/drawing/2014/main" id="{5B204E84-3DA6-3E49-BED2-833BE785AEE9}"/>
+              </a:ext>
+            </a:extLst>
+          </p:cNvPr>
+          <p:cNvGrpSpPr/>
+          <p:nvPr/>
+        </p:nvGrpSpPr>
+        <p:grpSpPr>
+          <a:xfrm>
+            <a:off x="6239068" y="1100204"/>
+            <a:ext cx="2180544" cy="814296"/>
+            <a:chOff x="818925" y="1937759"/>
+            <a:chExt cx="2180544" cy="814296"/>
+          </a:xfrm>
+        </p:grpSpPr>
+        <p:sp>
+          <p:nvSpPr>
+            <p:cNvPr id="112" name="正方形/長方形 111">
+              <a:extLst>
+                <a:ext uri="{FF2B5EF4-FFF2-40B4-BE49-F238E27FC236}">
+                  <a16:creationId xmlns:a16="http://schemas.microsoft.com/office/drawing/2014/main" id="{FB5ACDC0-A639-6E45-BD28-9C35252F37F5}"/>
+                </a:ext>
+              </a:extLst>
+            </p:cNvPr>
+            <p:cNvSpPr/>
+            <p:nvPr/>
+          </p:nvSpPr>
+          <p:spPr>
+            <a:xfrm>
+              <a:off x="818925" y="1937759"/>
+              <a:ext cx="2180544" cy="814296"/>
+            </a:xfrm>
+            <a:prstGeom prst="rect">
+              <a:avLst/>
+            </a:prstGeom>
+            <a:solidFill>
+              <a:schemeClr val="accent2">
+                <a:lumMod val="40000"/>
+                <a:lumOff val="60000"/>
+              </a:schemeClr>
+            </a:solidFill>
+            <a:ln>
+              <a:noFill/>
+            </a:ln>
+          </p:spPr>
+          <p:style>
+            <a:lnRef idx="2">
+              <a:schemeClr val="accent1">
+                <a:shade val="50000"/>
+              </a:schemeClr>
+            </a:lnRef>
+            <a:fillRef idx="1">
+              <a:schemeClr val="accent1"/>
+            </a:fillRef>
+            <a:effectRef idx="0">
+              <a:schemeClr val="accent1"/>
+            </a:effectRef>
+            <a:fontRef idx="minor">
+              <a:schemeClr val="lt1"/>
+            </a:fontRef>
+          </p:style>
+          <p:txBody>
+            <a:bodyPr rtlCol="0" anchor="ctr"/>
+            <a:lstStyle/>
+            <a:p>
+              <a:pPr algn="ctr"/>
+              <a:endParaRPr kumimoji="1" lang="ja-JP" altLang="en-US" sz="2000"/>
+            </a:p>
+          </p:txBody>
+        </p:sp>
+        <p:sp>
+          <p:nvSpPr>
+            <p:cNvPr id="113" name="テキスト ボックス 112">
+              <a:extLst>
+                <a:ext uri="{FF2B5EF4-FFF2-40B4-BE49-F238E27FC236}">
+                  <a16:creationId xmlns:a16="http://schemas.microsoft.com/office/drawing/2014/main" id="{5C982D5A-14D0-954A-90A6-5E0D4626A362}"/>
+                </a:ext>
+              </a:extLst>
+            </p:cNvPr>
+            <p:cNvSpPr txBox="1"/>
+            <p:nvPr/>
+          </p:nvSpPr>
+          <p:spPr>
+            <a:xfrm>
+              <a:off x="1047423" y="2144852"/>
+              <a:ext cx="1723549" cy="400110"/>
+            </a:xfrm>
+            <a:prstGeom prst="rect">
+              <a:avLst/>
+            </a:prstGeom>
+            <a:noFill/>
+          </p:spPr>
+          <p:txBody>
+            <a:bodyPr wrap="none" rtlCol="0">
+              <a:spAutoFit/>
+            </a:bodyPr>
+            <a:lstStyle/>
+            <a:p>
+              <a:r>
+                <a:rPr lang="ja-JP" altLang="en-US" sz="2000">
+                  <a:latin typeface="Hiragino Kaku Gothic Pro W3" panose="020B0300000000000000" pitchFamily="34" charset="-128"/>
+                  <a:ea typeface="Hiragino Kaku Gothic Pro W3" panose="020B0300000000000000" pitchFamily="34" charset="-128"/>
+                </a:rPr>
+                <a:t>同期信号受信</a:t>
+              </a:r>
+              <a:endParaRPr lang="en-US" altLang="ja-JP" sz="2000" dirty="0">
+                <a:latin typeface="Hiragino Kaku Gothic Pro W3" panose="020B0300000000000000" pitchFamily="34" charset="-128"/>
+                <a:ea typeface="Hiragino Kaku Gothic Pro W3" panose="020B0300000000000000" pitchFamily="34" charset="-128"/>
+              </a:endParaRPr>
+            </a:p>
+          </p:txBody>
+        </p:sp>
+      </p:grpSp>
+      <p:grpSp>
+        <p:nvGrpSpPr>
+          <p:cNvPr id="114" name="グループ化 113">
+            <a:extLst>
+              <a:ext uri="{FF2B5EF4-FFF2-40B4-BE49-F238E27FC236}">
+                <a16:creationId xmlns:a16="http://schemas.microsoft.com/office/drawing/2014/main" id="{DE5C5A0B-F702-944B-B088-8DEB4962601E}"/>
+              </a:ext>
+            </a:extLst>
+          </p:cNvPr>
+          <p:cNvGrpSpPr/>
+          <p:nvPr/>
+        </p:nvGrpSpPr>
+        <p:grpSpPr>
+          <a:xfrm>
+            <a:off x="6240412" y="2442437"/>
+            <a:ext cx="2180544" cy="814296"/>
+            <a:chOff x="820269" y="3002608"/>
+            <a:chExt cx="2180544" cy="814296"/>
+          </a:xfrm>
+        </p:grpSpPr>
+        <p:sp>
+          <p:nvSpPr>
+            <p:cNvPr id="115" name="正方形/長方形 114">
+              <a:extLst>
+                <a:ext uri="{FF2B5EF4-FFF2-40B4-BE49-F238E27FC236}">
+                  <a16:creationId xmlns:a16="http://schemas.microsoft.com/office/drawing/2014/main" id="{ED0C3407-8A28-114A-A942-457316D05404}"/>
+                </a:ext>
+              </a:extLst>
+            </p:cNvPr>
+            <p:cNvSpPr/>
+            <p:nvPr/>
+          </p:nvSpPr>
+          <p:spPr>
+            <a:xfrm>
+              <a:off x="820269" y="3002608"/>
+              <a:ext cx="2180544" cy="814296"/>
+            </a:xfrm>
+            <a:prstGeom prst="rect">
+              <a:avLst/>
+            </a:prstGeom>
+            <a:solidFill>
+              <a:schemeClr val="accent6">
+                <a:lumMod val="40000"/>
+                <a:lumOff val="60000"/>
+              </a:schemeClr>
+            </a:solidFill>
+            <a:ln>
+              <a:noFill/>
+            </a:ln>
+          </p:spPr>
+          <p:style>
+            <a:lnRef idx="2">
+              <a:schemeClr val="accent1">
+                <a:shade val="50000"/>
+              </a:schemeClr>
+            </a:lnRef>
+            <a:fillRef idx="1">
+              <a:schemeClr val="accent1"/>
+            </a:fillRef>
+            <a:effectRef idx="0">
+              <a:schemeClr val="accent1"/>
+            </a:effectRef>
+            <a:fontRef idx="minor">
+              <a:schemeClr val="lt1"/>
+            </a:fontRef>
+          </p:style>
+          <p:txBody>
+            <a:bodyPr rtlCol="0" anchor="ctr"/>
+            <a:lstStyle/>
+            <a:p>
+              <a:pPr algn="ctr"/>
+              <a:endParaRPr kumimoji="1" lang="ja-JP" altLang="en-US" sz="2000"/>
+            </a:p>
+          </p:txBody>
+        </p:sp>
+        <p:sp>
+          <p:nvSpPr>
+            <p:cNvPr id="116" name="テキスト ボックス 115">
+              <a:extLst>
+                <a:ext uri="{FF2B5EF4-FFF2-40B4-BE49-F238E27FC236}">
+                  <a16:creationId xmlns:a16="http://schemas.microsoft.com/office/drawing/2014/main" id="{9A68A31C-4B77-9244-9530-BDF0479D72DC}"/>
+                </a:ext>
+              </a:extLst>
+            </p:cNvPr>
+            <p:cNvSpPr txBox="1"/>
+            <p:nvPr/>
+          </p:nvSpPr>
+          <p:spPr>
+            <a:xfrm>
+              <a:off x="1561727" y="3215947"/>
+              <a:ext cx="697627" cy="400110"/>
+            </a:xfrm>
+            <a:prstGeom prst="rect">
+              <a:avLst/>
+            </a:prstGeom>
+            <a:noFill/>
+          </p:spPr>
+          <p:txBody>
+            <a:bodyPr wrap="none" rtlCol="0">
+              <a:spAutoFit/>
+            </a:bodyPr>
+            <a:lstStyle/>
+            <a:p>
+              <a:r>
+                <a:rPr kumimoji="1" lang="ja-JP" altLang="en-US" sz="2000">
+                  <a:latin typeface="Hiragino Kaku Gothic Pro W3" panose="020B0300000000000000" pitchFamily="34" charset="-128"/>
+                  <a:ea typeface="Hiragino Kaku Gothic Pro W3" panose="020B0300000000000000" pitchFamily="34" charset="-128"/>
+                </a:rPr>
+                <a:t>演算</a:t>
+              </a:r>
+            </a:p>
+          </p:txBody>
+        </p:sp>
+      </p:grpSp>
+      <p:grpSp>
+        <p:nvGrpSpPr>
+          <p:cNvPr id="117" name="グループ化 116">
+            <a:extLst>
+              <a:ext uri="{FF2B5EF4-FFF2-40B4-BE49-F238E27FC236}">
+                <a16:creationId xmlns:a16="http://schemas.microsoft.com/office/drawing/2014/main" id="{791C54CE-555B-234D-BF8E-8AA81A531CD3}"/>
+              </a:ext>
+            </a:extLst>
+          </p:cNvPr>
+          <p:cNvGrpSpPr/>
+          <p:nvPr/>
+        </p:nvGrpSpPr>
+        <p:grpSpPr>
+          <a:xfrm>
+            <a:off x="3099336" y="5437219"/>
+            <a:ext cx="2180544" cy="814296"/>
+            <a:chOff x="820269" y="4050756"/>
+            <a:chExt cx="2180544" cy="814296"/>
+          </a:xfrm>
+        </p:grpSpPr>
+        <p:sp>
+          <p:nvSpPr>
+            <p:cNvPr id="118" name="正方形/長方形 117">
+              <a:extLst>
+                <a:ext uri="{FF2B5EF4-FFF2-40B4-BE49-F238E27FC236}">
+                  <a16:creationId xmlns:a16="http://schemas.microsoft.com/office/drawing/2014/main" id="{4F0719E1-24EA-944E-A198-76E6CBF72A2E}"/>
+                </a:ext>
+              </a:extLst>
+            </p:cNvPr>
+            <p:cNvSpPr/>
+            <p:nvPr/>
+          </p:nvSpPr>
+          <p:spPr>
+            <a:xfrm>
+              <a:off x="820269" y="4050756"/>
+              <a:ext cx="2180544" cy="814296"/>
+            </a:xfrm>
+            <a:prstGeom prst="rect">
+              <a:avLst/>
+            </a:prstGeom>
+            <a:solidFill>
+              <a:schemeClr val="accent6">
+                <a:lumMod val="40000"/>
+                <a:lumOff val="60000"/>
+              </a:schemeClr>
+            </a:solidFill>
+            <a:ln>
+              <a:noFill/>
+            </a:ln>
+          </p:spPr>
+          <p:style>
+            <a:lnRef idx="2">
+              <a:schemeClr val="accent1">
+                <a:shade val="50000"/>
+              </a:schemeClr>
+            </a:lnRef>
+            <a:fillRef idx="1">
+              <a:schemeClr val="accent1"/>
+            </a:fillRef>
+            <a:effectRef idx="0">
+              <a:schemeClr val="accent1"/>
+            </a:effectRef>
+            <a:fontRef idx="minor">
+              <a:schemeClr val="lt1"/>
+            </a:fontRef>
+          </p:style>
+          <p:txBody>
+            <a:bodyPr rtlCol="0" anchor="ctr"/>
+            <a:lstStyle/>
+            <a:p>
+              <a:pPr algn="ctr"/>
+              <a:endParaRPr kumimoji="1" lang="ja-JP" altLang="en-US" sz="2000"/>
+            </a:p>
+          </p:txBody>
+        </p:sp>
+        <p:sp>
+          <p:nvSpPr>
+            <p:cNvPr id="119" name="テキスト ボックス 118">
+              <a:extLst>
+                <a:ext uri="{FF2B5EF4-FFF2-40B4-BE49-F238E27FC236}">
+                  <a16:creationId xmlns:a16="http://schemas.microsoft.com/office/drawing/2014/main" id="{0CD1A0C7-A38C-3345-9790-EA31AE3C8BC9}"/>
+                </a:ext>
+              </a:extLst>
+            </p:cNvPr>
+            <p:cNvSpPr txBox="1"/>
+            <p:nvPr/>
+          </p:nvSpPr>
+          <p:spPr>
+            <a:xfrm>
+              <a:off x="1536527" y="4254157"/>
+              <a:ext cx="697627" cy="400110"/>
+            </a:xfrm>
+            <a:prstGeom prst="rect">
+              <a:avLst/>
+            </a:prstGeom>
+            <a:noFill/>
+          </p:spPr>
+          <p:txBody>
+            <a:bodyPr wrap="none" rtlCol="0">
+              <a:spAutoFit/>
+            </a:bodyPr>
+            <a:lstStyle/>
+            <a:p>
+              <a:r>
+                <a:rPr lang="ja-JP" altLang="en-US" sz="2000">
+                  <a:latin typeface="Hiragino Kaku Gothic Pro W3" panose="020B0300000000000000" pitchFamily="34" charset="-128"/>
+                  <a:ea typeface="Hiragino Kaku Gothic Pro W3" panose="020B0300000000000000" pitchFamily="34" charset="-128"/>
+                </a:rPr>
+                <a:t>描画</a:t>
+              </a:r>
+              <a:endParaRPr lang="en-US" altLang="ja-JP" sz="2000" dirty="0">
+                <a:latin typeface="Hiragino Kaku Gothic Pro W3" panose="020B0300000000000000" pitchFamily="34" charset="-128"/>
+                <a:ea typeface="Hiragino Kaku Gothic Pro W3" panose="020B0300000000000000" pitchFamily="34" charset="-128"/>
+              </a:endParaRPr>
+            </a:p>
+          </p:txBody>
+        </p:sp>
+      </p:grpSp>
+      <p:grpSp>
+        <p:nvGrpSpPr>
+          <p:cNvPr id="13" name="グループ化 12">
+            <a:extLst>
+              <a:ext uri="{FF2B5EF4-FFF2-40B4-BE49-F238E27FC236}">
+                <a16:creationId xmlns:a16="http://schemas.microsoft.com/office/drawing/2014/main" id="{70274456-B874-E241-92D8-C1EE18064AE9}"/>
+              </a:ext>
+            </a:extLst>
+          </p:cNvPr>
+          <p:cNvGrpSpPr/>
+          <p:nvPr/>
+        </p:nvGrpSpPr>
+        <p:grpSpPr>
+          <a:xfrm>
+            <a:off x="6231268" y="3784672"/>
+            <a:ext cx="2180544" cy="814296"/>
+            <a:chOff x="3597796" y="3774204"/>
+            <a:chExt cx="2180544" cy="814296"/>
+          </a:xfrm>
+        </p:grpSpPr>
+        <p:sp>
+          <p:nvSpPr>
+            <p:cNvPr id="124" name="正方形/長方形 123">
+              <a:extLst>
+                <a:ext uri="{FF2B5EF4-FFF2-40B4-BE49-F238E27FC236}">
+                  <a16:creationId xmlns:a16="http://schemas.microsoft.com/office/drawing/2014/main" id="{50462E85-E700-8B4B-8819-29407BDB5951}"/>
+                </a:ext>
+              </a:extLst>
+            </p:cNvPr>
+            <p:cNvSpPr/>
+            <p:nvPr/>
+          </p:nvSpPr>
+          <p:spPr>
+            <a:xfrm>
+              <a:off x="3597796" y="3774204"/>
+              <a:ext cx="2180544" cy="814296"/>
+            </a:xfrm>
+            <a:prstGeom prst="rect">
+              <a:avLst/>
+            </a:prstGeom>
+            <a:solidFill>
+              <a:schemeClr val="accent2">
+                <a:lumMod val="40000"/>
+                <a:lumOff val="60000"/>
+              </a:schemeClr>
+            </a:solidFill>
+            <a:ln>
+              <a:noFill/>
+            </a:ln>
+          </p:spPr>
+          <p:style>
+            <a:lnRef idx="2">
+              <a:schemeClr val="accent1">
+                <a:shade val="50000"/>
+              </a:schemeClr>
+            </a:lnRef>
+            <a:fillRef idx="1">
+              <a:schemeClr val="accent1"/>
+            </a:fillRef>
+            <a:effectRef idx="0">
+              <a:schemeClr val="accent1"/>
+            </a:effectRef>
+            <a:fontRef idx="minor">
+              <a:schemeClr val="lt1"/>
+            </a:fontRef>
+          </p:style>
+          <p:txBody>
+            <a:bodyPr rtlCol="0" anchor="ctr"/>
+            <a:lstStyle/>
+            <a:p>
+              <a:pPr algn="ctr"/>
+              <a:endParaRPr kumimoji="1" lang="ja-JP" altLang="en-US" sz="2000"/>
+            </a:p>
+          </p:txBody>
+        </p:sp>
+        <p:sp>
+          <p:nvSpPr>
+            <p:cNvPr id="125" name="テキスト ボックス 124">
+              <a:extLst>
+                <a:ext uri="{FF2B5EF4-FFF2-40B4-BE49-F238E27FC236}">
+                  <a16:creationId xmlns:a16="http://schemas.microsoft.com/office/drawing/2014/main" id="{5A3B0281-327A-3344-92E3-23DAC1498BE1}"/>
+                </a:ext>
+              </a:extLst>
+            </p:cNvPr>
+            <p:cNvSpPr txBox="1"/>
+            <p:nvPr/>
+          </p:nvSpPr>
+          <p:spPr>
+            <a:xfrm>
+              <a:off x="4082774" y="3981297"/>
+              <a:ext cx="1210588" cy="400110"/>
+            </a:xfrm>
+            <a:prstGeom prst="rect">
+              <a:avLst/>
+            </a:prstGeom>
+            <a:noFill/>
+          </p:spPr>
+          <p:txBody>
+            <a:bodyPr wrap="none" rtlCol="0">
+              <a:spAutoFit/>
+            </a:bodyPr>
+            <a:lstStyle/>
+            <a:p>
+              <a:r>
+                <a:rPr lang="ja-JP" altLang="en-US" sz="2000">
+                  <a:latin typeface="Hiragino Kaku Gothic Pro W3" panose="020B0300000000000000" pitchFamily="34" charset="-128"/>
+                  <a:ea typeface="Hiragino Kaku Gothic Pro W3" panose="020B0300000000000000" pitchFamily="34" charset="-128"/>
+                </a:rPr>
+                <a:t>結果送信</a:t>
+              </a:r>
+              <a:endParaRPr lang="en-US" altLang="ja-JP" sz="2000" dirty="0">
+                <a:latin typeface="Hiragino Kaku Gothic Pro W3" panose="020B0300000000000000" pitchFamily="34" charset="-128"/>
+                <a:ea typeface="Hiragino Kaku Gothic Pro W3" panose="020B0300000000000000" pitchFamily="34" charset="-128"/>
+              </a:endParaRPr>
+            </a:p>
+          </p:txBody>
+        </p:sp>
+      </p:grpSp>
+      <p:grpSp>
+        <p:nvGrpSpPr>
+          <p:cNvPr id="126" name="グループ化 125">
+            <a:extLst>
+              <a:ext uri="{FF2B5EF4-FFF2-40B4-BE49-F238E27FC236}">
+                <a16:creationId xmlns:a16="http://schemas.microsoft.com/office/drawing/2014/main" id="{F644E7AB-A25A-6C4C-AF9B-98BE5A546A77}"/>
+              </a:ext>
+            </a:extLst>
+          </p:cNvPr>
+          <p:cNvGrpSpPr/>
+          <p:nvPr/>
+        </p:nvGrpSpPr>
+        <p:grpSpPr>
+          <a:xfrm>
+            <a:off x="3099336" y="4278920"/>
+            <a:ext cx="2180544" cy="814296"/>
+            <a:chOff x="820269" y="4050756"/>
+            <a:chExt cx="2180544" cy="814296"/>
+          </a:xfrm>
+        </p:grpSpPr>
+        <p:sp>
+          <p:nvSpPr>
+            <p:cNvPr id="127" name="正方形/長方形 126">
+              <a:extLst>
+                <a:ext uri="{FF2B5EF4-FFF2-40B4-BE49-F238E27FC236}">
+                  <a16:creationId xmlns:a16="http://schemas.microsoft.com/office/drawing/2014/main" id="{839002A4-6D7A-6E43-8295-6DEF7757DAEF}"/>
+                </a:ext>
+              </a:extLst>
+            </p:cNvPr>
+            <p:cNvSpPr/>
+            <p:nvPr/>
+          </p:nvSpPr>
+          <p:spPr>
+            <a:xfrm>
+              <a:off x="820269" y="4050756"/>
+              <a:ext cx="2180544" cy="814296"/>
+            </a:xfrm>
+            <a:prstGeom prst="rect">
+              <a:avLst/>
+            </a:prstGeom>
+            <a:solidFill>
+              <a:schemeClr val="accent2">
+                <a:lumMod val="40000"/>
+                <a:lumOff val="60000"/>
+              </a:schemeClr>
+            </a:solidFill>
+            <a:ln>
+              <a:noFill/>
+            </a:ln>
+          </p:spPr>
+          <p:style>
+            <a:lnRef idx="2">
+              <a:schemeClr val="accent1">
+                <a:shade val="50000"/>
+              </a:schemeClr>
+            </a:lnRef>
+            <a:fillRef idx="1">
+              <a:schemeClr val="accent1"/>
+            </a:fillRef>
+            <a:effectRef idx="0">
+              <a:schemeClr val="accent1"/>
+            </a:effectRef>
+            <a:fontRef idx="minor">
+              <a:schemeClr val="lt1"/>
+            </a:fontRef>
+          </p:style>
+          <p:txBody>
+            <a:bodyPr rtlCol="0" anchor="ctr"/>
+            <a:lstStyle/>
+            <a:p>
+              <a:pPr algn="ctr"/>
+              <a:endParaRPr kumimoji="1" lang="ja-JP" altLang="en-US" sz="2000"/>
+            </a:p>
+          </p:txBody>
+        </p:sp>
+        <p:sp>
+          <p:nvSpPr>
+            <p:cNvPr id="128" name="テキスト ボックス 127">
+              <a:extLst>
+                <a:ext uri="{FF2B5EF4-FFF2-40B4-BE49-F238E27FC236}">
+                  <a16:creationId xmlns:a16="http://schemas.microsoft.com/office/drawing/2014/main" id="{641C97D3-A989-404F-9302-C740C92DF87B}"/>
+                </a:ext>
+              </a:extLst>
+            </p:cNvPr>
+            <p:cNvSpPr txBox="1"/>
+            <p:nvPr/>
+          </p:nvSpPr>
+          <p:spPr>
+            <a:xfrm>
+              <a:off x="1305247" y="4257849"/>
+              <a:ext cx="1210588" cy="400110"/>
+            </a:xfrm>
+            <a:prstGeom prst="rect">
+              <a:avLst/>
+            </a:prstGeom>
+            <a:noFill/>
+          </p:spPr>
+          <p:txBody>
+            <a:bodyPr wrap="none" rtlCol="0">
+              <a:spAutoFit/>
+            </a:bodyPr>
+            <a:lstStyle/>
+            <a:p>
+              <a:r>
+                <a:rPr lang="ja-JP" altLang="en-US" sz="2000">
+                  <a:latin typeface="Hiragino Kaku Gothic Pro W3" panose="020B0300000000000000" pitchFamily="34" charset="-128"/>
+                  <a:ea typeface="Hiragino Kaku Gothic Pro W3" panose="020B0300000000000000" pitchFamily="34" charset="-128"/>
+                </a:rPr>
+                <a:t>結果受信</a:t>
+              </a:r>
+              <a:endParaRPr lang="en-US" altLang="ja-JP" sz="2000" dirty="0">
+                <a:latin typeface="Hiragino Kaku Gothic Pro W3" panose="020B0300000000000000" pitchFamily="34" charset="-128"/>
+                <a:ea typeface="Hiragino Kaku Gothic Pro W3" panose="020B0300000000000000" pitchFamily="34" charset="-128"/>
+              </a:endParaRPr>
+            </a:p>
+          </p:txBody>
+        </p:sp>
+      </p:grpSp>
+      <p:sp>
+        <p:nvSpPr>
+          <p:cNvPr id="39" name="下矢印 38">
+            <a:extLst>
+              <a:ext uri="{FF2B5EF4-FFF2-40B4-BE49-F238E27FC236}">
+                <a16:creationId xmlns:a16="http://schemas.microsoft.com/office/drawing/2014/main" id="{DF31C4DA-FF92-8D44-A83E-E7E4484C46A9}"/>
+              </a:ext>
+            </a:extLst>
+          </p:cNvPr>
+          <p:cNvSpPr/>
+          <p:nvPr/>
+        </p:nvSpPr>
+        <p:spPr>
+          <a:xfrm>
+            <a:off x="4019926" y="1613488"/>
+            <a:ext cx="339365" cy="271095"/>
+          </a:xfrm>
+          <a:prstGeom prst="downArrow">
+            <a:avLst/>
+          </a:prstGeom>
+          <a:solidFill>
+            <a:schemeClr val="tx1">
+              <a:lumMod val="85000"/>
+              <a:lumOff val="15000"/>
+            </a:schemeClr>
+          </a:solidFill>
+          <a:ln>
+            <a:noFill/>
+          </a:ln>
+        </p:spPr>
+        <p:style>
+          <a:lnRef idx="2">
+            <a:schemeClr val="accent1">
+              <a:shade val="50000"/>
+            </a:schemeClr>
+          </a:lnRef>
+          <a:fillRef idx="1">
+            <a:schemeClr val="accent1"/>
+          </a:fillRef>
+          <a:effectRef idx="0">
+            <a:schemeClr val="accent1"/>
+          </a:effectRef>
+          <a:fontRef idx="minor">
+            <a:schemeClr val="lt1"/>
+          </a:fontRef>
+        </p:style>
+        <p:txBody>
+          <a:bodyPr rtlCol="0" anchor="ctr"/>
+          <a:lstStyle/>
+          <a:p>
+            <a:pPr algn="ctr"/>
+            <a:endParaRPr kumimoji="1" lang="ja-JP" altLang="en-US"/>
+          </a:p>
+        </p:txBody>
+      </p:sp>
+      <p:sp>
+        <p:nvSpPr>
+          <p:cNvPr id="40" name="下矢印 39">
+            <a:extLst>
+              <a:ext uri="{FF2B5EF4-FFF2-40B4-BE49-F238E27FC236}">
+                <a16:creationId xmlns:a16="http://schemas.microsoft.com/office/drawing/2014/main" id="{DDABA8EB-6096-C048-9D9F-E17E9E8E5D76}"/>
+              </a:ext>
+            </a:extLst>
+          </p:cNvPr>
+          <p:cNvSpPr/>
+          <p:nvPr/>
+        </p:nvSpPr>
+        <p:spPr>
+          <a:xfrm>
+            <a:off x="4019926" y="2701941"/>
+            <a:ext cx="339365" cy="271095"/>
+          </a:xfrm>
+          <a:prstGeom prst="downArrow">
+            <a:avLst/>
+          </a:prstGeom>
+          <a:solidFill>
+            <a:schemeClr val="tx1">
+              <a:lumMod val="85000"/>
+              <a:lumOff val="15000"/>
+            </a:schemeClr>
+          </a:solidFill>
+          <a:ln>
+            <a:noFill/>
+          </a:ln>
+        </p:spPr>
+        <p:style>
+          <a:lnRef idx="2">
+            <a:schemeClr val="accent1">
+              <a:shade val="50000"/>
+            </a:schemeClr>
+          </a:lnRef>
+          <a:fillRef idx="1">
+            <a:schemeClr val="accent1"/>
+          </a:fillRef>
+          <a:effectRef idx="0">
+            <a:schemeClr val="accent1"/>
+          </a:effectRef>
+          <a:fontRef idx="minor">
+            <a:schemeClr val="lt1"/>
+          </a:fontRef>
+        </p:style>
+        <p:txBody>
+          <a:bodyPr rtlCol="0" anchor="ctr"/>
+          <a:lstStyle/>
+          <a:p>
+            <a:pPr algn="ctr"/>
+            <a:endParaRPr kumimoji="1" lang="ja-JP" altLang="en-US"/>
+          </a:p>
+        </p:txBody>
+      </p:sp>
+      <p:sp>
+        <p:nvSpPr>
+          <p:cNvPr id="41" name="下矢印 40">
+            <a:extLst>
+              <a:ext uri="{FF2B5EF4-FFF2-40B4-BE49-F238E27FC236}">
+                <a16:creationId xmlns:a16="http://schemas.microsoft.com/office/drawing/2014/main" id="{B65B0D6B-6792-4442-B747-C25B4BA1428F}"/>
+              </a:ext>
+            </a:extLst>
+          </p:cNvPr>
+          <p:cNvSpPr/>
+          <p:nvPr/>
+        </p:nvSpPr>
+        <p:spPr>
+          <a:xfrm>
+            <a:off x="4019926" y="3780868"/>
+            <a:ext cx="339365" cy="504000"/>
+          </a:xfrm>
+          <a:prstGeom prst="downArrow">
+            <a:avLst/>
+          </a:prstGeom>
+          <a:solidFill>
+            <a:schemeClr val="tx1">
+              <a:lumMod val="85000"/>
+              <a:lumOff val="15000"/>
+            </a:schemeClr>
+          </a:solidFill>
+          <a:ln>
+            <a:noFill/>
+          </a:ln>
+        </p:spPr>
+        <p:style>
+          <a:lnRef idx="2">
+            <a:schemeClr val="accent1">
+              <a:shade val="50000"/>
+            </a:schemeClr>
+          </a:lnRef>
+          <a:fillRef idx="1">
+            <a:schemeClr val="accent1"/>
+          </a:fillRef>
+          <a:effectRef idx="0">
+            <a:schemeClr val="accent1"/>
+          </a:effectRef>
+          <a:fontRef idx="minor">
+            <a:schemeClr val="lt1"/>
+          </a:fontRef>
+        </p:style>
+        <p:txBody>
+          <a:bodyPr rtlCol="0" anchor="ctr"/>
+          <a:lstStyle/>
+          <a:p>
+            <a:pPr algn="ctr"/>
+            <a:endParaRPr kumimoji="1" lang="ja-JP" altLang="en-US"/>
+          </a:p>
+        </p:txBody>
+      </p:sp>
+      <p:sp>
+        <p:nvSpPr>
+          <p:cNvPr id="42" name="下矢印 41">
+            <a:extLst>
+              <a:ext uri="{FF2B5EF4-FFF2-40B4-BE49-F238E27FC236}">
+                <a16:creationId xmlns:a16="http://schemas.microsoft.com/office/drawing/2014/main" id="{AD14E656-D37A-D04E-8B0B-E88F300592E4}"/>
+              </a:ext>
+            </a:extLst>
+          </p:cNvPr>
+          <p:cNvSpPr/>
+          <p:nvPr/>
+        </p:nvSpPr>
+        <p:spPr>
+          <a:xfrm>
+            <a:off x="4019926" y="5129672"/>
+            <a:ext cx="339365" cy="271095"/>
+          </a:xfrm>
+          <a:prstGeom prst="downArrow">
+            <a:avLst/>
+          </a:prstGeom>
+          <a:solidFill>
+            <a:schemeClr val="tx1">
+              <a:lumMod val="85000"/>
+              <a:lumOff val="15000"/>
+            </a:schemeClr>
+          </a:solidFill>
+          <a:ln>
+            <a:noFill/>
+          </a:ln>
+        </p:spPr>
+        <p:style>
+          <a:lnRef idx="2">
+            <a:schemeClr val="accent1">
+              <a:shade val="50000"/>
+            </a:schemeClr>
+          </a:lnRef>
+          <a:fillRef idx="1">
+            <a:schemeClr val="accent1"/>
+          </a:fillRef>
+          <a:effectRef idx="0">
+            <a:schemeClr val="accent1"/>
+          </a:effectRef>
+          <a:fontRef idx="minor">
+            <a:schemeClr val="lt1"/>
+          </a:fontRef>
+        </p:style>
+        <p:txBody>
+          <a:bodyPr rtlCol="0" anchor="ctr"/>
+          <a:lstStyle/>
+          <a:p>
+            <a:pPr algn="ctr"/>
+            <a:endParaRPr kumimoji="1" lang="ja-JP" altLang="en-US"/>
+          </a:p>
+        </p:txBody>
+      </p:sp>
+      <p:sp>
+        <p:nvSpPr>
+          <p:cNvPr id="43" name="下矢印 42">
+            <a:extLst>
+              <a:ext uri="{FF2B5EF4-FFF2-40B4-BE49-F238E27FC236}">
+                <a16:creationId xmlns:a16="http://schemas.microsoft.com/office/drawing/2014/main" id="{37B40EFF-AC2C-D944-A63E-44ADC8D1974D}"/>
+              </a:ext>
+            </a:extLst>
+          </p:cNvPr>
+          <p:cNvSpPr/>
+          <p:nvPr/>
+        </p:nvSpPr>
+        <p:spPr>
+          <a:xfrm>
+            <a:off x="7127546" y="2042921"/>
+            <a:ext cx="339365" cy="271095"/>
+          </a:xfrm>
+          <a:prstGeom prst="downArrow">
+            <a:avLst/>
+          </a:prstGeom>
+          <a:solidFill>
+            <a:schemeClr val="tx1">
+              <a:lumMod val="85000"/>
+              <a:lumOff val="15000"/>
+            </a:schemeClr>
+          </a:solidFill>
+          <a:ln>
+            <a:noFill/>
+          </a:ln>
+        </p:spPr>
+        <p:style>
+          <a:lnRef idx="2">
+            <a:schemeClr val="accent1">
+              <a:shade val="50000"/>
+            </a:schemeClr>
+          </a:lnRef>
+          <a:fillRef idx="1">
+            <a:schemeClr val="accent1"/>
+          </a:fillRef>
+          <a:effectRef idx="0">
+            <a:schemeClr val="accent1"/>
+          </a:effectRef>
+          <a:fontRef idx="minor">
+            <a:schemeClr val="lt1"/>
+          </a:fontRef>
+        </p:style>
+        <p:txBody>
+          <a:bodyPr rtlCol="0" anchor="ctr"/>
+          <a:lstStyle/>
+          <a:p>
+            <a:pPr algn="ctr"/>
+            <a:endParaRPr kumimoji="1" lang="ja-JP" altLang="en-US"/>
+          </a:p>
+        </p:txBody>
+      </p:sp>
+      <p:sp>
+        <p:nvSpPr>
+          <p:cNvPr id="45" name="下矢印 44">
+            <a:extLst>
+              <a:ext uri="{FF2B5EF4-FFF2-40B4-BE49-F238E27FC236}">
+                <a16:creationId xmlns:a16="http://schemas.microsoft.com/office/drawing/2014/main" id="{18E9C78B-2CF0-F44D-9EDE-FB438369E91D}"/>
+              </a:ext>
+            </a:extLst>
+          </p:cNvPr>
+          <p:cNvSpPr/>
+          <p:nvPr/>
+        </p:nvSpPr>
+        <p:spPr>
+          <a:xfrm>
+            <a:off x="7151857" y="3385154"/>
+            <a:ext cx="339365" cy="271095"/>
+          </a:xfrm>
+          <a:prstGeom prst="downArrow">
+            <a:avLst/>
+          </a:prstGeom>
+          <a:solidFill>
+            <a:schemeClr val="tx1">
+              <a:lumMod val="85000"/>
+              <a:lumOff val="15000"/>
+            </a:schemeClr>
+          </a:solidFill>
+          <a:ln>
+            <a:noFill/>
+          </a:ln>
+        </p:spPr>
+        <p:style>
+          <a:lnRef idx="2">
+            <a:schemeClr val="accent1">
+              <a:shade val="50000"/>
+            </a:schemeClr>
+          </a:lnRef>
+          <a:fillRef idx="1">
+            <a:schemeClr val="accent1"/>
+          </a:fillRef>
+          <a:effectRef idx="0">
+            <a:schemeClr val="accent1"/>
+          </a:effectRef>
+          <a:fontRef idx="minor">
+            <a:schemeClr val="lt1"/>
+          </a:fontRef>
+        </p:style>
+        <p:txBody>
+          <a:bodyPr rtlCol="0" anchor="ctr"/>
+          <a:lstStyle/>
+          <a:p>
+            <a:pPr algn="ctr"/>
+            <a:endParaRPr kumimoji="1" lang="ja-JP" altLang="en-US"/>
+          </a:p>
+        </p:txBody>
+      </p:sp>
+      <p:sp>
+        <p:nvSpPr>
+          <p:cNvPr id="46" name="正方形/長方形 45">
+            <a:extLst>
+              <a:ext uri="{FF2B5EF4-FFF2-40B4-BE49-F238E27FC236}">
+                <a16:creationId xmlns:a16="http://schemas.microsoft.com/office/drawing/2014/main" id="{7BF6668C-C700-BA47-9CD5-65D0306565CC}"/>
+              </a:ext>
+            </a:extLst>
+          </p:cNvPr>
+          <p:cNvSpPr/>
+          <p:nvPr/>
+        </p:nvSpPr>
+        <p:spPr>
+          <a:xfrm>
+            <a:off x="4104767" y="6245105"/>
+            <a:ext cx="169683" cy="360000"/>
+          </a:xfrm>
+          <a:prstGeom prst="rect">
+            <a:avLst/>
+          </a:prstGeom>
+          <a:solidFill>
+            <a:schemeClr val="tx1">
+              <a:lumMod val="85000"/>
+              <a:lumOff val="15000"/>
+            </a:schemeClr>
+          </a:solidFill>
+          <a:ln>
+            <a:noFill/>
+          </a:ln>
+        </p:spPr>
+        <p:style>
+          <a:lnRef idx="2">
+            <a:schemeClr val="accent1">
+              <a:shade val="50000"/>
+            </a:schemeClr>
+          </a:lnRef>
+          <a:fillRef idx="1">
+            <a:schemeClr val="accent1"/>
+          </a:fillRef>
+          <a:effectRef idx="0">
+            <a:schemeClr val="accent1"/>
+          </a:effectRef>
+          <a:fontRef idx="minor">
+            <a:schemeClr val="lt1"/>
+          </a:fontRef>
+        </p:style>
+        <p:txBody>
+          <a:bodyPr rtlCol="0" anchor="ctr"/>
+          <a:lstStyle/>
+          <a:p>
+            <a:pPr algn="ctr"/>
+            <a:endParaRPr kumimoji="1" lang="ja-JP" altLang="en-US"/>
+          </a:p>
+        </p:txBody>
+      </p:sp>
+      <p:sp>
+        <p:nvSpPr>
+          <p:cNvPr id="47" name="正方形/長方形 46">
+            <a:extLst>
+              <a:ext uri="{FF2B5EF4-FFF2-40B4-BE49-F238E27FC236}">
+                <a16:creationId xmlns:a16="http://schemas.microsoft.com/office/drawing/2014/main" id="{B4240F20-384F-A54C-A807-12CCE4474E7E}"/>
+              </a:ext>
+            </a:extLst>
+          </p:cNvPr>
+          <p:cNvSpPr/>
+          <p:nvPr/>
+        </p:nvSpPr>
+        <p:spPr>
+          <a:xfrm rot="16200000">
+            <a:off x="3435913" y="5798304"/>
+            <a:ext cx="169683" cy="1512000"/>
+          </a:xfrm>
+          <a:prstGeom prst="rect">
+            <a:avLst/>
+          </a:prstGeom>
+          <a:solidFill>
+            <a:schemeClr val="tx1">
+              <a:lumMod val="85000"/>
+              <a:lumOff val="15000"/>
+            </a:schemeClr>
+          </a:solidFill>
+          <a:ln>
+            <a:noFill/>
+          </a:ln>
+        </p:spPr>
+        <p:style>
+          <a:lnRef idx="2">
+            <a:schemeClr val="accent1">
+              <a:shade val="50000"/>
+            </a:schemeClr>
+          </a:lnRef>
+          <a:fillRef idx="1">
+            <a:schemeClr val="accent1"/>
+          </a:fillRef>
+          <a:effectRef idx="0">
+            <a:schemeClr val="accent1"/>
+          </a:effectRef>
+          <a:fontRef idx="minor">
+            <a:schemeClr val="lt1"/>
+          </a:fontRef>
+        </p:style>
+        <p:txBody>
+          <a:bodyPr rtlCol="0" anchor="ctr"/>
+          <a:lstStyle/>
+          <a:p>
+            <a:pPr algn="ctr"/>
+            <a:endParaRPr kumimoji="1" lang="ja-JP" altLang="en-US" b="1"/>
+          </a:p>
+        </p:txBody>
+      </p:sp>
+      <p:sp>
+        <p:nvSpPr>
+          <p:cNvPr id="48" name="正方形/長方形 47">
+            <a:extLst>
+              <a:ext uri="{FF2B5EF4-FFF2-40B4-BE49-F238E27FC236}">
+                <a16:creationId xmlns:a16="http://schemas.microsoft.com/office/drawing/2014/main" id="{512BD3EC-C451-CE48-9435-CC49F2EF31BB}"/>
+              </a:ext>
+            </a:extLst>
+          </p:cNvPr>
+          <p:cNvSpPr/>
+          <p:nvPr/>
+        </p:nvSpPr>
+        <p:spPr>
+          <a:xfrm>
+            <a:off x="2770492" y="2839270"/>
+            <a:ext cx="169683" cy="3780000"/>
+          </a:xfrm>
+          <a:prstGeom prst="rect">
+            <a:avLst/>
+          </a:prstGeom>
+          <a:solidFill>
+            <a:schemeClr val="tx1">
+              <a:lumMod val="85000"/>
+              <a:lumOff val="15000"/>
+            </a:schemeClr>
+          </a:solidFill>
+          <a:ln>
+            <a:noFill/>
+          </a:ln>
+        </p:spPr>
+        <p:style>
+          <a:lnRef idx="2">
+            <a:schemeClr val="accent1">
+              <a:shade val="50000"/>
+            </a:schemeClr>
+          </a:lnRef>
+          <a:fillRef idx="1">
+            <a:schemeClr val="accent1"/>
+          </a:fillRef>
+          <a:effectRef idx="0">
+            <a:schemeClr val="accent1"/>
+          </a:effectRef>
+          <a:fontRef idx="minor">
+            <a:schemeClr val="lt1"/>
+          </a:fontRef>
+        </p:style>
+        <p:txBody>
+          <a:bodyPr rtlCol="0" anchor="ctr"/>
+          <a:lstStyle/>
+          <a:p>
+            <a:pPr algn="ctr"/>
+            <a:endParaRPr kumimoji="1" lang="ja-JP" altLang="en-US"/>
+          </a:p>
+        </p:txBody>
+      </p:sp>
+      <p:sp>
+        <p:nvSpPr>
+          <p:cNvPr id="49" name="下矢印 48">
+            <a:extLst>
+              <a:ext uri="{FF2B5EF4-FFF2-40B4-BE49-F238E27FC236}">
+                <a16:creationId xmlns:a16="http://schemas.microsoft.com/office/drawing/2014/main" id="{426FEB58-77B3-1343-8A29-5EA45613D88C}"/>
+              </a:ext>
+            </a:extLst>
+          </p:cNvPr>
+          <p:cNvSpPr/>
+          <p:nvPr/>
+        </p:nvSpPr>
+        <p:spPr>
+          <a:xfrm rot="16200000">
+            <a:off x="2797172" y="2570954"/>
+            <a:ext cx="339365" cy="396000"/>
+          </a:xfrm>
+          <a:prstGeom prst="downArrow">
+            <a:avLst/>
+          </a:prstGeom>
+          <a:solidFill>
+            <a:schemeClr val="tx1">
+              <a:lumMod val="85000"/>
+              <a:lumOff val="15000"/>
+            </a:schemeClr>
+          </a:solidFill>
+          <a:ln>
+            <a:noFill/>
+          </a:ln>
+        </p:spPr>
+        <p:style>
+          <a:lnRef idx="2">
+            <a:schemeClr val="accent1">
+              <a:shade val="50000"/>
+            </a:schemeClr>
+          </a:lnRef>
+          <a:fillRef idx="1">
+            <a:schemeClr val="accent1"/>
+          </a:fillRef>
+          <a:effectRef idx="0">
+            <a:schemeClr val="accent1"/>
+          </a:effectRef>
+          <a:fontRef idx="minor">
+            <a:schemeClr val="lt1"/>
+          </a:fontRef>
+        </p:style>
+        <p:txBody>
+          <a:bodyPr rtlCol="0" anchor="ctr"/>
+          <a:lstStyle/>
+          <a:p>
+            <a:pPr algn="ctr"/>
+            <a:endParaRPr kumimoji="1" lang="ja-JP" altLang="en-US"/>
+          </a:p>
+        </p:txBody>
+      </p:sp>
+      <p:sp>
+        <p:nvSpPr>
+          <p:cNvPr id="50" name="下矢印 49">
+            <a:extLst>
+              <a:ext uri="{FF2B5EF4-FFF2-40B4-BE49-F238E27FC236}">
+                <a16:creationId xmlns:a16="http://schemas.microsoft.com/office/drawing/2014/main" id="{42846416-B7ED-D94C-B554-D997C4520BD0}"/>
+              </a:ext>
+            </a:extLst>
+          </p:cNvPr>
+          <p:cNvSpPr/>
+          <p:nvPr/>
+        </p:nvSpPr>
+        <p:spPr>
+          <a:xfrm rot="5400000">
+            <a:off x="5559161" y="3614381"/>
+            <a:ext cx="339365" cy="1044000"/>
+          </a:xfrm>
+          <a:prstGeom prst="downArrow">
+            <a:avLst/>
+          </a:prstGeom>
+          <a:solidFill>
+            <a:schemeClr val="tx1">
+              <a:lumMod val="85000"/>
+              <a:lumOff val="15000"/>
+            </a:schemeClr>
+          </a:solidFill>
+          <a:ln>
+            <a:noFill/>
+          </a:ln>
+        </p:spPr>
+        <p:style>
+          <a:lnRef idx="2">
+            <a:schemeClr val="accent1">
+              <a:shade val="50000"/>
+            </a:schemeClr>
+          </a:lnRef>
+          <a:fillRef idx="1">
+            <a:schemeClr val="accent1"/>
+          </a:fillRef>
+          <a:effectRef idx="0">
+            <a:schemeClr val="accent1"/>
+          </a:effectRef>
+          <a:fontRef idx="minor">
+            <a:schemeClr val="lt1"/>
+          </a:fontRef>
+        </p:style>
+        <p:txBody>
+          <a:bodyPr rtlCol="0" anchor="ctr"/>
+          <a:lstStyle/>
+          <a:p>
+            <a:pPr algn="ctr"/>
+            <a:endParaRPr kumimoji="1" lang="ja-JP" altLang="en-US"/>
+          </a:p>
+        </p:txBody>
+      </p:sp>
+      <p:sp>
+        <p:nvSpPr>
+          <p:cNvPr id="51" name="正方形/長方形 50">
+            <a:extLst>
+              <a:ext uri="{FF2B5EF4-FFF2-40B4-BE49-F238E27FC236}">
+                <a16:creationId xmlns:a16="http://schemas.microsoft.com/office/drawing/2014/main" id="{B01C5B7C-0474-AE48-94BB-24F045DD6AA8}"/>
+              </a:ext>
+            </a:extLst>
+          </p:cNvPr>
+          <p:cNvSpPr/>
+          <p:nvPr/>
+        </p:nvSpPr>
+        <p:spPr>
+          <a:xfrm>
+            <a:off x="5753808" y="1418238"/>
+            <a:ext cx="169683" cy="2556000"/>
+          </a:xfrm>
+          <a:prstGeom prst="rect">
+            <a:avLst/>
+          </a:prstGeom>
+          <a:solidFill>
+            <a:schemeClr val="tx1">
+              <a:lumMod val="85000"/>
+              <a:lumOff val="15000"/>
+            </a:schemeClr>
+          </a:solidFill>
+          <a:ln>
+            <a:noFill/>
+          </a:ln>
+        </p:spPr>
+        <p:style>
+          <a:lnRef idx="2">
+            <a:schemeClr val="accent1">
+              <a:shade val="50000"/>
+            </a:schemeClr>
+          </a:lnRef>
+          <a:fillRef idx="1">
+            <a:schemeClr val="accent1"/>
+          </a:fillRef>
+          <a:effectRef idx="0">
+            <a:schemeClr val="accent1"/>
+          </a:effectRef>
+          <a:fontRef idx="minor">
+            <a:schemeClr val="lt1"/>
+          </a:fontRef>
+        </p:style>
+        <p:txBody>
+          <a:bodyPr rtlCol="0" anchor="ctr"/>
+          <a:lstStyle/>
+          <a:p>
+            <a:pPr algn="ctr"/>
+            <a:endParaRPr kumimoji="1" lang="ja-JP" altLang="en-US"/>
+          </a:p>
+        </p:txBody>
+      </p:sp>
+      <p:sp>
+        <p:nvSpPr>
+          <p:cNvPr id="52" name="下矢印 51">
+            <a:extLst>
+              <a:ext uri="{FF2B5EF4-FFF2-40B4-BE49-F238E27FC236}">
+                <a16:creationId xmlns:a16="http://schemas.microsoft.com/office/drawing/2014/main" id="{8A088A43-694E-4C4C-B47A-C77604D33CFD}"/>
+              </a:ext>
+            </a:extLst>
+          </p:cNvPr>
+          <p:cNvSpPr/>
+          <p:nvPr/>
+        </p:nvSpPr>
+        <p:spPr>
+          <a:xfrm rot="16200000">
+            <a:off x="5831482" y="1273352"/>
+            <a:ext cx="339365" cy="468000"/>
+          </a:xfrm>
+          <a:prstGeom prst="downArrow">
+            <a:avLst/>
+          </a:prstGeom>
+          <a:solidFill>
+            <a:schemeClr val="tx1">
+              <a:lumMod val="85000"/>
+              <a:lumOff val="15000"/>
+            </a:schemeClr>
+          </a:solidFill>
+          <a:ln>
+            <a:noFill/>
+          </a:ln>
+        </p:spPr>
+        <p:style>
+          <a:lnRef idx="2">
+            <a:schemeClr val="accent1">
+              <a:shade val="50000"/>
+            </a:schemeClr>
+          </a:lnRef>
+          <a:fillRef idx="1">
+            <a:schemeClr val="accent1"/>
+          </a:fillRef>
+          <a:effectRef idx="0">
+            <a:schemeClr val="accent1"/>
+          </a:effectRef>
+          <a:fontRef idx="minor">
+            <a:schemeClr val="lt1"/>
+          </a:fontRef>
+        </p:style>
+        <p:txBody>
+          <a:bodyPr rtlCol="0" anchor="ctr"/>
+          <a:lstStyle/>
+          <a:p>
+            <a:pPr algn="ctr"/>
+            <a:endParaRPr kumimoji="1" lang="ja-JP" altLang="en-US"/>
+          </a:p>
+        </p:txBody>
+      </p:sp>
+      <p:sp>
+        <p:nvSpPr>
+          <p:cNvPr id="53" name="正方形/長方形 52">
+            <a:extLst>
+              <a:ext uri="{FF2B5EF4-FFF2-40B4-BE49-F238E27FC236}">
+                <a16:creationId xmlns:a16="http://schemas.microsoft.com/office/drawing/2014/main" id="{A4EC1D47-6C65-2F44-A5A2-ADF5243F2786}"/>
+              </a:ext>
+            </a:extLst>
+          </p:cNvPr>
+          <p:cNvSpPr/>
+          <p:nvPr/>
+        </p:nvSpPr>
+        <p:spPr>
+          <a:xfrm rot="16200000">
+            <a:off x="5479672" y="3545289"/>
+            <a:ext cx="169683" cy="684000"/>
+          </a:xfrm>
+          <a:prstGeom prst="rect">
+            <a:avLst/>
+          </a:prstGeom>
+          <a:solidFill>
+            <a:schemeClr val="tx1">
+              <a:lumMod val="85000"/>
+              <a:lumOff val="15000"/>
+            </a:schemeClr>
+          </a:solidFill>
+          <a:ln>
+            <a:noFill/>
+          </a:ln>
+        </p:spPr>
+        <p:style>
+          <a:lnRef idx="2">
+            <a:schemeClr val="accent1">
+              <a:shade val="50000"/>
+            </a:schemeClr>
+          </a:lnRef>
+          <a:fillRef idx="1">
+            <a:schemeClr val="accent1"/>
+          </a:fillRef>
+          <a:effectRef idx="0">
+            <a:schemeClr val="accent1"/>
+          </a:effectRef>
+          <a:fontRef idx="minor">
+            <a:schemeClr val="lt1"/>
+          </a:fontRef>
+        </p:style>
+        <p:txBody>
+          <a:bodyPr rtlCol="0" anchor="ctr"/>
+          <a:lstStyle/>
+          <a:p>
+            <a:pPr algn="ctr"/>
+            <a:endParaRPr kumimoji="1" lang="ja-JP" altLang="en-US" b="1"/>
+          </a:p>
+        </p:txBody>
+      </p:sp>
+    </p:spTree>
+    <p:extLst>
+      <p:ext uri="{BB962C8B-B14F-4D97-AF65-F5344CB8AC3E}">
+        <p14:creationId xmlns:p14="http://schemas.microsoft.com/office/powerpoint/2010/main" val="3883747171"/>
       </p:ext>
     </p:extLst>
   </p:cSld>

--- a/論文に使う画像.pptx
+++ b/論文に使う画像.pptx
@@ -5,7 +5,7 @@
     <p:sldMasterId id="2147483648" r:id="rId1"/>
   </p:sldMasterIdLst>
   <p:notesMasterIdLst>
-    <p:notesMasterId r:id="rId8"/>
+    <p:notesMasterId r:id="rId9"/>
   </p:notesMasterIdLst>
   <p:sldIdLst>
     <p:sldId id="256" r:id="rId2"/>
@@ -14,6 +14,7 @@
     <p:sldId id="259" r:id="rId5"/>
     <p:sldId id="260" r:id="rId6"/>
     <p:sldId id="261" r:id="rId7"/>
+    <p:sldId id="262" r:id="rId8"/>
   </p:sldIdLst>
   <p:sldSz cx="12192000" cy="6858000"/>
   <p:notesSz cx="6858000" cy="9144000"/>
@@ -719,6 +720,90 @@
     <p:extLst>
       <p:ext uri="{BB962C8B-B14F-4D97-AF65-F5344CB8AC3E}">
         <p14:creationId xmlns:p14="http://schemas.microsoft.com/office/powerpoint/2010/main" val="3724957376"/>
+      </p:ext>
+    </p:extLst>
+  </p:cSld>
+  <p:clrMapOvr>
+    <a:masterClrMapping/>
+  </p:clrMapOvr>
+</p:notes>
+</file>
+
+<file path=ppt/notesSlides/notesSlide4.xml><?xml version="1.0" encoding="utf-8"?>
+<p:notes xmlns:a="http://schemas.openxmlformats.org/drawingml/2006/main" xmlns:r="http://schemas.openxmlformats.org/officeDocument/2006/relationships" xmlns:p="http://schemas.openxmlformats.org/presentationml/2006/main">
+  <p:cSld>
+    <p:spTree>
+      <p:nvGrpSpPr>
+        <p:cNvPr id="1" name=""/>
+        <p:cNvGrpSpPr/>
+        <p:nvPr/>
+      </p:nvGrpSpPr>
+      <p:grpSpPr>
+        <a:xfrm>
+          <a:off x="0" y="0"/>
+          <a:ext cx="0" cy="0"/>
+          <a:chOff x="0" y="0"/>
+          <a:chExt cx="0" cy="0"/>
+        </a:xfrm>
+      </p:grpSpPr>
+      <p:sp>
+        <p:nvSpPr>
+          <p:cNvPr id="2" name="スライド イメージ プレースホルダー 1"/>
+          <p:cNvSpPr>
+            <a:spLocks noGrp="1" noRot="1" noChangeAspect="1"/>
+          </p:cNvSpPr>
+          <p:nvPr>
+            <p:ph type="sldImg"/>
+          </p:nvPr>
+        </p:nvSpPr>
+        <p:spPr/>
+      </p:sp>
+      <p:sp>
+        <p:nvSpPr>
+          <p:cNvPr id="3" name="ノート プレースホルダー 2"/>
+          <p:cNvSpPr>
+            <a:spLocks noGrp="1"/>
+          </p:cNvSpPr>
+          <p:nvPr>
+            <p:ph type="body" idx="1"/>
+          </p:nvPr>
+        </p:nvSpPr>
+        <p:spPr/>
+        <p:txBody>
+          <a:bodyPr/>
+          <a:lstStyle/>
+          <a:p>
+            <a:endParaRPr kumimoji="1" lang="ja-JP" altLang="en-US"/>
+          </a:p>
+        </p:txBody>
+      </p:sp>
+      <p:sp>
+        <p:nvSpPr>
+          <p:cNvPr id="4" name="スライド番号プレースホルダー 3"/>
+          <p:cNvSpPr>
+            <a:spLocks noGrp="1"/>
+          </p:cNvSpPr>
+          <p:nvPr>
+            <p:ph type="sldNum" sz="quarter" idx="5"/>
+          </p:nvPr>
+        </p:nvSpPr>
+        <p:spPr/>
+        <p:txBody>
+          <a:bodyPr/>
+          <a:lstStyle/>
+          <a:p>
+            <a:fld id="{D6D44BCE-5F17-9B4C-AC22-685A37095B64}" type="slidenum">
+              <a:rPr kumimoji="1" lang="ja-JP" altLang="en-US" smtClean="0"/>
+              <a:t>7</a:t>
+            </a:fld>
+            <a:endParaRPr kumimoji="1" lang="ja-JP" altLang="en-US"/>
+          </a:p>
+        </p:txBody>
+      </p:sp>
+    </p:spTree>
+    <p:extLst>
+      <p:ext uri="{BB962C8B-B14F-4D97-AF65-F5344CB8AC3E}">
+        <p14:creationId xmlns:p14="http://schemas.microsoft.com/office/powerpoint/2010/main" val="1551026844"/>
       </p:ext>
     </p:extLst>
   </p:cSld>
@@ -5877,10 +5962,10 @@
         </p:nvGrpSpPr>
         <p:grpSpPr>
           <a:xfrm>
-            <a:off x="795484" y="901734"/>
-            <a:ext cx="2254900" cy="814296"/>
-            <a:chOff x="783091" y="901734"/>
-            <a:chExt cx="2254900" cy="814296"/>
+            <a:off x="795484" y="1072798"/>
+            <a:ext cx="2254900" cy="447754"/>
+            <a:chOff x="783091" y="1072798"/>
+            <a:chExt cx="2254900" cy="447754"/>
           </a:xfrm>
         </p:grpSpPr>
         <p:sp>
@@ -5897,8 +5982,8 @@
           </p:nvSpPr>
           <p:spPr>
             <a:xfrm>
-              <a:off x="783091" y="901734"/>
-              <a:ext cx="2254900" cy="814296"/>
+              <a:off x="783091" y="1072798"/>
+              <a:ext cx="2254900" cy="447754"/>
             </a:xfrm>
             <a:prstGeom prst="roundRect">
               <a:avLst>
@@ -5996,7 +6081,7 @@
         </p:nvGrpSpPr>
         <p:grpSpPr>
           <a:xfrm>
-            <a:off x="832662" y="2040329"/>
+            <a:off x="832662" y="1823019"/>
             <a:ext cx="2180544" cy="814296"/>
             <a:chOff x="820269" y="1937759"/>
             <a:chExt cx="2180544" cy="814296"/>
@@ -6134,10 +6219,10 @@
         </p:nvGrpSpPr>
         <p:grpSpPr>
           <a:xfrm>
-            <a:off x="832662" y="3195625"/>
-            <a:ext cx="2180544" cy="814296"/>
-            <a:chOff x="820269" y="3002608"/>
-            <a:chExt cx="2180544" cy="814296"/>
+            <a:off x="832662" y="2939782"/>
+            <a:ext cx="2180544" cy="425504"/>
+            <a:chOff x="820269" y="3178923"/>
+            <a:chExt cx="2180544" cy="425504"/>
           </a:xfrm>
         </p:grpSpPr>
         <p:sp>
@@ -6154,8 +6239,8 @@
           </p:nvSpPr>
           <p:spPr>
             <a:xfrm>
-              <a:off x="820269" y="3002608"/>
-              <a:ext cx="2180544" cy="814296"/>
+              <a:off x="820269" y="3204317"/>
+              <a:ext cx="2180544" cy="400110"/>
             </a:xfrm>
             <a:prstGeom prst="rect">
               <a:avLst/>
@@ -6248,10 +6333,10 @@
         </p:nvGrpSpPr>
         <p:grpSpPr>
           <a:xfrm>
-            <a:off x="832662" y="4334220"/>
-            <a:ext cx="2180544" cy="814296"/>
-            <a:chOff x="820269" y="4050756"/>
-            <a:chExt cx="2180544" cy="814296"/>
+            <a:off x="832662" y="3666658"/>
+            <a:ext cx="2180544" cy="400110"/>
+            <a:chOff x="820269" y="4216260"/>
+            <a:chExt cx="2180544" cy="400110"/>
           </a:xfrm>
         </p:grpSpPr>
         <p:sp>
@@ -6268,8 +6353,8 @@
           </p:nvSpPr>
           <p:spPr>
             <a:xfrm>
-              <a:off x="820269" y="4050756"/>
-              <a:ext cx="2180544" cy="814296"/>
+              <a:off x="820269" y="4216260"/>
+              <a:ext cx="2180544" cy="372762"/>
             </a:xfrm>
             <a:prstGeom prst="rect">
               <a:avLst/>
@@ -6366,8 +6451,8 @@
         </p:nvSpPr>
         <p:spPr>
           <a:xfrm>
-            <a:off x="1753252" y="1769234"/>
-            <a:ext cx="339365" cy="271095"/>
+            <a:off x="1832934" y="1536238"/>
+            <a:ext cx="180000" cy="271095"/>
           </a:xfrm>
           <a:prstGeom prst="downArrow">
             <a:avLst/>
@@ -6421,8 +6506,8 @@
         </p:nvSpPr>
         <p:spPr>
           <a:xfrm>
-            <a:off x="1753252" y="2873742"/>
-            <a:ext cx="339365" cy="271095"/>
+            <a:off x="1832934" y="2653001"/>
+            <a:ext cx="180000" cy="271095"/>
           </a:xfrm>
           <a:prstGeom prst="downArrow">
             <a:avLst/>
@@ -6476,8 +6561,8 @@
         </p:nvSpPr>
         <p:spPr>
           <a:xfrm>
-            <a:off x="1753252" y="4053666"/>
-            <a:ext cx="339365" cy="271095"/>
+            <a:off x="1832934" y="3380972"/>
+            <a:ext cx="180000" cy="270000"/>
           </a:xfrm>
           <a:prstGeom prst="downArrow">
             <a:avLst/>
@@ -6531,8 +6616,8 @@
         </p:nvSpPr>
         <p:spPr>
           <a:xfrm rot="5400000">
-            <a:off x="2843523" y="2865001"/>
-            <a:ext cx="339365" cy="271095"/>
+            <a:off x="2878753" y="2601166"/>
+            <a:ext cx="180000" cy="360000"/>
           </a:xfrm>
           <a:prstGeom prst="downArrow">
             <a:avLst/>
@@ -6586,8 +6671,8 @@
         </p:nvSpPr>
         <p:spPr>
           <a:xfrm>
-            <a:off x="3130197" y="2915234"/>
-            <a:ext cx="169683" cy="2700000"/>
+            <a:off x="3130197" y="2732804"/>
+            <a:ext cx="72000" cy="1692000"/>
           </a:xfrm>
           <a:prstGeom prst="rect">
             <a:avLst/>
@@ -6641,8 +6726,8 @@
         </p:nvSpPr>
         <p:spPr>
           <a:xfrm>
-            <a:off x="1827639" y="5148548"/>
-            <a:ext cx="169683" cy="396000"/>
+            <a:off x="1886934" y="4082456"/>
+            <a:ext cx="72000" cy="288000"/>
           </a:xfrm>
           <a:prstGeom prst="rect">
             <a:avLst/>
@@ -6696,8 +6781,8 @@
         </p:nvSpPr>
         <p:spPr>
           <a:xfrm rot="16200000">
-            <a:off x="2423440" y="4848401"/>
-            <a:ext cx="169683" cy="1368000"/>
+            <a:off x="2504649" y="3739911"/>
+            <a:ext cx="72000" cy="1296000"/>
           </a:xfrm>
           <a:prstGeom prst="rect">
             <a:avLst/>
@@ -6831,8 +6916,8 @@
         </p:nvSpPr>
         <p:spPr>
           <a:xfrm>
-            <a:off x="4173983" y="409316"/>
-            <a:ext cx="1061509" cy="400110"/>
+            <a:off x="3929553" y="409316"/>
+            <a:ext cx="1122423" cy="400110"/>
           </a:xfrm>
           <a:prstGeom prst="rect">
             <a:avLst/>
@@ -6846,11 +6931,18 @@
           <a:lstStyle/>
           <a:p>
             <a:r>
+              <a:rPr lang="en-US" altLang="ja-JP" sz="2000" dirty="0">
+                <a:latin typeface="Hiragino Kaku Gothic Pro W3" panose="020B0300000000000000" pitchFamily="34" charset="-128"/>
+                <a:ea typeface="Hiragino Kaku Gothic Pro W3" panose="020B0300000000000000" pitchFamily="34" charset="-128"/>
+              </a:rPr>
+              <a:t>W</a:t>
+            </a:r>
+            <a:r>
               <a:rPr kumimoji="1" lang="en-US" altLang="ja-JP" sz="2000" dirty="0">
                 <a:latin typeface="Hiragino Kaku Gothic Pro W3" panose="020B0300000000000000" pitchFamily="34" charset="-128"/>
                 <a:ea typeface="Hiragino Kaku Gothic Pro W3" panose="020B0300000000000000" pitchFamily="34" charset="-128"/>
               </a:rPr>
-              <a:t>worker</a:t>
+              <a:t>orker</a:t>
             </a:r>
             <a:endParaRPr kumimoji="1" lang="ja-JP" altLang="en-US" sz="2000">
               <a:latin typeface="Hiragino Kaku Gothic Pro W3" panose="020B0300000000000000" pitchFamily="34" charset="-128"/>
@@ -6873,8 +6965,8 @@
         </p:nvSpPr>
         <p:spPr>
           <a:xfrm>
-            <a:off x="3312803" y="323641"/>
-            <a:ext cx="3106285" cy="4303223"/>
+            <a:off x="3270073" y="323642"/>
+            <a:ext cx="2783197" cy="2838302"/>
           </a:xfrm>
           <a:prstGeom prst="rect">
             <a:avLst/>
@@ -6927,8 +7019,8 @@
         </p:nvSpPr>
         <p:spPr>
           <a:xfrm>
-            <a:off x="429768" y="280870"/>
-            <a:ext cx="2396177" cy="4303223"/>
+            <a:off x="429768" y="280871"/>
+            <a:ext cx="2396177" cy="3222906"/>
           </a:xfrm>
           <a:prstGeom prst="rect">
             <a:avLst/>
@@ -6969,10 +7061,10 @@
       </p:sp>
       <p:grpSp>
         <p:nvGrpSpPr>
-          <p:cNvPr id="66" name="グループ化 65">
-            <a:extLst>
-              <a:ext uri="{FF2B5EF4-FFF2-40B4-BE49-F238E27FC236}">
-                <a16:creationId xmlns:a16="http://schemas.microsoft.com/office/drawing/2014/main" id="{B2E1FA8A-CBAE-CD4E-A2F2-7EE3FE076637}"/>
+          <p:cNvPr id="69" name="グループ化 68">
+            <a:extLst>
+              <a:ext uri="{FF2B5EF4-FFF2-40B4-BE49-F238E27FC236}">
+                <a16:creationId xmlns:a16="http://schemas.microsoft.com/office/drawing/2014/main" id="{C73A0B1F-26AC-DD4F-801F-9CD926A9171C}"/>
               </a:ext>
             </a:extLst>
           </p:cNvPr>
@@ -6981,126 +7073,7 @@
         </p:nvGrpSpPr>
         <p:grpSpPr>
           <a:xfrm>
-            <a:off x="523633" y="804011"/>
-            <a:ext cx="2254900" cy="814296"/>
-            <a:chOff x="783091" y="901734"/>
-            <a:chExt cx="2254900" cy="814296"/>
-          </a:xfrm>
-        </p:grpSpPr>
-        <p:sp>
-          <p:nvSpPr>
-            <p:cNvPr id="67" name="角丸四角形 66">
-              <a:extLst>
-                <a:ext uri="{FF2B5EF4-FFF2-40B4-BE49-F238E27FC236}">
-                  <a16:creationId xmlns:a16="http://schemas.microsoft.com/office/drawing/2014/main" id="{D1EC1E59-E389-9146-B53A-5D292F428389}"/>
-                </a:ext>
-              </a:extLst>
-            </p:cNvPr>
-            <p:cNvSpPr/>
-            <p:nvPr/>
-          </p:nvSpPr>
-          <p:spPr>
-            <a:xfrm>
-              <a:off x="783091" y="901734"/>
-              <a:ext cx="2254900" cy="814296"/>
-            </a:xfrm>
-            <a:prstGeom prst="roundRect">
-              <a:avLst>
-                <a:gd name="adj" fmla="val 50000"/>
-              </a:avLst>
-            </a:prstGeom>
-            <a:solidFill>
-              <a:schemeClr val="accent3">
-                <a:lumMod val="40000"/>
-                <a:lumOff val="60000"/>
-              </a:schemeClr>
-            </a:solidFill>
-            <a:ln>
-              <a:noFill/>
-            </a:ln>
-          </p:spPr>
-          <p:style>
-            <a:lnRef idx="2">
-              <a:schemeClr val="accent1">
-                <a:shade val="50000"/>
-              </a:schemeClr>
-            </a:lnRef>
-            <a:fillRef idx="1">
-              <a:schemeClr val="accent1"/>
-            </a:fillRef>
-            <a:effectRef idx="0">
-              <a:schemeClr val="accent1"/>
-            </a:effectRef>
-            <a:fontRef idx="minor">
-              <a:schemeClr val="lt1"/>
-            </a:fontRef>
-          </p:style>
-          <p:txBody>
-            <a:bodyPr rtlCol="0" anchor="ctr"/>
-            <a:lstStyle/>
-            <a:p>
-              <a:pPr algn="ctr"/>
-              <a:endParaRPr kumimoji="1" lang="ja-JP" altLang="en-US" sz="2000">
-                <a:latin typeface="Hiragino Kaku Gothic Pro W3" panose="020B0300000000000000" pitchFamily="34" charset="-128"/>
-                <a:ea typeface="Hiragino Kaku Gothic Pro W3" panose="020B0300000000000000" pitchFamily="34" charset="-128"/>
-              </a:endParaRPr>
-            </a:p>
-          </p:txBody>
-        </p:sp>
-        <p:sp>
-          <p:nvSpPr>
-            <p:cNvPr id="68" name="テキスト ボックス 67">
-              <a:extLst>
-                <a:ext uri="{FF2B5EF4-FFF2-40B4-BE49-F238E27FC236}">
-                  <a16:creationId xmlns:a16="http://schemas.microsoft.com/office/drawing/2014/main" id="{71D0C98C-C09C-CF43-B38D-4B4F448BD64B}"/>
-                </a:ext>
-              </a:extLst>
-            </p:cNvPr>
-            <p:cNvSpPr txBox="1"/>
-            <p:nvPr/>
-          </p:nvSpPr>
-          <p:spPr>
-            <a:xfrm>
-              <a:off x="1510432" y="1072798"/>
-              <a:ext cx="697627" cy="400110"/>
-            </a:xfrm>
-            <a:prstGeom prst="rect">
-              <a:avLst/>
-            </a:prstGeom>
-            <a:noFill/>
-          </p:spPr>
-          <p:txBody>
-            <a:bodyPr wrap="none" rtlCol="0">
-              <a:spAutoFit/>
-            </a:bodyPr>
-            <a:lstStyle/>
-            <a:p>
-              <a:r>
-                <a:rPr kumimoji="1" lang="ja-JP" altLang="en-US" sz="2000">
-                  <a:latin typeface="Hiragino Kaku Gothic Pro W3" panose="020B0300000000000000" pitchFamily="34" charset="-128"/>
-                  <a:ea typeface="Hiragino Kaku Gothic Pro W3" panose="020B0300000000000000" pitchFamily="34" charset="-128"/>
-                </a:rPr>
-                <a:t>開始</a:t>
-              </a:r>
-            </a:p>
-          </p:txBody>
-        </p:sp>
-      </p:grpSp>
-      <p:grpSp>
-        <p:nvGrpSpPr>
-          <p:cNvPr id="69" name="グループ化 68">
-            <a:extLst>
-              <a:ext uri="{FF2B5EF4-FFF2-40B4-BE49-F238E27FC236}">
-                <a16:creationId xmlns:a16="http://schemas.microsoft.com/office/drawing/2014/main" id="{C73A0B1F-26AC-DD4F-801F-9CD926A9171C}"/>
-              </a:ext>
-            </a:extLst>
-          </p:cNvPr>
-          <p:cNvGrpSpPr/>
-          <p:nvPr/>
-        </p:nvGrpSpPr>
-        <p:grpSpPr>
-          <a:xfrm>
-            <a:off x="552030" y="1875934"/>
+            <a:off x="539783" y="1519848"/>
             <a:ext cx="2198107" cy="814296"/>
             <a:chOff x="802706" y="1937759"/>
             <a:chExt cx="2198107" cy="814296"/>
@@ -7245,10 +7218,10 @@
         </p:nvGrpSpPr>
         <p:grpSpPr>
           <a:xfrm>
-            <a:off x="560811" y="2947857"/>
-            <a:ext cx="2180544" cy="814296"/>
-            <a:chOff x="820269" y="4050756"/>
-            <a:chExt cx="2180544" cy="814296"/>
+            <a:off x="548564" y="2641089"/>
+            <a:ext cx="2180544" cy="400113"/>
+            <a:chOff x="820269" y="4257846"/>
+            <a:chExt cx="2180544" cy="400113"/>
           </a:xfrm>
         </p:grpSpPr>
         <p:sp>
@@ -7265,8 +7238,8 @@
           </p:nvSpPr>
           <p:spPr>
             <a:xfrm>
-              <a:off x="820269" y="4050756"/>
-              <a:ext cx="2180544" cy="814296"/>
+              <a:off x="820269" y="4257846"/>
+              <a:ext cx="2180544" cy="389827"/>
             </a:xfrm>
             <a:prstGeom prst="rect">
               <a:avLst/>
@@ -7370,10 +7343,10 @@
         </p:nvGrpSpPr>
         <p:grpSpPr>
           <a:xfrm>
-            <a:off x="3604252" y="1100204"/>
-            <a:ext cx="2183232" cy="814296"/>
-            <a:chOff x="817581" y="1937759"/>
-            <a:chExt cx="2183232" cy="814296"/>
+            <a:off x="3399148" y="765149"/>
+            <a:ext cx="2183232" cy="420989"/>
+            <a:chOff x="817581" y="2144511"/>
+            <a:chExt cx="2183232" cy="420989"/>
           </a:xfrm>
         </p:grpSpPr>
         <p:sp>
@@ -7390,8 +7363,8 @@
           </p:nvSpPr>
           <p:spPr>
             <a:xfrm>
-              <a:off x="820269" y="1937759"/>
-              <a:ext cx="2180544" cy="814296"/>
+              <a:off x="820269" y="2144511"/>
+              <a:ext cx="2180544" cy="390616"/>
             </a:xfrm>
             <a:prstGeom prst="rect">
               <a:avLst/>
@@ -7495,10 +7468,10 @@
         </p:nvGrpSpPr>
         <p:grpSpPr>
           <a:xfrm>
-            <a:off x="3605596" y="2225475"/>
-            <a:ext cx="2180544" cy="814296"/>
-            <a:chOff x="820269" y="3002608"/>
-            <a:chExt cx="2180544" cy="814296"/>
+            <a:off x="3400492" y="1501843"/>
+            <a:ext cx="2180544" cy="400110"/>
+            <a:chOff x="820269" y="3215947"/>
+            <a:chExt cx="2180544" cy="400110"/>
           </a:xfrm>
         </p:grpSpPr>
         <p:sp>
@@ -7515,8 +7488,8 @@
           </p:nvSpPr>
           <p:spPr>
             <a:xfrm>
-              <a:off x="820269" y="3002608"/>
-              <a:ext cx="2180544" cy="814296"/>
+              <a:off x="820269" y="3223493"/>
+              <a:ext cx="2180544" cy="378468"/>
             </a:xfrm>
             <a:prstGeom prst="rect">
               <a:avLst/>
@@ -7609,10 +7582,10 @@
         </p:nvGrpSpPr>
         <p:grpSpPr>
           <a:xfrm>
-            <a:off x="3605596" y="3350746"/>
-            <a:ext cx="2180544" cy="814296"/>
-            <a:chOff x="820269" y="4050756"/>
-            <a:chExt cx="2180544" cy="814296"/>
+            <a:off x="3400492" y="2217658"/>
+            <a:ext cx="2180544" cy="430955"/>
+            <a:chOff x="820269" y="4223312"/>
+            <a:chExt cx="2180544" cy="430955"/>
           </a:xfrm>
         </p:grpSpPr>
         <p:sp>
@@ -7629,8 +7602,8 @@
           </p:nvSpPr>
           <p:spPr>
             <a:xfrm>
-              <a:off x="820269" y="4050756"/>
-              <a:ext cx="2180544" cy="814296"/>
+              <a:off x="820269" y="4223312"/>
+              <a:ext cx="2180544" cy="400110"/>
             </a:xfrm>
             <a:prstGeom prst="rect">
               <a:avLst/>
@@ -7713,902 +7686,12 @@
           </p:txBody>
         </p:sp>
       </p:grpSp>
-      <p:sp>
-        <p:nvSpPr>
-          <p:cNvPr id="32" name="下矢印 31">
-            <a:extLst>
-              <a:ext uri="{FF2B5EF4-FFF2-40B4-BE49-F238E27FC236}">
-                <a16:creationId xmlns:a16="http://schemas.microsoft.com/office/drawing/2014/main" id="{35AD3ED3-3FC0-684D-A6FE-22E7FADD73EE}"/>
-              </a:ext>
-            </a:extLst>
-          </p:cNvPr>
-          <p:cNvSpPr/>
-          <p:nvPr/>
-        </p:nvSpPr>
-        <p:spPr>
-          <a:xfrm>
-            <a:off x="1481401" y="1611573"/>
-            <a:ext cx="339365" cy="271095"/>
-          </a:xfrm>
-          <a:prstGeom prst="downArrow">
-            <a:avLst/>
-          </a:prstGeom>
-          <a:solidFill>
-            <a:schemeClr val="tx1">
-              <a:lumMod val="85000"/>
-              <a:lumOff val="15000"/>
-            </a:schemeClr>
-          </a:solidFill>
-          <a:ln>
-            <a:noFill/>
-          </a:ln>
-        </p:spPr>
-        <p:style>
-          <a:lnRef idx="2">
-            <a:schemeClr val="accent1">
-              <a:shade val="50000"/>
-            </a:schemeClr>
-          </a:lnRef>
-          <a:fillRef idx="1">
-            <a:schemeClr val="accent1"/>
-          </a:fillRef>
-          <a:effectRef idx="0">
-            <a:schemeClr val="accent1"/>
-          </a:effectRef>
-          <a:fontRef idx="minor">
-            <a:schemeClr val="lt1"/>
-          </a:fontRef>
-        </p:style>
-        <p:txBody>
-          <a:bodyPr rtlCol="0" anchor="ctr"/>
-          <a:lstStyle/>
-          <a:p>
-            <a:pPr algn="ctr"/>
-            <a:endParaRPr kumimoji="1" lang="ja-JP" altLang="en-US"/>
-          </a:p>
-        </p:txBody>
-      </p:sp>
-      <p:sp>
-        <p:nvSpPr>
-          <p:cNvPr id="33" name="下矢印 32">
-            <a:extLst>
-              <a:ext uri="{FF2B5EF4-FFF2-40B4-BE49-F238E27FC236}">
-                <a16:creationId xmlns:a16="http://schemas.microsoft.com/office/drawing/2014/main" id="{E40F777B-0A94-1042-A0D9-94ABA38C3E7F}"/>
-              </a:ext>
-            </a:extLst>
-          </p:cNvPr>
-          <p:cNvSpPr/>
-          <p:nvPr/>
-        </p:nvSpPr>
-        <p:spPr>
-          <a:xfrm>
-            <a:off x="1481401" y="2683496"/>
-            <a:ext cx="339365" cy="271095"/>
-          </a:xfrm>
-          <a:prstGeom prst="downArrow">
-            <a:avLst/>
-          </a:prstGeom>
-          <a:solidFill>
-            <a:schemeClr val="tx1">
-              <a:lumMod val="85000"/>
-              <a:lumOff val="15000"/>
-            </a:schemeClr>
-          </a:solidFill>
-          <a:ln>
-            <a:noFill/>
-          </a:ln>
-        </p:spPr>
-        <p:style>
-          <a:lnRef idx="2">
-            <a:schemeClr val="accent1">
-              <a:shade val="50000"/>
-            </a:schemeClr>
-          </a:lnRef>
-          <a:fillRef idx="1">
-            <a:schemeClr val="accent1"/>
-          </a:fillRef>
-          <a:effectRef idx="0">
-            <a:schemeClr val="accent1"/>
-          </a:effectRef>
-          <a:fontRef idx="minor">
-            <a:schemeClr val="lt1"/>
-          </a:fontRef>
-        </p:style>
-        <p:txBody>
-          <a:bodyPr rtlCol="0" anchor="ctr"/>
-          <a:lstStyle/>
-          <a:p>
-            <a:pPr algn="ctr"/>
-            <a:endParaRPr kumimoji="1" lang="ja-JP" altLang="en-US"/>
-          </a:p>
-        </p:txBody>
-      </p:sp>
-      <p:sp>
-        <p:nvSpPr>
-          <p:cNvPr id="34" name="下矢印 33">
-            <a:extLst>
-              <a:ext uri="{FF2B5EF4-FFF2-40B4-BE49-F238E27FC236}">
-                <a16:creationId xmlns:a16="http://schemas.microsoft.com/office/drawing/2014/main" id="{DE3BC0D0-9DBF-894C-A158-1720A8470F36}"/>
-              </a:ext>
-            </a:extLst>
-          </p:cNvPr>
-          <p:cNvSpPr/>
-          <p:nvPr/>
-        </p:nvSpPr>
-        <p:spPr>
-          <a:xfrm>
-            <a:off x="4526186" y="1934440"/>
-            <a:ext cx="339365" cy="271095"/>
-          </a:xfrm>
-          <a:prstGeom prst="downArrow">
-            <a:avLst/>
-          </a:prstGeom>
-          <a:solidFill>
-            <a:schemeClr val="tx1">
-              <a:lumMod val="85000"/>
-              <a:lumOff val="15000"/>
-            </a:schemeClr>
-          </a:solidFill>
-          <a:ln>
-            <a:noFill/>
-          </a:ln>
-        </p:spPr>
-        <p:style>
-          <a:lnRef idx="2">
-            <a:schemeClr val="accent1">
-              <a:shade val="50000"/>
-            </a:schemeClr>
-          </a:lnRef>
-          <a:fillRef idx="1">
-            <a:schemeClr val="accent1"/>
-          </a:fillRef>
-          <a:effectRef idx="0">
-            <a:schemeClr val="accent1"/>
-          </a:effectRef>
-          <a:fontRef idx="minor">
-            <a:schemeClr val="lt1"/>
-          </a:fontRef>
-        </p:style>
-        <p:txBody>
-          <a:bodyPr rtlCol="0" anchor="ctr"/>
-          <a:lstStyle/>
-          <a:p>
-            <a:pPr algn="ctr"/>
-            <a:endParaRPr kumimoji="1" lang="ja-JP" altLang="en-US"/>
-          </a:p>
-        </p:txBody>
-      </p:sp>
-      <p:sp>
-        <p:nvSpPr>
-          <p:cNvPr id="35" name="下矢印 34">
-            <a:extLst>
-              <a:ext uri="{FF2B5EF4-FFF2-40B4-BE49-F238E27FC236}">
-                <a16:creationId xmlns:a16="http://schemas.microsoft.com/office/drawing/2014/main" id="{7480784B-098A-4941-A1F0-D972C1D04099}"/>
-              </a:ext>
-            </a:extLst>
-          </p:cNvPr>
-          <p:cNvSpPr/>
-          <p:nvPr/>
-        </p:nvSpPr>
-        <p:spPr>
-          <a:xfrm>
-            <a:off x="4526186" y="3059711"/>
-            <a:ext cx="339365" cy="271095"/>
-          </a:xfrm>
-          <a:prstGeom prst="downArrow">
-            <a:avLst/>
-          </a:prstGeom>
-          <a:solidFill>
-            <a:schemeClr val="tx1">
-              <a:lumMod val="85000"/>
-              <a:lumOff val="15000"/>
-            </a:schemeClr>
-          </a:solidFill>
-          <a:ln>
-            <a:noFill/>
-          </a:ln>
-        </p:spPr>
-        <p:style>
-          <a:lnRef idx="2">
-            <a:schemeClr val="accent1">
-              <a:shade val="50000"/>
-            </a:schemeClr>
-          </a:lnRef>
-          <a:fillRef idx="1">
-            <a:schemeClr val="accent1"/>
-          </a:fillRef>
-          <a:effectRef idx="0">
-            <a:schemeClr val="accent1"/>
-          </a:effectRef>
-          <a:fontRef idx="minor">
-            <a:schemeClr val="lt1"/>
-          </a:fontRef>
-        </p:style>
-        <p:txBody>
-          <a:bodyPr rtlCol="0" anchor="ctr"/>
-          <a:lstStyle/>
-          <a:p>
-            <a:pPr algn="ctr"/>
-            <a:endParaRPr kumimoji="1" lang="ja-JP" altLang="en-US"/>
-          </a:p>
-        </p:txBody>
-      </p:sp>
-      <p:sp>
-        <p:nvSpPr>
-          <p:cNvPr id="36" name="正方形/長方形 35">
-            <a:extLst>
-              <a:ext uri="{FF2B5EF4-FFF2-40B4-BE49-F238E27FC236}">
-                <a16:creationId xmlns:a16="http://schemas.microsoft.com/office/drawing/2014/main" id="{145F88E2-A318-C141-BEE1-FCBABDCCD177}"/>
-              </a:ext>
-            </a:extLst>
-          </p:cNvPr>
-          <p:cNvSpPr/>
-          <p:nvPr/>
-        </p:nvSpPr>
-        <p:spPr>
-          <a:xfrm>
-            <a:off x="1566242" y="3755417"/>
-            <a:ext cx="169683" cy="396000"/>
-          </a:xfrm>
-          <a:prstGeom prst="rect">
-            <a:avLst/>
-          </a:prstGeom>
-          <a:solidFill>
-            <a:schemeClr val="tx1">
-              <a:lumMod val="85000"/>
-              <a:lumOff val="15000"/>
-            </a:schemeClr>
-          </a:solidFill>
-          <a:ln>
-            <a:noFill/>
-          </a:ln>
-        </p:spPr>
-        <p:style>
-          <a:lnRef idx="2">
-            <a:schemeClr val="accent1">
-              <a:shade val="50000"/>
-            </a:schemeClr>
-          </a:lnRef>
-          <a:fillRef idx="1">
-            <a:schemeClr val="accent1"/>
-          </a:fillRef>
-          <a:effectRef idx="0">
-            <a:schemeClr val="accent1"/>
-          </a:effectRef>
-          <a:fontRef idx="minor">
-            <a:schemeClr val="lt1"/>
-          </a:fontRef>
-        </p:style>
-        <p:txBody>
-          <a:bodyPr rtlCol="0" anchor="ctr"/>
-          <a:lstStyle/>
-          <a:p>
-            <a:pPr algn="ctr"/>
-            <a:endParaRPr kumimoji="1" lang="ja-JP" altLang="en-US"/>
-          </a:p>
-        </p:txBody>
-      </p:sp>
-      <p:sp>
-        <p:nvSpPr>
-          <p:cNvPr id="38" name="正方形/長方形 37">
-            <a:extLst>
-              <a:ext uri="{FF2B5EF4-FFF2-40B4-BE49-F238E27FC236}">
-                <a16:creationId xmlns:a16="http://schemas.microsoft.com/office/drawing/2014/main" id="{8AD6D823-B986-FC48-A4DE-C18CCD059D01}"/>
-              </a:ext>
-            </a:extLst>
-          </p:cNvPr>
-          <p:cNvSpPr/>
-          <p:nvPr/>
-        </p:nvSpPr>
-        <p:spPr>
-          <a:xfrm>
-            <a:off x="4611027" y="4184984"/>
-            <a:ext cx="169683" cy="360000"/>
-          </a:xfrm>
-          <a:prstGeom prst="rect">
-            <a:avLst/>
-          </a:prstGeom>
-          <a:solidFill>
-            <a:schemeClr val="tx1">
-              <a:lumMod val="85000"/>
-              <a:lumOff val="15000"/>
-            </a:schemeClr>
-          </a:solidFill>
-          <a:ln>
-            <a:noFill/>
-          </a:ln>
-        </p:spPr>
-        <p:style>
-          <a:lnRef idx="2">
-            <a:schemeClr val="accent1">
-              <a:shade val="50000"/>
-            </a:schemeClr>
-          </a:lnRef>
-          <a:fillRef idx="1">
-            <a:schemeClr val="accent1"/>
-          </a:fillRef>
-          <a:effectRef idx="0">
-            <a:schemeClr val="accent1"/>
-          </a:effectRef>
-          <a:fontRef idx="minor">
-            <a:schemeClr val="lt1"/>
-          </a:fontRef>
-        </p:style>
-        <p:txBody>
-          <a:bodyPr rtlCol="0" anchor="ctr"/>
-          <a:lstStyle/>
-          <a:p>
-            <a:pPr algn="ctr"/>
-            <a:endParaRPr kumimoji="1" lang="ja-JP" altLang="en-US"/>
-          </a:p>
-        </p:txBody>
-      </p:sp>
-      <p:sp>
-        <p:nvSpPr>
-          <p:cNvPr id="39" name="下矢印 38">
-            <a:extLst>
-              <a:ext uri="{FF2B5EF4-FFF2-40B4-BE49-F238E27FC236}">
-                <a16:creationId xmlns:a16="http://schemas.microsoft.com/office/drawing/2014/main" id="{4C05619A-E5B3-1642-8F2B-4546806D7CFD}"/>
-              </a:ext>
-            </a:extLst>
-          </p:cNvPr>
-          <p:cNvSpPr/>
-          <p:nvPr/>
-        </p:nvSpPr>
-        <p:spPr>
-          <a:xfrm rot="16200000">
-            <a:off x="3212816" y="1311889"/>
-            <a:ext cx="339365" cy="432000"/>
-          </a:xfrm>
-          <a:prstGeom prst="downArrow">
-            <a:avLst/>
-          </a:prstGeom>
-          <a:solidFill>
-            <a:schemeClr val="tx1">
-              <a:lumMod val="85000"/>
-              <a:lumOff val="15000"/>
-            </a:schemeClr>
-          </a:solidFill>
-          <a:ln>
-            <a:noFill/>
-          </a:ln>
-        </p:spPr>
-        <p:style>
-          <a:lnRef idx="2">
-            <a:schemeClr val="accent1">
-              <a:shade val="50000"/>
-            </a:schemeClr>
-          </a:lnRef>
-          <a:fillRef idx="1">
-            <a:schemeClr val="accent1"/>
-          </a:fillRef>
-          <a:effectRef idx="0">
-            <a:schemeClr val="accent1"/>
-          </a:effectRef>
-          <a:fontRef idx="minor">
-            <a:schemeClr val="lt1"/>
-          </a:fontRef>
-        </p:style>
-        <p:txBody>
-          <a:bodyPr rtlCol="0" anchor="ctr"/>
-          <a:lstStyle/>
-          <a:p>
-            <a:pPr algn="ctr"/>
-            <a:endParaRPr kumimoji="1" lang="ja-JP" altLang="en-US"/>
-          </a:p>
-        </p:txBody>
-      </p:sp>
-      <p:sp>
-        <p:nvSpPr>
-          <p:cNvPr id="40" name="正方形/長方形 39">
-            <a:extLst>
-              <a:ext uri="{FF2B5EF4-FFF2-40B4-BE49-F238E27FC236}">
-                <a16:creationId xmlns:a16="http://schemas.microsoft.com/office/drawing/2014/main" id="{C8393259-0D9A-B64D-95DF-285C6AD29985}"/>
-              </a:ext>
-            </a:extLst>
-          </p:cNvPr>
-          <p:cNvSpPr/>
-          <p:nvPr/>
-        </p:nvSpPr>
-        <p:spPr>
-          <a:xfrm>
-            <a:off x="3049892" y="1442273"/>
-            <a:ext cx="169683" cy="2844000"/>
-          </a:xfrm>
-          <a:prstGeom prst="rect">
-            <a:avLst/>
-          </a:prstGeom>
-          <a:solidFill>
-            <a:schemeClr val="tx1">
-              <a:lumMod val="85000"/>
-              <a:lumOff val="15000"/>
-            </a:schemeClr>
-          </a:solidFill>
-          <a:ln>
-            <a:noFill/>
-          </a:ln>
-        </p:spPr>
-        <p:style>
-          <a:lnRef idx="2">
-            <a:schemeClr val="accent1">
-              <a:shade val="50000"/>
-            </a:schemeClr>
-          </a:lnRef>
-          <a:fillRef idx="1">
-            <a:schemeClr val="accent1"/>
-          </a:fillRef>
-          <a:effectRef idx="0">
-            <a:schemeClr val="accent1"/>
-          </a:effectRef>
-          <a:fontRef idx="minor">
-            <a:schemeClr val="lt1"/>
-          </a:fontRef>
-        </p:style>
-        <p:txBody>
-          <a:bodyPr rtlCol="0" anchor="ctr"/>
-          <a:lstStyle/>
-          <a:p>
-            <a:pPr algn="ctr"/>
-            <a:endParaRPr kumimoji="1" lang="ja-JP" altLang="en-US"/>
-          </a:p>
-        </p:txBody>
-      </p:sp>
-      <p:sp>
-        <p:nvSpPr>
-          <p:cNvPr id="41" name="正方形/長方形 40">
-            <a:extLst>
-              <a:ext uri="{FF2B5EF4-FFF2-40B4-BE49-F238E27FC236}">
-                <a16:creationId xmlns:a16="http://schemas.microsoft.com/office/drawing/2014/main" id="{AEE17BD5-1CAE-FD41-BE38-B066645A739C}"/>
-              </a:ext>
-            </a:extLst>
-          </p:cNvPr>
-          <p:cNvSpPr/>
-          <p:nvPr/>
-        </p:nvSpPr>
-        <p:spPr>
-          <a:xfrm rot="16200000">
-            <a:off x="2309492" y="3402085"/>
-            <a:ext cx="169683" cy="1655999"/>
-          </a:xfrm>
-          <a:prstGeom prst="rect">
-            <a:avLst/>
-          </a:prstGeom>
-          <a:solidFill>
-            <a:schemeClr val="tx1">
-              <a:lumMod val="85000"/>
-              <a:lumOff val="15000"/>
-            </a:schemeClr>
-          </a:solidFill>
-          <a:ln>
-            <a:noFill/>
-          </a:ln>
-        </p:spPr>
-        <p:style>
-          <a:lnRef idx="2">
-            <a:schemeClr val="accent1">
-              <a:shade val="50000"/>
-            </a:schemeClr>
-          </a:lnRef>
-          <a:fillRef idx="1">
-            <a:schemeClr val="accent1"/>
-          </a:fillRef>
-          <a:effectRef idx="0">
-            <a:schemeClr val="accent1"/>
-          </a:effectRef>
-          <a:fontRef idx="minor">
-            <a:schemeClr val="lt1"/>
-          </a:fontRef>
-        </p:style>
-        <p:txBody>
-          <a:bodyPr rtlCol="0" anchor="ctr"/>
-          <a:lstStyle/>
-          <a:p>
-            <a:pPr algn="ctr"/>
-            <a:endParaRPr kumimoji="1" lang="ja-JP" altLang="en-US" b="1"/>
-          </a:p>
-        </p:txBody>
-      </p:sp>
-      <p:sp>
-        <p:nvSpPr>
-          <p:cNvPr id="45" name="正方形/長方形 44">
-            <a:extLst>
-              <a:ext uri="{FF2B5EF4-FFF2-40B4-BE49-F238E27FC236}">
-                <a16:creationId xmlns:a16="http://schemas.microsoft.com/office/drawing/2014/main" id="{08C1F2BC-A8B3-8F47-9576-682132A25C72}"/>
-              </a:ext>
-            </a:extLst>
-          </p:cNvPr>
-          <p:cNvSpPr/>
-          <p:nvPr/>
-        </p:nvSpPr>
-        <p:spPr>
-          <a:xfrm rot="16200000">
-            <a:off x="5304330" y="3760322"/>
-            <a:ext cx="169683" cy="1404000"/>
-          </a:xfrm>
-          <a:prstGeom prst="rect">
-            <a:avLst/>
-          </a:prstGeom>
-          <a:solidFill>
-            <a:schemeClr val="tx1">
-              <a:lumMod val="85000"/>
-              <a:lumOff val="15000"/>
-            </a:schemeClr>
-          </a:solidFill>
-          <a:ln>
-            <a:noFill/>
-          </a:ln>
-        </p:spPr>
-        <p:style>
-          <a:lnRef idx="2">
-            <a:schemeClr val="accent1">
-              <a:shade val="50000"/>
-            </a:schemeClr>
-          </a:lnRef>
-          <a:fillRef idx="1">
-            <a:schemeClr val="accent1"/>
-          </a:fillRef>
-          <a:effectRef idx="0">
-            <a:schemeClr val="accent1"/>
-          </a:effectRef>
-          <a:fontRef idx="minor">
-            <a:schemeClr val="lt1"/>
-          </a:fontRef>
-        </p:style>
-        <p:txBody>
-          <a:bodyPr rtlCol="0" anchor="ctr"/>
-          <a:lstStyle/>
-          <a:p>
-            <a:pPr algn="ctr"/>
-            <a:endParaRPr kumimoji="1" lang="ja-JP" altLang="en-US" b="1"/>
-          </a:p>
-        </p:txBody>
-      </p:sp>
-      <p:sp>
-        <p:nvSpPr>
-          <p:cNvPr id="46" name="下矢印 45">
-            <a:extLst>
-              <a:ext uri="{FF2B5EF4-FFF2-40B4-BE49-F238E27FC236}">
-                <a16:creationId xmlns:a16="http://schemas.microsoft.com/office/drawing/2014/main" id="{FB780828-26C7-6A47-9D43-741E59793F55}"/>
-              </a:ext>
-            </a:extLst>
-          </p:cNvPr>
-          <p:cNvSpPr/>
-          <p:nvPr/>
-        </p:nvSpPr>
-        <p:spPr>
-          <a:xfrm rot="5400000">
-            <a:off x="5616458" y="1868181"/>
-            <a:ext cx="339365" cy="432000"/>
-          </a:xfrm>
-          <a:prstGeom prst="downArrow">
-            <a:avLst/>
-          </a:prstGeom>
-          <a:solidFill>
-            <a:schemeClr val="tx1">
-              <a:lumMod val="85000"/>
-              <a:lumOff val="15000"/>
-            </a:schemeClr>
-          </a:solidFill>
-          <a:ln>
-            <a:noFill/>
-          </a:ln>
-        </p:spPr>
-        <p:style>
-          <a:lnRef idx="2">
-            <a:schemeClr val="accent1">
-              <a:shade val="50000"/>
-            </a:schemeClr>
-          </a:lnRef>
-          <a:fillRef idx="1">
-            <a:schemeClr val="accent1"/>
-          </a:fillRef>
-          <a:effectRef idx="0">
-            <a:schemeClr val="accent1"/>
-          </a:effectRef>
-          <a:fontRef idx="minor">
-            <a:schemeClr val="lt1"/>
-          </a:fontRef>
-        </p:style>
-        <p:txBody>
-          <a:bodyPr rtlCol="0" anchor="ctr"/>
-          <a:lstStyle/>
-          <a:p>
-            <a:pPr algn="ctr"/>
-            <a:endParaRPr kumimoji="1" lang="ja-JP" altLang="en-US"/>
-          </a:p>
-        </p:txBody>
-      </p:sp>
-      <p:sp>
-        <p:nvSpPr>
-          <p:cNvPr id="48" name="正方形/長方形 47">
-            <a:extLst>
-              <a:ext uri="{FF2B5EF4-FFF2-40B4-BE49-F238E27FC236}">
-                <a16:creationId xmlns:a16="http://schemas.microsoft.com/office/drawing/2014/main" id="{7F4F8D52-417A-BF4E-8979-76E97DCA03CA}"/>
-              </a:ext>
-            </a:extLst>
-          </p:cNvPr>
-          <p:cNvSpPr/>
-          <p:nvPr/>
-        </p:nvSpPr>
-        <p:spPr>
-          <a:xfrm>
-            <a:off x="5923182" y="1997856"/>
-            <a:ext cx="169683" cy="2520000"/>
-          </a:xfrm>
-          <a:prstGeom prst="rect">
-            <a:avLst/>
-          </a:prstGeom>
-          <a:solidFill>
-            <a:schemeClr val="tx1">
-              <a:lumMod val="85000"/>
-              <a:lumOff val="15000"/>
-            </a:schemeClr>
-          </a:solidFill>
-          <a:ln>
-            <a:noFill/>
-          </a:ln>
-        </p:spPr>
-        <p:style>
-          <a:lnRef idx="2">
-            <a:schemeClr val="accent1">
-              <a:shade val="50000"/>
-            </a:schemeClr>
-          </a:lnRef>
-          <a:fillRef idx="1">
-            <a:schemeClr val="accent1"/>
-          </a:fillRef>
-          <a:effectRef idx="0">
-            <a:schemeClr val="accent1"/>
-          </a:effectRef>
-          <a:fontRef idx="minor">
-            <a:schemeClr val="lt1"/>
-          </a:fontRef>
-        </p:style>
-        <p:txBody>
-          <a:bodyPr rtlCol="0" anchor="ctr"/>
-          <a:lstStyle/>
-          <a:p>
-            <a:pPr algn="ctr"/>
-            <a:endParaRPr kumimoji="1" lang="ja-JP" altLang="en-US"/>
-          </a:p>
-        </p:txBody>
-      </p:sp>
-    </p:spTree>
-    <p:extLst>
-      <p:ext uri="{BB962C8B-B14F-4D97-AF65-F5344CB8AC3E}">
-        <p14:creationId xmlns:p14="http://schemas.microsoft.com/office/powerpoint/2010/main" val="47273256"/>
-      </p:ext>
-    </p:extLst>
-  </p:cSld>
-  <p:clrMapOvr>
-    <a:masterClrMapping/>
-  </p:clrMapOvr>
-</p:sld>
-</file>
-
-<file path=ppt/slides/slide6.xml><?xml version="1.0" encoding="utf-8"?>
-<p:sld xmlns:a="http://schemas.openxmlformats.org/drawingml/2006/main" xmlns:r="http://schemas.openxmlformats.org/officeDocument/2006/relationships" xmlns:p="http://schemas.openxmlformats.org/presentationml/2006/main">
-  <p:cSld>
-    <p:bg>
-      <p:bgPr>
-        <a:solidFill>
-          <a:schemeClr val="bg1"/>
-        </a:solidFill>
-        <a:effectLst/>
-      </p:bgPr>
-    </p:bg>
-    <p:spTree>
-      <p:nvGrpSpPr>
-        <p:cNvPr id="1" name=""/>
-        <p:cNvGrpSpPr/>
-        <p:nvPr/>
-      </p:nvGrpSpPr>
-      <p:grpSpPr>
-        <a:xfrm>
-          <a:off x="0" y="0"/>
-          <a:ext cx="0" cy="0"/>
-          <a:chOff x="0" y="0"/>
-          <a:chExt cx="0" cy="0"/>
-        </a:xfrm>
-      </p:grpSpPr>
-      <p:sp>
-        <p:nvSpPr>
-          <p:cNvPr id="94" name="テキスト ボックス 93">
-            <a:extLst>
-              <a:ext uri="{FF2B5EF4-FFF2-40B4-BE49-F238E27FC236}">
-                <a16:creationId xmlns:a16="http://schemas.microsoft.com/office/drawing/2014/main" id="{5CA831E9-D4FA-7840-9F7E-E23976BFB258}"/>
-              </a:ext>
-            </a:extLst>
-          </p:cNvPr>
-          <p:cNvSpPr txBox="1"/>
-          <p:nvPr/>
-        </p:nvSpPr>
-        <p:spPr>
-          <a:xfrm>
-            <a:off x="3748664" y="330446"/>
-            <a:ext cx="790601" cy="400110"/>
-          </a:xfrm>
-          <a:prstGeom prst="rect">
-            <a:avLst/>
-          </a:prstGeom>
-          <a:noFill/>
-        </p:spPr>
-        <p:txBody>
-          <a:bodyPr wrap="none" rtlCol="0">
-            <a:spAutoFit/>
-          </a:bodyPr>
-          <a:lstStyle/>
-          <a:p>
-            <a:r>
-              <a:rPr kumimoji="1" lang="en-US" altLang="ja-JP" sz="2000" dirty="0">
-                <a:latin typeface="Hiragino Kaku Gothic Pro W3" panose="020B0300000000000000" pitchFamily="34" charset="-128"/>
-                <a:ea typeface="Hiragino Kaku Gothic Pro W3" panose="020B0300000000000000" pitchFamily="34" charset="-128"/>
-              </a:rPr>
-              <a:t>main</a:t>
-            </a:r>
-            <a:endParaRPr kumimoji="1" lang="ja-JP" altLang="en-US" sz="2000">
-              <a:latin typeface="Hiragino Kaku Gothic Pro W3" panose="020B0300000000000000" pitchFamily="34" charset="-128"/>
-              <a:ea typeface="Hiragino Kaku Gothic Pro W3" panose="020B0300000000000000" pitchFamily="34" charset="-128"/>
-            </a:endParaRPr>
-          </a:p>
-        </p:txBody>
-      </p:sp>
-      <p:sp>
-        <p:nvSpPr>
-          <p:cNvPr id="95" name="テキスト ボックス 94">
-            <a:extLst>
-              <a:ext uri="{FF2B5EF4-FFF2-40B4-BE49-F238E27FC236}">
-                <a16:creationId xmlns:a16="http://schemas.microsoft.com/office/drawing/2014/main" id="{98EE98FE-F1B9-9443-A39F-C3537A3C0B0C}"/>
-              </a:ext>
-            </a:extLst>
-          </p:cNvPr>
-          <p:cNvSpPr txBox="1"/>
-          <p:nvPr/>
-        </p:nvSpPr>
-        <p:spPr>
-          <a:xfrm>
-            <a:off x="6807455" y="409316"/>
-            <a:ext cx="1061509" cy="400110"/>
-          </a:xfrm>
-          <a:prstGeom prst="rect">
-            <a:avLst/>
-          </a:prstGeom>
-          <a:noFill/>
-        </p:spPr>
-        <p:txBody>
-          <a:bodyPr wrap="none" rtlCol="0">
-            <a:spAutoFit/>
-          </a:bodyPr>
-          <a:lstStyle/>
-          <a:p>
-            <a:r>
-              <a:rPr kumimoji="1" lang="en-US" altLang="ja-JP" sz="2000" dirty="0">
-                <a:latin typeface="Hiragino Kaku Gothic Pro W3" panose="020B0300000000000000" pitchFamily="34" charset="-128"/>
-                <a:ea typeface="Hiragino Kaku Gothic Pro W3" panose="020B0300000000000000" pitchFamily="34" charset="-128"/>
-              </a:rPr>
-              <a:t>worker</a:t>
-            </a:r>
-            <a:endParaRPr kumimoji="1" lang="ja-JP" altLang="en-US" sz="2000">
-              <a:latin typeface="Hiragino Kaku Gothic Pro W3" panose="020B0300000000000000" pitchFamily="34" charset="-128"/>
-              <a:ea typeface="Hiragino Kaku Gothic Pro W3" panose="020B0300000000000000" pitchFamily="34" charset="-128"/>
-            </a:endParaRPr>
-          </a:p>
-        </p:txBody>
-      </p:sp>
-      <p:sp>
-        <p:nvSpPr>
-          <p:cNvPr id="97" name="正方形/長方形 96">
-            <a:extLst>
-              <a:ext uri="{FF2B5EF4-FFF2-40B4-BE49-F238E27FC236}">
-                <a16:creationId xmlns:a16="http://schemas.microsoft.com/office/drawing/2014/main" id="{5E40BA0C-B930-B64E-9D1F-81432D031DDB}"/>
-              </a:ext>
-            </a:extLst>
-          </p:cNvPr>
-          <p:cNvSpPr/>
-          <p:nvPr/>
-        </p:nvSpPr>
-        <p:spPr>
-          <a:xfrm>
-            <a:off x="6044818" y="323640"/>
-            <a:ext cx="2504822" cy="4603959"/>
-          </a:xfrm>
-          <a:prstGeom prst="rect">
-            <a:avLst/>
-          </a:prstGeom>
-          <a:noFill/>
-          <a:ln w="76200">
-            <a:solidFill>
-              <a:schemeClr val="accent4">
-                <a:lumMod val="75000"/>
-              </a:schemeClr>
-            </a:solidFill>
-          </a:ln>
-        </p:spPr>
-        <p:style>
-          <a:lnRef idx="2">
-            <a:schemeClr val="accent1">
-              <a:shade val="50000"/>
-            </a:schemeClr>
-          </a:lnRef>
-          <a:fillRef idx="1">
-            <a:schemeClr val="accent1"/>
-          </a:fillRef>
-          <a:effectRef idx="0">
-            <a:schemeClr val="accent1"/>
-          </a:effectRef>
-          <a:fontRef idx="minor">
-            <a:schemeClr val="lt1"/>
-          </a:fontRef>
-        </p:style>
-        <p:txBody>
-          <a:bodyPr rtlCol="0" anchor="ctr"/>
-          <a:lstStyle/>
-          <a:p>
-            <a:pPr algn="ctr"/>
-            <a:endParaRPr kumimoji="1" lang="ja-JP" altLang="en-US" sz="2000"/>
-          </a:p>
-        </p:txBody>
-      </p:sp>
-      <p:sp>
-        <p:nvSpPr>
-          <p:cNvPr id="98" name="正方形/長方形 97">
-            <a:extLst>
-              <a:ext uri="{FF2B5EF4-FFF2-40B4-BE49-F238E27FC236}">
-                <a16:creationId xmlns:a16="http://schemas.microsoft.com/office/drawing/2014/main" id="{78BCE53D-5BB9-9545-A27F-6C92B7AD2FA8}"/>
-              </a:ext>
-            </a:extLst>
-          </p:cNvPr>
-          <p:cNvSpPr/>
-          <p:nvPr/>
-        </p:nvSpPr>
-        <p:spPr>
-          <a:xfrm>
-            <a:off x="2487705" y="280869"/>
-            <a:ext cx="2895004" cy="6450131"/>
-          </a:xfrm>
-          <a:prstGeom prst="rect">
-            <a:avLst/>
-          </a:prstGeom>
-          <a:noFill/>
-          <a:ln w="76200">
-            <a:solidFill>
-              <a:schemeClr val="accent1">
-                <a:lumMod val="75000"/>
-              </a:schemeClr>
-            </a:solidFill>
-          </a:ln>
-        </p:spPr>
-        <p:style>
-          <a:lnRef idx="2">
-            <a:schemeClr val="accent1">
-              <a:shade val="50000"/>
-            </a:schemeClr>
-          </a:lnRef>
-          <a:fillRef idx="1">
-            <a:schemeClr val="accent1"/>
-          </a:fillRef>
-          <a:effectRef idx="0">
-            <a:schemeClr val="accent1"/>
-          </a:effectRef>
-          <a:fontRef idx="minor">
-            <a:schemeClr val="lt1"/>
-          </a:fontRef>
-        </p:style>
-        <p:txBody>
-          <a:bodyPr rtlCol="0" anchor="ctr"/>
-          <a:lstStyle/>
-          <a:p>
-            <a:pPr algn="ctr"/>
-            <a:endParaRPr kumimoji="1" lang="ja-JP" altLang="en-US" sz="2000"/>
-          </a:p>
-        </p:txBody>
-      </p:sp>
       <p:grpSp>
         <p:nvGrpSpPr>
-          <p:cNvPr id="100" name="グループ化 99">
-            <a:extLst>
-              <a:ext uri="{FF2B5EF4-FFF2-40B4-BE49-F238E27FC236}">
-                <a16:creationId xmlns:a16="http://schemas.microsoft.com/office/drawing/2014/main" id="{A8B2BBD6-EFBA-C646-AB4B-1230B5011464}"/>
+          <p:cNvPr id="37" name="グループ化 36">
+            <a:extLst>
+              <a:ext uri="{FF2B5EF4-FFF2-40B4-BE49-F238E27FC236}">
+                <a16:creationId xmlns:a16="http://schemas.microsoft.com/office/drawing/2014/main" id="{A1FFF684-A591-B647-9B35-02145A244AA1}"/>
               </a:ext>
             </a:extLst>
           </p:cNvPr>
@@ -8617,18 +7700,18 @@
         </p:nvGrpSpPr>
         <p:grpSpPr>
           <a:xfrm>
-            <a:off x="3062158" y="804011"/>
-            <a:ext cx="2254900" cy="814296"/>
-            <a:chOff x="783091" y="901734"/>
-            <a:chExt cx="2254900" cy="814296"/>
+            <a:off x="511386" y="765149"/>
+            <a:ext cx="2254900" cy="447754"/>
+            <a:chOff x="783091" y="1072798"/>
+            <a:chExt cx="2254900" cy="447754"/>
           </a:xfrm>
         </p:grpSpPr>
         <p:sp>
           <p:nvSpPr>
-            <p:cNvPr id="101" name="角丸四角形 100">
+            <p:cNvPr id="42" name="角丸四角形 41">
               <a:extLst>
                 <a:ext uri="{FF2B5EF4-FFF2-40B4-BE49-F238E27FC236}">
-                  <a16:creationId xmlns:a16="http://schemas.microsoft.com/office/drawing/2014/main" id="{B914A628-F95D-F94D-AB5B-D40690FAFB8C}"/>
+                  <a16:creationId xmlns:a16="http://schemas.microsoft.com/office/drawing/2014/main" id="{8AC88BDD-0B7B-6043-8399-81D9CEA6F840}"/>
                 </a:ext>
               </a:extLst>
             </p:cNvPr>
@@ -8637,8 +7720,8 @@
           </p:nvSpPr>
           <p:spPr>
             <a:xfrm>
-              <a:off x="783091" y="901734"/>
-              <a:ext cx="2254900" cy="814296"/>
+              <a:off x="783091" y="1072798"/>
+              <a:ext cx="2254900" cy="447754"/>
             </a:xfrm>
             <a:prstGeom prst="roundRect">
               <a:avLst>
@@ -8685,10 +7768,10 @@
         </p:sp>
         <p:sp>
           <p:nvSpPr>
-            <p:cNvPr id="102" name="テキスト ボックス 101">
+            <p:cNvPr id="43" name="テキスト ボックス 42">
               <a:extLst>
                 <a:ext uri="{FF2B5EF4-FFF2-40B4-BE49-F238E27FC236}">
-                  <a16:creationId xmlns:a16="http://schemas.microsoft.com/office/drawing/2014/main" id="{ECDA8A0B-5269-9847-90DE-1D4E86FF161B}"/>
+                  <a16:creationId xmlns:a16="http://schemas.microsoft.com/office/drawing/2014/main" id="{A558958A-7ACD-3E4F-B069-8FE79C6520D7}"/>
                 </a:ext>
               </a:extLst>
             </p:cNvPr>
@@ -8722,6 +7805,896 @@
           </p:txBody>
         </p:sp>
       </p:grpSp>
+      <p:sp>
+        <p:nvSpPr>
+          <p:cNvPr id="44" name="下矢印 43">
+            <a:extLst>
+              <a:ext uri="{FF2B5EF4-FFF2-40B4-BE49-F238E27FC236}">
+                <a16:creationId xmlns:a16="http://schemas.microsoft.com/office/drawing/2014/main" id="{522EFECA-76F9-9841-959E-123D5C94A680}"/>
+              </a:ext>
+            </a:extLst>
+          </p:cNvPr>
+          <p:cNvSpPr/>
+          <p:nvPr/>
+        </p:nvSpPr>
+        <p:spPr>
+          <a:xfrm>
+            <a:off x="1548836" y="1230828"/>
+            <a:ext cx="180000" cy="271095"/>
+          </a:xfrm>
+          <a:prstGeom prst="downArrow">
+            <a:avLst/>
+          </a:prstGeom>
+          <a:solidFill>
+            <a:schemeClr val="tx1">
+              <a:lumMod val="85000"/>
+              <a:lumOff val="15000"/>
+            </a:schemeClr>
+          </a:solidFill>
+          <a:ln>
+            <a:noFill/>
+          </a:ln>
+        </p:spPr>
+        <p:style>
+          <a:lnRef idx="2">
+            <a:schemeClr val="accent1">
+              <a:shade val="50000"/>
+            </a:schemeClr>
+          </a:lnRef>
+          <a:fillRef idx="1">
+            <a:schemeClr val="accent1"/>
+          </a:fillRef>
+          <a:effectRef idx="0">
+            <a:schemeClr val="accent1"/>
+          </a:effectRef>
+          <a:fontRef idx="minor">
+            <a:schemeClr val="lt1"/>
+          </a:fontRef>
+        </p:style>
+        <p:txBody>
+          <a:bodyPr rtlCol="0" anchor="ctr"/>
+          <a:lstStyle/>
+          <a:p>
+            <a:pPr algn="ctr"/>
+            <a:endParaRPr kumimoji="1" lang="ja-JP" altLang="en-US"/>
+          </a:p>
+        </p:txBody>
+      </p:sp>
+      <p:sp>
+        <p:nvSpPr>
+          <p:cNvPr id="51" name="下矢印 50">
+            <a:extLst>
+              <a:ext uri="{FF2B5EF4-FFF2-40B4-BE49-F238E27FC236}">
+                <a16:creationId xmlns:a16="http://schemas.microsoft.com/office/drawing/2014/main" id="{58884873-AADB-DD42-A52D-C53FE26549A4}"/>
+              </a:ext>
+            </a:extLst>
+          </p:cNvPr>
+          <p:cNvSpPr/>
+          <p:nvPr/>
+        </p:nvSpPr>
+        <p:spPr>
+          <a:xfrm>
+            <a:off x="1548836" y="2352069"/>
+            <a:ext cx="180000" cy="271095"/>
+          </a:xfrm>
+          <a:prstGeom prst="downArrow">
+            <a:avLst/>
+          </a:prstGeom>
+          <a:solidFill>
+            <a:schemeClr val="tx1">
+              <a:lumMod val="85000"/>
+              <a:lumOff val="15000"/>
+            </a:schemeClr>
+          </a:solidFill>
+          <a:ln>
+            <a:noFill/>
+          </a:ln>
+        </p:spPr>
+        <p:style>
+          <a:lnRef idx="2">
+            <a:schemeClr val="accent1">
+              <a:shade val="50000"/>
+            </a:schemeClr>
+          </a:lnRef>
+          <a:fillRef idx="1">
+            <a:schemeClr val="accent1"/>
+          </a:fillRef>
+          <a:effectRef idx="0">
+            <a:schemeClr val="accent1"/>
+          </a:effectRef>
+          <a:fontRef idx="minor">
+            <a:schemeClr val="lt1"/>
+          </a:fontRef>
+        </p:style>
+        <p:txBody>
+          <a:bodyPr rtlCol="0" anchor="ctr"/>
+          <a:lstStyle/>
+          <a:p>
+            <a:pPr algn="ctr"/>
+            <a:endParaRPr kumimoji="1" lang="ja-JP" altLang="en-US"/>
+          </a:p>
+        </p:txBody>
+      </p:sp>
+      <p:sp>
+        <p:nvSpPr>
+          <p:cNvPr id="52" name="下矢印 51">
+            <a:extLst>
+              <a:ext uri="{FF2B5EF4-FFF2-40B4-BE49-F238E27FC236}">
+                <a16:creationId xmlns:a16="http://schemas.microsoft.com/office/drawing/2014/main" id="{3D8BD0A2-4FFA-2E40-89F8-BE3CC5EC8165}"/>
+              </a:ext>
+            </a:extLst>
+          </p:cNvPr>
+          <p:cNvSpPr/>
+          <p:nvPr/>
+        </p:nvSpPr>
+        <p:spPr>
+          <a:xfrm>
+            <a:off x="4400764" y="1208443"/>
+            <a:ext cx="180000" cy="271095"/>
+          </a:xfrm>
+          <a:prstGeom prst="downArrow">
+            <a:avLst/>
+          </a:prstGeom>
+          <a:solidFill>
+            <a:schemeClr val="tx1">
+              <a:lumMod val="85000"/>
+              <a:lumOff val="15000"/>
+            </a:schemeClr>
+          </a:solidFill>
+          <a:ln>
+            <a:noFill/>
+          </a:ln>
+        </p:spPr>
+        <p:style>
+          <a:lnRef idx="2">
+            <a:schemeClr val="accent1">
+              <a:shade val="50000"/>
+            </a:schemeClr>
+          </a:lnRef>
+          <a:fillRef idx="1">
+            <a:schemeClr val="accent1"/>
+          </a:fillRef>
+          <a:effectRef idx="0">
+            <a:schemeClr val="accent1"/>
+          </a:effectRef>
+          <a:fontRef idx="minor">
+            <a:schemeClr val="lt1"/>
+          </a:fontRef>
+        </p:style>
+        <p:txBody>
+          <a:bodyPr rtlCol="0" anchor="ctr"/>
+          <a:lstStyle/>
+          <a:p>
+            <a:pPr algn="ctr"/>
+            <a:endParaRPr kumimoji="1" lang="ja-JP" altLang="en-US"/>
+          </a:p>
+        </p:txBody>
+      </p:sp>
+      <p:sp>
+        <p:nvSpPr>
+          <p:cNvPr id="53" name="下矢印 52">
+            <a:extLst>
+              <a:ext uri="{FF2B5EF4-FFF2-40B4-BE49-F238E27FC236}">
+                <a16:creationId xmlns:a16="http://schemas.microsoft.com/office/drawing/2014/main" id="{18D75979-4558-C440-A54A-397B2ECEF7EB}"/>
+              </a:ext>
+            </a:extLst>
+          </p:cNvPr>
+          <p:cNvSpPr/>
+          <p:nvPr/>
+        </p:nvSpPr>
+        <p:spPr>
+          <a:xfrm>
+            <a:off x="4400764" y="1924258"/>
+            <a:ext cx="180000" cy="271095"/>
+          </a:xfrm>
+          <a:prstGeom prst="downArrow">
+            <a:avLst/>
+          </a:prstGeom>
+          <a:solidFill>
+            <a:schemeClr val="tx1">
+              <a:lumMod val="85000"/>
+              <a:lumOff val="15000"/>
+            </a:schemeClr>
+          </a:solidFill>
+          <a:ln>
+            <a:noFill/>
+          </a:ln>
+        </p:spPr>
+        <p:style>
+          <a:lnRef idx="2">
+            <a:schemeClr val="accent1">
+              <a:shade val="50000"/>
+            </a:schemeClr>
+          </a:lnRef>
+          <a:fillRef idx="1">
+            <a:schemeClr val="accent1"/>
+          </a:fillRef>
+          <a:effectRef idx="0">
+            <a:schemeClr val="accent1"/>
+          </a:effectRef>
+          <a:fontRef idx="minor">
+            <a:schemeClr val="lt1"/>
+          </a:fontRef>
+        </p:style>
+        <p:txBody>
+          <a:bodyPr rtlCol="0" anchor="ctr"/>
+          <a:lstStyle/>
+          <a:p>
+            <a:pPr algn="ctr"/>
+            <a:endParaRPr kumimoji="1" lang="ja-JP" altLang="en-US"/>
+          </a:p>
+        </p:txBody>
+      </p:sp>
+      <p:sp>
+        <p:nvSpPr>
+          <p:cNvPr id="54" name="正方形/長方形 53">
+            <a:extLst>
+              <a:ext uri="{FF2B5EF4-FFF2-40B4-BE49-F238E27FC236}">
+                <a16:creationId xmlns:a16="http://schemas.microsoft.com/office/drawing/2014/main" id="{9764B755-2316-974C-883D-DBDA69281252}"/>
+              </a:ext>
+            </a:extLst>
+          </p:cNvPr>
+          <p:cNvSpPr/>
+          <p:nvPr/>
+        </p:nvSpPr>
+        <p:spPr>
+          <a:xfrm>
+            <a:off x="1602836" y="3059126"/>
+            <a:ext cx="72000" cy="288000"/>
+          </a:xfrm>
+          <a:prstGeom prst="rect">
+            <a:avLst/>
+          </a:prstGeom>
+          <a:solidFill>
+            <a:schemeClr val="tx1">
+              <a:lumMod val="85000"/>
+              <a:lumOff val="15000"/>
+            </a:schemeClr>
+          </a:solidFill>
+          <a:ln>
+            <a:noFill/>
+          </a:ln>
+        </p:spPr>
+        <p:style>
+          <a:lnRef idx="2">
+            <a:schemeClr val="accent1">
+              <a:shade val="50000"/>
+            </a:schemeClr>
+          </a:lnRef>
+          <a:fillRef idx="1">
+            <a:schemeClr val="accent1"/>
+          </a:fillRef>
+          <a:effectRef idx="0">
+            <a:schemeClr val="accent1"/>
+          </a:effectRef>
+          <a:fontRef idx="minor">
+            <a:schemeClr val="lt1"/>
+          </a:fontRef>
+        </p:style>
+        <p:txBody>
+          <a:bodyPr rtlCol="0" anchor="ctr"/>
+          <a:lstStyle/>
+          <a:p>
+            <a:pPr algn="ctr"/>
+            <a:endParaRPr kumimoji="1" lang="ja-JP" altLang="en-US"/>
+          </a:p>
+        </p:txBody>
+      </p:sp>
+      <p:sp>
+        <p:nvSpPr>
+          <p:cNvPr id="55" name="正方形/長方形 54">
+            <a:extLst>
+              <a:ext uri="{FF2B5EF4-FFF2-40B4-BE49-F238E27FC236}">
+                <a16:creationId xmlns:a16="http://schemas.microsoft.com/office/drawing/2014/main" id="{228D4496-1CD7-844E-A80F-0A79AA9FC110}"/>
+              </a:ext>
+            </a:extLst>
+          </p:cNvPr>
+          <p:cNvSpPr/>
+          <p:nvPr/>
+        </p:nvSpPr>
+        <p:spPr>
+          <a:xfrm rot="16200000">
+            <a:off x="2288292" y="2663126"/>
+            <a:ext cx="72000" cy="1440000"/>
+          </a:xfrm>
+          <a:prstGeom prst="rect">
+            <a:avLst/>
+          </a:prstGeom>
+          <a:solidFill>
+            <a:schemeClr val="tx1">
+              <a:lumMod val="85000"/>
+              <a:lumOff val="15000"/>
+            </a:schemeClr>
+          </a:solidFill>
+          <a:ln>
+            <a:noFill/>
+          </a:ln>
+        </p:spPr>
+        <p:style>
+          <a:lnRef idx="2">
+            <a:schemeClr val="accent1">
+              <a:shade val="50000"/>
+            </a:schemeClr>
+          </a:lnRef>
+          <a:fillRef idx="1">
+            <a:schemeClr val="accent1"/>
+          </a:fillRef>
+          <a:effectRef idx="0">
+            <a:schemeClr val="accent1"/>
+          </a:effectRef>
+          <a:fontRef idx="minor">
+            <a:schemeClr val="lt1"/>
+          </a:fontRef>
+        </p:style>
+        <p:txBody>
+          <a:bodyPr rtlCol="0" anchor="ctr"/>
+          <a:lstStyle/>
+          <a:p>
+            <a:pPr algn="ctr"/>
+            <a:endParaRPr kumimoji="1" lang="ja-JP" altLang="en-US"/>
+          </a:p>
+        </p:txBody>
+      </p:sp>
+      <p:sp>
+        <p:nvSpPr>
+          <p:cNvPr id="56" name="正方形/長方形 55">
+            <a:extLst>
+              <a:ext uri="{FF2B5EF4-FFF2-40B4-BE49-F238E27FC236}">
+                <a16:creationId xmlns:a16="http://schemas.microsoft.com/office/drawing/2014/main" id="{37F70775-40E1-814B-AADE-860193A59818}"/>
+              </a:ext>
+            </a:extLst>
+          </p:cNvPr>
+          <p:cNvSpPr/>
+          <p:nvPr/>
+        </p:nvSpPr>
+        <p:spPr>
+          <a:xfrm>
+            <a:off x="2977591" y="999291"/>
+            <a:ext cx="72000" cy="2412000"/>
+          </a:xfrm>
+          <a:prstGeom prst="rect">
+            <a:avLst/>
+          </a:prstGeom>
+          <a:solidFill>
+            <a:schemeClr val="tx1">
+              <a:lumMod val="85000"/>
+              <a:lumOff val="15000"/>
+            </a:schemeClr>
+          </a:solidFill>
+          <a:ln>
+            <a:noFill/>
+          </a:ln>
+        </p:spPr>
+        <p:style>
+          <a:lnRef idx="2">
+            <a:schemeClr val="accent1">
+              <a:shade val="50000"/>
+            </a:schemeClr>
+          </a:lnRef>
+          <a:fillRef idx="1">
+            <a:schemeClr val="accent1"/>
+          </a:fillRef>
+          <a:effectRef idx="0">
+            <a:schemeClr val="accent1"/>
+          </a:effectRef>
+          <a:fontRef idx="minor">
+            <a:schemeClr val="lt1"/>
+          </a:fontRef>
+        </p:style>
+        <p:txBody>
+          <a:bodyPr rtlCol="0" anchor="ctr"/>
+          <a:lstStyle/>
+          <a:p>
+            <a:pPr algn="ctr"/>
+            <a:endParaRPr kumimoji="1" lang="ja-JP" altLang="en-US"/>
+          </a:p>
+        </p:txBody>
+      </p:sp>
+      <p:sp>
+        <p:nvSpPr>
+          <p:cNvPr id="57" name="下矢印 56">
+            <a:extLst>
+              <a:ext uri="{FF2B5EF4-FFF2-40B4-BE49-F238E27FC236}">
+                <a16:creationId xmlns:a16="http://schemas.microsoft.com/office/drawing/2014/main" id="{1A92AF0A-3FE7-6A47-B390-3F5D36EAA348}"/>
+              </a:ext>
+            </a:extLst>
+          </p:cNvPr>
+          <p:cNvSpPr/>
+          <p:nvPr/>
+        </p:nvSpPr>
+        <p:spPr>
+          <a:xfrm rot="-5400000">
+            <a:off x="3098890" y="787324"/>
+            <a:ext cx="180000" cy="432000"/>
+          </a:xfrm>
+          <a:prstGeom prst="downArrow">
+            <a:avLst/>
+          </a:prstGeom>
+          <a:solidFill>
+            <a:schemeClr val="tx1">
+              <a:lumMod val="85000"/>
+              <a:lumOff val="15000"/>
+            </a:schemeClr>
+          </a:solidFill>
+          <a:ln>
+            <a:noFill/>
+          </a:ln>
+        </p:spPr>
+        <p:style>
+          <a:lnRef idx="2">
+            <a:schemeClr val="accent1">
+              <a:shade val="50000"/>
+            </a:schemeClr>
+          </a:lnRef>
+          <a:fillRef idx="1">
+            <a:schemeClr val="accent1"/>
+          </a:fillRef>
+          <a:effectRef idx="0">
+            <a:schemeClr val="accent1"/>
+          </a:effectRef>
+          <a:fontRef idx="minor">
+            <a:schemeClr val="lt1"/>
+          </a:fontRef>
+        </p:style>
+        <p:txBody>
+          <a:bodyPr rtlCol="0" anchor="ctr"/>
+          <a:lstStyle/>
+          <a:p>
+            <a:pPr algn="ctr"/>
+            <a:endParaRPr kumimoji="1" lang="ja-JP" altLang="en-US"/>
+          </a:p>
+        </p:txBody>
+      </p:sp>
+      <p:sp>
+        <p:nvSpPr>
+          <p:cNvPr id="58" name="正方形/長方形 57">
+            <a:extLst>
+              <a:ext uri="{FF2B5EF4-FFF2-40B4-BE49-F238E27FC236}">
+                <a16:creationId xmlns:a16="http://schemas.microsoft.com/office/drawing/2014/main" id="{6D279675-927F-5842-92D0-62465EF34380}"/>
+              </a:ext>
+            </a:extLst>
+          </p:cNvPr>
+          <p:cNvSpPr/>
+          <p:nvPr/>
+        </p:nvSpPr>
+        <p:spPr>
+          <a:xfrm>
+            <a:off x="4454764" y="2670916"/>
+            <a:ext cx="72000" cy="288000"/>
+          </a:xfrm>
+          <a:prstGeom prst="rect">
+            <a:avLst/>
+          </a:prstGeom>
+          <a:solidFill>
+            <a:schemeClr val="tx1">
+              <a:lumMod val="85000"/>
+              <a:lumOff val="15000"/>
+            </a:schemeClr>
+          </a:solidFill>
+          <a:ln>
+            <a:noFill/>
+          </a:ln>
+        </p:spPr>
+        <p:style>
+          <a:lnRef idx="2">
+            <a:schemeClr val="accent1">
+              <a:shade val="50000"/>
+            </a:schemeClr>
+          </a:lnRef>
+          <a:fillRef idx="1">
+            <a:schemeClr val="accent1"/>
+          </a:fillRef>
+          <a:effectRef idx="0">
+            <a:schemeClr val="accent1"/>
+          </a:effectRef>
+          <a:fontRef idx="minor">
+            <a:schemeClr val="lt1"/>
+          </a:fontRef>
+        </p:style>
+        <p:txBody>
+          <a:bodyPr rtlCol="0" anchor="ctr"/>
+          <a:lstStyle/>
+          <a:p>
+            <a:pPr algn="ctr"/>
+            <a:endParaRPr kumimoji="1" lang="ja-JP" altLang="en-US"/>
+          </a:p>
+        </p:txBody>
+      </p:sp>
+      <p:sp>
+        <p:nvSpPr>
+          <p:cNvPr id="59" name="正方形/長方形 58">
+            <a:extLst>
+              <a:ext uri="{FF2B5EF4-FFF2-40B4-BE49-F238E27FC236}">
+                <a16:creationId xmlns:a16="http://schemas.microsoft.com/office/drawing/2014/main" id="{427FD0B9-6EA6-7B4E-88C6-316BB4269CCB}"/>
+              </a:ext>
+            </a:extLst>
+          </p:cNvPr>
+          <p:cNvSpPr/>
+          <p:nvPr/>
+        </p:nvSpPr>
+        <p:spPr>
+          <a:xfrm rot="16200000">
+            <a:off x="5063489" y="2346916"/>
+            <a:ext cx="72000" cy="1296000"/>
+          </a:xfrm>
+          <a:prstGeom prst="rect">
+            <a:avLst/>
+          </a:prstGeom>
+          <a:solidFill>
+            <a:schemeClr val="tx1">
+              <a:lumMod val="85000"/>
+              <a:lumOff val="15000"/>
+            </a:schemeClr>
+          </a:solidFill>
+          <a:ln>
+            <a:noFill/>
+          </a:ln>
+        </p:spPr>
+        <p:style>
+          <a:lnRef idx="2">
+            <a:schemeClr val="accent1">
+              <a:shade val="50000"/>
+            </a:schemeClr>
+          </a:lnRef>
+          <a:fillRef idx="1">
+            <a:schemeClr val="accent1"/>
+          </a:fillRef>
+          <a:effectRef idx="0">
+            <a:schemeClr val="accent1"/>
+          </a:effectRef>
+          <a:fontRef idx="minor">
+            <a:schemeClr val="lt1"/>
+          </a:fontRef>
+        </p:style>
+        <p:txBody>
+          <a:bodyPr rtlCol="0" anchor="ctr"/>
+          <a:lstStyle/>
+          <a:p>
+            <a:pPr algn="ctr"/>
+            <a:endParaRPr kumimoji="1" lang="ja-JP" altLang="en-US"/>
+          </a:p>
+        </p:txBody>
+      </p:sp>
+      <p:sp>
+        <p:nvSpPr>
+          <p:cNvPr id="60" name="正方形/長方形 59">
+            <a:extLst>
+              <a:ext uri="{FF2B5EF4-FFF2-40B4-BE49-F238E27FC236}">
+                <a16:creationId xmlns:a16="http://schemas.microsoft.com/office/drawing/2014/main" id="{A453DFAE-B7D5-A04A-8146-7FF31931B6AE}"/>
+              </a:ext>
+            </a:extLst>
+          </p:cNvPr>
+          <p:cNvSpPr/>
+          <p:nvPr/>
+        </p:nvSpPr>
+        <p:spPr>
+          <a:xfrm rot="10800000">
+            <a:off x="5688052" y="1366006"/>
+            <a:ext cx="72000" cy="1656000"/>
+          </a:xfrm>
+          <a:prstGeom prst="rect">
+            <a:avLst/>
+          </a:prstGeom>
+          <a:solidFill>
+            <a:schemeClr val="tx1">
+              <a:lumMod val="85000"/>
+              <a:lumOff val="15000"/>
+            </a:schemeClr>
+          </a:solidFill>
+          <a:ln>
+            <a:noFill/>
+          </a:ln>
+        </p:spPr>
+        <p:style>
+          <a:lnRef idx="2">
+            <a:schemeClr val="accent1">
+              <a:shade val="50000"/>
+            </a:schemeClr>
+          </a:lnRef>
+          <a:fillRef idx="1">
+            <a:schemeClr val="accent1"/>
+          </a:fillRef>
+          <a:effectRef idx="0">
+            <a:schemeClr val="accent1"/>
+          </a:effectRef>
+          <a:fontRef idx="minor">
+            <a:schemeClr val="lt1"/>
+          </a:fontRef>
+        </p:style>
+        <p:txBody>
+          <a:bodyPr rtlCol="0" anchor="ctr"/>
+          <a:lstStyle/>
+          <a:p>
+            <a:pPr algn="ctr"/>
+            <a:endParaRPr kumimoji="1" lang="ja-JP" altLang="en-US"/>
+          </a:p>
+        </p:txBody>
+      </p:sp>
+      <p:sp>
+        <p:nvSpPr>
+          <p:cNvPr id="61" name="下矢印 60">
+            <a:extLst>
+              <a:ext uri="{FF2B5EF4-FFF2-40B4-BE49-F238E27FC236}">
+                <a16:creationId xmlns:a16="http://schemas.microsoft.com/office/drawing/2014/main" id="{960D7777-D482-DB4F-9516-003A202FB671}"/>
+              </a:ext>
+            </a:extLst>
+          </p:cNvPr>
+          <p:cNvSpPr/>
+          <p:nvPr/>
+        </p:nvSpPr>
+        <p:spPr>
+          <a:xfrm rot="5400000">
+            <a:off x="5489754" y="1173347"/>
+            <a:ext cx="180000" cy="360000"/>
+          </a:xfrm>
+          <a:prstGeom prst="downArrow">
+            <a:avLst/>
+          </a:prstGeom>
+          <a:solidFill>
+            <a:schemeClr val="tx1">
+              <a:lumMod val="85000"/>
+              <a:lumOff val="15000"/>
+            </a:schemeClr>
+          </a:solidFill>
+          <a:ln>
+            <a:noFill/>
+          </a:ln>
+        </p:spPr>
+        <p:style>
+          <a:lnRef idx="2">
+            <a:schemeClr val="accent1">
+              <a:shade val="50000"/>
+            </a:schemeClr>
+          </a:lnRef>
+          <a:fillRef idx="1">
+            <a:schemeClr val="accent1"/>
+          </a:fillRef>
+          <a:effectRef idx="0">
+            <a:schemeClr val="accent1"/>
+          </a:effectRef>
+          <a:fontRef idx="minor">
+            <a:schemeClr val="lt1"/>
+          </a:fontRef>
+        </p:style>
+        <p:txBody>
+          <a:bodyPr rtlCol="0" anchor="ctr"/>
+          <a:lstStyle/>
+          <a:p>
+            <a:pPr algn="ctr"/>
+            <a:endParaRPr kumimoji="1" lang="ja-JP" altLang="en-US"/>
+          </a:p>
+        </p:txBody>
+      </p:sp>
+    </p:spTree>
+    <p:extLst>
+      <p:ext uri="{BB962C8B-B14F-4D97-AF65-F5344CB8AC3E}">
+        <p14:creationId xmlns:p14="http://schemas.microsoft.com/office/powerpoint/2010/main" val="47273256"/>
+      </p:ext>
+    </p:extLst>
+  </p:cSld>
+  <p:clrMapOvr>
+    <a:masterClrMapping/>
+  </p:clrMapOvr>
+</p:sld>
+</file>
+
+<file path=ppt/slides/slide6.xml><?xml version="1.0" encoding="utf-8"?>
+<p:sld xmlns:a="http://schemas.openxmlformats.org/drawingml/2006/main" xmlns:r="http://schemas.openxmlformats.org/officeDocument/2006/relationships" xmlns:p="http://schemas.openxmlformats.org/presentationml/2006/main">
+  <p:cSld>
+    <p:bg>
+      <p:bgPr>
+        <a:solidFill>
+          <a:schemeClr val="bg1"/>
+        </a:solidFill>
+        <a:effectLst/>
+      </p:bgPr>
+    </p:bg>
+    <p:spTree>
+      <p:nvGrpSpPr>
+        <p:cNvPr id="1" name=""/>
+        <p:cNvGrpSpPr/>
+        <p:nvPr/>
+      </p:nvGrpSpPr>
+      <p:grpSpPr>
+        <a:xfrm>
+          <a:off x="0" y="0"/>
+          <a:ext cx="0" cy="0"/>
+          <a:chOff x="0" y="0"/>
+          <a:chExt cx="0" cy="0"/>
+        </a:xfrm>
+      </p:grpSpPr>
+      <p:sp>
+        <p:nvSpPr>
+          <p:cNvPr id="94" name="テキスト ボックス 93">
+            <a:extLst>
+              <a:ext uri="{FF2B5EF4-FFF2-40B4-BE49-F238E27FC236}">
+                <a16:creationId xmlns:a16="http://schemas.microsoft.com/office/drawing/2014/main" id="{5CA831E9-D4FA-7840-9F7E-E23976BFB258}"/>
+              </a:ext>
+            </a:extLst>
+          </p:cNvPr>
+          <p:cNvSpPr txBox="1"/>
+          <p:nvPr/>
+        </p:nvSpPr>
+        <p:spPr>
+          <a:xfrm>
+            <a:off x="3690878" y="330446"/>
+            <a:ext cx="790601" cy="400110"/>
+          </a:xfrm>
+          <a:prstGeom prst="rect">
+            <a:avLst/>
+          </a:prstGeom>
+          <a:noFill/>
+        </p:spPr>
+        <p:txBody>
+          <a:bodyPr wrap="none" rtlCol="0">
+            <a:spAutoFit/>
+          </a:bodyPr>
+          <a:lstStyle/>
+          <a:p>
+            <a:r>
+              <a:rPr kumimoji="1" lang="en-US" altLang="ja-JP" sz="2000" dirty="0">
+                <a:latin typeface="Hiragino Kaku Gothic Pro W3" panose="020B0300000000000000" pitchFamily="34" charset="-128"/>
+                <a:ea typeface="Hiragino Kaku Gothic Pro W3" panose="020B0300000000000000" pitchFamily="34" charset="-128"/>
+              </a:rPr>
+              <a:t>main</a:t>
+            </a:r>
+            <a:endParaRPr kumimoji="1" lang="ja-JP" altLang="en-US" sz="2000">
+              <a:latin typeface="Hiragino Kaku Gothic Pro W3" panose="020B0300000000000000" pitchFamily="34" charset="-128"/>
+              <a:ea typeface="Hiragino Kaku Gothic Pro W3" panose="020B0300000000000000" pitchFamily="34" charset="-128"/>
+            </a:endParaRPr>
+          </a:p>
+        </p:txBody>
+      </p:sp>
+      <p:sp>
+        <p:nvSpPr>
+          <p:cNvPr id="95" name="テキスト ボックス 94">
+            <a:extLst>
+              <a:ext uri="{FF2B5EF4-FFF2-40B4-BE49-F238E27FC236}">
+                <a16:creationId xmlns:a16="http://schemas.microsoft.com/office/drawing/2014/main" id="{98EE98FE-F1B9-9443-A39F-C3537A3C0B0C}"/>
+              </a:ext>
+            </a:extLst>
+          </p:cNvPr>
+          <p:cNvSpPr txBox="1"/>
+          <p:nvPr/>
+        </p:nvSpPr>
+        <p:spPr>
+          <a:xfrm>
+            <a:off x="6579458" y="409316"/>
+            <a:ext cx="1122423" cy="400110"/>
+          </a:xfrm>
+          <a:prstGeom prst="rect">
+            <a:avLst/>
+          </a:prstGeom>
+          <a:noFill/>
+        </p:spPr>
+        <p:txBody>
+          <a:bodyPr wrap="none" rtlCol="0">
+            <a:spAutoFit/>
+          </a:bodyPr>
+          <a:lstStyle/>
+          <a:p>
+            <a:r>
+              <a:rPr kumimoji="1" lang="en-US" altLang="ja-JP" sz="2000" dirty="0">
+                <a:latin typeface="Hiragino Kaku Gothic Pro W3" panose="020B0300000000000000" pitchFamily="34" charset="-128"/>
+                <a:ea typeface="Hiragino Kaku Gothic Pro W3" panose="020B0300000000000000" pitchFamily="34" charset="-128"/>
+              </a:rPr>
+              <a:t>Worker</a:t>
+            </a:r>
+            <a:endParaRPr kumimoji="1" lang="ja-JP" altLang="en-US" sz="2000">
+              <a:latin typeface="Hiragino Kaku Gothic Pro W3" panose="020B0300000000000000" pitchFamily="34" charset="-128"/>
+              <a:ea typeface="Hiragino Kaku Gothic Pro W3" panose="020B0300000000000000" pitchFamily="34" charset="-128"/>
+            </a:endParaRPr>
+          </a:p>
+        </p:txBody>
+      </p:sp>
+      <p:sp>
+        <p:nvSpPr>
+          <p:cNvPr id="97" name="正方形/長方形 96">
+            <a:extLst>
+              <a:ext uri="{FF2B5EF4-FFF2-40B4-BE49-F238E27FC236}">
+                <a16:creationId xmlns:a16="http://schemas.microsoft.com/office/drawing/2014/main" id="{5E40BA0C-B930-B64E-9D1F-81432D031DDB}"/>
+              </a:ext>
+            </a:extLst>
+          </p:cNvPr>
+          <p:cNvSpPr/>
+          <p:nvPr/>
+        </p:nvSpPr>
+        <p:spPr>
+          <a:xfrm>
+            <a:off x="5828918" y="323640"/>
+            <a:ext cx="2504822" cy="2936927"/>
+          </a:xfrm>
+          <a:prstGeom prst="rect">
+            <a:avLst/>
+          </a:prstGeom>
+          <a:noFill/>
+          <a:ln w="76200">
+            <a:solidFill>
+              <a:schemeClr val="accent4">
+                <a:lumMod val="75000"/>
+              </a:schemeClr>
+            </a:solidFill>
+          </a:ln>
+        </p:spPr>
+        <p:style>
+          <a:lnRef idx="2">
+            <a:schemeClr val="accent1">
+              <a:shade val="50000"/>
+            </a:schemeClr>
+          </a:lnRef>
+          <a:fillRef idx="1">
+            <a:schemeClr val="accent1"/>
+          </a:fillRef>
+          <a:effectRef idx="0">
+            <a:schemeClr val="accent1"/>
+          </a:effectRef>
+          <a:fontRef idx="minor">
+            <a:schemeClr val="lt1"/>
+          </a:fontRef>
+        </p:style>
+        <p:txBody>
+          <a:bodyPr rtlCol="0" anchor="ctr"/>
+          <a:lstStyle/>
+          <a:p>
+            <a:pPr algn="ctr"/>
+            <a:endParaRPr kumimoji="1" lang="ja-JP" altLang="en-US" sz="2000"/>
+          </a:p>
+        </p:txBody>
+      </p:sp>
+      <p:sp>
+        <p:nvSpPr>
+          <p:cNvPr id="98" name="正方形/長方形 97">
+            <a:extLst>
+              <a:ext uri="{FF2B5EF4-FFF2-40B4-BE49-F238E27FC236}">
+                <a16:creationId xmlns:a16="http://schemas.microsoft.com/office/drawing/2014/main" id="{78BCE53D-5BB9-9545-A27F-6C92B7AD2FA8}"/>
+              </a:ext>
+            </a:extLst>
+          </p:cNvPr>
+          <p:cNvSpPr/>
+          <p:nvPr/>
+        </p:nvSpPr>
+        <p:spPr>
+          <a:xfrm>
+            <a:off x="2764399" y="280870"/>
+            <a:ext cx="2618310" cy="4963696"/>
+          </a:xfrm>
+          <a:prstGeom prst="rect">
+            <a:avLst/>
+          </a:prstGeom>
+          <a:noFill/>
+          <a:ln w="76200">
+            <a:solidFill>
+              <a:schemeClr val="accent1">
+                <a:lumMod val="75000"/>
+              </a:schemeClr>
+            </a:solidFill>
+          </a:ln>
+        </p:spPr>
+        <p:style>
+          <a:lnRef idx="2">
+            <a:schemeClr val="accent1">
+              <a:shade val="50000"/>
+            </a:schemeClr>
+          </a:lnRef>
+          <a:fillRef idx="1">
+            <a:schemeClr val="accent1"/>
+          </a:fillRef>
+          <a:effectRef idx="0">
+            <a:schemeClr val="accent1"/>
+          </a:effectRef>
+          <a:fontRef idx="minor">
+            <a:schemeClr val="lt1"/>
+          </a:fontRef>
+        </p:style>
+        <p:txBody>
+          <a:bodyPr rtlCol="0" anchor="ctr"/>
+          <a:lstStyle/>
+          <a:p>
+            <a:pPr algn="ctr"/>
+            <a:endParaRPr kumimoji="1" lang="ja-JP" altLang="en-US" sz="2000"/>
+          </a:p>
+        </p:txBody>
+      </p:sp>
       <p:grpSp>
         <p:nvGrpSpPr>
           <p:cNvPr id="103" name="グループ化 102">
@@ -8736,7 +8709,7 @@
         </p:nvGrpSpPr>
         <p:grpSpPr>
           <a:xfrm>
-            <a:off x="3099336" y="1879764"/>
+            <a:off x="2995906" y="1613435"/>
             <a:ext cx="2180544" cy="814296"/>
             <a:chOff x="811487" y="1937759"/>
             <a:chExt cx="2180544" cy="814296"/>
@@ -8881,10 +8854,10 @@
         </p:nvGrpSpPr>
         <p:grpSpPr>
           <a:xfrm>
-            <a:off x="3099336" y="2955517"/>
-            <a:ext cx="2180544" cy="814296"/>
-            <a:chOff x="820269" y="4050756"/>
-            <a:chExt cx="2180544" cy="814296"/>
+            <a:off x="2995906" y="2802562"/>
+            <a:ext cx="2180544" cy="406137"/>
+            <a:chOff x="820269" y="4251822"/>
+            <a:chExt cx="2180544" cy="406137"/>
           </a:xfrm>
         </p:grpSpPr>
         <p:sp>
@@ -8901,8 +8874,8 @@
           </p:nvSpPr>
           <p:spPr>
             <a:xfrm>
-              <a:off x="820269" y="4050756"/>
-              <a:ext cx="2180544" cy="814296"/>
+              <a:off x="820269" y="4251822"/>
+              <a:ext cx="2180544" cy="381131"/>
             </a:xfrm>
             <a:prstGeom prst="rect">
               <a:avLst/>
@@ -8999,10 +8972,10 @@
         </p:nvGrpSpPr>
         <p:grpSpPr>
           <a:xfrm>
-            <a:off x="6239068" y="1100204"/>
-            <a:ext cx="2180544" cy="814296"/>
-            <a:chOff x="818925" y="1937759"/>
-            <a:chExt cx="2180544" cy="814296"/>
+            <a:off x="6019940" y="857845"/>
+            <a:ext cx="2180544" cy="459357"/>
+            <a:chOff x="818925" y="2085605"/>
+            <a:chExt cx="2180544" cy="459357"/>
           </a:xfrm>
         </p:grpSpPr>
         <p:sp>
@@ -9019,8 +8992,8 @@
           </p:nvSpPr>
           <p:spPr>
             <a:xfrm>
-              <a:off x="818925" y="1937759"/>
-              <a:ext cx="2180544" cy="814296"/>
+              <a:off x="818925" y="2085605"/>
+              <a:ext cx="2180544" cy="459357"/>
             </a:xfrm>
             <a:prstGeom prst="rect">
               <a:avLst/>
@@ -9117,10 +9090,10 @@
         </p:nvGrpSpPr>
         <p:grpSpPr>
           <a:xfrm>
-            <a:off x="6240412" y="2442437"/>
-            <a:ext cx="2180544" cy="814296"/>
-            <a:chOff x="820269" y="3002608"/>
-            <a:chExt cx="2180544" cy="814296"/>
+            <a:off x="6019940" y="1685135"/>
+            <a:ext cx="2180544" cy="415031"/>
+            <a:chOff x="820269" y="3201026"/>
+            <a:chExt cx="2180544" cy="415031"/>
           </a:xfrm>
         </p:grpSpPr>
         <p:sp>
@@ -9137,8 +9110,8 @@
           </p:nvSpPr>
           <p:spPr>
             <a:xfrm>
-              <a:off x="820269" y="3002608"/>
-              <a:ext cx="2180544" cy="814296"/>
+              <a:off x="820269" y="3201026"/>
+              <a:ext cx="2180544" cy="415031"/>
             </a:xfrm>
             <a:prstGeom prst="rect">
               <a:avLst/>
@@ -9231,10 +9204,10 @@
         </p:nvGrpSpPr>
         <p:grpSpPr>
           <a:xfrm>
-            <a:off x="3099336" y="5437219"/>
-            <a:ext cx="2180544" cy="814296"/>
-            <a:chOff x="820269" y="4050756"/>
-            <a:chExt cx="2180544" cy="814296"/>
+            <a:off x="2995906" y="4358472"/>
+            <a:ext cx="2180544" cy="400111"/>
+            <a:chOff x="820269" y="4254156"/>
+            <a:chExt cx="2180544" cy="400111"/>
           </a:xfrm>
         </p:grpSpPr>
         <p:sp>
@@ -9251,8 +9224,8 @@
           </p:nvSpPr>
           <p:spPr>
             <a:xfrm>
-              <a:off x="820269" y="4050756"/>
-              <a:ext cx="2180544" cy="814296"/>
+              <a:off x="820269" y="4254156"/>
+              <a:ext cx="2180544" cy="400111"/>
             </a:xfrm>
             <a:prstGeom prst="rect">
               <a:avLst/>
@@ -9349,10 +9322,10 @@
         </p:nvGrpSpPr>
         <p:grpSpPr>
           <a:xfrm>
-            <a:off x="6231268" y="3784672"/>
-            <a:ext cx="2180544" cy="814296"/>
-            <a:chOff x="3597796" y="3774204"/>
-            <a:chExt cx="2180544" cy="814296"/>
+            <a:off x="6019940" y="2468098"/>
+            <a:ext cx="2180544" cy="459357"/>
+            <a:chOff x="3597796" y="3956230"/>
+            <a:chExt cx="2180544" cy="459357"/>
           </a:xfrm>
         </p:grpSpPr>
         <p:sp>
@@ -9369,8 +9342,8 @@
           </p:nvSpPr>
           <p:spPr>
             <a:xfrm>
-              <a:off x="3597796" y="3774204"/>
-              <a:ext cx="2180544" cy="814296"/>
+              <a:off x="3597796" y="3956230"/>
+              <a:ext cx="2180544" cy="459357"/>
             </a:xfrm>
             <a:prstGeom prst="rect">
               <a:avLst/>
@@ -9467,10 +9440,10 @@
         </p:nvGrpSpPr>
         <p:grpSpPr>
           <a:xfrm>
-            <a:off x="3099336" y="4278920"/>
-            <a:ext cx="2180544" cy="814296"/>
-            <a:chOff x="820269" y="4050756"/>
-            <a:chExt cx="2180544" cy="814296"/>
+            <a:off x="2995906" y="3583530"/>
+            <a:ext cx="2180544" cy="400111"/>
+            <a:chOff x="820269" y="4257848"/>
+            <a:chExt cx="2180544" cy="400111"/>
           </a:xfrm>
         </p:grpSpPr>
         <p:sp>
@@ -9487,8 +9460,8 @@
           </p:nvSpPr>
           <p:spPr>
             <a:xfrm>
-              <a:off x="820269" y="4050756"/>
-              <a:ext cx="2180544" cy="814296"/>
+              <a:off x="820269" y="4257848"/>
+              <a:ext cx="2180544" cy="392231"/>
             </a:xfrm>
             <a:prstGeom prst="rect">
               <a:avLst/>
@@ -9571,12 +9544,131 @@
           </p:txBody>
         </p:sp>
       </p:grpSp>
-      <p:sp>
-        <p:nvSpPr>
-          <p:cNvPr id="39" name="下矢印 38">
-            <a:extLst>
-              <a:ext uri="{FF2B5EF4-FFF2-40B4-BE49-F238E27FC236}">
-                <a16:creationId xmlns:a16="http://schemas.microsoft.com/office/drawing/2014/main" id="{DF31C4DA-FF92-8D44-A83E-E7E4484C46A9}"/>
+      <p:grpSp>
+        <p:nvGrpSpPr>
+          <p:cNvPr id="44" name="グループ化 43">
+            <a:extLst>
+              <a:ext uri="{FF2B5EF4-FFF2-40B4-BE49-F238E27FC236}">
+                <a16:creationId xmlns:a16="http://schemas.microsoft.com/office/drawing/2014/main" id="{DF14B237-13D1-754D-9724-7271E98EB76F}"/>
+              </a:ext>
+            </a:extLst>
+          </p:cNvPr>
+          <p:cNvGrpSpPr/>
+          <p:nvPr/>
+        </p:nvGrpSpPr>
+        <p:grpSpPr>
+          <a:xfrm>
+            <a:off x="2958728" y="790850"/>
+            <a:ext cx="2254900" cy="447754"/>
+            <a:chOff x="783091" y="1072798"/>
+            <a:chExt cx="2254900" cy="447754"/>
+          </a:xfrm>
+        </p:grpSpPr>
+        <p:sp>
+          <p:nvSpPr>
+            <p:cNvPr id="54" name="角丸四角形 53">
+              <a:extLst>
+                <a:ext uri="{FF2B5EF4-FFF2-40B4-BE49-F238E27FC236}">
+                  <a16:creationId xmlns:a16="http://schemas.microsoft.com/office/drawing/2014/main" id="{1C2B4F2E-7213-5A41-9368-BCEAAA41DCDA}"/>
+                </a:ext>
+              </a:extLst>
+            </p:cNvPr>
+            <p:cNvSpPr/>
+            <p:nvPr/>
+          </p:nvSpPr>
+          <p:spPr>
+            <a:xfrm>
+              <a:off x="783091" y="1072798"/>
+              <a:ext cx="2254900" cy="447754"/>
+            </a:xfrm>
+            <a:prstGeom prst="roundRect">
+              <a:avLst>
+                <a:gd name="adj" fmla="val 50000"/>
+              </a:avLst>
+            </a:prstGeom>
+            <a:solidFill>
+              <a:schemeClr val="accent3">
+                <a:lumMod val="40000"/>
+                <a:lumOff val="60000"/>
+              </a:schemeClr>
+            </a:solidFill>
+            <a:ln>
+              <a:noFill/>
+            </a:ln>
+          </p:spPr>
+          <p:style>
+            <a:lnRef idx="2">
+              <a:schemeClr val="accent1">
+                <a:shade val="50000"/>
+              </a:schemeClr>
+            </a:lnRef>
+            <a:fillRef idx="1">
+              <a:schemeClr val="accent1"/>
+            </a:fillRef>
+            <a:effectRef idx="0">
+              <a:schemeClr val="accent1"/>
+            </a:effectRef>
+            <a:fontRef idx="minor">
+              <a:schemeClr val="lt1"/>
+            </a:fontRef>
+          </p:style>
+          <p:txBody>
+            <a:bodyPr rtlCol="0" anchor="ctr"/>
+            <a:lstStyle/>
+            <a:p>
+              <a:pPr algn="ctr"/>
+              <a:endParaRPr kumimoji="1" lang="ja-JP" altLang="en-US" sz="2000">
+                <a:latin typeface="Hiragino Kaku Gothic Pro W3" panose="020B0300000000000000" pitchFamily="34" charset="-128"/>
+                <a:ea typeface="Hiragino Kaku Gothic Pro W3" panose="020B0300000000000000" pitchFamily="34" charset="-128"/>
+              </a:endParaRPr>
+            </a:p>
+          </p:txBody>
+        </p:sp>
+        <p:sp>
+          <p:nvSpPr>
+            <p:cNvPr id="55" name="テキスト ボックス 54">
+              <a:extLst>
+                <a:ext uri="{FF2B5EF4-FFF2-40B4-BE49-F238E27FC236}">
+                  <a16:creationId xmlns:a16="http://schemas.microsoft.com/office/drawing/2014/main" id="{DA4A6DB3-059F-3C45-8843-A3AD112E938F}"/>
+                </a:ext>
+              </a:extLst>
+            </p:cNvPr>
+            <p:cNvSpPr txBox="1"/>
+            <p:nvPr/>
+          </p:nvSpPr>
+          <p:spPr>
+            <a:xfrm>
+              <a:off x="1510432" y="1072798"/>
+              <a:ext cx="697627" cy="400110"/>
+            </a:xfrm>
+            <a:prstGeom prst="rect">
+              <a:avLst/>
+            </a:prstGeom>
+            <a:noFill/>
+          </p:spPr>
+          <p:txBody>
+            <a:bodyPr wrap="none" rtlCol="0">
+              <a:spAutoFit/>
+            </a:bodyPr>
+            <a:lstStyle/>
+            <a:p>
+              <a:r>
+                <a:rPr kumimoji="1" lang="ja-JP" altLang="en-US" sz="2000">
+                  <a:latin typeface="Hiragino Kaku Gothic Pro W3" panose="020B0300000000000000" pitchFamily="34" charset="-128"/>
+                  <a:ea typeface="Hiragino Kaku Gothic Pro W3" panose="020B0300000000000000" pitchFamily="34" charset="-128"/>
+                </a:rPr>
+                <a:t>開始</a:t>
+              </a:r>
+            </a:p>
+          </p:txBody>
+        </p:sp>
+      </p:grpSp>
+      <p:sp>
+        <p:nvSpPr>
+          <p:cNvPr id="56" name="下矢印 55">
+            <a:extLst>
+              <a:ext uri="{FF2B5EF4-FFF2-40B4-BE49-F238E27FC236}">
+                <a16:creationId xmlns:a16="http://schemas.microsoft.com/office/drawing/2014/main" id="{0967201F-CE72-C145-B75A-39E36968A0C1}"/>
               </a:ext>
             </a:extLst>
           </p:cNvPr>
@@ -9585,8 +9677,8 @@
         </p:nvSpPr>
         <p:spPr>
           <a:xfrm>
-            <a:off x="4019926" y="1613488"/>
-            <a:ext cx="339365" cy="271095"/>
+            <a:off x="3996178" y="1290472"/>
+            <a:ext cx="180000" cy="271095"/>
           </a:xfrm>
           <a:prstGeom prst="downArrow">
             <a:avLst/>
@@ -9628,10 +9720,10 @@
       </p:sp>
       <p:sp>
         <p:nvSpPr>
-          <p:cNvPr id="40" name="下矢印 39">
-            <a:extLst>
-              <a:ext uri="{FF2B5EF4-FFF2-40B4-BE49-F238E27FC236}">
-                <a16:creationId xmlns:a16="http://schemas.microsoft.com/office/drawing/2014/main" id="{DDABA8EB-6096-C048-9D9F-E17E9E8E5D76}"/>
+          <p:cNvPr id="57" name="下矢印 56">
+            <a:extLst>
+              <a:ext uri="{FF2B5EF4-FFF2-40B4-BE49-F238E27FC236}">
+                <a16:creationId xmlns:a16="http://schemas.microsoft.com/office/drawing/2014/main" id="{D0B88B25-4B61-3F47-BF34-EDC8A796596C}"/>
               </a:ext>
             </a:extLst>
           </p:cNvPr>
@@ -9640,8 +9732,8 @@
         </p:nvSpPr>
         <p:spPr>
           <a:xfrm>
-            <a:off x="4019926" y="2701941"/>
-            <a:ext cx="339365" cy="271095"/>
+            <a:off x="3996178" y="2479599"/>
+            <a:ext cx="180000" cy="271095"/>
           </a:xfrm>
           <a:prstGeom prst="downArrow">
             <a:avLst/>
@@ -9683,10 +9775,10 @@
       </p:sp>
       <p:sp>
         <p:nvSpPr>
-          <p:cNvPr id="41" name="下矢印 40">
-            <a:extLst>
-              <a:ext uri="{FF2B5EF4-FFF2-40B4-BE49-F238E27FC236}">
-                <a16:creationId xmlns:a16="http://schemas.microsoft.com/office/drawing/2014/main" id="{B65B0D6B-6792-4442-B747-C25B4BA1428F}"/>
+          <p:cNvPr id="58" name="下矢印 57">
+            <a:extLst>
+              <a:ext uri="{FF2B5EF4-FFF2-40B4-BE49-F238E27FC236}">
+                <a16:creationId xmlns:a16="http://schemas.microsoft.com/office/drawing/2014/main" id="{3D88C260-C528-3D42-8C92-EF9CAD544267}"/>
               </a:ext>
             </a:extLst>
           </p:cNvPr>
@@ -9695,8 +9787,8 @@
         </p:nvSpPr>
         <p:spPr>
           <a:xfrm>
-            <a:off x="4019926" y="3780868"/>
-            <a:ext cx="339365" cy="504000"/>
+            <a:off x="3996178" y="3260567"/>
+            <a:ext cx="180000" cy="271095"/>
           </a:xfrm>
           <a:prstGeom prst="downArrow">
             <a:avLst/>
@@ -9738,10 +9830,10 @@
       </p:sp>
       <p:sp>
         <p:nvSpPr>
-          <p:cNvPr id="42" name="下矢印 41">
-            <a:extLst>
-              <a:ext uri="{FF2B5EF4-FFF2-40B4-BE49-F238E27FC236}">
-                <a16:creationId xmlns:a16="http://schemas.microsoft.com/office/drawing/2014/main" id="{AD14E656-D37A-D04E-8B0B-E88F300592E4}"/>
+          <p:cNvPr id="59" name="下矢印 58">
+            <a:extLst>
+              <a:ext uri="{FF2B5EF4-FFF2-40B4-BE49-F238E27FC236}">
+                <a16:creationId xmlns:a16="http://schemas.microsoft.com/office/drawing/2014/main" id="{2C8CE9CA-25E6-3F40-A5E3-FC973B6A877D}"/>
               </a:ext>
             </a:extLst>
           </p:cNvPr>
@@ -9750,8 +9842,8 @@
         </p:nvSpPr>
         <p:spPr>
           <a:xfrm>
-            <a:off x="4019926" y="5129672"/>
-            <a:ext cx="339365" cy="271095"/>
+            <a:off x="3996178" y="4035509"/>
+            <a:ext cx="180000" cy="271095"/>
           </a:xfrm>
           <a:prstGeom prst="downArrow">
             <a:avLst/>
@@ -9793,10 +9885,10 @@
       </p:sp>
       <p:sp>
         <p:nvSpPr>
-          <p:cNvPr id="43" name="下矢印 42">
-            <a:extLst>
-              <a:ext uri="{FF2B5EF4-FFF2-40B4-BE49-F238E27FC236}">
-                <a16:creationId xmlns:a16="http://schemas.microsoft.com/office/drawing/2014/main" id="{37B40EFF-AC2C-D944-A63E-44ADC8D1974D}"/>
+          <p:cNvPr id="60" name="下矢印 59">
+            <a:extLst>
+              <a:ext uri="{FF2B5EF4-FFF2-40B4-BE49-F238E27FC236}">
+                <a16:creationId xmlns:a16="http://schemas.microsoft.com/office/drawing/2014/main" id="{02C64126-79BD-324A-AE77-BD32547898C2}"/>
               </a:ext>
             </a:extLst>
           </p:cNvPr>
@@ -9805,8 +9897,8 @@
         </p:nvSpPr>
         <p:spPr>
           <a:xfrm>
-            <a:off x="7127546" y="2042921"/>
-            <a:ext cx="339365" cy="271095"/>
+            <a:off x="7020212" y="1365621"/>
+            <a:ext cx="180000" cy="271095"/>
           </a:xfrm>
           <a:prstGeom prst="downArrow">
             <a:avLst/>
@@ -9848,10 +9940,10 @@
       </p:sp>
       <p:sp>
         <p:nvSpPr>
-          <p:cNvPr id="45" name="下矢印 44">
-            <a:extLst>
-              <a:ext uri="{FF2B5EF4-FFF2-40B4-BE49-F238E27FC236}">
-                <a16:creationId xmlns:a16="http://schemas.microsoft.com/office/drawing/2014/main" id="{18E9C78B-2CF0-F44D-9EDE-FB438369E91D}"/>
+          <p:cNvPr id="62" name="下矢印 61">
+            <a:extLst>
+              <a:ext uri="{FF2B5EF4-FFF2-40B4-BE49-F238E27FC236}">
+                <a16:creationId xmlns:a16="http://schemas.microsoft.com/office/drawing/2014/main" id="{C67A7C1D-0C77-0448-AF6D-AA332CB2DBAF}"/>
               </a:ext>
             </a:extLst>
           </p:cNvPr>
@@ -9860,8 +9952,8 @@
         </p:nvSpPr>
         <p:spPr>
           <a:xfrm>
-            <a:off x="7151857" y="3385154"/>
-            <a:ext cx="339365" cy="271095"/>
+            <a:off x="7020212" y="2148585"/>
+            <a:ext cx="180000" cy="271095"/>
           </a:xfrm>
           <a:prstGeom prst="downArrow">
             <a:avLst/>
@@ -9903,10 +9995,10 @@
       </p:sp>
       <p:sp>
         <p:nvSpPr>
-          <p:cNvPr id="46" name="正方形/長方形 45">
-            <a:extLst>
-              <a:ext uri="{FF2B5EF4-FFF2-40B4-BE49-F238E27FC236}">
-                <a16:creationId xmlns:a16="http://schemas.microsoft.com/office/drawing/2014/main" id="{7BF6668C-C700-BA47-9CD5-65D0306565CC}"/>
+          <p:cNvPr id="63" name="正方形/長方形 62">
+            <a:extLst>
+              <a:ext uri="{FF2B5EF4-FFF2-40B4-BE49-F238E27FC236}">
+                <a16:creationId xmlns:a16="http://schemas.microsoft.com/office/drawing/2014/main" id="{96EE0C2E-892E-7345-8C05-BA504A0B6EEA}"/>
               </a:ext>
             </a:extLst>
           </p:cNvPr>
@@ -9915,8 +10007,8 @@
         </p:nvSpPr>
         <p:spPr>
           <a:xfrm>
-            <a:off x="4104767" y="6245105"/>
-            <a:ext cx="169683" cy="360000"/>
+            <a:off x="4050178" y="4810453"/>
+            <a:ext cx="72000" cy="288000"/>
           </a:xfrm>
           <a:prstGeom prst="rect">
             <a:avLst/>
@@ -9958,10 +10050,10 @@
       </p:sp>
       <p:sp>
         <p:nvSpPr>
-          <p:cNvPr id="47" name="正方形/長方形 46">
-            <a:extLst>
-              <a:ext uri="{FF2B5EF4-FFF2-40B4-BE49-F238E27FC236}">
-                <a16:creationId xmlns:a16="http://schemas.microsoft.com/office/drawing/2014/main" id="{B4240F20-384F-A54C-A807-12CCE4474E7E}"/>
+          <p:cNvPr id="64" name="正方形/長方形 63">
+            <a:extLst>
+              <a:ext uri="{FF2B5EF4-FFF2-40B4-BE49-F238E27FC236}">
+                <a16:creationId xmlns:a16="http://schemas.microsoft.com/office/drawing/2014/main" id="{E5D9271C-A5C6-6B45-B61D-FE92158C1FCF}"/>
               </a:ext>
             </a:extLst>
           </p:cNvPr>
@@ -9970,63 +10062,8 @@
         </p:nvSpPr>
         <p:spPr>
           <a:xfrm rot="16200000">
-            <a:off x="3435913" y="5798304"/>
-            <a:ext cx="169683" cy="1512000"/>
-          </a:xfrm>
-          <a:prstGeom prst="rect">
-            <a:avLst/>
-          </a:prstGeom>
-          <a:solidFill>
-            <a:schemeClr val="tx1">
-              <a:lumMod val="85000"/>
-              <a:lumOff val="15000"/>
-            </a:schemeClr>
-          </a:solidFill>
-          <a:ln>
-            <a:noFill/>
-          </a:ln>
-        </p:spPr>
-        <p:style>
-          <a:lnRef idx="2">
-            <a:schemeClr val="accent1">
-              <a:shade val="50000"/>
-            </a:schemeClr>
-          </a:lnRef>
-          <a:fillRef idx="1">
-            <a:schemeClr val="accent1"/>
-          </a:fillRef>
-          <a:effectRef idx="0">
-            <a:schemeClr val="accent1"/>
-          </a:effectRef>
-          <a:fontRef idx="minor">
-            <a:schemeClr val="lt1"/>
-          </a:fontRef>
-        </p:style>
-        <p:txBody>
-          <a:bodyPr rtlCol="0" anchor="ctr"/>
-          <a:lstStyle/>
-          <a:p>
-            <a:pPr algn="ctr"/>
-            <a:endParaRPr kumimoji="1" lang="ja-JP" altLang="en-US" b="1"/>
-          </a:p>
-        </p:txBody>
-      </p:sp>
-      <p:sp>
-        <p:nvSpPr>
-          <p:cNvPr id="48" name="正方形/長方形 47">
-            <a:extLst>
-              <a:ext uri="{FF2B5EF4-FFF2-40B4-BE49-F238E27FC236}">
-                <a16:creationId xmlns:a16="http://schemas.microsoft.com/office/drawing/2014/main" id="{512BD3EC-C451-CE48-9435-CC49F2EF31BB}"/>
-              </a:ext>
-            </a:extLst>
-          </p:cNvPr>
-          <p:cNvSpPr/>
-          <p:nvPr/>
-        </p:nvSpPr>
-        <p:spPr>
-          <a:xfrm>
-            <a:off x="2770492" y="2839270"/>
-            <a:ext cx="169683" cy="3780000"/>
+            <a:off x="3469807" y="4450453"/>
+            <a:ext cx="72000" cy="1224000"/>
           </a:xfrm>
           <a:prstGeom prst="rect">
             <a:avLst/>
@@ -10068,10 +10105,10 @@
       </p:sp>
       <p:sp>
         <p:nvSpPr>
-          <p:cNvPr id="49" name="下矢印 48">
-            <a:extLst>
-              <a:ext uri="{FF2B5EF4-FFF2-40B4-BE49-F238E27FC236}">
-                <a16:creationId xmlns:a16="http://schemas.microsoft.com/office/drawing/2014/main" id="{426FEB58-77B3-1343-8A29-5EA45613D88C}"/>
+          <p:cNvPr id="65" name="正方形/長方形 64">
+            <a:extLst>
+              <a:ext uri="{FF2B5EF4-FFF2-40B4-BE49-F238E27FC236}">
+                <a16:creationId xmlns:a16="http://schemas.microsoft.com/office/drawing/2014/main" id="{0C74F92B-2BAB-4E40-84D8-001646199F39}"/>
               </a:ext>
             </a:extLst>
           </p:cNvPr>
@@ -10079,9 +10116,64 @@
           <p:nvPr/>
         </p:nvSpPr>
         <p:spPr>
-          <a:xfrm rot="16200000">
-            <a:off x="2797172" y="2570954"/>
-            <a:ext cx="339365" cy="396000"/>
+          <a:xfrm rot="10800000">
+            <a:off x="2886205" y="2573529"/>
+            <a:ext cx="72000" cy="2520000"/>
+          </a:xfrm>
+          <a:prstGeom prst="rect">
+            <a:avLst/>
+          </a:prstGeom>
+          <a:solidFill>
+            <a:schemeClr val="tx1">
+              <a:lumMod val="85000"/>
+              <a:lumOff val="15000"/>
+            </a:schemeClr>
+          </a:solidFill>
+          <a:ln>
+            <a:noFill/>
+          </a:ln>
+        </p:spPr>
+        <p:style>
+          <a:lnRef idx="2">
+            <a:schemeClr val="accent1">
+              <a:shade val="50000"/>
+            </a:schemeClr>
+          </a:lnRef>
+          <a:fillRef idx="1">
+            <a:schemeClr val="accent1"/>
+          </a:fillRef>
+          <a:effectRef idx="0">
+            <a:schemeClr val="accent1"/>
+          </a:effectRef>
+          <a:fontRef idx="minor">
+            <a:schemeClr val="lt1"/>
+          </a:fontRef>
+        </p:style>
+        <p:txBody>
+          <a:bodyPr rtlCol="0" anchor="ctr"/>
+          <a:lstStyle/>
+          <a:p>
+            <a:pPr algn="ctr"/>
+            <a:endParaRPr kumimoji="1" lang="ja-JP" altLang="en-US"/>
+          </a:p>
+        </p:txBody>
+      </p:sp>
+      <p:sp>
+        <p:nvSpPr>
+          <p:cNvPr id="66" name="下矢印 65">
+            <a:extLst>
+              <a:ext uri="{FF2B5EF4-FFF2-40B4-BE49-F238E27FC236}">
+                <a16:creationId xmlns:a16="http://schemas.microsoft.com/office/drawing/2014/main" id="{857C42DA-4497-D340-8DCA-08132F2DC564}"/>
+              </a:ext>
+            </a:extLst>
+          </p:cNvPr>
+          <p:cNvSpPr/>
+          <p:nvPr/>
+        </p:nvSpPr>
+        <p:spPr>
+          <a:xfrm rot="-5400000">
+            <a:off x="3009568" y="2337093"/>
+            <a:ext cx="180000" cy="432000"/>
           </a:xfrm>
           <a:prstGeom prst="downArrow">
             <a:avLst/>
@@ -10123,10 +10215,10 @@
       </p:sp>
       <p:sp>
         <p:nvSpPr>
-          <p:cNvPr id="50" name="下矢印 49">
-            <a:extLst>
-              <a:ext uri="{FF2B5EF4-FFF2-40B4-BE49-F238E27FC236}">
-                <a16:creationId xmlns:a16="http://schemas.microsoft.com/office/drawing/2014/main" id="{42846416-B7ED-D94C-B554-D997C4520BD0}"/>
+          <p:cNvPr id="67" name="正方形/長方形 66">
+            <a:extLst>
+              <a:ext uri="{FF2B5EF4-FFF2-40B4-BE49-F238E27FC236}">
+                <a16:creationId xmlns:a16="http://schemas.microsoft.com/office/drawing/2014/main" id="{71B4A26A-99E6-854C-80E0-098FE7E538C2}"/>
               </a:ext>
             </a:extLst>
           </p:cNvPr>
@@ -10134,9 +10226,64 @@
           <p:nvPr/>
         </p:nvSpPr>
         <p:spPr>
+          <a:xfrm rot="16200000">
+            <a:off x="5435850" y="1794639"/>
+            <a:ext cx="72000" cy="540000"/>
+          </a:xfrm>
+          <a:prstGeom prst="rect">
+            <a:avLst/>
+          </a:prstGeom>
+          <a:solidFill>
+            <a:schemeClr val="tx1">
+              <a:lumMod val="85000"/>
+              <a:lumOff val="15000"/>
+            </a:schemeClr>
+          </a:solidFill>
+          <a:ln>
+            <a:noFill/>
+          </a:ln>
+        </p:spPr>
+        <p:style>
+          <a:lnRef idx="2">
+            <a:schemeClr val="accent1">
+              <a:shade val="50000"/>
+            </a:schemeClr>
+          </a:lnRef>
+          <a:fillRef idx="1">
+            <a:schemeClr val="accent1"/>
+          </a:fillRef>
+          <a:effectRef idx="0">
+            <a:schemeClr val="accent1"/>
+          </a:effectRef>
+          <a:fontRef idx="minor">
+            <a:schemeClr val="lt1"/>
+          </a:fontRef>
+        </p:style>
+        <p:txBody>
+          <a:bodyPr rtlCol="0" anchor="ctr"/>
+          <a:lstStyle/>
+          <a:p>
+            <a:pPr algn="ctr"/>
+            <a:endParaRPr kumimoji="1" lang="ja-JP" altLang="en-US"/>
+          </a:p>
+        </p:txBody>
+      </p:sp>
+      <p:sp>
+        <p:nvSpPr>
+          <p:cNvPr id="69" name="下矢印 68">
+            <a:extLst>
+              <a:ext uri="{FF2B5EF4-FFF2-40B4-BE49-F238E27FC236}">
+                <a16:creationId xmlns:a16="http://schemas.microsoft.com/office/drawing/2014/main" id="{EB4A930C-9E8F-BF46-99A2-33CF6563E03F}"/>
+              </a:ext>
+            </a:extLst>
+          </p:cNvPr>
+          <p:cNvSpPr/>
+          <p:nvPr/>
+        </p:nvSpPr>
+        <p:spPr>
           <a:xfrm rot="5400000">
-            <a:off x="5559161" y="3614381"/>
-            <a:ext cx="339365" cy="1044000"/>
+            <a:off x="5435191" y="2193762"/>
+            <a:ext cx="180000" cy="936000"/>
           </a:xfrm>
           <a:prstGeom prst="downArrow">
             <a:avLst/>
@@ -10178,10 +10325,10 @@
       </p:sp>
       <p:sp>
         <p:nvSpPr>
-          <p:cNvPr id="51" name="正方形/長方形 50">
-            <a:extLst>
-              <a:ext uri="{FF2B5EF4-FFF2-40B4-BE49-F238E27FC236}">
-                <a16:creationId xmlns:a16="http://schemas.microsoft.com/office/drawing/2014/main" id="{B01C5B7C-0474-AE48-94BB-24F045DD6AA8}"/>
+          <p:cNvPr id="70" name="正方形/長方形 69">
+            <a:extLst>
+              <a:ext uri="{FF2B5EF4-FFF2-40B4-BE49-F238E27FC236}">
+                <a16:creationId xmlns:a16="http://schemas.microsoft.com/office/drawing/2014/main" id="{C489D041-549C-A24C-A336-8472E5FC924D}"/>
               </a:ext>
             </a:extLst>
           </p:cNvPr>
@@ -10189,9 +10336,9 @@
           <p:nvPr/>
         </p:nvSpPr>
         <p:spPr>
-          <a:xfrm>
-            <a:off x="5753808" y="1418238"/>
-            <a:ext cx="169683" cy="2556000"/>
+          <a:xfrm rot="10800000">
+            <a:off x="5671214" y="1126539"/>
+            <a:ext cx="72000" cy="936000"/>
           </a:xfrm>
           <a:prstGeom prst="rect">
             <a:avLst/>
@@ -10233,10 +10380,10 @@
       </p:sp>
       <p:sp>
         <p:nvSpPr>
-          <p:cNvPr id="52" name="下矢印 51">
-            <a:extLst>
-              <a:ext uri="{FF2B5EF4-FFF2-40B4-BE49-F238E27FC236}">
-                <a16:creationId xmlns:a16="http://schemas.microsoft.com/office/drawing/2014/main" id="{8A088A43-694E-4C4C-B47A-C77604D33CFD}"/>
+          <p:cNvPr id="71" name="下矢印 70">
+            <a:extLst>
+              <a:ext uri="{FF2B5EF4-FFF2-40B4-BE49-F238E27FC236}">
+                <a16:creationId xmlns:a16="http://schemas.microsoft.com/office/drawing/2014/main" id="{23170DCA-9DDF-8F4F-AA6F-43F93108A5A5}"/>
               </a:ext>
             </a:extLst>
           </p:cNvPr>
@@ -10244,9 +10391,9 @@
           <p:nvPr/>
         </p:nvSpPr>
         <p:spPr>
-          <a:xfrm rot="16200000">
-            <a:off x="5831482" y="1273352"/>
-            <a:ext cx="339365" cy="468000"/>
+          <a:xfrm rot="-5400000">
+            <a:off x="5748706" y="950189"/>
+            <a:ext cx="180000" cy="324000"/>
           </a:xfrm>
           <a:prstGeom prst="downArrow">
             <a:avLst/>
@@ -10286,65 +10433,2105 @@
           </a:p>
         </p:txBody>
       </p:sp>
-      <p:sp>
-        <p:nvSpPr>
-          <p:cNvPr id="53" name="正方形/長方形 52">
-            <a:extLst>
-              <a:ext uri="{FF2B5EF4-FFF2-40B4-BE49-F238E27FC236}">
-                <a16:creationId xmlns:a16="http://schemas.microsoft.com/office/drawing/2014/main" id="{A4EC1D47-6C65-2F44-A5A2-ADF5243F2786}"/>
-              </a:ext>
-            </a:extLst>
-          </p:cNvPr>
-          <p:cNvSpPr/>
-          <p:nvPr/>
-        </p:nvSpPr>
-        <p:spPr>
-          <a:xfrm rot="16200000">
-            <a:off x="5479672" y="3545289"/>
-            <a:ext cx="169683" cy="684000"/>
-          </a:xfrm>
-          <a:prstGeom prst="rect">
-            <a:avLst/>
-          </a:prstGeom>
-          <a:solidFill>
-            <a:schemeClr val="tx1">
-              <a:lumMod val="85000"/>
-              <a:lumOff val="15000"/>
-            </a:schemeClr>
-          </a:solidFill>
-          <a:ln>
-            <a:noFill/>
-          </a:ln>
-        </p:spPr>
-        <p:style>
-          <a:lnRef idx="2">
-            <a:schemeClr val="accent1">
-              <a:shade val="50000"/>
-            </a:schemeClr>
-          </a:lnRef>
-          <a:fillRef idx="1">
-            <a:schemeClr val="accent1"/>
-          </a:fillRef>
-          <a:effectRef idx="0">
-            <a:schemeClr val="accent1"/>
-          </a:effectRef>
-          <a:fontRef idx="minor">
-            <a:schemeClr val="lt1"/>
-          </a:fontRef>
-        </p:style>
-        <p:txBody>
-          <a:bodyPr rtlCol="0" anchor="ctr"/>
-          <a:lstStyle/>
-          <a:p>
-            <a:pPr algn="ctr"/>
-            <a:endParaRPr kumimoji="1" lang="ja-JP" altLang="en-US" b="1"/>
-          </a:p>
-        </p:txBody>
-      </p:sp>
     </p:spTree>
     <p:extLst>
       <p:ext uri="{BB962C8B-B14F-4D97-AF65-F5344CB8AC3E}">
         <p14:creationId xmlns:p14="http://schemas.microsoft.com/office/powerpoint/2010/main" val="3883747171"/>
+      </p:ext>
+    </p:extLst>
+  </p:cSld>
+  <p:clrMapOvr>
+    <a:masterClrMapping/>
+  </p:clrMapOvr>
+</p:sld>
+</file>
+
+<file path=ppt/slides/slide7.xml><?xml version="1.0" encoding="utf-8"?>
+<p:sld xmlns:a="http://schemas.openxmlformats.org/drawingml/2006/main" xmlns:r="http://schemas.openxmlformats.org/officeDocument/2006/relationships" xmlns:p="http://schemas.openxmlformats.org/presentationml/2006/main">
+  <p:cSld>
+    <p:spTree>
+      <p:nvGrpSpPr>
+        <p:cNvPr id="1" name=""/>
+        <p:cNvGrpSpPr/>
+        <p:nvPr/>
+      </p:nvGrpSpPr>
+      <p:grpSpPr>
+        <a:xfrm>
+          <a:off x="0" y="0"/>
+          <a:ext cx="0" cy="0"/>
+          <a:chOff x="0" y="0"/>
+          <a:chExt cx="0" cy="0"/>
+        </a:xfrm>
+      </p:grpSpPr>
+      <p:grpSp>
+        <p:nvGrpSpPr>
+          <p:cNvPr id="42" name="グループ化 41">
+            <a:extLst>
+              <a:ext uri="{FF2B5EF4-FFF2-40B4-BE49-F238E27FC236}">
+                <a16:creationId xmlns:a16="http://schemas.microsoft.com/office/drawing/2014/main" id="{83BAF5ED-837C-234F-A5F3-7FEA7A870273}"/>
+              </a:ext>
+            </a:extLst>
+          </p:cNvPr>
+          <p:cNvGrpSpPr/>
+          <p:nvPr/>
+        </p:nvGrpSpPr>
+        <p:grpSpPr>
+          <a:xfrm>
+            <a:off x="230228" y="1060200"/>
+            <a:ext cx="5074981" cy="1692955"/>
+            <a:chOff x="230228" y="1060200"/>
+            <a:chExt cx="5074981" cy="1692955"/>
+          </a:xfrm>
+        </p:grpSpPr>
+        <p:grpSp>
+          <p:nvGrpSpPr>
+            <p:cNvPr id="19" name="グループ化 18">
+              <a:extLst>
+                <a:ext uri="{FF2B5EF4-FFF2-40B4-BE49-F238E27FC236}">
+                  <a16:creationId xmlns:a16="http://schemas.microsoft.com/office/drawing/2014/main" id="{68D95236-AE91-224E-B141-E38582AEDBE3}"/>
+                </a:ext>
+              </a:extLst>
+            </p:cNvPr>
+            <p:cNvGrpSpPr/>
+            <p:nvPr/>
+          </p:nvGrpSpPr>
+          <p:grpSpPr>
+            <a:xfrm>
+              <a:off x="230228" y="1060200"/>
+              <a:ext cx="5074981" cy="616725"/>
+              <a:chOff x="230228" y="1060200"/>
+              <a:chExt cx="5074981" cy="616725"/>
+            </a:xfrm>
+          </p:grpSpPr>
+          <p:grpSp>
+            <p:nvGrpSpPr>
+              <p:cNvPr id="4" name="グループ化 3">
+                <a:extLst>
+                  <a:ext uri="{FF2B5EF4-FFF2-40B4-BE49-F238E27FC236}">
+                    <a16:creationId xmlns:a16="http://schemas.microsoft.com/office/drawing/2014/main" id="{546039D2-2D93-384F-B5FB-A44626CE05D3}"/>
+                  </a:ext>
+                </a:extLst>
+              </p:cNvPr>
+              <p:cNvGrpSpPr/>
+              <p:nvPr/>
+            </p:nvGrpSpPr>
+            <p:grpSpPr>
+              <a:xfrm>
+                <a:off x="230228" y="1060200"/>
+                <a:ext cx="1651483" cy="616725"/>
+                <a:chOff x="820269" y="1937759"/>
+                <a:chExt cx="1651483" cy="616725"/>
+              </a:xfrm>
+            </p:grpSpPr>
+            <p:sp>
+              <p:nvSpPr>
+                <p:cNvPr id="5" name="正方形/長方形 4">
+                  <a:extLst>
+                    <a:ext uri="{FF2B5EF4-FFF2-40B4-BE49-F238E27FC236}">
+                      <a16:creationId xmlns:a16="http://schemas.microsoft.com/office/drawing/2014/main" id="{0323186C-BC39-0A4F-A637-A6246D9985E2}"/>
+                    </a:ext>
+                  </a:extLst>
+                </p:cNvPr>
+                <p:cNvSpPr/>
+                <p:nvPr/>
+              </p:nvSpPr>
+              <p:spPr>
+                <a:xfrm>
+                  <a:off x="820269" y="1937759"/>
+                  <a:ext cx="1651483" cy="616725"/>
+                </a:xfrm>
+                <a:prstGeom prst="rect">
+                  <a:avLst/>
+                </a:prstGeom>
+                <a:solidFill>
+                  <a:schemeClr val="accent2">
+                    <a:lumMod val="40000"/>
+                    <a:lumOff val="60000"/>
+                  </a:schemeClr>
+                </a:solidFill>
+                <a:ln>
+                  <a:noFill/>
+                </a:ln>
+              </p:spPr>
+              <p:style>
+                <a:lnRef idx="2">
+                  <a:schemeClr val="accent1">
+                    <a:shade val="50000"/>
+                  </a:schemeClr>
+                </a:lnRef>
+                <a:fillRef idx="1">
+                  <a:schemeClr val="accent1"/>
+                </a:fillRef>
+                <a:effectRef idx="0">
+                  <a:schemeClr val="accent1"/>
+                </a:effectRef>
+                <a:fontRef idx="minor">
+                  <a:schemeClr val="lt1"/>
+                </a:fontRef>
+              </p:style>
+              <p:txBody>
+                <a:bodyPr rtlCol="0" anchor="ctr"/>
+                <a:lstStyle/>
+                <a:p>
+                  <a:pPr algn="ctr"/>
+                  <a:endParaRPr kumimoji="1" lang="ja-JP" altLang="en-US" sz="2000"/>
+                </a:p>
+              </p:txBody>
+            </p:sp>
+            <p:sp>
+              <p:nvSpPr>
+                <p:cNvPr id="6" name="テキスト ボックス 5">
+                  <a:extLst>
+                    <a:ext uri="{FF2B5EF4-FFF2-40B4-BE49-F238E27FC236}">
+                      <a16:creationId xmlns:a16="http://schemas.microsoft.com/office/drawing/2014/main" id="{2816BEFF-8731-B54B-96D3-756FA5B9A20C}"/>
+                    </a:ext>
+                  </a:extLst>
+                </p:cNvPr>
+                <p:cNvSpPr txBox="1"/>
+                <p:nvPr/>
+              </p:nvSpPr>
+              <p:spPr>
+                <a:xfrm>
+                  <a:off x="1084798" y="2046066"/>
+                  <a:ext cx="1122423" cy="400110"/>
+                </a:xfrm>
+                <a:prstGeom prst="rect">
+                  <a:avLst/>
+                </a:prstGeom>
+                <a:noFill/>
+              </p:spPr>
+              <p:txBody>
+                <a:bodyPr wrap="none" rtlCol="0">
+                  <a:spAutoFit/>
+                </a:bodyPr>
+                <a:lstStyle/>
+                <a:p>
+                  <a:r>
+                    <a:rPr lang="en-US" altLang="ja-JP" sz="2000" dirty="0">
+                      <a:latin typeface="Hiragino Kaku Gothic Pro W3" panose="020B0300000000000000" pitchFamily="34" charset="-128"/>
+                      <a:ea typeface="Hiragino Kaku Gothic Pro W3" panose="020B0300000000000000" pitchFamily="34" charset="-128"/>
+                    </a:rPr>
+                    <a:t>8</a:t>
+                  </a:r>
+                  <a:r>
+                    <a:rPr lang="ja-JP" altLang="en-US" sz="2000">
+                      <a:latin typeface="Hiragino Kaku Gothic Pro W3" panose="020B0300000000000000" pitchFamily="34" charset="-128"/>
+                      <a:ea typeface="Hiragino Kaku Gothic Pro W3" panose="020B0300000000000000" pitchFamily="34" charset="-128"/>
+                    </a:rPr>
+                    <a:t>ビット</a:t>
+                  </a:r>
+                  <a:endParaRPr lang="en-US" altLang="ja-JP" sz="2000" dirty="0">
+                    <a:latin typeface="Hiragino Kaku Gothic Pro W3" panose="020B0300000000000000" pitchFamily="34" charset="-128"/>
+                    <a:ea typeface="Hiragino Kaku Gothic Pro W3" panose="020B0300000000000000" pitchFamily="34" charset="-128"/>
+                  </a:endParaRPr>
+                </a:p>
+              </p:txBody>
+            </p:sp>
+          </p:grpSp>
+          <p:grpSp>
+            <p:nvGrpSpPr>
+              <p:cNvPr id="13" name="グループ化 12">
+                <a:extLst>
+                  <a:ext uri="{FF2B5EF4-FFF2-40B4-BE49-F238E27FC236}">
+                    <a16:creationId xmlns:a16="http://schemas.microsoft.com/office/drawing/2014/main" id="{EABE7A97-636E-5742-9691-684970A28FDA}"/>
+                  </a:ext>
+                </a:extLst>
+              </p:cNvPr>
+              <p:cNvGrpSpPr/>
+              <p:nvPr/>
+            </p:nvGrpSpPr>
+            <p:grpSpPr>
+              <a:xfrm>
+                <a:off x="3653726" y="1060200"/>
+                <a:ext cx="1651483" cy="616725"/>
+                <a:chOff x="820269" y="1937759"/>
+                <a:chExt cx="1651483" cy="616725"/>
+              </a:xfrm>
+            </p:grpSpPr>
+            <p:sp>
+              <p:nvSpPr>
+                <p:cNvPr id="14" name="正方形/長方形 13">
+                  <a:extLst>
+                    <a:ext uri="{FF2B5EF4-FFF2-40B4-BE49-F238E27FC236}">
+                      <a16:creationId xmlns:a16="http://schemas.microsoft.com/office/drawing/2014/main" id="{DBA604DA-DFD7-3F40-AFF2-782F060CED52}"/>
+                    </a:ext>
+                  </a:extLst>
+                </p:cNvPr>
+                <p:cNvSpPr/>
+                <p:nvPr/>
+              </p:nvSpPr>
+              <p:spPr>
+                <a:xfrm>
+                  <a:off x="820269" y="1937759"/>
+                  <a:ext cx="1651483" cy="616725"/>
+                </a:xfrm>
+                <a:prstGeom prst="rect">
+                  <a:avLst/>
+                </a:prstGeom>
+                <a:solidFill>
+                  <a:schemeClr val="accent2">
+                    <a:lumMod val="40000"/>
+                    <a:lumOff val="60000"/>
+                  </a:schemeClr>
+                </a:solidFill>
+                <a:ln>
+                  <a:noFill/>
+                </a:ln>
+              </p:spPr>
+              <p:style>
+                <a:lnRef idx="2">
+                  <a:schemeClr val="accent1">
+                    <a:shade val="50000"/>
+                  </a:schemeClr>
+                </a:lnRef>
+                <a:fillRef idx="1">
+                  <a:schemeClr val="accent1"/>
+                </a:fillRef>
+                <a:effectRef idx="0">
+                  <a:schemeClr val="accent1"/>
+                </a:effectRef>
+                <a:fontRef idx="minor">
+                  <a:schemeClr val="lt1"/>
+                </a:fontRef>
+              </p:style>
+              <p:txBody>
+                <a:bodyPr rtlCol="0" anchor="ctr"/>
+                <a:lstStyle/>
+                <a:p>
+                  <a:pPr algn="ctr"/>
+                  <a:endParaRPr kumimoji="1" lang="ja-JP" altLang="en-US" sz="2000"/>
+                </a:p>
+              </p:txBody>
+            </p:sp>
+            <p:sp>
+              <p:nvSpPr>
+                <p:cNvPr id="15" name="テキスト ボックス 14">
+                  <a:extLst>
+                    <a:ext uri="{FF2B5EF4-FFF2-40B4-BE49-F238E27FC236}">
+                      <a16:creationId xmlns:a16="http://schemas.microsoft.com/office/drawing/2014/main" id="{749FC86D-F9B1-7A40-AA3F-D216C4632F9E}"/>
+                    </a:ext>
+                  </a:extLst>
+                </p:cNvPr>
+                <p:cNvSpPr txBox="1"/>
+                <p:nvPr/>
+              </p:nvSpPr>
+              <p:spPr>
+                <a:xfrm>
+                  <a:off x="1084798" y="2046066"/>
+                  <a:ext cx="1122423" cy="400110"/>
+                </a:xfrm>
+                <a:prstGeom prst="rect">
+                  <a:avLst/>
+                </a:prstGeom>
+                <a:noFill/>
+              </p:spPr>
+              <p:txBody>
+                <a:bodyPr wrap="none" rtlCol="0">
+                  <a:spAutoFit/>
+                </a:bodyPr>
+                <a:lstStyle/>
+                <a:p>
+                  <a:r>
+                    <a:rPr lang="en-US" altLang="ja-JP" sz="2000" dirty="0">
+                      <a:latin typeface="Hiragino Kaku Gothic Pro W3" panose="020B0300000000000000" pitchFamily="34" charset="-128"/>
+                      <a:ea typeface="Hiragino Kaku Gothic Pro W3" panose="020B0300000000000000" pitchFamily="34" charset="-128"/>
+                    </a:rPr>
+                    <a:t>8</a:t>
+                  </a:r>
+                  <a:r>
+                    <a:rPr lang="ja-JP" altLang="en-US" sz="2000">
+                      <a:latin typeface="Hiragino Kaku Gothic Pro W3" panose="020B0300000000000000" pitchFamily="34" charset="-128"/>
+                      <a:ea typeface="Hiragino Kaku Gothic Pro W3" panose="020B0300000000000000" pitchFamily="34" charset="-128"/>
+                    </a:rPr>
+                    <a:t>ビット</a:t>
+                  </a:r>
+                  <a:endParaRPr lang="en-US" altLang="ja-JP" sz="2000" dirty="0">
+                    <a:latin typeface="Hiragino Kaku Gothic Pro W3" panose="020B0300000000000000" pitchFamily="34" charset="-128"/>
+                    <a:ea typeface="Hiragino Kaku Gothic Pro W3" panose="020B0300000000000000" pitchFamily="34" charset="-128"/>
+                  </a:endParaRPr>
+                </a:p>
+              </p:txBody>
+            </p:sp>
+          </p:grpSp>
+          <p:grpSp>
+            <p:nvGrpSpPr>
+              <p:cNvPr id="16" name="グループ化 15">
+                <a:extLst>
+                  <a:ext uri="{FF2B5EF4-FFF2-40B4-BE49-F238E27FC236}">
+                    <a16:creationId xmlns:a16="http://schemas.microsoft.com/office/drawing/2014/main" id="{FC5FED99-92BB-744F-9310-FBC95E7B4864}"/>
+                  </a:ext>
+                </a:extLst>
+              </p:cNvPr>
+              <p:cNvGrpSpPr/>
+              <p:nvPr/>
+            </p:nvGrpSpPr>
+            <p:grpSpPr>
+              <a:xfrm>
+                <a:off x="1941977" y="1060200"/>
+                <a:ext cx="1651483" cy="616725"/>
+                <a:chOff x="820269" y="1937759"/>
+                <a:chExt cx="1651483" cy="616725"/>
+              </a:xfrm>
+            </p:grpSpPr>
+            <p:sp>
+              <p:nvSpPr>
+                <p:cNvPr id="17" name="正方形/長方形 16">
+                  <a:extLst>
+                    <a:ext uri="{FF2B5EF4-FFF2-40B4-BE49-F238E27FC236}">
+                      <a16:creationId xmlns:a16="http://schemas.microsoft.com/office/drawing/2014/main" id="{F5D8A55C-BFDD-B14A-9F94-E0FFF5391647}"/>
+                    </a:ext>
+                  </a:extLst>
+                </p:cNvPr>
+                <p:cNvSpPr/>
+                <p:nvPr/>
+              </p:nvSpPr>
+              <p:spPr>
+                <a:xfrm>
+                  <a:off x="820269" y="1937759"/>
+                  <a:ext cx="1651483" cy="616725"/>
+                </a:xfrm>
+                <a:prstGeom prst="rect">
+                  <a:avLst/>
+                </a:prstGeom>
+                <a:solidFill>
+                  <a:schemeClr val="accent2">
+                    <a:lumMod val="40000"/>
+                    <a:lumOff val="60000"/>
+                  </a:schemeClr>
+                </a:solidFill>
+                <a:ln>
+                  <a:noFill/>
+                </a:ln>
+              </p:spPr>
+              <p:style>
+                <a:lnRef idx="2">
+                  <a:schemeClr val="accent1">
+                    <a:shade val="50000"/>
+                  </a:schemeClr>
+                </a:lnRef>
+                <a:fillRef idx="1">
+                  <a:schemeClr val="accent1"/>
+                </a:fillRef>
+                <a:effectRef idx="0">
+                  <a:schemeClr val="accent1"/>
+                </a:effectRef>
+                <a:fontRef idx="minor">
+                  <a:schemeClr val="lt1"/>
+                </a:fontRef>
+              </p:style>
+              <p:txBody>
+                <a:bodyPr rtlCol="0" anchor="ctr"/>
+                <a:lstStyle/>
+                <a:p>
+                  <a:pPr algn="ctr"/>
+                  <a:endParaRPr kumimoji="1" lang="ja-JP" altLang="en-US" sz="2000"/>
+                </a:p>
+              </p:txBody>
+            </p:sp>
+            <p:sp>
+              <p:nvSpPr>
+                <p:cNvPr id="18" name="テキスト ボックス 17">
+                  <a:extLst>
+                    <a:ext uri="{FF2B5EF4-FFF2-40B4-BE49-F238E27FC236}">
+                      <a16:creationId xmlns:a16="http://schemas.microsoft.com/office/drawing/2014/main" id="{4919B1E0-A872-3646-A3BE-64D13C3F4333}"/>
+                    </a:ext>
+                  </a:extLst>
+                </p:cNvPr>
+                <p:cNvSpPr txBox="1"/>
+                <p:nvPr/>
+              </p:nvSpPr>
+              <p:spPr>
+                <a:xfrm>
+                  <a:off x="1084798" y="2046066"/>
+                  <a:ext cx="1122423" cy="400110"/>
+                </a:xfrm>
+                <a:prstGeom prst="rect">
+                  <a:avLst/>
+                </a:prstGeom>
+                <a:noFill/>
+              </p:spPr>
+              <p:txBody>
+                <a:bodyPr wrap="none" rtlCol="0">
+                  <a:spAutoFit/>
+                </a:bodyPr>
+                <a:lstStyle/>
+                <a:p>
+                  <a:r>
+                    <a:rPr lang="en-US" altLang="ja-JP" sz="2000" dirty="0">
+                      <a:latin typeface="Hiragino Kaku Gothic Pro W3" panose="020B0300000000000000" pitchFamily="34" charset="-128"/>
+                      <a:ea typeface="Hiragino Kaku Gothic Pro W3" panose="020B0300000000000000" pitchFamily="34" charset="-128"/>
+                    </a:rPr>
+                    <a:t>8</a:t>
+                  </a:r>
+                  <a:r>
+                    <a:rPr lang="ja-JP" altLang="en-US" sz="2000">
+                      <a:latin typeface="Hiragino Kaku Gothic Pro W3" panose="020B0300000000000000" pitchFamily="34" charset="-128"/>
+                      <a:ea typeface="Hiragino Kaku Gothic Pro W3" panose="020B0300000000000000" pitchFamily="34" charset="-128"/>
+                    </a:rPr>
+                    <a:t>ビット</a:t>
+                  </a:r>
+                  <a:endParaRPr lang="en-US" altLang="ja-JP" sz="2000" dirty="0">
+                    <a:latin typeface="Hiragino Kaku Gothic Pro W3" panose="020B0300000000000000" pitchFamily="34" charset="-128"/>
+                    <a:ea typeface="Hiragino Kaku Gothic Pro W3" panose="020B0300000000000000" pitchFamily="34" charset="-128"/>
+                  </a:endParaRPr>
+                </a:p>
+              </p:txBody>
+            </p:sp>
+          </p:grpSp>
+        </p:grpSp>
+        <p:grpSp>
+          <p:nvGrpSpPr>
+            <p:cNvPr id="20" name="グループ化 19">
+              <a:extLst>
+                <a:ext uri="{FF2B5EF4-FFF2-40B4-BE49-F238E27FC236}">
+                  <a16:creationId xmlns:a16="http://schemas.microsoft.com/office/drawing/2014/main" id="{E805A582-4DF8-2F4C-8358-89B8F98145FE}"/>
+                </a:ext>
+              </a:extLst>
+            </p:cNvPr>
+            <p:cNvGrpSpPr/>
+            <p:nvPr/>
+          </p:nvGrpSpPr>
+          <p:grpSpPr>
+            <a:xfrm>
+              <a:off x="230228" y="2136430"/>
+              <a:ext cx="5074981" cy="616725"/>
+              <a:chOff x="230228" y="1060200"/>
+              <a:chExt cx="5074981" cy="616725"/>
+            </a:xfrm>
+          </p:grpSpPr>
+          <p:grpSp>
+            <p:nvGrpSpPr>
+              <p:cNvPr id="21" name="グループ化 20">
+                <a:extLst>
+                  <a:ext uri="{FF2B5EF4-FFF2-40B4-BE49-F238E27FC236}">
+                    <a16:creationId xmlns:a16="http://schemas.microsoft.com/office/drawing/2014/main" id="{88546502-E9C5-9C49-993A-22676FF6BDFD}"/>
+                  </a:ext>
+                </a:extLst>
+              </p:cNvPr>
+              <p:cNvGrpSpPr/>
+              <p:nvPr/>
+            </p:nvGrpSpPr>
+            <p:grpSpPr>
+              <a:xfrm>
+                <a:off x="230228" y="1060200"/>
+                <a:ext cx="1651483" cy="616725"/>
+                <a:chOff x="820269" y="1937759"/>
+                <a:chExt cx="1651483" cy="616725"/>
+              </a:xfrm>
+            </p:grpSpPr>
+            <p:sp>
+              <p:nvSpPr>
+                <p:cNvPr id="28" name="正方形/長方形 27">
+                  <a:extLst>
+                    <a:ext uri="{FF2B5EF4-FFF2-40B4-BE49-F238E27FC236}">
+                      <a16:creationId xmlns:a16="http://schemas.microsoft.com/office/drawing/2014/main" id="{95F6E107-EC02-264C-BE42-DAC955A09774}"/>
+                    </a:ext>
+                  </a:extLst>
+                </p:cNvPr>
+                <p:cNvSpPr/>
+                <p:nvPr/>
+              </p:nvSpPr>
+              <p:spPr>
+                <a:xfrm>
+                  <a:off x="820269" y="1937759"/>
+                  <a:ext cx="1651483" cy="616725"/>
+                </a:xfrm>
+                <a:prstGeom prst="rect">
+                  <a:avLst/>
+                </a:prstGeom>
+                <a:solidFill>
+                  <a:schemeClr val="accent2">
+                    <a:lumMod val="40000"/>
+                    <a:lumOff val="60000"/>
+                  </a:schemeClr>
+                </a:solidFill>
+                <a:ln>
+                  <a:noFill/>
+                </a:ln>
+              </p:spPr>
+              <p:style>
+                <a:lnRef idx="2">
+                  <a:schemeClr val="accent1">
+                    <a:shade val="50000"/>
+                  </a:schemeClr>
+                </a:lnRef>
+                <a:fillRef idx="1">
+                  <a:schemeClr val="accent1"/>
+                </a:fillRef>
+                <a:effectRef idx="0">
+                  <a:schemeClr val="accent1"/>
+                </a:effectRef>
+                <a:fontRef idx="minor">
+                  <a:schemeClr val="lt1"/>
+                </a:fontRef>
+              </p:style>
+              <p:txBody>
+                <a:bodyPr rtlCol="0" anchor="ctr"/>
+                <a:lstStyle/>
+                <a:p>
+                  <a:pPr algn="ctr"/>
+                  <a:endParaRPr kumimoji="1" lang="ja-JP" altLang="en-US" sz="2000"/>
+                </a:p>
+              </p:txBody>
+            </p:sp>
+            <p:sp>
+              <p:nvSpPr>
+                <p:cNvPr id="29" name="テキスト ボックス 28">
+                  <a:extLst>
+                    <a:ext uri="{FF2B5EF4-FFF2-40B4-BE49-F238E27FC236}">
+                      <a16:creationId xmlns:a16="http://schemas.microsoft.com/office/drawing/2014/main" id="{3840B74A-D651-7143-9FDF-E5435A451E9F}"/>
+                    </a:ext>
+                  </a:extLst>
+                </p:cNvPr>
+                <p:cNvSpPr txBox="1"/>
+                <p:nvPr/>
+              </p:nvSpPr>
+              <p:spPr>
+                <a:xfrm>
+                  <a:off x="1084798" y="2046066"/>
+                  <a:ext cx="1122423" cy="400110"/>
+                </a:xfrm>
+                <a:prstGeom prst="rect">
+                  <a:avLst/>
+                </a:prstGeom>
+                <a:noFill/>
+              </p:spPr>
+              <p:txBody>
+                <a:bodyPr wrap="none" rtlCol="0">
+                  <a:spAutoFit/>
+                </a:bodyPr>
+                <a:lstStyle/>
+                <a:p>
+                  <a:r>
+                    <a:rPr lang="en-US" altLang="ja-JP" sz="2000" dirty="0">
+                      <a:latin typeface="Hiragino Kaku Gothic Pro W3" panose="020B0300000000000000" pitchFamily="34" charset="-128"/>
+                      <a:ea typeface="Hiragino Kaku Gothic Pro W3" panose="020B0300000000000000" pitchFamily="34" charset="-128"/>
+                    </a:rPr>
+                    <a:t>8</a:t>
+                  </a:r>
+                  <a:r>
+                    <a:rPr lang="ja-JP" altLang="en-US" sz="2000">
+                      <a:latin typeface="Hiragino Kaku Gothic Pro W3" panose="020B0300000000000000" pitchFamily="34" charset="-128"/>
+                      <a:ea typeface="Hiragino Kaku Gothic Pro W3" panose="020B0300000000000000" pitchFamily="34" charset="-128"/>
+                    </a:rPr>
+                    <a:t>ビット</a:t>
+                  </a:r>
+                  <a:endParaRPr lang="en-US" altLang="ja-JP" sz="2000" dirty="0">
+                    <a:latin typeface="Hiragino Kaku Gothic Pro W3" panose="020B0300000000000000" pitchFamily="34" charset="-128"/>
+                    <a:ea typeface="Hiragino Kaku Gothic Pro W3" panose="020B0300000000000000" pitchFamily="34" charset="-128"/>
+                  </a:endParaRPr>
+                </a:p>
+              </p:txBody>
+            </p:sp>
+          </p:grpSp>
+          <p:grpSp>
+            <p:nvGrpSpPr>
+              <p:cNvPr id="22" name="グループ化 21">
+                <a:extLst>
+                  <a:ext uri="{FF2B5EF4-FFF2-40B4-BE49-F238E27FC236}">
+                    <a16:creationId xmlns:a16="http://schemas.microsoft.com/office/drawing/2014/main" id="{6B118EFC-53C4-C24A-862E-61AB9174A2D7}"/>
+                  </a:ext>
+                </a:extLst>
+              </p:cNvPr>
+              <p:cNvGrpSpPr/>
+              <p:nvPr/>
+            </p:nvGrpSpPr>
+            <p:grpSpPr>
+              <a:xfrm>
+                <a:off x="3653726" y="1060200"/>
+                <a:ext cx="1651483" cy="616725"/>
+                <a:chOff x="820269" y="1937759"/>
+                <a:chExt cx="1651483" cy="616725"/>
+              </a:xfrm>
+            </p:grpSpPr>
+            <p:sp>
+              <p:nvSpPr>
+                <p:cNvPr id="26" name="正方形/長方形 25">
+                  <a:extLst>
+                    <a:ext uri="{FF2B5EF4-FFF2-40B4-BE49-F238E27FC236}">
+                      <a16:creationId xmlns:a16="http://schemas.microsoft.com/office/drawing/2014/main" id="{90B1231C-26BE-0744-8C56-AEB817F42B0F}"/>
+                    </a:ext>
+                  </a:extLst>
+                </p:cNvPr>
+                <p:cNvSpPr/>
+                <p:nvPr/>
+              </p:nvSpPr>
+              <p:spPr>
+                <a:xfrm>
+                  <a:off x="820269" y="1937759"/>
+                  <a:ext cx="1651483" cy="616725"/>
+                </a:xfrm>
+                <a:prstGeom prst="rect">
+                  <a:avLst/>
+                </a:prstGeom>
+                <a:solidFill>
+                  <a:schemeClr val="accent2">
+                    <a:lumMod val="40000"/>
+                    <a:lumOff val="60000"/>
+                  </a:schemeClr>
+                </a:solidFill>
+                <a:ln>
+                  <a:noFill/>
+                </a:ln>
+              </p:spPr>
+              <p:style>
+                <a:lnRef idx="2">
+                  <a:schemeClr val="accent1">
+                    <a:shade val="50000"/>
+                  </a:schemeClr>
+                </a:lnRef>
+                <a:fillRef idx="1">
+                  <a:schemeClr val="accent1"/>
+                </a:fillRef>
+                <a:effectRef idx="0">
+                  <a:schemeClr val="accent1"/>
+                </a:effectRef>
+                <a:fontRef idx="minor">
+                  <a:schemeClr val="lt1"/>
+                </a:fontRef>
+              </p:style>
+              <p:txBody>
+                <a:bodyPr rtlCol="0" anchor="ctr"/>
+                <a:lstStyle/>
+                <a:p>
+                  <a:pPr algn="ctr"/>
+                  <a:endParaRPr kumimoji="1" lang="ja-JP" altLang="en-US" sz="2000"/>
+                </a:p>
+              </p:txBody>
+            </p:sp>
+            <p:sp>
+              <p:nvSpPr>
+                <p:cNvPr id="27" name="テキスト ボックス 26">
+                  <a:extLst>
+                    <a:ext uri="{FF2B5EF4-FFF2-40B4-BE49-F238E27FC236}">
+                      <a16:creationId xmlns:a16="http://schemas.microsoft.com/office/drawing/2014/main" id="{E8EBAED2-D886-7E47-AD91-FEAA9193D5B9}"/>
+                    </a:ext>
+                  </a:extLst>
+                </p:cNvPr>
+                <p:cNvSpPr txBox="1"/>
+                <p:nvPr/>
+              </p:nvSpPr>
+              <p:spPr>
+                <a:xfrm>
+                  <a:off x="1084798" y="2046066"/>
+                  <a:ext cx="1122423" cy="400110"/>
+                </a:xfrm>
+                <a:prstGeom prst="rect">
+                  <a:avLst/>
+                </a:prstGeom>
+                <a:noFill/>
+              </p:spPr>
+              <p:txBody>
+                <a:bodyPr wrap="none" rtlCol="0">
+                  <a:spAutoFit/>
+                </a:bodyPr>
+                <a:lstStyle/>
+                <a:p>
+                  <a:r>
+                    <a:rPr lang="en-US" altLang="ja-JP" sz="2000" dirty="0">
+                      <a:latin typeface="Hiragino Kaku Gothic Pro W3" panose="020B0300000000000000" pitchFamily="34" charset="-128"/>
+                      <a:ea typeface="Hiragino Kaku Gothic Pro W3" panose="020B0300000000000000" pitchFamily="34" charset="-128"/>
+                    </a:rPr>
+                    <a:t>8</a:t>
+                  </a:r>
+                  <a:r>
+                    <a:rPr lang="ja-JP" altLang="en-US" sz="2000">
+                      <a:latin typeface="Hiragino Kaku Gothic Pro W3" panose="020B0300000000000000" pitchFamily="34" charset="-128"/>
+                      <a:ea typeface="Hiragino Kaku Gothic Pro W3" panose="020B0300000000000000" pitchFamily="34" charset="-128"/>
+                    </a:rPr>
+                    <a:t>ビット</a:t>
+                  </a:r>
+                  <a:endParaRPr lang="en-US" altLang="ja-JP" sz="2000" dirty="0">
+                    <a:latin typeface="Hiragino Kaku Gothic Pro W3" panose="020B0300000000000000" pitchFamily="34" charset="-128"/>
+                    <a:ea typeface="Hiragino Kaku Gothic Pro W3" panose="020B0300000000000000" pitchFamily="34" charset="-128"/>
+                  </a:endParaRPr>
+                </a:p>
+              </p:txBody>
+            </p:sp>
+          </p:grpSp>
+          <p:grpSp>
+            <p:nvGrpSpPr>
+              <p:cNvPr id="23" name="グループ化 22">
+                <a:extLst>
+                  <a:ext uri="{FF2B5EF4-FFF2-40B4-BE49-F238E27FC236}">
+                    <a16:creationId xmlns:a16="http://schemas.microsoft.com/office/drawing/2014/main" id="{BD36B734-3CFE-3D4A-A656-0CDFAE212B3B}"/>
+                  </a:ext>
+                </a:extLst>
+              </p:cNvPr>
+              <p:cNvGrpSpPr/>
+              <p:nvPr/>
+            </p:nvGrpSpPr>
+            <p:grpSpPr>
+              <a:xfrm>
+                <a:off x="1941977" y="1060200"/>
+                <a:ext cx="1651483" cy="616725"/>
+                <a:chOff x="820269" y="1937759"/>
+                <a:chExt cx="1651483" cy="616725"/>
+              </a:xfrm>
+            </p:grpSpPr>
+            <p:sp>
+              <p:nvSpPr>
+                <p:cNvPr id="24" name="正方形/長方形 23">
+                  <a:extLst>
+                    <a:ext uri="{FF2B5EF4-FFF2-40B4-BE49-F238E27FC236}">
+                      <a16:creationId xmlns:a16="http://schemas.microsoft.com/office/drawing/2014/main" id="{257A1853-837E-F940-B90F-1451202194CE}"/>
+                    </a:ext>
+                  </a:extLst>
+                </p:cNvPr>
+                <p:cNvSpPr/>
+                <p:nvPr/>
+              </p:nvSpPr>
+              <p:spPr>
+                <a:xfrm>
+                  <a:off x="820269" y="1937759"/>
+                  <a:ext cx="1651483" cy="616725"/>
+                </a:xfrm>
+                <a:prstGeom prst="rect">
+                  <a:avLst/>
+                </a:prstGeom>
+                <a:solidFill>
+                  <a:schemeClr val="accent2">
+                    <a:lumMod val="40000"/>
+                    <a:lumOff val="60000"/>
+                  </a:schemeClr>
+                </a:solidFill>
+                <a:ln>
+                  <a:noFill/>
+                </a:ln>
+              </p:spPr>
+              <p:style>
+                <a:lnRef idx="2">
+                  <a:schemeClr val="accent1">
+                    <a:shade val="50000"/>
+                  </a:schemeClr>
+                </a:lnRef>
+                <a:fillRef idx="1">
+                  <a:schemeClr val="accent1"/>
+                </a:fillRef>
+                <a:effectRef idx="0">
+                  <a:schemeClr val="accent1"/>
+                </a:effectRef>
+                <a:fontRef idx="minor">
+                  <a:schemeClr val="lt1"/>
+                </a:fontRef>
+              </p:style>
+              <p:txBody>
+                <a:bodyPr rtlCol="0" anchor="ctr"/>
+                <a:lstStyle/>
+                <a:p>
+                  <a:pPr algn="ctr"/>
+                  <a:endParaRPr kumimoji="1" lang="ja-JP" altLang="en-US" sz="2000"/>
+                </a:p>
+              </p:txBody>
+            </p:sp>
+            <p:sp>
+              <p:nvSpPr>
+                <p:cNvPr id="25" name="テキスト ボックス 24">
+                  <a:extLst>
+                    <a:ext uri="{FF2B5EF4-FFF2-40B4-BE49-F238E27FC236}">
+                      <a16:creationId xmlns:a16="http://schemas.microsoft.com/office/drawing/2014/main" id="{2DD3167A-73B5-AA4C-9B82-27C367A8632D}"/>
+                    </a:ext>
+                  </a:extLst>
+                </p:cNvPr>
+                <p:cNvSpPr txBox="1"/>
+                <p:nvPr/>
+              </p:nvSpPr>
+              <p:spPr>
+                <a:xfrm>
+                  <a:off x="1084798" y="2046066"/>
+                  <a:ext cx="1122423" cy="400110"/>
+                </a:xfrm>
+                <a:prstGeom prst="rect">
+                  <a:avLst/>
+                </a:prstGeom>
+                <a:noFill/>
+              </p:spPr>
+              <p:txBody>
+                <a:bodyPr wrap="none" rtlCol="0">
+                  <a:spAutoFit/>
+                </a:bodyPr>
+                <a:lstStyle/>
+                <a:p>
+                  <a:r>
+                    <a:rPr lang="en-US" altLang="ja-JP" sz="2000" dirty="0">
+                      <a:latin typeface="Hiragino Kaku Gothic Pro W3" panose="020B0300000000000000" pitchFamily="34" charset="-128"/>
+                      <a:ea typeface="Hiragino Kaku Gothic Pro W3" panose="020B0300000000000000" pitchFamily="34" charset="-128"/>
+                    </a:rPr>
+                    <a:t>8</a:t>
+                  </a:r>
+                  <a:r>
+                    <a:rPr lang="ja-JP" altLang="en-US" sz="2000">
+                      <a:latin typeface="Hiragino Kaku Gothic Pro W3" panose="020B0300000000000000" pitchFamily="34" charset="-128"/>
+                      <a:ea typeface="Hiragino Kaku Gothic Pro W3" panose="020B0300000000000000" pitchFamily="34" charset="-128"/>
+                    </a:rPr>
+                    <a:t>ビット</a:t>
+                  </a:r>
+                  <a:endParaRPr lang="en-US" altLang="ja-JP" sz="2000" dirty="0">
+                    <a:latin typeface="Hiragino Kaku Gothic Pro W3" panose="020B0300000000000000" pitchFamily="34" charset="-128"/>
+                    <a:ea typeface="Hiragino Kaku Gothic Pro W3" panose="020B0300000000000000" pitchFamily="34" charset="-128"/>
+                  </a:endParaRPr>
+                </a:p>
+              </p:txBody>
+            </p:sp>
+          </p:grpSp>
+        </p:grpSp>
+        <p:grpSp>
+          <p:nvGrpSpPr>
+            <p:cNvPr id="32" name="グループ化 31">
+              <a:extLst>
+                <a:ext uri="{FF2B5EF4-FFF2-40B4-BE49-F238E27FC236}">
+                  <a16:creationId xmlns:a16="http://schemas.microsoft.com/office/drawing/2014/main" id="{309776CC-DBBB-C84C-9E65-61C70E5D9050}"/>
+                </a:ext>
+              </a:extLst>
+            </p:cNvPr>
+            <p:cNvGrpSpPr/>
+            <p:nvPr/>
+          </p:nvGrpSpPr>
+          <p:grpSpPr>
+            <a:xfrm>
+              <a:off x="923703" y="1680435"/>
+              <a:ext cx="264529" cy="452486"/>
+              <a:chOff x="1941977" y="3553906"/>
+              <a:chExt cx="264529" cy="452486"/>
+            </a:xfrm>
+          </p:grpSpPr>
+          <p:sp>
+            <p:nvSpPr>
+              <p:cNvPr id="30" name="下矢印 29">
+                <a:extLst>
+                  <a:ext uri="{FF2B5EF4-FFF2-40B4-BE49-F238E27FC236}">
+                    <a16:creationId xmlns:a16="http://schemas.microsoft.com/office/drawing/2014/main" id="{0FD9E4F3-04D5-0742-A76E-887A80445A10}"/>
+                  </a:ext>
+                </a:extLst>
+              </p:cNvPr>
+              <p:cNvSpPr/>
+              <p:nvPr/>
+            </p:nvSpPr>
+            <p:spPr>
+              <a:xfrm>
+                <a:off x="1941977" y="3619893"/>
+                <a:ext cx="264529" cy="386499"/>
+              </a:xfrm>
+              <a:prstGeom prst="downArrow">
+                <a:avLst/>
+              </a:prstGeom>
+              <a:solidFill>
+                <a:schemeClr val="tx1">
+                  <a:lumMod val="50000"/>
+                  <a:lumOff val="50000"/>
+                </a:schemeClr>
+              </a:solidFill>
+              <a:ln>
+                <a:noFill/>
+              </a:ln>
+            </p:spPr>
+            <p:style>
+              <a:lnRef idx="2">
+                <a:schemeClr val="accent1">
+                  <a:shade val="50000"/>
+                </a:schemeClr>
+              </a:lnRef>
+              <a:fillRef idx="1">
+                <a:schemeClr val="accent1"/>
+              </a:fillRef>
+              <a:effectRef idx="0">
+                <a:schemeClr val="accent1"/>
+              </a:effectRef>
+              <a:fontRef idx="minor">
+                <a:schemeClr val="lt1"/>
+              </a:fontRef>
+            </p:style>
+            <p:txBody>
+              <a:bodyPr rtlCol="0" anchor="ctr"/>
+              <a:lstStyle/>
+              <a:p>
+                <a:pPr algn="ctr"/>
+                <a:endParaRPr kumimoji="1" lang="ja-JP" altLang="en-US"/>
+              </a:p>
+            </p:txBody>
+          </p:sp>
+          <p:sp>
+            <p:nvSpPr>
+              <p:cNvPr id="31" name="下矢印 30">
+                <a:extLst>
+                  <a:ext uri="{FF2B5EF4-FFF2-40B4-BE49-F238E27FC236}">
+                    <a16:creationId xmlns:a16="http://schemas.microsoft.com/office/drawing/2014/main" id="{F110D392-C881-0F47-AD6D-49FDF6A3427A}"/>
+                  </a:ext>
+                </a:extLst>
+              </p:cNvPr>
+              <p:cNvSpPr/>
+              <p:nvPr/>
+            </p:nvSpPr>
+            <p:spPr>
+              <a:xfrm rot="10800000">
+                <a:off x="1941977" y="3553906"/>
+                <a:ext cx="264529" cy="386499"/>
+              </a:xfrm>
+              <a:prstGeom prst="downArrow">
+                <a:avLst/>
+              </a:prstGeom>
+              <a:solidFill>
+                <a:schemeClr val="tx1">
+                  <a:lumMod val="50000"/>
+                  <a:lumOff val="50000"/>
+                </a:schemeClr>
+              </a:solidFill>
+              <a:ln>
+                <a:noFill/>
+              </a:ln>
+            </p:spPr>
+            <p:style>
+              <a:lnRef idx="2">
+                <a:schemeClr val="accent1">
+                  <a:shade val="50000"/>
+                </a:schemeClr>
+              </a:lnRef>
+              <a:fillRef idx="1">
+                <a:schemeClr val="accent1"/>
+              </a:fillRef>
+              <a:effectRef idx="0">
+                <a:schemeClr val="accent1"/>
+              </a:effectRef>
+              <a:fontRef idx="minor">
+                <a:schemeClr val="lt1"/>
+              </a:fontRef>
+            </p:style>
+            <p:txBody>
+              <a:bodyPr rtlCol="0" anchor="ctr"/>
+              <a:lstStyle/>
+              <a:p>
+                <a:pPr algn="ctr"/>
+                <a:endParaRPr kumimoji="1" lang="ja-JP" altLang="en-US"/>
+              </a:p>
+            </p:txBody>
+          </p:sp>
+        </p:grpSp>
+        <p:grpSp>
+          <p:nvGrpSpPr>
+            <p:cNvPr id="36" name="グループ化 35">
+              <a:extLst>
+                <a:ext uri="{FF2B5EF4-FFF2-40B4-BE49-F238E27FC236}">
+                  <a16:creationId xmlns:a16="http://schemas.microsoft.com/office/drawing/2014/main" id="{54880A11-CEFB-BA46-AB7E-C4CF4B8AAE1F}"/>
+                </a:ext>
+              </a:extLst>
+            </p:cNvPr>
+            <p:cNvGrpSpPr/>
+            <p:nvPr/>
+          </p:nvGrpSpPr>
+          <p:grpSpPr>
+            <a:xfrm>
+              <a:off x="2635452" y="1676924"/>
+              <a:ext cx="264529" cy="452486"/>
+              <a:chOff x="1941977" y="3553906"/>
+              <a:chExt cx="264529" cy="452486"/>
+            </a:xfrm>
+          </p:grpSpPr>
+          <p:sp>
+            <p:nvSpPr>
+              <p:cNvPr id="37" name="下矢印 36">
+                <a:extLst>
+                  <a:ext uri="{FF2B5EF4-FFF2-40B4-BE49-F238E27FC236}">
+                    <a16:creationId xmlns:a16="http://schemas.microsoft.com/office/drawing/2014/main" id="{10D1AB76-DF15-214F-97A6-1928F902159B}"/>
+                  </a:ext>
+                </a:extLst>
+              </p:cNvPr>
+              <p:cNvSpPr/>
+              <p:nvPr/>
+            </p:nvSpPr>
+            <p:spPr>
+              <a:xfrm>
+                <a:off x="1941977" y="3619893"/>
+                <a:ext cx="264529" cy="386499"/>
+              </a:xfrm>
+              <a:prstGeom prst="downArrow">
+                <a:avLst/>
+              </a:prstGeom>
+              <a:solidFill>
+                <a:schemeClr val="tx1">
+                  <a:lumMod val="50000"/>
+                  <a:lumOff val="50000"/>
+                </a:schemeClr>
+              </a:solidFill>
+              <a:ln>
+                <a:noFill/>
+              </a:ln>
+            </p:spPr>
+            <p:style>
+              <a:lnRef idx="2">
+                <a:schemeClr val="accent1">
+                  <a:shade val="50000"/>
+                </a:schemeClr>
+              </a:lnRef>
+              <a:fillRef idx="1">
+                <a:schemeClr val="accent1"/>
+              </a:fillRef>
+              <a:effectRef idx="0">
+                <a:schemeClr val="accent1"/>
+              </a:effectRef>
+              <a:fontRef idx="minor">
+                <a:schemeClr val="lt1"/>
+              </a:fontRef>
+            </p:style>
+            <p:txBody>
+              <a:bodyPr rtlCol="0" anchor="ctr"/>
+              <a:lstStyle/>
+              <a:p>
+                <a:pPr algn="ctr"/>
+                <a:endParaRPr kumimoji="1" lang="ja-JP" altLang="en-US"/>
+              </a:p>
+            </p:txBody>
+          </p:sp>
+          <p:sp>
+            <p:nvSpPr>
+              <p:cNvPr id="38" name="下矢印 37">
+                <a:extLst>
+                  <a:ext uri="{FF2B5EF4-FFF2-40B4-BE49-F238E27FC236}">
+                    <a16:creationId xmlns:a16="http://schemas.microsoft.com/office/drawing/2014/main" id="{5D77FAC6-246F-8044-A824-7F992B75731B}"/>
+                  </a:ext>
+                </a:extLst>
+              </p:cNvPr>
+              <p:cNvSpPr/>
+              <p:nvPr/>
+            </p:nvSpPr>
+            <p:spPr>
+              <a:xfrm rot="10800000">
+                <a:off x="1941977" y="3553906"/>
+                <a:ext cx="264529" cy="386499"/>
+              </a:xfrm>
+              <a:prstGeom prst="downArrow">
+                <a:avLst/>
+              </a:prstGeom>
+              <a:solidFill>
+                <a:schemeClr val="tx1">
+                  <a:lumMod val="50000"/>
+                  <a:lumOff val="50000"/>
+                </a:schemeClr>
+              </a:solidFill>
+              <a:ln>
+                <a:noFill/>
+              </a:ln>
+            </p:spPr>
+            <p:style>
+              <a:lnRef idx="2">
+                <a:schemeClr val="accent1">
+                  <a:shade val="50000"/>
+                </a:schemeClr>
+              </a:lnRef>
+              <a:fillRef idx="1">
+                <a:schemeClr val="accent1"/>
+              </a:fillRef>
+              <a:effectRef idx="0">
+                <a:schemeClr val="accent1"/>
+              </a:effectRef>
+              <a:fontRef idx="minor">
+                <a:schemeClr val="lt1"/>
+              </a:fontRef>
+            </p:style>
+            <p:txBody>
+              <a:bodyPr rtlCol="0" anchor="ctr"/>
+              <a:lstStyle/>
+              <a:p>
+                <a:pPr algn="ctr"/>
+                <a:endParaRPr kumimoji="1" lang="ja-JP" altLang="en-US"/>
+              </a:p>
+            </p:txBody>
+          </p:sp>
+        </p:grpSp>
+        <p:grpSp>
+          <p:nvGrpSpPr>
+            <p:cNvPr id="39" name="グループ化 38">
+              <a:extLst>
+                <a:ext uri="{FF2B5EF4-FFF2-40B4-BE49-F238E27FC236}">
+                  <a16:creationId xmlns:a16="http://schemas.microsoft.com/office/drawing/2014/main" id="{BF1C7886-C263-4C4A-86D5-EBB9EF06A654}"/>
+                </a:ext>
+              </a:extLst>
+            </p:cNvPr>
+            <p:cNvGrpSpPr/>
+            <p:nvPr/>
+          </p:nvGrpSpPr>
+          <p:grpSpPr>
+            <a:xfrm>
+              <a:off x="4347201" y="1673413"/>
+              <a:ext cx="264529" cy="452486"/>
+              <a:chOff x="1941977" y="3553906"/>
+              <a:chExt cx="264529" cy="452486"/>
+            </a:xfrm>
+          </p:grpSpPr>
+          <p:sp>
+            <p:nvSpPr>
+              <p:cNvPr id="40" name="下矢印 39">
+                <a:extLst>
+                  <a:ext uri="{FF2B5EF4-FFF2-40B4-BE49-F238E27FC236}">
+                    <a16:creationId xmlns:a16="http://schemas.microsoft.com/office/drawing/2014/main" id="{890B9421-FBD2-E646-A860-DC76EA7D382F}"/>
+                  </a:ext>
+                </a:extLst>
+              </p:cNvPr>
+              <p:cNvSpPr/>
+              <p:nvPr/>
+            </p:nvSpPr>
+            <p:spPr>
+              <a:xfrm>
+                <a:off x="1941977" y="3619893"/>
+                <a:ext cx="264529" cy="386499"/>
+              </a:xfrm>
+              <a:prstGeom prst="downArrow">
+                <a:avLst/>
+              </a:prstGeom>
+              <a:solidFill>
+                <a:schemeClr val="tx1">
+                  <a:lumMod val="50000"/>
+                  <a:lumOff val="50000"/>
+                </a:schemeClr>
+              </a:solidFill>
+              <a:ln>
+                <a:noFill/>
+              </a:ln>
+            </p:spPr>
+            <p:style>
+              <a:lnRef idx="2">
+                <a:schemeClr val="accent1">
+                  <a:shade val="50000"/>
+                </a:schemeClr>
+              </a:lnRef>
+              <a:fillRef idx="1">
+                <a:schemeClr val="accent1"/>
+              </a:fillRef>
+              <a:effectRef idx="0">
+                <a:schemeClr val="accent1"/>
+              </a:effectRef>
+              <a:fontRef idx="minor">
+                <a:schemeClr val="lt1"/>
+              </a:fontRef>
+            </p:style>
+            <p:txBody>
+              <a:bodyPr rtlCol="0" anchor="ctr"/>
+              <a:lstStyle/>
+              <a:p>
+                <a:pPr algn="ctr"/>
+                <a:endParaRPr kumimoji="1" lang="ja-JP" altLang="en-US"/>
+              </a:p>
+            </p:txBody>
+          </p:sp>
+          <p:sp>
+            <p:nvSpPr>
+              <p:cNvPr id="41" name="下矢印 40">
+                <a:extLst>
+                  <a:ext uri="{FF2B5EF4-FFF2-40B4-BE49-F238E27FC236}">
+                    <a16:creationId xmlns:a16="http://schemas.microsoft.com/office/drawing/2014/main" id="{0A1F8AC5-D0C5-354E-94EF-019BBD6182FF}"/>
+                  </a:ext>
+                </a:extLst>
+              </p:cNvPr>
+              <p:cNvSpPr/>
+              <p:nvPr/>
+            </p:nvSpPr>
+            <p:spPr>
+              <a:xfrm rot="10800000">
+                <a:off x="1941977" y="3553906"/>
+                <a:ext cx="264529" cy="386499"/>
+              </a:xfrm>
+              <a:prstGeom prst="downArrow">
+                <a:avLst/>
+              </a:prstGeom>
+              <a:solidFill>
+                <a:schemeClr val="tx1">
+                  <a:lumMod val="50000"/>
+                  <a:lumOff val="50000"/>
+                </a:schemeClr>
+              </a:solidFill>
+              <a:ln>
+                <a:noFill/>
+              </a:ln>
+            </p:spPr>
+            <p:style>
+              <a:lnRef idx="2">
+                <a:schemeClr val="accent1">
+                  <a:shade val="50000"/>
+                </a:schemeClr>
+              </a:lnRef>
+              <a:fillRef idx="1">
+                <a:schemeClr val="accent1"/>
+              </a:fillRef>
+              <a:effectRef idx="0">
+                <a:schemeClr val="accent1"/>
+              </a:effectRef>
+              <a:fontRef idx="minor">
+                <a:schemeClr val="lt1"/>
+              </a:fontRef>
+            </p:style>
+            <p:txBody>
+              <a:bodyPr rtlCol="0" anchor="ctr"/>
+              <a:lstStyle/>
+              <a:p>
+                <a:pPr algn="ctr"/>
+                <a:endParaRPr kumimoji="1" lang="ja-JP" altLang="en-US"/>
+              </a:p>
+            </p:txBody>
+          </p:sp>
+        </p:grpSp>
+      </p:grpSp>
+      <p:grpSp>
+        <p:nvGrpSpPr>
+          <p:cNvPr id="82" name="グループ化 81">
+            <a:extLst>
+              <a:ext uri="{FF2B5EF4-FFF2-40B4-BE49-F238E27FC236}">
+                <a16:creationId xmlns:a16="http://schemas.microsoft.com/office/drawing/2014/main" id="{6999BDC7-EC9C-0447-BAC8-F03D004C089E}"/>
+              </a:ext>
+            </a:extLst>
+          </p:cNvPr>
+          <p:cNvGrpSpPr/>
+          <p:nvPr/>
+        </p:nvGrpSpPr>
+        <p:grpSpPr>
+          <a:xfrm>
+            <a:off x="230227" y="3360870"/>
+            <a:ext cx="6421111" cy="2097912"/>
+            <a:chOff x="230227" y="3360870"/>
+            <a:chExt cx="6421111" cy="2097912"/>
+          </a:xfrm>
+        </p:grpSpPr>
+        <p:grpSp>
+          <p:nvGrpSpPr>
+            <p:cNvPr id="43" name="グループ化 42">
+              <a:extLst>
+                <a:ext uri="{FF2B5EF4-FFF2-40B4-BE49-F238E27FC236}">
+                  <a16:creationId xmlns:a16="http://schemas.microsoft.com/office/drawing/2014/main" id="{2DDBAA52-0B30-5047-92B7-9C3B554691E9}"/>
+                </a:ext>
+              </a:extLst>
+            </p:cNvPr>
+            <p:cNvGrpSpPr/>
+            <p:nvPr/>
+          </p:nvGrpSpPr>
+          <p:grpSpPr>
+            <a:xfrm>
+              <a:off x="230227" y="3360870"/>
+              <a:ext cx="3210557" cy="814296"/>
+              <a:chOff x="820268" y="4050756"/>
+              <a:chExt cx="3210557" cy="814296"/>
+            </a:xfrm>
+          </p:grpSpPr>
+          <p:sp>
+            <p:nvSpPr>
+              <p:cNvPr id="44" name="正方形/長方形 43">
+                <a:extLst>
+                  <a:ext uri="{FF2B5EF4-FFF2-40B4-BE49-F238E27FC236}">
+                    <a16:creationId xmlns:a16="http://schemas.microsoft.com/office/drawing/2014/main" id="{75A3E5ED-2656-B843-B090-0E01B0E544A3}"/>
+                  </a:ext>
+                </a:extLst>
+              </p:cNvPr>
+              <p:cNvSpPr/>
+              <p:nvPr/>
+            </p:nvSpPr>
+            <p:spPr>
+              <a:xfrm>
+                <a:off x="820268" y="4050756"/>
+                <a:ext cx="3210557" cy="814296"/>
+              </a:xfrm>
+              <a:prstGeom prst="rect">
+                <a:avLst/>
+              </a:prstGeom>
+              <a:solidFill>
+                <a:schemeClr val="accent2">
+                  <a:lumMod val="40000"/>
+                  <a:lumOff val="60000"/>
+                </a:schemeClr>
+              </a:solidFill>
+              <a:ln>
+                <a:noFill/>
+              </a:ln>
+            </p:spPr>
+            <p:style>
+              <a:lnRef idx="2">
+                <a:schemeClr val="accent1">
+                  <a:shade val="50000"/>
+                </a:schemeClr>
+              </a:lnRef>
+              <a:fillRef idx="1">
+                <a:schemeClr val="accent1"/>
+              </a:fillRef>
+              <a:effectRef idx="0">
+                <a:schemeClr val="accent1"/>
+              </a:effectRef>
+              <a:fontRef idx="minor">
+                <a:schemeClr val="lt1"/>
+              </a:fontRef>
+            </p:style>
+            <p:txBody>
+              <a:bodyPr rtlCol="0" anchor="ctr"/>
+              <a:lstStyle/>
+              <a:p>
+                <a:pPr algn="ctr"/>
+                <a:endParaRPr kumimoji="1" lang="ja-JP" altLang="en-US" sz="2000"/>
+              </a:p>
+            </p:txBody>
+          </p:sp>
+          <p:sp>
+            <p:nvSpPr>
+              <p:cNvPr id="45" name="テキスト ボックス 44">
+                <a:extLst>
+                  <a:ext uri="{FF2B5EF4-FFF2-40B4-BE49-F238E27FC236}">
+                    <a16:creationId xmlns:a16="http://schemas.microsoft.com/office/drawing/2014/main" id="{70540114-0365-6D42-AAD8-F4E6BE226B17}"/>
+                  </a:ext>
+                </a:extLst>
+              </p:cNvPr>
+              <p:cNvSpPr txBox="1"/>
+              <p:nvPr/>
+            </p:nvSpPr>
+            <p:spPr>
+              <a:xfrm>
+                <a:off x="1780177" y="4257849"/>
+                <a:ext cx="1290738" cy="400110"/>
+              </a:xfrm>
+              <a:prstGeom prst="rect">
+                <a:avLst/>
+              </a:prstGeom>
+              <a:noFill/>
+            </p:spPr>
+            <p:txBody>
+              <a:bodyPr wrap="none" rtlCol="0">
+                <a:spAutoFit/>
+              </a:bodyPr>
+              <a:lstStyle/>
+              <a:p>
+                <a:r>
+                  <a:rPr lang="en-US" altLang="ja-JP" sz="2000" dirty="0">
+                    <a:latin typeface="Hiragino Kaku Gothic Pro W3" panose="020B0300000000000000" pitchFamily="34" charset="-128"/>
+                    <a:ea typeface="Hiragino Kaku Gothic Pro W3" panose="020B0300000000000000" pitchFamily="34" charset="-128"/>
+                  </a:rPr>
+                  <a:t>32</a:t>
+                </a:r>
+                <a:r>
+                  <a:rPr lang="ja-JP" altLang="en-US" sz="2000">
+                    <a:latin typeface="Hiragino Kaku Gothic Pro W3" panose="020B0300000000000000" pitchFamily="34" charset="-128"/>
+                    <a:ea typeface="Hiragino Kaku Gothic Pro W3" panose="020B0300000000000000" pitchFamily="34" charset="-128"/>
+                  </a:rPr>
+                  <a:t>ビット</a:t>
+                </a:r>
+                <a:endParaRPr lang="en-US" altLang="ja-JP" sz="2000" dirty="0">
+                  <a:latin typeface="Hiragino Kaku Gothic Pro W3" panose="020B0300000000000000" pitchFamily="34" charset="-128"/>
+                  <a:ea typeface="Hiragino Kaku Gothic Pro W3" panose="020B0300000000000000" pitchFamily="34" charset="-128"/>
+                </a:endParaRPr>
+              </a:p>
+            </p:txBody>
+          </p:sp>
+        </p:grpSp>
+        <p:grpSp>
+          <p:nvGrpSpPr>
+            <p:cNvPr id="49" name="グループ化 48">
+              <a:extLst>
+                <a:ext uri="{FF2B5EF4-FFF2-40B4-BE49-F238E27FC236}">
+                  <a16:creationId xmlns:a16="http://schemas.microsoft.com/office/drawing/2014/main" id="{568C0F4C-E3C0-EB4D-AA3F-F8B255053811}"/>
+                </a:ext>
+              </a:extLst>
+            </p:cNvPr>
+            <p:cNvGrpSpPr/>
+            <p:nvPr/>
+          </p:nvGrpSpPr>
+          <p:grpSpPr>
+            <a:xfrm>
+              <a:off x="3440781" y="3360870"/>
+              <a:ext cx="3210557" cy="814296"/>
+              <a:chOff x="820268" y="4050756"/>
+              <a:chExt cx="3210557" cy="814296"/>
+            </a:xfrm>
+          </p:grpSpPr>
+          <p:sp>
+            <p:nvSpPr>
+              <p:cNvPr id="50" name="正方形/長方形 49">
+                <a:extLst>
+                  <a:ext uri="{FF2B5EF4-FFF2-40B4-BE49-F238E27FC236}">
+                    <a16:creationId xmlns:a16="http://schemas.microsoft.com/office/drawing/2014/main" id="{99A4DD7D-4B52-A94E-92BE-7CF8204101DE}"/>
+                  </a:ext>
+                </a:extLst>
+              </p:cNvPr>
+              <p:cNvSpPr/>
+              <p:nvPr/>
+            </p:nvSpPr>
+            <p:spPr>
+              <a:xfrm>
+                <a:off x="820268" y="4050756"/>
+                <a:ext cx="3210557" cy="814296"/>
+              </a:xfrm>
+              <a:prstGeom prst="rect">
+                <a:avLst/>
+              </a:prstGeom>
+              <a:solidFill>
+                <a:schemeClr val="accent2">
+                  <a:lumMod val="40000"/>
+                  <a:lumOff val="60000"/>
+                </a:schemeClr>
+              </a:solidFill>
+              <a:ln>
+                <a:noFill/>
+              </a:ln>
+            </p:spPr>
+            <p:style>
+              <a:lnRef idx="2">
+                <a:schemeClr val="accent1">
+                  <a:shade val="50000"/>
+                </a:schemeClr>
+              </a:lnRef>
+              <a:fillRef idx="1">
+                <a:schemeClr val="accent1"/>
+              </a:fillRef>
+              <a:effectRef idx="0">
+                <a:schemeClr val="accent1"/>
+              </a:effectRef>
+              <a:fontRef idx="minor">
+                <a:schemeClr val="lt1"/>
+              </a:fontRef>
+            </p:style>
+            <p:txBody>
+              <a:bodyPr rtlCol="0" anchor="ctr"/>
+              <a:lstStyle/>
+              <a:p>
+                <a:pPr algn="ctr"/>
+                <a:endParaRPr kumimoji="1" lang="ja-JP" altLang="en-US" sz="2000"/>
+              </a:p>
+            </p:txBody>
+          </p:sp>
+          <p:sp>
+            <p:nvSpPr>
+              <p:cNvPr id="51" name="テキスト ボックス 50">
+                <a:extLst>
+                  <a:ext uri="{FF2B5EF4-FFF2-40B4-BE49-F238E27FC236}">
+                    <a16:creationId xmlns:a16="http://schemas.microsoft.com/office/drawing/2014/main" id="{CF12D714-3C6B-9E49-A260-A2E185466434}"/>
+                  </a:ext>
+                </a:extLst>
+              </p:cNvPr>
+              <p:cNvSpPr txBox="1"/>
+              <p:nvPr/>
+            </p:nvSpPr>
+            <p:spPr>
+              <a:xfrm>
+                <a:off x="1780177" y="4257849"/>
+                <a:ext cx="1290738" cy="400110"/>
+              </a:xfrm>
+              <a:prstGeom prst="rect">
+                <a:avLst/>
+              </a:prstGeom>
+              <a:noFill/>
+            </p:spPr>
+            <p:txBody>
+              <a:bodyPr wrap="none" rtlCol="0">
+                <a:spAutoFit/>
+              </a:bodyPr>
+              <a:lstStyle/>
+              <a:p>
+                <a:r>
+                  <a:rPr lang="en-US" altLang="ja-JP" sz="2000" dirty="0">
+                    <a:latin typeface="Hiragino Kaku Gothic Pro W3" panose="020B0300000000000000" pitchFamily="34" charset="-128"/>
+                    <a:ea typeface="Hiragino Kaku Gothic Pro W3" panose="020B0300000000000000" pitchFamily="34" charset="-128"/>
+                  </a:rPr>
+                  <a:t>32</a:t>
+                </a:r>
+                <a:r>
+                  <a:rPr lang="ja-JP" altLang="en-US" sz="2000">
+                    <a:latin typeface="Hiragino Kaku Gothic Pro W3" panose="020B0300000000000000" pitchFamily="34" charset="-128"/>
+                    <a:ea typeface="Hiragino Kaku Gothic Pro W3" panose="020B0300000000000000" pitchFamily="34" charset="-128"/>
+                  </a:rPr>
+                  <a:t>ビット</a:t>
+                </a:r>
+                <a:endParaRPr lang="en-US" altLang="ja-JP" sz="2000" dirty="0">
+                  <a:latin typeface="Hiragino Kaku Gothic Pro W3" panose="020B0300000000000000" pitchFamily="34" charset="-128"/>
+                  <a:ea typeface="Hiragino Kaku Gothic Pro W3" panose="020B0300000000000000" pitchFamily="34" charset="-128"/>
+                </a:endParaRPr>
+              </a:p>
+            </p:txBody>
+          </p:sp>
+        </p:grpSp>
+        <p:grpSp>
+          <p:nvGrpSpPr>
+            <p:cNvPr id="62" name="グループ化 61">
+              <a:extLst>
+                <a:ext uri="{FF2B5EF4-FFF2-40B4-BE49-F238E27FC236}">
+                  <a16:creationId xmlns:a16="http://schemas.microsoft.com/office/drawing/2014/main" id="{EAF031FD-A44E-DF4E-B69B-3EF9358DBC05}"/>
+                </a:ext>
+              </a:extLst>
+            </p:cNvPr>
+            <p:cNvGrpSpPr/>
+            <p:nvPr/>
+          </p:nvGrpSpPr>
+          <p:grpSpPr>
+            <a:xfrm>
+              <a:off x="230227" y="4644486"/>
+              <a:ext cx="3210557" cy="814296"/>
+              <a:chOff x="820268" y="4050756"/>
+              <a:chExt cx="3210557" cy="814296"/>
+            </a:xfrm>
+          </p:grpSpPr>
+          <p:sp>
+            <p:nvSpPr>
+              <p:cNvPr id="66" name="正方形/長方形 65">
+                <a:extLst>
+                  <a:ext uri="{FF2B5EF4-FFF2-40B4-BE49-F238E27FC236}">
+                    <a16:creationId xmlns:a16="http://schemas.microsoft.com/office/drawing/2014/main" id="{8950D7EB-91D7-B84B-8EBB-6CF2D77EE6F4}"/>
+                  </a:ext>
+                </a:extLst>
+              </p:cNvPr>
+              <p:cNvSpPr/>
+              <p:nvPr/>
+            </p:nvSpPr>
+            <p:spPr>
+              <a:xfrm>
+                <a:off x="820268" y="4050756"/>
+                <a:ext cx="3210557" cy="814296"/>
+              </a:xfrm>
+              <a:prstGeom prst="rect">
+                <a:avLst/>
+              </a:prstGeom>
+              <a:solidFill>
+                <a:schemeClr val="accent2">
+                  <a:lumMod val="40000"/>
+                  <a:lumOff val="60000"/>
+                </a:schemeClr>
+              </a:solidFill>
+              <a:ln>
+                <a:noFill/>
+              </a:ln>
+            </p:spPr>
+            <p:style>
+              <a:lnRef idx="2">
+                <a:schemeClr val="accent1">
+                  <a:shade val="50000"/>
+                </a:schemeClr>
+              </a:lnRef>
+              <a:fillRef idx="1">
+                <a:schemeClr val="accent1"/>
+              </a:fillRef>
+              <a:effectRef idx="0">
+                <a:schemeClr val="accent1"/>
+              </a:effectRef>
+              <a:fontRef idx="minor">
+                <a:schemeClr val="lt1"/>
+              </a:fontRef>
+            </p:style>
+            <p:txBody>
+              <a:bodyPr rtlCol="0" anchor="ctr"/>
+              <a:lstStyle/>
+              <a:p>
+                <a:pPr algn="ctr"/>
+                <a:endParaRPr kumimoji="1" lang="ja-JP" altLang="en-US" sz="2000"/>
+              </a:p>
+            </p:txBody>
+          </p:sp>
+          <p:sp>
+            <p:nvSpPr>
+              <p:cNvPr id="67" name="テキスト ボックス 66">
+                <a:extLst>
+                  <a:ext uri="{FF2B5EF4-FFF2-40B4-BE49-F238E27FC236}">
+                    <a16:creationId xmlns:a16="http://schemas.microsoft.com/office/drawing/2014/main" id="{3BAA52D3-7901-D149-A752-F6D4E57FC495}"/>
+                  </a:ext>
+                </a:extLst>
+              </p:cNvPr>
+              <p:cNvSpPr txBox="1"/>
+              <p:nvPr/>
+            </p:nvSpPr>
+            <p:spPr>
+              <a:xfrm>
+                <a:off x="1780177" y="4257849"/>
+                <a:ext cx="1290738" cy="400110"/>
+              </a:xfrm>
+              <a:prstGeom prst="rect">
+                <a:avLst/>
+              </a:prstGeom>
+              <a:noFill/>
+            </p:spPr>
+            <p:txBody>
+              <a:bodyPr wrap="none" rtlCol="0">
+                <a:spAutoFit/>
+              </a:bodyPr>
+              <a:lstStyle/>
+              <a:p>
+                <a:r>
+                  <a:rPr lang="en-US" altLang="ja-JP" sz="2000" dirty="0">
+                    <a:latin typeface="Hiragino Kaku Gothic Pro W3" panose="020B0300000000000000" pitchFamily="34" charset="-128"/>
+                    <a:ea typeface="Hiragino Kaku Gothic Pro W3" panose="020B0300000000000000" pitchFamily="34" charset="-128"/>
+                  </a:rPr>
+                  <a:t>32</a:t>
+                </a:r>
+                <a:r>
+                  <a:rPr lang="ja-JP" altLang="en-US" sz="2000">
+                    <a:latin typeface="Hiragino Kaku Gothic Pro W3" panose="020B0300000000000000" pitchFamily="34" charset="-128"/>
+                    <a:ea typeface="Hiragino Kaku Gothic Pro W3" panose="020B0300000000000000" pitchFamily="34" charset="-128"/>
+                  </a:rPr>
+                  <a:t>ビット</a:t>
+                </a:r>
+                <a:endParaRPr lang="en-US" altLang="ja-JP" sz="2000" dirty="0">
+                  <a:latin typeface="Hiragino Kaku Gothic Pro W3" panose="020B0300000000000000" pitchFamily="34" charset="-128"/>
+                  <a:ea typeface="Hiragino Kaku Gothic Pro W3" panose="020B0300000000000000" pitchFamily="34" charset="-128"/>
+                </a:endParaRPr>
+              </a:p>
+            </p:txBody>
+          </p:sp>
+        </p:grpSp>
+        <p:grpSp>
+          <p:nvGrpSpPr>
+            <p:cNvPr id="63" name="グループ化 62">
+              <a:extLst>
+                <a:ext uri="{FF2B5EF4-FFF2-40B4-BE49-F238E27FC236}">
+                  <a16:creationId xmlns:a16="http://schemas.microsoft.com/office/drawing/2014/main" id="{F48BEF0E-BAE1-5B4D-892F-5E5B98B52C72}"/>
+                </a:ext>
+              </a:extLst>
+            </p:cNvPr>
+            <p:cNvGrpSpPr/>
+            <p:nvPr/>
+          </p:nvGrpSpPr>
+          <p:grpSpPr>
+            <a:xfrm>
+              <a:off x="3440781" y="4644486"/>
+              <a:ext cx="3210557" cy="814296"/>
+              <a:chOff x="820268" y="4050756"/>
+              <a:chExt cx="3210557" cy="814296"/>
+            </a:xfrm>
+          </p:grpSpPr>
+          <p:sp>
+            <p:nvSpPr>
+              <p:cNvPr id="64" name="正方形/長方形 63">
+                <a:extLst>
+                  <a:ext uri="{FF2B5EF4-FFF2-40B4-BE49-F238E27FC236}">
+                    <a16:creationId xmlns:a16="http://schemas.microsoft.com/office/drawing/2014/main" id="{3BC60E50-8F0A-2640-B346-03F5214FE7EC}"/>
+                  </a:ext>
+                </a:extLst>
+              </p:cNvPr>
+              <p:cNvSpPr/>
+              <p:nvPr/>
+            </p:nvSpPr>
+            <p:spPr>
+              <a:xfrm>
+                <a:off x="820268" y="4050756"/>
+                <a:ext cx="3210557" cy="814296"/>
+              </a:xfrm>
+              <a:prstGeom prst="rect">
+                <a:avLst/>
+              </a:prstGeom>
+              <a:solidFill>
+                <a:schemeClr val="accent2">
+                  <a:lumMod val="40000"/>
+                  <a:lumOff val="60000"/>
+                </a:schemeClr>
+              </a:solidFill>
+              <a:ln>
+                <a:noFill/>
+              </a:ln>
+            </p:spPr>
+            <p:style>
+              <a:lnRef idx="2">
+                <a:schemeClr val="accent1">
+                  <a:shade val="50000"/>
+                </a:schemeClr>
+              </a:lnRef>
+              <a:fillRef idx="1">
+                <a:schemeClr val="accent1"/>
+              </a:fillRef>
+              <a:effectRef idx="0">
+                <a:schemeClr val="accent1"/>
+              </a:effectRef>
+              <a:fontRef idx="minor">
+                <a:schemeClr val="lt1"/>
+              </a:fontRef>
+            </p:style>
+            <p:txBody>
+              <a:bodyPr rtlCol="0" anchor="ctr"/>
+              <a:lstStyle/>
+              <a:p>
+                <a:pPr algn="ctr"/>
+                <a:endParaRPr kumimoji="1" lang="ja-JP" altLang="en-US" sz="2000"/>
+              </a:p>
+            </p:txBody>
+          </p:sp>
+          <p:sp>
+            <p:nvSpPr>
+              <p:cNvPr id="65" name="テキスト ボックス 64">
+                <a:extLst>
+                  <a:ext uri="{FF2B5EF4-FFF2-40B4-BE49-F238E27FC236}">
+                    <a16:creationId xmlns:a16="http://schemas.microsoft.com/office/drawing/2014/main" id="{20251E91-C613-0E4C-A1C8-20AF661B0DFA}"/>
+                  </a:ext>
+                </a:extLst>
+              </p:cNvPr>
+              <p:cNvSpPr txBox="1"/>
+              <p:nvPr/>
+            </p:nvSpPr>
+            <p:spPr>
+              <a:xfrm>
+                <a:off x="1780177" y="4257849"/>
+                <a:ext cx="1290738" cy="400110"/>
+              </a:xfrm>
+              <a:prstGeom prst="rect">
+                <a:avLst/>
+              </a:prstGeom>
+              <a:noFill/>
+            </p:spPr>
+            <p:txBody>
+              <a:bodyPr wrap="none" rtlCol="0">
+                <a:spAutoFit/>
+              </a:bodyPr>
+              <a:lstStyle/>
+              <a:p>
+                <a:r>
+                  <a:rPr lang="en-US" altLang="ja-JP" sz="2000" dirty="0">
+                    <a:latin typeface="Hiragino Kaku Gothic Pro W3" panose="020B0300000000000000" pitchFamily="34" charset="-128"/>
+                    <a:ea typeface="Hiragino Kaku Gothic Pro W3" panose="020B0300000000000000" pitchFamily="34" charset="-128"/>
+                  </a:rPr>
+                  <a:t>32</a:t>
+                </a:r>
+                <a:r>
+                  <a:rPr lang="ja-JP" altLang="en-US" sz="2000">
+                    <a:latin typeface="Hiragino Kaku Gothic Pro W3" panose="020B0300000000000000" pitchFamily="34" charset="-128"/>
+                    <a:ea typeface="Hiragino Kaku Gothic Pro W3" panose="020B0300000000000000" pitchFamily="34" charset="-128"/>
+                  </a:rPr>
+                  <a:t>ビット</a:t>
+                </a:r>
+                <a:endParaRPr lang="en-US" altLang="ja-JP" sz="2000" dirty="0">
+                  <a:latin typeface="Hiragino Kaku Gothic Pro W3" panose="020B0300000000000000" pitchFamily="34" charset="-128"/>
+                  <a:ea typeface="Hiragino Kaku Gothic Pro W3" panose="020B0300000000000000" pitchFamily="34" charset="-128"/>
+                </a:endParaRPr>
+              </a:p>
+            </p:txBody>
+          </p:sp>
+        </p:grpSp>
+        <p:grpSp>
+          <p:nvGrpSpPr>
+            <p:cNvPr id="71" name="グループ化 70">
+              <a:extLst>
+                <a:ext uri="{FF2B5EF4-FFF2-40B4-BE49-F238E27FC236}">
+                  <a16:creationId xmlns:a16="http://schemas.microsoft.com/office/drawing/2014/main" id="{4971AC27-E601-AC43-9C38-ADAF0A895FF6}"/>
+                </a:ext>
+              </a:extLst>
+            </p:cNvPr>
+            <p:cNvGrpSpPr/>
+            <p:nvPr/>
+          </p:nvGrpSpPr>
+          <p:grpSpPr>
+            <a:xfrm>
+              <a:off x="4913795" y="4156016"/>
+              <a:ext cx="264529" cy="452486"/>
+              <a:chOff x="6435967" y="2237775"/>
+              <a:chExt cx="264529" cy="452486"/>
+            </a:xfrm>
+          </p:grpSpPr>
+          <p:sp>
+            <p:nvSpPr>
+              <p:cNvPr id="69" name="下矢印 68">
+                <a:extLst>
+                  <a:ext uri="{FF2B5EF4-FFF2-40B4-BE49-F238E27FC236}">
+                    <a16:creationId xmlns:a16="http://schemas.microsoft.com/office/drawing/2014/main" id="{83792E75-91F2-CF45-A891-8AF4E19144F5}"/>
+                  </a:ext>
+                </a:extLst>
+              </p:cNvPr>
+              <p:cNvSpPr/>
+              <p:nvPr/>
+            </p:nvSpPr>
+            <p:spPr>
+              <a:xfrm>
+                <a:off x="6435967" y="2303762"/>
+                <a:ext cx="264529" cy="386499"/>
+              </a:xfrm>
+              <a:prstGeom prst="downArrow">
+                <a:avLst/>
+              </a:prstGeom>
+              <a:solidFill>
+                <a:schemeClr val="tx1">
+                  <a:lumMod val="50000"/>
+                  <a:lumOff val="50000"/>
+                </a:schemeClr>
+              </a:solidFill>
+              <a:ln>
+                <a:noFill/>
+              </a:ln>
+            </p:spPr>
+            <p:style>
+              <a:lnRef idx="2">
+                <a:schemeClr val="accent1">
+                  <a:shade val="50000"/>
+                </a:schemeClr>
+              </a:lnRef>
+              <a:fillRef idx="1">
+                <a:schemeClr val="accent1"/>
+              </a:fillRef>
+              <a:effectRef idx="0">
+                <a:schemeClr val="accent1"/>
+              </a:effectRef>
+              <a:fontRef idx="minor">
+                <a:schemeClr val="lt1"/>
+              </a:fontRef>
+            </p:style>
+            <p:txBody>
+              <a:bodyPr rtlCol="0" anchor="ctr"/>
+              <a:lstStyle/>
+              <a:p>
+                <a:pPr algn="ctr"/>
+                <a:endParaRPr kumimoji="1" lang="ja-JP" altLang="en-US"/>
+              </a:p>
+            </p:txBody>
+          </p:sp>
+          <p:sp>
+            <p:nvSpPr>
+              <p:cNvPr id="70" name="下矢印 69">
+                <a:extLst>
+                  <a:ext uri="{FF2B5EF4-FFF2-40B4-BE49-F238E27FC236}">
+                    <a16:creationId xmlns:a16="http://schemas.microsoft.com/office/drawing/2014/main" id="{8203B9C3-2DF2-CF4E-9525-4D1D874C5B46}"/>
+                  </a:ext>
+                </a:extLst>
+              </p:cNvPr>
+              <p:cNvSpPr/>
+              <p:nvPr/>
+            </p:nvSpPr>
+            <p:spPr>
+              <a:xfrm rot="10800000">
+                <a:off x="6435967" y="2237775"/>
+                <a:ext cx="264529" cy="386499"/>
+              </a:xfrm>
+              <a:prstGeom prst="downArrow">
+                <a:avLst/>
+              </a:prstGeom>
+              <a:solidFill>
+                <a:schemeClr val="tx1">
+                  <a:lumMod val="50000"/>
+                  <a:lumOff val="50000"/>
+                </a:schemeClr>
+              </a:solidFill>
+              <a:ln>
+                <a:noFill/>
+              </a:ln>
+            </p:spPr>
+            <p:style>
+              <a:lnRef idx="2">
+                <a:schemeClr val="accent1">
+                  <a:shade val="50000"/>
+                </a:schemeClr>
+              </a:lnRef>
+              <a:fillRef idx="1">
+                <a:schemeClr val="accent1"/>
+              </a:fillRef>
+              <a:effectRef idx="0">
+                <a:schemeClr val="accent1"/>
+              </a:effectRef>
+              <a:fontRef idx="minor">
+                <a:schemeClr val="lt1"/>
+              </a:fontRef>
+            </p:style>
+            <p:txBody>
+              <a:bodyPr rtlCol="0" anchor="ctr"/>
+              <a:lstStyle/>
+              <a:p>
+                <a:pPr algn="ctr"/>
+                <a:endParaRPr kumimoji="1" lang="ja-JP" altLang="en-US"/>
+              </a:p>
+            </p:txBody>
+          </p:sp>
+        </p:grpSp>
+        <p:grpSp>
+          <p:nvGrpSpPr>
+            <p:cNvPr id="72" name="グループ化 71">
+              <a:extLst>
+                <a:ext uri="{FF2B5EF4-FFF2-40B4-BE49-F238E27FC236}">
+                  <a16:creationId xmlns:a16="http://schemas.microsoft.com/office/drawing/2014/main" id="{76E073A0-8601-1143-84BC-009E4C4FC1C2}"/>
+                </a:ext>
+              </a:extLst>
+            </p:cNvPr>
+            <p:cNvGrpSpPr/>
+            <p:nvPr/>
+          </p:nvGrpSpPr>
+          <p:grpSpPr>
+            <a:xfrm>
+              <a:off x="1703241" y="4210857"/>
+              <a:ext cx="264529" cy="452486"/>
+              <a:chOff x="6435967" y="2237775"/>
+              <a:chExt cx="264529" cy="452486"/>
+            </a:xfrm>
+          </p:grpSpPr>
+          <p:sp>
+            <p:nvSpPr>
+              <p:cNvPr id="73" name="下矢印 72">
+                <a:extLst>
+                  <a:ext uri="{FF2B5EF4-FFF2-40B4-BE49-F238E27FC236}">
+                    <a16:creationId xmlns:a16="http://schemas.microsoft.com/office/drawing/2014/main" id="{58602AA1-FE14-0B41-829A-3DC108840365}"/>
+                  </a:ext>
+                </a:extLst>
+              </p:cNvPr>
+              <p:cNvSpPr/>
+              <p:nvPr/>
+            </p:nvSpPr>
+            <p:spPr>
+              <a:xfrm>
+                <a:off x="6435967" y="2303762"/>
+                <a:ext cx="264529" cy="386499"/>
+              </a:xfrm>
+              <a:prstGeom prst="downArrow">
+                <a:avLst/>
+              </a:prstGeom>
+              <a:solidFill>
+                <a:schemeClr val="tx1">
+                  <a:lumMod val="50000"/>
+                  <a:lumOff val="50000"/>
+                </a:schemeClr>
+              </a:solidFill>
+              <a:ln>
+                <a:noFill/>
+              </a:ln>
+            </p:spPr>
+            <p:style>
+              <a:lnRef idx="2">
+                <a:schemeClr val="accent1">
+                  <a:shade val="50000"/>
+                </a:schemeClr>
+              </a:lnRef>
+              <a:fillRef idx="1">
+                <a:schemeClr val="accent1"/>
+              </a:fillRef>
+              <a:effectRef idx="0">
+                <a:schemeClr val="accent1"/>
+              </a:effectRef>
+              <a:fontRef idx="minor">
+                <a:schemeClr val="lt1"/>
+              </a:fontRef>
+            </p:style>
+            <p:txBody>
+              <a:bodyPr rtlCol="0" anchor="ctr"/>
+              <a:lstStyle/>
+              <a:p>
+                <a:pPr algn="ctr"/>
+                <a:endParaRPr kumimoji="1" lang="ja-JP" altLang="en-US"/>
+              </a:p>
+            </p:txBody>
+          </p:sp>
+          <p:sp>
+            <p:nvSpPr>
+              <p:cNvPr id="74" name="下矢印 73">
+                <a:extLst>
+                  <a:ext uri="{FF2B5EF4-FFF2-40B4-BE49-F238E27FC236}">
+                    <a16:creationId xmlns:a16="http://schemas.microsoft.com/office/drawing/2014/main" id="{A91DB4ED-66F3-B44F-B6D3-5442C2B1642A}"/>
+                  </a:ext>
+                </a:extLst>
+              </p:cNvPr>
+              <p:cNvSpPr/>
+              <p:nvPr/>
+            </p:nvSpPr>
+            <p:spPr>
+              <a:xfrm rot="10800000">
+                <a:off x="6435967" y="2237775"/>
+                <a:ext cx="264529" cy="386499"/>
+              </a:xfrm>
+              <a:prstGeom prst="downArrow">
+                <a:avLst/>
+              </a:prstGeom>
+              <a:solidFill>
+                <a:schemeClr val="tx1">
+                  <a:lumMod val="50000"/>
+                  <a:lumOff val="50000"/>
+                </a:schemeClr>
+              </a:solidFill>
+              <a:ln>
+                <a:noFill/>
+              </a:ln>
+            </p:spPr>
+            <p:style>
+              <a:lnRef idx="2">
+                <a:schemeClr val="accent1">
+                  <a:shade val="50000"/>
+                </a:schemeClr>
+              </a:lnRef>
+              <a:fillRef idx="1">
+                <a:schemeClr val="accent1"/>
+              </a:fillRef>
+              <a:effectRef idx="0">
+                <a:schemeClr val="accent1"/>
+              </a:effectRef>
+              <a:fontRef idx="minor">
+                <a:schemeClr val="lt1"/>
+              </a:fontRef>
+            </p:style>
+            <p:txBody>
+              <a:bodyPr rtlCol="0" anchor="ctr"/>
+              <a:lstStyle/>
+              <a:p>
+                <a:pPr algn="ctr"/>
+                <a:endParaRPr kumimoji="1" lang="ja-JP" altLang="en-US"/>
+              </a:p>
+            </p:txBody>
+          </p:sp>
+        </p:grpSp>
+        <p:cxnSp>
+          <p:nvCxnSpPr>
+            <p:cNvPr id="77" name="直線コネクタ 76">
+              <a:extLst>
+                <a:ext uri="{FF2B5EF4-FFF2-40B4-BE49-F238E27FC236}">
+                  <a16:creationId xmlns:a16="http://schemas.microsoft.com/office/drawing/2014/main" id="{394041BF-C7D3-8D4E-8B99-BD33B1E2B280}"/>
+                </a:ext>
+              </a:extLst>
+            </p:cNvPr>
+            <p:cNvCxnSpPr>
+              <a:cxnSpLocks/>
+            </p:cNvCxnSpPr>
+            <p:nvPr/>
+          </p:nvCxnSpPr>
+          <p:spPr>
+            <a:xfrm>
+              <a:off x="3440780" y="3360870"/>
+              <a:ext cx="0" cy="807637"/>
+            </a:xfrm>
+            <a:prstGeom prst="line">
+              <a:avLst/>
+            </a:prstGeom>
+          </p:spPr>
+          <p:style>
+            <a:lnRef idx="3">
+              <a:schemeClr val="dk1"/>
+            </a:lnRef>
+            <a:fillRef idx="0">
+              <a:schemeClr val="dk1"/>
+            </a:fillRef>
+            <a:effectRef idx="2">
+              <a:schemeClr val="dk1"/>
+            </a:effectRef>
+            <a:fontRef idx="minor">
+              <a:schemeClr val="tx1"/>
+            </a:fontRef>
+          </p:style>
+        </p:cxnSp>
+        <p:cxnSp>
+          <p:nvCxnSpPr>
+            <p:cNvPr id="81" name="直線コネクタ 80">
+              <a:extLst>
+                <a:ext uri="{FF2B5EF4-FFF2-40B4-BE49-F238E27FC236}">
+                  <a16:creationId xmlns:a16="http://schemas.microsoft.com/office/drawing/2014/main" id="{4AE9C8F3-85F1-314B-8DC4-5B6C59500A3A}"/>
+                </a:ext>
+              </a:extLst>
+            </p:cNvPr>
+            <p:cNvCxnSpPr>
+              <a:cxnSpLocks/>
+            </p:cNvCxnSpPr>
+            <p:nvPr/>
+          </p:nvCxnSpPr>
+          <p:spPr>
+            <a:xfrm>
+              <a:off x="3429259" y="4646287"/>
+              <a:ext cx="0" cy="807637"/>
+            </a:xfrm>
+            <a:prstGeom prst="line">
+              <a:avLst/>
+            </a:prstGeom>
+          </p:spPr>
+          <p:style>
+            <a:lnRef idx="3">
+              <a:schemeClr val="dk1"/>
+            </a:lnRef>
+            <a:fillRef idx="0">
+              <a:schemeClr val="dk1"/>
+            </a:fillRef>
+            <a:effectRef idx="2">
+              <a:schemeClr val="dk1"/>
+            </a:effectRef>
+            <a:fontRef idx="minor">
+              <a:schemeClr val="tx1"/>
+            </a:fontRef>
+          </p:style>
+        </p:cxnSp>
+      </p:grpSp>
+    </p:spTree>
+    <p:extLst>
+      <p:ext uri="{BB962C8B-B14F-4D97-AF65-F5344CB8AC3E}">
+        <p14:creationId xmlns:p14="http://schemas.microsoft.com/office/powerpoint/2010/main" val="1476318586"/>
       </p:ext>
     </p:extLst>
   </p:cSld>

--- a/論文に使う画像.pptx
+++ b/論文に使う画像.pptx
@@ -5,7 +5,7 @@
     <p:sldMasterId id="2147483648" r:id="rId1"/>
   </p:sldMasterIdLst>
   <p:notesMasterIdLst>
-    <p:notesMasterId r:id="rId9"/>
+    <p:notesMasterId r:id="rId11"/>
   </p:notesMasterIdLst>
   <p:sldIdLst>
     <p:sldId id="256" r:id="rId2"/>
@@ -14,7 +14,9 @@
     <p:sldId id="259" r:id="rId5"/>
     <p:sldId id="260" r:id="rId6"/>
     <p:sldId id="261" r:id="rId7"/>
-    <p:sldId id="262" r:id="rId8"/>
+    <p:sldId id="263" r:id="rId8"/>
+    <p:sldId id="264" r:id="rId9"/>
+    <p:sldId id="262" r:id="rId10"/>
   </p:sldIdLst>
   <p:sldSz cx="12192000" cy="6858000"/>
   <p:notesSz cx="6858000" cy="9144000"/>
@@ -203,7 +205,7 @@
           <a:p>
             <a:fld id="{B3605A22-EF04-4240-9C27-9ADDF0E4DE85}" type="datetimeFigureOut">
               <a:rPr kumimoji="1" lang="ja-JP" altLang="en-US" smtClean="0"/>
-              <a:t>2019/1/24</a:t>
+              <a:t>2019/1/25</a:t>
             </a:fld>
             <a:endParaRPr kumimoji="1" lang="ja-JP" altLang="en-US"/>
           </a:p>
@@ -803,6 +805,174 @@
     </p:spTree>
     <p:extLst>
       <p:ext uri="{BB962C8B-B14F-4D97-AF65-F5344CB8AC3E}">
+        <p14:creationId xmlns:p14="http://schemas.microsoft.com/office/powerpoint/2010/main" val="650422506"/>
+      </p:ext>
+    </p:extLst>
+  </p:cSld>
+  <p:clrMapOvr>
+    <a:masterClrMapping/>
+  </p:clrMapOvr>
+</p:notes>
+</file>
+
+<file path=ppt/notesSlides/notesSlide5.xml><?xml version="1.0" encoding="utf-8"?>
+<p:notes xmlns:a="http://schemas.openxmlformats.org/drawingml/2006/main" xmlns:r="http://schemas.openxmlformats.org/officeDocument/2006/relationships" xmlns:p="http://schemas.openxmlformats.org/presentationml/2006/main">
+  <p:cSld>
+    <p:spTree>
+      <p:nvGrpSpPr>
+        <p:cNvPr id="1" name=""/>
+        <p:cNvGrpSpPr/>
+        <p:nvPr/>
+      </p:nvGrpSpPr>
+      <p:grpSpPr>
+        <a:xfrm>
+          <a:off x="0" y="0"/>
+          <a:ext cx="0" cy="0"/>
+          <a:chOff x="0" y="0"/>
+          <a:chExt cx="0" cy="0"/>
+        </a:xfrm>
+      </p:grpSpPr>
+      <p:sp>
+        <p:nvSpPr>
+          <p:cNvPr id="2" name="スライド イメージ プレースホルダー 1"/>
+          <p:cNvSpPr>
+            <a:spLocks noGrp="1" noRot="1" noChangeAspect="1"/>
+          </p:cNvSpPr>
+          <p:nvPr>
+            <p:ph type="sldImg"/>
+          </p:nvPr>
+        </p:nvSpPr>
+        <p:spPr/>
+      </p:sp>
+      <p:sp>
+        <p:nvSpPr>
+          <p:cNvPr id="3" name="ノート プレースホルダー 2"/>
+          <p:cNvSpPr>
+            <a:spLocks noGrp="1"/>
+          </p:cNvSpPr>
+          <p:nvPr>
+            <p:ph type="body" idx="1"/>
+          </p:nvPr>
+        </p:nvSpPr>
+        <p:spPr/>
+        <p:txBody>
+          <a:bodyPr/>
+          <a:lstStyle/>
+          <a:p>
+            <a:endParaRPr kumimoji="1" lang="ja-JP" altLang="en-US"/>
+          </a:p>
+        </p:txBody>
+      </p:sp>
+      <p:sp>
+        <p:nvSpPr>
+          <p:cNvPr id="4" name="スライド番号プレースホルダー 3"/>
+          <p:cNvSpPr>
+            <a:spLocks noGrp="1"/>
+          </p:cNvSpPr>
+          <p:nvPr>
+            <p:ph type="sldNum" sz="quarter" idx="5"/>
+          </p:nvPr>
+        </p:nvSpPr>
+        <p:spPr/>
+        <p:txBody>
+          <a:bodyPr/>
+          <a:lstStyle/>
+          <a:p>
+            <a:fld id="{D6D44BCE-5F17-9B4C-AC22-685A37095B64}" type="slidenum">
+              <a:rPr kumimoji="1" lang="ja-JP" altLang="en-US" smtClean="0"/>
+              <a:t>8</a:t>
+            </a:fld>
+            <a:endParaRPr kumimoji="1" lang="ja-JP" altLang="en-US"/>
+          </a:p>
+        </p:txBody>
+      </p:sp>
+    </p:spTree>
+    <p:extLst>
+      <p:ext uri="{BB962C8B-B14F-4D97-AF65-F5344CB8AC3E}">
+        <p14:creationId xmlns:p14="http://schemas.microsoft.com/office/powerpoint/2010/main" val="3392692887"/>
+      </p:ext>
+    </p:extLst>
+  </p:cSld>
+  <p:clrMapOvr>
+    <a:masterClrMapping/>
+  </p:clrMapOvr>
+</p:notes>
+</file>
+
+<file path=ppt/notesSlides/notesSlide6.xml><?xml version="1.0" encoding="utf-8"?>
+<p:notes xmlns:a="http://schemas.openxmlformats.org/drawingml/2006/main" xmlns:r="http://schemas.openxmlformats.org/officeDocument/2006/relationships" xmlns:p="http://schemas.openxmlformats.org/presentationml/2006/main">
+  <p:cSld>
+    <p:spTree>
+      <p:nvGrpSpPr>
+        <p:cNvPr id="1" name=""/>
+        <p:cNvGrpSpPr/>
+        <p:nvPr/>
+      </p:nvGrpSpPr>
+      <p:grpSpPr>
+        <a:xfrm>
+          <a:off x="0" y="0"/>
+          <a:ext cx="0" cy="0"/>
+          <a:chOff x="0" y="0"/>
+          <a:chExt cx="0" cy="0"/>
+        </a:xfrm>
+      </p:grpSpPr>
+      <p:sp>
+        <p:nvSpPr>
+          <p:cNvPr id="2" name="スライド イメージ プレースホルダー 1"/>
+          <p:cNvSpPr>
+            <a:spLocks noGrp="1" noRot="1" noChangeAspect="1"/>
+          </p:cNvSpPr>
+          <p:nvPr>
+            <p:ph type="sldImg"/>
+          </p:nvPr>
+        </p:nvSpPr>
+        <p:spPr/>
+      </p:sp>
+      <p:sp>
+        <p:nvSpPr>
+          <p:cNvPr id="3" name="ノート プレースホルダー 2"/>
+          <p:cNvSpPr>
+            <a:spLocks noGrp="1"/>
+          </p:cNvSpPr>
+          <p:nvPr>
+            <p:ph type="body" idx="1"/>
+          </p:nvPr>
+        </p:nvSpPr>
+        <p:spPr/>
+        <p:txBody>
+          <a:bodyPr/>
+          <a:lstStyle/>
+          <a:p>
+            <a:endParaRPr kumimoji="1" lang="ja-JP" altLang="en-US"/>
+          </a:p>
+        </p:txBody>
+      </p:sp>
+      <p:sp>
+        <p:nvSpPr>
+          <p:cNvPr id="4" name="スライド番号プレースホルダー 3"/>
+          <p:cNvSpPr>
+            <a:spLocks noGrp="1"/>
+          </p:cNvSpPr>
+          <p:nvPr>
+            <p:ph type="sldNum" sz="quarter" idx="5"/>
+          </p:nvPr>
+        </p:nvSpPr>
+        <p:spPr/>
+        <p:txBody>
+          <a:bodyPr/>
+          <a:lstStyle/>
+          <a:p>
+            <a:fld id="{D6D44BCE-5F17-9B4C-AC22-685A37095B64}" type="slidenum">
+              <a:rPr kumimoji="1" lang="ja-JP" altLang="en-US" smtClean="0"/>
+              <a:t>9</a:t>
+            </a:fld>
+            <a:endParaRPr kumimoji="1" lang="ja-JP" altLang="en-US"/>
+          </a:p>
+        </p:txBody>
+      </p:sp>
+    </p:spTree>
+    <p:extLst>
+      <p:ext uri="{BB962C8B-B14F-4D97-AF65-F5344CB8AC3E}">
         <p14:creationId xmlns:p14="http://schemas.microsoft.com/office/powerpoint/2010/main" val="1551026844"/>
       </p:ext>
     </p:extLst>
@@ -960,7 +1130,7 @@
           <a:p>
             <a:fld id="{F8143675-065B-6249-819E-977928931EDE}" type="datetimeFigureOut">
               <a:rPr kumimoji="1" lang="ja-JP" altLang="en-US" smtClean="0"/>
-              <a:t>2019/1/24</a:t>
+              <a:t>2019/1/25</a:t>
             </a:fld>
             <a:endParaRPr kumimoji="1" lang="ja-JP" altLang="en-US"/>
           </a:p>
@@ -1165,7 +1335,7 @@
           <a:p>
             <a:fld id="{F8143675-065B-6249-819E-977928931EDE}" type="datetimeFigureOut">
               <a:rPr kumimoji="1" lang="ja-JP" altLang="en-US" smtClean="0"/>
-              <a:t>2019/1/24</a:t>
+              <a:t>2019/1/25</a:t>
             </a:fld>
             <a:endParaRPr kumimoji="1" lang="ja-JP" altLang="en-US"/>
           </a:p>
@@ -1380,7 +1550,7 @@
           <a:p>
             <a:fld id="{F8143675-065B-6249-819E-977928931EDE}" type="datetimeFigureOut">
               <a:rPr kumimoji="1" lang="ja-JP" altLang="en-US" smtClean="0"/>
-              <a:t>2019/1/24</a:t>
+              <a:t>2019/1/25</a:t>
             </a:fld>
             <a:endParaRPr kumimoji="1" lang="ja-JP" altLang="en-US"/>
           </a:p>
@@ -1585,7 +1755,7 @@
           <a:p>
             <a:fld id="{F8143675-065B-6249-819E-977928931EDE}" type="datetimeFigureOut">
               <a:rPr kumimoji="1" lang="ja-JP" altLang="en-US" smtClean="0"/>
-              <a:t>2019/1/24</a:t>
+              <a:t>2019/1/25</a:t>
             </a:fld>
             <a:endParaRPr kumimoji="1" lang="ja-JP" altLang="en-US"/>
           </a:p>
@@ -1895,7 +2065,7 @@
           <a:p>
             <a:fld id="{F8143675-065B-6249-819E-977928931EDE}" type="datetimeFigureOut">
               <a:rPr kumimoji="1" lang="ja-JP" altLang="en-US" smtClean="0"/>
-              <a:t>2019/1/24</a:t>
+              <a:t>2019/1/25</a:t>
             </a:fld>
             <a:endParaRPr kumimoji="1" lang="ja-JP" altLang="en-US"/>
           </a:p>
@@ -2174,7 +2344,7 @@
           <a:p>
             <a:fld id="{F8143675-065B-6249-819E-977928931EDE}" type="datetimeFigureOut">
               <a:rPr kumimoji="1" lang="ja-JP" altLang="en-US" smtClean="0"/>
-              <a:t>2019/1/24</a:t>
+              <a:t>2019/1/25</a:t>
             </a:fld>
             <a:endParaRPr kumimoji="1" lang="ja-JP" altLang="en-US"/>
           </a:p>
@@ -2670,7 +2840,7 @@
           <a:p>
             <a:fld id="{F8143675-065B-6249-819E-977928931EDE}" type="datetimeFigureOut">
               <a:rPr kumimoji="1" lang="ja-JP" altLang="en-US" smtClean="0"/>
-              <a:t>2019/1/24</a:t>
+              <a:t>2019/1/25</a:t>
             </a:fld>
             <a:endParaRPr kumimoji="1" lang="ja-JP" altLang="en-US"/>
           </a:p>
@@ -2811,7 +2981,7 @@
           <a:p>
             <a:fld id="{F8143675-065B-6249-819E-977928931EDE}" type="datetimeFigureOut">
               <a:rPr kumimoji="1" lang="ja-JP" altLang="en-US" smtClean="0"/>
-              <a:t>2019/1/24</a:t>
+              <a:t>2019/1/25</a:t>
             </a:fld>
             <a:endParaRPr kumimoji="1" lang="ja-JP" altLang="en-US"/>
           </a:p>
@@ -2924,7 +3094,7 @@
           <a:p>
             <a:fld id="{F8143675-065B-6249-819E-977928931EDE}" type="datetimeFigureOut">
               <a:rPr kumimoji="1" lang="ja-JP" altLang="en-US" smtClean="0"/>
-              <a:t>2019/1/24</a:t>
+              <a:t>2019/1/25</a:t>
             </a:fld>
             <a:endParaRPr kumimoji="1" lang="ja-JP" altLang="en-US"/>
           </a:p>
@@ -3277,7 +3447,7 @@
           <a:p>
             <a:fld id="{F8143675-065B-6249-819E-977928931EDE}" type="datetimeFigureOut">
               <a:rPr kumimoji="1" lang="ja-JP" altLang="en-US" smtClean="0"/>
-              <a:t>2019/1/24</a:t>
+              <a:t>2019/1/25</a:t>
             </a:fld>
             <a:endParaRPr kumimoji="1" lang="ja-JP" altLang="en-US"/>
           </a:p>
@@ -3600,7 +3770,7 @@
           <a:p>
             <a:fld id="{F8143675-065B-6249-819E-977928931EDE}" type="datetimeFigureOut">
               <a:rPr kumimoji="1" lang="ja-JP" altLang="en-US" smtClean="0"/>
-              <a:t>2019/1/24</a:t>
+              <a:t>2019/1/25</a:t>
             </a:fld>
             <a:endParaRPr kumimoji="1" lang="ja-JP" altLang="en-US"/>
           </a:p>
@@ -3848,7 +4018,7 @@
           <a:p>
             <a:fld id="{F8143675-065B-6249-819E-977928931EDE}" type="datetimeFigureOut">
               <a:rPr kumimoji="1" lang="ja-JP" altLang="en-US" smtClean="0"/>
-              <a:t>2019/1/24</a:t>
+              <a:t>2019/1/25</a:t>
             </a:fld>
             <a:endParaRPr kumimoji="1" lang="ja-JP" altLang="en-US"/>
           </a:p>
@@ -10447,6 +10617,3281 @@
 </file>
 
 <file path=ppt/slides/slide7.xml><?xml version="1.0" encoding="utf-8"?>
+<p:sld xmlns:a="http://schemas.openxmlformats.org/drawingml/2006/main" xmlns:r="http://schemas.openxmlformats.org/officeDocument/2006/relationships" xmlns:p="http://schemas.openxmlformats.org/presentationml/2006/main">
+  <p:cSld>
+    <p:bg>
+      <p:bgPr>
+        <a:solidFill>
+          <a:schemeClr val="bg1"/>
+        </a:solidFill>
+        <a:effectLst/>
+      </p:bgPr>
+    </p:bg>
+    <p:spTree>
+      <p:nvGrpSpPr>
+        <p:cNvPr id="1" name=""/>
+        <p:cNvGrpSpPr/>
+        <p:nvPr/>
+      </p:nvGrpSpPr>
+      <p:grpSpPr>
+        <a:xfrm>
+          <a:off x="0" y="0"/>
+          <a:ext cx="0" cy="0"/>
+          <a:chOff x="0" y="0"/>
+          <a:chExt cx="0" cy="0"/>
+        </a:xfrm>
+      </p:grpSpPr>
+      <p:grpSp>
+        <p:nvGrpSpPr>
+          <p:cNvPr id="69" name="グループ化 68">
+            <a:extLst>
+              <a:ext uri="{FF2B5EF4-FFF2-40B4-BE49-F238E27FC236}">
+                <a16:creationId xmlns:a16="http://schemas.microsoft.com/office/drawing/2014/main" id="{C73A0B1F-26AC-DD4F-801F-9CD926A9171C}"/>
+              </a:ext>
+            </a:extLst>
+          </p:cNvPr>
+          <p:cNvGrpSpPr/>
+          <p:nvPr/>
+        </p:nvGrpSpPr>
+        <p:grpSpPr>
+          <a:xfrm>
+            <a:off x="539783" y="1519848"/>
+            <a:ext cx="2198107" cy="814296"/>
+            <a:chOff x="802706" y="1937759"/>
+            <a:chExt cx="2198107" cy="814296"/>
+          </a:xfrm>
+        </p:grpSpPr>
+        <p:sp>
+          <p:nvSpPr>
+            <p:cNvPr id="70" name="正方形/長方形 69">
+              <a:extLst>
+                <a:ext uri="{FF2B5EF4-FFF2-40B4-BE49-F238E27FC236}">
+                  <a16:creationId xmlns:a16="http://schemas.microsoft.com/office/drawing/2014/main" id="{09CBE9F9-571C-4443-964C-4624DC0DA7DA}"/>
+                </a:ext>
+              </a:extLst>
+            </p:cNvPr>
+            <p:cNvSpPr/>
+            <p:nvPr/>
+          </p:nvSpPr>
+          <p:spPr>
+            <a:xfrm>
+              <a:off x="820269" y="1937759"/>
+              <a:ext cx="2180544" cy="814296"/>
+            </a:xfrm>
+            <a:prstGeom prst="rect">
+              <a:avLst/>
+            </a:prstGeom>
+            <a:solidFill>
+              <a:schemeClr val="accent2">
+                <a:lumMod val="40000"/>
+                <a:lumOff val="60000"/>
+              </a:schemeClr>
+            </a:solidFill>
+            <a:ln>
+              <a:noFill/>
+            </a:ln>
+          </p:spPr>
+          <p:style>
+            <a:lnRef idx="2">
+              <a:schemeClr val="accent1">
+                <a:shade val="50000"/>
+              </a:schemeClr>
+            </a:lnRef>
+            <a:fillRef idx="1">
+              <a:schemeClr val="accent1"/>
+            </a:fillRef>
+            <a:effectRef idx="0">
+              <a:schemeClr val="accent1"/>
+            </a:effectRef>
+            <a:fontRef idx="minor">
+              <a:schemeClr val="lt1"/>
+            </a:fontRef>
+          </p:style>
+          <p:txBody>
+            <a:bodyPr rtlCol="0" anchor="ctr"/>
+            <a:lstStyle/>
+            <a:p>
+              <a:pPr algn="ctr"/>
+              <a:endParaRPr kumimoji="1" lang="ja-JP" altLang="en-US" sz="2000"/>
+            </a:p>
+          </p:txBody>
+        </p:sp>
+        <p:sp>
+          <p:nvSpPr>
+            <p:cNvPr id="71" name="テキスト ボックス 70">
+              <a:extLst>
+                <a:ext uri="{FF2B5EF4-FFF2-40B4-BE49-F238E27FC236}">
+                  <a16:creationId xmlns:a16="http://schemas.microsoft.com/office/drawing/2014/main" id="{9F3626AC-96E0-9247-B70B-220DB3427EB5}"/>
+                </a:ext>
+              </a:extLst>
+            </p:cNvPr>
+            <p:cNvSpPr txBox="1"/>
+            <p:nvPr/>
+          </p:nvSpPr>
+          <p:spPr>
+            <a:xfrm>
+              <a:off x="802706" y="1937759"/>
+              <a:ext cx="2135521" cy="707886"/>
+            </a:xfrm>
+            <a:prstGeom prst="rect">
+              <a:avLst/>
+            </a:prstGeom>
+            <a:noFill/>
+          </p:spPr>
+          <p:txBody>
+            <a:bodyPr wrap="none" rtlCol="0">
+              <a:spAutoFit/>
+            </a:bodyPr>
+            <a:lstStyle/>
+            <a:p>
+              <a:r>
+                <a:rPr lang="en-US" altLang="ja-JP" sz="2000" dirty="0">
+                  <a:latin typeface="Hiragino Kaku Gothic Pro W3" panose="020B0300000000000000" pitchFamily="34" charset="-128"/>
+                  <a:ea typeface="Hiragino Kaku Gothic Pro W3" panose="020B0300000000000000" pitchFamily="34" charset="-128"/>
+                </a:rPr>
+                <a:t>Canvas</a:t>
+              </a:r>
+              <a:r>
+                <a:rPr lang="ja-JP" altLang="en-US" sz="2000">
+                  <a:latin typeface="Hiragino Kaku Gothic Pro W3" panose="020B0300000000000000" pitchFamily="34" charset="-128"/>
+                  <a:ea typeface="Hiragino Kaku Gothic Pro W3" panose="020B0300000000000000" pitchFamily="34" charset="-128"/>
+                </a:rPr>
+                <a:t>要素取得</a:t>
+              </a:r>
+              <a:endParaRPr lang="en-US" altLang="ja-JP" sz="2000" dirty="0">
+                <a:latin typeface="Hiragino Kaku Gothic Pro W3" panose="020B0300000000000000" pitchFamily="34" charset="-128"/>
+                <a:ea typeface="Hiragino Kaku Gothic Pro W3" panose="020B0300000000000000" pitchFamily="34" charset="-128"/>
+              </a:endParaRPr>
+            </a:p>
+            <a:p>
+              <a:r>
+                <a:rPr lang="en-US" altLang="ja-JP" sz="2000" dirty="0">
+                  <a:latin typeface="Hiragino Kaku Gothic Pro W3" panose="020B0300000000000000" pitchFamily="34" charset="-128"/>
+                  <a:ea typeface="Hiragino Kaku Gothic Pro W3" panose="020B0300000000000000" pitchFamily="34" charset="-128"/>
+                </a:rPr>
+                <a:t>worker</a:t>
+              </a:r>
+              <a:r>
+                <a:rPr lang="ja-JP" altLang="en-US" sz="2000">
+                  <a:latin typeface="Hiragino Kaku Gothic Pro W3" panose="020B0300000000000000" pitchFamily="34" charset="-128"/>
+                  <a:ea typeface="Hiragino Kaku Gothic Pro W3" panose="020B0300000000000000" pitchFamily="34" charset="-128"/>
+                </a:rPr>
+                <a:t>作成</a:t>
+              </a:r>
+              <a:endParaRPr lang="en-US" altLang="ja-JP" sz="2000" dirty="0">
+                <a:latin typeface="Hiragino Kaku Gothic Pro W3" panose="020B0300000000000000" pitchFamily="34" charset="-128"/>
+                <a:ea typeface="Hiragino Kaku Gothic Pro W3" panose="020B0300000000000000" pitchFamily="34" charset="-128"/>
+              </a:endParaRPr>
+            </a:p>
+          </p:txBody>
+        </p:sp>
+      </p:grpSp>
+      <p:grpSp>
+        <p:nvGrpSpPr>
+          <p:cNvPr id="75" name="グループ化 74">
+            <a:extLst>
+              <a:ext uri="{FF2B5EF4-FFF2-40B4-BE49-F238E27FC236}">
+                <a16:creationId xmlns:a16="http://schemas.microsoft.com/office/drawing/2014/main" id="{645BDE4F-F89F-3C45-87B9-AD5668D1C6DC}"/>
+              </a:ext>
+            </a:extLst>
+          </p:cNvPr>
+          <p:cNvGrpSpPr/>
+          <p:nvPr/>
+        </p:nvGrpSpPr>
+        <p:grpSpPr>
+          <a:xfrm>
+            <a:off x="548564" y="2641089"/>
+            <a:ext cx="2180544" cy="400113"/>
+            <a:chOff x="820269" y="4257846"/>
+            <a:chExt cx="2180544" cy="400113"/>
+          </a:xfrm>
+        </p:grpSpPr>
+        <p:sp>
+          <p:nvSpPr>
+            <p:cNvPr id="76" name="正方形/長方形 75">
+              <a:extLst>
+                <a:ext uri="{FF2B5EF4-FFF2-40B4-BE49-F238E27FC236}">
+                  <a16:creationId xmlns:a16="http://schemas.microsoft.com/office/drawing/2014/main" id="{8EC6BE40-C79F-AA44-BAC5-7FC250D9DB41}"/>
+                </a:ext>
+              </a:extLst>
+            </p:cNvPr>
+            <p:cNvSpPr/>
+            <p:nvPr/>
+          </p:nvSpPr>
+          <p:spPr>
+            <a:xfrm>
+              <a:off x="820269" y="4257846"/>
+              <a:ext cx="2180544" cy="389827"/>
+            </a:xfrm>
+            <a:prstGeom prst="rect">
+              <a:avLst/>
+            </a:prstGeom>
+            <a:solidFill>
+              <a:schemeClr val="accent2">
+                <a:lumMod val="40000"/>
+                <a:lumOff val="60000"/>
+              </a:schemeClr>
+            </a:solidFill>
+            <a:ln>
+              <a:noFill/>
+            </a:ln>
+          </p:spPr>
+          <p:style>
+            <a:lnRef idx="2">
+              <a:schemeClr val="accent1">
+                <a:shade val="50000"/>
+              </a:schemeClr>
+            </a:lnRef>
+            <a:fillRef idx="1">
+              <a:schemeClr val="accent1"/>
+            </a:fillRef>
+            <a:effectRef idx="0">
+              <a:schemeClr val="accent1"/>
+            </a:effectRef>
+            <a:fontRef idx="minor">
+              <a:schemeClr val="lt1"/>
+            </a:fontRef>
+          </p:style>
+          <p:txBody>
+            <a:bodyPr rtlCol="0" anchor="ctr"/>
+            <a:lstStyle/>
+            <a:p>
+              <a:pPr algn="ctr"/>
+              <a:endParaRPr kumimoji="1" lang="ja-JP" altLang="en-US" sz="2000"/>
+            </a:p>
+          </p:txBody>
+        </p:sp>
+        <p:sp>
+          <p:nvSpPr>
+            <p:cNvPr id="77" name="テキスト ボックス 76">
+              <a:extLst>
+                <a:ext uri="{FF2B5EF4-FFF2-40B4-BE49-F238E27FC236}">
+                  <a16:creationId xmlns:a16="http://schemas.microsoft.com/office/drawing/2014/main" id="{9FA11716-CFCB-234C-B9D6-DC606D43D1EB}"/>
+                </a:ext>
+              </a:extLst>
+            </p:cNvPr>
+            <p:cNvSpPr txBox="1"/>
+            <p:nvPr/>
+          </p:nvSpPr>
+          <p:spPr>
+            <a:xfrm>
+              <a:off x="842780" y="4257849"/>
+              <a:ext cx="2135521" cy="400110"/>
+            </a:xfrm>
+            <a:prstGeom prst="rect">
+              <a:avLst/>
+            </a:prstGeom>
+            <a:noFill/>
+          </p:spPr>
+          <p:txBody>
+            <a:bodyPr wrap="none" rtlCol="0">
+              <a:spAutoFit/>
+            </a:bodyPr>
+            <a:lstStyle/>
+            <a:p>
+              <a:r>
+                <a:rPr lang="en-US" altLang="ja-JP" sz="2000" dirty="0">
+                  <a:latin typeface="Hiragino Kaku Gothic Pro W3" panose="020B0300000000000000" pitchFamily="34" charset="-128"/>
+                  <a:ea typeface="Hiragino Kaku Gothic Pro W3" panose="020B0300000000000000" pitchFamily="34" charset="-128"/>
+                </a:rPr>
+                <a:t>Canvas</a:t>
+              </a:r>
+              <a:r>
+                <a:rPr lang="ja-JP" altLang="en-US" sz="2000">
+                  <a:latin typeface="Hiragino Kaku Gothic Pro W3" panose="020B0300000000000000" pitchFamily="34" charset="-128"/>
+                  <a:ea typeface="Hiragino Kaku Gothic Pro W3" panose="020B0300000000000000" pitchFamily="34" charset="-128"/>
+                </a:rPr>
+                <a:t>要素送信</a:t>
+              </a:r>
+              <a:endParaRPr lang="en-US" altLang="ja-JP" sz="2000" dirty="0">
+                <a:latin typeface="Hiragino Kaku Gothic Pro W3" panose="020B0300000000000000" pitchFamily="34" charset="-128"/>
+                <a:ea typeface="Hiragino Kaku Gothic Pro W3" panose="020B0300000000000000" pitchFamily="34" charset="-128"/>
+              </a:endParaRPr>
+            </a:p>
+          </p:txBody>
+        </p:sp>
+      </p:grpSp>
+      <p:grpSp>
+        <p:nvGrpSpPr>
+          <p:cNvPr id="85" name="グループ化 84">
+            <a:extLst>
+              <a:ext uri="{FF2B5EF4-FFF2-40B4-BE49-F238E27FC236}">
+                <a16:creationId xmlns:a16="http://schemas.microsoft.com/office/drawing/2014/main" id="{89826A22-B094-F843-A163-42C0A697EF06}"/>
+              </a:ext>
+            </a:extLst>
+          </p:cNvPr>
+          <p:cNvGrpSpPr/>
+          <p:nvPr/>
+        </p:nvGrpSpPr>
+        <p:grpSpPr>
+          <a:xfrm>
+            <a:off x="3399148" y="765149"/>
+            <a:ext cx="2183232" cy="420989"/>
+            <a:chOff x="817581" y="2144511"/>
+            <a:chExt cx="2183232" cy="420989"/>
+          </a:xfrm>
+        </p:grpSpPr>
+        <p:sp>
+          <p:nvSpPr>
+            <p:cNvPr id="86" name="正方形/長方形 85">
+              <a:extLst>
+                <a:ext uri="{FF2B5EF4-FFF2-40B4-BE49-F238E27FC236}">
+                  <a16:creationId xmlns:a16="http://schemas.microsoft.com/office/drawing/2014/main" id="{68563B49-5681-0145-9B8F-0ACD7003EC31}"/>
+                </a:ext>
+              </a:extLst>
+            </p:cNvPr>
+            <p:cNvSpPr/>
+            <p:nvPr/>
+          </p:nvSpPr>
+          <p:spPr>
+            <a:xfrm>
+              <a:off x="820269" y="2144511"/>
+              <a:ext cx="2180544" cy="390616"/>
+            </a:xfrm>
+            <a:prstGeom prst="rect">
+              <a:avLst/>
+            </a:prstGeom>
+            <a:solidFill>
+              <a:schemeClr val="accent2">
+                <a:lumMod val="40000"/>
+                <a:lumOff val="60000"/>
+              </a:schemeClr>
+            </a:solidFill>
+            <a:ln>
+              <a:noFill/>
+            </a:ln>
+          </p:spPr>
+          <p:style>
+            <a:lnRef idx="2">
+              <a:schemeClr val="accent1">
+                <a:shade val="50000"/>
+              </a:schemeClr>
+            </a:lnRef>
+            <a:fillRef idx="1">
+              <a:schemeClr val="accent1"/>
+            </a:fillRef>
+            <a:effectRef idx="0">
+              <a:schemeClr val="accent1"/>
+            </a:effectRef>
+            <a:fontRef idx="minor">
+              <a:schemeClr val="lt1"/>
+            </a:fontRef>
+          </p:style>
+          <p:txBody>
+            <a:bodyPr rtlCol="0" anchor="ctr"/>
+            <a:lstStyle/>
+            <a:p>
+              <a:pPr algn="ctr"/>
+              <a:endParaRPr kumimoji="1" lang="ja-JP" altLang="en-US" sz="2000"/>
+            </a:p>
+          </p:txBody>
+        </p:sp>
+        <p:sp>
+          <p:nvSpPr>
+            <p:cNvPr id="87" name="テキスト ボックス 86">
+              <a:extLst>
+                <a:ext uri="{FF2B5EF4-FFF2-40B4-BE49-F238E27FC236}">
+                  <a16:creationId xmlns:a16="http://schemas.microsoft.com/office/drawing/2014/main" id="{F9FC5368-0C0C-6C40-8539-F144BC17A8E6}"/>
+                </a:ext>
+              </a:extLst>
+            </p:cNvPr>
+            <p:cNvSpPr txBox="1"/>
+            <p:nvPr/>
+          </p:nvSpPr>
+          <p:spPr>
+            <a:xfrm>
+              <a:off x="817581" y="2165390"/>
+              <a:ext cx="2135521" cy="400110"/>
+            </a:xfrm>
+            <a:prstGeom prst="rect">
+              <a:avLst/>
+            </a:prstGeom>
+            <a:noFill/>
+          </p:spPr>
+          <p:txBody>
+            <a:bodyPr wrap="none" rtlCol="0">
+              <a:spAutoFit/>
+            </a:bodyPr>
+            <a:lstStyle/>
+            <a:p>
+              <a:r>
+                <a:rPr lang="en-US" altLang="ja-JP" sz="2000" dirty="0">
+                  <a:latin typeface="Hiragino Kaku Gothic Pro W3" panose="020B0300000000000000" pitchFamily="34" charset="-128"/>
+                  <a:ea typeface="Hiragino Kaku Gothic Pro W3" panose="020B0300000000000000" pitchFamily="34" charset="-128"/>
+                </a:rPr>
+                <a:t>Canvas</a:t>
+              </a:r>
+              <a:r>
+                <a:rPr lang="ja-JP" altLang="en-US" sz="2000">
+                  <a:latin typeface="Hiragino Kaku Gothic Pro W3" panose="020B0300000000000000" pitchFamily="34" charset="-128"/>
+                  <a:ea typeface="Hiragino Kaku Gothic Pro W3" panose="020B0300000000000000" pitchFamily="34" charset="-128"/>
+                </a:rPr>
+                <a:t>要素受信</a:t>
+              </a:r>
+              <a:endParaRPr lang="en-US" altLang="ja-JP" sz="2000" dirty="0">
+                <a:latin typeface="Hiragino Kaku Gothic Pro W3" panose="020B0300000000000000" pitchFamily="34" charset="-128"/>
+                <a:ea typeface="Hiragino Kaku Gothic Pro W3" panose="020B0300000000000000" pitchFamily="34" charset="-128"/>
+              </a:endParaRPr>
+            </a:p>
+          </p:txBody>
+        </p:sp>
+      </p:grpSp>
+      <p:grpSp>
+        <p:nvGrpSpPr>
+          <p:cNvPr id="88" name="グループ化 87">
+            <a:extLst>
+              <a:ext uri="{FF2B5EF4-FFF2-40B4-BE49-F238E27FC236}">
+                <a16:creationId xmlns:a16="http://schemas.microsoft.com/office/drawing/2014/main" id="{803F4D88-F4F8-AE4D-9DF4-C53A6E594C0F}"/>
+              </a:ext>
+            </a:extLst>
+          </p:cNvPr>
+          <p:cNvGrpSpPr/>
+          <p:nvPr/>
+        </p:nvGrpSpPr>
+        <p:grpSpPr>
+          <a:xfrm>
+            <a:off x="3400492" y="1501843"/>
+            <a:ext cx="2180544" cy="400110"/>
+            <a:chOff x="820269" y="3215947"/>
+            <a:chExt cx="2180544" cy="400110"/>
+          </a:xfrm>
+        </p:grpSpPr>
+        <p:sp>
+          <p:nvSpPr>
+            <p:cNvPr id="89" name="正方形/長方形 88">
+              <a:extLst>
+                <a:ext uri="{FF2B5EF4-FFF2-40B4-BE49-F238E27FC236}">
+                  <a16:creationId xmlns:a16="http://schemas.microsoft.com/office/drawing/2014/main" id="{3F24F69F-355B-EF44-9465-AB90799FDBCA}"/>
+                </a:ext>
+              </a:extLst>
+            </p:cNvPr>
+            <p:cNvSpPr/>
+            <p:nvPr/>
+          </p:nvSpPr>
+          <p:spPr>
+            <a:xfrm>
+              <a:off x="820269" y="3223493"/>
+              <a:ext cx="2180544" cy="378468"/>
+            </a:xfrm>
+            <a:prstGeom prst="rect">
+              <a:avLst/>
+            </a:prstGeom>
+            <a:solidFill>
+              <a:schemeClr val="accent6">
+                <a:lumMod val="40000"/>
+                <a:lumOff val="60000"/>
+              </a:schemeClr>
+            </a:solidFill>
+            <a:ln>
+              <a:noFill/>
+            </a:ln>
+          </p:spPr>
+          <p:style>
+            <a:lnRef idx="2">
+              <a:schemeClr val="accent1">
+                <a:shade val="50000"/>
+              </a:schemeClr>
+            </a:lnRef>
+            <a:fillRef idx="1">
+              <a:schemeClr val="accent1"/>
+            </a:fillRef>
+            <a:effectRef idx="0">
+              <a:schemeClr val="accent1"/>
+            </a:effectRef>
+            <a:fontRef idx="minor">
+              <a:schemeClr val="lt1"/>
+            </a:fontRef>
+          </p:style>
+          <p:txBody>
+            <a:bodyPr rtlCol="0" anchor="ctr"/>
+            <a:lstStyle/>
+            <a:p>
+              <a:pPr algn="ctr"/>
+              <a:endParaRPr kumimoji="1" lang="ja-JP" altLang="en-US" sz="2000"/>
+            </a:p>
+          </p:txBody>
+        </p:sp>
+        <p:sp>
+          <p:nvSpPr>
+            <p:cNvPr id="90" name="テキスト ボックス 89">
+              <a:extLst>
+                <a:ext uri="{FF2B5EF4-FFF2-40B4-BE49-F238E27FC236}">
+                  <a16:creationId xmlns:a16="http://schemas.microsoft.com/office/drawing/2014/main" id="{E95C5F2A-23C1-5342-BEC9-44CAD500BDE3}"/>
+                </a:ext>
+              </a:extLst>
+            </p:cNvPr>
+            <p:cNvSpPr txBox="1"/>
+            <p:nvPr/>
+          </p:nvSpPr>
+          <p:spPr>
+            <a:xfrm>
+              <a:off x="1561727" y="3215947"/>
+              <a:ext cx="697627" cy="400110"/>
+            </a:xfrm>
+            <a:prstGeom prst="rect">
+              <a:avLst/>
+            </a:prstGeom>
+            <a:noFill/>
+          </p:spPr>
+          <p:txBody>
+            <a:bodyPr wrap="none" rtlCol="0">
+              <a:spAutoFit/>
+            </a:bodyPr>
+            <a:lstStyle/>
+            <a:p>
+              <a:r>
+                <a:rPr kumimoji="1" lang="ja-JP" altLang="en-US" sz="2000">
+                  <a:latin typeface="Hiragino Kaku Gothic Pro W3" panose="020B0300000000000000" pitchFamily="34" charset="-128"/>
+                  <a:ea typeface="Hiragino Kaku Gothic Pro W3" panose="020B0300000000000000" pitchFamily="34" charset="-128"/>
+                </a:rPr>
+                <a:t>演算</a:t>
+              </a:r>
+            </a:p>
+          </p:txBody>
+        </p:sp>
+      </p:grpSp>
+      <p:grpSp>
+        <p:nvGrpSpPr>
+          <p:cNvPr id="91" name="グループ化 90">
+            <a:extLst>
+              <a:ext uri="{FF2B5EF4-FFF2-40B4-BE49-F238E27FC236}">
+                <a16:creationId xmlns:a16="http://schemas.microsoft.com/office/drawing/2014/main" id="{6E175F04-2D0A-E043-ACD7-48CB671F8862}"/>
+              </a:ext>
+            </a:extLst>
+          </p:cNvPr>
+          <p:cNvGrpSpPr/>
+          <p:nvPr/>
+        </p:nvGrpSpPr>
+        <p:grpSpPr>
+          <a:xfrm>
+            <a:off x="3400492" y="2217658"/>
+            <a:ext cx="2180544" cy="430955"/>
+            <a:chOff x="820269" y="4223312"/>
+            <a:chExt cx="2180544" cy="430955"/>
+          </a:xfrm>
+        </p:grpSpPr>
+        <p:sp>
+          <p:nvSpPr>
+            <p:cNvPr id="92" name="正方形/長方形 91">
+              <a:extLst>
+                <a:ext uri="{FF2B5EF4-FFF2-40B4-BE49-F238E27FC236}">
+                  <a16:creationId xmlns:a16="http://schemas.microsoft.com/office/drawing/2014/main" id="{880844F5-8C59-9341-95B6-BC3D15E21BCF}"/>
+                </a:ext>
+              </a:extLst>
+            </p:cNvPr>
+            <p:cNvSpPr/>
+            <p:nvPr/>
+          </p:nvSpPr>
+          <p:spPr>
+            <a:xfrm>
+              <a:off x="820269" y="4223312"/>
+              <a:ext cx="2180544" cy="400110"/>
+            </a:xfrm>
+            <a:prstGeom prst="rect">
+              <a:avLst/>
+            </a:prstGeom>
+            <a:solidFill>
+              <a:schemeClr val="accent6">
+                <a:lumMod val="40000"/>
+                <a:lumOff val="60000"/>
+              </a:schemeClr>
+            </a:solidFill>
+            <a:ln>
+              <a:noFill/>
+            </a:ln>
+          </p:spPr>
+          <p:style>
+            <a:lnRef idx="2">
+              <a:schemeClr val="accent1">
+                <a:shade val="50000"/>
+              </a:schemeClr>
+            </a:lnRef>
+            <a:fillRef idx="1">
+              <a:schemeClr val="accent1"/>
+            </a:fillRef>
+            <a:effectRef idx="0">
+              <a:schemeClr val="accent1"/>
+            </a:effectRef>
+            <a:fontRef idx="minor">
+              <a:schemeClr val="lt1"/>
+            </a:fontRef>
+          </p:style>
+          <p:txBody>
+            <a:bodyPr rtlCol="0" anchor="ctr"/>
+            <a:lstStyle/>
+            <a:p>
+              <a:pPr algn="ctr"/>
+              <a:endParaRPr kumimoji="1" lang="ja-JP" altLang="en-US" sz="2000"/>
+            </a:p>
+          </p:txBody>
+        </p:sp>
+        <p:sp>
+          <p:nvSpPr>
+            <p:cNvPr id="93" name="テキスト ボックス 92">
+              <a:extLst>
+                <a:ext uri="{FF2B5EF4-FFF2-40B4-BE49-F238E27FC236}">
+                  <a16:creationId xmlns:a16="http://schemas.microsoft.com/office/drawing/2014/main" id="{4CC207C3-67C8-CC4D-987B-7FFA1A6DE78F}"/>
+                </a:ext>
+              </a:extLst>
+            </p:cNvPr>
+            <p:cNvSpPr txBox="1"/>
+            <p:nvPr/>
+          </p:nvSpPr>
+          <p:spPr>
+            <a:xfrm>
+              <a:off x="1536527" y="4254157"/>
+              <a:ext cx="697627" cy="400110"/>
+            </a:xfrm>
+            <a:prstGeom prst="rect">
+              <a:avLst/>
+            </a:prstGeom>
+            <a:noFill/>
+          </p:spPr>
+          <p:txBody>
+            <a:bodyPr wrap="none" rtlCol="0">
+              <a:spAutoFit/>
+            </a:bodyPr>
+            <a:lstStyle/>
+            <a:p>
+              <a:r>
+                <a:rPr lang="ja-JP" altLang="en-US" sz="2000">
+                  <a:latin typeface="Hiragino Kaku Gothic Pro W3" panose="020B0300000000000000" pitchFamily="34" charset="-128"/>
+                  <a:ea typeface="Hiragino Kaku Gothic Pro W3" panose="020B0300000000000000" pitchFamily="34" charset="-128"/>
+                </a:rPr>
+                <a:t>描画</a:t>
+              </a:r>
+              <a:endParaRPr lang="en-US" altLang="ja-JP" sz="2000" dirty="0">
+                <a:latin typeface="Hiragino Kaku Gothic Pro W3" panose="020B0300000000000000" pitchFamily="34" charset="-128"/>
+                <a:ea typeface="Hiragino Kaku Gothic Pro W3" panose="020B0300000000000000" pitchFamily="34" charset="-128"/>
+              </a:endParaRPr>
+            </a:p>
+          </p:txBody>
+        </p:sp>
+      </p:grpSp>
+      <p:grpSp>
+        <p:nvGrpSpPr>
+          <p:cNvPr id="37" name="グループ化 36">
+            <a:extLst>
+              <a:ext uri="{FF2B5EF4-FFF2-40B4-BE49-F238E27FC236}">
+                <a16:creationId xmlns:a16="http://schemas.microsoft.com/office/drawing/2014/main" id="{A1FFF684-A591-B647-9B35-02145A244AA1}"/>
+              </a:ext>
+            </a:extLst>
+          </p:cNvPr>
+          <p:cNvGrpSpPr/>
+          <p:nvPr/>
+        </p:nvGrpSpPr>
+        <p:grpSpPr>
+          <a:xfrm>
+            <a:off x="511386" y="765149"/>
+            <a:ext cx="2254900" cy="447754"/>
+            <a:chOff x="783091" y="1072798"/>
+            <a:chExt cx="2254900" cy="447754"/>
+          </a:xfrm>
+        </p:grpSpPr>
+        <p:sp>
+          <p:nvSpPr>
+            <p:cNvPr id="42" name="角丸四角形 41">
+              <a:extLst>
+                <a:ext uri="{FF2B5EF4-FFF2-40B4-BE49-F238E27FC236}">
+                  <a16:creationId xmlns:a16="http://schemas.microsoft.com/office/drawing/2014/main" id="{8AC88BDD-0B7B-6043-8399-81D9CEA6F840}"/>
+                </a:ext>
+              </a:extLst>
+            </p:cNvPr>
+            <p:cNvSpPr/>
+            <p:nvPr/>
+          </p:nvSpPr>
+          <p:spPr>
+            <a:xfrm>
+              <a:off x="783091" y="1072798"/>
+              <a:ext cx="2254900" cy="447754"/>
+            </a:xfrm>
+            <a:prstGeom prst="roundRect">
+              <a:avLst>
+                <a:gd name="adj" fmla="val 50000"/>
+              </a:avLst>
+            </a:prstGeom>
+            <a:solidFill>
+              <a:schemeClr val="accent3">
+                <a:lumMod val="40000"/>
+                <a:lumOff val="60000"/>
+              </a:schemeClr>
+            </a:solidFill>
+            <a:ln>
+              <a:noFill/>
+            </a:ln>
+          </p:spPr>
+          <p:style>
+            <a:lnRef idx="2">
+              <a:schemeClr val="accent1">
+                <a:shade val="50000"/>
+              </a:schemeClr>
+            </a:lnRef>
+            <a:fillRef idx="1">
+              <a:schemeClr val="accent1"/>
+            </a:fillRef>
+            <a:effectRef idx="0">
+              <a:schemeClr val="accent1"/>
+            </a:effectRef>
+            <a:fontRef idx="minor">
+              <a:schemeClr val="lt1"/>
+            </a:fontRef>
+          </p:style>
+          <p:txBody>
+            <a:bodyPr rtlCol="0" anchor="ctr"/>
+            <a:lstStyle/>
+            <a:p>
+              <a:pPr algn="ctr"/>
+              <a:endParaRPr kumimoji="1" lang="ja-JP" altLang="en-US" sz="2000">
+                <a:latin typeface="Hiragino Kaku Gothic Pro W3" panose="020B0300000000000000" pitchFamily="34" charset="-128"/>
+                <a:ea typeface="Hiragino Kaku Gothic Pro W3" panose="020B0300000000000000" pitchFamily="34" charset="-128"/>
+              </a:endParaRPr>
+            </a:p>
+          </p:txBody>
+        </p:sp>
+        <p:sp>
+          <p:nvSpPr>
+            <p:cNvPr id="43" name="テキスト ボックス 42">
+              <a:extLst>
+                <a:ext uri="{FF2B5EF4-FFF2-40B4-BE49-F238E27FC236}">
+                  <a16:creationId xmlns:a16="http://schemas.microsoft.com/office/drawing/2014/main" id="{A558958A-7ACD-3E4F-B069-8FE79C6520D7}"/>
+                </a:ext>
+              </a:extLst>
+            </p:cNvPr>
+            <p:cNvSpPr txBox="1"/>
+            <p:nvPr/>
+          </p:nvSpPr>
+          <p:spPr>
+            <a:xfrm>
+              <a:off x="1510432" y="1072798"/>
+              <a:ext cx="697627" cy="400110"/>
+            </a:xfrm>
+            <a:prstGeom prst="rect">
+              <a:avLst/>
+            </a:prstGeom>
+            <a:noFill/>
+          </p:spPr>
+          <p:txBody>
+            <a:bodyPr wrap="none" rtlCol="0">
+              <a:spAutoFit/>
+            </a:bodyPr>
+            <a:lstStyle/>
+            <a:p>
+              <a:r>
+                <a:rPr kumimoji="1" lang="ja-JP" altLang="en-US" sz="2000">
+                  <a:latin typeface="Hiragino Kaku Gothic Pro W3" panose="020B0300000000000000" pitchFamily="34" charset="-128"/>
+                  <a:ea typeface="Hiragino Kaku Gothic Pro W3" panose="020B0300000000000000" pitchFamily="34" charset="-128"/>
+                </a:rPr>
+                <a:t>開始</a:t>
+              </a:r>
+            </a:p>
+          </p:txBody>
+        </p:sp>
+      </p:grpSp>
+      <p:sp>
+        <p:nvSpPr>
+          <p:cNvPr id="44" name="下矢印 43">
+            <a:extLst>
+              <a:ext uri="{FF2B5EF4-FFF2-40B4-BE49-F238E27FC236}">
+                <a16:creationId xmlns:a16="http://schemas.microsoft.com/office/drawing/2014/main" id="{522EFECA-76F9-9841-959E-123D5C94A680}"/>
+              </a:ext>
+            </a:extLst>
+          </p:cNvPr>
+          <p:cNvSpPr/>
+          <p:nvPr/>
+        </p:nvSpPr>
+        <p:spPr>
+          <a:xfrm>
+            <a:off x="1548836" y="1230828"/>
+            <a:ext cx="180000" cy="271095"/>
+          </a:xfrm>
+          <a:prstGeom prst="downArrow">
+            <a:avLst/>
+          </a:prstGeom>
+          <a:solidFill>
+            <a:schemeClr val="tx1">
+              <a:lumMod val="85000"/>
+              <a:lumOff val="15000"/>
+            </a:schemeClr>
+          </a:solidFill>
+          <a:ln>
+            <a:noFill/>
+          </a:ln>
+        </p:spPr>
+        <p:style>
+          <a:lnRef idx="2">
+            <a:schemeClr val="accent1">
+              <a:shade val="50000"/>
+            </a:schemeClr>
+          </a:lnRef>
+          <a:fillRef idx="1">
+            <a:schemeClr val="accent1"/>
+          </a:fillRef>
+          <a:effectRef idx="0">
+            <a:schemeClr val="accent1"/>
+          </a:effectRef>
+          <a:fontRef idx="minor">
+            <a:schemeClr val="lt1"/>
+          </a:fontRef>
+        </p:style>
+        <p:txBody>
+          <a:bodyPr rtlCol="0" anchor="ctr"/>
+          <a:lstStyle/>
+          <a:p>
+            <a:pPr algn="ctr"/>
+            <a:endParaRPr kumimoji="1" lang="ja-JP" altLang="en-US"/>
+          </a:p>
+        </p:txBody>
+      </p:sp>
+      <p:sp>
+        <p:nvSpPr>
+          <p:cNvPr id="51" name="下矢印 50">
+            <a:extLst>
+              <a:ext uri="{FF2B5EF4-FFF2-40B4-BE49-F238E27FC236}">
+                <a16:creationId xmlns:a16="http://schemas.microsoft.com/office/drawing/2014/main" id="{58884873-AADB-DD42-A52D-C53FE26549A4}"/>
+              </a:ext>
+            </a:extLst>
+          </p:cNvPr>
+          <p:cNvSpPr/>
+          <p:nvPr/>
+        </p:nvSpPr>
+        <p:spPr>
+          <a:xfrm>
+            <a:off x="1548836" y="2352069"/>
+            <a:ext cx="180000" cy="271095"/>
+          </a:xfrm>
+          <a:prstGeom prst="downArrow">
+            <a:avLst/>
+          </a:prstGeom>
+          <a:solidFill>
+            <a:schemeClr val="tx1">
+              <a:lumMod val="85000"/>
+              <a:lumOff val="15000"/>
+            </a:schemeClr>
+          </a:solidFill>
+          <a:ln>
+            <a:noFill/>
+          </a:ln>
+        </p:spPr>
+        <p:style>
+          <a:lnRef idx="2">
+            <a:schemeClr val="accent1">
+              <a:shade val="50000"/>
+            </a:schemeClr>
+          </a:lnRef>
+          <a:fillRef idx="1">
+            <a:schemeClr val="accent1"/>
+          </a:fillRef>
+          <a:effectRef idx="0">
+            <a:schemeClr val="accent1"/>
+          </a:effectRef>
+          <a:fontRef idx="minor">
+            <a:schemeClr val="lt1"/>
+          </a:fontRef>
+        </p:style>
+        <p:txBody>
+          <a:bodyPr rtlCol="0" anchor="ctr"/>
+          <a:lstStyle/>
+          <a:p>
+            <a:pPr algn="ctr"/>
+            <a:endParaRPr kumimoji="1" lang="ja-JP" altLang="en-US"/>
+          </a:p>
+        </p:txBody>
+      </p:sp>
+      <p:sp>
+        <p:nvSpPr>
+          <p:cNvPr id="52" name="下矢印 51">
+            <a:extLst>
+              <a:ext uri="{FF2B5EF4-FFF2-40B4-BE49-F238E27FC236}">
+                <a16:creationId xmlns:a16="http://schemas.microsoft.com/office/drawing/2014/main" id="{3D8BD0A2-4FFA-2E40-89F8-BE3CC5EC8165}"/>
+              </a:ext>
+            </a:extLst>
+          </p:cNvPr>
+          <p:cNvSpPr/>
+          <p:nvPr/>
+        </p:nvSpPr>
+        <p:spPr>
+          <a:xfrm>
+            <a:off x="4400764" y="1208443"/>
+            <a:ext cx="180000" cy="271095"/>
+          </a:xfrm>
+          <a:prstGeom prst="downArrow">
+            <a:avLst/>
+          </a:prstGeom>
+          <a:solidFill>
+            <a:schemeClr val="tx1">
+              <a:lumMod val="85000"/>
+              <a:lumOff val="15000"/>
+            </a:schemeClr>
+          </a:solidFill>
+          <a:ln>
+            <a:noFill/>
+          </a:ln>
+        </p:spPr>
+        <p:style>
+          <a:lnRef idx="2">
+            <a:schemeClr val="accent1">
+              <a:shade val="50000"/>
+            </a:schemeClr>
+          </a:lnRef>
+          <a:fillRef idx="1">
+            <a:schemeClr val="accent1"/>
+          </a:fillRef>
+          <a:effectRef idx="0">
+            <a:schemeClr val="accent1"/>
+          </a:effectRef>
+          <a:fontRef idx="minor">
+            <a:schemeClr val="lt1"/>
+          </a:fontRef>
+        </p:style>
+        <p:txBody>
+          <a:bodyPr rtlCol="0" anchor="ctr"/>
+          <a:lstStyle/>
+          <a:p>
+            <a:pPr algn="ctr"/>
+            <a:endParaRPr kumimoji="1" lang="ja-JP" altLang="en-US"/>
+          </a:p>
+        </p:txBody>
+      </p:sp>
+      <p:sp>
+        <p:nvSpPr>
+          <p:cNvPr id="53" name="下矢印 52">
+            <a:extLst>
+              <a:ext uri="{FF2B5EF4-FFF2-40B4-BE49-F238E27FC236}">
+                <a16:creationId xmlns:a16="http://schemas.microsoft.com/office/drawing/2014/main" id="{18D75979-4558-C440-A54A-397B2ECEF7EB}"/>
+              </a:ext>
+            </a:extLst>
+          </p:cNvPr>
+          <p:cNvSpPr/>
+          <p:nvPr/>
+        </p:nvSpPr>
+        <p:spPr>
+          <a:xfrm>
+            <a:off x="4400764" y="1924258"/>
+            <a:ext cx="180000" cy="271095"/>
+          </a:xfrm>
+          <a:prstGeom prst="downArrow">
+            <a:avLst/>
+          </a:prstGeom>
+          <a:solidFill>
+            <a:schemeClr val="tx1">
+              <a:lumMod val="85000"/>
+              <a:lumOff val="15000"/>
+            </a:schemeClr>
+          </a:solidFill>
+          <a:ln>
+            <a:noFill/>
+          </a:ln>
+        </p:spPr>
+        <p:style>
+          <a:lnRef idx="2">
+            <a:schemeClr val="accent1">
+              <a:shade val="50000"/>
+            </a:schemeClr>
+          </a:lnRef>
+          <a:fillRef idx="1">
+            <a:schemeClr val="accent1"/>
+          </a:fillRef>
+          <a:effectRef idx="0">
+            <a:schemeClr val="accent1"/>
+          </a:effectRef>
+          <a:fontRef idx="minor">
+            <a:schemeClr val="lt1"/>
+          </a:fontRef>
+        </p:style>
+        <p:txBody>
+          <a:bodyPr rtlCol="0" anchor="ctr"/>
+          <a:lstStyle/>
+          <a:p>
+            <a:pPr algn="ctr"/>
+            <a:endParaRPr kumimoji="1" lang="ja-JP" altLang="en-US"/>
+          </a:p>
+        </p:txBody>
+      </p:sp>
+      <p:sp>
+        <p:nvSpPr>
+          <p:cNvPr id="54" name="正方形/長方形 53">
+            <a:extLst>
+              <a:ext uri="{FF2B5EF4-FFF2-40B4-BE49-F238E27FC236}">
+                <a16:creationId xmlns:a16="http://schemas.microsoft.com/office/drawing/2014/main" id="{9764B755-2316-974C-883D-DBDA69281252}"/>
+              </a:ext>
+            </a:extLst>
+          </p:cNvPr>
+          <p:cNvSpPr/>
+          <p:nvPr/>
+        </p:nvSpPr>
+        <p:spPr>
+          <a:xfrm>
+            <a:off x="1602836" y="3059126"/>
+            <a:ext cx="72000" cy="288000"/>
+          </a:xfrm>
+          <a:prstGeom prst="rect">
+            <a:avLst/>
+          </a:prstGeom>
+          <a:solidFill>
+            <a:schemeClr val="tx1">
+              <a:lumMod val="85000"/>
+              <a:lumOff val="15000"/>
+            </a:schemeClr>
+          </a:solidFill>
+          <a:ln>
+            <a:noFill/>
+          </a:ln>
+        </p:spPr>
+        <p:style>
+          <a:lnRef idx="2">
+            <a:schemeClr val="accent1">
+              <a:shade val="50000"/>
+            </a:schemeClr>
+          </a:lnRef>
+          <a:fillRef idx="1">
+            <a:schemeClr val="accent1"/>
+          </a:fillRef>
+          <a:effectRef idx="0">
+            <a:schemeClr val="accent1"/>
+          </a:effectRef>
+          <a:fontRef idx="minor">
+            <a:schemeClr val="lt1"/>
+          </a:fontRef>
+        </p:style>
+        <p:txBody>
+          <a:bodyPr rtlCol="0" anchor="ctr"/>
+          <a:lstStyle/>
+          <a:p>
+            <a:pPr algn="ctr"/>
+            <a:endParaRPr kumimoji="1" lang="ja-JP" altLang="en-US"/>
+          </a:p>
+        </p:txBody>
+      </p:sp>
+      <p:sp>
+        <p:nvSpPr>
+          <p:cNvPr id="55" name="正方形/長方形 54">
+            <a:extLst>
+              <a:ext uri="{FF2B5EF4-FFF2-40B4-BE49-F238E27FC236}">
+                <a16:creationId xmlns:a16="http://schemas.microsoft.com/office/drawing/2014/main" id="{228D4496-1CD7-844E-A80F-0A79AA9FC110}"/>
+              </a:ext>
+            </a:extLst>
+          </p:cNvPr>
+          <p:cNvSpPr/>
+          <p:nvPr/>
+        </p:nvSpPr>
+        <p:spPr>
+          <a:xfrm rot="16200000">
+            <a:off x="2288292" y="2663126"/>
+            <a:ext cx="72000" cy="1440000"/>
+          </a:xfrm>
+          <a:prstGeom prst="rect">
+            <a:avLst/>
+          </a:prstGeom>
+          <a:solidFill>
+            <a:schemeClr val="tx1">
+              <a:lumMod val="85000"/>
+              <a:lumOff val="15000"/>
+            </a:schemeClr>
+          </a:solidFill>
+          <a:ln>
+            <a:noFill/>
+          </a:ln>
+        </p:spPr>
+        <p:style>
+          <a:lnRef idx="2">
+            <a:schemeClr val="accent1">
+              <a:shade val="50000"/>
+            </a:schemeClr>
+          </a:lnRef>
+          <a:fillRef idx="1">
+            <a:schemeClr val="accent1"/>
+          </a:fillRef>
+          <a:effectRef idx="0">
+            <a:schemeClr val="accent1"/>
+          </a:effectRef>
+          <a:fontRef idx="minor">
+            <a:schemeClr val="lt1"/>
+          </a:fontRef>
+        </p:style>
+        <p:txBody>
+          <a:bodyPr rtlCol="0" anchor="ctr"/>
+          <a:lstStyle/>
+          <a:p>
+            <a:pPr algn="ctr"/>
+            <a:endParaRPr kumimoji="1" lang="ja-JP" altLang="en-US"/>
+          </a:p>
+        </p:txBody>
+      </p:sp>
+      <p:sp>
+        <p:nvSpPr>
+          <p:cNvPr id="56" name="正方形/長方形 55">
+            <a:extLst>
+              <a:ext uri="{FF2B5EF4-FFF2-40B4-BE49-F238E27FC236}">
+                <a16:creationId xmlns:a16="http://schemas.microsoft.com/office/drawing/2014/main" id="{37F70775-40E1-814B-AADE-860193A59818}"/>
+              </a:ext>
+            </a:extLst>
+          </p:cNvPr>
+          <p:cNvSpPr/>
+          <p:nvPr/>
+        </p:nvSpPr>
+        <p:spPr>
+          <a:xfrm>
+            <a:off x="2977591" y="999291"/>
+            <a:ext cx="72000" cy="2412000"/>
+          </a:xfrm>
+          <a:prstGeom prst="rect">
+            <a:avLst/>
+          </a:prstGeom>
+          <a:solidFill>
+            <a:schemeClr val="tx1">
+              <a:lumMod val="85000"/>
+              <a:lumOff val="15000"/>
+            </a:schemeClr>
+          </a:solidFill>
+          <a:ln>
+            <a:noFill/>
+          </a:ln>
+        </p:spPr>
+        <p:style>
+          <a:lnRef idx="2">
+            <a:schemeClr val="accent1">
+              <a:shade val="50000"/>
+            </a:schemeClr>
+          </a:lnRef>
+          <a:fillRef idx="1">
+            <a:schemeClr val="accent1"/>
+          </a:fillRef>
+          <a:effectRef idx="0">
+            <a:schemeClr val="accent1"/>
+          </a:effectRef>
+          <a:fontRef idx="minor">
+            <a:schemeClr val="lt1"/>
+          </a:fontRef>
+        </p:style>
+        <p:txBody>
+          <a:bodyPr rtlCol="0" anchor="ctr"/>
+          <a:lstStyle/>
+          <a:p>
+            <a:pPr algn="ctr"/>
+            <a:endParaRPr kumimoji="1" lang="ja-JP" altLang="en-US"/>
+          </a:p>
+        </p:txBody>
+      </p:sp>
+      <p:sp>
+        <p:nvSpPr>
+          <p:cNvPr id="57" name="下矢印 56">
+            <a:extLst>
+              <a:ext uri="{FF2B5EF4-FFF2-40B4-BE49-F238E27FC236}">
+                <a16:creationId xmlns:a16="http://schemas.microsoft.com/office/drawing/2014/main" id="{1A92AF0A-3FE7-6A47-B390-3F5D36EAA348}"/>
+              </a:ext>
+            </a:extLst>
+          </p:cNvPr>
+          <p:cNvSpPr/>
+          <p:nvPr/>
+        </p:nvSpPr>
+        <p:spPr>
+          <a:xfrm rot="-5400000">
+            <a:off x="3098890" y="787324"/>
+            <a:ext cx="180000" cy="432000"/>
+          </a:xfrm>
+          <a:prstGeom prst="downArrow">
+            <a:avLst/>
+          </a:prstGeom>
+          <a:solidFill>
+            <a:schemeClr val="tx1">
+              <a:lumMod val="85000"/>
+              <a:lumOff val="15000"/>
+            </a:schemeClr>
+          </a:solidFill>
+          <a:ln>
+            <a:noFill/>
+          </a:ln>
+        </p:spPr>
+        <p:style>
+          <a:lnRef idx="2">
+            <a:schemeClr val="accent1">
+              <a:shade val="50000"/>
+            </a:schemeClr>
+          </a:lnRef>
+          <a:fillRef idx="1">
+            <a:schemeClr val="accent1"/>
+          </a:fillRef>
+          <a:effectRef idx="0">
+            <a:schemeClr val="accent1"/>
+          </a:effectRef>
+          <a:fontRef idx="minor">
+            <a:schemeClr val="lt1"/>
+          </a:fontRef>
+        </p:style>
+        <p:txBody>
+          <a:bodyPr rtlCol="0" anchor="ctr"/>
+          <a:lstStyle/>
+          <a:p>
+            <a:pPr algn="ctr"/>
+            <a:endParaRPr kumimoji="1" lang="ja-JP" altLang="en-US"/>
+          </a:p>
+        </p:txBody>
+      </p:sp>
+      <p:sp>
+        <p:nvSpPr>
+          <p:cNvPr id="58" name="正方形/長方形 57">
+            <a:extLst>
+              <a:ext uri="{FF2B5EF4-FFF2-40B4-BE49-F238E27FC236}">
+                <a16:creationId xmlns:a16="http://schemas.microsoft.com/office/drawing/2014/main" id="{6D279675-927F-5842-92D0-62465EF34380}"/>
+              </a:ext>
+            </a:extLst>
+          </p:cNvPr>
+          <p:cNvSpPr/>
+          <p:nvPr/>
+        </p:nvSpPr>
+        <p:spPr>
+          <a:xfrm>
+            <a:off x="4454764" y="2670916"/>
+            <a:ext cx="72000" cy="288000"/>
+          </a:xfrm>
+          <a:prstGeom prst="rect">
+            <a:avLst/>
+          </a:prstGeom>
+          <a:solidFill>
+            <a:schemeClr val="tx1">
+              <a:lumMod val="85000"/>
+              <a:lumOff val="15000"/>
+            </a:schemeClr>
+          </a:solidFill>
+          <a:ln>
+            <a:noFill/>
+          </a:ln>
+        </p:spPr>
+        <p:style>
+          <a:lnRef idx="2">
+            <a:schemeClr val="accent1">
+              <a:shade val="50000"/>
+            </a:schemeClr>
+          </a:lnRef>
+          <a:fillRef idx="1">
+            <a:schemeClr val="accent1"/>
+          </a:fillRef>
+          <a:effectRef idx="0">
+            <a:schemeClr val="accent1"/>
+          </a:effectRef>
+          <a:fontRef idx="minor">
+            <a:schemeClr val="lt1"/>
+          </a:fontRef>
+        </p:style>
+        <p:txBody>
+          <a:bodyPr rtlCol="0" anchor="ctr"/>
+          <a:lstStyle/>
+          <a:p>
+            <a:pPr algn="ctr"/>
+            <a:endParaRPr kumimoji="1" lang="ja-JP" altLang="en-US"/>
+          </a:p>
+        </p:txBody>
+      </p:sp>
+      <p:sp>
+        <p:nvSpPr>
+          <p:cNvPr id="59" name="正方形/長方形 58">
+            <a:extLst>
+              <a:ext uri="{FF2B5EF4-FFF2-40B4-BE49-F238E27FC236}">
+                <a16:creationId xmlns:a16="http://schemas.microsoft.com/office/drawing/2014/main" id="{427FD0B9-6EA6-7B4E-88C6-316BB4269CCB}"/>
+              </a:ext>
+            </a:extLst>
+          </p:cNvPr>
+          <p:cNvSpPr/>
+          <p:nvPr/>
+        </p:nvSpPr>
+        <p:spPr>
+          <a:xfrm rot="16200000">
+            <a:off x="5063489" y="2346916"/>
+            <a:ext cx="72000" cy="1296000"/>
+          </a:xfrm>
+          <a:prstGeom prst="rect">
+            <a:avLst/>
+          </a:prstGeom>
+          <a:solidFill>
+            <a:schemeClr val="tx1">
+              <a:lumMod val="85000"/>
+              <a:lumOff val="15000"/>
+            </a:schemeClr>
+          </a:solidFill>
+          <a:ln>
+            <a:noFill/>
+          </a:ln>
+        </p:spPr>
+        <p:style>
+          <a:lnRef idx="2">
+            <a:schemeClr val="accent1">
+              <a:shade val="50000"/>
+            </a:schemeClr>
+          </a:lnRef>
+          <a:fillRef idx="1">
+            <a:schemeClr val="accent1"/>
+          </a:fillRef>
+          <a:effectRef idx="0">
+            <a:schemeClr val="accent1"/>
+          </a:effectRef>
+          <a:fontRef idx="minor">
+            <a:schemeClr val="lt1"/>
+          </a:fontRef>
+        </p:style>
+        <p:txBody>
+          <a:bodyPr rtlCol="0" anchor="ctr"/>
+          <a:lstStyle/>
+          <a:p>
+            <a:pPr algn="ctr"/>
+            <a:endParaRPr kumimoji="1" lang="ja-JP" altLang="en-US"/>
+          </a:p>
+        </p:txBody>
+      </p:sp>
+      <p:sp>
+        <p:nvSpPr>
+          <p:cNvPr id="60" name="正方形/長方形 59">
+            <a:extLst>
+              <a:ext uri="{FF2B5EF4-FFF2-40B4-BE49-F238E27FC236}">
+                <a16:creationId xmlns:a16="http://schemas.microsoft.com/office/drawing/2014/main" id="{A453DFAE-B7D5-A04A-8146-7FF31931B6AE}"/>
+              </a:ext>
+            </a:extLst>
+          </p:cNvPr>
+          <p:cNvSpPr/>
+          <p:nvPr/>
+        </p:nvSpPr>
+        <p:spPr>
+          <a:xfrm rot="10800000">
+            <a:off x="5688052" y="1366006"/>
+            <a:ext cx="72000" cy="1656000"/>
+          </a:xfrm>
+          <a:prstGeom prst="rect">
+            <a:avLst/>
+          </a:prstGeom>
+          <a:solidFill>
+            <a:schemeClr val="tx1">
+              <a:lumMod val="85000"/>
+              <a:lumOff val="15000"/>
+            </a:schemeClr>
+          </a:solidFill>
+          <a:ln>
+            <a:noFill/>
+          </a:ln>
+        </p:spPr>
+        <p:style>
+          <a:lnRef idx="2">
+            <a:schemeClr val="accent1">
+              <a:shade val="50000"/>
+            </a:schemeClr>
+          </a:lnRef>
+          <a:fillRef idx="1">
+            <a:schemeClr val="accent1"/>
+          </a:fillRef>
+          <a:effectRef idx="0">
+            <a:schemeClr val="accent1"/>
+          </a:effectRef>
+          <a:fontRef idx="minor">
+            <a:schemeClr val="lt1"/>
+          </a:fontRef>
+        </p:style>
+        <p:txBody>
+          <a:bodyPr rtlCol="0" anchor="ctr"/>
+          <a:lstStyle/>
+          <a:p>
+            <a:pPr algn="ctr"/>
+            <a:endParaRPr kumimoji="1" lang="ja-JP" altLang="en-US"/>
+          </a:p>
+        </p:txBody>
+      </p:sp>
+      <p:sp>
+        <p:nvSpPr>
+          <p:cNvPr id="61" name="下矢印 60">
+            <a:extLst>
+              <a:ext uri="{FF2B5EF4-FFF2-40B4-BE49-F238E27FC236}">
+                <a16:creationId xmlns:a16="http://schemas.microsoft.com/office/drawing/2014/main" id="{960D7777-D482-DB4F-9516-003A202FB671}"/>
+              </a:ext>
+            </a:extLst>
+          </p:cNvPr>
+          <p:cNvSpPr/>
+          <p:nvPr/>
+        </p:nvSpPr>
+        <p:spPr>
+          <a:xfrm rot="5400000">
+            <a:off x="5489754" y="1173347"/>
+            <a:ext cx="180000" cy="360000"/>
+          </a:xfrm>
+          <a:prstGeom prst="downArrow">
+            <a:avLst/>
+          </a:prstGeom>
+          <a:solidFill>
+            <a:schemeClr val="tx1">
+              <a:lumMod val="85000"/>
+              <a:lumOff val="15000"/>
+            </a:schemeClr>
+          </a:solidFill>
+          <a:ln>
+            <a:noFill/>
+          </a:ln>
+        </p:spPr>
+        <p:style>
+          <a:lnRef idx="2">
+            <a:schemeClr val="accent1">
+              <a:shade val="50000"/>
+            </a:schemeClr>
+          </a:lnRef>
+          <a:fillRef idx="1">
+            <a:schemeClr val="accent1"/>
+          </a:fillRef>
+          <a:effectRef idx="0">
+            <a:schemeClr val="accent1"/>
+          </a:effectRef>
+          <a:fontRef idx="minor">
+            <a:schemeClr val="lt1"/>
+          </a:fontRef>
+        </p:style>
+        <p:txBody>
+          <a:bodyPr rtlCol="0" anchor="ctr"/>
+          <a:lstStyle/>
+          <a:p>
+            <a:pPr algn="ctr"/>
+            <a:endParaRPr kumimoji="1" lang="ja-JP" altLang="en-US"/>
+          </a:p>
+        </p:txBody>
+      </p:sp>
+    </p:spTree>
+    <p:extLst>
+      <p:ext uri="{BB962C8B-B14F-4D97-AF65-F5344CB8AC3E}">
+        <p14:creationId xmlns:p14="http://schemas.microsoft.com/office/powerpoint/2010/main" val="3909710471"/>
+      </p:ext>
+    </p:extLst>
+  </p:cSld>
+  <p:clrMapOvr>
+    <a:masterClrMapping/>
+  </p:clrMapOvr>
+</p:sld>
+</file>
+
+<file path=ppt/slides/slide8.xml><?xml version="1.0" encoding="utf-8"?>
+<p:sld xmlns:a="http://schemas.openxmlformats.org/drawingml/2006/main" xmlns:r="http://schemas.openxmlformats.org/officeDocument/2006/relationships" xmlns:p="http://schemas.openxmlformats.org/presentationml/2006/main">
+  <p:cSld>
+    <p:bg>
+      <p:bgPr>
+        <a:solidFill>
+          <a:schemeClr val="bg1"/>
+        </a:solidFill>
+        <a:effectLst/>
+      </p:bgPr>
+    </p:bg>
+    <p:spTree>
+      <p:nvGrpSpPr>
+        <p:cNvPr id="1" name=""/>
+        <p:cNvGrpSpPr/>
+        <p:nvPr/>
+      </p:nvGrpSpPr>
+      <p:grpSpPr>
+        <a:xfrm>
+          <a:off x="0" y="0"/>
+          <a:ext cx="0" cy="0"/>
+          <a:chOff x="0" y="0"/>
+          <a:chExt cx="0" cy="0"/>
+        </a:xfrm>
+      </p:grpSpPr>
+      <p:grpSp>
+        <p:nvGrpSpPr>
+          <p:cNvPr id="103" name="グループ化 102">
+            <a:extLst>
+              <a:ext uri="{FF2B5EF4-FFF2-40B4-BE49-F238E27FC236}">
+                <a16:creationId xmlns:a16="http://schemas.microsoft.com/office/drawing/2014/main" id="{DDC9F2FA-6737-2142-B3DF-688347C497EC}"/>
+              </a:ext>
+            </a:extLst>
+          </p:cNvPr>
+          <p:cNvGrpSpPr/>
+          <p:nvPr/>
+        </p:nvGrpSpPr>
+        <p:grpSpPr>
+          <a:xfrm>
+            <a:off x="2995906" y="1613435"/>
+            <a:ext cx="2180544" cy="814296"/>
+            <a:chOff x="811487" y="1937759"/>
+            <a:chExt cx="2180544" cy="814296"/>
+          </a:xfrm>
+        </p:grpSpPr>
+        <p:sp>
+          <p:nvSpPr>
+            <p:cNvPr id="104" name="正方形/長方形 103">
+              <a:extLst>
+                <a:ext uri="{FF2B5EF4-FFF2-40B4-BE49-F238E27FC236}">
+                  <a16:creationId xmlns:a16="http://schemas.microsoft.com/office/drawing/2014/main" id="{AC37468F-1FB1-1140-B8CC-2D822C8D0B6C}"/>
+                </a:ext>
+              </a:extLst>
+            </p:cNvPr>
+            <p:cNvSpPr/>
+            <p:nvPr/>
+          </p:nvSpPr>
+          <p:spPr>
+            <a:xfrm>
+              <a:off x="811487" y="1937759"/>
+              <a:ext cx="2180544" cy="814296"/>
+            </a:xfrm>
+            <a:prstGeom prst="rect">
+              <a:avLst/>
+            </a:prstGeom>
+            <a:solidFill>
+              <a:schemeClr val="accent2">
+                <a:lumMod val="40000"/>
+                <a:lumOff val="60000"/>
+              </a:schemeClr>
+            </a:solidFill>
+            <a:ln>
+              <a:noFill/>
+            </a:ln>
+          </p:spPr>
+          <p:style>
+            <a:lnRef idx="2">
+              <a:schemeClr val="accent1">
+                <a:shade val="50000"/>
+              </a:schemeClr>
+            </a:lnRef>
+            <a:fillRef idx="1">
+              <a:schemeClr val="accent1"/>
+            </a:fillRef>
+            <a:effectRef idx="0">
+              <a:schemeClr val="accent1"/>
+            </a:effectRef>
+            <a:fontRef idx="minor">
+              <a:schemeClr val="lt1"/>
+            </a:fontRef>
+          </p:style>
+          <p:txBody>
+            <a:bodyPr rtlCol="0" anchor="ctr"/>
+            <a:lstStyle/>
+            <a:p>
+              <a:pPr algn="ctr"/>
+              <a:endParaRPr kumimoji="1" lang="ja-JP" altLang="en-US" sz="2000"/>
+            </a:p>
+          </p:txBody>
+        </p:sp>
+        <p:sp>
+          <p:nvSpPr>
+            <p:cNvPr id="105" name="テキスト ボックス 104">
+              <a:extLst>
+                <a:ext uri="{FF2B5EF4-FFF2-40B4-BE49-F238E27FC236}">
+                  <a16:creationId xmlns:a16="http://schemas.microsoft.com/office/drawing/2014/main" id="{6699AC69-298C-CE4A-8D90-B8DF3781D514}"/>
+                </a:ext>
+              </a:extLst>
+            </p:cNvPr>
+            <p:cNvSpPr txBox="1"/>
+            <p:nvPr/>
+          </p:nvSpPr>
+          <p:spPr>
+            <a:xfrm>
+              <a:off x="833999" y="1990964"/>
+              <a:ext cx="2135521" cy="707886"/>
+            </a:xfrm>
+            <a:prstGeom prst="rect">
+              <a:avLst/>
+            </a:prstGeom>
+            <a:noFill/>
+          </p:spPr>
+          <p:txBody>
+            <a:bodyPr wrap="none" rtlCol="0">
+              <a:spAutoFit/>
+            </a:bodyPr>
+            <a:lstStyle/>
+            <a:p>
+              <a:r>
+                <a:rPr lang="en-US" altLang="ja-JP" sz="2000" dirty="0">
+                  <a:latin typeface="Hiragino Kaku Gothic Pro W3" panose="020B0300000000000000" pitchFamily="34" charset="-128"/>
+                  <a:ea typeface="Hiragino Kaku Gothic Pro W3" panose="020B0300000000000000" pitchFamily="34" charset="-128"/>
+                </a:rPr>
+                <a:t>Canvas</a:t>
+              </a:r>
+              <a:r>
+                <a:rPr lang="ja-JP" altLang="en-US" sz="2000">
+                  <a:latin typeface="Hiragino Kaku Gothic Pro W3" panose="020B0300000000000000" pitchFamily="34" charset="-128"/>
+                  <a:ea typeface="Hiragino Kaku Gothic Pro W3" panose="020B0300000000000000" pitchFamily="34" charset="-128"/>
+                </a:rPr>
+                <a:t>要素取得</a:t>
+              </a:r>
+              <a:endParaRPr lang="en-US" altLang="ja-JP" sz="2000" dirty="0">
+                <a:latin typeface="Hiragino Kaku Gothic Pro W3" panose="020B0300000000000000" pitchFamily="34" charset="-128"/>
+                <a:ea typeface="Hiragino Kaku Gothic Pro W3" panose="020B0300000000000000" pitchFamily="34" charset="-128"/>
+              </a:endParaRPr>
+            </a:p>
+            <a:p>
+              <a:r>
+                <a:rPr lang="en-US" altLang="ja-JP" sz="2000" dirty="0">
+                  <a:latin typeface="Hiragino Kaku Gothic Pro W3" panose="020B0300000000000000" pitchFamily="34" charset="-128"/>
+                  <a:ea typeface="Hiragino Kaku Gothic Pro W3" panose="020B0300000000000000" pitchFamily="34" charset="-128"/>
+                </a:rPr>
+                <a:t>worker</a:t>
+              </a:r>
+              <a:r>
+                <a:rPr lang="ja-JP" altLang="en-US" sz="2000">
+                  <a:latin typeface="Hiragino Kaku Gothic Pro W3" panose="020B0300000000000000" pitchFamily="34" charset="-128"/>
+                  <a:ea typeface="Hiragino Kaku Gothic Pro W3" panose="020B0300000000000000" pitchFamily="34" charset="-128"/>
+                </a:rPr>
+                <a:t>作成</a:t>
+              </a:r>
+              <a:endParaRPr lang="en-US" altLang="ja-JP" sz="2000" dirty="0">
+                <a:latin typeface="Hiragino Kaku Gothic Pro W3" panose="020B0300000000000000" pitchFamily="34" charset="-128"/>
+                <a:ea typeface="Hiragino Kaku Gothic Pro W3" panose="020B0300000000000000" pitchFamily="34" charset="-128"/>
+              </a:endParaRPr>
+            </a:p>
+          </p:txBody>
+        </p:sp>
+      </p:grpSp>
+      <p:grpSp>
+        <p:nvGrpSpPr>
+          <p:cNvPr id="106" name="グループ化 105">
+            <a:extLst>
+              <a:ext uri="{FF2B5EF4-FFF2-40B4-BE49-F238E27FC236}">
+                <a16:creationId xmlns:a16="http://schemas.microsoft.com/office/drawing/2014/main" id="{F05DC684-6048-F741-84CC-F10FD6288254}"/>
+              </a:ext>
+            </a:extLst>
+          </p:cNvPr>
+          <p:cNvGrpSpPr/>
+          <p:nvPr/>
+        </p:nvGrpSpPr>
+        <p:grpSpPr>
+          <a:xfrm>
+            <a:off x="2995906" y="2802562"/>
+            <a:ext cx="2180544" cy="406137"/>
+            <a:chOff x="820269" y="4251822"/>
+            <a:chExt cx="2180544" cy="406137"/>
+          </a:xfrm>
+        </p:grpSpPr>
+        <p:sp>
+          <p:nvSpPr>
+            <p:cNvPr id="107" name="正方形/長方形 106">
+              <a:extLst>
+                <a:ext uri="{FF2B5EF4-FFF2-40B4-BE49-F238E27FC236}">
+                  <a16:creationId xmlns:a16="http://schemas.microsoft.com/office/drawing/2014/main" id="{59972133-777E-4945-AD57-2C0AD143E4C5}"/>
+                </a:ext>
+              </a:extLst>
+            </p:cNvPr>
+            <p:cNvSpPr/>
+            <p:nvPr/>
+          </p:nvSpPr>
+          <p:spPr>
+            <a:xfrm>
+              <a:off x="820269" y="4251822"/>
+              <a:ext cx="2180544" cy="381131"/>
+            </a:xfrm>
+            <a:prstGeom prst="rect">
+              <a:avLst/>
+            </a:prstGeom>
+            <a:solidFill>
+              <a:schemeClr val="accent2">
+                <a:lumMod val="40000"/>
+                <a:lumOff val="60000"/>
+              </a:schemeClr>
+            </a:solidFill>
+            <a:ln>
+              <a:noFill/>
+            </a:ln>
+          </p:spPr>
+          <p:style>
+            <a:lnRef idx="2">
+              <a:schemeClr val="accent1">
+                <a:shade val="50000"/>
+              </a:schemeClr>
+            </a:lnRef>
+            <a:fillRef idx="1">
+              <a:schemeClr val="accent1"/>
+            </a:fillRef>
+            <a:effectRef idx="0">
+              <a:schemeClr val="accent1"/>
+            </a:effectRef>
+            <a:fontRef idx="minor">
+              <a:schemeClr val="lt1"/>
+            </a:fontRef>
+          </p:style>
+          <p:txBody>
+            <a:bodyPr rtlCol="0" anchor="ctr"/>
+            <a:lstStyle/>
+            <a:p>
+              <a:pPr algn="ctr"/>
+              <a:endParaRPr kumimoji="1" lang="ja-JP" altLang="en-US" sz="2000"/>
+            </a:p>
+          </p:txBody>
+        </p:sp>
+        <p:sp>
+          <p:nvSpPr>
+            <p:cNvPr id="108" name="テキスト ボックス 107">
+              <a:extLst>
+                <a:ext uri="{FF2B5EF4-FFF2-40B4-BE49-F238E27FC236}">
+                  <a16:creationId xmlns:a16="http://schemas.microsoft.com/office/drawing/2014/main" id="{ACFBB38C-FD8B-BB49-A00A-5CF78E514BEB}"/>
+                </a:ext>
+              </a:extLst>
+            </p:cNvPr>
+            <p:cNvSpPr txBox="1"/>
+            <p:nvPr/>
+          </p:nvSpPr>
+          <p:spPr>
+            <a:xfrm>
+              <a:off x="1048767" y="4257849"/>
+              <a:ext cx="1723549" cy="400110"/>
+            </a:xfrm>
+            <a:prstGeom prst="rect">
+              <a:avLst/>
+            </a:prstGeom>
+            <a:noFill/>
+          </p:spPr>
+          <p:txBody>
+            <a:bodyPr wrap="none" rtlCol="0">
+              <a:spAutoFit/>
+            </a:bodyPr>
+            <a:lstStyle/>
+            <a:p>
+              <a:r>
+                <a:rPr lang="ja-JP" altLang="en-US" sz="2000">
+                  <a:latin typeface="Hiragino Kaku Gothic Pro W3" panose="020B0300000000000000" pitchFamily="34" charset="-128"/>
+                  <a:ea typeface="Hiragino Kaku Gothic Pro W3" panose="020B0300000000000000" pitchFamily="34" charset="-128"/>
+                </a:rPr>
+                <a:t>同期信号送信</a:t>
+              </a:r>
+              <a:endParaRPr lang="en-US" altLang="ja-JP" sz="2000" dirty="0">
+                <a:latin typeface="Hiragino Kaku Gothic Pro W3" panose="020B0300000000000000" pitchFamily="34" charset="-128"/>
+                <a:ea typeface="Hiragino Kaku Gothic Pro W3" panose="020B0300000000000000" pitchFamily="34" charset="-128"/>
+              </a:endParaRPr>
+            </a:p>
+          </p:txBody>
+        </p:sp>
+      </p:grpSp>
+      <p:grpSp>
+        <p:nvGrpSpPr>
+          <p:cNvPr id="111" name="グループ化 110">
+            <a:extLst>
+              <a:ext uri="{FF2B5EF4-FFF2-40B4-BE49-F238E27FC236}">
+                <a16:creationId xmlns:a16="http://schemas.microsoft.com/office/drawing/2014/main" id="{5B204E84-3DA6-3E49-BED2-833BE785AEE9}"/>
+              </a:ext>
+            </a:extLst>
+          </p:cNvPr>
+          <p:cNvGrpSpPr/>
+          <p:nvPr/>
+        </p:nvGrpSpPr>
+        <p:grpSpPr>
+          <a:xfrm>
+            <a:off x="6019940" y="857845"/>
+            <a:ext cx="2180544" cy="459357"/>
+            <a:chOff x="818925" y="2085605"/>
+            <a:chExt cx="2180544" cy="459357"/>
+          </a:xfrm>
+        </p:grpSpPr>
+        <p:sp>
+          <p:nvSpPr>
+            <p:cNvPr id="112" name="正方形/長方形 111">
+              <a:extLst>
+                <a:ext uri="{FF2B5EF4-FFF2-40B4-BE49-F238E27FC236}">
+                  <a16:creationId xmlns:a16="http://schemas.microsoft.com/office/drawing/2014/main" id="{FB5ACDC0-A639-6E45-BD28-9C35252F37F5}"/>
+                </a:ext>
+              </a:extLst>
+            </p:cNvPr>
+            <p:cNvSpPr/>
+            <p:nvPr/>
+          </p:nvSpPr>
+          <p:spPr>
+            <a:xfrm>
+              <a:off x="818925" y="2085605"/>
+              <a:ext cx="2180544" cy="459357"/>
+            </a:xfrm>
+            <a:prstGeom prst="rect">
+              <a:avLst/>
+            </a:prstGeom>
+            <a:solidFill>
+              <a:schemeClr val="accent2">
+                <a:lumMod val="40000"/>
+                <a:lumOff val="60000"/>
+              </a:schemeClr>
+            </a:solidFill>
+            <a:ln>
+              <a:noFill/>
+            </a:ln>
+          </p:spPr>
+          <p:style>
+            <a:lnRef idx="2">
+              <a:schemeClr val="accent1">
+                <a:shade val="50000"/>
+              </a:schemeClr>
+            </a:lnRef>
+            <a:fillRef idx="1">
+              <a:schemeClr val="accent1"/>
+            </a:fillRef>
+            <a:effectRef idx="0">
+              <a:schemeClr val="accent1"/>
+            </a:effectRef>
+            <a:fontRef idx="minor">
+              <a:schemeClr val="lt1"/>
+            </a:fontRef>
+          </p:style>
+          <p:txBody>
+            <a:bodyPr rtlCol="0" anchor="ctr"/>
+            <a:lstStyle/>
+            <a:p>
+              <a:pPr algn="ctr"/>
+              <a:endParaRPr kumimoji="1" lang="ja-JP" altLang="en-US" sz="2000"/>
+            </a:p>
+          </p:txBody>
+        </p:sp>
+        <p:sp>
+          <p:nvSpPr>
+            <p:cNvPr id="113" name="テキスト ボックス 112">
+              <a:extLst>
+                <a:ext uri="{FF2B5EF4-FFF2-40B4-BE49-F238E27FC236}">
+                  <a16:creationId xmlns:a16="http://schemas.microsoft.com/office/drawing/2014/main" id="{5C982D5A-14D0-954A-90A6-5E0D4626A362}"/>
+                </a:ext>
+              </a:extLst>
+            </p:cNvPr>
+            <p:cNvSpPr txBox="1"/>
+            <p:nvPr/>
+          </p:nvSpPr>
+          <p:spPr>
+            <a:xfrm>
+              <a:off x="1047423" y="2144852"/>
+              <a:ext cx="1723549" cy="400110"/>
+            </a:xfrm>
+            <a:prstGeom prst="rect">
+              <a:avLst/>
+            </a:prstGeom>
+            <a:noFill/>
+          </p:spPr>
+          <p:txBody>
+            <a:bodyPr wrap="none" rtlCol="0">
+              <a:spAutoFit/>
+            </a:bodyPr>
+            <a:lstStyle/>
+            <a:p>
+              <a:r>
+                <a:rPr lang="ja-JP" altLang="en-US" sz="2000">
+                  <a:latin typeface="Hiragino Kaku Gothic Pro W3" panose="020B0300000000000000" pitchFamily="34" charset="-128"/>
+                  <a:ea typeface="Hiragino Kaku Gothic Pro W3" panose="020B0300000000000000" pitchFamily="34" charset="-128"/>
+                </a:rPr>
+                <a:t>同期信号受信</a:t>
+              </a:r>
+              <a:endParaRPr lang="en-US" altLang="ja-JP" sz="2000" dirty="0">
+                <a:latin typeface="Hiragino Kaku Gothic Pro W3" panose="020B0300000000000000" pitchFamily="34" charset="-128"/>
+                <a:ea typeface="Hiragino Kaku Gothic Pro W3" panose="020B0300000000000000" pitchFamily="34" charset="-128"/>
+              </a:endParaRPr>
+            </a:p>
+          </p:txBody>
+        </p:sp>
+      </p:grpSp>
+      <p:grpSp>
+        <p:nvGrpSpPr>
+          <p:cNvPr id="114" name="グループ化 113">
+            <a:extLst>
+              <a:ext uri="{FF2B5EF4-FFF2-40B4-BE49-F238E27FC236}">
+                <a16:creationId xmlns:a16="http://schemas.microsoft.com/office/drawing/2014/main" id="{DE5C5A0B-F702-944B-B088-8DEB4962601E}"/>
+              </a:ext>
+            </a:extLst>
+          </p:cNvPr>
+          <p:cNvGrpSpPr/>
+          <p:nvPr/>
+        </p:nvGrpSpPr>
+        <p:grpSpPr>
+          <a:xfrm>
+            <a:off x="6019940" y="1685135"/>
+            <a:ext cx="2180544" cy="415031"/>
+            <a:chOff x="820269" y="3201026"/>
+            <a:chExt cx="2180544" cy="415031"/>
+          </a:xfrm>
+        </p:grpSpPr>
+        <p:sp>
+          <p:nvSpPr>
+            <p:cNvPr id="115" name="正方形/長方形 114">
+              <a:extLst>
+                <a:ext uri="{FF2B5EF4-FFF2-40B4-BE49-F238E27FC236}">
+                  <a16:creationId xmlns:a16="http://schemas.microsoft.com/office/drawing/2014/main" id="{ED0C3407-8A28-114A-A942-457316D05404}"/>
+                </a:ext>
+              </a:extLst>
+            </p:cNvPr>
+            <p:cNvSpPr/>
+            <p:nvPr/>
+          </p:nvSpPr>
+          <p:spPr>
+            <a:xfrm>
+              <a:off x="820269" y="3201026"/>
+              <a:ext cx="2180544" cy="415031"/>
+            </a:xfrm>
+            <a:prstGeom prst="rect">
+              <a:avLst/>
+            </a:prstGeom>
+            <a:solidFill>
+              <a:schemeClr val="accent6">
+                <a:lumMod val="40000"/>
+                <a:lumOff val="60000"/>
+              </a:schemeClr>
+            </a:solidFill>
+            <a:ln>
+              <a:noFill/>
+            </a:ln>
+          </p:spPr>
+          <p:style>
+            <a:lnRef idx="2">
+              <a:schemeClr val="accent1">
+                <a:shade val="50000"/>
+              </a:schemeClr>
+            </a:lnRef>
+            <a:fillRef idx="1">
+              <a:schemeClr val="accent1"/>
+            </a:fillRef>
+            <a:effectRef idx="0">
+              <a:schemeClr val="accent1"/>
+            </a:effectRef>
+            <a:fontRef idx="minor">
+              <a:schemeClr val="lt1"/>
+            </a:fontRef>
+          </p:style>
+          <p:txBody>
+            <a:bodyPr rtlCol="0" anchor="ctr"/>
+            <a:lstStyle/>
+            <a:p>
+              <a:pPr algn="ctr"/>
+              <a:endParaRPr kumimoji="1" lang="ja-JP" altLang="en-US" sz="2000"/>
+            </a:p>
+          </p:txBody>
+        </p:sp>
+        <p:sp>
+          <p:nvSpPr>
+            <p:cNvPr id="116" name="テキスト ボックス 115">
+              <a:extLst>
+                <a:ext uri="{FF2B5EF4-FFF2-40B4-BE49-F238E27FC236}">
+                  <a16:creationId xmlns:a16="http://schemas.microsoft.com/office/drawing/2014/main" id="{9A68A31C-4B77-9244-9530-BDF0479D72DC}"/>
+                </a:ext>
+              </a:extLst>
+            </p:cNvPr>
+            <p:cNvSpPr txBox="1"/>
+            <p:nvPr/>
+          </p:nvSpPr>
+          <p:spPr>
+            <a:xfrm>
+              <a:off x="1561727" y="3215947"/>
+              <a:ext cx="697627" cy="400110"/>
+            </a:xfrm>
+            <a:prstGeom prst="rect">
+              <a:avLst/>
+            </a:prstGeom>
+            <a:noFill/>
+          </p:spPr>
+          <p:txBody>
+            <a:bodyPr wrap="none" rtlCol="0">
+              <a:spAutoFit/>
+            </a:bodyPr>
+            <a:lstStyle/>
+            <a:p>
+              <a:r>
+                <a:rPr kumimoji="1" lang="ja-JP" altLang="en-US" sz="2000">
+                  <a:latin typeface="Hiragino Kaku Gothic Pro W3" panose="020B0300000000000000" pitchFamily="34" charset="-128"/>
+                  <a:ea typeface="Hiragino Kaku Gothic Pro W3" panose="020B0300000000000000" pitchFamily="34" charset="-128"/>
+                </a:rPr>
+                <a:t>演算</a:t>
+              </a:r>
+            </a:p>
+          </p:txBody>
+        </p:sp>
+      </p:grpSp>
+      <p:grpSp>
+        <p:nvGrpSpPr>
+          <p:cNvPr id="117" name="グループ化 116">
+            <a:extLst>
+              <a:ext uri="{FF2B5EF4-FFF2-40B4-BE49-F238E27FC236}">
+                <a16:creationId xmlns:a16="http://schemas.microsoft.com/office/drawing/2014/main" id="{791C54CE-555B-234D-BF8E-8AA81A531CD3}"/>
+              </a:ext>
+            </a:extLst>
+          </p:cNvPr>
+          <p:cNvGrpSpPr/>
+          <p:nvPr/>
+        </p:nvGrpSpPr>
+        <p:grpSpPr>
+          <a:xfrm>
+            <a:off x="2995906" y="4358472"/>
+            <a:ext cx="2180544" cy="400111"/>
+            <a:chOff x="820269" y="4254156"/>
+            <a:chExt cx="2180544" cy="400111"/>
+          </a:xfrm>
+        </p:grpSpPr>
+        <p:sp>
+          <p:nvSpPr>
+            <p:cNvPr id="118" name="正方形/長方形 117">
+              <a:extLst>
+                <a:ext uri="{FF2B5EF4-FFF2-40B4-BE49-F238E27FC236}">
+                  <a16:creationId xmlns:a16="http://schemas.microsoft.com/office/drawing/2014/main" id="{4F0719E1-24EA-944E-A198-76E6CBF72A2E}"/>
+                </a:ext>
+              </a:extLst>
+            </p:cNvPr>
+            <p:cNvSpPr/>
+            <p:nvPr/>
+          </p:nvSpPr>
+          <p:spPr>
+            <a:xfrm>
+              <a:off x="820269" y="4254156"/>
+              <a:ext cx="2180544" cy="400111"/>
+            </a:xfrm>
+            <a:prstGeom prst="rect">
+              <a:avLst/>
+            </a:prstGeom>
+            <a:solidFill>
+              <a:schemeClr val="accent6">
+                <a:lumMod val="40000"/>
+                <a:lumOff val="60000"/>
+              </a:schemeClr>
+            </a:solidFill>
+            <a:ln>
+              <a:noFill/>
+            </a:ln>
+          </p:spPr>
+          <p:style>
+            <a:lnRef idx="2">
+              <a:schemeClr val="accent1">
+                <a:shade val="50000"/>
+              </a:schemeClr>
+            </a:lnRef>
+            <a:fillRef idx="1">
+              <a:schemeClr val="accent1"/>
+            </a:fillRef>
+            <a:effectRef idx="0">
+              <a:schemeClr val="accent1"/>
+            </a:effectRef>
+            <a:fontRef idx="minor">
+              <a:schemeClr val="lt1"/>
+            </a:fontRef>
+          </p:style>
+          <p:txBody>
+            <a:bodyPr rtlCol="0" anchor="ctr"/>
+            <a:lstStyle/>
+            <a:p>
+              <a:pPr algn="ctr"/>
+              <a:endParaRPr kumimoji="1" lang="ja-JP" altLang="en-US" sz="2000"/>
+            </a:p>
+          </p:txBody>
+        </p:sp>
+        <p:sp>
+          <p:nvSpPr>
+            <p:cNvPr id="119" name="テキスト ボックス 118">
+              <a:extLst>
+                <a:ext uri="{FF2B5EF4-FFF2-40B4-BE49-F238E27FC236}">
+                  <a16:creationId xmlns:a16="http://schemas.microsoft.com/office/drawing/2014/main" id="{0CD1A0C7-A38C-3345-9790-EA31AE3C8BC9}"/>
+                </a:ext>
+              </a:extLst>
+            </p:cNvPr>
+            <p:cNvSpPr txBox="1"/>
+            <p:nvPr/>
+          </p:nvSpPr>
+          <p:spPr>
+            <a:xfrm>
+              <a:off x="1536527" y="4254157"/>
+              <a:ext cx="697627" cy="400110"/>
+            </a:xfrm>
+            <a:prstGeom prst="rect">
+              <a:avLst/>
+            </a:prstGeom>
+            <a:noFill/>
+          </p:spPr>
+          <p:txBody>
+            <a:bodyPr wrap="none" rtlCol="0">
+              <a:spAutoFit/>
+            </a:bodyPr>
+            <a:lstStyle/>
+            <a:p>
+              <a:r>
+                <a:rPr lang="ja-JP" altLang="en-US" sz="2000">
+                  <a:latin typeface="Hiragino Kaku Gothic Pro W3" panose="020B0300000000000000" pitchFamily="34" charset="-128"/>
+                  <a:ea typeface="Hiragino Kaku Gothic Pro W3" panose="020B0300000000000000" pitchFamily="34" charset="-128"/>
+                </a:rPr>
+                <a:t>描画</a:t>
+              </a:r>
+              <a:endParaRPr lang="en-US" altLang="ja-JP" sz="2000" dirty="0">
+                <a:latin typeface="Hiragino Kaku Gothic Pro W3" panose="020B0300000000000000" pitchFamily="34" charset="-128"/>
+                <a:ea typeface="Hiragino Kaku Gothic Pro W3" panose="020B0300000000000000" pitchFamily="34" charset="-128"/>
+              </a:endParaRPr>
+            </a:p>
+          </p:txBody>
+        </p:sp>
+      </p:grpSp>
+      <p:grpSp>
+        <p:nvGrpSpPr>
+          <p:cNvPr id="13" name="グループ化 12">
+            <a:extLst>
+              <a:ext uri="{FF2B5EF4-FFF2-40B4-BE49-F238E27FC236}">
+                <a16:creationId xmlns:a16="http://schemas.microsoft.com/office/drawing/2014/main" id="{70274456-B874-E241-92D8-C1EE18064AE9}"/>
+              </a:ext>
+            </a:extLst>
+          </p:cNvPr>
+          <p:cNvGrpSpPr/>
+          <p:nvPr/>
+        </p:nvGrpSpPr>
+        <p:grpSpPr>
+          <a:xfrm>
+            <a:off x="6019940" y="2468098"/>
+            <a:ext cx="2180544" cy="459357"/>
+            <a:chOff x="3597796" y="3956230"/>
+            <a:chExt cx="2180544" cy="459357"/>
+          </a:xfrm>
+        </p:grpSpPr>
+        <p:sp>
+          <p:nvSpPr>
+            <p:cNvPr id="124" name="正方形/長方形 123">
+              <a:extLst>
+                <a:ext uri="{FF2B5EF4-FFF2-40B4-BE49-F238E27FC236}">
+                  <a16:creationId xmlns:a16="http://schemas.microsoft.com/office/drawing/2014/main" id="{50462E85-E700-8B4B-8819-29407BDB5951}"/>
+                </a:ext>
+              </a:extLst>
+            </p:cNvPr>
+            <p:cNvSpPr/>
+            <p:nvPr/>
+          </p:nvSpPr>
+          <p:spPr>
+            <a:xfrm>
+              <a:off x="3597796" y="3956230"/>
+              <a:ext cx="2180544" cy="459357"/>
+            </a:xfrm>
+            <a:prstGeom prst="rect">
+              <a:avLst/>
+            </a:prstGeom>
+            <a:solidFill>
+              <a:schemeClr val="accent2">
+                <a:lumMod val="40000"/>
+                <a:lumOff val="60000"/>
+              </a:schemeClr>
+            </a:solidFill>
+            <a:ln>
+              <a:noFill/>
+            </a:ln>
+          </p:spPr>
+          <p:style>
+            <a:lnRef idx="2">
+              <a:schemeClr val="accent1">
+                <a:shade val="50000"/>
+              </a:schemeClr>
+            </a:lnRef>
+            <a:fillRef idx="1">
+              <a:schemeClr val="accent1"/>
+            </a:fillRef>
+            <a:effectRef idx="0">
+              <a:schemeClr val="accent1"/>
+            </a:effectRef>
+            <a:fontRef idx="minor">
+              <a:schemeClr val="lt1"/>
+            </a:fontRef>
+          </p:style>
+          <p:txBody>
+            <a:bodyPr rtlCol="0" anchor="ctr"/>
+            <a:lstStyle/>
+            <a:p>
+              <a:pPr algn="ctr"/>
+              <a:endParaRPr kumimoji="1" lang="ja-JP" altLang="en-US" sz="2000"/>
+            </a:p>
+          </p:txBody>
+        </p:sp>
+        <p:sp>
+          <p:nvSpPr>
+            <p:cNvPr id="125" name="テキスト ボックス 124">
+              <a:extLst>
+                <a:ext uri="{FF2B5EF4-FFF2-40B4-BE49-F238E27FC236}">
+                  <a16:creationId xmlns:a16="http://schemas.microsoft.com/office/drawing/2014/main" id="{5A3B0281-327A-3344-92E3-23DAC1498BE1}"/>
+                </a:ext>
+              </a:extLst>
+            </p:cNvPr>
+            <p:cNvSpPr txBox="1"/>
+            <p:nvPr/>
+          </p:nvSpPr>
+          <p:spPr>
+            <a:xfrm>
+              <a:off x="4082774" y="3981297"/>
+              <a:ext cx="1210588" cy="400110"/>
+            </a:xfrm>
+            <a:prstGeom prst="rect">
+              <a:avLst/>
+            </a:prstGeom>
+            <a:noFill/>
+          </p:spPr>
+          <p:txBody>
+            <a:bodyPr wrap="none" rtlCol="0">
+              <a:spAutoFit/>
+            </a:bodyPr>
+            <a:lstStyle/>
+            <a:p>
+              <a:r>
+                <a:rPr lang="ja-JP" altLang="en-US" sz="2000">
+                  <a:latin typeface="Hiragino Kaku Gothic Pro W3" panose="020B0300000000000000" pitchFamily="34" charset="-128"/>
+                  <a:ea typeface="Hiragino Kaku Gothic Pro W3" panose="020B0300000000000000" pitchFamily="34" charset="-128"/>
+                </a:rPr>
+                <a:t>結果送信</a:t>
+              </a:r>
+              <a:endParaRPr lang="en-US" altLang="ja-JP" sz="2000" dirty="0">
+                <a:latin typeface="Hiragino Kaku Gothic Pro W3" panose="020B0300000000000000" pitchFamily="34" charset="-128"/>
+                <a:ea typeface="Hiragino Kaku Gothic Pro W3" panose="020B0300000000000000" pitchFamily="34" charset="-128"/>
+              </a:endParaRPr>
+            </a:p>
+          </p:txBody>
+        </p:sp>
+      </p:grpSp>
+      <p:grpSp>
+        <p:nvGrpSpPr>
+          <p:cNvPr id="126" name="グループ化 125">
+            <a:extLst>
+              <a:ext uri="{FF2B5EF4-FFF2-40B4-BE49-F238E27FC236}">
+                <a16:creationId xmlns:a16="http://schemas.microsoft.com/office/drawing/2014/main" id="{F644E7AB-A25A-6C4C-AF9B-98BE5A546A77}"/>
+              </a:ext>
+            </a:extLst>
+          </p:cNvPr>
+          <p:cNvGrpSpPr/>
+          <p:nvPr/>
+        </p:nvGrpSpPr>
+        <p:grpSpPr>
+          <a:xfrm>
+            <a:off x="2995906" y="3583530"/>
+            <a:ext cx="2180544" cy="400111"/>
+            <a:chOff x="820269" y="4257848"/>
+            <a:chExt cx="2180544" cy="400111"/>
+          </a:xfrm>
+        </p:grpSpPr>
+        <p:sp>
+          <p:nvSpPr>
+            <p:cNvPr id="127" name="正方形/長方形 126">
+              <a:extLst>
+                <a:ext uri="{FF2B5EF4-FFF2-40B4-BE49-F238E27FC236}">
+                  <a16:creationId xmlns:a16="http://schemas.microsoft.com/office/drawing/2014/main" id="{839002A4-6D7A-6E43-8295-6DEF7757DAEF}"/>
+                </a:ext>
+              </a:extLst>
+            </p:cNvPr>
+            <p:cNvSpPr/>
+            <p:nvPr/>
+          </p:nvSpPr>
+          <p:spPr>
+            <a:xfrm>
+              <a:off x="820269" y="4257848"/>
+              <a:ext cx="2180544" cy="392231"/>
+            </a:xfrm>
+            <a:prstGeom prst="rect">
+              <a:avLst/>
+            </a:prstGeom>
+            <a:solidFill>
+              <a:schemeClr val="accent2">
+                <a:lumMod val="40000"/>
+                <a:lumOff val="60000"/>
+              </a:schemeClr>
+            </a:solidFill>
+            <a:ln>
+              <a:noFill/>
+            </a:ln>
+          </p:spPr>
+          <p:style>
+            <a:lnRef idx="2">
+              <a:schemeClr val="accent1">
+                <a:shade val="50000"/>
+              </a:schemeClr>
+            </a:lnRef>
+            <a:fillRef idx="1">
+              <a:schemeClr val="accent1"/>
+            </a:fillRef>
+            <a:effectRef idx="0">
+              <a:schemeClr val="accent1"/>
+            </a:effectRef>
+            <a:fontRef idx="minor">
+              <a:schemeClr val="lt1"/>
+            </a:fontRef>
+          </p:style>
+          <p:txBody>
+            <a:bodyPr rtlCol="0" anchor="ctr"/>
+            <a:lstStyle/>
+            <a:p>
+              <a:pPr algn="ctr"/>
+              <a:endParaRPr kumimoji="1" lang="ja-JP" altLang="en-US" sz="2000"/>
+            </a:p>
+          </p:txBody>
+        </p:sp>
+        <p:sp>
+          <p:nvSpPr>
+            <p:cNvPr id="128" name="テキスト ボックス 127">
+              <a:extLst>
+                <a:ext uri="{FF2B5EF4-FFF2-40B4-BE49-F238E27FC236}">
+                  <a16:creationId xmlns:a16="http://schemas.microsoft.com/office/drawing/2014/main" id="{641C97D3-A989-404F-9302-C740C92DF87B}"/>
+                </a:ext>
+              </a:extLst>
+            </p:cNvPr>
+            <p:cNvSpPr txBox="1"/>
+            <p:nvPr/>
+          </p:nvSpPr>
+          <p:spPr>
+            <a:xfrm>
+              <a:off x="1305247" y="4257849"/>
+              <a:ext cx="1210588" cy="400110"/>
+            </a:xfrm>
+            <a:prstGeom prst="rect">
+              <a:avLst/>
+            </a:prstGeom>
+            <a:noFill/>
+          </p:spPr>
+          <p:txBody>
+            <a:bodyPr wrap="none" rtlCol="0">
+              <a:spAutoFit/>
+            </a:bodyPr>
+            <a:lstStyle/>
+            <a:p>
+              <a:r>
+                <a:rPr lang="ja-JP" altLang="en-US" sz="2000">
+                  <a:latin typeface="Hiragino Kaku Gothic Pro W3" panose="020B0300000000000000" pitchFamily="34" charset="-128"/>
+                  <a:ea typeface="Hiragino Kaku Gothic Pro W3" panose="020B0300000000000000" pitchFamily="34" charset="-128"/>
+                </a:rPr>
+                <a:t>結果受信</a:t>
+              </a:r>
+              <a:endParaRPr lang="en-US" altLang="ja-JP" sz="2000" dirty="0">
+                <a:latin typeface="Hiragino Kaku Gothic Pro W3" panose="020B0300000000000000" pitchFamily="34" charset="-128"/>
+                <a:ea typeface="Hiragino Kaku Gothic Pro W3" panose="020B0300000000000000" pitchFamily="34" charset="-128"/>
+              </a:endParaRPr>
+            </a:p>
+          </p:txBody>
+        </p:sp>
+      </p:grpSp>
+      <p:grpSp>
+        <p:nvGrpSpPr>
+          <p:cNvPr id="44" name="グループ化 43">
+            <a:extLst>
+              <a:ext uri="{FF2B5EF4-FFF2-40B4-BE49-F238E27FC236}">
+                <a16:creationId xmlns:a16="http://schemas.microsoft.com/office/drawing/2014/main" id="{DF14B237-13D1-754D-9724-7271E98EB76F}"/>
+              </a:ext>
+            </a:extLst>
+          </p:cNvPr>
+          <p:cNvGrpSpPr/>
+          <p:nvPr/>
+        </p:nvGrpSpPr>
+        <p:grpSpPr>
+          <a:xfrm>
+            <a:off x="2958728" y="790850"/>
+            <a:ext cx="2254900" cy="447754"/>
+            <a:chOff x="783091" y="1072798"/>
+            <a:chExt cx="2254900" cy="447754"/>
+          </a:xfrm>
+        </p:grpSpPr>
+        <p:sp>
+          <p:nvSpPr>
+            <p:cNvPr id="54" name="角丸四角形 53">
+              <a:extLst>
+                <a:ext uri="{FF2B5EF4-FFF2-40B4-BE49-F238E27FC236}">
+                  <a16:creationId xmlns:a16="http://schemas.microsoft.com/office/drawing/2014/main" id="{1C2B4F2E-7213-5A41-9368-BCEAAA41DCDA}"/>
+                </a:ext>
+              </a:extLst>
+            </p:cNvPr>
+            <p:cNvSpPr/>
+            <p:nvPr/>
+          </p:nvSpPr>
+          <p:spPr>
+            <a:xfrm>
+              <a:off x="783091" y="1072798"/>
+              <a:ext cx="2254900" cy="447754"/>
+            </a:xfrm>
+            <a:prstGeom prst="roundRect">
+              <a:avLst>
+                <a:gd name="adj" fmla="val 50000"/>
+              </a:avLst>
+            </a:prstGeom>
+            <a:solidFill>
+              <a:schemeClr val="accent3">
+                <a:lumMod val="40000"/>
+                <a:lumOff val="60000"/>
+              </a:schemeClr>
+            </a:solidFill>
+            <a:ln>
+              <a:noFill/>
+            </a:ln>
+          </p:spPr>
+          <p:style>
+            <a:lnRef idx="2">
+              <a:schemeClr val="accent1">
+                <a:shade val="50000"/>
+              </a:schemeClr>
+            </a:lnRef>
+            <a:fillRef idx="1">
+              <a:schemeClr val="accent1"/>
+            </a:fillRef>
+            <a:effectRef idx="0">
+              <a:schemeClr val="accent1"/>
+            </a:effectRef>
+            <a:fontRef idx="minor">
+              <a:schemeClr val="lt1"/>
+            </a:fontRef>
+          </p:style>
+          <p:txBody>
+            <a:bodyPr rtlCol="0" anchor="ctr"/>
+            <a:lstStyle/>
+            <a:p>
+              <a:pPr algn="ctr"/>
+              <a:endParaRPr kumimoji="1" lang="ja-JP" altLang="en-US" sz="2000">
+                <a:latin typeface="Hiragino Kaku Gothic Pro W3" panose="020B0300000000000000" pitchFamily="34" charset="-128"/>
+                <a:ea typeface="Hiragino Kaku Gothic Pro W3" panose="020B0300000000000000" pitchFamily="34" charset="-128"/>
+              </a:endParaRPr>
+            </a:p>
+          </p:txBody>
+        </p:sp>
+        <p:sp>
+          <p:nvSpPr>
+            <p:cNvPr id="55" name="テキスト ボックス 54">
+              <a:extLst>
+                <a:ext uri="{FF2B5EF4-FFF2-40B4-BE49-F238E27FC236}">
+                  <a16:creationId xmlns:a16="http://schemas.microsoft.com/office/drawing/2014/main" id="{DA4A6DB3-059F-3C45-8843-A3AD112E938F}"/>
+                </a:ext>
+              </a:extLst>
+            </p:cNvPr>
+            <p:cNvSpPr txBox="1"/>
+            <p:nvPr/>
+          </p:nvSpPr>
+          <p:spPr>
+            <a:xfrm>
+              <a:off x="1510432" y="1072798"/>
+              <a:ext cx="697627" cy="400110"/>
+            </a:xfrm>
+            <a:prstGeom prst="rect">
+              <a:avLst/>
+            </a:prstGeom>
+            <a:noFill/>
+          </p:spPr>
+          <p:txBody>
+            <a:bodyPr wrap="none" rtlCol="0">
+              <a:spAutoFit/>
+            </a:bodyPr>
+            <a:lstStyle/>
+            <a:p>
+              <a:r>
+                <a:rPr kumimoji="1" lang="ja-JP" altLang="en-US" sz="2000">
+                  <a:latin typeface="Hiragino Kaku Gothic Pro W3" panose="020B0300000000000000" pitchFamily="34" charset="-128"/>
+                  <a:ea typeface="Hiragino Kaku Gothic Pro W3" panose="020B0300000000000000" pitchFamily="34" charset="-128"/>
+                </a:rPr>
+                <a:t>開始</a:t>
+              </a:r>
+            </a:p>
+          </p:txBody>
+        </p:sp>
+      </p:grpSp>
+      <p:sp>
+        <p:nvSpPr>
+          <p:cNvPr id="56" name="下矢印 55">
+            <a:extLst>
+              <a:ext uri="{FF2B5EF4-FFF2-40B4-BE49-F238E27FC236}">
+                <a16:creationId xmlns:a16="http://schemas.microsoft.com/office/drawing/2014/main" id="{0967201F-CE72-C145-B75A-39E36968A0C1}"/>
+              </a:ext>
+            </a:extLst>
+          </p:cNvPr>
+          <p:cNvSpPr/>
+          <p:nvPr/>
+        </p:nvSpPr>
+        <p:spPr>
+          <a:xfrm>
+            <a:off x="3996178" y="1290472"/>
+            <a:ext cx="180000" cy="271095"/>
+          </a:xfrm>
+          <a:prstGeom prst="downArrow">
+            <a:avLst/>
+          </a:prstGeom>
+          <a:solidFill>
+            <a:schemeClr val="tx1">
+              <a:lumMod val="85000"/>
+              <a:lumOff val="15000"/>
+            </a:schemeClr>
+          </a:solidFill>
+          <a:ln>
+            <a:noFill/>
+          </a:ln>
+        </p:spPr>
+        <p:style>
+          <a:lnRef idx="2">
+            <a:schemeClr val="accent1">
+              <a:shade val="50000"/>
+            </a:schemeClr>
+          </a:lnRef>
+          <a:fillRef idx="1">
+            <a:schemeClr val="accent1"/>
+          </a:fillRef>
+          <a:effectRef idx="0">
+            <a:schemeClr val="accent1"/>
+          </a:effectRef>
+          <a:fontRef idx="minor">
+            <a:schemeClr val="lt1"/>
+          </a:fontRef>
+        </p:style>
+        <p:txBody>
+          <a:bodyPr rtlCol="0" anchor="ctr"/>
+          <a:lstStyle/>
+          <a:p>
+            <a:pPr algn="ctr"/>
+            <a:endParaRPr kumimoji="1" lang="ja-JP" altLang="en-US"/>
+          </a:p>
+        </p:txBody>
+      </p:sp>
+      <p:sp>
+        <p:nvSpPr>
+          <p:cNvPr id="57" name="下矢印 56">
+            <a:extLst>
+              <a:ext uri="{FF2B5EF4-FFF2-40B4-BE49-F238E27FC236}">
+                <a16:creationId xmlns:a16="http://schemas.microsoft.com/office/drawing/2014/main" id="{D0B88B25-4B61-3F47-BF34-EDC8A796596C}"/>
+              </a:ext>
+            </a:extLst>
+          </p:cNvPr>
+          <p:cNvSpPr/>
+          <p:nvPr/>
+        </p:nvSpPr>
+        <p:spPr>
+          <a:xfrm>
+            <a:off x="3996178" y="2479599"/>
+            <a:ext cx="180000" cy="271095"/>
+          </a:xfrm>
+          <a:prstGeom prst="downArrow">
+            <a:avLst/>
+          </a:prstGeom>
+          <a:solidFill>
+            <a:schemeClr val="tx1">
+              <a:lumMod val="85000"/>
+              <a:lumOff val="15000"/>
+            </a:schemeClr>
+          </a:solidFill>
+          <a:ln>
+            <a:noFill/>
+          </a:ln>
+        </p:spPr>
+        <p:style>
+          <a:lnRef idx="2">
+            <a:schemeClr val="accent1">
+              <a:shade val="50000"/>
+            </a:schemeClr>
+          </a:lnRef>
+          <a:fillRef idx="1">
+            <a:schemeClr val="accent1"/>
+          </a:fillRef>
+          <a:effectRef idx="0">
+            <a:schemeClr val="accent1"/>
+          </a:effectRef>
+          <a:fontRef idx="minor">
+            <a:schemeClr val="lt1"/>
+          </a:fontRef>
+        </p:style>
+        <p:txBody>
+          <a:bodyPr rtlCol="0" anchor="ctr"/>
+          <a:lstStyle/>
+          <a:p>
+            <a:pPr algn="ctr"/>
+            <a:endParaRPr kumimoji="1" lang="ja-JP" altLang="en-US"/>
+          </a:p>
+        </p:txBody>
+      </p:sp>
+      <p:sp>
+        <p:nvSpPr>
+          <p:cNvPr id="58" name="下矢印 57">
+            <a:extLst>
+              <a:ext uri="{FF2B5EF4-FFF2-40B4-BE49-F238E27FC236}">
+                <a16:creationId xmlns:a16="http://schemas.microsoft.com/office/drawing/2014/main" id="{3D88C260-C528-3D42-8C92-EF9CAD544267}"/>
+              </a:ext>
+            </a:extLst>
+          </p:cNvPr>
+          <p:cNvSpPr/>
+          <p:nvPr/>
+        </p:nvSpPr>
+        <p:spPr>
+          <a:xfrm>
+            <a:off x="3996178" y="3260567"/>
+            <a:ext cx="180000" cy="271095"/>
+          </a:xfrm>
+          <a:prstGeom prst="downArrow">
+            <a:avLst/>
+          </a:prstGeom>
+          <a:solidFill>
+            <a:schemeClr val="tx1">
+              <a:lumMod val="85000"/>
+              <a:lumOff val="15000"/>
+            </a:schemeClr>
+          </a:solidFill>
+          <a:ln>
+            <a:noFill/>
+          </a:ln>
+        </p:spPr>
+        <p:style>
+          <a:lnRef idx="2">
+            <a:schemeClr val="accent1">
+              <a:shade val="50000"/>
+            </a:schemeClr>
+          </a:lnRef>
+          <a:fillRef idx="1">
+            <a:schemeClr val="accent1"/>
+          </a:fillRef>
+          <a:effectRef idx="0">
+            <a:schemeClr val="accent1"/>
+          </a:effectRef>
+          <a:fontRef idx="minor">
+            <a:schemeClr val="lt1"/>
+          </a:fontRef>
+        </p:style>
+        <p:txBody>
+          <a:bodyPr rtlCol="0" anchor="ctr"/>
+          <a:lstStyle/>
+          <a:p>
+            <a:pPr algn="ctr"/>
+            <a:endParaRPr kumimoji="1" lang="ja-JP" altLang="en-US"/>
+          </a:p>
+        </p:txBody>
+      </p:sp>
+      <p:sp>
+        <p:nvSpPr>
+          <p:cNvPr id="59" name="下矢印 58">
+            <a:extLst>
+              <a:ext uri="{FF2B5EF4-FFF2-40B4-BE49-F238E27FC236}">
+                <a16:creationId xmlns:a16="http://schemas.microsoft.com/office/drawing/2014/main" id="{2C8CE9CA-25E6-3F40-A5E3-FC973B6A877D}"/>
+              </a:ext>
+            </a:extLst>
+          </p:cNvPr>
+          <p:cNvSpPr/>
+          <p:nvPr/>
+        </p:nvSpPr>
+        <p:spPr>
+          <a:xfrm>
+            <a:off x="3996178" y="4035509"/>
+            <a:ext cx="180000" cy="271095"/>
+          </a:xfrm>
+          <a:prstGeom prst="downArrow">
+            <a:avLst/>
+          </a:prstGeom>
+          <a:solidFill>
+            <a:schemeClr val="tx1">
+              <a:lumMod val="85000"/>
+              <a:lumOff val="15000"/>
+            </a:schemeClr>
+          </a:solidFill>
+          <a:ln>
+            <a:noFill/>
+          </a:ln>
+        </p:spPr>
+        <p:style>
+          <a:lnRef idx="2">
+            <a:schemeClr val="accent1">
+              <a:shade val="50000"/>
+            </a:schemeClr>
+          </a:lnRef>
+          <a:fillRef idx="1">
+            <a:schemeClr val="accent1"/>
+          </a:fillRef>
+          <a:effectRef idx="0">
+            <a:schemeClr val="accent1"/>
+          </a:effectRef>
+          <a:fontRef idx="minor">
+            <a:schemeClr val="lt1"/>
+          </a:fontRef>
+        </p:style>
+        <p:txBody>
+          <a:bodyPr rtlCol="0" anchor="ctr"/>
+          <a:lstStyle/>
+          <a:p>
+            <a:pPr algn="ctr"/>
+            <a:endParaRPr kumimoji="1" lang="ja-JP" altLang="en-US"/>
+          </a:p>
+        </p:txBody>
+      </p:sp>
+      <p:sp>
+        <p:nvSpPr>
+          <p:cNvPr id="60" name="下矢印 59">
+            <a:extLst>
+              <a:ext uri="{FF2B5EF4-FFF2-40B4-BE49-F238E27FC236}">
+                <a16:creationId xmlns:a16="http://schemas.microsoft.com/office/drawing/2014/main" id="{02C64126-79BD-324A-AE77-BD32547898C2}"/>
+              </a:ext>
+            </a:extLst>
+          </p:cNvPr>
+          <p:cNvSpPr/>
+          <p:nvPr/>
+        </p:nvSpPr>
+        <p:spPr>
+          <a:xfrm>
+            <a:off x="7020212" y="1365621"/>
+            <a:ext cx="180000" cy="271095"/>
+          </a:xfrm>
+          <a:prstGeom prst="downArrow">
+            <a:avLst/>
+          </a:prstGeom>
+          <a:solidFill>
+            <a:schemeClr val="tx1">
+              <a:lumMod val="85000"/>
+              <a:lumOff val="15000"/>
+            </a:schemeClr>
+          </a:solidFill>
+          <a:ln>
+            <a:noFill/>
+          </a:ln>
+        </p:spPr>
+        <p:style>
+          <a:lnRef idx="2">
+            <a:schemeClr val="accent1">
+              <a:shade val="50000"/>
+            </a:schemeClr>
+          </a:lnRef>
+          <a:fillRef idx="1">
+            <a:schemeClr val="accent1"/>
+          </a:fillRef>
+          <a:effectRef idx="0">
+            <a:schemeClr val="accent1"/>
+          </a:effectRef>
+          <a:fontRef idx="minor">
+            <a:schemeClr val="lt1"/>
+          </a:fontRef>
+        </p:style>
+        <p:txBody>
+          <a:bodyPr rtlCol="0" anchor="ctr"/>
+          <a:lstStyle/>
+          <a:p>
+            <a:pPr algn="ctr"/>
+            <a:endParaRPr kumimoji="1" lang="ja-JP" altLang="en-US"/>
+          </a:p>
+        </p:txBody>
+      </p:sp>
+      <p:sp>
+        <p:nvSpPr>
+          <p:cNvPr id="62" name="下矢印 61">
+            <a:extLst>
+              <a:ext uri="{FF2B5EF4-FFF2-40B4-BE49-F238E27FC236}">
+                <a16:creationId xmlns:a16="http://schemas.microsoft.com/office/drawing/2014/main" id="{C67A7C1D-0C77-0448-AF6D-AA332CB2DBAF}"/>
+              </a:ext>
+            </a:extLst>
+          </p:cNvPr>
+          <p:cNvSpPr/>
+          <p:nvPr/>
+        </p:nvSpPr>
+        <p:spPr>
+          <a:xfrm>
+            <a:off x="7020212" y="2148585"/>
+            <a:ext cx="180000" cy="271095"/>
+          </a:xfrm>
+          <a:prstGeom prst="downArrow">
+            <a:avLst/>
+          </a:prstGeom>
+          <a:solidFill>
+            <a:schemeClr val="tx1">
+              <a:lumMod val="85000"/>
+              <a:lumOff val="15000"/>
+            </a:schemeClr>
+          </a:solidFill>
+          <a:ln>
+            <a:noFill/>
+          </a:ln>
+        </p:spPr>
+        <p:style>
+          <a:lnRef idx="2">
+            <a:schemeClr val="accent1">
+              <a:shade val="50000"/>
+            </a:schemeClr>
+          </a:lnRef>
+          <a:fillRef idx="1">
+            <a:schemeClr val="accent1"/>
+          </a:fillRef>
+          <a:effectRef idx="0">
+            <a:schemeClr val="accent1"/>
+          </a:effectRef>
+          <a:fontRef idx="minor">
+            <a:schemeClr val="lt1"/>
+          </a:fontRef>
+        </p:style>
+        <p:txBody>
+          <a:bodyPr rtlCol="0" anchor="ctr"/>
+          <a:lstStyle/>
+          <a:p>
+            <a:pPr algn="ctr"/>
+            <a:endParaRPr kumimoji="1" lang="ja-JP" altLang="en-US"/>
+          </a:p>
+        </p:txBody>
+      </p:sp>
+      <p:sp>
+        <p:nvSpPr>
+          <p:cNvPr id="63" name="正方形/長方形 62">
+            <a:extLst>
+              <a:ext uri="{FF2B5EF4-FFF2-40B4-BE49-F238E27FC236}">
+                <a16:creationId xmlns:a16="http://schemas.microsoft.com/office/drawing/2014/main" id="{96EE0C2E-892E-7345-8C05-BA504A0B6EEA}"/>
+              </a:ext>
+            </a:extLst>
+          </p:cNvPr>
+          <p:cNvSpPr/>
+          <p:nvPr/>
+        </p:nvSpPr>
+        <p:spPr>
+          <a:xfrm>
+            <a:off x="4050178" y="4810453"/>
+            <a:ext cx="72000" cy="288000"/>
+          </a:xfrm>
+          <a:prstGeom prst="rect">
+            <a:avLst/>
+          </a:prstGeom>
+          <a:solidFill>
+            <a:schemeClr val="tx1">
+              <a:lumMod val="85000"/>
+              <a:lumOff val="15000"/>
+            </a:schemeClr>
+          </a:solidFill>
+          <a:ln>
+            <a:noFill/>
+          </a:ln>
+        </p:spPr>
+        <p:style>
+          <a:lnRef idx="2">
+            <a:schemeClr val="accent1">
+              <a:shade val="50000"/>
+            </a:schemeClr>
+          </a:lnRef>
+          <a:fillRef idx="1">
+            <a:schemeClr val="accent1"/>
+          </a:fillRef>
+          <a:effectRef idx="0">
+            <a:schemeClr val="accent1"/>
+          </a:effectRef>
+          <a:fontRef idx="minor">
+            <a:schemeClr val="lt1"/>
+          </a:fontRef>
+        </p:style>
+        <p:txBody>
+          <a:bodyPr rtlCol="0" anchor="ctr"/>
+          <a:lstStyle/>
+          <a:p>
+            <a:pPr algn="ctr"/>
+            <a:endParaRPr kumimoji="1" lang="ja-JP" altLang="en-US"/>
+          </a:p>
+        </p:txBody>
+      </p:sp>
+      <p:sp>
+        <p:nvSpPr>
+          <p:cNvPr id="64" name="正方形/長方形 63">
+            <a:extLst>
+              <a:ext uri="{FF2B5EF4-FFF2-40B4-BE49-F238E27FC236}">
+                <a16:creationId xmlns:a16="http://schemas.microsoft.com/office/drawing/2014/main" id="{E5D9271C-A5C6-6B45-B61D-FE92158C1FCF}"/>
+              </a:ext>
+            </a:extLst>
+          </p:cNvPr>
+          <p:cNvSpPr/>
+          <p:nvPr/>
+        </p:nvSpPr>
+        <p:spPr>
+          <a:xfrm rot="16200000">
+            <a:off x="3469807" y="4450453"/>
+            <a:ext cx="72000" cy="1224000"/>
+          </a:xfrm>
+          <a:prstGeom prst="rect">
+            <a:avLst/>
+          </a:prstGeom>
+          <a:solidFill>
+            <a:schemeClr val="tx1">
+              <a:lumMod val="85000"/>
+              <a:lumOff val="15000"/>
+            </a:schemeClr>
+          </a:solidFill>
+          <a:ln>
+            <a:noFill/>
+          </a:ln>
+        </p:spPr>
+        <p:style>
+          <a:lnRef idx="2">
+            <a:schemeClr val="accent1">
+              <a:shade val="50000"/>
+            </a:schemeClr>
+          </a:lnRef>
+          <a:fillRef idx="1">
+            <a:schemeClr val="accent1"/>
+          </a:fillRef>
+          <a:effectRef idx="0">
+            <a:schemeClr val="accent1"/>
+          </a:effectRef>
+          <a:fontRef idx="minor">
+            <a:schemeClr val="lt1"/>
+          </a:fontRef>
+        </p:style>
+        <p:txBody>
+          <a:bodyPr rtlCol="0" anchor="ctr"/>
+          <a:lstStyle/>
+          <a:p>
+            <a:pPr algn="ctr"/>
+            <a:endParaRPr kumimoji="1" lang="ja-JP" altLang="en-US"/>
+          </a:p>
+        </p:txBody>
+      </p:sp>
+      <p:sp>
+        <p:nvSpPr>
+          <p:cNvPr id="65" name="正方形/長方形 64">
+            <a:extLst>
+              <a:ext uri="{FF2B5EF4-FFF2-40B4-BE49-F238E27FC236}">
+                <a16:creationId xmlns:a16="http://schemas.microsoft.com/office/drawing/2014/main" id="{0C74F92B-2BAB-4E40-84D8-001646199F39}"/>
+              </a:ext>
+            </a:extLst>
+          </p:cNvPr>
+          <p:cNvSpPr/>
+          <p:nvPr/>
+        </p:nvSpPr>
+        <p:spPr>
+          <a:xfrm rot="10800000">
+            <a:off x="2886205" y="2573529"/>
+            <a:ext cx="72000" cy="2520000"/>
+          </a:xfrm>
+          <a:prstGeom prst="rect">
+            <a:avLst/>
+          </a:prstGeom>
+          <a:solidFill>
+            <a:schemeClr val="tx1">
+              <a:lumMod val="85000"/>
+              <a:lumOff val="15000"/>
+            </a:schemeClr>
+          </a:solidFill>
+          <a:ln>
+            <a:noFill/>
+          </a:ln>
+        </p:spPr>
+        <p:style>
+          <a:lnRef idx="2">
+            <a:schemeClr val="accent1">
+              <a:shade val="50000"/>
+            </a:schemeClr>
+          </a:lnRef>
+          <a:fillRef idx="1">
+            <a:schemeClr val="accent1"/>
+          </a:fillRef>
+          <a:effectRef idx="0">
+            <a:schemeClr val="accent1"/>
+          </a:effectRef>
+          <a:fontRef idx="minor">
+            <a:schemeClr val="lt1"/>
+          </a:fontRef>
+        </p:style>
+        <p:txBody>
+          <a:bodyPr rtlCol="0" anchor="ctr"/>
+          <a:lstStyle/>
+          <a:p>
+            <a:pPr algn="ctr"/>
+            <a:endParaRPr kumimoji="1" lang="ja-JP" altLang="en-US"/>
+          </a:p>
+        </p:txBody>
+      </p:sp>
+      <p:sp>
+        <p:nvSpPr>
+          <p:cNvPr id="66" name="下矢印 65">
+            <a:extLst>
+              <a:ext uri="{FF2B5EF4-FFF2-40B4-BE49-F238E27FC236}">
+                <a16:creationId xmlns:a16="http://schemas.microsoft.com/office/drawing/2014/main" id="{857C42DA-4497-D340-8DCA-08132F2DC564}"/>
+              </a:ext>
+            </a:extLst>
+          </p:cNvPr>
+          <p:cNvSpPr/>
+          <p:nvPr/>
+        </p:nvSpPr>
+        <p:spPr>
+          <a:xfrm rot="-5400000">
+            <a:off x="3009568" y="2337093"/>
+            <a:ext cx="180000" cy="432000"/>
+          </a:xfrm>
+          <a:prstGeom prst="downArrow">
+            <a:avLst/>
+          </a:prstGeom>
+          <a:solidFill>
+            <a:schemeClr val="tx1">
+              <a:lumMod val="85000"/>
+              <a:lumOff val="15000"/>
+            </a:schemeClr>
+          </a:solidFill>
+          <a:ln>
+            <a:noFill/>
+          </a:ln>
+        </p:spPr>
+        <p:style>
+          <a:lnRef idx="2">
+            <a:schemeClr val="accent1">
+              <a:shade val="50000"/>
+            </a:schemeClr>
+          </a:lnRef>
+          <a:fillRef idx="1">
+            <a:schemeClr val="accent1"/>
+          </a:fillRef>
+          <a:effectRef idx="0">
+            <a:schemeClr val="accent1"/>
+          </a:effectRef>
+          <a:fontRef idx="minor">
+            <a:schemeClr val="lt1"/>
+          </a:fontRef>
+        </p:style>
+        <p:txBody>
+          <a:bodyPr rtlCol="0" anchor="ctr"/>
+          <a:lstStyle/>
+          <a:p>
+            <a:pPr algn="ctr"/>
+            <a:endParaRPr kumimoji="1" lang="ja-JP" altLang="en-US"/>
+          </a:p>
+        </p:txBody>
+      </p:sp>
+      <p:sp>
+        <p:nvSpPr>
+          <p:cNvPr id="67" name="正方形/長方形 66">
+            <a:extLst>
+              <a:ext uri="{FF2B5EF4-FFF2-40B4-BE49-F238E27FC236}">
+                <a16:creationId xmlns:a16="http://schemas.microsoft.com/office/drawing/2014/main" id="{71B4A26A-99E6-854C-80E0-098FE7E538C2}"/>
+              </a:ext>
+            </a:extLst>
+          </p:cNvPr>
+          <p:cNvSpPr/>
+          <p:nvPr/>
+        </p:nvSpPr>
+        <p:spPr>
+          <a:xfrm rot="16200000">
+            <a:off x="5419125" y="2719322"/>
+            <a:ext cx="72000" cy="576000"/>
+          </a:xfrm>
+          <a:prstGeom prst="rect">
+            <a:avLst/>
+          </a:prstGeom>
+          <a:solidFill>
+            <a:schemeClr val="tx1">
+              <a:lumMod val="85000"/>
+              <a:lumOff val="15000"/>
+            </a:schemeClr>
+          </a:solidFill>
+          <a:ln>
+            <a:noFill/>
+          </a:ln>
+        </p:spPr>
+        <p:style>
+          <a:lnRef idx="2">
+            <a:schemeClr val="accent1">
+              <a:shade val="50000"/>
+            </a:schemeClr>
+          </a:lnRef>
+          <a:fillRef idx="1">
+            <a:schemeClr val="accent1"/>
+          </a:fillRef>
+          <a:effectRef idx="0">
+            <a:schemeClr val="accent1"/>
+          </a:effectRef>
+          <a:fontRef idx="minor">
+            <a:schemeClr val="lt1"/>
+          </a:fontRef>
+        </p:style>
+        <p:txBody>
+          <a:bodyPr rtlCol="0" anchor="ctr"/>
+          <a:lstStyle/>
+          <a:p>
+            <a:pPr algn="ctr"/>
+            <a:endParaRPr kumimoji="1" lang="ja-JP" altLang="en-US"/>
+          </a:p>
+        </p:txBody>
+      </p:sp>
+      <p:sp>
+        <p:nvSpPr>
+          <p:cNvPr id="69" name="下矢印 68">
+            <a:extLst>
+              <a:ext uri="{FF2B5EF4-FFF2-40B4-BE49-F238E27FC236}">
+                <a16:creationId xmlns:a16="http://schemas.microsoft.com/office/drawing/2014/main" id="{EB4A930C-9E8F-BF46-99A2-33CF6563E03F}"/>
+              </a:ext>
+            </a:extLst>
+          </p:cNvPr>
+          <p:cNvSpPr/>
+          <p:nvPr/>
+        </p:nvSpPr>
+        <p:spPr>
+          <a:xfrm rot="5400000">
+            <a:off x="6016712" y="2469433"/>
+            <a:ext cx="180000" cy="1980000"/>
+          </a:xfrm>
+          <a:prstGeom prst="downArrow">
+            <a:avLst/>
+          </a:prstGeom>
+          <a:solidFill>
+            <a:schemeClr val="tx1">
+              <a:lumMod val="85000"/>
+              <a:lumOff val="15000"/>
+            </a:schemeClr>
+          </a:solidFill>
+          <a:ln>
+            <a:noFill/>
+          </a:ln>
+        </p:spPr>
+        <p:style>
+          <a:lnRef idx="2">
+            <a:schemeClr val="accent1">
+              <a:shade val="50000"/>
+            </a:schemeClr>
+          </a:lnRef>
+          <a:fillRef idx="1">
+            <a:schemeClr val="accent1"/>
+          </a:fillRef>
+          <a:effectRef idx="0">
+            <a:schemeClr val="accent1"/>
+          </a:effectRef>
+          <a:fontRef idx="minor">
+            <a:schemeClr val="lt1"/>
+          </a:fontRef>
+        </p:style>
+        <p:txBody>
+          <a:bodyPr rtlCol="0" anchor="ctr"/>
+          <a:lstStyle/>
+          <a:p>
+            <a:pPr algn="ctr"/>
+            <a:endParaRPr kumimoji="1" lang="ja-JP" altLang="en-US"/>
+          </a:p>
+        </p:txBody>
+      </p:sp>
+      <p:sp>
+        <p:nvSpPr>
+          <p:cNvPr id="70" name="正方形/長方形 69">
+            <a:extLst>
+              <a:ext uri="{FF2B5EF4-FFF2-40B4-BE49-F238E27FC236}">
+                <a16:creationId xmlns:a16="http://schemas.microsoft.com/office/drawing/2014/main" id="{C489D041-549C-A24C-A336-8472E5FC924D}"/>
+              </a:ext>
+            </a:extLst>
+          </p:cNvPr>
+          <p:cNvSpPr/>
+          <p:nvPr/>
+        </p:nvSpPr>
+        <p:spPr>
+          <a:xfrm>
+            <a:off x="5671214" y="1061009"/>
+            <a:ext cx="72000" cy="1944000"/>
+          </a:xfrm>
+          <a:prstGeom prst="rect">
+            <a:avLst/>
+          </a:prstGeom>
+          <a:solidFill>
+            <a:schemeClr val="tx1">
+              <a:lumMod val="85000"/>
+              <a:lumOff val="15000"/>
+            </a:schemeClr>
+          </a:solidFill>
+          <a:ln>
+            <a:noFill/>
+          </a:ln>
+        </p:spPr>
+        <p:style>
+          <a:lnRef idx="2">
+            <a:schemeClr val="accent1">
+              <a:shade val="50000"/>
+            </a:schemeClr>
+          </a:lnRef>
+          <a:fillRef idx="1">
+            <a:schemeClr val="accent1"/>
+          </a:fillRef>
+          <a:effectRef idx="0">
+            <a:schemeClr val="accent1"/>
+          </a:effectRef>
+          <a:fontRef idx="minor">
+            <a:schemeClr val="lt1"/>
+          </a:fontRef>
+        </p:style>
+        <p:txBody>
+          <a:bodyPr rtlCol="0" anchor="ctr"/>
+          <a:lstStyle/>
+          <a:p>
+            <a:pPr algn="ctr"/>
+            <a:endParaRPr kumimoji="1" lang="ja-JP" altLang="en-US"/>
+          </a:p>
+        </p:txBody>
+      </p:sp>
+      <p:sp>
+        <p:nvSpPr>
+          <p:cNvPr id="71" name="下矢印 70">
+            <a:extLst>
+              <a:ext uri="{FF2B5EF4-FFF2-40B4-BE49-F238E27FC236}">
+                <a16:creationId xmlns:a16="http://schemas.microsoft.com/office/drawing/2014/main" id="{23170DCA-9DDF-8F4F-AA6F-43F93108A5A5}"/>
+              </a:ext>
+            </a:extLst>
+          </p:cNvPr>
+          <p:cNvSpPr/>
+          <p:nvPr/>
+        </p:nvSpPr>
+        <p:spPr>
+          <a:xfrm rot="-5400000">
+            <a:off x="5748706" y="950189"/>
+            <a:ext cx="180000" cy="324000"/>
+          </a:xfrm>
+          <a:prstGeom prst="downArrow">
+            <a:avLst/>
+          </a:prstGeom>
+          <a:solidFill>
+            <a:schemeClr val="tx1">
+              <a:lumMod val="85000"/>
+              <a:lumOff val="15000"/>
+            </a:schemeClr>
+          </a:solidFill>
+          <a:ln>
+            <a:noFill/>
+          </a:ln>
+        </p:spPr>
+        <p:style>
+          <a:lnRef idx="2">
+            <a:schemeClr val="accent1">
+              <a:shade val="50000"/>
+            </a:schemeClr>
+          </a:lnRef>
+          <a:fillRef idx="1">
+            <a:schemeClr val="accent1"/>
+          </a:fillRef>
+          <a:effectRef idx="0">
+            <a:schemeClr val="accent1"/>
+          </a:effectRef>
+          <a:fontRef idx="minor">
+            <a:schemeClr val="lt1"/>
+          </a:fontRef>
+        </p:style>
+        <p:txBody>
+          <a:bodyPr rtlCol="0" anchor="ctr"/>
+          <a:lstStyle/>
+          <a:p>
+            <a:pPr algn="ctr"/>
+            <a:endParaRPr kumimoji="1" lang="ja-JP" altLang="en-US"/>
+          </a:p>
+        </p:txBody>
+      </p:sp>
+      <p:sp>
+        <p:nvSpPr>
+          <p:cNvPr id="40" name="正方形/長方形 39">
+            <a:extLst>
+              <a:ext uri="{FF2B5EF4-FFF2-40B4-BE49-F238E27FC236}">
+                <a16:creationId xmlns:a16="http://schemas.microsoft.com/office/drawing/2014/main" id="{5780494A-3CE5-4E4B-BD25-BA4EFBCE9CF8}"/>
+              </a:ext>
+            </a:extLst>
+          </p:cNvPr>
+          <p:cNvSpPr/>
+          <p:nvPr/>
+        </p:nvSpPr>
+        <p:spPr>
+          <a:xfrm>
+            <a:off x="7084673" y="2925704"/>
+            <a:ext cx="72000" cy="576000"/>
+          </a:xfrm>
+          <a:prstGeom prst="rect">
+            <a:avLst/>
+          </a:prstGeom>
+          <a:solidFill>
+            <a:schemeClr val="tx1">
+              <a:lumMod val="85000"/>
+              <a:lumOff val="15000"/>
+            </a:schemeClr>
+          </a:solidFill>
+          <a:ln>
+            <a:noFill/>
+          </a:ln>
+        </p:spPr>
+        <p:style>
+          <a:lnRef idx="2">
+            <a:schemeClr val="accent1">
+              <a:shade val="50000"/>
+            </a:schemeClr>
+          </a:lnRef>
+          <a:fillRef idx="1">
+            <a:schemeClr val="accent1"/>
+          </a:fillRef>
+          <a:effectRef idx="0">
+            <a:schemeClr val="accent1"/>
+          </a:effectRef>
+          <a:fontRef idx="minor">
+            <a:schemeClr val="lt1"/>
+          </a:fontRef>
+        </p:style>
+        <p:txBody>
+          <a:bodyPr rtlCol="0" anchor="ctr"/>
+          <a:lstStyle/>
+          <a:p>
+            <a:pPr algn="ctr"/>
+            <a:endParaRPr kumimoji="1" lang="ja-JP" altLang="en-US"/>
+          </a:p>
+        </p:txBody>
+      </p:sp>
+    </p:spTree>
+    <p:extLst>
+      <p:ext uri="{BB962C8B-B14F-4D97-AF65-F5344CB8AC3E}">
+        <p14:creationId xmlns:p14="http://schemas.microsoft.com/office/powerpoint/2010/main" val="1154334917"/>
+      </p:ext>
+    </p:extLst>
+  </p:cSld>
+  <p:clrMapOvr>
+    <a:masterClrMapping/>
+  </p:clrMapOvr>
+</p:sld>
+</file>
+
+<file path=ppt/slides/slide9.xml><?xml version="1.0" encoding="utf-8"?>
 <p:sld xmlns:a="http://schemas.openxmlformats.org/drawingml/2006/main" xmlns:r="http://schemas.openxmlformats.org/officeDocument/2006/relationships" xmlns:p="http://schemas.openxmlformats.org/presentationml/2006/main">
   <p:cSld>
     <p:spTree>

--- a/論文に使う画像.pptx
+++ b/論文に使う画像.pptx
@@ -1395,7 +1395,7 @@
           <a:p>
             <a:fld id="{B3605A22-EF04-4240-9C27-9ADDF0E4DE85}" type="datetimeFigureOut">
               <a:rPr kumimoji="1" lang="ja-JP" altLang="en-US" smtClean="0"/>
-              <a:t>2019/1/27</a:t>
+              <a:t>2019/1/29</a:t>
             </a:fld>
             <a:endParaRPr kumimoji="1" lang="ja-JP" altLang="en-US"/>
           </a:p>
@@ -2404,7 +2404,7 @@
           <a:p>
             <a:fld id="{F8143675-065B-6249-819E-977928931EDE}" type="datetimeFigureOut">
               <a:rPr kumimoji="1" lang="ja-JP" altLang="en-US" smtClean="0"/>
-              <a:t>2019/1/27</a:t>
+              <a:t>2019/1/29</a:t>
             </a:fld>
             <a:endParaRPr kumimoji="1" lang="ja-JP" altLang="en-US"/>
           </a:p>
@@ -2609,7 +2609,7 @@
           <a:p>
             <a:fld id="{F8143675-065B-6249-819E-977928931EDE}" type="datetimeFigureOut">
               <a:rPr kumimoji="1" lang="ja-JP" altLang="en-US" smtClean="0"/>
-              <a:t>2019/1/27</a:t>
+              <a:t>2019/1/29</a:t>
             </a:fld>
             <a:endParaRPr kumimoji="1" lang="ja-JP" altLang="en-US"/>
           </a:p>
@@ -2824,7 +2824,7 @@
           <a:p>
             <a:fld id="{F8143675-065B-6249-819E-977928931EDE}" type="datetimeFigureOut">
               <a:rPr kumimoji="1" lang="ja-JP" altLang="en-US" smtClean="0"/>
-              <a:t>2019/1/27</a:t>
+              <a:t>2019/1/29</a:t>
             </a:fld>
             <a:endParaRPr kumimoji="1" lang="ja-JP" altLang="en-US"/>
           </a:p>
@@ -3029,7 +3029,7 @@
           <a:p>
             <a:fld id="{F8143675-065B-6249-819E-977928931EDE}" type="datetimeFigureOut">
               <a:rPr kumimoji="1" lang="ja-JP" altLang="en-US" smtClean="0"/>
-              <a:t>2019/1/27</a:t>
+              <a:t>2019/1/29</a:t>
             </a:fld>
             <a:endParaRPr kumimoji="1" lang="ja-JP" altLang="en-US"/>
           </a:p>
@@ -3339,7 +3339,7 @@
           <a:p>
             <a:fld id="{F8143675-065B-6249-819E-977928931EDE}" type="datetimeFigureOut">
               <a:rPr kumimoji="1" lang="ja-JP" altLang="en-US" smtClean="0"/>
-              <a:t>2019/1/27</a:t>
+              <a:t>2019/1/29</a:t>
             </a:fld>
             <a:endParaRPr kumimoji="1" lang="ja-JP" altLang="en-US"/>
           </a:p>
@@ -3618,7 +3618,7 @@
           <a:p>
             <a:fld id="{F8143675-065B-6249-819E-977928931EDE}" type="datetimeFigureOut">
               <a:rPr kumimoji="1" lang="ja-JP" altLang="en-US" smtClean="0"/>
-              <a:t>2019/1/27</a:t>
+              <a:t>2019/1/29</a:t>
             </a:fld>
             <a:endParaRPr kumimoji="1" lang="ja-JP" altLang="en-US"/>
           </a:p>
@@ -4114,7 +4114,7 @@
           <a:p>
             <a:fld id="{F8143675-065B-6249-819E-977928931EDE}" type="datetimeFigureOut">
               <a:rPr kumimoji="1" lang="ja-JP" altLang="en-US" smtClean="0"/>
-              <a:t>2019/1/27</a:t>
+              <a:t>2019/1/29</a:t>
             </a:fld>
             <a:endParaRPr kumimoji="1" lang="ja-JP" altLang="en-US"/>
           </a:p>
@@ -4255,7 +4255,7 @@
           <a:p>
             <a:fld id="{F8143675-065B-6249-819E-977928931EDE}" type="datetimeFigureOut">
               <a:rPr kumimoji="1" lang="ja-JP" altLang="en-US" smtClean="0"/>
-              <a:t>2019/1/27</a:t>
+              <a:t>2019/1/29</a:t>
             </a:fld>
             <a:endParaRPr kumimoji="1" lang="ja-JP" altLang="en-US"/>
           </a:p>
@@ -4368,7 +4368,7 @@
           <a:p>
             <a:fld id="{F8143675-065B-6249-819E-977928931EDE}" type="datetimeFigureOut">
               <a:rPr kumimoji="1" lang="ja-JP" altLang="en-US" smtClean="0"/>
-              <a:t>2019/1/27</a:t>
+              <a:t>2019/1/29</a:t>
             </a:fld>
             <a:endParaRPr kumimoji="1" lang="ja-JP" altLang="en-US"/>
           </a:p>
@@ -4721,7 +4721,7 @@
           <a:p>
             <a:fld id="{F8143675-065B-6249-819E-977928931EDE}" type="datetimeFigureOut">
               <a:rPr kumimoji="1" lang="ja-JP" altLang="en-US" smtClean="0"/>
-              <a:t>2019/1/27</a:t>
+              <a:t>2019/1/29</a:t>
             </a:fld>
             <a:endParaRPr kumimoji="1" lang="ja-JP" altLang="en-US"/>
           </a:p>
@@ -5044,7 +5044,7 @@
           <a:p>
             <a:fld id="{F8143675-065B-6249-819E-977928931EDE}" type="datetimeFigureOut">
               <a:rPr kumimoji="1" lang="ja-JP" altLang="en-US" smtClean="0"/>
-              <a:t>2019/1/27</a:t>
+              <a:t>2019/1/29</a:t>
             </a:fld>
             <a:endParaRPr kumimoji="1" lang="ja-JP" altLang="en-US"/>
           </a:p>
@@ -5292,7 +5292,7 @@
           <a:p>
             <a:fld id="{F8143675-065B-6249-819E-977928931EDE}" type="datetimeFigureOut">
               <a:rPr kumimoji="1" lang="ja-JP" altLang="en-US" smtClean="0"/>
-              <a:t>2019/1/27</a:t>
+              <a:t>2019/1/29</a:t>
             </a:fld>
             <a:endParaRPr kumimoji="1" lang="ja-JP" altLang="en-US"/>
           </a:p>
@@ -10536,7 +10536,10 @@
               <a:lstStyle/>
               <a:p>
                 <a:pPr algn="ctr"/>
-                <a:endParaRPr kumimoji="1" lang="ja-JP" altLang="en-US"/>
+                <a:endParaRPr kumimoji="1" lang="ja-JP" altLang="en-US" sz="1400">
+                  <a:latin typeface="Hiragino Kaku Gothic Pro W3" panose="020B0300000000000000" pitchFamily="34" charset="-128"/>
+                  <a:ea typeface="Hiragino Kaku Gothic Pro W3" panose="020B0300000000000000" pitchFamily="34" charset="-128"/>
+                </a:endParaRPr>
               </a:p>
             </p:txBody>
           </p:sp>
@@ -10586,7 +10589,10 @@
               <a:lstStyle/>
               <a:p>
                 <a:pPr algn="ctr"/>
-                <a:endParaRPr kumimoji="1" lang="ja-JP" altLang="en-US"/>
+                <a:endParaRPr kumimoji="1" lang="ja-JP" altLang="en-US" sz="1400">
+                  <a:latin typeface="Hiragino Kaku Gothic Pro W3" panose="020B0300000000000000" pitchFamily="34" charset="-128"/>
+                  <a:ea typeface="Hiragino Kaku Gothic Pro W3" panose="020B0300000000000000" pitchFamily="34" charset="-128"/>
+                </a:endParaRPr>
               </a:p>
             </p:txBody>
           </p:sp>
@@ -10605,7 +10611,7 @@
             <p:spPr>
               <a:xfrm>
                 <a:off x="1654238" y="4249802"/>
-                <a:ext cx="1132277" cy="369332"/>
+                <a:ext cx="966415" cy="307777"/>
               </a:xfrm>
               <a:prstGeom prst="rect">
                 <a:avLst/>
@@ -10619,7 +10625,7 @@
               <a:lstStyle/>
               <a:p>
                 <a:r>
-                  <a:rPr kumimoji="1" lang="ja-JP" altLang="en-US">
+                  <a:rPr kumimoji="1" lang="ja-JP" altLang="en-US" sz="1400">
                     <a:latin typeface="Hiragino Kaku Gothic Pro W3" panose="020B0300000000000000" pitchFamily="34" charset="-128"/>
                     <a:ea typeface="Hiragino Kaku Gothic Pro W3" panose="020B0300000000000000" pitchFamily="34" charset="-128"/>
                   </a:rPr>
@@ -10680,7 +10686,10 @@
             <a:lstStyle/>
             <a:p>
               <a:pPr algn="ctr"/>
-              <a:endParaRPr kumimoji="1" lang="ja-JP" altLang="en-US"/>
+              <a:endParaRPr kumimoji="1" lang="ja-JP" altLang="en-US" sz="1400">
+                <a:latin typeface="Hiragino Kaku Gothic Pro W3" panose="020B0300000000000000" pitchFamily="34" charset="-128"/>
+                <a:ea typeface="Hiragino Kaku Gothic Pro W3" panose="020B0300000000000000" pitchFamily="34" charset="-128"/>
+              </a:endParaRPr>
             </a:p>
           </p:txBody>
         </p:sp>
@@ -10755,7 +10764,10 @@
               <a:lstStyle/>
               <a:p>
                 <a:pPr algn="ctr"/>
-                <a:endParaRPr kumimoji="1" lang="ja-JP" altLang="en-US"/>
+                <a:endParaRPr kumimoji="1" lang="ja-JP" altLang="en-US" sz="1400">
+                  <a:latin typeface="Hiragino Kaku Gothic Pro W3" panose="020B0300000000000000" pitchFamily="34" charset="-128"/>
+                  <a:ea typeface="Hiragino Kaku Gothic Pro W3" panose="020B0300000000000000" pitchFamily="34" charset="-128"/>
+                </a:endParaRPr>
               </a:p>
             </p:txBody>
           </p:sp>
@@ -10773,8 +10785,8 @@
             </p:nvSpPr>
             <p:spPr>
               <a:xfrm>
-                <a:off x="1493598" y="842074"/>
-                <a:ext cx="1569660" cy="646331"/>
+                <a:off x="1621351" y="867250"/>
+                <a:ext cx="1046494" cy="523220"/>
               </a:xfrm>
               <a:prstGeom prst="rect">
                 <a:avLst/>
@@ -10788,20 +10800,20 @@
               <a:lstStyle/>
               <a:p>
                 <a:r>
-                  <a:rPr kumimoji="1" lang="ja-JP" altLang="en-US">
+                  <a:rPr kumimoji="1" lang="ja-JP" altLang="en-US" sz="1400">
                     <a:latin typeface="Hiragino Kaku Gothic Pro W3" panose="020B0300000000000000" pitchFamily="34" charset="-128"/>
                     <a:ea typeface="Hiragino Kaku Gothic Pro W3" panose="020B0300000000000000" pitchFamily="34" charset="-128"/>
                   </a:rPr>
                   <a:t>命令フェッチ</a:t>
                 </a:r>
-                <a:endParaRPr kumimoji="1" lang="en-US" altLang="ja-JP" dirty="0">
+                <a:endParaRPr kumimoji="1" lang="en-US" altLang="ja-JP" sz="1400" dirty="0">
                   <a:latin typeface="Hiragino Kaku Gothic Pro W3" panose="020B0300000000000000" pitchFamily="34" charset="-128"/>
                   <a:ea typeface="Hiragino Kaku Gothic Pro W3" panose="020B0300000000000000" pitchFamily="34" charset="-128"/>
                 </a:endParaRPr>
               </a:p>
               <a:p>
                 <a:r>
-                  <a:rPr kumimoji="1" lang="ja-JP" altLang="en-US">
+                  <a:rPr kumimoji="1" lang="ja-JP" altLang="en-US" sz="1400">
                     <a:latin typeface="Hiragino Kaku Gothic Pro W3" panose="020B0300000000000000" pitchFamily="34" charset="-128"/>
                     <a:ea typeface="Hiragino Kaku Gothic Pro W3" panose="020B0300000000000000" pitchFamily="34" charset="-128"/>
                   </a:rPr>
@@ -10825,8 +10837,8 @@
           </p:nvSpPr>
           <p:spPr>
             <a:xfrm>
-              <a:off x="3739458" y="2600111"/>
-              <a:ext cx="1569660" cy="369332"/>
+              <a:off x="3931629" y="2612879"/>
+              <a:ext cx="1261884" cy="307777"/>
             </a:xfrm>
             <a:prstGeom prst="rect">
               <a:avLst/>
@@ -10840,7 +10852,7 @@
             <a:lstStyle/>
             <a:p>
               <a:r>
-                <a:rPr kumimoji="1" lang="ja-JP" altLang="en-US">
+                <a:rPr kumimoji="1" lang="ja-JP" altLang="en-US" sz="1400">
                   <a:latin typeface="Hiragino Kaku Gothic Pro W3" panose="020B0300000000000000" pitchFamily="34" charset="-128"/>
                   <a:ea typeface="Hiragino Kaku Gothic Pro W3" panose="020B0300000000000000" pitchFamily="34" charset="-128"/>
                 </a:rPr>
@@ -10864,9 +10876,9 @@
           <p:grpSpPr>
             <a:xfrm>
               <a:off x="633450" y="1569563"/>
-              <a:ext cx="2800340" cy="1041662"/>
+              <a:ext cx="2580316" cy="1041662"/>
               <a:chOff x="1074656" y="688157"/>
-              <a:chExt cx="2322352" cy="1041662"/>
+              <a:chExt cx="2139884" cy="1041662"/>
             </a:xfrm>
           </p:grpSpPr>
           <p:sp>
@@ -10917,7 +10929,10 @@
               <a:lstStyle/>
               <a:p>
                 <a:pPr algn="ctr"/>
-                <a:endParaRPr kumimoji="1" lang="ja-JP" altLang="en-US"/>
+                <a:endParaRPr kumimoji="1" lang="ja-JP" altLang="en-US" sz="1400">
+                  <a:latin typeface="Hiragino Kaku Gothic Pro W3" panose="020B0300000000000000" pitchFamily="34" charset="-128"/>
+                  <a:ea typeface="Hiragino Kaku Gothic Pro W3" panose="020B0300000000000000" pitchFamily="34" charset="-128"/>
+                </a:endParaRPr>
               </a:p>
             </p:txBody>
           </p:sp>
@@ -10935,8 +10950,8 @@
             </p:nvSpPr>
             <p:spPr>
               <a:xfrm>
-                <a:off x="1161132" y="914086"/>
-                <a:ext cx="2235876" cy="584775"/>
+                <a:off x="1262202" y="947378"/>
+                <a:ext cx="1764792" cy="523220"/>
               </a:xfrm>
               <a:prstGeom prst="rect">
                 <a:avLst/>
@@ -10950,26 +10965,26 @@
               <a:lstStyle/>
               <a:p>
                 <a:r>
-                  <a:rPr kumimoji="1" lang="ja-JP" altLang="en-US" sz="1600">
+                  <a:rPr kumimoji="1" lang="ja-JP" altLang="en-US" sz="1400">
                     <a:latin typeface="Hiragino Kaku Gothic Pro W3" panose="020B0300000000000000" pitchFamily="34" charset="-128"/>
                     <a:ea typeface="Hiragino Kaku Gothic Pro W3" panose="020B0300000000000000" pitchFamily="34" charset="-128"/>
                   </a:rPr>
                   <a:t>バスインターフェイス</a:t>
                 </a:r>
-                <a:endParaRPr kumimoji="1" lang="en-US" altLang="ja-JP" sz="1600" dirty="0">
+                <a:endParaRPr kumimoji="1" lang="en-US" altLang="ja-JP" sz="1400" dirty="0">
                   <a:latin typeface="Hiragino Kaku Gothic Pro W3" panose="020B0300000000000000" pitchFamily="34" charset="-128"/>
                   <a:ea typeface="Hiragino Kaku Gothic Pro W3" panose="020B0300000000000000" pitchFamily="34" charset="-128"/>
                 </a:endParaRPr>
               </a:p>
               <a:p>
                 <a:r>
-                  <a:rPr lang="ja-JP" altLang="en-US" sz="1600">
+                  <a:rPr lang="ja-JP" altLang="en-US" sz="1400">
                     <a:latin typeface="Hiragino Kaku Gothic Pro W3" panose="020B0300000000000000" pitchFamily="34" charset="-128"/>
                     <a:ea typeface="Hiragino Kaku Gothic Pro W3" panose="020B0300000000000000" pitchFamily="34" charset="-128"/>
                   </a:rPr>
                   <a:t>ユニット</a:t>
                 </a:r>
-                <a:endParaRPr kumimoji="1" lang="ja-JP" altLang="en-US" sz="1600">
+                <a:endParaRPr kumimoji="1" lang="ja-JP" altLang="en-US" sz="1400">
                   <a:latin typeface="Hiragino Kaku Gothic Pro W3" panose="020B0300000000000000" pitchFamily="34" charset="-128"/>
                   <a:ea typeface="Hiragino Kaku Gothic Pro W3" panose="020B0300000000000000" pitchFamily="34" charset="-128"/>
                 </a:endParaRPr>
@@ -11025,7 +11040,10 @@
             <a:lstStyle/>
             <a:p>
               <a:pPr algn="ctr"/>
-              <a:endParaRPr kumimoji="1" lang="ja-JP" altLang="en-US"/>
+              <a:endParaRPr kumimoji="1" lang="ja-JP" altLang="en-US" sz="1400">
+                <a:latin typeface="Hiragino Kaku Gothic Pro W3" panose="020B0300000000000000" pitchFamily="34" charset="-128"/>
+                <a:ea typeface="Hiragino Kaku Gothic Pro W3" panose="020B0300000000000000" pitchFamily="34" charset="-128"/>
+              </a:endParaRPr>
             </a:p>
           </p:txBody>
         </p:sp>
@@ -11079,7 +11097,10 @@
             <a:lstStyle/>
             <a:p>
               <a:pPr algn="ctr"/>
-              <a:endParaRPr kumimoji="1" lang="ja-JP" altLang="en-US"/>
+              <a:endParaRPr kumimoji="1" lang="ja-JP" altLang="en-US" sz="1400">
+                <a:latin typeface="Hiragino Kaku Gothic Pro W3" panose="020B0300000000000000" pitchFamily="34" charset="-128"/>
+                <a:ea typeface="Hiragino Kaku Gothic Pro W3" panose="020B0300000000000000" pitchFamily="34" charset="-128"/>
+              </a:endParaRPr>
             </a:p>
           </p:txBody>
         </p:sp>
@@ -11097,7 +11118,7 @@
           </p:nvSpPr>
           <p:spPr>
             <a:xfrm>
-              <a:off x="3214539" y="688157"/>
+              <a:off x="3210658" y="688157"/>
               <a:ext cx="1511952" cy="980387"/>
             </a:xfrm>
             <a:prstGeom prst="rect">
@@ -11131,7 +11152,10 @@
             <a:lstStyle/>
             <a:p>
               <a:pPr algn="ctr"/>
-              <a:endParaRPr kumimoji="1" lang="ja-JP" altLang="en-US"/>
+              <a:endParaRPr kumimoji="1" lang="ja-JP" altLang="en-US" sz="1400">
+                <a:latin typeface="Hiragino Kaku Gothic Pro W3" panose="020B0300000000000000" pitchFamily="34" charset="-128"/>
+                <a:ea typeface="Hiragino Kaku Gothic Pro W3" panose="020B0300000000000000" pitchFamily="34" charset="-128"/>
+              </a:endParaRPr>
             </a:p>
           </p:txBody>
         </p:sp>
@@ -11183,7 +11207,10 @@
             <a:lstStyle/>
             <a:p>
               <a:pPr algn="ctr"/>
-              <a:endParaRPr kumimoji="1" lang="ja-JP" altLang="en-US"/>
+              <a:endParaRPr kumimoji="1" lang="ja-JP" altLang="en-US" sz="1400">
+                <a:latin typeface="Hiragino Kaku Gothic Pro W3" panose="020B0300000000000000" pitchFamily="34" charset="-128"/>
+                <a:ea typeface="Hiragino Kaku Gothic Pro W3" panose="020B0300000000000000" pitchFamily="34" charset="-128"/>
+              </a:endParaRPr>
             </a:p>
           </p:txBody>
         </p:sp>
@@ -11201,8 +11228,8 @@
           </p:nvSpPr>
           <p:spPr>
             <a:xfrm>
-              <a:off x="3780098" y="4223208"/>
-              <a:ext cx="1569660" cy="646331"/>
+              <a:off x="3931629" y="4315103"/>
+              <a:ext cx="1261884" cy="523220"/>
             </a:xfrm>
             <a:prstGeom prst="rect">
               <a:avLst/>
@@ -11216,20 +11243,20 @@
             <a:lstStyle/>
             <a:p>
               <a:r>
-                <a:rPr lang="ja-JP" altLang="en-US">
+                <a:rPr lang="ja-JP" altLang="en-US" sz="1400">
                   <a:latin typeface="Hiragino Kaku Gothic Pro W3" panose="020B0300000000000000" pitchFamily="34" charset="-128"/>
                   <a:ea typeface="Hiragino Kaku Gothic Pro W3" panose="020B0300000000000000" pitchFamily="34" charset="-128"/>
                 </a:rPr>
                 <a:t>浮動小数点</a:t>
               </a:r>
-              <a:endParaRPr lang="en-US" altLang="ja-JP" dirty="0">
+              <a:endParaRPr lang="en-US" altLang="ja-JP" sz="1400" dirty="0">
                 <a:latin typeface="Hiragino Kaku Gothic Pro W3" panose="020B0300000000000000" pitchFamily="34" charset="-128"/>
                 <a:ea typeface="Hiragino Kaku Gothic Pro W3" panose="020B0300000000000000" pitchFamily="34" charset="-128"/>
               </a:endParaRPr>
             </a:p>
             <a:p>
               <a:r>
-                <a:rPr kumimoji="1" lang="ja-JP" altLang="en-US">
+                <a:rPr kumimoji="1" lang="ja-JP" altLang="en-US" sz="1400">
                   <a:latin typeface="Hiragino Kaku Gothic Pro W3" panose="020B0300000000000000" pitchFamily="34" charset="-128"/>
                   <a:ea typeface="Hiragino Kaku Gothic Pro W3" panose="020B0300000000000000" pitchFamily="34" charset="-128"/>
                 </a:rPr>
@@ -11252,8 +11279,8 @@
           </p:nvSpPr>
           <p:spPr>
             <a:xfrm>
-              <a:off x="2221018" y="3096484"/>
-              <a:ext cx="779359" cy="369332"/>
+              <a:off x="2255209" y="3126640"/>
+              <a:ext cx="622821" cy="307777"/>
             </a:xfrm>
             <a:prstGeom prst="rect">
               <a:avLst/>
@@ -11267,7 +11294,7 @@
             <a:lstStyle/>
             <a:p>
               <a:r>
-                <a:rPr kumimoji="1" lang="ja-JP" altLang="en-US">
+                <a:rPr kumimoji="1" lang="ja-JP" altLang="en-US" sz="1400">
                   <a:latin typeface="Hiragino Kaku Gothic Pro W3" panose="020B0300000000000000" pitchFamily="34" charset="-128"/>
                   <a:ea typeface="Hiragino Kaku Gothic Pro W3" panose="020B0300000000000000" pitchFamily="34" charset="-128"/>
                 </a:rPr>
@@ -11290,8 +11317,8 @@
           </p:nvSpPr>
           <p:spPr>
             <a:xfrm>
-              <a:off x="3206778" y="805693"/>
-              <a:ext cx="1569660" cy="646331"/>
+              <a:off x="3335692" y="916740"/>
+              <a:ext cx="1261884" cy="523220"/>
             </a:xfrm>
             <a:prstGeom prst="rect">
               <a:avLst/>
@@ -11305,20 +11332,20 @@
             <a:lstStyle/>
             <a:p>
               <a:r>
-                <a:rPr lang="ja-JP" altLang="en-US">
+                <a:rPr lang="ja-JP" altLang="en-US" sz="1400">
                   <a:latin typeface="Hiragino Kaku Gothic Pro W3" panose="020B0300000000000000" pitchFamily="34" charset="-128"/>
                   <a:ea typeface="Hiragino Kaku Gothic Pro W3" panose="020B0300000000000000" pitchFamily="34" charset="-128"/>
                 </a:rPr>
                 <a:t>命令デコード</a:t>
               </a:r>
-              <a:endParaRPr lang="en-US" altLang="ja-JP" dirty="0">
+              <a:endParaRPr lang="en-US" altLang="ja-JP" sz="1400" dirty="0">
                 <a:latin typeface="Hiragino Kaku Gothic Pro W3" panose="020B0300000000000000" pitchFamily="34" charset="-128"/>
                 <a:ea typeface="Hiragino Kaku Gothic Pro W3" panose="020B0300000000000000" pitchFamily="34" charset="-128"/>
               </a:endParaRPr>
             </a:p>
             <a:p>
               <a:r>
-                <a:rPr kumimoji="1" lang="ja-JP" altLang="en-US">
+                <a:rPr kumimoji="1" lang="ja-JP" altLang="en-US" sz="1400">
                   <a:latin typeface="Hiragino Kaku Gothic Pro W3" panose="020B0300000000000000" pitchFamily="34" charset="-128"/>
                   <a:ea typeface="Hiragino Kaku Gothic Pro W3" panose="020B0300000000000000" pitchFamily="34" charset="-128"/>
                 </a:rPr>

--- a/論文に使う画像.pptx
+++ b/論文に使う画像.pptx
@@ -5949,10 +5949,10 @@
       </p:grpSpPr>
       <p:grpSp>
         <p:nvGrpSpPr>
-          <p:cNvPr id="69" name="グループ化 68">
+          <p:cNvPr id="2" name="グループ化 1">
             <a:extLst>
               <a:ext uri="{FF2B5EF4-FFF2-40B4-BE49-F238E27FC236}">
-                <a16:creationId xmlns:a16="http://schemas.microsoft.com/office/drawing/2014/main" id="{C73A0B1F-26AC-DD4F-801F-9CD926A9171C}"/>
+                <a16:creationId xmlns:a16="http://schemas.microsoft.com/office/drawing/2014/main" id="{32742852-411B-D446-997A-83EC44BD5D8D}"/>
               </a:ext>
             </a:extLst>
           </p:cNvPr>
@@ -5961,18 +5961,764 @@
         </p:nvGrpSpPr>
         <p:grpSpPr>
           <a:xfrm>
-            <a:off x="539783" y="1519848"/>
-            <a:ext cx="2198107" cy="814296"/>
-            <a:chOff x="802706" y="1937759"/>
-            <a:chExt cx="2198107" cy="814296"/>
+            <a:off x="511386" y="765149"/>
+            <a:ext cx="5248666" cy="2653977"/>
+            <a:chOff x="511386" y="765149"/>
+            <a:chExt cx="5248666" cy="2653977"/>
           </a:xfrm>
         </p:grpSpPr>
+        <p:grpSp>
+          <p:nvGrpSpPr>
+            <p:cNvPr id="69" name="グループ化 68">
+              <a:extLst>
+                <a:ext uri="{FF2B5EF4-FFF2-40B4-BE49-F238E27FC236}">
+                  <a16:creationId xmlns:a16="http://schemas.microsoft.com/office/drawing/2014/main" id="{C73A0B1F-26AC-DD4F-801F-9CD926A9171C}"/>
+                </a:ext>
+              </a:extLst>
+            </p:cNvPr>
+            <p:cNvGrpSpPr/>
+            <p:nvPr/>
+          </p:nvGrpSpPr>
+          <p:grpSpPr>
+            <a:xfrm>
+              <a:off x="539783" y="1519848"/>
+              <a:ext cx="2198107" cy="814296"/>
+              <a:chOff x="802706" y="1937759"/>
+              <a:chExt cx="2198107" cy="814296"/>
+            </a:xfrm>
+          </p:grpSpPr>
+          <p:sp>
+            <p:nvSpPr>
+              <p:cNvPr id="70" name="正方形/長方形 69">
+                <a:extLst>
+                  <a:ext uri="{FF2B5EF4-FFF2-40B4-BE49-F238E27FC236}">
+                    <a16:creationId xmlns:a16="http://schemas.microsoft.com/office/drawing/2014/main" id="{09CBE9F9-571C-4443-964C-4624DC0DA7DA}"/>
+                  </a:ext>
+                </a:extLst>
+              </p:cNvPr>
+              <p:cNvSpPr/>
+              <p:nvPr/>
+            </p:nvSpPr>
+            <p:spPr>
+              <a:xfrm>
+                <a:off x="820269" y="1937759"/>
+                <a:ext cx="2180544" cy="814296"/>
+              </a:xfrm>
+              <a:prstGeom prst="rect">
+                <a:avLst/>
+              </a:prstGeom>
+              <a:solidFill>
+                <a:schemeClr val="accent2">
+                  <a:lumMod val="40000"/>
+                  <a:lumOff val="60000"/>
+                </a:schemeClr>
+              </a:solidFill>
+              <a:ln>
+                <a:noFill/>
+              </a:ln>
+            </p:spPr>
+            <p:style>
+              <a:lnRef idx="2">
+                <a:schemeClr val="accent1">
+                  <a:shade val="50000"/>
+                </a:schemeClr>
+              </a:lnRef>
+              <a:fillRef idx="1">
+                <a:schemeClr val="accent1"/>
+              </a:fillRef>
+              <a:effectRef idx="0">
+                <a:schemeClr val="accent1"/>
+              </a:effectRef>
+              <a:fontRef idx="minor">
+                <a:schemeClr val="lt1"/>
+              </a:fontRef>
+            </p:style>
+            <p:txBody>
+              <a:bodyPr rtlCol="0" anchor="ctr"/>
+              <a:lstStyle/>
+              <a:p>
+                <a:pPr algn="ctr"/>
+                <a:endParaRPr kumimoji="1" lang="ja-JP" altLang="en-US" sz="2000"/>
+              </a:p>
+            </p:txBody>
+          </p:sp>
+          <p:sp>
+            <p:nvSpPr>
+              <p:cNvPr id="71" name="テキスト ボックス 70">
+                <a:extLst>
+                  <a:ext uri="{FF2B5EF4-FFF2-40B4-BE49-F238E27FC236}">
+                    <a16:creationId xmlns:a16="http://schemas.microsoft.com/office/drawing/2014/main" id="{9F3626AC-96E0-9247-B70B-220DB3427EB5}"/>
+                  </a:ext>
+                </a:extLst>
+              </p:cNvPr>
+              <p:cNvSpPr txBox="1"/>
+              <p:nvPr/>
+            </p:nvSpPr>
+            <p:spPr>
+              <a:xfrm>
+                <a:off x="802706" y="1937759"/>
+                <a:ext cx="2135521" cy="707886"/>
+              </a:xfrm>
+              <a:prstGeom prst="rect">
+                <a:avLst/>
+              </a:prstGeom>
+              <a:noFill/>
+            </p:spPr>
+            <p:txBody>
+              <a:bodyPr wrap="none" rtlCol="0">
+                <a:spAutoFit/>
+              </a:bodyPr>
+              <a:lstStyle/>
+              <a:p>
+                <a:r>
+                  <a:rPr lang="en-US" altLang="ja-JP" sz="2000" dirty="0">
+                    <a:latin typeface="Hiragino Kaku Gothic Pro W3" panose="020B0300000000000000" pitchFamily="34" charset="-128"/>
+                    <a:ea typeface="Hiragino Kaku Gothic Pro W3" panose="020B0300000000000000" pitchFamily="34" charset="-128"/>
+                  </a:rPr>
+                  <a:t>Canvas</a:t>
+                </a:r>
+                <a:r>
+                  <a:rPr lang="ja-JP" altLang="en-US" sz="2000">
+                    <a:latin typeface="Hiragino Kaku Gothic Pro W3" panose="020B0300000000000000" pitchFamily="34" charset="-128"/>
+                    <a:ea typeface="Hiragino Kaku Gothic Pro W3" panose="020B0300000000000000" pitchFamily="34" charset="-128"/>
+                  </a:rPr>
+                  <a:t>要素取得</a:t>
+                </a:r>
+                <a:endParaRPr lang="en-US" altLang="ja-JP" sz="2000" dirty="0">
+                  <a:latin typeface="Hiragino Kaku Gothic Pro W3" panose="020B0300000000000000" pitchFamily="34" charset="-128"/>
+                  <a:ea typeface="Hiragino Kaku Gothic Pro W3" panose="020B0300000000000000" pitchFamily="34" charset="-128"/>
+                </a:endParaRPr>
+              </a:p>
+              <a:p>
+                <a:r>
+                  <a:rPr lang="en-US" altLang="ja-JP" sz="2000" dirty="0">
+                    <a:latin typeface="Hiragino Kaku Gothic Pro W3" panose="020B0300000000000000" pitchFamily="34" charset="-128"/>
+                    <a:ea typeface="Hiragino Kaku Gothic Pro W3" panose="020B0300000000000000" pitchFamily="34" charset="-128"/>
+                  </a:rPr>
+                  <a:t>worker</a:t>
+                </a:r>
+                <a:r>
+                  <a:rPr lang="ja-JP" altLang="en-US" sz="2000">
+                    <a:latin typeface="Hiragino Kaku Gothic Pro W3" panose="020B0300000000000000" pitchFamily="34" charset="-128"/>
+                    <a:ea typeface="Hiragino Kaku Gothic Pro W3" panose="020B0300000000000000" pitchFamily="34" charset="-128"/>
+                  </a:rPr>
+                  <a:t>作成</a:t>
+                </a:r>
+                <a:endParaRPr lang="en-US" altLang="ja-JP" sz="2000" dirty="0">
+                  <a:latin typeface="Hiragino Kaku Gothic Pro W3" panose="020B0300000000000000" pitchFamily="34" charset="-128"/>
+                  <a:ea typeface="Hiragino Kaku Gothic Pro W3" panose="020B0300000000000000" pitchFamily="34" charset="-128"/>
+                </a:endParaRPr>
+              </a:p>
+            </p:txBody>
+          </p:sp>
+        </p:grpSp>
+        <p:grpSp>
+          <p:nvGrpSpPr>
+            <p:cNvPr id="75" name="グループ化 74">
+              <a:extLst>
+                <a:ext uri="{FF2B5EF4-FFF2-40B4-BE49-F238E27FC236}">
+                  <a16:creationId xmlns:a16="http://schemas.microsoft.com/office/drawing/2014/main" id="{645BDE4F-F89F-3C45-87B9-AD5668D1C6DC}"/>
+                </a:ext>
+              </a:extLst>
+            </p:cNvPr>
+            <p:cNvGrpSpPr/>
+            <p:nvPr/>
+          </p:nvGrpSpPr>
+          <p:grpSpPr>
+            <a:xfrm>
+              <a:off x="548564" y="2641089"/>
+              <a:ext cx="2180544" cy="400113"/>
+              <a:chOff x="820269" y="4257846"/>
+              <a:chExt cx="2180544" cy="400113"/>
+            </a:xfrm>
+          </p:grpSpPr>
+          <p:sp>
+            <p:nvSpPr>
+              <p:cNvPr id="76" name="正方形/長方形 75">
+                <a:extLst>
+                  <a:ext uri="{FF2B5EF4-FFF2-40B4-BE49-F238E27FC236}">
+                    <a16:creationId xmlns:a16="http://schemas.microsoft.com/office/drawing/2014/main" id="{8EC6BE40-C79F-AA44-BAC5-7FC250D9DB41}"/>
+                  </a:ext>
+                </a:extLst>
+              </p:cNvPr>
+              <p:cNvSpPr/>
+              <p:nvPr/>
+            </p:nvSpPr>
+            <p:spPr>
+              <a:xfrm>
+                <a:off x="820269" y="4257846"/>
+                <a:ext cx="2180544" cy="389827"/>
+              </a:xfrm>
+              <a:prstGeom prst="rect">
+                <a:avLst/>
+              </a:prstGeom>
+              <a:solidFill>
+                <a:schemeClr val="accent2">
+                  <a:lumMod val="40000"/>
+                  <a:lumOff val="60000"/>
+                </a:schemeClr>
+              </a:solidFill>
+              <a:ln>
+                <a:noFill/>
+              </a:ln>
+            </p:spPr>
+            <p:style>
+              <a:lnRef idx="2">
+                <a:schemeClr val="accent1">
+                  <a:shade val="50000"/>
+                </a:schemeClr>
+              </a:lnRef>
+              <a:fillRef idx="1">
+                <a:schemeClr val="accent1"/>
+              </a:fillRef>
+              <a:effectRef idx="0">
+                <a:schemeClr val="accent1"/>
+              </a:effectRef>
+              <a:fontRef idx="minor">
+                <a:schemeClr val="lt1"/>
+              </a:fontRef>
+            </p:style>
+            <p:txBody>
+              <a:bodyPr rtlCol="0" anchor="ctr"/>
+              <a:lstStyle/>
+              <a:p>
+                <a:pPr algn="ctr"/>
+                <a:endParaRPr kumimoji="1" lang="ja-JP" altLang="en-US" sz="2000"/>
+              </a:p>
+            </p:txBody>
+          </p:sp>
+          <p:sp>
+            <p:nvSpPr>
+              <p:cNvPr id="77" name="テキスト ボックス 76">
+                <a:extLst>
+                  <a:ext uri="{FF2B5EF4-FFF2-40B4-BE49-F238E27FC236}">
+                    <a16:creationId xmlns:a16="http://schemas.microsoft.com/office/drawing/2014/main" id="{9FA11716-CFCB-234C-B9D6-DC606D43D1EB}"/>
+                  </a:ext>
+                </a:extLst>
+              </p:cNvPr>
+              <p:cNvSpPr txBox="1"/>
+              <p:nvPr/>
+            </p:nvSpPr>
+            <p:spPr>
+              <a:xfrm>
+                <a:off x="842780" y="4257849"/>
+                <a:ext cx="2135521" cy="400110"/>
+              </a:xfrm>
+              <a:prstGeom prst="rect">
+                <a:avLst/>
+              </a:prstGeom>
+              <a:noFill/>
+            </p:spPr>
+            <p:txBody>
+              <a:bodyPr wrap="none" rtlCol="0">
+                <a:spAutoFit/>
+              </a:bodyPr>
+              <a:lstStyle/>
+              <a:p>
+                <a:r>
+                  <a:rPr lang="en-US" altLang="ja-JP" sz="2000" dirty="0">
+                    <a:latin typeface="Hiragino Kaku Gothic Pro W3" panose="020B0300000000000000" pitchFamily="34" charset="-128"/>
+                    <a:ea typeface="Hiragino Kaku Gothic Pro W3" panose="020B0300000000000000" pitchFamily="34" charset="-128"/>
+                  </a:rPr>
+                  <a:t>Canvas</a:t>
+                </a:r>
+                <a:r>
+                  <a:rPr lang="ja-JP" altLang="en-US" sz="2000">
+                    <a:latin typeface="Hiragino Kaku Gothic Pro W3" panose="020B0300000000000000" pitchFamily="34" charset="-128"/>
+                    <a:ea typeface="Hiragino Kaku Gothic Pro W3" panose="020B0300000000000000" pitchFamily="34" charset="-128"/>
+                  </a:rPr>
+                  <a:t>要素送信</a:t>
+                </a:r>
+                <a:endParaRPr lang="en-US" altLang="ja-JP" sz="2000" dirty="0">
+                  <a:latin typeface="Hiragino Kaku Gothic Pro W3" panose="020B0300000000000000" pitchFamily="34" charset="-128"/>
+                  <a:ea typeface="Hiragino Kaku Gothic Pro W3" panose="020B0300000000000000" pitchFamily="34" charset="-128"/>
+                </a:endParaRPr>
+              </a:p>
+            </p:txBody>
+          </p:sp>
+        </p:grpSp>
+        <p:grpSp>
+          <p:nvGrpSpPr>
+            <p:cNvPr id="85" name="グループ化 84">
+              <a:extLst>
+                <a:ext uri="{FF2B5EF4-FFF2-40B4-BE49-F238E27FC236}">
+                  <a16:creationId xmlns:a16="http://schemas.microsoft.com/office/drawing/2014/main" id="{89826A22-B094-F843-A163-42C0A697EF06}"/>
+                </a:ext>
+              </a:extLst>
+            </p:cNvPr>
+            <p:cNvGrpSpPr/>
+            <p:nvPr/>
+          </p:nvGrpSpPr>
+          <p:grpSpPr>
+            <a:xfrm>
+              <a:off x="3399148" y="765149"/>
+              <a:ext cx="2183232" cy="420989"/>
+              <a:chOff x="817581" y="2144511"/>
+              <a:chExt cx="2183232" cy="420989"/>
+            </a:xfrm>
+          </p:grpSpPr>
+          <p:sp>
+            <p:nvSpPr>
+              <p:cNvPr id="86" name="正方形/長方形 85">
+                <a:extLst>
+                  <a:ext uri="{FF2B5EF4-FFF2-40B4-BE49-F238E27FC236}">
+                    <a16:creationId xmlns:a16="http://schemas.microsoft.com/office/drawing/2014/main" id="{68563B49-5681-0145-9B8F-0ACD7003EC31}"/>
+                  </a:ext>
+                </a:extLst>
+              </p:cNvPr>
+              <p:cNvSpPr/>
+              <p:nvPr/>
+            </p:nvSpPr>
+            <p:spPr>
+              <a:xfrm>
+                <a:off x="820269" y="2144511"/>
+                <a:ext cx="2180544" cy="390616"/>
+              </a:xfrm>
+              <a:prstGeom prst="rect">
+                <a:avLst/>
+              </a:prstGeom>
+              <a:solidFill>
+                <a:schemeClr val="accent2">
+                  <a:lumMod val="40000"/>
+                  <a:lumOff val="60000"/>
+                </a:schemeClr>
+              </a:solidFill>
+              <a:ln>
+                <a:noFill/>
+              </a:ln>
+            </p:spPr>
+            <p:style>
+              <a:lnRef idx="2">
+                <a:schemeClr val="accent1">
+                  <a:shade val="50000"/>
+                </a:schemeClr>
+              </a:lnRef>
+              <a:fillRef idx="1">
+                <a:schemeClr val="accent1"/>
+              </a:fillRef>
+              <a:effectRef idx="0">
+                <a:schemeClr val="accent1"/>
+              </a:effectRef>
+              <a:fontRef idx="minor">
+                <a:schemeClr val="lt1"/>
+              </a:fontRef>
+            </p:style>
+            <p:txBody>
+              <a:bodyPr rtlCol="0" anchor="ctr"/>
+              <a:lstStyle/>
+              <a:p>
+                <a:pPr algn="ctr"/>
+                <a:endParaRPr kumimoji="1" lang="ja-JP" altLang="en-US" sz="2000"/>
+              </a:p>
+            </p:txBody>
+          </p:sp>
+          <p:sp>
+            <p:nvSpPr>
+              <p:cNvPr id="87" name="テキスト ボックス 86">
+                <a:extLst>
+                  <a:ext uri="{FF2B5EF4-FFF2-40B4-BE49-F238E27FC236}">
+                    <a16:creationId xmlns:a16="http://schemas.microsoft.com/office/drawing/2014/main" id="{F9FC5368-0C0C-6C40-8539-F144BC17A8E6}"/>
+                  </a:ext>
+                </a:extLst>
+              </p:cNvPr>
+              <p:cNvSpPr txBox="1"/>
+              <p:nvPr/>
+            </p:nvSpPr>
+            <p:spPr>
+              <a:xfrm>
+                <a:off x="817581" y="2165390"/>
+                <a:ext cx="2135521" cy="400110"/>
+              </a:xfrm>
+              <a:prstGeom prst="rect">
+                <a:avLst/>
+              </a:prstGeom>
+              <a:noFill/>
+            </p:spPr>
+            <p:txBody>
+              <a:bodyPr wrap="none" rtlCol="0">
+                <a:spAutoFit/>
+              </a:bodyPr>
+              <a:lstStyle/>
+              <a:p>
+                <a:r>
+                  <a:rPr lang="en-US" altLang="ja-JP" sz="2000" dirty="0">
+                    <a:latin typeface="Hiragino Kaku Gothic Pro W3" panose="020B0300000000000000" pitchFamily="34" charset="-128"/>
+                    <a:ea typeface="Hiragino Kaku Gothic Pro W3" panose="020B0300000000000000" pitchFamily="34" charset="-128"/>
+                  </a:rPr>
+                  <a:t>Canvas</a:t>
+                </a:r>
+                <a:r>
+                  <a:rPr lang="ja-JP" altLang="en-US" sz="2000">
+                    <a:latin typeface="Hiragino Kaku Gothic Pro W3" panose="020B0300000000000000" pitchFamily="34" charset="-128"/>
+                    <a:ea typeface="Hiragino Kaku Gothic Pro W3" panose="020B0300000000000000" pitchFamily="34" charset="-128"/>
+                  </a:rPr>
+                  <a:t>要素受信</a:t>
+                </a:r>
+                <a:endParaRPr lang="en-US" altLang="ja-JP" sz="2000" dirty="0">
+                  <a:latin typeface="Hiragino Kaku Gothic Pro W3" panose="020B0300000000000000" pitchFamily="34" charset="-128"/>
+                  <a:ea typeface="Hiragino Kaku Gothic Pro W3" panose="020B0300000000000000" pitchFamily="34" charset="-128"/>
+                </a:endParaRPr>
+              </a:p>
+            </p:txBody>
+          </p:sp>
+        </p:grpSp>
+        <p:grpSp>
+          <p:nvGrpSpPr>
+            <p:cNvPr id="88" name="グループ化 87">
+              <a:extLst>
+                <a:ext uri="{FF2B5EF4-FFF2-40B4-BE49-F238E27FC236}">
+                  <a16:creationId xmlns:a16="http://schemas.microsoft.com/office/drawing/2014/main" id="{803F4D88-F4F8-AE4D-9DF4-C53A6E594C0F}"/>
+                </a:ext>
+              </a:extLst>
+            </p:cNvPr>
+            <p:cNvGrpSpPr/>
+            <p:nvPr/>
+          </p:nvGrpSpPr>
+          <p:grpSpPr>
+            <a:xfrm>
+              <a:off x="3400492" y="1501843"/>
+              <a:ext cx="2180544" cy="400110"/>
+              <a:chOff x="820269" y="3215947"/>
+              <a:chExt cx="2180544" cy="400110"/>
+            </a:xfrm>
+          </p:grpSpPr>
+          <p:sp>
+            <p:nvSpPr>
+              <p:cNvPr id="89" name="正方形/長方形 88">
+                <a:extLst>
+                  <a:ext uri="{FF2B5EF4-FFF2-40B4-BE49-F238E27FC236}">
+                    <a16:creationId xmlns:a16="http://schemas.microsoft.com/office/drawing/2014/main" id="{3F24F69F-355B-EF44-9465-AB90799FDBCA}"/>
+                  </a:ext>
+                </a:extLst>
+              </p:cNvPr>
+              <p:cNvSpPr/>
+              <p:nvPr/>
+            </p:nvSpPr>
+            <p:spPr>
+              <a:xfrm>
+                <a:off x="820269" y="3223493"/>
+                <a:ext cx="2180544" cy="378468"/>
+              </a:xfrm>
+              <a:prstGeom prst="rect">
+                <a:avLst/>
+              </a:prstGeom>
+              <a:solidFill>
+                <a:schemeClr val="accent6">
+                  <a:lumMod val="40000"/>
+                  <a:lumOff val="60000"/>
+                </a:schemeClr>
+              </a:solidFill>
+              <a:ln>
+                <a:noFill/>
+              </a:ln>
+            </p:spPr>
+            <p:style>
+              <a:lnRef idx="2">
+                <a:schemeClr val="accent1">
+                  <a:shade val="50000"/>
+                </a:schemeClr>
+              </a:lnRef>
+              <a:fillRef idx="1">
+                <a:schemeClr val="accent1"/>
+              </a:fillRef>
+              <a:effectRef idx="0">
+                <a:schemeClr val="accent1"/>
+              </a:effectRef>
+              <a:fontRef idx="minor">
+                <a:schemeClr val="lt1"/>
+              </a:fontRef>
+            </p:style>
+            <p:txBody>
+              <a:bodyPr rtlCol="0" anchor="ctr"/>
+              <a:lstStyle/>
+              <a:p>
+                <a:pPr algn="ctr"/>
+                <a:endParaRPr kumimoji="1" lang="ja-JP" altLang="en-US" sz="2000"/>
+              </a:p>
+            </p:txBody>
+          </p:sp>
+          <p:sp>
+            <p:nvSpPr>
+              <p:cNvPr id="90" name="テキスト ボックス 89">
+                <a:extLst>
+                  <a:ext uri="{FF2B5EF4-FFF2-40B4-BE49-F238E27FC236}">
+                    <a16:creationId xmlns:a16="http://schemas.microsoft.com/office/drawing/2014/main" id="{E95C5F2A-23C1-5342-BEC9-44CAD500BDE3}"/>
+                  </a:ext>
+                </a:extLst>
+              </p:cNvPr>
+              <p:cNvSpPr txBox="1"/>
+              <p:nvPr/>
+            </p:nvSpPr>
+            <p:spPr>
+              <a:xfrm>
+                <a:off x="1561727" y="3215947"/>
+                <a:ext cx="697627" cy="400110"/>
+              </a:xfrm>
+              <a:prstGeom prst="rect">
+                <a:avLst/>
+              </a:prstGeom>
+              <a:noFill/>
+            </p:spPr>
+            <p:txBody>
+              <a:bodyPr wrap="none" rtlCol="0">
+                <a:spAutoFit/>
+              </a:bodyPr>
+              <a:lstStyle/>
+              <a:p>
+                <a:r>
+                  <a:rPr kumimoji="1" lang="ja-JP" altLang="en-US" sz="2000">
+                    <a:latin typeface="Hiragino Kaku Gothic Pro W3" panose="020B0300000000000000" pitchFamily="34" charset="-128"/>
+                    <a:ea typeface="Hiragino Kaku Gothic Pro W3" panose="020B0300000000000000" pitchFamily="34" charset="-128"/>
+                  </a:rPr>
+                  <a:t>演算</a:t>
+                </a:r>
+              </a:p>
+            </p:txBody>
+          </p:sp>
+        </p:grpSp>
+        <p:grpSp>
+          <p:nvGrpSpPr>
+            <p:cNvPr id="91" name="グループ化 90">
+              <a:extLst>
+                <a:ext uri="{FF2B5EF4-FFF2-40B4-BE49-F238E27FC236}">
+                  <a16:creationId xmlns:a16="http://schemas.microsoft.com/office/drawing/2014/main" id="{6E175F04-2D0A-E043-ACD7-48CB671F8862}"/>
+                </a:ext>
+              </a:extLst>
+            </p:cNvPr>
+            <p:cNvGrpSpPr/>
+            <p:nvPr/>
+          </p:nvGrpSpPr>
+          <p:grpSpPr>
+            <a:xfrm>
+              <a:off x="3400492" y="2217658"/>
+              <a:ext cx="2180544" cy="430955"/>
+              <a:chOff x="820269" y="4223312"/>
+              <a:chExt cx="2180544" cy="430955"/>
+            </a:xfrm>
+          </p:grpSpPr>
+          <p:sp>
+            <p:nvSpPr>
+              <p:cNvPr id="92" name="正方形/長方形 91">
+                <a:extLst>
+                  <a:ext uri="{FF2B5EF4-FFF2-40B4-BE49-F238E27FC236}">
+                    <a16:creationId xmlns:a16="http://schemas.microsoft.com/office/drawing/2014/main" id="{880844F5-8C59-9341-95B6-BC3D15E21BCF}"/>
+                  </a:ext>
+                </a:extLst>
+              </p:cNvPr>
+              <p:cNvSpPr/>
+              <p:nvPr/>
+            </p:nvSpPr>
+            <p:spPr>
+              <a:xfrm>
+                <a:off x="820269" y="4223312"/>
+                <a:ext cx="2180544" cy="400110"/>
+              </a:xfrm>
+              <a:prstGeom prst="rect">
+                <a:avLst/>
+              </a:prstGeom>
+              <a:solidFill>
+                <a:schemeClr val="accent6">
+                  <a:lumMod val="40000"/>
+                  <a:lumOff val="60000"/>
+                </a:schemeClr>
+              </a:solidFill>
+              <a:ln>
+                <a:noFill/>
+              </a:ln>
+            </p:spPr>
+            <p:style>
+              <a:lnRef idx="2">
+                <a:schemeClr val="accent1">
+                  <a:shade val="50000"/>
+                </a:schemeClr>
+              </a:lnRef>
+              <a:fillRef idx="1">
+                <a:schemeClr val="accent1"/>
+              </a:fillRef>
+              <a:effectRef idx="0">
+                <a:schemeClr val="accent1"/>
+              </a:effectRef>
+              <a:fontRef idx="minor">
+                <a:schemeClr val="lt1"/>
+              </a:fontRef>
+            </p:style>
+            <p:txBody>
+              <a:bodyPr rtlCol="0" anchor="ctr"/>
+              <a:lstStyle/>
+              <a:p>
+                <a:pPr algn="ctr"/>
+                <a:endParaRPr kumimoji="1" lang="ja-JP" altLang="en-US" sz="2000"/>
+              </a:p>
+            </p:txBody>
+          </p:sp>
+          <p:sp>
+            <p:nvSpPr>
+              <p:cNvPr id="93" name="テキスト ボックス 92">
+                <a:extLst>
+                  <a:ext uri="{FF2B5EF4-FFF2-40B4-BE49-F238E27FC236}">
+                    <a16:creationId xmlns:a16="http://schemas.microsoft.com/office/drawing/2014/main" id="{4CC207C3-67C8-CC4D-987B-7FFA1A6DE78F}"/>
+                  </a:ext>
+                </a:extLst>
+              </p:cNvPr>
+              <p:cNvSpPr txBox="1"/>
+              <p:nvPr/>
+            </p:nvSpPr>
+            <p:spPr>
+              <a:xfrm>
+                <a:off x="1536527" y="4254157"/>
+                <a:ext cx="697627" cy="400110"/>
+              </a:xfrm>
+              <a:prstGeom prst="rect">
+                <a:avLst/>
+              </a:prstGeom>
+              <a:noFill/>
+            </p:spPr>
+            <p:txBody>
+              <a:bodyPr wrap="none" rtlCol="0">
+                <a:spAutoFit/>
+              </a:bodyPr>
+              <a:lstStyle/>
+              <a:p>
+                <a:r>
+                  <a:rPr lang="ja-JP" altLang="en-US" sz="2000">
+                    <a:latin typeface="Hiragino Kaku Gothic Pro W3" panose="020B0300000000000000" pitchFamily="34" charset="-128"/>
+                    <a:ea typeface="Hiragino Kaku Gothic Pro W3" panose="020B0300000000000000" pitchFamily="34" charset="-128"/>
+                  </a:rPr>
+                  <a:t>描画</a:t>
+                </a:r>
+                <a:endParaRPr lang="en-US" altLang="ja-JP" sz="2000" dirty="0">
+                  <a:latin typeface="Hiragino Kaku Gothic Pro W3" panose="020B0300000000000000" pitchFamily="34" charset="-128"/>
+                  <a:ea typeface="Hiragino Kaku Gothic Pro W3" panose="020B0300000000000000" pitchFamily="34" charset="-128"/>
+                </a:endParaRPr>
+              </a:p>
+            </p:txBody>
+          </p:sp>
+        </p:grpSp>
+        <p:grpSp>
+          <p:nvGrpSpPr>
+            <p:cNvPr id="37" name="グループ化 36">
+              <a:extLst>
+                <a:ext uri="{FF2B5EF4-FFF2-40B4-BE49-F238E27FC236}">
+                  <a16:creationId xmlns:a16="http://schemas.microsoft.com/office/drawing/2014/main" id="{A1FFF684-A591-B647-9B35-02145A244AA1}"/>
+                </a:ext>
+              </a:extLst>
+            </p:cNvPr>
+            <p:cNvGrpSpPr/>
+            <p:nvPr/>
+          </p:nvGrpSpPr>
+          <p:grpSpPr>
+            <a:xfrm>
+              <a:off x="511386" y="765149"/>
+              <a:ext cx="2254900" cy="447754"/>
+              <a:chOff x="783091" y="1072798"/>
+              <a:chExt cx="2254900" cy="447754"/>
+            </a:xfrm>
+          </p:grpSpPr>
+          <p:sp>
+            <p:nvSpPr>
+              <p:cNvPr id="42" name="角丸四角形 41">
+                <a:extLst>
+                  <a:ext uri="{FF2B5EF4-FFF2-40B4-BE49-F238E27FC236}">
+                    <a16:creationId xmlns:a16="http://schemas.microsoft.com/office/drawing/2014/main" id="{8AC88BDD-0B7B-6043-8399-81D9CEA6F840}"/>
+                  </a:ext>
+                </a:extLst>
+              </p:cNvPr>
+              <p:cNvSpPr/>
+              <p:nvPr/>
+            </p:nvSpPr>
+            <p:spPr>
+              <a:xfrm>
+                <a:off x="783091" y="1072798"/>
+                <a:ext cx="2254900" cy="447754"/>
+              </a:xfrm>
+              <a:prstGeom prst="roundRect">
+                <a:avLst>
+                  <a:gd name="adj" fmla="val 50000"/>
+                </a:avLst>
+              </a:prstGeom>
+              <a:solidFill>
+                <a:schemeClr val="accent3">
+                  <a:lumMod val="40000"/>
+                  <a:lumOff val="60000"/>
+                </a:schemeClr>
+              </a:solidFill>
+              <a:ln>
+                <a:noFill/>
+              </a:ln>
+            </p:spPr>
+            <p:style>
+              <a:lnRef idx="2">
+                <a:schemeClr val="accent1">
+                  <a:shade val="50000"/>
+                </a:schemeClr>
+              </a:lnRef>
+              <a:fillRef idx="1">
+                <a:schemeClr val="accent1"/>
+              </a:fillRef>
+              <a:effectRef idx="0">
+                <a:schemeClr val="accent1"/>
+              </a:effectRef>
+              <a:fontRef idx="minor">
+                <a:schemeClr val="lt1"/>
+              </a:fontRef>
+            </p:style>
+            <p:txBody>
+              <a:bodyPr rtlCol="0" anchor="ctr"/>
+              <a:lstStyle/>
+              <a:p>
+                <a:pPr algn="ctr"/>
+                <a:endParaRPr kumimoji="1" lang="ja-JP" altLang="en-US" sz="2000">
+                  <a:latin typeface="Hiragino Kaku Gothic Pro W3" panose="020B0300000000000000" pitchFamily="34" charset="-128"/>
+                  <a:ea typeface="Hiragino Kaku Gothic Pro W3" panose="020B0300000000000000" pitchFamily="34" charset="-128"/>
+                </a:endParaRPr>
+              </a:p>
+            </p:txBody>
+          </p:sp>
+          <p:sp>
+            <p:nvSpPr>
+              <p:cNvPr id="43" name="テキスト ボックス 42">
+                <a:extLst>
+                  <a:ext uri="{FF2B5EF4-FFF2-40B4-BE49-F238E27FC236}">
+                    <a16:creationId xmlns:a16="http://schemas.microsoft.com/office/drawing/2014/main" id="{A558958A-7ACD-3E4F-B069-8FE79C6520D7}"/>
+                  </a:ext>
+                </a:extLst>
+              </p:cNvPr>
+              <p:cNvSpPr txBox="1"/>
+              <p:nvPr/>
+            </p:nvSpPr>
+            <p:spPr>
+              <a:xfrm>
+                <a:off x="1510432" y="1072798"/>
+                <a:ext cx="697627" cy="400110"/>
+              </a:xfrm>
+              <a:prstGeom prst="rect">
+                <a:avLst/>
+              </a:prstGeom>
+              <a:noFill/>
+            </p:spPr>
+            <p:txBody>
+              <a:bodyPr wrap="none" rtlCol="0">
+                <a:spAutoFit/>
+              </a:bodyPr>
+              <a:lstStyle/>
+              <a:p>
+                <a:r>
+                  <a:rPr kumimoji="1" lang="ja-JP" altLang="en-US" sz="2000">
+                    <a:latin typeface="Hiragino Kaku Gothic Pro W3" panose="020B0300000000000000" pitchFamily="34" charset="-128"/>
+                    <a:ea typeface="Hiragino Kaku Gothic Pro W3" panose="020B0300000000000000" pitchFamily="34" charset="-128"/>
+                  </a:rPr>
+                  <a:t>開始</a:t>
+                </a:r>
+              </a:p>
+            </p:txBody>
+          </p:sp>
+        </p:grpSp>
         <p:sp>
           <p:nvSpPr>
-            <p:cNvPr id="70" name="正方形/長方形 69">
+            <p:cNvPr id="44" name="下矢印 43">
               <a:extLst>
                 <a:ext uri="{FF2B5EF4-FFF2-40B4-BE49-F238E27FC236}">
-                  <a16:creationId xmlns:a16="http://schemas.microsoft.com/office/drawing/2014/main" id="{09CBE9F9-571C-4443-964C-4624DC0DA7DA}"/>
+                  <a16:creationId xmlns:a16="http://schemas.microsoft.com/office/drawing/2014/main" id="{522EFECA-76F9-9841-959E-123D5C94A680}"/>
                 </a:ext>
               </a:extLst>
             </p:cNvPr>
@@ -5981,16 +6727,16 @@
           </p:nvSpPr>
           <p:spPr>
             <a:xfrm>
-              <a:off x="820269" y="1937759"/>
-              <a:ext cx="2180544" cy="814296"/>
+              <a:off x="1548836" y="1230828"/>
+              <a:ext cx="180000" cy="271095"/>
             </a:xfrm>
-            <a:prstGeom prst="rect">
+            <a:prstGeom prst="downArrow">
               <a:avLst/>
             </a:prstGeom>
             <a:solidFill>
-              <a:schemeClr val="accent2">
-                <a:lumMod val="40000"/>
-                <a:lumOff val="60000"/>
+              <a:schemeClr val="tx1">
+                <a:lumMod val="85000"/>
+                <a:lumOff val="15000"/>
               </a:schemeClr>
             </a:solidFill>
             <a:ln>
@@ -6018,106 +6764,16 @@
             <a:lstStyle/>
             <a:p>
               <a:pPr algn="ctr"/>
-              <a:endParaRPr kumimoji="1" lang="ja-JP" altLang="en-US" sz="2000"/>
+              <a:endParaRPr kumimoji="1" lang="ja-JP" altLang="en-US"/>
             </a:p>
           </p:txBody>
         </p:sp>
         <p:sp>
           <p:nvSpPr>
-            <p:cNvPr id="71" name="テキスト ボックス 70">
+            <p:cNvPr id="51" name="下矢印 50">
               <a:extLst>
                 <a:ext uri="{FF2B5EF4-FFF2-40B4-BE49-F238E27FC236}">
-                  <a16:creationId xmlns:a16="http://schemas.microsoft.com/office/drawing/2014/main" id="{9F3626AC-96E0-9247-B70B-220DB3427EB5}"/>
-                </a:ext>
-              </a:extLst>
-            </p:cNvPr>
-            <p:cNvSpPr txBox="1"/>
-            <p:nvPr/>
-          </p:nvSpPr>
-          <p:spPr>
-            <a:xfrm>
-              <a:off x="802706" y="1937759"/>
-              <a:ext cx="2135521" cy="707886"/>
-            </a:xfrm>
-            <a:prstGeom prst="rect">
-              <a:avLst/>
-            </a:prstGeom>
-            <a:noFill/>
-          </p:spPr>
-          <p:txBody>
-            <a:bodyPr wrap="none" rtlCol="0">
-              <a:spAutoFit/>
-            </a:bodyPr>
-            <a:lstStyle/>
-            <a:p>
-              <a:r>
-                <a:rPr lang="en-US" altLang="ja-JP" sz="2000" dirty="0">
-                  <a:latin typeface="Hiragino Kaku Gothic Pro W3" panose="020B0300000000000000" pitchFamily="34" charset="-128"/>
-                  <a:ea typeface="Hiragino Kaku Gothic Pro W3" panose="020B0300000000000000" pitchFamily="34" charset="-128"/>
-                </a:rPr>
-                <a:t>Canvas</a:t>
-              </a:r>
-              <a:r>
-                <a:rPr lang="ja-JP" altLang="en-US" sz="2000">
-                  <a:latin typeface="Hiragino Kaku Gothic Pro W3" panose="020B0300000000000000" pitchFamily="34" charset="-128"/>
-                  <a:ea typeface="Hiragino Kaku Gothic Pro W3" panose="020B0300000000000000" pitchFamily="34" charset="-128"/>
-                </a:rPr>
-                <a:t>要素取得</a:t>
-              </a:r>
-              <a:endParaRPr lang="en-US" altLang="ja-JP" sz="2000" dirty="0">
-                <a:latin typeface="Hiragino Kaku Gothic Pro W3" panose="020B0300000000000000" pitchFamily="34" charset="-128"/>
-                <a:ea typeface="Hiragino Kaku Gothic Pro W3" panose="020B0300000000000000" pitchFamily="34" charset="-128"/>
-              </a:endParaRPr>
-            </a:p>
-            <a:p>
-              <a:r>
-                <a:rPr lang="en-US" altLang="ja-JP" sz="2000" dirty="0">
-                  <a:latin typeface="Hiragino Kaku Gothic Pro W3" panose="020B0300000000000000" pitchFamily="34" charset="-128"/>
-                  <a:ea typeface="Hiragino Kaku Gothic Pro W3" panose="020B0300000000000000" pitchFamily="34" charset="-128"/>
-                </a:rPr>
-                <a:t>worker</a:t>
-              </a:r>
-              <a:r>
-                <a:rPr lang="ja-JP" altLang="en-US" sz="2000">
-                  <a:latin typeface="Hiragino Kaku Gothic Pro W3" panose="020B0300000000000000" pitchFamily="34" charset="-128"/>
-                  <a:ea typeface="Hiragino Kaku Gothic Pro W3" panose="020B0300000000000000" pitchFamily="34" charset="-128"/>
-                </a:rPr>
-                <a:t>作成</a:t>
-              </a:r>
-              <a:endParaRPr lang="en-US" altLang="ja-JP" sz="2000" dirty="0">
-                <a:latin typeface="Hiragino Kaku Gothic Pro W3" panose="020B0300000000000000" pitchFamily="34" charset="-128"/>
-                <a:ea typeface="Hiragino Kaku Gothic Pro W3" panose="020B0300000000000000" pitchFamily="34" charset="-128"/>
-              </a:endParaRPr>
-            </a:p>
-          </p:txBody>
-        </p:sp>
-      </p:grpSp>
-      <p:grpSp>
-        <p:nvGrpSpPr>
-          <p:cNvPr id="75" name="グループ化 74">
-            <a:extLst>
-              <a:ext uri="{FF2B5EF4-FFF2-40B4-BE49-F238E27FC236}">
-                <a16:creationId xmlns:a16="http://schemas.microsoft.com/office/drawing/2014/main" id="{645BDE4F-F89F-3C45-87B9-AD5668D1C6DC}"/>
-              </a:ext>
-            </a:extLst>
-          </p:cNvPr>
-          <p:cNvGrpSpPr/>
-          <p:nvPr/>
-        </p:nvGrpSpPr>
-        <p:grpSpPr>
-          <a:xfrm>
-            <a:off x="548564" y="2641089"/>
-            <a:ext cx="2180544" cy="400113"/>
-            <a:chOff x="820269" y="4257846"/>
-            <a:chExt cx="2180544" cy="400113"/>
-          </a:xfrm>
-        </p:grpSpPr>
-        <p:sp>
-          <p:nvSpPr>
-            <p:cNvPr id="76" name="正方形/長方形 75">
-              <a:extLst>
-                <a:ext uri="{FF2B5EF4-FFF2-40B4-BE49-F238E27FC236}">
-                  <a16:creationId xmlns:a16="http://schemas.microsoft.com/office/drawing/2014/main" id="{8EC6BE40-C79F-AA44-BAC5-7FC250D9DB41}"/>
+                  <a16:creationId xmlns:a16="http://schemas.microsoft.com/office/drawing/2014/main" id="{58884873-AADB-DD42-A52D-C53FE26549A4}"/>
                 </a:ext>
               </a:extLst>
             </p:cNvPr>
@@ -6126,16 +6782,16 @@
           </p:nvSpPr>
           <p:spPr>
             <a:xfrm>
-              <a:off x="820269" y="4257846"/>
-              <a:ext cx="2180544" cy="389827"/>
+              <a:off x="1548836" y="2352069"/>
+              <a:ext cx="180000" cy="271095"/>
             </a:xfrm>
-            <a:prstGeom prst="rect">
+            <a:prstGeom prst="downArrow">
               <a:avLst/>
             </a:prstGeom>
             <a:solidFill>
-              <a:schemeClr val="accent2">
-                <a:lumMod val="40000"/>
-                <a:lumOff val="60000"/>
+              <a:schemeClr val="tx1">
+                <a:lumMod val="85000"/>
+                <a:lumOff val="15000"/>
               </a:schemeClr>
             </a:solidFill>
             <a:ln>
@@ -6163,86 +6819,16 @@
             <a:lstStyle/>
             <a:p>
               <a:pPr algn="ctr"/>
-              <a:endParaRPr kumimoji="1" lang="ja-JP" altLang="en-US" sz="2000"/>
+              <a:endParaRPr kumimoji="1" lang="ja-JP" altLang="en-US"/>
             </a:p>
           </p:txBody>
         </p:sp>
         <p:sp>
           <p:nvSpPr>
-            <p:cNvPr id="77" name="テキスト ボックス 76">
+            <p:cNvPr id="52" name="下矢印 51">
               <a:extLst>
                 <a:ext uri="{FF2B5EF4-FFF2-40B4-BE49-F238E27FC236}">
-                  <a16:creationId xmlns:a16="http://schemas.microsoft.com/office/drawing/2014/main" id="{9FA11716-CFCB-234C-B9D6-DC606D43D1EB}"/>
-                </a:ext>
-              </a:extLst>
-            </p:cNvPr>
-            <p:cNvSpPr txBox="1"/>
-            <p:nvPr/>
-          </p:nvSpPr>
-          <p:spPr>
-            <a:xfrm>
-              <a:off x="842780" y="4257849"/>
-              <a:ext cx="2135521" cy="400110"/>
-            </a:xfrm>
-            <a:prstGeom prst="rect">
-              <a:avLst/>
-            </a:prstGeom>
-            <a:noFill/>
-          </p:spPr>
-          <p:txBody>
-            <a:bodyPr wrap="none" rtlCol="0">
-              <a:spAutoFit/>
-            </a:bodyPr>
-            <a:lstStyle/>
-            <a:p>
-              <a:r>
-                <a:rPr lang="en-US" altLang="ja-JP" sz="2000" dirty="0">
-                  <a:latin typeface="Hiragino Kaku Gothic Pro W3" panose="020B0300000000000000" pitchFamily="34" charset="-128"/>
-                  <a:ea typeface="Hiragino Kaku Gothic Pro W3" panose="020B0300000000000000" pitchFamily="34" charset="-128"/>
-                </a:rPr>
-                <a:t>Canvas</a:t>
-              </a:r>
-              <a:r>
-                <a:rPr lang="ja-JP" altLang="en-US" sz="2000">
-                  <a:latin typeface="Hiragino Kaku Gothic Pro W3" panose="020B0300000000000000" pitchFamily="34" charset="-128"/>
-                  <a:ea typeface="Hiragino Kaku Gothic Pro W3" panose="020B0300000000000000" pitchFamily="34" charset="-128"/>
-                </a:rPr>
-                <a:t>要素送信</a:t>
-              </a:r>
-              <a:endParaRPr lang="en-US" altLang="ja-JP" sz="2000" dirty="0">
-                <a:latin typeface="Hiragino Kaku Gothic Pro W3" panose="020B0300000000000000" pitchFamily="34" charset="-128"/>
-                <a:ea typeface="Hiragino Kaku Gothic Pro W3" panose="020B0300000000000000" pitchFamily="34" charset="-128"/>
-              </a:endParaRPr>
-            </a:p>
-          </p:txBody>
-        </p:sp>
-      </p:grpSp>
-      <p:grpSp>
-        <p:nvGrpSpPr>
-          <p:cNvPr id="85" name="グループ化 84">
-            <a:extLst>
-              <a:ext uri="{FF2B5EF4-FFF2-40B4-BE49-F238E27FC236}">
-                <a16:creationId xmlns:a16="http://schemas.microsoft.com/office/drawing/2014/main" id="{89826A22-B094-F843-A163-42C0A697EF06}"/>
-              </a:ext>
-            </a:extLst>
-          </p:cNvPr>
-          <p:cNvGrpSpPr/>
-          <p:nvPr/>
-        </p:nvGrpSpPr>
-        <p:grpSpPr>
-          <a:xfrm>
-            <a:off x="3399148" y="765149"/>
-            <a:ext cx="2183232" cy="420989"/>
-            <a:chOff x="817581" y="2144511"/>
-            <a:chExt cx="2183232" cy="420989"/>
-          </a:xfrm>
-        </p:grpSpPr>
-        <p:sp>
-          <p:nvSpPr>
-            <p:cNvPr id="86" name="正方形/長方形 85">
-              <a:extLst>
-                <a:ext uri="{FF2B5EF4-FFF2-40B4-BE49-F238E27FC236}">
-                  <a16:creationId xmlns:a16="http://schemas.microsoft.com/office/drawing/2014/main" id="{68563B49-5681-0145-9B8F-0ACD7003EC31}"/>
+                  <a16:creationId xmlns:a16="http://schemas.microsoft.com/office/drawing/2014/main" id="{3D8BD0A2-4FFA-2E40-89F8-BE3CC5EC8165}"/>
                 </a:ext>
               </a:extLst>
             </p:cNvPr>
@@ -6251,16 +6837,16 @@
           </p:nvSpPr>
           <p:spPr>
             <a:xfrm>
-              <a:off x="820269" y="2144511"/>
-              <a:ext cx="2180544" cy="390616"/>
+              <a:off x="4400764" y="1208443"/>
+              <a:ext cx="180000" cy="271095"/>
             </a:xfrm>
-            <a:prstGeom prst="rect">
+            <a:prstGeom prst="downArrow">
               <a:avLst/>
             </a:prstGeom>
             <a:solidFill>
-              <a:schemeClr val="accent2">
-                <a:lumMod val="40000"/>
-                <a:lumOff val="60000"/>
+              <a:schemeClr val="tx1">
+                <a:lumMod val="85000"/>
+                <a:lumOff val="15000"/>
               </a:schemeClr>
             </a:solidFill>
             <a:ln>
@@ -6288,86 +6874,16 @@
             <a:lstStyle/>
             <a:p>
               <a:pPr algn="ctr"/>
-              <a:endParaRPr kumimoji="1" lang="ja-JP" altLang="en-US" sz="2000"/>
+              <a:endParaRPr kumimoji="1" lang="ja-JP" altLang="en-US"/>
             </a:p>
           </p:txBody>
         </p:sp>
         <p:sp>
           <p:nvSpPr>
-            <p:cNvPr id="87" name="テキスト ボックス 86">
+            <p:cNvPr id="53" name="下矢印 52">
               <a:extLst>
                 <a:ext uri="{FF2B5EF4-FFF2-40B4-BE49-F238E27FC236}">
-                  <a16:creationId xmlns:a16="http://schemas.microsoft.com/office/drawing/2014/main" id="{F9FC5368-0C0C-6C40-8539-F144BC17A8E6}"/>
-                </a:ext>
-              </a:extLst>
-            </p:cNvPr>
-            <p:cNvSpPr txBox="1"/>
-            <p:nvPr/>
-          </p:nvSpPr>
-          <p:spPr>
-            <a:xfrm>
-              <a:off x="817581" y="2165390"/>
-              <a:ext cx="2135521" cy="400110"/>
-            </a:xfrm>
-            <a:prstGeom prst="rect">
-              <a:avLst/>
-            </a:prstGeom>
-            <a:noFill/>
-          </p:spPr>
-          <p:txBody>
-            <a:bodyPr wrap="none" rtlCol="0">
-              <a:spAutoFit/>
-            </a:bodyPr>
-            <a:lstStyle/>
-            <a:p>
-              <a:r>
-                <a:rPr lang="en-US" altLang="ja-JP" sz="2000" dirty="0">
-                  <a:latin typeface="Hiragino Kaku Gothic Pro W3" panose="020B0300000000000000" pitchFamily="34" charset="-128"/>
-                  <a:ea typeface="Hiragino Kaku Gothic Pro W3" panose="020B0300000000000000" pitchFamily="34" charset="-128"/>
-                </a:rPr>
-                <a:t>Canvas</a:t>
-              </a:r>
-              <a:r>
-                <a:rPr lang="ja-JP" altLang="en-US" sz="2000">
-                  <a:latin typeface="Hiragino Kaku Gothic Pro W3" panose="020B0300000000000000" pitchFamily="34" charset="-128"/>
-                  <a:ea typeface="Hiragino Kaku Gothic Pro W3" panose="020B0300000000000000" pitchFamily="34" charset="-128"/>
-                </a:rPr>
-                <a:t>要素受信</a:t>
-              </a:r>
-              <a:endParaRPr lang="en-US" altLang="ja-JP" sz="2000" dirty="0">
-                <a:latin typeface="Hiragino Kaku Gothic Pro W3" panose="020B0300000000000000" pitchFamily="34" charset="-128"/>
-                <a:ea typeface="Hiragino Kaku Gothic Pro W3" panose="020B0300000000000000" pitchFamily="34" charset="-128"/>
-              </a:endParaRPr>
-            </a:p>
-          </p:txBody>
-        </p:sp>
-      </p:grpSp>
-      <p:grpSp>
-        <p:nvGrpSpPr>
-          <p:cNvPr id="88" name="グループ化 87">
-            <a:extLst>
-              <a:ext uri="{FF2B5EF4-FFF2-40B4-BE49-F238E27FC236}">
-                <a16:creationId xmlns:a16="http://schemas.microsoft.com/office/drawing/2014/main" id="{803F4D88-F4F8-AE4D-9DF4-C53A6E594C0F}"/>
-              </a:ext>
-            </a:extLst>
-          </p:cNvPr>
-          <p:cNvGrpSpPr/>
-          <p:nvPr/>
-        </p:nvGrpSpPr>
-        <p:grpSpPr>
-          <a:xfrm>
-            <a:off x="3400492" y="1501843"/>
-            <a:ext cx="2180544" cy="400110"/>
-            <a:chOff x="820269" y="3215947"/>
-            <a:chExt cx="2180544" cy="400110"/>
-          </a:xfrm>
-        </p:grpSpPr>
-        <p:sp>
-          <p:nvSpPr>
-            <p:cNvPr id="89" name="正方形/長方形 88">
-              <a:extLst>
-                <a:ext uri="{FF2B5EF4-FFF2-40B4-BE49-F238E27FC236}">
-                  <a16:creationId xmlns:a16="http://schemas.microsoft.com/office/drawing/2014/main" id="{3F24F69F-355B-EF44-9465-AB90799FDBCA}"/>
+                  <a16:creationId xmlns:a16="http://schemas.microsoft.com/office/drawing/2014/main" id="{18D75979-4558-C440-A54A-397B2ECEF7EB}"/>
                 </a:ext>
               </a:extLst>
             </p:cNvPr>
@@ -6376,16 +6892,16 @@
           </p:nvSpPr>
           <p:spPr>
             <a:xfrm>
-              <a:off x="820269" y="3223493"/>
-              <a:ext cx="2180544" cy="378468"/>
+              <a:off x="4400764" y="1924258"/>
+              <a:ext cx="180000" cy="271095"/>
             </a:xfrm>
-            <a:prstGeom prst="rect">
+            <a:prstGeom prst="downArrow">
               <a:avLst/>
             </a:prstGeom>
             <a:solidFill>
-              <a:schemeClr val="accent6">
-                <a:lumMod val="40000"/>
-                <a:lumOff val="60000"/>
+              <a:schemeClr val="tx1">
+                <a:lumMod val="85000"/>
+                <a:lumOff val="15000"/>
               </a:schemeClr>
             </a:solidFill>
             <a:ln>
@@ -6413,75 +6929,16 @@
             <a:lstStyle/>
             <a:p>
               <a:pPr algn="ctr"/>
-              <a:endParaRPr kumimoji="1" lang="ja-JP" altLang="en-US" sz="2000"/>
+              <a:endParaRPr kumimoji="1" lang="ja-JP" altLang="en-US"/>
             </a:p>
           </p:txBody>
         </p:sp>
         <p:sp>
           <p:nvSpPr>
-            <p:cNvPr id="90" name="テキスト ボックス 89">
+            <p:cNvPr id="54" name="正方形/長方形 53">
               <a:extLst>
                 <a:ext uri="{FF2B5EF4-FFF2-40B4-BE49-F238E27FC236}">
-                  <a16:creationId xmlns:a16="http://schemas.microsoft.com/office/drawing/2014/main" id="{E95C5F2A-23C1-5342-BEC9-44CAD500BDE3}"/>
-                </a:ext>
-              </a:extLst>
-            </p:cNvPr>
-            <p:cNvSpPr txBox="1"/>
-            <p:nvPr/>
-          </p:nvSpPr>
-          <p:spPr>
-            <a:xfrm>
-              <a:off x="1561727" y="3215947"/>
-              <a:ext cx="697627" cy="400110"/>
-            </a:xfrm>
-            <a:prstGeom prst="rect">
-              <a:avLst/>
-            </a:prstGeom>
-            <a:noFill/>
-          </p:spPr>
-          <p:txBody>
-            <a:bodyPr wrap="none" rtlCol="0">
-              <a:spAutoFit/>
-            </a:bodyPr>
-            <a:lstStyle/>
-            <a:p>
-              <a:r>
-                <a:rPr kumimoji="1" lang="ja-JP" altLang="en-US" sz="2000">
-                  <a:latin typeface="Hiragino Kaku Gothic Pro W3" panose="020B0300000000000000" pitchFamily="34" charset="-128"/>
-                  <a:ea typeface="Hiragino Kaku Gothic Pro W3" panose="020B0300000000000000" pitchFamily="34" charset="-128"/>
-                </a:rPr>
-                <a:t>演算</a:t>
-              </a:r>
-            </a:p>
-          </p:txBody>
-        </p:sp>
-      </p:grpSp>
-      <p:grpSp>
-        <p:nvGrpSpPr>
-          <p:cNvPr id="91" name="グループ化 90">
-            <a:extLst>
-              <a:ext uri="{FF2B5EF4-FFF2-40B4-BE49-F238E27FC236}">
-                <a16:creationId xmlns:a16="http://schemas.microsoft.com/office/drawing/2014/main" id="{6E175F04-2D0A-E043-ACD7-48CB671F8862}"/>
-              </a:ext>
-            </a:extLst>
-          </p:cNvPr>
-          <p:cNvGrpSpPr/>
-          <p:nvPr/>
-        </p:nvGrpSpPr>
-        <p:grpSpPr>
-          <a:xfrm>
-            <a:off x="3400492" y="2217658"/>
-            <a:ext cx="2180544" cy="430955"/>
-            <a:chOff x="820269" y="4223312"/>
-            <a:chExt cx="2180544" cy="430955"/>
-          </a:xfrm>
-        </p:grpSpPr>
-        <p:sp>
-          <p:nvSpPr>
-            <p:cNvPr id="92" name="正方形/長方形 91">
-              <a:extLst>
-                <a:ext uri="{FF2B5EF4-FFF2-40B4-BE49-F238E27FC236}">
-                  <a16:creationId xmlns:a16="http://schemas.microsoft.com/office/drawing/2014/main" id="{880844F5-8C59-9341-95B6-BC3D15E21BCF}"/>
+                  <a16:creationId xmlns:a16="http://schemas.microsoft.com/office/drawing/2014/main" id="{9764B755-2316-974C-883D-DBDA69281252}"/>
                 </a:ext>
               </a:extLst>
             </p:cNvPr>
@@ -6490,16 +6947,16 @@
           </p:nvSpPr>
           <p:spPr>
             <a:xfrm>
-              <a:off x="820269" y="4223312"/>
-              <a:ext cx="2180544" cy="400110"/>
+              <a:off x="1602836" y="3059126"/>
+              <a:ext cx="72000" cy="288000"/>
             </a:xfrm>
             <a:prstGeom prst="rect">
               <a:avLst/>
             </a:prstGeom>
             <a:solidFill>
-              <a:schemeClr val="accent6">
-                <a:lumMod val="40000"/>
-                <a:lumOff val="60000"/>
+              <a:schemeClr val="tx1">
+                <a:lumMod val="85000"/>
+                <a:lumOff val="15000"/>
               </a:schemeClr>
             </a:solidFill>
             <a:ln>
@@ -6527,79 +6984,16 @@
             <a:lstStyle/>
             <a:p>
               <a:pPr algn="ctr"/>
-              <a:endParaRPr kumimoji="1" lang="ja-JP" altLang="en-US" sz="2000"/>
+              <a:endParaRPr kumimoji="1" lang="ja-JP" altLang="en-US"/>
             </a:p>
           </p:txBody>
         </p:sp>
         <p:sp>
           <p:nvSpPr>
-            <p:cNvPr id="93" name="テキスト ボックス 92">
+            <p:cNvPr id="55" name="正方形/長方形 54">
               <a:extLst>
                 <a:ext uri="{FF2B5EF4-FFF2-40B4-BE49-F238E27FC236}">
-                  <a16:creationId xmlns:a16="http://schemas.microsoft.com/office/drawing/2014/main" id="{4CC207C3-67C8-CC4D-987B-7FFA1A6DE78F}"/>
-                </a:ext>
-              </a:extLst>
-            </p:cNvPr>
-            <p:cNvSpPr txBox="1"/>
-            <p:nvPr/>
-          </p:nvSpPr>
-          <p:spPr>
-            <a:xfrm>
-              <a:off x="1536527" y="4254157"/>
-              <a:ext cx="697627" cy="400110"/>
-            </a:xfrm>
-            <a:prstGeom prst="rect">
-              <a:avLst/>
-            </a:prstGeom>
-            <a:noFill/>
-          </p:spPr>
-          <p:txBody>
-            <a:bodyPr wrap="none" rtlCol="0">
-              <a:spAutoFit/>
-            </a:bodyPr>
-            <a:lstStyle/>
-            <a:p>
-              <a:r>
-                <a:rPr lang="ja-JP" altLang="en-US" sz="2000">
-                  <a:latin typeface="Hiragino Kaku Gothic Pro W3" panose="020B0300000000000000" pitchFamily="34" charset="-128"/>
-                  <a:ea typeface="Hiragino Kaku Gothic Pro W3" panose="020B0300000000000000" pitchFamily="34" charset="-128"/>
-                </a:rPr>
-                <a:t>描画</a:t>
-              </a:r>
-              <a:endParaRPr lang="en-US" altLang="ja-JP" sz="2000" dirty="0">
-                <a:latin typeface="Hiragino Kaku Gothic Pro W3" panose="020B0300000000000000" pitchFamily="34" charset="-128"/>
-                <a:ea typeface="Hiragino Kaku Gothic Pro W3" panose="020B0300000000000000" pitchFamily="34" charset="-128"/>
-              </a:endParaRPr>
-            </a:p>
-          </p:txBody>
-        </p:sp>
-      </p:grpSp>
-      <p:grpSp>
-        <p:nvGrpSpPr>
-          <p:cNvPr id="37" name="グループ化 36">
-            <a:extLst>
-              <a:ext uri="{FF2B5EF4-FFF2-40B4-BE49-F238E27FC236}">
-                <a16:creationId xmlns:a16="http://schemas.microsoft.com/office/drawing/2014/main" id="{A1FFF684-A591-B647-9B35-02145A244AA1}"/>
-              </a:ext>
-            </a:extLst>
-          </p:cNvPr>
-          <p:cNvGrpSpPr/>
-          <p:nvPr/>
-        </p:nvGrpSpPr>
-        <p:grpSpPr>
-          <a:xfrm>
-            <a:off x="511386" y="765149"/>
-            <a:ext cx="2254900" cy="447754"/>
-            <a:chOff x="783091" y="1072798"/>
-            <a:chExt cx="2254900" cy="447754"/>
-          </a:xfrm>
-        </p:grpSpPr>
-        <p:sp>
-          <p:nvSpPr>
-            <p:cNvPr id="42" name="角丸四角形 41">
-              <a:extLst>
-                <a:ext uri="{FF2B5EF4-FFF2-40B4-BE49-F238E27FC236}">
-                  <a16:creationId xmlns:a16="http://schemas.microsoft.com/office/drawing/2014/main" id="{8AC88BDD-0B7B-6043-8399-81D9CEA6F840}"/>
+                  <a16:creationId xmlns:a16="http://schemas.microsoft.com/office/drawing/2014/main" id="{228D4496-1CD7-844E-A80F-0A79AA9FC110}"/>
                 </a:ext>
               </a:extLst>
             </p:cNvPr>
@@ -6607,19 +7001,17 @@
             <p:nvPr/>
           </p:nvSpPr>
           <p:spPr>
-            <a:xfrm>
-              <a:off x="783091" y="1072798"/>
-              <a:ext cx="2254900" cy="447754"/>
+            <a:xfrm rot="16200000">
+              <a:off x="2288292" y="2663126"/>
+              <a:ext cx="72000" cy="1440000"/>
             </a:xfrm>
-            <a:prstGeom prst="roundRect">
-              <a:avLst>
-                <a:gd name="adj" fmla="val 50000"/>
-              </a:avLst>
+            <a:prstGeom prst="rect">
+              <a:avLst/>
             </a:prstGeom>
             <a:solidFill>
-              <a:schemeClr val="accent3">
-                <a:lumMod val="40000"/>
-                <a:lumOff val="60000"/>
+              <a:schemeClr val="tx1">
+                <a:lumMod val="85000"/>
+                <a:lumOff val="15000"/>
               </a:schemeClr>
             </a:solidFill>
             <a:ln>
@@ -6647,712 +7039,341 @@
             <a:lstStyle/>
             <a:p>
               <a:pPr algn="ctr"/>
-              <a:endParaRPr kumimoji="1" lang="ja-JP" altLang="en-US" sz="2000">
-                <a:latin typeface="Hiragino Kaku Gothic Pro W3" panose="020B0300000000000000" pitchFamily="34" charset="-128"/>
-                <a:ea typeface="Hiragino Kaku Gothic Pro W3" panose="020B0300000000000000" pitchFamily="34" charset="-128"/>
-              </a:endParaRPr>
+              <a:endParaRPr kumimoji="1" lang="ja-JP" altLang="en-US"/>
             </a:p>
           </p:txBody>
         </p:sp>
         <p:sp>
           <p:nvSpPr>
-            <p:cNvPr id="43" name="テキスト ボックス 42">
+            <p:cNvPr id="56" name="正方形/長方形 55">
               <a:extLst>
                 <a:ext uri="{FF2B5EF4-FFF2-40B4-BE49-F238E27FC236}">
-                  <a16:creationId xmlns:a16="http://schemas.microsoft.com/office/drawing/2014/main" id="{A558958A-7ACD-3E4F-B069-8FE79C6520D7}"/>
+                  <a16:creationId xmlns:a16="http://schemas.microsoft.com/office/drawing/2014/main" id="{37F70775-40E1-814B-AADE-860193A59818}"/>
                 </a:ext>
               </a:extLst>
             </p:cNvPr>
-            <p:cNvSpPr txBox="1"/>
+            <p:cNvSpPr/>
             <p:nvPr/>
           </p:nvSpPr>
           <p:spPr>
             <a:xfrm>
-              <a:off x="1510432" y="1072798"/>
-              <a:ext cx="697627" cy="400110"/>
+              <a:off x="2977591" y="999291"/>
+              <a:ext cx="72000" cy="2412000"/>
             </a:xfrm>
             <a:prstGeom prst="rect">
               <a:avLst/>
             </a:prstGeom>
-            <a:noFill/>
+            <a:solidFill>
+              <a:schemeClr val="tx1">
+                <a:lumMod val="85000"/>
+                <a:lumOff val="15000"/>
+              </a:schemeClr>
+            </a:solidFill>
+            <a:ln>
+              <a:noFill/>
+            </a:ln>
           </p:spPr>
+          <p:style>
+            <a:lnRef idx="2">
+              <a:schemeClr val="accent1">
+                <a:shade val="50000"/>
+              </a:schemeClr>
+            </a:lnRef>
+            <a:fillRef idx="1">
+              <a:schemeClr val="accent1"/>
+            </a:fillRef>
+            <a:effectRef idx="0">
+              <a:schemeClr val="accent1"/>
+            </a:effectRef>
+            <a:fontRef idx="minor">
+              <a:schemeClr val="lt1"/>
+            </a:fontRef>
+          </p:style>
           <p:txBody>
-            <a:bodyPr wrap="none" rtlCol="0">
-              <a:spAutoFit/>
-            </a:bodyPr>
+            <a:bodyPr rtlCol="0" anchor="ctr"/>
             <a:lstStyle/>
             <a:p>
-              <a:r>
-                <a:rPr kumimoji="1" lang="ja-JP" altLang="en-US" sz="2000">
-                  <a:latin typeface="Hiragino Kaku Gothic Pro W3" panose="020B0300000000000000" pitchFamily="34" charset="-128"/>
-                  <a:ea typeface="Hiragino Kaku Gothic Pro W3" panose="020B0300000000000000" pitchFamily="34" charset="-128"/>
-                </a:rPr>
-                <a:t>開始</a:t>
-              </a:r>
+              <a:pPr algn="ctr"/>
+              <a:endParaRPr kumimoji="1" lang="ja-JP" altLang="en-US"/>
+            </a:p>
+          </p:txBody>
+        </p:sp>
+        <p:sp>
+          <p:nvSpPr>
+            <p:cNvPr id="57" name="下矢印 56">
+              <a:extLst>
+                <a:ext uri="{FF2B5EF4-FFF2-40B4-BE49-F238E27FC236}">
+                  <a16:creationId xmlns:a16="http://schemas.microsoft.com/office/drawing/2014/main" id="{1A92AF0A-3FE7-6A47-B390-3F5D36EAA348}"/>
+                </a:ext>
+              </a:extLst>
+            </p:cNvPr>
+            <p:cNvSpPr/>
+            <p:nvPr/>
+          </p:nvSpPr>
+          <p:spPr>
+            <a:xfrm rot="-5400000">
+              <a:off x="3098890" y="787324"/>
+              <a:ext cx="180000" cy="432000"/>
+            </a:xfrm>
+            <a:prstGeom prst="downArrow">
+              <a:avLst/>
+            </a:prstGeom>
+            <a:solidFill>
+              <a:schemeClr val="tx1">
+                <a:lumMod val="85000"/>
+                <a:lumOff val="15000"/>
+              </a:schemeClr>
+            </a:solidFill>
+            <a:ln>
+              <a:noFill/>
+            </a:ln>
+          </p:spPr>
+          <p:style>
+            <a:lnRef idx="2">
+              <a:schemeClr val="accent1">
+                <a:shade val="50000"/>
+              </a:schemeClr>
+            </a:lnRef>
+            <a:fillRef idx="1">
+              <a:schemeClr val="accent1"/>
+            </a:fillRef>
+            <a:effectRef idx="0">
+              <a:schemeClr val="accent1"/>
+            </a:effectRef>
+            <a:fontRef idx="minor">
+              <a:schemeClr val="lt1"/>
+            </a:fontRef>
+          </p:style>
+          <p:txBody>
+            <a:bodyPr rtlCol="0" anchor="ctr"/>
+            <a:lstStyle/>
+            <a:p>
+              <a:pPr algn="ctr"/>
+              <a:endParaRPr kumimoji="1" lang="ja-JP" altLang="en-US"/>
+            </a:p>
+          </p:txBody>
+        </p:sp>
+        <p:sp>
+          <p:nvSpPr>
+            <p:cNvPr id="58" name="正方形/長方形 57">
+              <a:extLst>
+                <a:ext uri="{FF2B5EF4-FFF2-40B4-BE49-F238E27FC236}">
+                  <a16:creationId xmlns:a16="http://schemas.microsoft.com/office/drawing/2014/main" id="{6D279675-927F-5842-92D0-62465EF34380}"/>
+                </a:ext>
+              </a:extLst>
+            </p:cNvPr>
+            <p:cNvSpPr/>
+            <p:nvPr/>
+          </p:nvSpPr>
+          <p:spPr>
+            <a:xfrm>
+              <a:off x="4454764" y="2670916"/>
+              <a:ext cx="72000" cy="288000"/>
+            </a:xfrm>
+            <a:prstGeom prst="rect">
+              <a:avLst/>
+            </a:prstGeom>
+            <a:solidFill>
+              <a:schemeClr val="tx1">
+                <a:lumMod val="85000"/>
+                <a:lumOff val="15000"/>
+              </a:schemeClr>
+            </a:solidFill>
+            <a:ln>
+              <a:noFill/>
+            </a:ln>
+          </p:spPr>
+          <p:style>
+            <a:lnRef idx="2">
+              <a:schemeClr val="accent1">
+                <a:shade val="50000"/>
+              </a:schemeClr>
+            </a:lnRef>
+            <a:fillRef idx="1">
+              <a:schemeClr val="accent1"/>
+            </a:fillRef>
+            <a:effectRef idx="0">
+              <a:schemeClr val="accent1"/>
+            </a:effectRef>
+            <a:fontRef idx="minor">
+              <a:schemeClr val="lt1"/>
+            </a:fontRef>
+          </p:style>
+          <p:txBody>
+            <a:bodyPr rtlCol="0" anchor="ctr"/>
+            <a:lstStyle/>
+            <a:p>
+              <a:pPr algn="ctr"/>
+              <a:endParaRPr kumimoji="1" lang="ja-JP" altLang="en-US"/>
+            </a:p>
+          </p:txBody>
+        </p:sp>
+        <p:sp>
+          <p:nvSpPr>
+            <p:cNvPr id="59" name="正方形/長方形 58">
+              <a:extLst>
+                <a:ext uri="{FF2B5EF4-FFF2-40B4-BE49-F238E27FC236}">
+                  <a16:creationId xmlns:a16="http://schemas.microsoft.com/office/drawing/2014/main" id="{427FD0B9-6EA6-7B4E-88C6-316BB4269CCB}"/>
+                </a:ext>
+              </a:extLst>
+            </p:cNvPr>
+            <p:cNvSpPr/>
+            <p:nvPr/>
+          </p:nvSpPr>
+          <p:spPr>
+            <a:xfrm rot="16200000">
+              <a:off x="5063489" y="2346916"/>
+              <a:ext cx="72000" cy="1296000"/>
+            </a:xfrm>
+            <a:prstGeom prst="rect">
+              <a:avLst/>
+            </a:prstGeom>
+            <a:solidFill>
+              <a:schemeClr val="tx1">
+                <a:lumMod val="85000"/>
+                <a:lumOff val="15000"/>
+              </a:schemeClr>
+            </a:solidFill>
+            <a:ln>
+              <a:noFill/>
+            </a:ln>
+          </p:spPr>
+          <p:style>
+            <a:lnRef idx="2">
+              <a:schemeClr val="accent1">
+                <a:shade val="50000"/>
+              </a:schemeClr>
+            </a:lnRef>
+            <a:fillRef idx="1">
+              <a:schemeClr val="accent1"/>
+            </a:fillRef>
+            <a:effectRef idx="0">
+              <a:schemeClr val="accent1"/>
+            </a:effectRef>
+            <a:fontRef idx="minor">
+              <a:schemeClr val="lt1"/>
+            </a:fontRef>
+          </p:style>
+          <p:txBody>
+            <a:bodyPr rtlCol="0" anchor="ctr"/>
+            <a:lstStyle/>
+            <a:p>
+              <a:pPr algn="ctr"/>
+              <a:endParaRPr kumimoji="1" lang="ja-JP" altLang="en-US"/>
+            </a:p>
+          </p:txBody>
+        </p:sp>
+        <p:sp>
+          <p:nvSpPr>
+            <p:cNvPr id="60" name="正方形/長方形 59">
+              <a:extLst>
+                <a:ext uri="{FF2B5EF4-FFF2-40B4-BE49-F238E27FC236}">
+                  <a16:creationId xmlns:a16="http://schemas.microsoft.com/office/drawing/2014/main" id="{A453DFAE-B7D5-A04A-8146-7FF31931B6AE}"/>
+                </a:ext>
+              </a:extLst>
+            </p:cNvPr>
+            <p:cNvSpPr/>
+            <p:nvPr/>
+          </p:nvSpPr>
+          <p:spPr>
+            <a:xfrm rot="10800000">
+              <a:off x="5688052" y="1366006"/>
+              <a:ext cx="72000" cy="1656000"/>
+            </a:xfrm>
+            <a:prstGeom prst="rect">
+              <a:avLst/>
+            </a:prstGeom>
+            <a:solidFill>
+              <a:schemeClr val="tx1">
+                <a:lumMod val="85000"/>
+                <a:lumOff val="15000"/>
+              </a:schemeClr>
+            </a:solidFill>
+            <a:ln>
+              <a:noFill/>
+            </a:ln>
+          </p:spPr>
+          <p:style>
+            <a:lnRef idx="2">
+              <a:schemeClr val="accent1">
+                <a:shade val="50000"/>
+              </a:schemeClr>
+            </a:lnRef>
+            <a:fillRef idx="1">
+              <a:schemeClr val="accent1"/>
+            </a:fillRef>
+            <a:effectRef idx="0">
+              <a:schemeClr val="accent1"/>
+            </a:effectRef>
+            <a:fontRef idx="minor">
+              <a:schemeClr val="lt1"/>
+            </a:fontRef>
+          </p:style>
+          <p:txBody>
+            <a:bodyPr rtlCol="0" anchor="ctr"/>
+            <a:lstStyle/>
+            <a:p>
+              <a:pPr algn="ctr"/>
+              <a:endParaRPr kumimoji="1" lang="ja-JP" altLang="en-US"/>
+            </a:p>
+          </p:txBody>
+        </p:sp>
+        <p:sp>
+          <p:nvSpPr>
+            <p:cNvPr id="61" name="下矢印 60">
+              <a:extLst>
+                <a:ext uri="{FF2B5EF4-FFF2-40B4-BE49-F238E27FC236}">
+                  <a16:creationId xmlns:a16="http://schemas.microsoft.com/office/drawing/2014/main" id="{960D7777-D482-DB4F-9516-003A202FB671}"/>
+                </a:ext>
+              </a:extLst>
+            </p:cNvPr>
+            <p:cNvSpPr/>
+            <p:nvPr/>
+          </p:nvSpPr>
+          <p:spPr>
+            <a:xfrm rot="5400000">
+              <a:off x="5489754" y="1173347"/>
+              <a:ext cx="180000" cy="360000"/>
+            </a:xfrm>
+            <a:prstGeom prst="downArrow">
+              <a:avLst/>
+            </a:prstGeom>
+            <a:solidFill>
+              <a:schemeClr val="tx1">
+                <a:lumMod val="85000"/>
+                <a:lumOff val="15000"/>
+              </a:schemeClr>
+            </a:solidFill>
+            <a:ln>
+              <a:noFill/>
+            </a:ln>
+          </p:spPr>
+          <p:style>
+            <a:lnRef idx="2">
+              <a:schemeClr val="accent1">
+                <a:shade val="50000"/>
+              </a:schemeClr>
+            </a:lnRef>
+            <a:fillRef idx="1">
+              <a:schemeClr val="accent1"/>
+            </a:fillRef>
+            <a:effectRef idx="0">
+              <a:schemeClr val="accent1"/>
+            </a:effectRef>
+            <a:fontRef idx="minor">
+              <a:schemeClr val="lt1"/>
+            </a:fontRef>
+          </p:style>
+          <p:txBody>
+            <a:bodyPr rtlCol="0" anchor="ctr"/>
+            <a:lstStyle/>
+            <a:p>
+              <a:pPr algn="ctr"/>
+              <a:endParaRPr kumimoji="1" lang="ja-JP" altLang="en-US"/>
             </a:p>
           </p:txBody>
         </p:sp>
       </p:grpSp>
-      <p:sp>
-        <p:nvSpPr>
-          <p:cNvPr id="44" name="下矢印 43">
-            <a:extLst>
-              <a:ext uri="{FF2B5EF4-FFF2-40B4-BE49-F238E27FC236}">
-                <a16:creationId xmlns:a16="http://schemas.microsoft.com/office/drawing/2014/main" id="{522EFECA-76F9-9841-959E-123D5C94A680}"/>
-              </a:ext>
-            </a:extLst>
-          </p:cNvPr>
-          <p:cNvSpPr/>
-          <p:nvPr/>
-        </p:nvSpPr>
-        <p:spPr>
-          <a:xfrm>
-            <a:off x="1548836" y="1230828"/>
-            <a:ext cx="180000" cy="271095"/>
-          </a:xfrm>
-          <a:prstGeom prst="downArrow">
-            <a:avLst/>
-          </a:prstGeom>
-          <a:solidFill>
-            <a:schemeClr val="tx1">
-              <a:lumMod val="85000"/>
-              <a:lumOff val="15000"/>
-            </a:schemeClr>
-          </a:solidFill>
-          <a:ln>
-            <a:noFill/>
-          </a:ln>
-        </p:spPr>
-        <p:style>
-          <a:lnRef idx="2">
-            <a:schemeClr val="accent1">
-              <a:shade val="50000"/>
-            </a:schemeClr>
-          </a:lnRef>
-          <a:fillRef idx="1">
-            <a:schemeClr val="accent1"/>
-          </a:fillRef>
-          <a:effectRef idx="0">
-            <a:schemeClr val="accent1"/>
-          </a:effectRef>
-          <a:fontRef idx="minor">
-            <a:schemeClr val="lt1"/>
-          </a:fontRef>
-        </p:style>
-        <p:txBody>
-          <a:bodyPr rtlCol="0" anchor="ctr"/>
-          <a:lstStyle/>
-          <a:p>
-            <a:pPr algn="ctr"/>
-            <a:endParaRPr kumimoji="1" lang="ja-JP" altLang="en-US"/>
-          </a:p>
-        </p:txBody>
-      </p:sp>
-      <p:sp>
-        <p:nvSpPr>
-          <p:cNvPr id="51" name="下矢印 50">
-            <a:extLst>
-              <a:ext uri="{FF2B5EF4-FFF2-40B4-BE49-F238E27FC236}">
-                <a16:creationId xmlns:a16="http://schemas.microsoft.com/office/drawing/2014/main" id="{58884873-AADB-DD42-A52D-C53FE26549A4}"/>
-              </a:ext>
-            </a:extLst>
-          </p:cNvPr>
-          <p:cNvSpPr/>
-          <p:nvPr/>
-        </p:nvSpPr>
-        <p:spPr>
-          <a:xfrm>
-            <a:off x="1548836" y="2352069"/>
-            <a:ext cx="180000" cy="271095"/>
-          </a:xfrm>
-          <a:prstGeom prst="downArrow">
-            <a:avLst/>
-          </a:prstGeom>
-          <a:solidFill>
-            <a:schemeClr val="tx1">
-              <a:lumMod val="85000"/>
-              <a:lumOff val="15000"/>
-            </a:schemeClr>
-          </a:solidFill>
-          <a:ln>
-            <a:noFill/>
-          </a:ln>
-        </p:spPr>
-        <p:style>
-          <a:lnRef idx="2">
-            <a:schemeClr val="accent1">
-              <a:shade val="50000"/>
-            </a:schemeClr>
-          </a:lnRef>
-          <a:fillRef idx="1">
-            <a:schemeClr val="accent1"/>
-          </a:fillRef>
-          <a:effectRef idx="0">
-            <a:schemeClr val="accent1"/>
-          </a:effectRef>
-          <a:fontRef idx="minor">
-            <a:schemeClr val="lt1"/>
-          </a:fontRef>
-        </p:style>
-        <p:txBody>
-          <a:bodyPr rtlCol="0" anchor="ctr"/>
-          <a:lstStyle/>
-          <a:p>
-            <a:pPr algn="ctr"/>
-            <a:endParaRPr kumimoji="1" lang="ja-JP" altLang="en-US"/>
-          </a:p>
-        </p:txBody>
-      </p:sp>
-      <p:sp>
-        <p:nvSpPr>
-          <p:cNvPr id="52" name="下矢印 51">
-            <a:extLst>
-              <a:ext uri="{FF2B5EF4-FFF2-40B4-BE49-F238E27FC236}">
-                <a16:creationId xmlns:a16="http://schemas.microsoft.com/office/drawing/2014/main" id="{3D8BD0A2-4FFA-2E40-89F8-BE3CC5EC8165}"/>
-              </a:ext>
-            </a:extLst>
-          </p:cNvPr>
-          <p:cNvSpPr/>
-          <p:nvPr/>
-        </p:nvSpPr>
-        <p:spPr>
-          <a:xfrm>
-            <a:off x="4400764" y="1208443"/>
-            <a:ext cx="180000" cy="271095"/>
-          </a:xfrm>
-          <a:prstGeom prst="downArrow">
-            <a:avLst/>
-          </a:prstGeom>
-          <a:solidFill>
-            <a:schemeClr val="tx1">
-              <a:lumMod val="85000"/>
-              <a:lumOff val="15000"/>
-            </a:schemeClr>
-          </a:solidFill>
-          <a:ln>
-            <a:noFill/>
-          </a:ln>
-        </p:spPr>
-        <p:style>
-          <a:lnRef idx="2">
-            <a:schemeClr val="accent1">
-              <a:shade val="50000"/>
-            </a:schemeClr>
-          </a:lnRef>
-          <a:fillRef idx="1">
-            <a:schemeClr val="accent1"/>
-          </a:fillRef>
-          <a:effectRef idx="0">
-            <a:schemeClr val="accent1"/>
-          </a:effectRef>
-          <a:fontRef idx="minor">
-            <a:schemeClr val="lt1"/>
-          </a:fontRef>
-        </p:style>
-        <p:txBody>
-          <a:bodyPr rtlCol="0" anchor="ctr"/>
-          <a:lstStyle/>
-          <a:p>
-            <a:pPr algn="ctr"/>
-            <a:endParaRPr kumimoji="1" lang="ja-JP" altLang="en-US"/>
-          </a:p>
-        </p:txBody>
-      </p:sp>
-      <p:sp>
-        <p:nvSpPr>
-          <p:cNvPr id="53" name="下矢印 52">
-            <a:extLst>
-              <a:ext uri="{FF2B5EF4-FFF2-40B4-BE49-F238E27FC236}">
-                <a16:creationId xmlns:a16="http://schemas.microsoft.com/office/drawing/2014/main" id="{18D75979-4558-C440-A54A-397B2ECEF7EB}"/>
-              </a:ext>
-            </a:extLst>
-          </p:cNvPr>
-          <p:cNvSpPr/>
-          <p:nvPr/>
-        </p:nvSpPr>
-        <p:spPr>
-          <a:xfrm>
-            <a:off x="4400764" y="1924258"/>
-            <a:ext cx="180000" cy="271095"/>
-          </a:xfrm>
-          <a:prstGeom prst="downArrow">
-            <a:avLst/>
-          </a:prstGeom>
-          <a:solidFill>
-            <a:schemeClr val="tx1">
-              <a:lumMod val="85000"/>
-              <a:lumOff val="15000"/>
-            </a:schemeClr>
-          </a:solidFill>
-          <a:ln>
-            <a:noFill/>
-          </a:ln>
-        </p:spPr>
-        <p:style>
-          <a:lnRef idx="2">
-            <a:schemeClr val="accent1">
-              <a:shade val="50000"/>
-            </a:schemeClr>
-          </a:lnRef>
-          <a:fillRef idx="1">
-            <a:schemeClr val="accent1"/>
-          </a:fillRef>
-          <a:effectRef idx="0">
-            <a:schemeClr val="accent1"/>
-          </a:effectRef>
-          <a:fontRef idx="minor">
-            <a:schemeClr val="lt1"/>
-          </a:fontRef>
-        </p:style>
-        <p:txBody>
-          <a:bodyPr rtlCol="0" anchor="ctr"/>
-          <a:lstStyle/>
-          <a:p>
-            <a:pPr algn="ctr"/>
-            <a:endParaRPr kumimoji="1" lang="ja-JP" altLang="en-US"/>
-          </a:p>
-        </p:txBody>
-      </p:sp>
-      <p:sp>
-        <p:nvSpPr>
-          <p:cNvPr id="54" name="正方形/長方形 53">
-            <a:extLst>
-              <a:ext uri="{FF2B5EF4-FFF2-40B4-BE49-F238E27FC236}">
-                <a16:creationId xmlns:a16="http://schemas.microsoft.com/office/drawing/2014/main" id="{9764B755-2316-974C-883D-DBDA69281252}"/>
-              </a:ext>
-            </a:extLst>
-          </p:cNvPr>
-          <p:cNvSpPr/>
-          <p:nvPr/>
-        </p:nvSpPr>
-        <p:spPr>
-          <a:xfrm>
-            <a:off x="1602836" y="3059126"/>
-            <a:ext cx="72000" cy="288000"/>
-          </a:xfrm>
-          <a:prstGeom prst="rect">
-            <a:avLst/>
-          </a:prstGeom>
-          <a:solidFill>
-            <a:schemeClr val="tx1">
-              <a:lumMod val="85000"/>
-              <a:lumOff val="15000"/>
-            </a:schemeClr>
-          </a:solidFill>
-          <a:ln>
-            <a:noFill/>
-          </a:ln>
-        </p:spPr>
-        <p:style>
-          <a:lnRef idx="2">
-            <a:schemeClr val="accent1">
-              <a:shade val="50000"/>
-            </a:schemeClr>
-          </a:lnRef>
-          <a:fillRef idx="1">
-            <a:schemeClr val="accent1"/>
-          </a:fillRef>
-          <a:effectRef idx="0">
-            <a:schemeClr val="accent1"/>
-          </a:effectRef>
-          <a:fontRef idx="minor">
-            <a:schemeClr val="lt1"/>
-          </a:fontRef>
-        </p:style>
-        <p:txBody>
-          <a:bodyPr rtlCol="0" anchor="ctr"/>
-          <a:lstStyle/>
-          <a:p>
-            <a:pPr algn="ctr"/>
-            <a:endParaRPr kumimoji="1" lang="ja-JP" altLang="en-US"/>
-          </a:p>
-        </p:txBody>
-      </p:sp>
-      <p:sp>
-        <p:nvSpPr>
-          <p:cNvPr id="55" name="正方形/長方形 54">
-            <a:extLst>
-              <a:ext uri="{FF2B5EF4-FFF2-40B4-BE49-F238E27FC236}">
-                <a16:creationId xmlns:a16="http://schemas.microsoft.com/office/drawing/2014/main" id="{228D4496-1CD7-844E-A80F-0A79AA9FC110}"/>
-              </a:ext>
-            </a:extLst>
-          </p:cNvPr>
-          <p:cNvSpPr/>
-          <p:nvPr/>
-        </p:nvSpPr>
-        <p:spPr>
-          <a:xfrm rot="16200000">
-            <a:off x="2288292" y="2663126"/>
-            <a:ext cx="72000" cy="1440000"/>
-          </a:xfrm>
-          <a:prstGeom prst="rect">
-            <a:avLst/>
-          </a:prstGeom>
-          <a:solidFill>
-            <a:schemeClr val="tx1">
-              <a:lumMod val="85000"/>
-              <a:lumOff val="15000"/>
-            </a:schemeClr>
-          </a:solidFill>
-          <a:ln>
-            <a:noFill/>
-          </a:ln>
-        </p:spPr>
-        <p:style>
-          <a:lnRef idx="2">
-            <a:schemeClr val="accent1">
-              <a:shade val="50000"/>
-            </a:schemeClr>
-          </a:lnRef>
-          <a:fillRef idx="1">
-            <a:schemeClr val="accent1"/>
-          </a:fillRef>
-          <a:effectRef idx="0">
-            <a:schemeClr val="accent1"/>
-          </a:effectRef>
-          <a:fontRef idx="minor">
-            <a:schemeClr val="lt1"/>
-          </a:fontRef>
-        </p:style>
-        <p:txBody>
-          <a:bodyPr rtlCol="0" anchor="ctr"/>
-          <a:lstStyle/>
-          <a:p>
-            <a:pPr algn="ctr"/>
-            <a:endParaRPr kumimoji="1" lang="ja-JP" altLang="en-US"/>
-          </a:p>
-        </p:txBody>
-      </p:sp>
-      <p:sp>
-        <p:nvSpPr>
-          <p:cNvPr id="56" name="正方形/長方形 55">
-            <a:extLst>
-              <a:ext uri="{FF2B5EF4-FFF2-40B4-BE49-F238E27FC236}">
-                <a16:creationId xmlns:a16="http://schemas.microsoft.com/office/drawing/2014/main" id="{37F70775-40E1-814B-AADE-860193A59818}"/>
-              </a:ext>
-            </a:extLst>
-          </p:cNvPr>
-          <p:cNvSpPr/>
-          <p:nvPr/>
-        </p:nvSpPr>
-        <p:spPr>
-          <a:xfrm>
-            <a:off x="2977591" y="999291"/>
-            <a:ext cx="72000" cy="2412000"/>
-          </a:xfrm>
-          <a:prstGeom prst="rect">
-            <a:avLst/>
-          </a:prstGeom>
-          <a:solidFill>
-            <a:schemeClr val="tx1">
-              <a:lumMod val="85000"/>
-              <a:lumOff val="15000"/>
-            </a:schemeClr>
-          </a:solidFill>
-          <a:ln>
-            <a:noFill/>
-          </a:ln>
-        </p:spPr>
-        <p:style>
-          <a:lnRef idx="2">
-            <a:schemeClr val="accent1">
-              <a:shade val="50000"/>
-            </a:schemeClr>
-          </a:lnRef>
-          <a:fillRef idx="1">
-            <a:schemeClr val="accent1"/>
-          </a:fillRef>
-          <a:effectRef idx="0">
-            <a:schemeClr val="accent1"/>
-          </a:effectRef>
-          <a:fontRef idx="minor">
-            <a:schemeClr val="lt1"/>
-          </a:fontRef>
-        </p:style>
-        <p:txBody>
-          <a:bodyPr rtlCol="0" anchor="ctr"/>
-          <a:lstStyle/>
-          <a:p>
-            <a:pPr algn="ctr"/>
-            <a:endParaRPr kumimoji="1" lang="ja-JP" altLang="en-US"/>
-          </a:p>
-        </p:txBody>
-      </p:sp>
-      <p:sp>
-        <p:nvSpPr>
-          <p:cNvPr id="57" name="下矢印 56">
-            <a:extLst>
-              <a:ext uri="{FF2B5EF4-FFF2-40B4-BE49-F238E27FC236}">
-                <a16:creationId xmlns:a16="http://schemas.microsoft.com/office/drawing/2014/main" id="{1A92AF0A-3FE7-6A47-B390-3F5D36EAA348}"/>
-              </a:ext>
-            </a:extLst>
-          </p:cNvPr>
-          <p:cNvSpPr/>
-          <p:nvPr/>
-        </p:nvSpPr>
-        <p:spPr>
-          <a:xfrm rot="-5400000">
-            <a:off x="3098890" y="787324"/>
-            <a:ext cx="180000" cy="432000"/>
-          </a:xfrm>
-          <a:prstGeom prst="downArrow">
-            <a:avLst/>
-          </a:prstGeom>
-          <a:solidFill>
-            <a:schemeClr val="tx1">
-              <a:lumMod val="85000"/>
-              <a:lumOff val="15000"/>
-            </a:schemeClr>
-          </a:solidFill>
-          <a:ln>
-            <a:noFill/>
-          </a:ln>
-        </p:spPr>
-        <p:style>
-          <a:lnRef idx="2">
-            <a:schemeClr val="accent1">
-              <a:shade val="50000"/>
-            </a:schemeClr>
-          </a:lnRef>
-          <a:fillRef idx="1">
-            <a:schemeClr val="accent1"/>
-          </a:fillRef>
-          <a:effectRef idx="0">
-            <a:schemeClr val="accent1"/>
-          </a:effectRef>
-          <a:fontRef idx="minor">
-            <a:schemeClr val="lt1"/>
-          </a:fontRef>
-        </p:style>
-        <p:txBody>
-          <a:bodyPr rtlCol="0" anchor="ctr"/>
-          <a:lstStyle/>
-          <a:p>
-            <a:pPr algn="ctr"/>
-            <a:endParaRPr kumimoji="1" lang="ja-JP" altLang="en-US"/>
-          </a:p>
-        </p:txBody>
-      </p:sp>
-      <p:sp>
-        <p:nvSpPr>
-          <p:cNvPr id="58" name="正方形/長方形 57">
-            <a:extLst>
-              <a:ext uri="{FF2B5EF4-FFF2-40B4-BE49-F238E27FC236}">
-                <a16:creationId xmlns:a16="http://schemas.microsoft.com/office/drawing/2014/main" id="{6D279675-927F-5842-92D0-62465EF34380}"/>
-              </a:ext>
-            </a:extLst>
-          </p:cNvPr>
-          <p:cNvSpPr/>
-          <p:nvPr/>
-        </p:nvSpPr>
-        <p:spPr>
-          <a:xfrm>
-            <a:off x="4454764" y="2670916"/>
-            <a:ext cx="72000" cy="288000"/>
-          </a:xfrm>
-          <a:prstGeom prst="rect">
-            <a:avLst/>
-          </a:prstGeom>
-          <a:solidFill>
-            <a:schemeClr val="tx1">
-              <a:lumMod val="85000"/>
-              <a:lumOff val="15000"/>
-            </a:schemeClr>
-          </a:solidFill>
-          <a:ln>
-            <a:noFill/>
-          </a:ln>
-        </p:spPr>
-        <p:style>
-          <a:lnRef idx="2">
-            <a:schemeClr val="accent1">
-              <a:shade val="50000"/>
-            </a:schemeClr>
-          </a:lnRef>
-          <a:fillRef idx="1">
-            <a:schemeClr val="accent1"/>
-          </a:fillRef>
-          <a:effectRef idx="0">
-            <a:schemeClr val="accent1"/>
-          </a:effectRef>
-          <a:fontRef idx="minor">
-            <a:schemeClr val="lt1"/>
-          </a:fontRef>
-        </p:style>
-        <p:txBody>
-          <a:bodyPr rtlCol="0" anchor="ctr"/>
-          <a:lstStyle/>
-          <a:p>
-            <a:pPr algn="ctr"/>
-            <a:endParaRPr kumimoji="1" lang="ja-JP" altLang="en-US"/>
-          </a:p>
-        </p:txBody>
-      </p:sp>
-      <p:sp>
-        <p:nvSpPr>
-          <p:cNvPr id="59" name="正方形/長方形 58">
-            <a:extLst>
-              <a:ext uri="{FF2B5EF4-FFF2-40B4-BE49-F238E27FC236}">
-                <a16:creationId xmlns:a16="http://schemas.microsoft.com/office/drawing/2014/main" id="{427FD0B9-6EA6-7B4E-88C6-316BB4269CCB}"/>
-              </a:ext>
-            </a:extLst>
-          </p:cNvPr>
-          <p:cNvSpPr/>
-          <p:nvPr/>
-        </p:nvSpPr>
-        <p:spPr>
-          <a:xfrm rot="16200000">
-            <a:off x="5063489" y="2346916"/>
-            <a:ext cx="72000" cy="1296000"/>
-          </a:xfrm>
-          <a:prstGeom prst="rect">
-            <a:avLst/>
-          </a:prstGeom>
-          <a:solidFill>
-            <a:schemeClr val="tx1">
-              <a:lumMod val="85000"/>
-              <a:lumOff val="15000"/>
-            </a:schemeClr>
-          </a:solidFill>
-          <a:ln>
-            <a:noFill/>
-          </a:ln>
-        </p:spPr>
-        <p:style>
-          <a:lnRef idx="2">
-            <a:schemeClr val="accent1">
-              <a:shade val="50000"/>
-            </a:schemeClr>
-          </a:lnRef>
-          <a:fillRef idx="1">
-            <a:schemeClr val="accent1"/>
-          </a:fillRef>
-          <a:effectRef idx="0">
-            <a:schemeClr val="accent1"/>
-          </a:effectRef>
-          <a:fontRef idx="minor">
-            <a:schemeClr val="lt1"/>
-          </a:fontRef>
-        </p:style>
-        <p:txBody>
-          <a:bodyPr rtlCol="0" anchor="ctr"/>
-          <a:lstStyle/>
-          <a:p>
-            <a:pPr algn="ctr"/>
-            <a:endParaRPr kumimoji="1" lang="ja-JP" altLang="en-US"/>
-          </a:p>
-        </p:txBody>
-      </p:sp>
-      <p:sp>
-        <p:nvSpPr>
-          <p:cNvPr id="60" name="正方形/長方形 59">
-            <a:extLst>
-              <a:ext uri="{FF2B5EF4-FFF2-40B4-BE49-F238E27FC236}">
-                <a16:creationId xmlns:a16="http://schemas.microsoft.com/office/drawing/2014/main" id="{A453DFAE-B7D5-A04A-8146-7FF31931B6AE}"/>
-              </a:ext>
-            </a:extLst>
-          </p:cNvPr>
-          <p:cNvSpPr/>
-          <p:nvPr/>
-        </p:nvSpPr>
-        <p:spPr>
-          <a:xfrm rot="10800000">
-            <a:off x="5688052" y="1366006"/>
-            <a:ext cx="72000" cy="1656000"/>
-          </a:xfrm>
-          <a:prstGeom prst="rect">
-            <a:avLst/>
-          </a:prstGeom>
-          <a:solidFill>
-            <a:schemeClr val="tx1">
-              <a:lumMod val="85000"/>
-              <a:lumOff val="15000"/>
-            </a:schemeClr>
-          </a:solidFill>
-          <a:ln>
-            <a:noFill/>
-          </a:ln>
-        </p:spPr>
-        <p:style>
-          <a:lnRef idx="2">
-            <a:schemeClr val="accent1">
-              <a:shade val="50000"/>
-            </a:schemeClr>
-          </a:lnRef>
-          <a:fillRef idx="1">
-            <a:schemeClr val="accent1"/>
-          </a:fillRef>
-          <a:effectRef idx="0">
-            <a:schemeClr val="accent1"/>
-          </a:effectRef>
-          <a:fontRef idx="minor">
-            <a:schemeClr val="lt1"/>
-          </a:fontRef>
-        </p:style>
-        <p:txBody>
-          <a:bodyPr rtlCol="0" anchor="ctr"/>
-          <a:lstStyle/>
-          <a:p>
-            <a:pPr algn="ctr"/>
-            <a:endParaRPr kumimoji="1" lang="ja-JP" altLang="en-US"/>
-          </a:p>
-        </p:txBody>
-      </p:sp>
-      <p:sp>
-        <p:nvSpPr>
-          <p:cNvPr id="61" name="下矢印 60">
-            <a:extLst>
-              <a:ext uri="{FF2B5EF4-FFF2-40B4-BE49-F238E27FC236}">
-                <a16:creationId xmlns:a16="http://schemas.microsoft.com/office/drawing/2014/main" id="{960D7777-D482-DB4F-9516-003A202FB671}"/>
-              </a:ext>
-            </a:extLst>
-          </p:cNvPr>
-          <p:cNvSpPr/>
-          <p:nvPr/>
-        </p:nvSpPr>
-        <p:spPr>
-          <a:xfrm rot="5400000">
-            <a:off x="5489754" y="1173347"/>
-            <a:ext cx="180000" cy="360000"/>
-          </a:xfrm>
-          <a:prstGeom prst="downArrow">
-            <a:avLst/>
-          </a:prstGeom>
-          <a:solidFill>
-            <a:schemeClr val="tx1">
-              <a:lumMod val="85000"/>
-              <a:lumOff val="15000"/>
-            </a:schemeClr>
-          </a:solidFill>
-          <a:ln>
-            <a:noFill/>
-          </a:ln>
-        </p:spPr>
-        <p:style>
-          <a:lnRef idx="2">
-            <a:schemeClr val="accent1">
-              <a:shade val="50000"/>
-            </a:schemeClr>
-          </a:lnRef>
-          <a:fillRef idx="1">
-            <a:schemeClr val="accent1"/>
-          </a:fillRef>
-          <a:effectRef idx="0">
-            <a:schemeClr val="accent1"/>
-          </a:effectRef>
-          <a:fontRef idx="minor">
-            <a:schemeClr val="lt1"/>
-          </a:fontRef>
-        </p:style>
-        <p:txBody>
-          <a:bodyPr rtlCol="0" anchor="ctr"/>
-          <a:lstStyle/>
-          <a:p>
-            <a:pPr algn="ctr"/>
-            <a:endParaRPr kumimoji="1" lang="ja-JP" altLang="en-US"/>
-          </a:p>
-        </p:txBody>
-      </p:sp>
     </p:spTree>
     <p:extLst>
       <p:ext uri="{BB962C8B-B14F-4D97-AF65-F5344CB8AC3E}">
@@ -7393,10 +7414,10 @@
       </p:grpSpPr>
       <p:grpSp>
         <p:nvGrpSpPr>
-          <p:cNvPr id="103" name="グループ化 102">
+          <p:cNvPr id="2" name="グループ化 1">
             <a:extLst>
               <a:ext uri="{FF2B5EF4-FFF2-40B4-BE49-F238E27FC236}">
-                <a16:creationId xmlns:a16="http://schemas.microsoft.com/office/drawing/2014/main" id="{DDC9F2FA-6737-2142-B3DF-688347C497EC}"/>
+                <a16:creationId xmlns:a16="http://schemas.microsoft.com/office/drawing/2014/main" id="{5CFB56C7-7F27-0441-9FC1-E2710C419F27}"/>
               </a:ext>
             </a:extLst>
           </p:cNvPr>
@@ -7405,18 +7426,986 @@
         </p:nvGrpSpPr>
         <p:grpSpPr>
           <a:xfrm>
-            <a:off x="2995906" y="1613435"/>
-            <a:ext cx="2180544" cy="814296"/>
-            <a:chOff x="811487" y="1937759"/>
-            <a:chExt cx="2180544" cy="814296"/>
+            <a:off x="2883568" y="790850"/>
+            <a:ext cx="5316916" cy="4307603"/>
+            <a:chOff x="2883568" y="790850"/>
+            <a:chExt cx="5316916" cy="4307603"/>
           </a:xfrm>
         </p:grpSpPr>
+        <p:grpSp>
+          <p:nvGrpSpPr>
+            <p:cNvPr id="103" name="グループ化 102">
+              <a:extLst>
+                <a:ext uri="{FF2B5EF4-FFF2-40B4-BE49-F238E27FC236}">
+                  <a16:creationId xmlns:a16="http://schemas.microsoft.com/office/drawing/2014/main" id="{DDC9F2FA-6737-2142-B3DF-688347C497EC}"/>
+                </a:ext>
+              </a:extLst>
+            </p:cNvPr>
+            <p:cNvGrpSpPr/>
+            <p:nvPr/>
+          </p:nvGrpSpPr>
+          <p:grpSpPr>
+            <a:xfrm>
+              <a:off x="2995906" y="1613435"/>
+              <a:ext cx="2180544" cy="814296"/>
+              <a:chOff x="811487" y="1937759"/>
+              <a:chExt cx="2180544" cy="814296"/>
+            </a:xfrm>
+          </p:grpSpPr>
+          <p:sp>
+            <p:nvSpPr>
+              <p:cNvPr id="104" name="正方形/長方形 103">
+                <a:extLst>
+                  <a:ext uri="{FF2B5EF4-FFF2-40B4-BE49-F238E27FC236}">
+                    <a16:creationId xmlns:a16="http://schemas.microsoft.com/office/drawing/2014/main" id="{AC37468F-1FB1-1140-B8CC-2D822C8D0B6C}"/>
+                  </a:ext>
+                </a:extLst>
+              </p:cNvPr>
+              <p:cNvSpPr/>
+              <p:nvPr/>
+            </p:nvSpPr>
+            <p:spPr>
+              <a:xfrm>
+                <a:off x="811487" y="1937759"/>
+                <a:ext cx="2180544" cy="814296"/>
+              </a:xfrm>
+              <a:prstGeom prst="rect">
+                <a:avLst/>
+              </a:prstGeom>
+              <a:solidFill>
+                <a:schemeClr val="accent2">
+                  <a:lumMod val="40000"/>
+                  <a:lumOff val="60000"/>
+                </a:schemeClr>
+              </a:solidFill>
+              <a:ln>
+                <a:noFill/>
+              </a:ln>
+            </p:spPr>
+            <p:style>
+              <a:lnRef idx="2">
+                <a:schemeClr val="accent1">
+                  <a:shade val="50000"/>
+                </a:schemeClr>
+              </a:lnRef>
+              <a:fillRef idx="1">
+                <a:schemeClr val="accent1"/>
+              </a:fillRef>
+              <a:effectRef idx="0">
+                <a:schemeClr val="accent1"/>
+              </a:effectRef>
+              <a:fontRef idx="minor">
+                <a:schemeClr val="lt1"/>
+              </a:fontRef>
+            </p:style>
+            <p:txBody>
+              <a:bodyPr rtlCol="0" anchor="ctr"/>
+              <a:lstStyle/>
+              <a:p>
+                <a:pPr algn="ctr"/>
+                <a:endParaRPr kumimoji="1" lang="ja-JP" altLang="en-US" sz="2000"/>
+              </a:p>
+            </p:txBody>
+          </p:sp>
+          <p:sp>
+            <p:nvSpPr>
+              <p:cNvPr id="105" name="テキスト ボックス 104">
+                <a:extLst>
+                  <a:ext uri="{FF2B5EF4-FFF2-40B4-BE49-F238E27FC236}">
+                    <a16:creationId xmlns:a16="http://schemas.microsoft.com/office/drawing/2014/main" id="{6699AC69-298C-CE4A-8D90-B8DF3781D514}"/>
+                  </a:ext>
+                </a:extLst>
+              </p:cNvPr>
+              <p:cNvSpPr txBox="1"/>
+              <p:nvPr/>
+            </p:nvSpPr>
+            <p:spPr>
+              <a:xfrm>
+                <a:off x="833999" y="1990964"/>
+                <a:ext cx="2135521" cy="707886"/>
+              </a:xfrm>
+              <a:prstGeom prst="rect">
+                <a:avLst/>
+              </a:prstGeom>
+              <a:noFill/>
+            </p:spPr>
+            <p:txBody>
+              <a:bodyPr wrap="none" rtlCol="0">
+                <a:spAutoFit/>
+              </a:bodyPr>
+              <a:lstStyle/>
+              <a:p>
+                <a:r>
+                  <a:rPr lang="en-US" altLang="ja-JP" sz="2000" dirty="0">
+                    <a:latin typeface="Hiragino Kaku Gothic Pro W3" panose="020B0300000000000000" pitchFamily="34" charset="-128"/>
+                    <a:ea typeface="Hiragino Kaku Gothic Pro W3" panose="020B0300000000000000" pitchFamily="34" charset="-128"/>
+                  </a:rPr>
+                  <a:t>Canvas</a:t>
+                </a:r>
+                <a:r>
+                  <a:rPr lang="ja-JP" altLang="en-US" sz="2000">
+                    <a:latin typeface="Hiragino Kaku Gothic Pro W3" panose="020B0300000000000000" pitchFamily="34" charset="-128"/>
+                    <a:ea typeface="Hiragino Kaku Gothic Pro W3" panose="020B0300000000000000" pitchFamily="34" charset="-128"/>
+                  </a:rPr>
+                  <a:t>要素取得</a:t>
+                </a:r>
+                <a:endParaRPr lang="en-US" altLang="ja-JP" sz="2000" dirty="0">
+                  <a:latin typeface="Hiragino Kaku Gothic Pro W3" panose="020B0300000000000000" pitchFamily="34" charset="-128"/>
+                  <a:ea typeface="Hiragino Kaku Gothic Pro W3" panose="020B0300000000000000" pitchFamily="34" charset="-128"/>
+                </a:endParaRPr>
+              </a:p>
+              <a:p>
+                <a:r>
+                  <a:rPr lang="en-US" altLang="ja-JP" sz="2000" dirty="0">
+                    <a:latin typeface="Hiragino Kaku Gothic Pro W3" panose="020B0300000000000000" pitchFamily="34" charset="-128"/>
+                    <a:ea typeface="Hiragino Kaku Gothic Pro W3" panose="020B0300000000000000" pitchFamily="34" charset="-128"/>
+                  </a:rPr>
+                  <a:t>worker</a:t>
+                </a:r>
+                <a:r>
+                  <a:rPr lang="ja-JP" altLang="en-US" sz="2000">
+                    <a:latin typeface="Hiragino Kaku Gothic Pro W3" panose="020B0300000000000000" pitchFamily="34" charset="-128"/>
+                    <a:ea typeface="Hiragino Kaku Gothic Pro W3" panose="020B0300000000000000" pitchFamily="34" charset="-128"/>
+                  </a:rPr>
+                  <a:t>作成</a:t>
+                </a:r>
+                <a:endParaRPr lang="en-US" altLang="ja-JP" sz="2000" dirty="0">
+                  <a:latin typeface="Hiragino Kaku Gothic Pro W3" panose="020B0300000000000000" pitchFamily="34" charset="-128"/>
+                  <a:ea typeface="Hiragino Kaku Gothic Pro W3" panose="020B0300000000000000" pitchFamily="34" charset="-128"/>
+                </a:endParaRPr>
+              </a:p>
+            </p:txBody>
+          </p:sp>
+        </p:grpSp>
+        <p:grpSp>
+          <p:nvGrpSpPr>
+            <p:cNvPr id="106" name="グループ化 105">
+              <a:extLst>
+                <a:ext uri="{FF2B5EF4-FFF2-40B4-BE49-F238E27FC236}">
+                  <a16:creationId xmlns:a16="http://schemas.microsoft.com/office/drawing/2014/main" id="{F05DC684-6048-F741-84CC-F10FD6288254}"/>
+                </a:ext>
+              </a:extLst>
+            </p:cNvPr>
+            <p:cNvGrpSpPr/>
+            <p:nvPr/>
+          </p:nvGrpSpPr>
+          <p:grpSpPr>
+            <a:xfrm>
+              <a:off x="2995906" y="2802562"/>
+              <a:ext cx="2180544" cy="406137"/>
+              <a:chOff x="820269" y="4251822"/>
+              <a:chExt cx="2180544" cy="406137"/>
+            </a:xfrm>
+          </p:grpSpPr>
+          <p:sp>
+            <p:nvSpPr>
+              <p:cNvPr id="107" name="正方形/長方形 106">
+                <a:extLst>
+                  <a:ext uri="{FF2B5EF4-FFF2-40B4-BE49-F238E27FC236}">
+                    <a16:creationId xmlns:a16="http://schemas.microsoft.com/office/drawing/2014/main" id="{59972133-777E-4945-AD57-2C0AD143E4C5}"/>
+                  </a:ext>
+                </a:extLst>
+              </p:cNvPr>
+              <p:cNvSpPr/>
+              <p:nvPr/>
+            </p:nvSpPr>
+            <p:spPr>
+              <a:xfrm>
+                <a:off x="820269" y="4251822"/>
+                <a:ext cx="2180544" cy="381131"/>
+              </a:xfrm>
+              <a:prstGeom prst="rect">
+                <a:avLst/>
+              </a:prstGeom>
+              <a:solidFill>
+                <a:schemeClr val="accent2">
+                  <a:lumMod val="40000"/>
+                  <a:lumOff val="60000"/>
+                </a:schemeClr>
+              </a:solidFill>
+              <a:ln>
+                <a:noFill/>
+              </a:ln>
+            </p:spPr>
+            <p:style>
+              <a:lnRef idx="2">
+                <a:schemeClr val="accent1">
+                  <a:shade val="50000"/>
+                </a:schemeClr>
+              </a:lnRef>
+              <a:fillRef idx="1">
+                <a:schemeClr val="accent1"/>
+              </a:fillRef>
+              <a:effectRef idx="0">
+                <a:schemeClr val="accent1"/>
+              </a:effectRef>
+              <a:fontRef idx="minor">
+                <a:schemeClr val="lt1"/>
+              </a:fontRef>
+            </p:style>
+            <p:txBody>
+              <a:bodyPr rtlCol="0" anchor="ctr"/>
+              <a:lstStyle/>
+              <a:p>
+                <a:pPr algn="ctr"/>
+                <a:endParaRPr kumimoji="1" lang="ja-JP" altLang="en-US" sz="2000"/>
+              </a:p>
+            </p:txBody>
+          </p:sp>
+          <p:sp>
+            <p:nvSpPr>
+              <p:cNvPr id="108" name="テキスト ボックス 107">
+                <a:extLst>
+                  <a:ext uri="{FF2B5EF4-FFF2-40B4-BE49-F238E27FC236}">
+                    <a16:creationId xmlns:a16="http://schemas.microsoft.com/office/drawing/2014/main" id="{ACFBB38C-FD8B-BB49-A00A-5CF78E514BEB}"/>
+                  </a:ext>
+                </a:extLst>
+              </p:cNvPr>
+              <p:cNvSpPr txBox="1"/>
+              <p:nvPr/>
+            </p:nvSpPr>
+            <p:spPr>
+              <a:xfrm>
+                <a:off x="1048767" y="4257849"/>
+                <a:ext cx="1723549" cy="400110"/>
+              </a:xfrm>
+              <a:prstGeom prst="rect">
+                <a:avLst/>
+              </a:prstGeom>
+              <a:noFill/>
+            </p:spPr>
+            <p:txBody>
+              <a:bodyPr wrap="none" rtlCol="0">
+                <a:spAutoFit/>
+              </a:bodyPr>
+              <a:lstStyle/>
+              <a:p>
+                <a:r>
+                  <a:rPr lang="ja-JP" altLang="en-US" sz="2000">
+                    <a:latin typeface="Hiragino Kaku Gothic Pro W3" panose="020B0300000000000000" pitchFamily="34" charset="-128"/>
+                    <a:ea typeface="Hiragino Kaku Gothic Pro W3" panose="020B0300000000000000" pitchFamily="34" charset="-128"/>
+                  </a:rPr>
+                  <a:t>同期信号送信</a:t>
+                </a:r>
+                <a:endParaRPr lang="en-US" altLang="ja-JP" sz="2000" dirty="0">
+                  <a:latin typeface="Hiragino Kaku Gothic Pro W3" panose="020B0300000000000000" pitchFamily="34" charset="-128"/>
+                  <a:ea typeface="Hiragino Kaku Gothic Pro W3" panose="020B0300000000000000" pitchFamily="34" charset="-128"/>
+                </a:endParaRPr>
+              </a:p>
+            </p:txBody>
+          </p:sp>
+        </p:grpSp>
+        <p:grpSp>
+          <p:nvGrpSpPr>
+            <p:cNvPr id="111" name="グループ化 110">
+              <a:extLst>
+                <a:ext uri="{FF2B5EF4-FFF2-40B4-BE49-F238E27FC236}">
+                  <a16:creationId xmlns:a16="http://schemas.microsoft.com/office/drawing/2014/main" id="{5B204E84-3DA6-3E49-BED2-833BE785AEE9}"/>
+                </a:ext>
+              </a:extLst>
+            </p:cNvPr>
+            <p:cNvGrpSpPr/>
+            <p:nvPr/>
+          </p:nvGrpSpPr>
+          <p:grpSpPr>
+            <a:xfrm>
+              <a:off x="6019940" y="857845"/>
+              <a:ext cx="2180544" cy="459357"/>
+              <a:chOff x="818925" y="2085605"/>
+              <a:chExt cx="2180544" cy="459357"/>
+            </a:xfrm>
+          </p:grpSpPr>
+          <p:sp>
+            <p:nvSpPr>
+              <p:cNvPr id="112" name="正方形/長方形 111">
+                <a:extLst>
+                  <a:ext uri="{FF2B5EF4-FFF2-40B4-BE49-F238E27FC236}">
+                    <a16:creationId xmlns:a16="http://schemas.microsoft.com/office/drawing/2014/main" id="{FB5ACDC0-A639-6E45-BD28-9C35252F37F5}"/>
+                  </a:ext>
+                </a:extLst>
+              </p:cNvPr>
+              <p:cNvSpPr/>
+              <p:nvPr/>
+            </p:nvSpPr>
+            <p:spPr>
+              <a:xfrm>
+                <a:off x="818925" y="2085605"/>
+                <a:ext cx="2180544" cy="459357"/>
+              </a:xfrm>
+              <a:prstGeom prst="rect">
+                <a:avLst/>
+              </a:prstGeom>
+              <a:solidFill>
+                <a:schemeClr val="accent2">
+                  <a:lumMod val="40000"/>
+                  <a:lumOff val="60000"/>
+                </a:schemeClr>
+              </a:solidFill>
+              <a:ln>
+                <a:noFill/>
+              </a:ln>
+            </p:spPr>
+            <p:style>
+              <a:lnRef idx="2">
+                <a:schemeClr val="accent1">
+                  <a:shade val="50000"/>
+                </a:schemeClr>
+              </a:lnRef>
+              <a:fillRef idx="1">
+                <a:schemeClr val="accent1"/>
+              </a:fillRef>
+              <a:effectRef idx="0">
+                <a:schemeClr val="accent1"/>
+              </a:effectRef>
+              <a:fontRef idx="minor">
+                <a:schemeClr val="lt1"/>
+              </a:fontRef>
+            </p:style>
+            <p:txBody>
+              <a:bodyPr rtlCol="0" anchor="ctr"/>
+              <a:lstStyle/>
+              <a:p>
+                <a:pPr algn="ctr"/>
+                <a:endParaRPr kumimoji="1" lang="ja-JP" altLang="en-US" sz="2000"/>
+              </a:p>
+            </p:txBody>
+          </p:sp>
+          <p:sp>
+            <p:nvSpPr>
+              <p:cNvPr id="113" name="テキスト ボックス 112">
+                <a:extLst>
+                  <a:ext uri="{FF2B5EF4-FFF2-40B4-BE49-F238E27FC236}">
+                    <a16:creationId xmlns:a16="http://schemas.microsoft.com/office/drawing/2014/main" id="{5C982D5A-14D0-954A-90A6-5E0D4626A362}"/>
+                  </a:ext>
+                </a:extLst>
+              </p:cNvPr>
+              <p:cNvSpPr txBox="1"/>
+              <p:nvPr/>
+            </p:nvSpPr>
+            <p:spPr>
+              <a:xfrm>
+                <a:off x="1047423" y="2144852"/>
+                <a:ext cx="1723549" cy="400110"/>
+              </a:xfrm>
+              <a:prstGeom prst="rect">
+                <a:avLst/>
+              </a:prstGeom>
+              <a:noFill/>
+            </p:spPr>
+            <p:txBody>
+              <a:bodyPr wrap="none" rtlCol="0">
+                <a:spAutoFit/>
+              </a:bodyPr>
+              <a:lstStyle/>
+              <a:p>
+                <a:r>
+                  <a:rPr lang="ja-JP" altLang="en-US" sz="2000">
+                    <a:latin typeface="Hiragino Kaku Gothic Pro W3" panose="020B0300000000000000" pitchFamily="34" charset="-128"/>
+                    <a:ea typeface="Hiragino Kaku Gothic Pro W3" panose="020B0300000000000000" pitchFamily="34" charset="-128"/>
+                  </a:rPr>
+                  <a:t>同期信号受信</a:t>
+                </a:r>
+                <a:endParaRPr lang="en-US" altLang="ja-JP" sz="2000" dirty="0">
+                  <a:latin typeface="Hiragino Kaku Gothic Pro W3" panose="020B0300000000000000" pitchFamily="34" charset="-128"/>
+                  <a:ea typeface="Hiragino Kaku Gothic Pro W3" panose="020B0300000000000000" pitchFamily="34" charset="-128"/>
+                </a:endParaRPr>
+              </a:p>
+            </p:txBody>
+          </p:sp>
+        </p:grpSp>
+        <p:grpSp>
+          <p:nvGrpSpPr>
+            <p:cNvPr id="114" name="グループ化 113">
+              <a:extLst>
+                <a:ext uri="{FF2B5EF4-FFF2-40B4-BE49-F238E27FC236}">
+                  <a16:creationId xmlns:a16="http://schemas.microsoft.com/office/drawing/2014/main" id="{DE5C5A0B-F702-944B-B088-8DEB4962601E}"/>
+                </a:ext>
+              </a:extLst>
+            </p:cNvPr>
+            <p:cNvGrpSpPr/>
+            <p:nvPr/>
+          </p:nvGrpSpPr>
+          <p:grpSpPr>
+            <a:xfrm>
+              <a:off x="6019940" y="1685135"/>
+              <a:ext cx="2180544" cy="415031"/>
+              <a:chOff x="820269" y="3201026"/>
+              <a:chExt cx="2180544" cy="415031"/>
+            </a:xfrm>
+          </p:grpSpPr>
+          <p:sp>
+            <p:nvSpPr>
+              <p:cNvPr id="115" name="正方形/長方形 114">
+                <a:extLst>
+                  <a:ext uri="{FF2B5EF4-FFF2-40B4-BE49-F238E27FC236}">
+                    <a16:creationId xmlns:a16="http://schemas.microsoft.com/office/drawing/2014/main" id="{ED0C3407-8A28-114A-A942-457316D05404}"/>
+                  </a:ext>
+                </a:extLst>
+              </p:cNvPr>
+              <p:cNvSpPr/>
+              <p:nvPr/>
+            </p:nvSpPr>
+            <p:spPr>
+              <a:xfrm>
+                <a:off x="820269" y="3201026"/>
+                <a:ext cx="2180544" cy="415031"/>
+              </a:xfrm>
+              <a:prstGeom prst="rect">
+                <a:avLst/>
+              </a:prstGeom>
+              <a:solidFill>
+                <a:schemeClr val="accent6">
+                  <a:lumMod val="40000"/>
+                  <a:lumOff val="60000"/>
+                </a:schemeClr>
+              </a:solidFill>
+              <a:ln>
+                <a:noFill/>
+              </a:ln>
+            </p:spPr>
+            <p:style>
+              <a:lnRef idx="2">
+                <a:schemeClr val="accent1">
+                  <a:shade val="50000"/>
+                </a:schemeClr>
+              </a:lnRef>
+              <a:fillRef idx="1">
+                <a:schemeClr val="accent1"/>
+              </a:fillRef>
+              <a:effectRef idx="0">
+                <a:schemeClr val="accent1"/>
+              </a:effectRef>
+              <a:fontRef idx="minor">
+                <a:schemeClr val="lt1"/>
+              </a:fontRef>
+            </p:style>
+            <p:txBody>
+              <a:bodyPr rtlCol="0" anchor="ctr"/>
+              <a:lstStyle/>
+              <a:p>
+                <a:pPr algn="ctr"/>
+                <a:endParaRPr kumimoji="1" lang="ja-JP" altLang="en-US" sz="2000"/>
+              </a:p>
+            </p:txBody>
+          </p:sp>
+          <p:sp>
+            <p:nvSpPr>
+              <p:cNvPr id="116" name="テキスト ボックス 115">
+                <a:extLst>
+                  <a:ext uri="{FF2B5EF4-FFF2-40B4-BE49-F238E27FC236}">
+                    <a16:creationId xmlns:a16="http://schemas.microsoft.com/office/drawing/2014/main" id="{9A68A31C-4B77-9244-9530-BDF0479D72DC}"/>
+                  </a:ext>
+                </a:extLst>
+              </p:cNvPr>
+              <p:cNvSpPr txBox="1"/>
+              <p:nvPr/>
+            </p:nvSpPr>
+            <p:spPr>
+              <a:xfrm>
+                <a:off x="1561727" y="3215947"/>
+                <a:ext cx="697627" cy="400110"/>
+              </a:xfrm>
+              <a:prstGeom prst="rect">
+                <a:avLst/>
+              </a:prstGeom>
+              <a:noFill/>
+            </p:spPr>
+            <p:txBody>
+              <a:bodyPr wrap="none" rtlCol="0">
+                <a:spAutoFit/>
+              </a:bodyPr>
+              <a:lstStyle/>
+              <a:p>
+                <a:r>
+                  <a:rPr kumimoji="1" lang="ja-JP" altLang="en-US" sz="2000">
+                    <a:latin typeface="Hiragino Kaku Gothic Pro W3" panose="020B0300000000000000" pitchFamily="34" charset="-128"/>
+                    <a:ea typeface="Hiragino Kaku Gothic Pro W3" panose="020B0300000000000000" pitchFamily="34" charset="-128"/>
+                  </a:rPr>
+                  <a:t>演算</a:t>
+                </a:r>
+              </a:p>
+            </p:txBody>
+          </p:sp>
+        </p:grpSp>
+        <p:grpSp>
+          <p:nvGrpSpPr>
+            <p:cNvPr id="117" name="グループ化 116">
+              <a:extLst>
+                <a:ext uri="{FF2B5EF4-FFF2-40B4-BE49-F238E27FC236}">
+                  <a16:creationId xmlns:a16="http://schemas.microsoft.com/office/drawing/2014/main" id="{791C54CE-555B-234D-BF8E-8AA81A531CD3}"/>
+                </a:ext>
+              </a:extLst>
+            </p:cNvPr>
+            <p:cNvGrpSpPr/>
+            <p:nvPr/>
+          </p:nvGrpSpPr>
+          <p:grpSpPr>
+            <a:xfrm>
+              <a:off x="2995906" y="4358472"/>
+              <a:ext cx="2180544" cy="400111"/>
+              <a:chOff x="820269" y="4254156"/>
+              <a:chExt cx="2180544" cy="400111"/>
+            </a:xfrm>
+          </p:grpSpPr>
+          <p:sp>
+            <p:nvSpPr>
+              <p:cNvPr id="118" name="正方形/長方形 117">
+                <a:extLst>
+                  <a:ext uri="{FF2B5EF4-FFF2-40B4-BE49-F238E27FC236}">
+                    <a16:creationId xmlns:a16="http://schemas.microsoft.com/office/drawing/2014/main" id="{4F0719E1-24EA-944E-A198-76E6CBF72A2E}"/>
+                  </a:ext>
+                </a:extLst>
+              </p:cNvPr>
+              <p:cNvSpPr/>
+              <p:nvPr/>
+            </p:nvSpPr>
+            <p:spPr>
+              <a:xfrm>
+                <a:off x="820269" y="4254156"/>
+                <a:ext cx="2180544" cy="400111"/>
+              </a:xfrm>
+              <a:prstGeom prst="rect">
+                <a:avLst/>
+              </a:prstGeom>
+              <a:solidFill>
+                <a:schemeClr val="accent6">
+                  <a:lumMod val="40000"/>
+                  <a:lumOff val="60000"/>
+                </a:schemeClr>
+              </a:solidFill>
+              <a:ln>
+                <a:noFill/>
+              </a:ln>
+            </p:spPr>
+            <p:style>
+              <a:lnRef idx="2">
+                <a:schemeClr val="accent1">
+                  <a:shade val="50000"/>
+                </a:schemeClr>
+              </a:lnRef>
+              <a:fillRef idx="1">
+                <a:schemeClr val="accent1"/>
+              </a:fillRef>
+              <a:effectRef idx="0">
+                <a:schemeClr val="accent1"/>
+              </a:effectRef>
+              <a:fontRef idx="minor">
+                <a:schemeClr val="lt1"/>
+              </a:fontRef>
+            </p:style>
+            <p:txBody>
+              <a:bodyPr rtlCol="0" anchor="ctr"/>
+              <a:lstStyle/>
+              <a:p>
+                <a:pPr algn="ctr"/>
+                <a:endParaRPr kumimoji="1" lang="ja-JP" altLang="en-US" sz="2000"/>
+              </a:p>
+            </p:txBody>
+          </p:sp>
+          <p:sp>
+            <p:nvSpPr>
+              <p:cNvPr id="119" name="テキスト ボックス 118">
+                <a:extLst>
+                  <a:ext uri="{FF2B5EF4-FFF2-40B4-BE49-F238E27FC236}">
+                    <a16:creationId xmlns:a16="http://schemas.microsoft.com/office/drawing/2014/main" id="{0CD1A0C7-A38C-3345-9790-EA31AE3C8BC9}"/>
+                  </a:ext>
+                </a:extLst>
+              </p:cNvPr>
+              <p:cNvSpPr txBox="1"/>
+              <p:nvPr/>
+            </p:nvSpPr>
+            <p:spPr>
+              <a:xfrm>
+                <a:off x="1536527" y="4254157"/>
+                <a:ext cx="697627" cy="400110"/>
+              </a:xfrm>
+              <a:prstGeom prst="rect">
+                <a:avLst/>
+              </a:prstGeom>
+              <a:noFill/>
+            </p:spPr>
+            <p:txBody>
+              <a:bodyPr wrap="none" rtlCol="0">
+                <a:spAutoFit/>
+              </a:bodyPr>
+              <a:lstStyle/>
+              <a:p>
+                <a:r>
+                  <a:rPr lang="ja-JP" altLang="en-US" sz="2000">
+                    <a:latin typeface="Hiragino Kaku Gothic Pro W3" panose="020B0300000000000000" pitchFamily="34" charset="-128"/>
+                    <a:ea typeface="Hiragino Kaku Gothic Pro W3" panose="020B0300000000000000" pitchFamily="34" charset="-128"/>
+                  </a:rPr>
+                  <a:t>描画</a:t>
+                </a:r>
+                <a:endParaRPr lang="en-US" altLang="ja-JP" sz="2000" dirty="0">
+                  <a:latin typeface="Hiragino Kaku Gothic Pro W3" panose="020B0300000000000000" pitchFamily="34" charset="-128"/>
+                  <a:ea typeface="Hiragino Kaku Gothic Pro W3" panose="020B0300000000000000" pitchFamily="34" charset="-128"/>
+                </a:endParaRPr>
+              </a:p>
+            </p:txBody>
+          </p:sp>
+        </p:grpSp>
+        <p:grpSp>
+          <p:nvGrpSpPr>
+            <p:cNvPr id="13" name="グループ化 12">
+              <a:extLst>
+                <a:ext uri="{FF2B5EF4-FFF2-40B4-BE49-F238E27FC236}">
+                  <a16:creationId xmlns:a16="http://schemas.microsoft.com/office/drawing/2014/main" id="{70274456-B874-E241-92D8-C1EE18064AE9}"/>
+                </a:ext>
+              </a:extLst>
+            </p:cNvPr>
+            <p:cNvGrpSpPr/>
+            <p:nvPr/>
+          </p:nvGrpSpPr>
+          <p:grpSpPr>
+            <a:xfrm>
+              <a:off x="6019940" y="2468098"/>
+              <a:ext cx="2180544" cy="459357"/>
+              <a:chOff x="3597796" y="3956230"/>
+              <a:chExt cx="2180544" cy="459357"/>
+            </a:xfrm>
+          </p:grpSpPr>
+          <p:sp>
+            <p:nvSpPr>
+              <p:cNvPr id="124" name="正方形/長方形 123">
+                <a:extLst>
+                  <a:ext uri="{FF2B5EF4-FFF2-40B4-BE49-F238E27FC236}">
+                    <a16:creationId xmlns:a16="http://schemas.microsoft.com/office/drawing/2014/main" id="{50462E85-E700-8B4B-8819-29407BDB5951}"/>
+                  </a:ext>
+                </a:extLst>
+              </p:cNvPr>
+              <p:cNvSpPr/>
+              <p:nvPr/>
+            </p:nvSpPr>
+            <p:spPr>
+              <a:xfrm>
+                <a:off x="3597796" y="3956230"/>
+                <a:ext cx="2180544" cy="459357"/>
+              </a:xfrm>
+              <a:prstGeom prst="rect">
+                <a:avLst/>
+              </a:prstGeom>
+              <a:solidFill>
+                <a:schemeClr val="accent2">
+                  <a:lumMod val="40000"/>
+                  <a:lumOff val="60000"/>
+                </a:schemeClr>
+              </a:solidFill>
+              <a:ln>
+                <a:noFill/>
+              </a:ln>
+            </p:spPr>
+            <p:style>
+              <a:lnRef idx="2">
+                <a:schemeClr val="accent1">
+                  <a:shade val="50000"/>
+                </a:schemeClr>
+              </a:lnRef>
+              <a:fillRef idx="1">
+                <a:schemeClr val="accent1"/>
+              </a:fillRef>
+              <a:effectRef idx="0">
+                <a:schemeClr val="accent1"/>
+              </a:effectRef>
+              <a:fontRef idx="minor">
+                <a:schemeClr val="lt1"/>
+              </a:fontRef>
+            </p:style>
+            <p:txBody>
+              <a:bodyPr rtlCol="0" anchor="ctr"/>
+              <a:lstStyle/>
+              <a:p>
+                <a:pPr algn="ctr"/>
+                <a:endParaRPr kumimoji="1" lang="ja-JP" altLang="en-US" sz="2000"/>
+              </a:p>
+            </p:txBody>
+          </p:sp>
+          <p:sp>
+            <p:nvSpPr>
+              <p:cNvPr id="125" name="テキスト ボックス 124">
+                <a:extLst>
+                  <a:ext uri="{FF2B5EF4-FFF2-40B4-BE49-F238E27FC236}">
+                    <a16:creationId xmlns:a16="http://schemas.microsoft.com/office/drawing/2014/main" id="{5A3B0281-327A-3344-92E3-23DAC1498BE1}"/>
+                  </a:ext>
+                </a:extLst>
+              </p:cNvPr>
+              <p:cNvSpPr txBox="1"/>
+              <p:nvPr/>
+            </p:nvSpPr>
+            <p:spPr>
+              <a:xfrm>
+                <a:off x="4082774" y="3981297"/>
+                <a:ext cx="1210588" cy="400110"/>
+              </a:xfrm>
+              <a:prstGeom prst="rect">
+                <a:avLst/>
+              </a:prstGeom>
+              <a:noFill/>
+            </p:spPr>
+            <p:txBody>
+              <a:bodyPr wrap="none" rtlCol="0">
+                <a:spAutoFit/>
+              </a:bodyPr>
+              <a:lstStyle/>
+              <a:p>
+                <a:r>
+                  <a:rPr lang="ja-JP" altLang="en-US" sz="2000">
+                    <a:latin typeface="Hiragino Kaku Gothic Pro W3" panose="020B0300000000000000" pitchFamily="34" charset="-128"/>
+                    <a:ea typeface="Hiragino Kaku Gothic Pro W3" panose="020B0300000000000000" pitchFamily="34" charset="-128"/>
+                  </a:rPr>
+                  <a:t>結果送信</a:t>
+                </a:r>
+                <a:endParaRPr lang="en-US" altLang="ja-JP" sz="2000" dirty="0">
+                  <a:latin typeface="Hiragino Kaku Gothic Pro W3" panose="020B0300000000000000" pitchFamily="34" charset="-128"/>
+                  <a:ea typeface="Hiragino Kaku Gothic Pro W3" panose="020B0300000000000000" pitchFamily="34" charset="-128"/>
+                </a:endParaRPr>
+              </a:p>
+            </p:txBody>
+          </p:sp>
+        </p:grpSp>
+        <p:grpSp>
+          <p:nvGrpSpPr>
+            <p:cNvPr id="126" name="グループ化 125">
+              <a:extLst>
+                <a:ext uri="{FF2B5EF4-FFF2-40B4-BE49-F238E27FC236}">
+                  <a16:creationId xmlns:a16="http://schemas.microsoft.com/office/drawing/2014/main" id="{F644E7AB-A25A-6C4C-AF9B-98BE5A546A77}"/>
+                </a:ext>
+              </a:extLst>
+            </p:cNvPr>
+            <p:cNvGrpSpPr/>
+            <p:nvPr/>
+          </p:nvGrpSpPr>
+          <p:grpSpPr>
+            <a:xfrm>
+              <a:off x="2995906" y="3583530"/>
+              <a:ext cx="2180544" cy="400111"/>
+              <a:chOff x="820269" y="4257848"/>
+              <a:chExt cx="2180544" cy="400111"/>
+            </a:xfrm>
+          </p:grpSpPr>
+          <p:sp>
+            <p:nvSpPr>
+              <p:cNvPr id="127" name="正方形/長方形 126">
+                <a:extLst>
+                  <a:ext uri="{FF2B5EF4-FFF2-40B4-BE49-F238E27FC236}">
+                    <a16:creationId xmlns:a16="http://schemas.microsoft.com/office/drawing/2014/main" id="{839002A4-6D7A-6E43-8295-6DEF7757DAEF}"/>
+                  </a:ext>
+                </a:extLst>
+              </p:cNvPr>
+              <p:cNvSpPr/>
+              <p:nvPr/>
+            </p:nvSpPr>
+            <p:spPr>
+              <a:xfrm>
+                <a:off x="820269" y="4257848"/>
+                <a:ext cx="2180544" cy="392231"/>
+              </a:xfrm>
+              <a:prstGeom prst="rect">
+                <a:avLst/>
+              </a:prstGeom>
+              <a:solidFill>
+                <a:schemeClr val="accent2">
+                  <a:lumMod val="40000"/>
+                  <a:lumOff val="60000"/>
+                </a:schemeClr>
+              </a:solidFill>
+              <a:ln>
+                <a:noFill/>
+              </a:ln>
+            </p:spPr>
+            <p:style>
+              <a:lnRef idx="2">
+                <a:schemeClr val="accent1">
+                  <a:shade val="50000"/>
+                </a:schemeClr>
+              </a:lnRef>
+              <a:fillRef idx="1">
+                <a:schemeClr val="accent1"/>
+              </a:fillRef>
+              <a:effectRef idx="0">
+                <a:schemeClr val="accent1"/>
+              </a:effectRef>
+              <a:fontRef idx="minor">
+                <a:schemeClr val="lt1"/>
+              </a:fontRef>
+            </p:style>
+            <p:txBody>
+              <a:bodyPr rtlCol="0" anchor="ctr"/>
+              <a:lstStyle/>
+              <a:p>
+                <a:pPr algn="ctr"/>
+                <a:endParaRPr kumimoji="1" lang="ja-JP" altLang="en-US" sz="2000"/>
+              </a:p>
+            </p:txBody>
+          </p:sp>
+          <p:sp>
+            <p:nvSpPr>
+              <p:cNvPr id="128" name="テキスト ボックス 127">
+                <a:extLst>
+                  <a:ext uri="{FF2B5EF4-FFF2-40B4-BE49-F238E27FC236}">
+                    <a16:creationId xmlns:a16="http://schemas.microsoft.com/office/drawing/2014/main" id="{641C97D3-A989-404F-9302-C740C92DF87B}"/>
+                  </a:ext>
+                </a:extLst>
+              </p:cNvPr>
+              <p:cNvSpPr txBox="1"/>
+              <p:nvPr/>
+            </p:nvSpPr>
+            <p:spPr>
+              <a:xfrm>
+                <a:off x="1305247" y="4257849"/>
+                <a:ext cx="1210588" cy="400110"/>
+              </a:xfrm>
+              <a:prstGeom prst="rect">
+                <a:avLst/>
+              </a:prstGeom>
+              <a:noFill/>
+            </p:spPr>
+            <p:txBody>
+              <a:bodyPr wrap="none" rtlCol="0">
+                <a:spAutoFit/>
+              </a:bodyPr>
+              <a:lstStyle/>
+              <a:p>
+                <a:r>
+                  <a:rPr lang="ja-JP" altLang="en-US" sz="2000">
+                    <a:latin typeface="Hiragino Kaku Gothic Pro W3" panose="020B0300000000000000" pitchFamily="34" charset="-128"/>
+                    <a:ea typeface="Hiragino Kaku Gothic Pro W3" panose="020B0300000000000000" pitchFamily="34" charset="-128"/>
+                  </a:rPr>
+                  <a:t>結果受信</a:t>
+                </a:r>
+                <a:endParaRPr lang="en-US" altLang="ja-JP" sz="2000" dirty="0">
+                  <a:latin typeface="Hiragino Kaku Gothic Pro W3" panose="020B0300000000000000" pitchFamily="34" charset="-128"/>
+                  <a:ea typeface="Hiragino Kaku Gothic Pro W3" panose="020B0300000000000000" pitchFamily="34" charset="-128"/>
+                </a:endParaRPr>
+              </a:p>
+            </p:txBody>
+          </p:sp>
+        </p:grpSp>
+        <p:grpSp>
+          <p:nvGrpSpPr>
+            <p:cNvPr id="44" name="グループ化 43">
+              <a:extLst>
+                <a:ext uri="{FF2B5EF4-FFF2-40B4-BE49-F238E27FC236}">
+                  <a16:creationId xmlns:a16="http://schemas.microsoft.com/office/drawing/2014/main" id="{DF14B237-13D1-754D-9724-7271E98EB76F}"/>
+                </a:ext>
+              </a:extLst>
+            </p:cNvPr>
+            <p:cNvGrpSpPr/>
+            <p:nvPr/>
+          </p:nvGrpSpPr>
+          <p:grpSpPr>
+            <a:xfrm>
+              <a:off x="2958728" y="790850"/>
+              <a:ext cx="2254900" cy="447754"/>
+              <a:chOff x="783091" y="1072798"/>
+              <a:chExt cx="2254900" cy="447754"/>
+            </a:xfrm>
+          </p:grpSpPr>
+          <p:sp>
+            <p:nvSpPr>
+              <p:cNvPr id="54" name="角丸四角形 53">
+                <a:extLst>
+                  <a:ext uri="{FF2B5EF4-FFF2-40B4-BE49-F238E27FC236}">
+                    <a16:creationId xmlns:a16="http://schemas.microsoft.com/office/drawing/2014/main" id="{1C2B4F2E-7213-5A41-9368-BCEAAA41DCDA}"/>
+                  </a:ext>
+                </a:extLst>
+              </p:cNvPr>
+              <p:cNvSpPr/>
+              <p:nvPr/>
+            </p:nvSpPr>
+            <p:spPr>
+              <a:xfrm>
+                <a:off x="783091" y="1072798"/>
+                <a:ext cx="2254900" cy="447754"/>
+              </a:xfrm>
+              <a:prstGeom prst="roundRect">
+                <a:avLst>
+                  <a:gd name="adj" fmla="val 50000"/>
+                </a:avLst>
+              </a:prstGeom>
+              <a:solidFill>
+                <a:schemeClr val="accent3">
+                  <a:lumMod val="40000"/>
+                  <a:lumOff val="60000"/>
+                </a:schemeClr>
+              </a:solidFill>
+              <a:ln>
+                <a:noFill/>
+              </a:ln>
+            </p:spPr>
+            <p:style>
+              <a:lnRef idx="2">
+                <a:schemeClr val="accent1">
+                  <a:shade val="50000"/>
+                </a:schemeClr>
+              </a:lnRef>
+              <a:fillRef idx="1">
+                <a:schemeClr val="accent1"/>
+              </a:fillRef>
+              <a:effectRef idx="0">
+                <a:schemeClr val="accent1"/>
+              </a:effectRef>
+              <a:fontRef idx="minor">
+                <a:schemeClr val="lt1"/>
+              </a:fontRef>
+            </p:style>
+            <p:txBody>
+              <a:bodyPr rtlCol="0" anchor="ctr"/>
+              <a:lstStyle/>
+              <a:p>
+                <a:pPr algn="ctr"/>
+                <a:endParaRPr kumimoji="1" lang="ja-JP" altLang="en-US" sz="2000">
+                  <a:latin typeface="Hiragino Kaku Gothic Pro W3" panose="020B0300000000000000" pitchFamily="34" charset="-128"/>
+                  <a:ea typeface="Hiragino Kaku Gothic Pro W3" panose="020B0300000000000000" pitchFamily="34" charset="-128"/>
+                </a:endParaRPr>
+              </a:p>
+            </p:txBody>
+          </p:sp>
+          <p:sp>
+            <p:nvSpPr>
+              <p:cNvPr id="55" name="テキスト ボックス 54">
+                <a:extLst>
+                  <a:ext uri="{FF2B5EF4-FFF2-40B4-BE49-F238E27FC236}">
+                    <a16:creationId xmlns:a16="http://schemas.microsoft.com/office/drawing/2014/main" id="{DA4A6DB3-059F-3C45-8843-A3AD112E938F}"/>
+                  </a:ext>
+                </a:extLst>
+              </p:cNvPr>
+              <p:cNvSpPr txBox="1"/>
+              <p:nvPr/>
+            </p:nvSpPr>
+            <p:spPr>
+              <a:xfrm>
+                <a:off x="1510432" y="1072798"/>
+                <a:ext cx="697627" cy="400110"/>
+              </a:xfrm>
+              <a:prstGeom prst="rect">
+                <a:avLst/>
+              </a:prstGeom>
+              <a:noFill/>
+            </p:spPr>
+            <p:txBody>
+              <a:bodyPr wrap="none" rtlCol="0">
+                <a:spAutoFit/>
+              </a:bodyPr>
+              <a:lstStyle/>
+              <a:p>
+                <a:r>
+                  <a:rPr kumimoji="1" lang="ja-JP" altLang="en-US" sz="2000">
+                    <a:latin typeface="Hiragino Kaku Gothic Pro W3" panose="020B0300000000000000" pitchFamily="34" charset="-128"/>
+                    <a:ea typeface="Hiragino Kaku Gothic Pro W3" panose="020B0300000000000000" pitchFamily="34" charset="-128"/>
+                  </a:rPr>
+                  <a:t>開始</a:t>
+                </a:r>
+              </a:p>
+            </p:txBody>
+          </p:sp>
+        </p:grpSp>
         <p:sp>
           <p:nvSpPr>
-            <p:cNvPr id="104" name="正方形/長方形 103">
+            <p:cNvPr id="56" name="下矢印 55">
               <a:extLst>
                 <a:ext uri="{FF2B5EF4-FFF2-40B4-BE49-F238E27FC236}">
-                  <a16:creationId xmlns:a16="http://schemas.microsoft.com/office/drawing/2014/main" id="{AC37468F-1FB1-1140-B8CC-2D822C8D0B6C}"/>
+                  <a16:creationId xmlns:a16="http://schemas.microsoft.com/office/drawing/2014/main" id="{0967201F-CE72-C145-B75A-39E36968A0C1}"/>
                 </a:ext>
               </a:extLst>
             </p:cNvPr>
@@ -7425,16 +8414,16 @@
           </p:nvSpPr>
           <p:spPr>
             <a:xfrm>
-              <a:off x="811487" y="1937759"/>
-              <a:ext cx="2180544" cy="814296"/>
+              <a:off x="3996178" y="1290472"/>
+              <a:ext cx="180000" cy="271095"/>
             </a:xfrm>
-            <a:prstGeom prst="rect">
+            <a:prstGeom prst="downArrow">
               <a:avLst/>
             </a:prstGeom>
             <a:solidFill>
-              <a:schemeClr val="accent2">
-                <a:lumMod val="40000"/>
-                <a:lumOff val="60000"/>
+              <a:schemeClr val="tx1">
+                <a:lumMod val="85000"/>
+                <a:lumOff val="15000"/>
               </a:schemeClr>
             </a:solidFill>
             <a:ln>
@@ -7462,106 +8451,16 @@
             <a:lstStyle/>
             <a:p>
               <a:pPr algn="ctr"/>
-              <a:endParaRPr kumimoji="1" lang="ja-JP" altLang="en-US" sz="2000"/>
+              <a:endParaRPr kumimoji="1" lang="ja-JP" altLang="en-US"/>
             </a:p>
           </p:txBody>
         </p:sp>
         <p:sp>
           <p:nvSpPr>
-            <p:cNvPr id="105" name="テキスト ボックス 104">
+            <p:cNvPr id="57" name="下矢印 56">
               <a:extLst>
                 <a:ext uri="{FF2B5EF4-FFF2-40B4-BE49-F238E27FC236}">
-                  <a16:creationId xmlns:a16="http://schemas.microsoft.com/office/drawing/2014/main" id="{6699AC69-298C-CE4A-8D90-B8DF3781D514}"/>
-                </a:ext>
-              </a:extLst>
-            </p:cNvPr>
-            <p:cNvSpPr txBox="1"/>
-            <p:nvPr/>
-          </p:nvSpPr>
-          <p:spPr>
-            <a:xfrm>
-              <a:off x="833999" y="1990964"/>
-              <a:ext cx="2135521" cy="707886"/>
-            </a:xfrm>
-            <a:prstGeom prst="rect">
-              <a:avLst/>
-            </a:prstGeom>
-            <a:noFill/>
-          </p:spPr>
-          <p:txBody>
-            <a:bodyPr wrap="none" rtlCol="0">
-              <a:spAutoFit/>
-            </a:bodyPr>
-            <a:lstStyle/>
-            <a:p>
-              <a:r>
-                <a:rPr lang="en-US" altLang="ja-JP" sz="2000" dirty="0">
-                  <a:latin typeface="Hiragino Kaku Gothic Pro W3" panose="020B0300000000000000" pitchFamily="34" charset="-128"/>
-                  <a:ea typeface="Hiragino Kaku Gothic Pro W3" panose="020B0300000000000000" pitchFamily="34" charset="-128"/>
-                </a:rPr>
-                <a:t>Canvas</a:t>
-              </a:r>
-              <a:r>
-                <a:rPr lang="ja-JP" altLang="en-US" sz="2000">
-                  <a:latin typeface="Hiragino Kaku Gothic Pro W3" panose="020B0300000000000000" pitchFamily="34" charset="-128"/>
-                  <a:ea typeface="Hiragino Kaku Gothic Pro W3" panose="020B0300000000000000" pitchFamily="34" charset="-128"/>
-                </a:rPr>
-                <a:t>要素取得</a:t>
-              </a:r>
-              <a:endParaRPr lang="en-US" altLang="ja-JP" sz="2000" dirty="0">
-                <a:latin typeface="Hiragino Kaku Gothic Pro W3" panose="020B0300000000000000" pitchFamily="34" charset="-128"/>
-                <a:ea typeface="Hiragino Kaku Gothic Pro W3" panose="020B0300000000000000" pitchFamily="34" charset="-128"/>
-              </a:endParaRPr>
-            </a:p>
-            <a:p>
-              <a:r>
-                <a:rPr lang="en-US" altLang="ja-JP" sz="2000" dirty="0">
-                  <a:latin typeface="Hiragino Kaku Gothic Pro W3" panose="020B0300000000000000" pitchFamily="34" charset="-128"/>
-                  <a:ea typeface="Hiragino Kaku Gothic Pro W3" panose="020B0300000000000000" pitchFamily="34" charset="-128"/>
-                </a:rPr>
-                <a:t>worker</a:t>
-              </a:r>
-              <a:r>
-                <a:rPr lang="ja-JP" altLang="en-US" sz="2000">
-                  <a:latin typeface="Hiragino Kaku Gothic Pro W3" panose="020B0300000000000000" pitchFamily="34" charset="-128"/>
-                  <a:ea typeface="Hiragino Kaku Gothic Pro W3" panose="020B0300000000000000" pitchFamily="34" charset="-128"/>
-                </a:rPr>
-                <a:t>作成</a:t>
-              </a:r>
-              <a:endParaRPr lang="en-US" altLang="ja-JP" sz="2000" dirty="0">
-                <a:latin typeface="Hiragino Kaku Gothic Pro W3" panose="020B0300000000000000" pitchFamily="34" charset="-128"/>
-                <a:ea typeface="Hiragino Kaku Gothic Pro W3" panose="020B0300000000000000" pitchFamily="34" charset="-128"/>
-              </a:endParaRPr>
-            </a:p>
-          </p:txBody>
-        </p:sp>
-      </p:grpSp>
-      <p:grpSp>
-        <p:nvGrpSpPr>
-          <p:cNvPr id="106" name="グループ化 105">
-            <a:extLst>
-              <a:ext uri="{FF2B5EF4-FFF2-40B4-BE49-F238E27FC236}">
-                <a16:creationId xmlns:a16="http://schemas.microsoft.com/office/drawing/2014/main" id="{F05DC684-6048-F741-84CC-F10FD6288254}"/>
-              </a:ext>
-            </a:extLst>
-          </p:cNvPr>
-          <p:cNvGrpSpPr/>
-          <p:nvPr/>
-        </p:nvGrpSpPr>
-        <p:grpSpPr>
-          <a:xfrm>
-            <a:off x="2995906" y="2802562"/>
-            <a:ext cx="2180544" cy="406137"/>
-            <a:chOff x="820269" y="4251822"/>
-            <a:chExt cx="2180544" cy="406137"/>
-          </a:xfrm>
-        </p:grpSpPr>
-        <p:sp>
-          <p:nvSpPr>
-            <p:cNvPr id="107" name="正方形/長方形 106">
-              <a:extLst>
-                <a:ext uri="{FF2B5EF4-FFF2-40B4-BE49-F238E27FC236}">
-                  <a16:creationId xmlns:a16="http://schemas.microsoft.com/office/drawing/2014/main" id="{59972133-777E-4945-AD57-2C0AD143E4C5}"/>
+                  <a16:creationId xmlns:a16="http://schemas.microsoft.com/office/drawing/2014/main" id="{D0B88B25-4B61-3F47-BF34-EDC8A796596C}"/>
                 </a:ext>
               </a:extLst>
             </p:cNvPr>
@@ -7570,16 +8469,16 @@
           </p:nvSpPr>
           <p:spPr>
             <a:xfrm>
-              <a:off x="820269" y="4251822"/>
-              <a:ext cx="2180544" cy="381131"/>
+              <a:off x="3996178" y="2479599"/>
+              <a:ext cx="180000" cy="271095"/>
             </a:xfrm>
-            <a:prstGeom prst="rect">
+            <a:prstGeom prst="downArrow">
               <a:avLst/>
             </a:prstGeom>
             <a:solidFill>
-              <a:schemeClr val="accent2">
-                <a:lumMod val="40000"/>
-                <a:lumOff val="60000"/>
+              <a:schemeClr val="tx1">
+                <a:lumMod val="85000"/>
+                <a:lumOff val="15000"/>
               </a:schemeClr>
             </a:solidFill>
             <a:ln>
@@ -7607,79 +8506,16 @@
             <a:lstStyle/>
             <a:p>
               <a:pPr algn="ctr"/>
-              <a:endParaRPr kumimoji="1" lang="ja-JP" altLang="en-US" sz="2000"/>
+              <a:endParaRPr kumimoji="1" lang="ja-JP" altLang="en-US"/>
             </a:p>
           </p:txBody>
         </p:sp>
         <p:sp>
           <p:nvSpPr>
-            <p:cNvPr id="108" name="テキスト ボックス 107">
+            <p:cNvPr id="58" name="下矢印 57">
               <a:extLst>
                 <a:ext uri="{FF2B5EF4-FFF2-40B4-BE49-F238E27FC236}">
-                  <a16:creationId xmlns:a16="http://schemas.microsoft.com/office/drawing/2014/main" id="{ACFBB38C-FD8B-BB49-A00A-5CF78E514BEB}"/>
-                </a:ext>
-              </a:extLst>
-            </p:cNvPr>
-            <p:cNvSpPr txBox="1"/>
-            <p:nvPr/>
-          </p:nvSpPr>
-          <p:spPr>
-            <a:xfrm>
-              <a:off x="1048767" y="4257849"/>
-              <a:ext cx="1723549" cy="400110"/>
-            </a:xfrm>
-            <a:prstGeom prst="rect">
-              <a:avLst/>
-            </a:prstGeom>
-            <a:noFill/>
-          </p:spPr>
-          <p:txBody>
-            <a:bodyPr wrap="none" rtlCol="0">
-              <a:spAutoFit/>
-            </a:bodyPr>
-            <a:lstStyle/>
-            <a:p>
-              <a:r>
-                <a:rPr lang="ja-JP" altLang="en-US" sz="2000">
-                  <a:latin typeface="Hiragino Kaku Gothic Pro W3" panose="020B0300000000000000" pitchFamily="34" charset="-128"/>
-                  <a:ea typeface="Hiragino Kaku Gothic Pro W3" panose="020B0300000000000000" pitchFamily="34" charset="-128"/>
-                </a:rPr>
-                <a:t>同期信号送信</a:t>
-              </a:r>
-              <a:endParaRPr lang="en-US" altLang="ja-JP" sz="2000" dirty="0">
-                <a:latin typeface="Hiragino Kaku Gothic Pro W3" panose="020B0300000000000000" pitchFamily="34" charset="-128"/>
-                <a:ea typeface="Hiragino Kaku Gothic Pro W3" panose="020B0300000000000000" pitchFamily="34" charset="-128"/>
-              </a:endParaRPr>
-            </a:p>
-          </p:txBody>
-        </p:sp>
-      </p:grpSp>
-      <p:grpSp>
-        <p:nvGrpSpPr>
-          <p:cNvPr id="111" name="グループ化 110">
-            <a:extLst>
-              <a:ext uri="{FF2B5EF4-FFF2-40B4-BE49-F238E27FC236}">
-                <a16:creationId xmlns:a16="http://schemas.microsoft.com/office/drawing/2014/main" id="{5B204E84-3DA6-3E49-BED2-833BE785AEE9}"/>
-              </a:ext>
-            </a:extLst>
-          </p:cNvPr>
-          <p:cNvGrpSpPr/>
-          <p:nvPr/>
-        </p:nvGrpSpPr>
-        <p:grpSpPr>
-          <a:xfrm>
-            <a:off x="6019940" y="857845"/>
-            <a:ext cx="2180544" cy="459357"/>
-            <a:chOff x="818925" y="2085605"/>
-            <a:chExt cx="2180544" cy="459357"/>
-          </a:xfrm>
-        </p:grpSpPr>
-        <p:sp>
-          <p:nvSpPr>
-            <p:cNvPr id="112" name="正方形/長方形 111">
-              <a:extLst>
-                <a:ext uri="{FF2B5EF4-FFF2-40B4-BE49-F238E27FC236}">
-                  <a16:creationId xmlns:a16="http://schemas.microsoft.com/office/drawing/2014/main" id="{FB5ACDC0-A639-6E45-BD28-9C35252F37F5}"/>
+                  <a16:creationId xmlns:a16="http://schemas.microsoft.com/office/drawing/2014/main" id="{3D88C260-C528-3D42-8C92-EF9CAD544267}"/>
                 </a:ext>
               </a:extLst>
             </p:cNvPr>
@@ -7688,16 +8524,16 @@
           </p:nvSpPr>
           <p:spPr>
             <a:xfrm>
-              <a:off x="818925" y="2085605"/>
-              <a:ext cx="2180544" cy="459357"/>
+              <a:off x="3996178" y="3260567"/>
+              <a:ext cx="180000" cy="271095"/>
             </a:xfrm>
-            <a:prstGeom prst="rect">
+            <a:prstGeom prst="downArrow">
               <a:avLst/>
             </a:prstGeom>
             <a:solidFill>
-              <a:schemeClr val="accent2">
-                <a:lumMod val="40000"/>
-                <a:lumOff val="60000"/>
+              <a:schemeClr val="tx1">
+                <a:lumMod val="85000"/>
+                <a:lumOff val="15000"/>
               </a:schemeClr>
             </a:solidFill>
             <a:ln>
@@ -7725,79 +8561,16 @@
             <a:lstStyle/>
             <a:p>
               <a:pPr algn="ctr"/>
-              <a:endParaRPr kumimoji="1" lang="ja-JP" altLang="en-US" sz="2000"/>
+              <a:endParaRPr kumimoji="1" lang="ja-JP" altLang="en-US"/>
             </a:p>
           </p:txBody>
         </p:sp>
         <p:sp>
           <p:nvSpPr>
-            <p:cNvPr id="113" name="テキスト ボックス 112">
+            <p:cNvPr id="59" name="下矢印 58">
               <a:extLst>
                 <a:ext uri="{FF2B5EF4-FFF2-40B4-BE49-F238E27FC236}">
-                  <a16:creationId xmlns:a16="http://schemas.microsoft.com/office/drawing/2014/main" id="{5C982D5A-14D0-954A-90A6-5E0D4626A362}"/>
-                </a:ext>
-              </a:extLst>
-            </p:cNvPr>
-            <p:cNvSpPr txBox="1"/>
-            <p:nvPr/>
-          </p:nvSpPr>
-          <p:spPr>
-            <a:xfrm>
-              <a:off x="1047423" y="2144852"/>
-              <a:ext cx="1723549" cy="400110"/>
-            </a:xfrm>
-            <a:prstGeom prst="rect">
-              <a:avLst/>
-            </a:prstGeom>
-            <a:noFill/>
-          </p:spPr>
-          <p:txBody>
-            <a:bodyPr wrap="none" rtlCol="0">
-              <a:spAutoFit/>
-            </a:bodyPr>
-            <a:lstStyle/>
-            <a:p>
-              <a:r>
-                <a:rPr lang="ja-JP" altLang="en-US" sz="2000">
-                  <a:latin typeface="Hiragino Kaku Gothic Pro W3" panose="020B0300000000000000" pitchFamily="34" charset="-128"/>
-                  <a:ea typeface="Hiragino Kaku Gothic Pro W3" panose="020B0300000000000000" pitchFamily="34" charset="-128"/>
-                </a:rPr>
-                <a:t>同期信号受信</a:t>
-              </a:r>
-              <a:endParaRPr lang="en-US" altLang="ja-JP" sz="2000" dirty="0">
-                <a:latin typeface="Hiragino Kaku Gothic Pro W3" panose="020B0300000000000000" pitchFamily="34" charset="-128"/>
-                <a:ea typeface="Hiragino Kaku Gothic Pro W3" panose="020B0300000000000000" pitchFamily="34" charset="-128"/>
-              </a:endParaRPr>
-            </a:p>
-          </p:txBody>
-        </p:sp>
-      </p:grpSp>
-      <p:grpSp>
-        <p:nvGrpSpPr>
-          <p:cNvPr id="114" name="グループ化 113">
-            <a:extLst>
-              <a:ext uri="{FF2B5EF4-FFF2-40B4-BE49-F238E27FC236}">
-                <a16:creationId xmlns:a16="http://schemas.microsoft.com/office/drawing/2014/main" id="{DE5C5A0B-F702-944B-B088-8DEB4962601E}"/>
-              </a:ext>
-            </a:extLst>
-          </p:cNvPr>
-          <p:cNvGrpSpPr/>
-          <p:nvPr/>
-        </p:nvGrpSpPr>
-        <p:grpSpPr>
-          <a:xfrm>
-            <a:off x="6019940" y="1685135"/>
-            <a:ext cx="2180544" cy="415031"/>
-            <a:chOff x="820269" y="3201026"/>
-            <a:chExt cx="2180544" cy="415031"/>
-          </a:xfrm>
-        </p:grpSpPr>
-        <p:sp>
-          <p:nvSpPr>
-            <p:cNvPr id="115" name="正方形/長方形 114">
-              <a:extLst>
-                <a:ext uri="{FF2B5EF4-FFF2-40B4-BE49-F238E27FC236}">
-                  <a16:creationId xmlns:a16="http://schemas.microsoft.com/office/drawing/2014/main" id="{ED0C3407-8A28-114A-A942-457316D05404}"/>
+                  <a16:creationId xmlns:a16="http://schemas.microsoft.com/office/drawing/2014/main" id="{2C8CE9CA-25E6-3F40-A5E3-FC973B6A877D}"/>
                 </a:ext>
               </a:extLst>
             </p:cNvPr>
@@ -7806,16 +8579,16 @@
           </p:nvSpPr>
           <p:spPr>
             <a:xfrm>
-              <a:off x="820269" y="3201026"/>
-              <a:ext cx="2180544" cy="415031"/>
+              <a:off x="3996178" y="4035509"/>
+              <a:ext cx="180000" cy="271095"/>
             </a:xfrm>
-            <a:prstGeom prst="rect">
+            <a:prstGeom prst="downArrow">
               <a:avLst/>
             </a:prstGeom>
             <a:solidFill>
-              <a:schemeClr val="accent6">
-                <a:lumMod val="40000"/>
-                <a:lumOff val="60000"/>
+              <a:schemeClr val="tx1">
+                <a:lumMod val="85000"/>
+                <a:lumOff val="15000"/>
               </a:schemeClr>
             </a:solidFill>
             <a:ln>
@@ -7843,75 +8616,16 @@
             <a:lstStyle/>
             <a:p>
               <a:pPr algn="ctr"/>
-              <a:endParaRPr kumimoji="1" lang="ja-JP" altLang="en-US" sz="2000"/>
+              <a:endParaRPr kumimoji="1" lang="ja-JP" altLang="en-US"/>
             </a:p>
           </p:txBody>
         </p:sp>
         <p:sp>
           <p:nvSpPr>
-            <p:cNvPr id="116" name="テキスト ボックス 115">
+            <p:cNvPr id="60" name="下矢印 59">
               <a:extLst>
                 <a:ext uri="{FF2B5EF4-FFF2-40B4-BE49-F238E27FC236}">
-                  <a16:creationId xmlns:a16="http://schemas.microsoft.com/office/drawing/2014/main" id="{9A68A31C-4B77-9244-9530-BDF0479D72DC}"/>
-                </a:ext>
-              </a:extLst>
-            </p:cNvPr>
-            <p:cNvSpPr txBox="1"/>
-            <p:nvPr/>
-          </p:nvSpPr>
-          <p:spPr>
-            <a:xfrm>
-              <a:off x="1561727" y="3215947"/>
-              <a:ext cx="697627" cy="400110"/>
-            </a:xfrm>
-            <a:prstGeom prst="rect">
-              <a:avLst/>
-            </a:prstGeom>
-            <a:noFill/>
-          </p:spPr>
-          <p:txBody>
-            <a:bodyPr wrap="none" rtlCol="0">
-              <a:spAutoFit/>
-            </a:bodyPr>
-            <a:lstStyle/>
-            <a:p>
-              <a:r>
-                <a:rPr kumimoji="1" lang="ja-JP" altLang="en-US" sz="2000">
-                  <a:latin typeface="Hiragino Kaku Gothic Pro W3" panose="020B0300000000000000" pitchFamily="34" charset="-128"/>
-                  <a:ea typeface="Hiragino Kaku Gothic Pro W3" panose="020B0300000000000000" pitchFamily="34" charset="-128"/>
-                </a:rPr>
-                <a:t>演算</a:t>
-              </a:r>
-            </a:p>
-          </p:txBody>
-        </p:sp>
-      </p:grpSp>
-      <p:grpSp>
-        <p:nvGrpSpPr>
-          <p:cNvPr id="117" name="グループ化 116">
-            <a:extLst>
-              <a:ext uri="{FF2B5EF4-FFF2-40B4-BE49-F238E27FC236}">
-                <a16:creationId xmlns:a16="http://schemas.microsoft.com/office/drawing/2014/main" id="{791C54CE-555B-234D-BF8E-8AA81A531CD3}"/>
-              </a:ext>
-            </a:extLst>
-          </p:cNvPr>
-          <p:cNvGrpSpPr/>
-          <p:nvPr/>
-        </p:nvGrpSpPr>
-        <p:grpSpPr>
-          <a:xfrm>
-            <a:off x="2995906" y="4358472"/>
-            <a:ext cx="2180544" cy="400111"/>
-            <a:chOff x="820269" y="4254156"/>
-            <a:chExt cx="2180544" cy="400111"/>
-          </a:xfrm>
-        </p:grpSpPr>
-        <p:sp>
-          <p:nvSpPr>
-            <p:cNvPr id="118" name="正方形/長方形 117">
-              <a:extLst>
-                <a:ext uri="{FF2B5EF4-FFF2-40B4-BE49-F238E27FC236}">
-                  <a16:creationId xmlns:a16="http://schemas.microsoft.com/office/drawing/2014/main" id="{4F0719E1-24EA-944E-A198-76E6CBF72A2E}"/>
+                  <a16:creationId xmlns:a16="http://schemas.microsoft.com/office/drawing/2014/main" id="{02C64126-79BD-324A-AE77-BD32547898C2}"/>
                 </a:ext>
               </a:extLst>
             </p:cNvPr>
@@ -7920,16 +8634,16 @@
           </p:nvSpPr>
           <p:spPr>
             <a:xfrm>
-              <a:off x="820269" y="4254156"/>
-              <a:ext cx="2180544" cy="400111"/>
+              <a:off x="7020212" y="1365621"/>
+              <a:ext cx="180000" cy="271095"/>
             </a:xfrm>
-            <a:prstGeom prst="rect">
+            <a:prstGeom prst="downArrow">
               <a:avLst/>
             </a:prstGeom>
             <a:solidFill>
-              <a:schemeClr val="accent6">
-                <a:lumMod val="40000"/>
-                <a:lumOff val="60000"/>
+              <a:schemeClr val="tx1">
+                <a:lumMod val="85000"/>
+                <a:lumOff val="15000"/>
               </a:schemeClr>
             </a:solidFill>
             <a:ln>
@@ -7957,79 +8671,16 @@
             <a:lstStyle/>
             <a:p>
               <a:pPr algn="ctr"/>
-              <a:endParaRPr kumimoji="1" lang="ja-JP" altLang="en-US" sz="2000"/>
+              <a:endParaRPr kumimoji="1" lang="ja-JP" altLang="en-US"/>
             </a:p>
           </p:txBody>
         </p:sp>
         <p:sp>
           <p:nvSpPr>
-            <p:cNvPr id="119" name="テキスト ボックス 118">
+            <p:cNvPr id="62" name="下矢印 61">
               <a:extLst>
                 <a:ext uri="{FF2B5EF4-FFF2-40B4-BE49-F238E27FC236}">
-                  <a16:creationId xmlns:a16="http://schemas.microsoft.com/office/drawing/2014/main" id="{0CD1A0C7-A38C-3345-9790-EA31AE3C8BC9}"/>
-                </a:ext>
-              </a:extLst>
-            </p:cNvPr>
-            <p:cNvSpPr txBox="1"/>
-            <p:nvPr/>
-          </p:nvSpPr>
-          <p:spPr>
-            <a:xfrm>
-              <a:off x="1536527" y="4254157"/>
-              <a:ext cx="697627" cy="400110"/>
-            </a:xfrm>
-            <a:prstGeom prst="rect">
-              <a:avLst/>
-            </a:prstGeom>
-            <a:noFill/>
-          </p:spPr>
-          <p:txBody>
-            <a:bodyPr wrap="none" rtlCol="0">
-              <a:spAutoFit/>
-            </a:bodyPr>
-            <a:lstStyle/>
-            <a:p>
-              <a:r>
-                <a:rPr lang="ja-JP" altLang="en-US" sz="2000">
-                  <a:latin typeface="Hiragino Kaku Gothic Pro W3" panose="020B0300000000000000" pitchFamily="34" charset="-128"/>
-                  <a:ea typeface="Hiragino Kaku Gothic Pro W3" panose="020B0300000000000000" pitchFamily="34" charset="-128"/>
-                </a:rPr>
-                <a:t>描画</a:t>
-              </a:r>
-              <a:endParaRPr lang="en-US" altLang="ja-JP" sz="2000" dirty="0">
-                <a:latin typeface="Hiragino Kaku Gothic Pro W3" panose="020B0300000000000000" pitchFamily="34" charset="-128"/>
-                <a:ea typeface="Hiragino Kaku Gothic Pro W3" panose="020B0300000000000000" pitchFamily="34" charset="-128"/>
-              </a:endParaRPr>
-            </a:p>
-          </p:txBody>
-        </p:sp>
-      </p:grpSp>
-      <p:grpSp>
-        <p:nvGrpSpPr>
-          <p:cNvPr id="13" name="グループ化 12">
-            <a:extLst>
-              <a:ext uri="{FF2B5EF4-FFF2-40B4-BE49-F238E27FC236}">
-                <a16:creationId xmlns:a16="http://schemas.microsoft.com/office/drawing/2014/main" id="{70274456-B874-E241-92D8-C1EE18064AE9}"/>
-              </a:ext>
-            </a:extLst>
-          </p:cNvPr>
-          <p:cNvGrpSpPr/>
-          <p:nvPr/>
-        </p:nvGrpSpPr>
-        <p:grpSpPr>
-          <a:xfrm>
-            <a:off x="6019940" y="2468098"/>
-            <a:ext cx="2180544" cy="459357"/>
-            <a:chOff x="3597796" y="3956230"/>
-            <a:chExt cx="2180544" cy="459357"/>
-          </a:xfrm>
-        </p:grpSpPr>
-        <p:sp>
-          <p:nvSpPr>
-            <p:cNvPr id="124" name="正方形/長方形 123">
-              <a:extLst>
-                <a:ext uri="{FF2B5EF4-FFF2-40B4-BE49-F238E27FC236}">
-                  <a16:creationId xmlns:a16="http://schemas.microsoft.com/office/drawing/2014/main" id="{50462E85-E700-8B4B-8819-29407BDB5951}"/>
+                  <a16:creationId xmlns:a16="http://schemas.microsoft.com/office/drawing/2014/main" id="{C67A7C1D-0C77-0448-AF6D-AA332CB2DBAF}"/>
                 </a:ext>
               </a:extLst>
             </p:cNvPr>
@@ -8038,16 +8689,16 @@
           </p:nvSpPr>
           <p:spPr>
             <a:xfrm>
-              <a:off x="3597796" y="3956230"/>
-              <a:ext cx="2180544" cy="459357"/>
+              <a:off x="7020212" y="2148585"/>
+              <a:ext cx="180000" cy="271095"/>
             </a:xfrm>
-            <a:prstGeom prst="rect">
+            <a:prstGeom prst="downArrow">
               <a:avLst/>
             </a:prstGeom>
             <a:solidFill>
-              <a:schemeClr val="accent2">
-                <a:lumMod val="40000"/>
-                <a:lumOff val="60000"/>
+              <a:schemeClr val="tx1">
+                <a:lumMod val="85000"/>
+                <a:lumOff val="15000"/>
               </a:schemeClr>
             </a:solidFill>
             <a:ln>
@@ -8075,79 +8726,16 @@
             <a:lstStyle/>
             <a:p>
               <a:pPr algn="ctr"/>
-              <a:endParaRPr kumimoji="1" lang="ja-JP" altLang="en-US" sz="2000"/>
+              <a:endParaRPr kumimoji="1" lang="ja-JP" altLang="en-US"/>
             </a:p>
           </p:txBody>
         </p:sp>
         <p:sp>
           <p:nvSpPr>
-            <p:cNvPr id="125" name="テキスト ボックス 124">
+            <p:cNvPr id="63" name="正方形/長方形 62">
               <a:extLst>
                 <a:ext uri="{FF2B5EF4-FFF2-40B4-BE49-F238E27FC236}">
-                  <a16:creationId xmlns:a16="http://schemas.microsoft.com/office/drawing/2014/main" id="{5A3B0281-327A-3344-92E3-23DAC1498BE1}"/>
-                </a:ext>
-              </a:extLst>
-            </p:cNvPr>
-            <p:cNvSpPr txBox="1"/>
-            <p:nvPr/>
-          </p:nvSpPr>
-          <p:spPr>
-            <a:xfrm>
-              <a:off x="4082774" y="3981297"/>
-              <a:ext cx="1210588" cy="400110"/>
-            </a:xfrm>
-            <a:prstGeom prst="rect">
-              <a:avLst/>
-            </a:prstGeom>
-            <a:noFill/>
-          </p:spPr>
-          <p:txBody>
-            <a:bodyPr wrap="none" rtlCol="0">
-              <a:spAutoFit/>
-            </a:bodyPr>
-            <a:lstStyle/>
-            <a:p>
-              <a:r>
-                <a:rPr lang="ja-JP" altLang="en-US" sz="2000">
-                  <a:latin typeface="Hiragino Kaku Gothic Pro W3" panose="020B0300000000000000" pitchFamily="34" charset="-128"/>
-                  <a:ea typeface="Hiragino Kaku Gothic Pro W3" panose="020B0300000000000000" pitchFamily="34" charset="-128"/>
-                </a:rPr>
-                <a:t>結果送信</a:t>
-              </a:r>
-              <a:endParaRPr lang="en-US" altLang="ja-JP" sz="2000" dirty="0">
-                <a:latin typeface="Hiragino Kaku Gothic Pro W3" panose="020B0300000000000000" pitchFamily="34" charset="-128"/>
-                <a:ea typeface="Hiragino Kaku Gothic Pro W3" panose="020B0300000000000000" pitchFamily="34" charset="-128"/>
-              </a:endParaRPr>
-            </a:p>
-          </p:txBody>
-        </p:sp>
-      </p:grpSp>
-      <p:grpSp>
-        <p:nvGrpSpPr>
-          <p:cNvPr id="126" name="グループ化 125">
-            <a:extLst>
-              <a:ext uri="{FF2B5EF4-FFF2-40B4-BE49-F238E27FC236}">
-                <a16:creationId xmlns:a16="http://schemas.microsoft.com/office/drawing/2014/main" id="{F644E7AB-A25A-6C4C-AF9B-98BE5A546A77}"/>
-              </a:ext>
-            </a:extLst>
-          </p:cNvPr>
-          <p:cNvGrpSpPr/>
-          <p:nvPr/>
-        </p:nvGrpSpPr>
-        <p:grpSpPr>
-          <a:xfrm>
-            <a:off x="2995906" y="3583530"/>
-            <a:ext cx="2180544" cy="400111"/>
-            <a:chOff x="820269" y="4257848"/>
-            <a:chExt cx="2180544" cy="400111"/>
-          </a:xfrm>
-        </p:grpSpPr>
-        <p:sp>
-          <p:nvSpPr>
-            <p:cNvPr id="127" name="正方形/長方形 126">
-              <a:extLst>
-                <a:ext uri="{FF2B5EF4-FFF2-40B4-BE49-F238E27FC236}">
-                  <a16:creationId xmlns:a16="http://schemas.microsoft.com/office/drawing/2014/main" id="{839002A4-6D7A-6E43-8295-6DEF7757DAEF}"/>
+                  <a16:creationId xmlns:a16="http://schemas.microsoft.com/office/drawing/2014/main" id="{96EE0C2E-892E-7345-8C05-BA504A0B6EEA}"/>
                 </a:ext>
               </a:extLst>
             </p:cNvPr>
@@ -8156,16 +8744,16 @@
           </p:nvSpPr>
           <p:spPr>
             <a:xfrm>
-              <a:off x="820269" y="4257848"/>
-              <a:ext cx="2180544" cy="392231"/>
+              <a:off x="4050178" y="4810453"/>
+              <a:ext cx="72000" cy="288000"/>
             </a:xfrm>
             <a:prstGeom prst="rect">
               <a:avLst/>
             </a:prstGeom>
             <a:solidFill>
-              <a:schemeClr val="accent2">
-                <a:lumMod val="40000"/>
-                <a:lumOff val="60000"/>
+              <a:schemeClr val="tx1">
+                <a:lumMod val="85000"/>
+                <a:lumOff val="15000"/>
               </a:schemeClr>
             </a:solidFill>
             <a:ln>
@@ -8193,79 +8781,16 @@
             <a:lstStyle/>
             <a:p>
               <a:pPr algn="ctr"/>
-              <a:endParaRPr kumimoji="1" lang="ja-JP" altLang="en-US" sz="2000"/>
+              <a:endParaRPr kumimoji="1" lang="ja-JP" altLang="en-US"/>
             </a:p>
           </p:txBody>
         </p:sp>
         <p:sp>
           <p:nvSpPr>
-            <p:cNvPr id="128" name="テキスト ボックス 127">
+            <p:cNvPr id="64" name="正方形/長方形 63">
               <a:extLst>
                 <a:ext uri="{FF2B5EF4-FFF2-40B4-BE49-F238E27FC236}">
-                  <a16:creationId xmlns:a16="http://schemas.microsoft.com/office/drawing/2014/main" id="{641C97D3-A989-404F-9302-C740C92DF87B}"/>
-                </a:ext>
-              </a:extLst>
-            </p:cNvPr>
-            <p:cNvSpPr txBox="1"/>
-            <p:nvPr/>
-          </p:nvSpPr>
-          <p:spPr>
-            <a:xfrm>
-              <a:off x="1305247" y="4257849"/>
-              <a:ext cx="1210588" cy="400110"/>
-            </a:xfrm>
-            <a:prstGeom prst="rect">
-              <a:avLst/>
-            </a:prstGeom>
-            <a:noFill/>
-          </p:spPr>
-          <p:txBody>
-            <a:bodyPr wrap="none" rtlCol="0">
-              <a:spAutoFit/>
-            </a:bodyPr>
-            <a:lstStyle/>
-            <a:p>
-              <a:r>
-                <a:rPr lang="ja-JP" altLang="en-US" sz="2000">
-                  <a:latin typeface="Hiragino Kaku Gothic Pro W3" panose="020B0300000000000000" pitchFamily="34" charset="-128"/>
-                  <a:ea typeface="Hiragino Kaku Gothic Pro W3" panose="020B0300000000000000" pitchFamily="34" charset="-128"/>
-                </a:rPr>
-                <a:t>結果受信</a:t>
-              </a:r>
-              <a:endParaRPr lang="en-US" altLang="ja-JP" sz="2000" dirty="0">
-                <a:latin typeface="Hiragino Kaku Gothic Pro W3" panose="020B0300000000000000" pitchFamily="34" charset="-128"/>
-                <a:ea typeface="Hiragino Kaku Gothic Pro W3" panose="020B0300000000000000" pitchFamily="34" charset="-128"/>
-              </a:endParaRPr>
-            </a:p>
-          </p:txBody>
-        </p:sp>
-      </p:grpSp>
-      <p:grpSp>
-        <p:nvGrpSpPr>
-          <p:cNvPr id="44" name="グループ化 43">
-            <a:extLst>
-              <a:ext uri="{FF2B5EF4-FFF2-40B4-BE49-F238E27FC236}">
-                <a16:creationId xmlns:a16="http://schemas.microsoft.com/office/drawing/2014/main" id="{DF14B237-13D1-754D-9724-7271E98EB76F}"/>
-              </a:ext>
-            </a:extLst>
-          </p:cNvPr>
-          <p:cNvGrpSpPr/>
-          <p:nvPr/>
-        </p:nvGrpSpPr>
-        <p:grpSpPr>
-          <a:xfrm>
-            <a:off x="2958728" y="790850"/>
-            <a:ext cx="2254900" cy="447754"/>
-            <a:chOff x="783091" y="1072798"/>
-            <a:chExt cx="2254900" cy="447754"/>
-          </a:xfrm>
-        </p:grpSpPr>
-        <p:sp>
-          <p:nvSpPr>
-            <p:cNvPr id="54" name="角丸四角形 53">
-              <a:extLst>
-                <a:ext uri="{FF2B5EF4-FFF2-40B4-BE49-F238E27FC236}">
-                  <a16:creationId xmlns:a16="http://schemas.microsoft.com/office/drawing/2014/main" id="{1C2B4F2E-7213-5A41-9368-BCEAAA41DCDA}"/>
+                  <a16:creationId xmlns:a16="http://schemas.microsoft.com/office/drawing/2014/main" id="{E5D9271C-A5C6-6B45-B61D-FE92158C1FCF}"/>
                 </a:ext>
               </a:extLst>
             </p:cNvPr>
@@ -8273,19 +8798,17 @@
             <p:nvPr/>
           </p:nvSpPr>
           <p:spPr>
-            <a:xfrm>
-              <a:off x="783091" y="1072798"/>
-              <a:ext cx="2254900" cy="447754"/>
+            <a:xfrm rot="16200000">
+              <a:off x="3469807" y="4450453"/>
+              <a:ext cx="72000" cy="1224000"/>
             </a:xfrm>
-            <a:prstGeom prst="roundRect">
-              <a:avLst>
-                <a:gd name="adj" fmla="val 50000"/>
-              </a:avLst>
+            <a:prstGeom prst="rect">
+              <a:avLst/>
             </a:prstGeom>
             <a:solidFill>
-              <a:schemeClr val="accent3">
-                <a:lumMod val="40000"/>
-                <a:lumOff val="60000"/>
+              <a:schemeClr val="tx1">
+                <a:lumMod val="85000"/>
+                <a:lumOff val="15000"/>
               </a:schemeClr>
             </a:solidFill>
             <a:ln>
@@ -8313,877 +8836,396 @@
             <a:lstStyle/>
             <a:p>
               <a:pPr algn="ctr"/>
-              <a:endParaRPr kumimoji="1" lang="ja-JP" altLang="en-US" sz="2000">
-                <a:latin typeface="Hiragino Kaku Gothic Pro W3" panose="020B0300000000000000" pitchFamily="34" charset="-128"/>
-                <a:ea typeface="Hiragino Kaku Gothic Pro W3" panose="020B0300000000000000" pitchFamily="34" charset="-128"/>
-              </a:endParaRPr>
+              <a:endParaRPr kumimoji="1" lang="ja-JP" altLang="en-US"/>
             </a:p>
           </p:txBody>
         </p:sp>
         <p:sp>
           <p:nvSpPr>
-            <p:cNvPr id="55" name="テキスト ボックス 54">
+            <p:cNvPr id="65" name="正方形/長方形 64">
               <a:extLst>
                 <a:ext uri="{FF2B5EF4-FFF2-40B4-BE49-F238E27FC236}">
-                  <a16:creationId xmlns:a16="http://schemas.microsoft.com/office/drawing/2014/main" id="{DA4A6DB3-059F-3C45-8843-A3AD112E938F}"/>
+                  <a16:creationId xmlns:a16="http://schemas.microsoft.com/office/drawing/2014/main" id="{0C74F92B-2BAB-4E40-84D8-001646199F39}"/>
                 </a:ext>
               </a:extLst>
             </p:cNvPr>
-            <p:cNvSpPr txBox="1"/>
+            <p:cNvSpPr/>
+            <p:nvPr/>
+          </p:nvSpPr>
+          <p:spPr>
+            <a:xfrm rot="10800000">
+              <a:off x="2886205" y="2573529"/>
+              <a:ext cx="72000" cy="2520000"/>
+            </a:xfrm>
+            <a:prstGeom prst="rect">
+              <a:avLst/>
+            </a:prstGeom>
+            <a:solidFill>
+              <a:schemeClr val="tx1">
+                <a:lumMod val="85000"/>
+                <a:lumOff val="15000"/>
+              </a:schemeClr>
+            </a:solidFill>
+            <a:ln>
+              <a:noFill/>
+            </a:ln>
+          </p:spPr>
+          <p:style>
+            <a:lnRef idx="2">
+              <a:schemeClr val="accent1">
+                <a:shade val="50000"/>
+              </a:schemeClr>
+            </a:lnRef>
+            <a:fillRef idx="1">
+              <a:schemeClr val="accent1"/>
+            </a:fillRef>
+            <a:effectRef idx="0">
+              <a:schemeClr val="accent1"/>
+            </a:effectRef>
+            <a:fontRef idx="minor">
+              <a:schemeClr val="lt1"/>
+            </a:fontRef>
+          </p:style>
+          <p:txBody>
+            <a:bodyPr rtlCol="0" anchor="ctr"/>
+            <a:lstStyle/>
+            <a:p>
+              <a:pPr algn="ctr"/>
+              <a:endParaRPr kumimoji="1" lang="ja-JP" altLang="en-US"/>
+            </a:p>
+          </p:txBody>
+        </p:sp>
+        <p:sp>
+          <p:nvSpPr>
+            <p:cNvPr id="66" name="下矢印 65">
+              <a:extLst>
+                <a:ext uri="{FF2B5EF4-FFF2-40B4-BE49-F238E27FC236}">
+                  <a16:creationId xmlns:a16="http://schemas.microsoft.com/office/drawing/2014/main" id="{857C42DA-4497-D340-8DCA-08132F2DC564}"/>
+                </a:ext>
+              </a:extLst>
+            </p:cNvPr>
+            <p:cNvSpPr/>
+            <p:nvPr/>
+          </p:nvSpPr>
+          <p:spPr>
+            <a:xfrm rot="-5400000">
+              <a:off x="3009568" y="2337093"/>
+              <a:ext cx="180000" cy="432000"/>
+            </a:xfrm>
+            <a:prstGeom prst="downArrow">
+              <a:avLst/>
+            </a:prstGeom>
+            <a:solidFill>
+              <a:schemeClr val="tx1">
+                <a:lumMod val="85000"/>
+                <a:lumOff val="15000"/>
+              </a:schemeClr>
+            </a:solidFill>
+            <a:ln>
+              <a:noFill/>
+            </a:ln>
+          </p:spPr>
+          <p:style>
+            <a:lnRef idx="2">
+              <a:schemeClr val="accent1">
+                <a:shade val="50000"/>
+              </a:schemeClr>
+            </a:lnRef>
+            <a:fillRef idx="1">
+              <a:schemeClr val="accent1"/>
+            </a:fillRef>
+            <a:effectRef idx="0">
+              <a:schemeClr val="accent1"/>
+            </a:effectRef>
+            <a:fontRef idx="minor">
+              <a:schemeClr val="lt1"/>
+            </a:fontRef>
+          </p:style>
+          <p:txBody>
+            <a:bodyPr rtlCol="0" anchor="ctr"/>
+            <a:lstStyle/>
+            <a:p>
+              <a:pPr algn="ctr"/>
+              <a:endParaRPr kumimoji="1" lang="ja-JP" altLang="en-US"/>
+            </a:p>
+          </p:txBody>
+        </p:sp>
+        <p:sp>
+          <p:nvSpPr>
+            <p:cNvPr id="67" name="正方形/長方形 66">
+              <a:extLst>
+                <a:ext uri="{FF2B5EF4-FFF2-40B4-BE49-F238E27FC236}">
+                  <a16:creationId xmlns:a16="http://schemas.microsoft.com/office/drawing/2014/main" id="{71B4A26A-99E6-854C-80E0-098FE7E538C2}"/>
+                </a:ext>
+              </a:extLst>
+            </p:cNvPr>
+            <p:cNvSpPr/>
+            <p:nvPr/>
+          </p:nvSpPr>
+          <p:spPr>
+            <a:xfrm rot="16200000">
+              <a:off x="5419125" y="2719322"/>
+              <a:ext cx="72000" cy="576000"/>
+            </a:xfrm>
+            <a:prstGeom prst="rect">
+              <a:avLst/>
+            </a:prstGeom>
+            <a:solidFill>
+              <a:schemeClr val="tx1">
+                <a:lumMod val="85000"/>
+                <a:lumOff val="15000"/>
+              </a:schemeClr>
+            </a:solidFill>
+            <a:ln>
+              <a:noFill/>
+            </a:ln>
+          </p:spPr>
+          <p:style>
+            <a:lnRef idx="2">
+              <a:schemeClr val="accent1">
+                <a:shade val="50000"/>
+              </a:schemeClr>
+            </a:lnRef>
+            <a:fillRef idx="1">
+              <a:schemeClr val="accent1"/>
+            </a:fillRef>
+            <a:effectRef idx="0">
+              <a:schemeClr val="accent1"/>
+            </a:effectRef>
+            <a:fontRef idx="minor">
+              <a:schemeClr val="lt1"/>
+            </a:fontRef>
+          </p:style>
+          <p:txBody>
+            <a:bodyPr rtlCol="0" anchor="ctr"/>
+            <a:lstStyle/>
+            <a:p>
+              <a:pPr algn="ctr"/>
+              <a:endParaRPr kumimoji="1" lang="ja-JP" altLang="en-US"/>
+            </a:p>
+          </p:txBody>
+        </p:sp>
+        <p:sp>
+          <p:nvSpPr>
+            <p:cNvPr id="69" name="下矢印 68">
+              <a:extLst>
+                <a:ext uri="{FF2B5EF4-FFF2-40B4-BE49-F238E27FC236}">
+                  <a16:creationId xmlns:a16="http://schemas.microsoft.com/office/drawing/2014/main" id="{EB4A930C-9E8F-BF46-99A2-33CF6563E03F}"/>
+                </a:ext>
+              </a:extLst>
+            </p:cNvPr>
+            <p:cNvSpPr/>
+            <p:nvPr/>
+          </p:nvSpPr>
+          <p:spPr>
+            <a:xfrm rot="5400000">
+              <a:off x="6016712" y="2469433"/>
+              <a:ext cx="180000" cy="1980000"/>
+            </a:xfrm>
+            <a:prstGeom prst="downArrow">
+              <a:avLst/>
+            </a:prstGeom>
+            <a:solidFill>
+              <a:schemeClr val="tx1">
+                <a:lumMod val="85000"/>
+                <a:lumOff val="15000"/>
+              </a:schemeClr>
+            </a:solidFill>
+            <a:ln>
+              <a:noFill/>
+            </a:ln>
+          </p:spPr>
+          <p:style>
+            <a:lnRef idx="2">
+              <a:schemeClr val="accent1">
+                <a:shade val="50000"/>
+              </a:schemeClr>
+            </a:lnRef>
+            <a:fillRef idx="1">
+              <a:schemeClr val="accent1"/>
+            </a:fillRef>
+            <a:effectRef idx="0">
+              <a:schemeClr val="accent1"/>
+            </a:effectRef>
+            <a:fontRef idx="minor">
+              <a:schemeClr val="lt1"/>
+            </a:fontRef>
+          </p:style>
+          <p:txBody>
+            <a:bodyPr rtlCol="0" anchor="ctr"/>
+            <a:lstStyle/>
+            <a:p>
+              <a:pPr algn="ctr"/>
+              <a:endParaRPr kumimoji="1" lang="ja-JP" altLang="en-US"/>
+            </a:p>
+          </p:txBody>
+        </p:sp>
+        <p:sp>
+          <p:nvSpPr>
+            <p:cNvPr id="70" name="正方形/長方形 69">
+              <a:extLst>
+                <a:ext uri="{FF2B5EF4-FFF2-40B4-BE49-F238E27FC236}">
+                  <a16:creationId xmlns:a16="http://schemas.microsoft.com/office/drawing/2014/main" id="{C489D041-549C-A24C-A336-8472E5FC924D}"/>
+                </a:ext>
+              </a:extLst>
+            </p:cNvPr>
+            <p:cNvSpPr/>
             <p:nvPr/>
           </p:nvSpPr>
           <p:spPr>
             <a:xfrm>
-              <a:off x="1510432" y="1072798"/>
-              <a:ext cx="697627" cy="400110"/>
+              <a:off x="5671214" y="1061009"/>
+              <a:ext cx="72000" cy="1944000"/>
             </a:xfrm>
             <a:prstGeom prst="rect">
               <a:avLst/>
             </a:prstGeom>
-            <a:noFill/>
+            <a:solidFill>
+              <a:schemeClr val="tx1">
+                <a:lumMod val="85000"/>
+                <a:lumOff val="15000"/>
+              </a:schemeClr>
+            </a:solidFill>
+            <a:ln>
+              <a:noFill/>
+            </a:ln>
           </p:spPr>
+          <p:style>
+            <a:lnRef idx="2">
+              <a:schemeClr val="accent1">
+                <a:shade val="50000"/>
+              </a:schemeClr>
+            </a:lnRef>
+            <a:fillRef idx="1">
+              <a:schemeClr val="accent1"/>
+            </a:fillRef>
+            <a:effectRef idx="0">
+              <a:schemeClr val="accent1"/>
+            </a:effectRef>
+            <a:fontRef idx="minor">
+              <a:schemeClr val="lt1"/>
+            </a:fontRef>
+          </p:style>
           <p:txBody>
-            <a:bodyPr wrap="none" rtlCol="0">
-              <a:spAutoFit/>
-            </a:bodyPr>
+            <a:bodyPr rtlCol="0" anchor="ctr"/>
             <a:lstStyle/>
             <a:p>
-              <a:r>
-                <a:rPr kumimoji="1" lang="ja-JP" altLang="en-US" sz="2000">
-                  <a:latin typeface="Hiragino Kaku Gothic Pro W3" panose="020B0300000000000000" pitchFamily="34" charset="-128"/>
-                  <a:ea typeface="Hiragino Kaku Gothic Pro W3" panose="020B0300000000000000" pitchFamily="34" charset="-128"/>
-                </a:rPr>
-                <a:t>開始</a:t>
-              </a:r>
+              <a:pPr algn="ctr"/>
+              <a:endParaRPr kumimoji="1" lang="ja-JP" altLang="en-US"/>
+            </a:p>
+          </p:txBody>
+        </p:sp>
+        <p:sp>
+          <p:nvSpPr>
+            <p:cNvPr id="71" name="下矢印 70">
+              <a:extLst>
+                <a:ext uri="{FF2B5EF4-FFF2-40B4-BE49-F238E27FC236}">
+                  <a16:creationId xmlns:a16="http://schemas.microsoft.com/office/drawing/2014/main" id="{23170DCA-9DDF-8F4F-AA6F-43F93108A5A5}"/>
+                </a:ext>
+              </a:extLst>
+            </p:cNvPr>
+            <p:cNvSpPr/>
+            <p:nvPr/>
+          </p:nvSpPr>
+          <p:spPr>
+            <a:xfrm rot="-5400000">
+              <a:off x="5748706" y="950189"/>
+              <a:ext cx="180000" cy="324000"/>
+            </a:xfrm>
+            <a:prstGeom prst="downArrow">
+              <a:avLst/>
+            </a:prstGeom>
+            <a:solidFill>
+              <a:schemeClr val="tx1">
+                <a:lumMod val="85000"/>
+                <a:lumOff val="15000"/>
+              </a:schemeClr>
+            </a:solidFill>
+            <a:ln>
+              <a:noFill/>
+            </a:ln>
+          </p:spPr>
+          <p:style>
+            <a:lnRef idx="2">
+              <a:schemeClr val="accent1">
+                <a:shade val="50000"/>
+              </a:schemeClr>
+            </a:lnRef>
+            <a:fillRef idx="1">
+              <a:schemeClr val="accent1"/>
+            </a:fillRef>
+            <a:effectRef idx="0">
+              <a:schemeClr val="accent1"/>
+            </a:effectRef>
+            <a:fontRef idx="minor">
+              <a:schemeClr val="lt1"/>
+            </a:fontRef>
+          </p:style>
+          <p:txBody>
+            <a:bodyPr rtlCol="0" anchor="ctr"/>
+            <a:lstStyle/>
+            <a:p>
+              <a:pPr algn="ctr"/>
+              <a:endParaRPr kumimoji="1" lang="ja-JP" altLang="en-US"/>
+            </a:p>
+          </p:txBody>
+        </p:sp>
+        <p:sp>
+          <p:nvSpPr>
+            <p:cNvPr id="40" name="正方形/長方形 39">
+              <a:extLst>
+                <a:ext uri="{FF2B5EF4-FFF2-40B4-BE49-F238E27FC236}">
+                  <a16:creationId xmlns:a16="http://schemas.microsoft.com/office/drawing/2014/main" id="{5780494A-3CE5-4E4B-BD25-BA4EFBCE9CF8}"/>
+                </a:ext>
+              </a:extLst>
+            </p:cNvPr>
+            <p:cNvSpPr/>
+            <p:nvPr/>
+          </p:nvSpPr>
+          <p:spPr>
+            <a:xfrm>
+              <a:off x="7084673" y="2925704"/>
+              <a:ext cx="72000" cy="576000"/>
+            </a:xfrm>
+            <a:prstGeom prst="rect">
+              <a:avLst/>
+            </a:prstGeom>
+            <a:solidFill>
+              <a:schemeClr val="tx1">
+                <a:lumMod val="85000"/>
+                <a:lumOff val="15000"/>
+              </a:schemeClr>
+            </a:solidFill>
+            <a:ln>
+              <a:noFill/>
+            </a:ln>
+          </p:spPr>
+          <p:style>
+            <a:lnRef idx="2">
+              <a:schemeClr val="accent1">
+                <a:shade val="50000"/>
+              </a:schemeClr>
+            </a:lnRef>
+            <a:fillRef idx="1">
+              <a:schemeClr val="accent1"/>
+            </a:fillRef>
+            <a:effectRef idx="0">
+              <a:schemeClr val="accent1"/>
+            </a:effectRef>
+            <a:fontRef idx="minor">
+              <a:schemeClr val="lt1"/>
+            </a:fontRef>
+          </p:style>
+          <p:txBody>
+            <a:bodyPr rtlCol="0" anchor="ctr"/>
+            <a:lstStyle/>
+            <a:p>
+              <a:pPr algn="ctr"/>
+              <a:endParaRPr kumimoji="1" lang="ja-JP" altLang="en-US"/>
             </a:p>
           </p:txBody>
         </p:sp>
       </p:grpSp>
-      <p:sp>
-        <p:nvSpPr>
-          <p:cNvPr id="56" name="下矢印 55">
-            <a:extLst>
-              <a:ext uri="{FF2B5EF4-FFF2-40B4-BE49-F238E27FC236}">
-                <a16:creationId xmlns:a16="http://schemas.microsoft.com/office/drawing/2014/main" id="{0967201F-CE72-C145-B75A-39E36968A0C1}"/>
-              </a:ext>
-            </a:extLst>
-          </p:cNvPr>
-          <p:cNvSpPr/>
-          <p:nvPr/>
-        </p:nvSpPr>
-        <p:spPr>
-          <a:xfrm>
-            <a:off x="3996178" y="1290472"/>
-            <a:ext cx="180000" cy="271095"/>
-          </a:xfrm>
-          <a:prstGeom prst="downArrow">
-            <a:avLst/>
-          </a:prstGeom>
-          <a:solidFill>
-            <a:schemeClr val="tx1">
-              <a:lumMod val="85000"/>
-              <a:lumOff val="15000"/>
-            </a:schemeClr>
-          </a:solidFill>
-          <a:ln>
-            <a:noFill/>
-          </a:ln>
-        </p:spPr>
-        <p:style>
-          <a:lnRef idx="2">
-            <a:schemeClr val="accent1">
-              <a:shade val="50000"/>
-            </a:schemeClr>
-          </a:lnRef>
-          <a:fillRef idx="1">
-            <a:schemeClr val="accent1"/>
-          </a:fillRef>
-          <a:effectRef idx="0">
-            <a:schemeClr val="accent1"/>
-          </a:effectRef>
-          <a:fontRef idx="minor">
-            <a:schemeClr val="lt1"/>
-          </a:fontRef>
-        </p:style>
-        <p:txBody>
-          <a:bodyPr rtlCol="0" anchor="ctr"/>
-          <a:lstStyle/>
-          <a:p>
-            <a:pPr algn="ctr"/>
-            <a:endParaRPr kumimoji="1" lang="ja-JP" altLang="en-US"/>
-          </a:p>
-        </p:txBody>
-      </p:sp>
-      <p:sp>
-        <p:nvSpPr>
-          <p:cNvPr id="57" name="下矢印 56">
-            <a:extLst>
-              <a:ext uri="{FF2B5EF4-FFF2-40B4-BE49-F238E27FC236}">
-                <a16:creationId xmlns:a16="http://schemas.microsoft.com/office/drawing/2014/main" id="{D0B88B25-4B61-3F47-BF34-EDC8A796596C}"/>
-              </a:ext>
-            </a:extLst>
-          </p:cNvPr>
-          <p:cNvSpPr/>
-          <p:nvPr/>
-        </p:nvSpPr>
-        <p:spPr>
-          <a:xfrm>
-            <a:off x="3996178" y="2479599"/>
-            <a:ext cx="180000" cy="271095"/>
-          </a:xfrm>
-          <a:prstGeom prst="downArrow">
-            <a:avLst/>
-          </a:prstGeom>
-          <a:solidFill>
-            <a:schemeClr val="tx1">
-              <a:lumMod val="85000"/>
-              <a:lumOff val="15000"/>
-            </a:schemeClr>
-          </a:solidFill>
-          <a:ln>
-            <a:noFill/>
-          </a:ln>
-        </p:spPr>
-        <p:style>
-          <a:lnRef idx="2">
-            <a:schemeClr val="accent1">
-              <a:shade val="50000"/>
-            </a:schemeClr>
-          </a:lnRef>
-          <a:fillRef idx="1">
-            <a:schemeClr val="accent1"/>
-          </a:fillRef>
-          <a:effectRef idx="0">
-            <a:schemeClr val="accent1"/>
-          </a:effectRef>
-          <a:fontRef idx="minor">
-            <a:schemeClr val="lt1"/>
-          </a:fontRef>
-        </p:style>
-        <p:txBody>
-          <a:bodyPr rtlCol="0" anchor="ctr"/>
-          <a:lstStyle/>
-          <a:p>
-            <a:pPr algn="ctr"/>
-            <a:endParaRPr kumimoji="1" lang="ja-JP" altLang="en-US"/>
-          </a:p>
-        </p:txBody>
-      </p:sp>
-      <p:sp>
-        <p:nvSpPr>
-          <p:cNvPr id="58" name="下矢印 57">
-            <a:extLst>
-              <a:ext uri="{FF2B5EF4-FFF2-40B4-BE49-F238E27FC236}">
-                <a16:creationId xmlns:a16="http://schemas.microsoft.com/office/drawing/2014/main" id="{3D88C260-C528-3D42-8C92-EF9CAD544267}"/>
-              </a:ext>
-            </a:extLst>
-          </p:cNvPr>
-          <p:cNvSpPr/>
-          <p:nvPr/>
-        </p:nvSpPr>
-        <p:spPr>
-          <a:xfrm>
-            <a:off x="3996178" y="3260567"/>
-            <a:ext cx="180000" cy="271095"/>
-          </a:xfrm>
-          <a:prstGeom prst="downArrow">
-            <a:avLst/>
-          </a:prstGeom>
-          <a:solidFill>
-            <a:schemeClr val="tx1">
-              <a:lumMod val="85000"/>
-              <a:lumOff val="15000"/>
-            </a:schemeClr>
-          </a:solidFill>
-          <a:ln>
-            <a:noFill/>
-          </a:ln>
-        </p:spPr>
-        <p:style>
-          <a:lnRef idx="2">
-            <a:schemeClr val="accent1">
-              <a:shade val="50000"/>
-            </a:schemeClr>
-          </a:lnRef>
-          <a:fillRef idx="1">
-            <a:schemeClr val="accent1"/>
-          </a:fillRef>
-          <a:effectRef idx="0">
-            <a:schemeClr val="accent1"/>
-          </a:effectRef>
-          <a:fontRef idx="minor">
-            <a:schemeClr val="lt1"/>
-          </a:fontRef>
-        </p:style>
-        <p:txBody>
-          <a:bodyPr rtlCol="0" anchor="ctr"/>
-          <a:lstStyle/>
-          <a:p>
-            <a:pPr algn="ctr"/>
-            <a:endParaRPr kumimoji="1" lang="ja-JP" altLang="en-US"/>
-          </a:p>
-        </p:txBody>
-      </p:sp>
-      <p:sp>
-        <p:nvSpPr>
-          <p:cNvPr id="59" name="下矢印 58">
-            <a:extLst>
-              <a:ext uri="{FF2B5EF4-FFF2-40B4-BE49-F238E27FC236}">
-                <a16:creationId xmlns:a16="http://schemas.microsoft.com/office/drawing/2014/main" id="{2C8CE9CA-25E6-3F40-A5E3-FC973B6A877D}"/>
-              </a:ext>
-            </a:extLst>
-          </p:cNvPr>
-          <p:cNvSpPr/>
-          <p:nvPr/>
-        </p:nvSpPr>
-        <p:spPr>
-          <a:xfrm>
-            <a:off x="3996178" y="4035509"/>
-            <a:ext cx="180000" cy="271095"/>
-          </a:xfrm>
-          <a:prstGeom prst="downArrow">
-            <a:avLst/>
-          </a:prstGeom>
-          <a:solidFill>
-            <a:schemeClr val="tx1">
-              <a:lumMod val="85000"/>
-              <a:lumOff val="15000"/>
-            </a:schemeClr>
-          </a:solidFill>
-          <a:ln>
-            <a:noFill/>
-          </a:ln>
-        </p:spPr>
-        <p:style>
-          <a:lnRef idx="2">
-            <a:schemeClr val="accent1">
-              <a:shade val="50000"/>
-            </a:schemeClr>
-          </a:lnRef>
-          <a:fillRef idx="1">
-            <a:schemeClr val="accent1"/>
-          </a:fillRef>
-          <a:effectRef idx="0">
-            <a:schemeClr val="accent1"/>
-          </a:effectRef>
-          <a:fontRef idx="minor">
-            <a:schemeClr val="lt1"/>
-          </a:fontRef>
-        </p:style>
-        <p:txBody>
-          <a:bodyPr rtlCol="0" anchor="ctr"/>
-          <a:lstStyle/>
-          <a:p>
-            <a:pPr algn="ctr"/>
-            <a:endParaRPr kumimoji="1" lang="ja-JP" altLang="en-US"/>
-          </a:p>
-        </p:txBody>
-      </p:sp>
-      <p:sp>
-        <p:nvSpPr>
-          <p:cNvPr id="60" name="下矢印 59">
-            <a:extLst>
-              <a:ext uri="{FF2B5EF4-FFF2-40B4-BE49-F238E27FC236}">
-                <a16:creationId xmlns:a16="http://schemas.microsoft.com/office/drawing/2014/main" id="{02C64126-79BD-324A-AE77-BD32547898C2}"/>
-              </a:ext>
-            </a:extLst>
-          </p:cNvPr>
-          <p:cNvSpPr/>
-          <p:nvPr/>
-        </p:nvSpPr>
-        <p:spPr>
-          <a:xfrm>
-            <a:off x="7020212" y="1365621"/>
-            <a:ext cx="180000" cy="271095"/>
-          </a:xfrm>
-          <a:prstGeom prst="downArrow">
-            <a:avLst/>
-          </a:prstGeom>
-          <a:solidFill>
-            <a:schemeClr val="tx1">
-              <a:lumMod val="85000"/>
-              <a:lumOff val="15000"/>
-            </a:schemeClr>
-          </a:solidFill>
-          <a:ln>
-            <a:noFill/>
-          </a:ln>
-        </p:spPr>
-        <p:style>
-          <a:lnRef idx="2">
-            <a:schemeClr val="accent1">
-              <a:shade val="50000"/>
-            </a:schemeClr>
-          </a:lnRef>
-          <a:fillRef idx="1">
-            <a:schemeClr val="accent1"/>
-          </a:fillRef>
-          <a:effectRef idx="0">
-            <a:schemeClr val="accent1"/>
-          </a:effectRef>
-          <a:fontRef idx="minor">
-            <a:schemeClr val="lt1"/>
-          </a:fontRef>
-        </p:style>
-        <p:txBody>
-          <a:bodyPr rtlCol="0" anchor="ctr"/>
-          <a:lstStyle/>
-          <a:p>
-            <a:pPr algn="ctr"/>
-            <a:endParaRPr kumimoji="1" lang="ja-JP" altLang="en-US"/>
-          </a:p>
-        </p:txBody>
-      </p:sp>
-      <p:sp>
-        <p:nvSpPr>
-          <p:cNvPr id="62" name="下矢印 61">
-            <a:extLst>
-              <a:ext uri="{FF2B5EF4-FFF2-40B4-BE49-F238E27FC236}">
-                <a16:creationId xmlns:a16="http://schemas.microsoft.com/office/drawing/2014/main" id="{C67A7C1D-0C77-0448-AF6D-AA332CB2DBAF}"/>
-              </a:ext>
-            </a:extLst>
-          </p:cNvPr>
-          <p:cNvSpPr/>
-          <p:nvPr/>
-        </p:nvSpPr>
-        <p:spPr>
-          <a:xfrm>
-            <a:off x="7020212" y="2148585"/>
-            <a:ext cx="180000" cy="271095"/>
-          </a:xfrm>
-          <a:prstGeom prst="downArrow">
-            <a:avLst/>
-          </a:prstGeom>
-          <a:solidFill>
-            <a:schemeClr val="tx1">
-              <a:lumMod val="85000"/>
-              <a:lumOff val="15000"/>
-            </a:schemeClr>
-          </a:solidFill>
-          <a:ln>
-            <a:noFill/>
-          </a:ln>
-        </p:spPr>
-        <p:style>
-          <a:lnRef idx="2">
-            <a:schemeClr val="accent1">
-              <a:shade val="50000"/>
-            </a:schemeClr>
-          </a:lnRef>
-          <a:fillRef idx="1">
-            <a:schemeClr val="accent1"/>
-          </a:fillRef>
-          <a:effectRef idx="0">
-            <a:schemeClr val="accent1"/>
-          </a:effectRef>
-          <a:fontRef idx="minor">
-            <a:schemeClr val="lt1"/>
-          </a:fontRef>
-        </p:style>
-        <p:txBody>
-          <a:bodyPr rtlCol="0" anchor="ctr"/>
-          <a:lstStyle/>
-          <a:p>
-            <a:pPr algn="ctr"/>
-            <a:endParaRPr kumimoji="1" lang="ja-JP" altLang="en-US"/>
-          </a:p>
-        </p:txBody>
-      </p:sp>
-      <p:sp>
-        <p:nvSpPr>
-          <p:cNvPr id="63" name="正方形/長方形 62">
-            <a:extLst>
-              <a:ext uri="{FF2B5EF4-FFF2-40B4-BE49-F238E27FC236}">
-                <a16:creationId xmlns:a16="http://schemas.microsoft.com/office/drawing/2014/main" id="{96EE0C2E-892E-7345-8C05-BA504A0B6EEA}"/>
-              </a:ext>
-            </a:extLst>
-          </p:cNvPr>
-          <p:cNvSpPr/>
-          <p:nvPr/>
-        </p:nvSpPr>
-        <p:spPr>
-          <a:xfrm>
-            <a:off x="4050178" y="4810453"/>
-            <a:ext cx="72000" cy="288000"/>
-          </a:xfrm>
-          <a:prstGeom prst="rect">
-            <a:avLst/>
-          </a:prstGeom>
-          <a:solidFill>
-            <a:schemeClr val="tx1">
-              <a:lumMod val="85000"/>
-              <a:lumOff val="15000"/>
-            </a:schemeClr>
-          </a:solidFill>
-          <a:ln>
-            <a:noFill/>
-          </a:ln>
-        </p:spPr>
-        <p:style>
-          <a:lnRef idx="2">
-            <a:schemeClr val="accent1">
-              <a:shade val="50000"/>
-            </a:schemeClr>
-          </a:lnRef>
-          <a:fillRef idx="1">
-            <a:schemeClr val="accent1"/>
-          </a:fillRef>
-          <a:effectRef idx="0">
-            <a:schemeClr val="accent1"/>
-          </a:effectRef>
-          <a:fontRef idx="minor">
-            <a:schemeClr val="lt1"/>
-          </a:fontRef>
-        </p:style>
-        <p:txBody>
-          <a:bodyPr rtlCol="0" anchor="ctr"/>
-          <a:lstStyle/>
-          <a:p>
-            <a:pPr algn="ctr"/>
-            <a:endParaRPr kumimoji="1" lang="ja-JP" altLang="en-US"/>
-          </a:p>
-        </p:txBody>
-      </p:sp>
-      <p:sp>
-        <p:nvSpPr>
-          <p:cNvPr id="64" name="正方形/長方形 63">
-            <a:extLst>
-              <a:ext uri="{FF2B5EF4-FFF2-40B4-BE49-F238E27FC236}">
-                <a16:creationId xmlns:a16="http://schemas.microsoft.com/office/drawing/2014/main" id="{E5D9271C-A5C6-6B45-B61D-FE92158C1FCF}"/>
-              </a:ext>
-            </a:extLst>
-          </p:cNvPr>
-          <p:cNvSpPr/>
-          <p:nvPr/>
-        </p:nvSpPr>
-        <p:spPr>
-          <a:xfrm rot="16200000">
-            <a:off x="3469807" y="4450453"/>
-            <a:ext cx="72000" cy="1224000"/>
-          </a:xfrm>
-          <a:prstGeom prst="rect">
-            <a:avLst/>
-          </a:prstGeom>
-          <a:solidFill>
-            <a:schemeClr val="tx1">
-              <a:lumMod val="85000"/>
-              <a:lumOff val="15000"/>
-            </a:schemeClr>
-          </a:solidFill>
-          <a:ln>
-            <a:noFill/>
-          </a:ln>
-        </p:spPr>
-        <p:style>
-          <a:lnRef idx="2">
-            <a:schemeClr val="accent1">
-              <a:shade val="50000"/>
-            </a:schemeClr>
-          </a:lnRef>
-          <a:fillRef idx="1">
-            <a:schemeClr val="accent1"/>
-          </a:fillRef>
-          <a:effectRef idx="0">
-            <a:schemeClr val="accent1"/>
-          </a:effectRef>
-          <a:fontRef idx="minor">
-            <a:schemeClr val="lt1"/>
-          </a:fontRef>
-        </p:style>
-        <p:txBody>
-          <a:bodyPr rtlCol="0" anchor="ctr"/>
-          <a:lstStyle/>
-          <a:p>
-            <a:pPr algn="ctr"/>
-            <a:endParaRPr kumimoji="1" lang="ja-JP" altLang="en-US"/>
-          </a:p>
-        </p:txBody>
-      </p:sp>
-      <p:sp>
-        <p:nvSpPr>
-          <p:cNvPr id="65" name="正方形/長方形 64">
-            <a:extLst>
-              <a:ext uri="{FF2B5EF4-FFF2-40B4-BE49-F238E27FC236}">
-                <a16:creationId xmlns:a16="http://schemas.microsoft.com/office/drawing/2014/main" id="{0C74F92B-2BAB-4E40-84D8-001646199F39}"/>
-              </a:ext>
-            </a:extLst>
-          </p:cNvPr>
-          <p:cNvSpPr/>
-          <p:nvPr/>
-        </p:nvSpPr>
-        <p:spPr>
-          <a:xfrm rot="10800000">
-            <a:off x="2886205" y="2573529"/>
-            <a:ext cx="72000" cy="2520000"/>
-          </a:xfrm>
-          <a:prstGeom prst="rect">
-            <a:avLst/>
-          </a:prstGeom>
-          <a:solidFill>
-            <a:schemeClr val="tx1">
-              <a:lumMod val="85000"/>
-              <a:lumOff val="15000"/>
-            </a:schemeClr>
-          </a:solidFill>
-          <a:ln>
-            <a:noFill/>
-          </a:ln>
-        </p:spPr>
-        <p:style>
-          <a:lnRef idx="2">
-            <a:schemeClr val="accent1">
-              <a:shade val="50000"/>
-            </a:schemeClr>
-          </a:lnRef>
-          <a:fillRef idx="1">
-            <a:schemeClr val="accent1"/>
-          </a:fillRef>
-          <a:effectRef idx="0">
-            <a:schemeClr val="accent1"/>
-          </a:effectRef>
-          <a:fontRef idx="minor">
-            <a:schemeClr val="lt1"/>
-          </a:fontRef>
-        </p:style>
-        <p:txBody>
-          <a:bodyPr rtlCol="0" anchor="ctr"/>
-          <a:lstStyle/>
-          <a:p>
-            <a:pPr algn="ctr"/>
-            <a:endParaRPr kumimoji="1" lang="ja-JP" altLang="en-US"/>
-          </a:p>
-        </p:txBody>
-      </p:sp>
-      <p:sp>
-        <p:nvSpPr>
-          <p:cNvPr id="66" name="下矢印 65">
-            <a:extLst>
-              <a:ext uri="{FF2B5EF4-FFF2-40B4-BE49-F238E27FC236}">
-                <a16:creationId xmlns:a16="http://schemas.microsoft.com/office/drawing/2014/main" id="{857C42DA-4497-D340-8DCA-08132F2DC564}"/>
-              </a:ext>
-            </a:extLst>
-          </p:cNvPr>
-          <p:cNvSpPr/>
-          <p:nvPr/>
-        </p:nvSpPr>
-        <p:spPr>
-          <a:xfrm rot="-5400000">
-            <a:off x="3009568" y="2337093"/>
-            <a:ext cx="180000" cy="432000"/>
-          </a:xfrm>
-          <a:prstGeom prst="downArrow">
-            <a:avLst/>
-          </a:prstGeom>
-          <a:solidFill>
-            <a:schemeClr val="tx1">
-              <a:lumMod val="85000"/>
-              <a:lumOff val="15000"/>
-            </a:schemeClr>
-          </a:solidFill>
-          <a:ln>
-            <a:noFill/>
-          </a:ln>
-        </p:spPr>
-        <p:style>
-          <a:lnRef idx="2">
-            <a:schemeClr val="accent1">
-              <a:shade val="50000"/>
-            </a:schemeClr>
-          </a:lnRef>
-          <a:fillRef idx="1">
-            <a:schemeClr val="accent1"/>
-          </a:fillRef>
-          <a:effectRef idx="0">
-            <a:schemeClr val="accent1"/>
-          </a:effectRef>
-          <a:fontRef idx="minor">
-            <a:schemeClr val="lt1"/>
-          </a:fontRef>
-        </p:style>
-        <p:txBody>
-          <a:bodyPr rtlCol="0" anchor="ctr"/>
-          <a:lstStyle/>
-          <a:p>
-            <a:pPr algn="ctr"/>
-            <a:endParaRPr kumimoji="1" lang="ja-JP" altLang="en-US"/>
-          </a:p>
-        </p:txBody>
-      </p:sp>
-      <p:sp>
-        <p:nvSpPr>
-          <p:cNvPr id="67" name="正方形/長方形 66">
-            <a:extLst>
-              <a:ext uri="{FF2B5EF4-FFF2-40B4-BE49-F238E27FC236}">
-                <a16:creationId xmlns:a16="http://schemas.microsoft.com/office/drawing/2014/main" id="{71B4A26A-99E6-854C-80E0-098FE7E538C2}"/>
-              </a:ext>
-            </a:extLst>
-          </p:cNvPr>
-          <p:cNvSpPr/>
-          <p:nvPr/>
-        </p:nvSpPr>
-        <p:spPr>
-          <a:xfrm rot="16200000">
-            <a:off x="5419125" y="2719322"/>
-            <a:ext cx="72000" cy="576000"/>
-          </a:xfrm>
-          <a:prstGeom prst="rect">
-            <a:avLst/>
-          </a:prstGeom>
-          <a:solidFill>
-            <a:schemeClr val="tx1">
-              <a:lumMod val="85000"/>
-              <a:lumOff val="15000"/>
-            </a:schemeClr>
-          </a:solidFill>
-          <a:ln>
-            <a:noFill/>
-          </a:ln>
-        </p:spPr>
-        <p:style>
-          <a:lnRef idx="2">
-            <a:schemeClr val="accent1">
-              <a:shade val="50000"/>
-            </a:schemeClr>
-          </a:lnRef>
-          <a:fillRef idx="1">
-            <a:schemeClr val="accent1"/>
-          </a:fillRef>
-          <a:effectRef idx="0">
-            <a:schemeClr val="accent1"/>
-          </a:effectRef>
-          <a:fontRef idx="minor">
-            <a:schemeClr val="lt1"/>
-          </a:fontRef>
-        </p:style>
-        <p:txBody>
-          <a:bodyPr rtlCol="0" anchor="ctr"/>
-          <a:lstStyle/>
-          <a:p>
-            <a:pPr algn="ctr"/>
-            <a:endParaRPr kumimoji="1" lang="ja-JP" altLang="en-US"/>
-          </a:p>
-        </p:txBody>
-      </p:sp>
-      <p:sp>
-        <p:nvSpPr>
-          <p:cNvPr id="69" name="下矢印 68">
-            <a:extLst>
-              <a:ext uri="{FF2B5EF4-FFF2-40B4-BE49-F238E27FC236}">
-                <a16:creationId xmlns:a16="http://schemas.microsoft.com/office/drawing/2014/main" id="{EB4A930C-9E8F-BF46-99A2-33CF6563E03F}"/>
-              </a:ext>
-            </a:extLst>
-          </p:cNvPr>
-          <p:cNvSpPr/>
-          <p:nvPr/>
-        </p:nvSpPr>
-        <p:spPr>
-          <a:xfrm rot="5400000">
-            <a:off x="6016712" y="2469433"/>
-            <a:ext cx="180000" cy="1980000"/>
-          </a:xfrm>
-          <a:prstGeom prst="downArrow">
-            <a:avLst/>
-          </a:prstGeom>
-          <a:solidFill>
-            <a:schemeClr val="tx1">
-              <a:lumMod val="85000"/>
-              <a:lumOff val="15000"/>
-            </a:schemeClr>
-          </a:solidFill>
-          <a:ln>
-            <a:noFill/>
-          </a:ln>
-        </p:spPr>
-        <p:style>
-          <a:lnRef idx="2">
-            <a:schemeClr val="accent1">
-              <a:shade val="50000"/>
-            </a:schemeClr>
-          </a:lnRef>
-          <a:fillRef idx="1">
-            <a:schemeClr val="accent1"/>
-          </a:fillRef>
-          <a:effectRef idx="0">
-            <a:schemeClr val="accent1"/>
-          </a:effectRef>
-          <a:fontRef idx="minor">
-            <a:schemeClr val="lt1"/>
-          </a:fontRef>
-        </p:style>
-        <p:txBody>
-          <a:bodyPr rtlCol="0" anchor="ctr"/>
-          <a:lstStyle/>
-          <a:p>
-            <a:pPr algn="ctr"/>
-            <a:endParaRPr kumimoji="1" lang="ja-JP" altLang="en-US"/>
-          </a:p>
-        </p:txBody>
-      </p:sp>
-      <p:sp>
-        <p:nvSpPr>
-          <p:cNvPr id="70" name="正方形/長方形 69">
-            <a:extLst>
-              <a:ext uri="{FF2B5EF4-FFF2-40B4-BE49-F238E27FC236}">
-                <a16:creationId xmlns:a16="http://schemas.microsoft.com/office/drawing/2014/main" id="{C489D041-549C-A24C-A336-8472E5FC924D}"/>
-              </a:ext>
-            </a:extLst>
-          </p:cNvPr>
-          <p:cNvSpPr/>
-          <p:nvPr/>
-        </p:nvSpPr>
-        <p:spPr>
-          <a:xfrm>
-            <a:off x="5671214" y="1061009"/>
-            <a:ext cx="72000" cy="1944000"/>
-          </a:xfrm>
-          <a:prstGeom prst="rect">
-            <a:avLst/>
-          </a:prstGeom>
-          <a:solidFill>
-            <a:schemeClr val="tx1">
-              <a:lumMod val="85000"/>
-              <a:lumOff val="15000"/>
-            </a:schemeClr>
-          </a:solidFill>
-          <a:ln>
-            <a:noFill/>
-          </a:ln>
-        </p:spPr>
-        <p:style>
-          <a:lnRef idx="2">
-            <a:schemeClr val="accent1">
-              <a:shade val="50000"/>
-            </a:schemeClr>
-          </a:lnRef>
-          <a:fillRef idx="1">
-            <a:schemeClr val="accent1"/>
-          </a:fillRef>
-          <a:effectRef idx="0">
-            <a:schemeClr val="accent1"/>
-          </a:effectRef>
-          <a:fontRef idx="minor">
-            <a:schemeClr val="lt1"/>
-          </a:fontRef>
-        </p:style>
-        <p:txBody>
-          <a:bodyPr rtlCol="0" anchor="ctr"/>
-          <a:lstStyle/>
-          <a:p>
-            <a:pPr algn="ctr"/>
-            <a:endParaRPr kumimoji="1" lang="ja-JP" altLang="en-US"/>
-          </a:p>
-        </p:txBody>
-      </p:sp>
-      <p:sp>
-        <p:nvSpPr>
-          <p:cNvPr id="71" name="下矢印 70">
-            <a:extLst>
-              <a:ext uri="{FF2B5EF4-FFF2-40B4-BE49-F238E27FC236}">
-                <a16:creationId xmlns:a16="http://schemas.microsoft.com/office/drawing/2014/main" id="{23170DCA-9DDF-8F4F-AA6F-43F93108A5A5}"/>
-              </a:ext>
-            </a:extLst>
-          </p:cNvPr>
-          <p:cNvSpPr/>
-          <p:nvPr/>
-        </p:nvSpPr>
-        <p:spPr>
-          <a:xfrm rot="-5400000">
-            <a:off x="5748706" y="950189"/>
-            <a:ext cx="180000" cy="324000"/>
-          </a:xfrm>
-          <a:prstGeom prst="downArrow">
-            <a:avLst/>
-          </a:prstGeom>
-          <a:solidFill>
-            <a:schemeClr val="tx1">
-              <a:lumMod val="85000"/>
-              <a:lumOff val="15000"/>
-            </a:schemeClr>
-          </a:solidFill>
-          <a:ln>
-            <a:noFill/>
-          </a:ln>
-        </p:spPr>
-        <p:style>
-          <a:lnRef idx="2">
-            <a:schemeClr val="accent1">
-              <a:shade val="50000"/>
-            </a:schemeClr>
-          </a:lnRef>
-          <a:fillRef idx="1">
-            <a:schemeClr val="accent1"/>
-          </a:fillRef>
-          <a:effectRef idx="0">
-            <a:schemeClr val="accent1"/>
-          </a:effectRef>
-          <a:fontRef idx="minor">
-            <a:schemeClr val="lt1"/>
-          </a:fontRef>
-        </p:style>
-        <p:txBody>
-          <a:bodyPr rtlCol="0" anchor="ctr"/>
-          <a:lstStyle/>
-          <a:p>
-            <a:pPr algn="ctr"/>
-            <a:endParaRPr kumimoji="1" lang="ja-JP" altLang="en-US"/>
-          </a:p>
-        </p:txBody>
-      </p:sp>
-      <p:sp>
-        <p:nvSpPr>
-          <p:cNvPr id="40" name="正方形/長方形 39">
-            <a:extLst>
-              <a:ext uri="{FF2B5EF4-FFF2-40B4-BE49-F238E27FC236}">
-                <a16:creationId xmlns:a16="http://schemas.microsoft.com/office/drawing/2014/main" id="{5780494A-3CE5-4E4B-BD25-BA4EFBCE9CF8}"/>
-              </a:ext>
-            </a:extLst>
-          </p:cNvPr>
-          <p:cNvSpPr/>
-          <p:nvPr/>
-        </p:nvSpPr>
-        <p:spPr>
-          <a:xfrm>
-            <a:off x="7084673" y="2925704"/>
-            <a:ext cx="72000" cy="576000"/>
-          </a:xfrm>
-          <a:prstGeom prst="rect">
-            <a:avLst/>
-          </a:prstGeom>
-          <a:solidFill>
-            <a:schemeClr val="tx1">
-              <a:lumMod val="85000"/>
-              <a:lumOff val="15000"/>
-            </a:schemeClr>
-          </a:solidFill>
-          <a:ln>
-            <a:noFill/>
-          </a:ln>
-        </p:spPr>
-        <p:style>
-          <a:lnRef idx="2">
-            <a:schemeClr val="accent1">
-              <a:shade val="50000"/>
-            </a:schemeClr>
-          </a:lnRef>
-          <a:fillRef idx="1">
-            <a:schemeClr val="accent1"/>
-          </a:fillRef>
-          <a:effectRef idx="0">
-            <a:schemeClr val="accent1"/>
-          </a:effectRef>
-          <a:fontRef idx="minor">
-            <a:schemeClr val="lt1"/>
-          </a:fontRef>
-        </p:style>
-        <p:txBody>
-          <a:bodyPr rtlCol="0" anchor="ctr"/>
-          <a:lstStyle/>
-          <a:p>
-            <a:pPr algn="ctr"/>
-            <a:endParaRPr kumimoji="1" lang="ja-JP" altLang="en-US"/>
-          </a:p>
-        </p:txBody>
-      </p:sp>
     </p:spTree>
     <p:extLst>
       <p:ext uri="{BB962C8B-B14F-4D97-AF65-F5344CB8AC3E}">
@@ -12224,10 +12266,10 @@
       </p:grpSpPr>
       <p:grpSp>
         <p:nvGrpSpPr>
-          <p:cNvPr id="6" name="グループ化 5">
+          <p:cNvPr id="5" name="グループ化 4">
             <a:extLst>
               <a:ext uri="{FF2B5EF4-FFF2-40B4-BE49-F238E27FC236}">
-                <a16:creationId xmlns:a16="http://schemas.microsoft.com/office/drawing/2014/main" id="{C267E7A9-EFB7-ED44-94BE-E7AD54514592}"/>
+                <a16:creationId xmlns:a16="http://schemas.microsoft.com/office/drawing/2014/main" id="{EDFC228E-2503-734F-8E6C-61843C747C0B}"/>
               </a:ext>
             </a:extLst>
           </p:cNvPr>
@@ -12237,17 +12279,506 @@
         <p:grpSpPr>
           <a:xfrm>
             <a:off x="795484" y="1072798"/>
-            <a:ext cx="2254900" cy="447754"/>
-            <a:chOff x="783091" y="1072798"/>
-            <a:chExt cx="2254900" cy="447754"/>
+            <a:ext cx="2406713" cy="3352006"/>
+            <a:chOff x="795484" y="1072798"/>
+            <a:chExt cx="2406713" cy="3352006"/>
           </a:xfrm>
         </p:grpSpPr>
+        <p:grpSp>
+          <p:nvGrpSpPr>
+            <p:cNvPr id="6" name="グループ化 5">
+              <a:extLst>
+                <a:ext uri="{FF2B5EF4-FFF2-40B4-BE49-F238E27FC236}">
+                  <a16:creationId xmlns:a16="http://schemas.microsoft.com/office/drawing/2014/main" id="{C267E7A9-EFB7-ED44-94BE-E7AD54514592}"/>
+                </a:ext>
+              </a:extLst>
+            </p:cNvPr>
+            <p:cNvGrpSpPr/>
+            <p:nvPr/>
+          </p:nvGrpSpPr>
+          <p:grpSpPr>
+            <a:xfrm>
+              <a:off x="795484" y="1072798"/>
+              <a:ext cx="2254900" cy="447754"/>
+              <a:chOff x="783091" y="1072798"/>
+              <a:chExt cx="2254900" cy="447754"/>
+            </a:xfrm>
+          </p:grpSpPr>
+          <p:sp>
+            <p:nvSpPr>
+              <p:cNvPr id="3" name="角丸四角形 2">
+                <a:extLst>
+                  <a:ext uri="{FF2B5EF4-FFF2-40B4-BE49-F238E27FC236}">
+                    <a16:creationId xmlns:a16="http://schemas.microsoft.com/office/drawing/2014/main" id="{EB6AAA4C-95F3-CD46-9DF2-4542B805D92E}"/>
+                  </a:ext>
+                </a:extLst>
+              </p:cNvPr>
+              <p:cNvSpPr/>
+              <p:nvPr/>
+            </p:nvSpPr>
+            <p:spPr>
+              <a:xfrm>
+                <a:off x="783091" y="1072798"/>
+                <a:ext cx="2254900" cy="447754"/>
+              </a:xfrm>
+              <a:prstGeom prst="roundRect">
+                <a:avLst>
+                  <a:gd name="adj" fmla="val 50000"/>
+                </a:avLst>
+              </a:prstGeom>
+              <a:solidFill>
+                <a:schemeClr val="accent3">
+                  <a:lumMod val="40000"/>
+                  <a:lumOff val="60000"/>
+                </a:schemeClr>
+              </a:solidFill>
+              <a:ln>
+                <a:noFill/>
+              </a:ln>
+            </p:spPr>
+            <p:style>
+              <a:lnRef idx="2">
+                <a:schemeClr val="accent1">
+                  <a:shade val="50000"/>
+                </a:schemeClr>
+              </a:lnRef>
+              <a:fillRef idx="1">
+                <a:schemeClr val="accent1"/>
+              </a:fillRef>
+              <a:effectRef idx="0">
+                <a:schemeClr val="accent1"/>
+              </a:effectRef>
+              <a:fontRef idx="minor">
+                <a:schemeClr val="lt1"/>
+              </a:fontRef>
+            </p:style>
+            <p:txBody>
+              <a:bodyPr rtlCol="0" anchor="ctr"/>
+              <a:lstStyle/>
+              <a:p>
+                <a:pPr algn="ctr"/>
+                <a:endParaRPr kumimoji="1" lang="ja-JP" altLang="en-US" sz="2000">
+                  <a:latin typeface="Hiragino Kaku Gothic Pro W3" panose="020B0300000000000000" pitchFamily="34" charset="-128"/>
+                  <a:ea typeface="Hiragino Kaku Gothic Pro W3" panose="020B0300000000000000" pitchFamily="34" charset="-128"/>
+                </a:endParaRPr>
+              </a:p>
+            </p:txBody>
+          </p:sp>
+          <p:sp>
+            <p:nvSpPr>
+              <p:cNvPr id="4" name="テキスト ボックス 3">
+                <a:extLst>
+                  <a:ext uri="{FF2B5EF4-FFF2-40B4-BE49-F238E27FC236}">
+                    <a16:creationId xmlns:a16="http://schemas.microsoft.com/office/drawing/2014/main" id="{AD0D9F82-04F2-AC47-BC44-DD09E543310D}"/>
+                  </a:ext>
+                </a:extLst>
+              </p:cNvPr>
+              <p:cNvSpPr txBox="1"/>
+              <p:nvPr/>
+            </p:nvSpPr>
+            <p:spPr>
+              <a:xfrm>
+                <a:off x="1510432" y="1072798"/>
+                <a:ext cx="697627" cy="400110"/>
+              </a:xfrm>
+              <a:prstGeom prst="rect">
+                <a:avLst/>
+              </a:prstGeom>
+              <a:noFill/>
+            </p:spPr>
+            <p:txBody>
+              <a:bodyPr wrap="none" rtlCol="0">
+                <a:spAutoFit/>
+              </a:bodyPr>
+              <a:lstStyle/>
+              <a:p>
+                <a:r>
+                  <a:rPr kumimoji="1" lang="ja-JP" altLang="en-US" sz="2000">
+                    <a:latin typeface="Hiragino Kaku Gothic Pro W3" panose="020B0300000000000000" pitchFamily="34" charset="-128"/>
+                    <a:ea typeface="Hiragino Kaku Gothic Pro W3" panose="020B0300000000000000" pitchFamily="34" charset="-128"/>
+                  </a:rPr>
+                  <a:t>開始</a:t>
+                </a:r>
+              </a:p>
+            </p:txBody>
+          </p:sp>
+        </p:grpSp>
+        <p:grpSp>
+          <p:nvGrpSpPr>
+            <p:cNvPr id="10" name="グループ化 9">
+              <a:extLst>
+                <a:ext uri="{FF2B5EF4-FFF2-40B4-BE49-F238E27FC236}">
+                  <a16:creationId xmlns:a16="http://schemas.microsoft.com/office/drawing/2014/main" id="{B08A46EA-0F38-CB4A-9237-827BBFAC94F2}"/>
+                </a:ext>
+              </a:extLst>
+            </p:cNvPr>
+            <p:cNvGrpSpPr/>
+            <p:nvPr/>
+          </p:nvGrpSpPr>
+          <p:grpSpPr>
+            <a:xfrm>
+              <a:off x="832662" y="1823019"/>
+              <a:ext cx="2180544" cy="814296"/>
+              <a:chOff x="820269" y="1937759"/>
+              <a:chExt cx="2180544" cy="814296"/>
+            </a:xfrm>
+          </p:grpSpPr>
+          <p:sp>
+            <p:nvSpPr>
+              <p:cNvPr id="2" name="正方形/長方形 1">
+                <a:extLst>
+                  <a:ext uri="{FF2B5EF4-FFF2-40B4-BE49-F238E27FC236}">
+                    <a16:creationId xmlns:a16="http://schemas.microsoft.com/office/drawing/2014/main" id="{7E1680D2-7654-2246-9D26-02403541059B}"/>
+                  </a:ext>
+                </a:extLst>
+              </p:cNvPr>
+              <p:cNvSpPr/>
+              <p:nvPr/>
+            </p:nvSpPr>
+            <p:spPr>
+              <a:xfrm>
+                <a:off x="820269" y="1937759"/>
+                <a:ext cx="2180544" cy="814296"/>
+              </a:xfrm>
+              <a:prstGeom prst="rect">
+                <a:avLst/>
+              </a:prstGeom>
+              <a:solidFill>
+                <a:schemeClr val="accent2">
+                  <a:lumMod val="40000"/>
+                  <a:lumOff val="60000"/>
+                </a:schemeClr>
+              </a:solidFill>
+              <a:ln>
+                <a:noFill/>
+              </a:ln>
+            </p:spPr>
+            <p:style>
+              <a:lnRef idx="2">
+                <a:schemeClr val="accent1">
+                  <a:shade val="50000"/>
+                </a:schemeClr>
+              </a:lnRef>
+              <a:fillRef idx="1">
+                <a:schemeClr val="accent1"/>
+              </a:fillRef>
+              <a:effectRef idx="0">
+                <a:schemeClr val="accent1"/>
+              </a:effectRef>
+              <a:fontRef idx="minor">
+                <a:schemeClr val="lt1"/>
+              </a:fontRef>
+            </p:style>
+            <p:txBody>
+              <a:bodyPr rtlCol="0" anchor="ctr"/>
+              <a:lstStyle/>
+              <a:p>
+                <a:pPr algn="ctr"/>
+                <a:endParaRPr kumimoji="1" lang="ja-JP" altLang="en-US" sz="2000"/>
+              </a:p>
+            </p:txBody>
+          </p:sp>
+          <p:sp>
+            <p:nvSpPr>
+              <p:cNvPr id="15" name="テキスト ボックス 14">
+                <a:extLst>
+                  <a:ext uri="{FF2B5EF4-FFF2-40B4-BE49-F238E27FC236}">
+                    <a16:creationId xmlns:a16="http://schemas.microsoft.com/office/drawing/2014/main" id="{B8F072AC-45EB-BF42-8B52-D76FC2F3730F}"/>
+                  </a:ext>
+                </a:extLst>
+              </p:cNvPr>
+              <p:cNvSpPr txBox="1"/>
+              <p:nvPr/>
+            </p:nvSpPr>
+            <p:spPr>
+              <a:xfrm>
+                <a:off x="971020" y="1990964"/>
+                <a:ext cx="1879041" cy="707886"/>
+              </a:xfrm>
+              <a:prstGeom prst="rect">
+                <a:avLst/>
+              </a:prstGeom>
+              <a:noFill/>
+            </p:spPr>
+            <p:txBody>
+              <a:bodyPr wrap="none" rtlCol="0">
+                <a:spAutoFit/>
+              </a:bodyPr>
+              <a:lstStyle/>
+              <a:p>
+                <a:r>
+                  <a:rPr lang="en-US" altLang="ja-JP" sz="2000" dirty="0">
+                    <a:latin typeface="Hiragino Kaku Gothic Pro W3" panose="020B0300000000000000" pitchFamily="34" charset="-128"/>
+                    <a:ea typeface="Hiragino Kaku Gothic Pro W3" panose="020B0300000000000000" pitchFamily="34" charset="-128"/>
+                  </a:rPr>
+                  <a:t>Canvas</a:t>
+                </a:r>
+                <a:r>
+                  <a:rPr lang="ja-JP" altLang="en-US" sz="2000">
+                    <a:latin typeface="Hiragino Kaku Gothic Pro W3" panose="020B0300000000000000" pitchFamily="34" charset="-128"/>
+                    <a:ea typeface="Hiragino Kaku Gothic Pro W3" panose="020B0300000000000000" pitchFamily="34" charset="-128"/>
+                  </a:rPr>
+                  <a:t>要素の</a:t>
+                </a:r>
+                <a:endParaRPr lang="en-US" altLang="ja-JP" sz="2000" dirty="0">
+                  <a:latin typeface="Hiragino Kaku Gothic Pro W3" panose="020B0300000000000000" pitchFamily="34" charset="-128"/>
+                  <a:ea typeface="Hiragino Kaku Gothic Pro W3" panose="020B0300000000000000" pitchFamily="34" charset="-128"/>
+                </a:endParaRPr>
+              </a:p>
+              <a:p>
+                <a:r>
+                  <a:rPr lang="ja-JP" altLang="en-US" sz="2000">
+                    <a:latin typeface="Hiragino Kaku Gothic Pro W3" panose="020B0300000000000000" pitchFamily="34" charset="-128"/>
+                    <a:ea typeface="Hiragino Kaku Gothic Pro W3" panose="020B0300000000000000" pitchFamily="34" charset="-128"/>
+                  </a:rPr>
+                  <a:t>取得</a:t>
+                </a:r>
+                <a:endParaRPr lang="en-US" altLang="ja-JP" sz="2000" dirty="0">
+                  <a:latin typeface="Hiragino Kaku Gothic Pro W3" panose="020B0300000000000000" pitchFamily="34" charset="-128"/>
+                  <a:ea typeface="Hiragino Kaku Gothic Pro W3" panose="020B0300000000000000" pitchFamily="34" charset="-128"/>
+                </a:endParaRPr>
+              </a:p>
+            </p:txBody>
+          </p:sp>
+        </p:grpSp>
+        <p:grpSp>
+          <p:nvGrpSpPr>
+            <p:cNvPr id="11" name="グループ化 10">
+              <a:extLst>
+                <a:ext uri="{FF2B5EF4-FFF2-40B4-BE49-F238E27FC236}">
+                  <a16:creationId xmlns:a16="http://schemas.microsoft.com/office/drawing/2014/main" id="{DD002276-B24A-1943-8755-7D076534671E}"/>
+                </a:ext>
+              </a:extLst>
+            </p:cNvPr>
+            <p:cNvGrpSpPr/>
+            <p:nvPr/>
+          </p:nvGrpSpPr>
+          <p:grpSpPr>
+            <a:xfrm>
+              <a:off x="832662" y="2939782"/>
+              <a:ext cx="2180544" cy="425504"/>
+              <a:chOff x="820269" y="3178923"/>
+              <a:chExt cx="2180544" cy="425504"/>
+            </a:xfrm>
+          </p:grpSpPr>
+          <p:sp>
+            <p:nvSpPr>
+              <p:cNvPr id="41" name="正方形/長方形 40">
+                <a:extLst>
+                  <a:ext uri="{FF2B5EF4-FFF2-40B4-BE49-F238E27FC236}">
+                    <a16:creationId xmlns:a16="http://schemas.microsoft.com/office/drawing/2014/main" id="{D1654946-8FAD-E24A-ACCC-125E4D073178}"/>
+                  </a:ext>
+                </a:extLst>
+              </p:cNvPr>
+              <p:cNvSpPr/>
+              <p:nvPr/>
+            </p:nvSpPr>
+            <p:spPr>
+              <a:xfrm>
+                <a:off x="820269" y="3204317"/>
+                <a:ext cx="2180544" cy="400110"/>
+              </a:xfrm>
+              <a:prstGeom prst="rect">
+                <a:avLst/>
+              </a:prstGeom>
+              <a:solidFill>
+                <a:schemeClr val="accent6">
+                  <a:lumMod val="40000"/>
+                  <a:lumOff val="60000"/>
+                </a:schemeClr>
+              </a:solidFill>
+              <a:ln>
+                <a:noFill/>
+              </a:ln>
+            </p:spPr>
+            <p:style>
+              <a:lnRef idx="2">
+                <a:schemeClr val="accent1">
+                  <a:shade val="50000"/>
+                </a:schemeClr>
+              </a:lnRef>
+              <a:fillRef idx="1">
+                <a:schemeClr val="accent1"/>
+              </a:fillRef>
+              <a:effectRef idx="0">
+                <a:schemeClr val="accent1"/>
+              </a:effectRef>
+              <a:fontRef idx="minor">
+                <a:schemeClr val="lt1"/>
+              </a:fontRef>
+            </p:style>
+            <p:txBody>
+              <a:bodyPr rtlCol="0" anchor="ctr"/>
+              <a:lstStyle/>
+              <a:p>
+                <a:pPr algn="ctr"/>
+                <a:endParaRPr kumimoji="1" lang="ja-JP" altLang="en-US" sz="2000"/>
+              </a:p>
+            </p:txBody>
+          </p:sp>
+          <p:sp>
+            <p:nvSpPr>
+              <p:cNvPr id="17" name="テキスト ボックス 16">
+                <a:extLst>
+                  <a:ext uri="{FF2B5EF4-FFF2-40B4-BE49-F238E27FC236}">
+                    <a16:creationId xmlns:a16="http://schemas.microsoft.com/office/drawing/2014/main" id="{76CEA443-2C4E-AA46-8017-69AD715D3E2C}"/>
+                  </a:ext>
+                </a:extLst>
+              </p:cNvPr>
+              <p:cNvSpPr txBox="1"/>
+              <p:nvPr/>
+            </p:nvSpPr>
+            <p:spPr>
+              <a:xfrm>
+                <a:off x="1510432" y="3178923"/>
+                <a:ext cx="697627" cy="400110"/>
+              </a:xfrm>
+              <a:prstGeom prst="rect">
+                <a:avLst/>
+              </a:prstGeom>
+              <a:noFill/>
+            </p:spPr>
+            <p:txBody>
+              <a:bodyPr wrap="none" rtlCol="0">
+                <a:spAutoFit/>
+              </a:bodyPr>
+              <a:lstStyle/>
+              <a:p>
+                <a:r>
+                  <a:rPr kumimoji="1" lang="ja-JP" altLang="en-US" sz="2000">
+                    <a:latin typeface="Hiragino Kaku Gothic Pro W3" panose="020B0300000000000000" pitchFamily="34" charset="-128"/>
+                    <a:ea typeface="Hiragino Kaku Gothic Pro W3" panose="020B0300000000000000" pitchFamily="34" charset="-128"/>
+                  </a:rPr>
+                  <a:t>演算</a:t>
+                </a:r>
+              </a:p>
+            </p:txBody>
+          </p:sp>
+        </p:grpSp>
+        <p:grpSp>
+          <p:nvGrpSpPr>
+            <p:cNvPr id="13" name="グループ化 12">
+              <a:extLst>
+                <a:ext uri="{FF2B5EF4-FFF2-40B4-BE49-F238E27FC236}">
+                  <a16:creationId xmlns:a16="http://schemas.microsoft.com/office/drawing/2014/main" id="{30858D3A-DC70-F740-98F8-88A82492A311}"/>
+                </a:ext>
+              </a:extLst>
+            </p:cNvPr>
+            <p:cNvGrpSpPr/>
+            <p:nvPr/>
+          </p:nvGrpSpPr>
+          <p:grpSpPr>
+            <a:xfrm>
+              <a:off x="832662" y="3666658"/>
+              <a:ext cx="2180544" cy="400110"/>
+              <a:chOff x="820269" y="4216260"/>
+              <a:chExt cx="2180544" cy="400110"/>
+            </a:xfrm>
+          </p:grpSpPr>
+          <p:sp>
+            <p:nvSpPr>
+              <p:cNvPr id="43" name="正方形/長方形 42">
+                <a:extLst>
+                  <a:ext uri="{FF2B5EF4-FFF2-40B4-BE49-F238E27FC236}">
+                    <a16:creationId xmlns:a16="http://schemas.microsoft.com/office/drawing/2014/main" id="{6DB7C513-7D10-8C48-A8A7-88BF820E476E}"/>
+                  </a:ext>
+                </a:extLst>
+              </p:cNvPr>
+              <p:cNvSpPr/>
+              <p:nvPr/>
+            </p:nvSpPr>
+            <p:spPr>
+              <a:xfrm>
+                <a:off x="820269" y="4216260"/>
+                <a:ext cx="2180544" cy="372762"/>
+              </a:xfrm>
+              <a:prstGeom prst="rect">
+                <a:avLst/>
+              </a:prstGeom>
+              <a:solidFill>
+                <a:schemeClr val="accent6">
+                  <a:lumMod val="40000"/>
+                  <a:lumOff val="60000"/>
+                </a:schemeClr>
+              </a:solidFill>
+              <a:ln>
+                <a:noFill/>
+              </a:ln>
+            </p:spPr>
+            <p:style>
+              <a:lnRef idx="2">
+                <a:schemeClr val="accent1">
+                  <a:shade val="50000"/>
+                </a:schemeClr>
+              </a:lnRef>
+              <a:fillRef idx="1">
+                <a:schemeClr val="accent1"/>
+              </a:fillRef>
+              <a:effectRef idx="0">
+                <a:schemeClr val="accent1"/>
+              </a:effectRef>
+              <a:fontRef idx="minor">
+                <a:schemeClr val="lt1"/>
+              </a:fontRef>
+            </p:style>
+            <p:txBody>
+              <a:bodyPr rtlCol="0" anchor="ctr"/>
+              <a:lstStyle/>
+              <a:p>
+                <a:pPr algn="ctr"/>
+                <a:endParaRPr kumimoji="1" lang="ja-JP" altLang="en-US" sz="2000"/>
+              </a:p>
+            </p:txBody>
+          </p:sp>
+          <p:sp>
+            <p:nvSpPr>
+              <p:cNvPr id="25" name="テキスト ボックス 24">
+                <a:extLst>
+                  <a:ext uri="{FF2B5EF4-FFF2-40B4-BE49-F238E27FC236}">
+                    <a16:creationId xmlns:a16="http://schemas.microsoft.com/office/drawing/2014/main" id="{381F0F3D-0101-7D44-AD78-069B22299C78}"/>
+                  </a:ext>
+                </a:extLst>
+              </p:cNvPr>
+              <p:cNvSpPr txBox="1"/>
+              <p:nvPr/>
+            </p:nvSpPr>
+            <p:spPr>
+              <a:xfrm>
+                <a:off x="1510432" y="4216260"/>
+                <a:ext cx="697627" cy="400110"/>
+              </a:xfrm>
+              <a:prstGeom prst="rect">
+                <a:avLst/>
+              </a:prstGeom>
+              <a:noFill/>
+            </p:spPr>
+            <p:txBody>
+              <a:bodyPr wrap="none" rtlCol="0">
+                <a:spAutoFit/>
+              </a:bodyPr>
+              <a:lstStyle/>
+              <a:p>
+                <a:r>
+                  <a:rPr lang="ja-JP" altLang="en-US" sz="2000">
+                    <a:latin typeface="Hiragino Kaku Gothic Pro W3" panose="020B0300000000000000" pitchFamily="34" charset="-128"/>
+                    <a:ea typeface="Hiragino Kaku Gothic Pro W3" panose="020B0300000000000000" pitchFamily="34" charset="-128"/>
+                  </a:rPr>
+                  <a:t>描画</a:t>
+                </a:r>
+                <a:endParaRPr lang="en-US" altLang="ja-JP" sz="2000" dirty="0">
+                  <a:latin typeface="Hiragino Kaku Gothic Pro W3" panose="020B0300000000000000" pitchFamily="34" charset="-128"/>
+                  <a:ea typeface="Hiragino Kaku Gothic Pro W3" panose="020B0300000000000000" pitchFamily="34" charset="-128"/>
+                </a:endParaRPr>
+              </a:p>
+            </p:txBody>
+          </p:sp>
+        </p:grpSp>
         <p:sp>
           <p:nvSpPr>
-            <p:cNvPr id="3" name="角丸四角形 2">
+            <p:cNvPr id="8" name="下矢印 7">
               <a:extLst>
                 <a:ext uri="{FF2B5EF4-FFF2-40B4-BE49-F238E27FC236}">
-                  <a16:creationId xmlns:a16="http://schemas.microsoft.com/office/drawing/2014/main" id="{EB6AAA4C-95F3-CD46-9DF2-4542B805D92E}"/>
+                  <a16:creationId xmlns:a16="http://schemas.microsoft.com/office/drawing/2014/main" id="{6430E466-3594-144F-96C5-048A43D3227B}"/>
                 </a:ext>
               </a:extLst>
             </p:cNvPr>
@@ -12256,18 +12787,16 @@
           </p:nvSpPr>
           <p:spPr>
             <a:xfrm>
-              <a:off x="783091" y="1072798"/>
-              <a:ext cx="2254900" cy="447754"/>
+              <a:off x="1832934" y="1536238"/>
+              <a:ext cx="180000" cy="271095"/>
             </a:xfrm>
-            <a:prstGeom prst="roundRect">
-              <a:avLst>
-                <a:gd name="adj" fmla="val 50000"/>
-              </a:avLst>
+            <a:prstGeom prst="downArrow">
+              <a:avLst/>
             </a:prstGeom>
             <a:solidFill>
-              <a:schemeClr val="accent3">
-                <a:lumMod val="40000"/>
-                <a:lumOff val="60000"/>
+              <a:schemeClr val="tx1">
+                <a:lumMod val="85000"/>
+                <a:lumOff val="15000"/>
               </a:schemeClr>
             </a:solidFill>
             <a:ln>
@@ -12295,78 +12824,16 @@
             <a:lstStyle/>
             <a:p>
               <a:pPr algn="ctr"/>
-              <a:endParaRPr kumimoji="1" lang="ja-JP" altLang="en-US" sz="2000">
-                <a:latin typeface="Hiragino Kaku Gothic Pro W3" panose="020B0300000000000000" pitchFamily="34" charset="-128"/>
-                <a:ea typeface="Hiragino Kaku Gothic Pro W3" panose="020B0300000000000000" pitchFamily="34" charset="-128"/>
-              </a:endParaRPr>
+              <a:endParaRPr kumimoji="1" lang="ja-JP" altLang="en-US"/>
             </a:p>
           </p:txBody>
         </p:sp>
         <p:sp>
           <p:nvSpPr>
-            <p:cNvPr id="4" name="テキスト ボックス 3">
+            <p:cNvPr id="21" name="下矢印 20">
               <a:extLst>
                 <a:ext uri="{FF2B5EF4-FFF2-40B4-BE49-F238E27FC236}">
-                  <a16:creationId xmlns:a16="http://schemas.microsoft.com/office/drawing/2014/main" id="{AD0D9F82-04F2-AC47-BC44-DD09E543310D}"/>
-                </a:ext>
-              </a:extLst>
-            </p:cNvPr>
-            <p:cNvSpPr txBox="1"/>
-            <p:nvPr/>
-          </p:nvSpPr>
-          <p:spPr>
-            <a:xfrm>
-              <a:off x="1510432" y="1072798"/>
-              <a:ext cx="697627" cy="400110"/>
-            </a:xfrm>
-            <a:prstGeom prst="rect">
-              <a:avLst/>
-            </a:prstGeom>
-            <a:noFill/>
-          </p:spPr>
-          <p:txBody>
-            <a:bodyPr wrap="none" rtlCol="0">
-              <a:spAutoFit/>
-            </a:bodyPr>
-            <a:lstStyle/>
-            <a:p>
-              <a:r>
-                <a:rPr kumimoji="1" lang="ja-JP" altLang="en-US" sz="2000">
-                  <a:latin typeface="Hiragino Kaku Gothic Pro W3" panose="020B0300000000000000" pitchFamily="34" charset="-128"/>
-                  <a:ea typeface="Hiragino Kaku Gothic Pro W3" panose="020B0300000000000000" pitchFamily="34" charset="-128"/>
-                </a:rPr>
-                <a:t>開始</a:t>
-              </a:r>
-            </a:p>
-          </p:txBody>
-        </p:sp>
-      </p:grpSp>
-      <p:grpSp>
-        <p:nvGrpSpPr>
-          <p:cNvPr id="10" name="グループ化 9">
-            <a:extLst>
-              <a:ext uri="{FF2B5EF4-FFF2-40B4-BE49-F238E27FC236}">
-                <a16:creationId xmlns:a16="http://schemas.microsoft.com/office/drawing/2014/main" id="{B08A46EA-0F38-CB4A-9237-827BBFAC94F2}"/>
-              </a:ext>
-            </a:extLst>
-          </p:cNvPr>
-          <p:cNvGrpSpPr/>
-          <p:nvPr/>
-        </p:nvGrpSpPr>
-        <p:grpSpPr>
-          <a:xfrm>
-            <a:off x="832662" y="1823019"/>
-            <a:ext cx="2180544" cy="814296"/>
-            <a:chOff x="820269" y="1937759"/>
-            <a:chExt cx="2180544" cy="814296"/>
-          </a:xfrm>
-        </p:grpSpPr>
-        <p:sp>
-          <p:nvSpPr>
-            <p:cNvPr id="2" name="正方形/長方形 1">
-              <a:extLst>
-                <a:ext uri="{FF2B5EF4-FFF2-40B4-BE49-F238E27FC236}">
-                  <a16:creationId xmlns:a16="http://schemas.microsoft.com/office/drawing/2014/main" id="{7E1680D2-7654-2246-9D26-02403541059B}"/>
+                  <a16:creationId xmlns:a16="http://schemas.microsoft.com/office/drawing/2014/main" id="{2FFD12F3-BF63-6043-8968-01A4D34B4C9F}"/>
                 </a:ext>
               </a:extLst>
             </p:cNvPr>
@@ -12375,16 +12842,16 @@
           </p:nvSpPr>
           <p:spPr>
             <a:xfrm>
-              <a:off x="820269" y="1937759"/>
-              <a:ext cx="2180544" cy="814296"/>
+              <a:off x="1832934" y="2653001"/>
+              <a:ext cx="180000" cy="271095"/>
             </a:xfrm>
-            <a:prstGeom prst="rect">
+            <a:prstGeom prst="downArrow">
               <a:avLst/>
             </a:prstGeom>
             <a:solidFill>
-              <a:schemeClr val="accent2">
-                <a:lumMod val="40000"/>
-                <a:lumOff val="60000"/>
+              <a:schemeClr val="tx1">
+                <a:lumMod val="85000"/>
+                <a:lumOff val="15000"/>
               </a:schemeClr>
             </a:solidFill>
             <a:ln>
@@ -12412,99 +12879,16 @@
             <a:lstStyle/>
             <a:p>
               <a:pPr algn="ctr"/>
-              <a:endParaRPr kumimoji="1" lang="ja-JP" altLang="en-US" sz="2000"/>
+              <a:endParaRPr kumimoji="1" lang="ja-JP" altLang="en-US"/>
             </a:p>
           </p:txBody>
         </p:sp>
         <p:sp>
           <p:nvSpPr>
-            <p:cNvPr id="15" name="テキスト ボックス 14">
+            <p:cNvPr id="22" name="下矢印 21">
               <a:extLst>
                 <a:ext uri="{FF2B5EF4-FFF2-40B4-BE49-F238E27FC236}">
-                  <a16:creationId xmlns:a16="http://schemas.microsoft.com/office/drawing/2014/main" id="{B8F072AC-45EB-BF42-8B52-D76FC2F3730F}"/>
-                </a:ext>
-              </a:extLst>
-            </p:cNvPr>
-            <p:cNvSpPr txBox="1"/>
-            <p:nvPr/>
-          </p:nvSpPr>
-          <p:spPr>
-            <a:xfrm>
-              <a:off x="971020" y="1990964"/>
-              <a:ext cx="1879041" cy="707886"/>
-            </a:xfrm>
-            <a:prstGeom prst="rect">
-              <a:avLst/>
-            </a:prstGeom>
-            <a:noFill/>
-          </p:spPr>
-          <p:txBody>
-            <a:bodyPr wrap="none" rtlCol="0">
-              <a:spAutoFit/>
-            </a:bodyPr>
-            <a:lstStyle/>
-            <a:p>
-              <a:r>
-                <a:rPr lang="en-US" altLang="ja-JP" sz="2000" dirty="0">
-                  <a:latin typeface="Hiragino Kaku Gothic Pro W3" panose="020B0300000000000000" pitchFamily="34" charset="-128"/>
-                  <a:ea typeface="Hiragino Kaku Gothic Pro W3" panose="020B0300000000000000" pitchFamily="34" charset="-128"/>
-                </a:rPr>
-                <a:t>Canvas</a:t>
-              </a:r>
-              <a:r>
-                <a:rPr lang="ja-JP" altLang="en-US" sz="2000">
-                  <a:latin typeface="Hiragino Kaku Gothic Pro W3" panose="020B0300000000000000" pitchFamily="34" charset="-128"/>
-                  <a:ea typeface="Hiragino Kaku Gothic Pro W3" panose="020B0300000000000000" pitchFamily="34" charset="-128"/>
-                </a:rPr>
-                <a:t>要素の</a:t>
-              </a:r>
-              <a:endParaRPr lang="en-US" altLang="ja-JP" sz="2000" dirty="0">
-                <a:latin typeface="Hiragino Kaku Gothic Pro W3" panose="020B0300000000000000" pitchFamily="34" charset="-128"/>
-                <a:ea typeface="Hiragino Kaku Gothic Pro W3" panose="020B0300000000000000" pitchFamily="34" charset="-128"/>
-              </a:endParaRPr>
-            </a:p>
-            <a:p>
-              <a:r>
-                <a:rPr lang="ja-JP" altLang="en-US" sz="2000">
-                  <a:latin typeface="Hiragino Kaku Gothic Pro W3" panose="020B0300000000000000" pitchFamily="34" charset="-128"/>
-                  <a:ea typeface="Hiragino Kaku Gothic Pro W3" panose="020B0300000000000000" pitchFamily="34" charset="-128"/>
-                </a:rPr>
-                <a:t>取得</a:t>
-              </a:r>
-              <a:endParaRPr lang="en-US" altLang="ja-JP" sz="2000" dirty="0">
-                <a:latin typeface="Hiragino Kaku Gothic Pro W3" panose="020B0300000000000000" pitchFamily="34" charset="-128"/>
-                <a:ea typeface="Hiragino Kaku Gothic Pro W3" panose="020B0300000000000000" pitchFamily="34" charset="-128"/>
-              </a:endParaRPr>
-            </a:p>
-          </p:txBody>
-        </p:sp>
-      </p:grpSp>
-      <p:grpSp>
-        <p:nvGrpSpPr>
-          <p:cNvPr id="11" name="グループ化 10">
-            <a:extLst>
-              <a:ext uri="{FF2B5EF4-FFF2-40B4-BE49-F238E27FC236}">
-                <a16:creationId xmlns:a16="http://schemas.microsoft.com/office/drawing/2014/main" id="{DD002276-B24A-1943-8755-7D076534671E}"/>
-              </a:ext>
-            </a:extLst>
-          </p:cNvPr>
-          <p:cNvGrpSpPr/>
-          <p:nvPr/>
-        </p:nvGrpSpPr>
-        <p:grpSpPr>
-          <a:xfrm>
-            <a:off x="832662" y="2939782"/>
-            <a:ext cx="2180544" cy="425504"/>
-            <a:chOff x="820269" y="3178923"/>
-            <a:chExt cx="2180544" cy="425504"/>
-          </a:xfrm>
-        </p:grpSpPr>
-        <p:sp>
-          <p:nvSpPr>
-            <p:cNvPr id="41" name="正方形/長方形 40">
-              <a:extLst>
-                <a:ext uri="{FF2B5EF4-FFF2-40B4-BE49-F238E27FC236}">
-                  <a16:creationId xmlns:a16="http://schemas.microsoft.com/office/drawing/2014/main" id="{D1654946-8FAD-E24A-ACCC-125E4D073178}"/>
+                  <a16:creationId xmlns:a16="http://schemas.microsoft.com/office/drawing/2014/main" id="{BC45455E-8BCC-764D-8316-14E0E7AD73A0}"/>
                 </a:ext>
               </a:extLst>
             </p:cNvPr>
@@ -12513,16 +12897,16 @@
           </p:nvSpPr>
           <p:spPr>
             <a:xfrm>
-              <a:off x="820269" y="3204317"/>
-              <a:ext cx="2180544" cy="400110"/>
+              <a:off x="1832934" y="3380972"/>
+              <a:ext cx="180000" cy="270000"/>
             </a:xfrm>
-            <a:prstGeom prst="rect">
+            <a:prstGeom prst="downArrow">
               <a:avLst/>
             </a:prstGeom>
             <a:solidFill>
-              <a:schemeClr val="accent6">
-                <a:lumMod val="40000"/>
-                <a:lumOff val="60000"/>
+              <a:schemeClr val="tx1">
+                <a:lumMod val="85000"/>
+                <a:lumOff val="15000"/>
               </a:schemeClr>
             </a:solidFill>
             <a:ln>
@@ -12550,75 +12934,16 @@
             <a:lstStyle/>
             <a:p>
               <a:pPr algn="ctr"/>
-              <a:endParaRPr kumimoji="1" lang="ja-JP" altLang="en-US" sz="2000"/>
+              <a:endParaRPr kumimoji="1" lang="ja-JP" altLang="en-US"/>
             </a:p>
           </p:txBody>
         </p:sp>
         <p:sp>
           <p:nvSpPr>
-            <p:cNvPr id="17" name="テキスト ボックス 16">
+            <p:cNvPr id="23" name="下矢印 22">
               <a:extLst>
                 <a:ext uri="{FF2B5EF4-FFF2-40B4-BE49-F238E27FC236}">
-                  <a16:creationId xmlns:a16="http://schemas.microsoft.com/office/drawing/2014/main" id="{76CEA443-2C4E-AA46-8017-69AD715D3E2C}"/>
-                </a:ext>
-              </a:extLst>
-            </p:cNvPr>
-            <p:cNvSpPr txBox="1"/>
-            <p:nvPr/>
-          </p:nvSpPr>
-          <p:spPr>
-            <a:xfrm>
-              <a:off x="1510432" y="3178923"/>
-              <a:ext cx="697627" cy="400110"/>
-            </a:xfrm>
-            <a:prstGeom prst="rect">
-              <a:avLst/>
-            </a:prstGeom>
-            <a:noFill/>
-          </p:spPr>
-          <p:txBody>
-            <a:bodyPr wrap="none" rtlCol="0">
-              <a:spAutoFit/>
-            </a:bodyPr>
-            <a:lstStyle/>
-            <a:p>
-              <a:r>
-                <a:rPr kumimoji="1" lang="ja-JP" altLang="en-US" sz="2000">
-                  <a:latin typeface="Hiragino Kaku Gothic Pro W3" panose="020B0300000000000000" pitchFamily="34" charset="-128"/>
-                  <a:ea typeface="Hiragino Kaku Gothic Pro W3" panose="020B0300000000000000" pitchFamily="34" charset="-128"/>
-                </a:rPr>
-                <a:t>演算</a:t>
-              </a:r>
-            </a:p>
-          </p:txBody>
-        </p:sp>
-      </p:grpSp>
-      <p:grpSp>
-        <p:nvGrpSpPr>
-          <p:cNvPr id="13" name="グループ化 12">
-            <a:extLst>
-              <a:ext uri="{FF2B5EF4-FFF2-40B4-BE49-F238E27FC236}">
-                <a16:creationId xmlns:a16="http://schemas.microsoft.com/office/drawing/2014/main" id="{30858D3A-DC70-F740-98F8-88A82492A311}"/>
-              </a:ext>
-            </a:extLst>
-          </p:cNvPr>
-          <p:cNvGrpSpPr/>
-          <p:nvPr/>
-        </p:nvGrpSpPr>
-        <p:grpSpPr>
-          <a:xfrm>
-            <a:off x="832662" y="3666658"/>
-            <a:ext cx="2180544" cy="400110"/>
-            <a:chOff x="820269" y="4216260"/>
-            <a:chExt cx="2180544" cy="400110"/>
-          </a:xfrm>
-        </p:grpSpPr>
-        <p:sp>
-          <p:nvSpPr>
-            <p:cNvPr id="43" name="正方形/長方形 42">
-              <a:extLst>
-                <a:ext uri="{FF2B5EF4-FFF2-40B4-BE49-F238E27FC236}">
-                  <a16:creationId xmlns:a16="http://schemas.microsoft.com/office/drawing/2014/main" id="{6DB7C513-7D10-8C48-A8A7-88BF820E476E}"/>
+                  <a16:creationId xmlns:a16="http://schemas.microsoft.com/office/drawing/2014/main" id="{B599B5AE-D37D-494B-9020-817E59ABB2DD}"/>
                 </a:ext>
               </a:extLst>
             </p:cNvPr>
@@ -12626,17 +12951,17 @@
             <p:nvPr/>
           </p:nvSpPr>
           <p:spPr>
-            <a:xfrm>
-              <a:off x="820269" y="4216260"/>
-              <a:ext cx="2180544" cy="372762"/>
+            <a:xfrm rot="5400000">
+              <a:off x="2878753" y="2601166"/>
+              <a:ext cx="180000" cy="360000"/>
             </a:xfrm>
-            <a:prstGeom prst="rect">
+            <a:prstGeom prst="downArrow">
               <a:avLst/>
             </a:prstGeom>
             <a:solidFill>
-              <a:schemeClr val="accent6">
-                <a:lumMod val="40000"/>
-                <a:lumOff val="60000"/>
+              <a:schemeClr val="tx1">
+                <a:lumMod val="85000"/>
+                <a:lumOff val="15000"/>
               </a:schemeClr>
             </a:solidFill>
             <a:ln>
@@ -12664,438 +12989,176 @@
             <a:lstStyle/>
             <a:p>
               <a:pPr algn="ctr"/>
-              <a:endParaRPr kumimoji="1" lang="ja-JP" altLang="en-US" sz="2000"/>
+              <a:endParaRPr kumimoji="1" lang="ja-JP" altLang="en-US"/>
             </a:p>
           </p:txBody>
         </p:sp>
         <p:sp>
           <p:nvSpPr>
-            <p:cNvPr id="25" name="テキスト ボックス 24">
+            <p:cNvPr id="9" name="正方形/長方形 8">
               <a:extLst>
                 <a:ext uri="{FF2B5EF4-FFF2-40B4-BE49-F238E27FC236}">
-                  <a16:creationId xmlns:a16="http://schemas.microsoft.com/office/drawing/2014/main" id="{381F0F3D-0101-7D44-AD78-069B22299C78}"/>
+                  <a16:creationId xmlns:a16="http://schemas.microsoft.com/office/drawing/2014/main" id="{4044581B-BFCB-5047-8E6A-7F4FCFBD5F9E}"/>
                 </a:ext>
               </a:extLst>
             </p:cNvPr>
-            <p:cNvSpPr txBox="1"/>
+            <p:cNvSpPr/>
             <p:nvPr/>
           </p:nvSpPr>
           <p:spPr>
             <a:xfrm>
-              <a:off x="1510432" y="4216260"/>
-              <a:ext cx="697627" cy="400110"/>
+              <a:off x="3130197" y="2732804"/>
+              <a:ext cx="72000" cy="1692000"/>
             </a:xfrm>
             <a:prstGeom prst="rect">
               <a:avLst/>
             </a:prstGeom>
-            <a:noFill/>
+            <a:solidFill>
+              <a:schemeClr val="tx1">
+                <a:lumMod val="85000"/>
+                <a:lumOff val="15000"/>
+              </a:schemeClr>
+            </a:solidFill>
+            <a:ln>
+              <a:noFill/>
+            </a:ln>
           </p:spPr>
+          <p:style>
+            <a:lnRef idx="2">
+              <a:schemeClr val="accent1">
+                <a:shade val="50000"/>
+              </a:schemeClr>
+            </a:lnRef>
+            <a:fillRef idx="1">
+              <a:schemeClr val="accent1"/>
+            </a:fillRef>
+            <a:effectRef idx="0">
+              <a:schemeClr val="accent1"/>
+            </a:effectRef>
+            <a:fontRef idx="minor">
+              <a:schemeClr val="lt1"/>
+            </a:fontRef>
+          </p:style>
           <p:txBody>
-            <a:bodyPr wrap="none" rtlCol="0">
-              <a:spAutoFit/>
-            </a:bodyPr>
+            <a:bodyPr rtlCol="0" anchor="ctr"/>
             <a:lstStyle/>
             <a:p>
-              <a:r>
-                <a:rPr lang="ja-JP" altLang="en-US" sz="2000">
-                  <a:latin typeface="Hiragino Kaku Gothic Pro W3" panose="020B0300000000000000" pitchFamily="34" charset="-128"/>
-                  <a:ea typeface="Hiragino Kaku Gothic Pro W3" panose="020B0300000000000000" pitchFamily="34" charset="-128"/>
-                </a:rPr>
-                <a:t>描画</a:t>
-              </a:r>
-              <a:endParaRPr lang="en-US" altLang="ja-JP" sz="2000" dirty="0">
-                <a:latin typeface="Hiragino Kaku Gothic Pro W3" panose="020B0300000000000000" pitchFamily="34" charset="-128"/>
-                <a:ea typeface="Hiragino Kaku Gothic Pro W3" panose="020B0300000000000000" pitchFamily="34" charset="-128"/>
-              </a:endParaRPr>
+              <a:pPr algn="ctr"/>
+              <a:endParaRPr kumimoji="1" lang="ja-JP" altLang="en-US"/>
+            </a:p>
+          </p:txBody>
+        </p:sp>
+        <p:sp>
+          <p:nvSpPr>
+            <p:cNvPr id="26" name="正方形/長方形 25">
+              <a:extLst>
+                <a:ext uri="{FF2B5EF4-FFF2-40B4-BE49-F238E27FC236}">
+                  <a16:creationId xmlns:a16="http://schemas.microsoft.com/office/drawing/2014/main" id="{539D3C94-8591-3545-9E67-FE485DA138F0}"/>
+                </a:ext>
+              </a:extLst>
+            </p:cNvPr>
+            <p:cNvSpPr/>
+            <p:nvPr/>
+          </p:nvSpPr>
+          <p:spPr>
+            <a:xfrm>
+              <a:off x="1886934" y="4082456"/>
+              <a:ext cx="72000" cy="288000"/>
+            </a:xfrm>
+            <a:prstGeom prst="rect">
+              <a:avLst/>
+            </a:prstGeom>
+            <a:solidFill>
+              <a:schemeClr val="tx1">
+                <a:lumMod val="85000"/>
+                <a:lumOff val="15000"/>
+              </a:schemeClr>
+            </a:solidFill>
+            <a:ln>
+              <a:noFill/>
+            </a:ln>
+          </p:spPr>
+          <p:style>
+            <a:lnRef idx="2">
+              <a:schemeClr val="accent1">
+                <a:shade val="50000"/>
+              </a:schemeClr>
+            </a:lnRef>
+            <a:fillRef idx="1">
+              <a:schemeClr val="accent1"/>
+            </a:fillRef>
+            <a:effectRef idx="0">
+              <a:schemeClr val="accent1"/>
+            </a:effectRef>
+            <a:fontRef idx="minor">
+              <a:schemeClr val="lt1"/>
+            </a:fontRef>
+          </p:style>
+          <p:txBody>
+            <a:bodyPr rtlCol="0" anchor="ctr"/>
+            <a:lstStyle/>
+            <a:p>
+              <a:pPr algn="ctr"/>
+              <a:endParaRPr kumimoji="1" lang="ja-JP" altLang="en-US"/>
+            </a:p>
+          </p:txBody>
+        </p:sp>
+        <p:sp>
+          <p:nvSpPr>
+            <p:cNvPr id="27" name="正方形/長方形 26">
+              <a:extLst>
+                <a:ext uri="{FF2B5EF4-FFF2-40B4-BE49-F238E27FC236}">
+                  <a16:creationId xmlns:a16="http://schemas.microsoft.com/office/drawing/2014/main" id="{C10C67EE-C3DA-3147-AF6D-96B4219649ED}"/>
+                </a:ext>
+              </a:extLst>
+            </p:cNvPr>
+            <p:cNvSpPr/>
+            <p:nvPr/>
+          </p:nvSpPr>
+          <p:spPr>
+            <a:xfrm rot="16200000">
+              <a:off x="2504649" y="3739911"/>
+              <a:ext cx="72000" cy="1296000"/>
+            </a:xfrm>
+            <a:prstGeom prst="rect">
+              <a:avLst/>
+            </a:prstGeom>
+            <a:solidFill>
+              <a:schemeClr val="tx1">
+                <a:lumMod val="85000"/>
+                <a:lumOff val="15000"/>
+              </a:schemeClr>
+            </a:solidFill>
+            <a:ln>
+              <a:noFill/>
+            </a:ln>
+          </p:spPr>
+          <p:style>
+            <a:lnRef idx="2">
+              <a:schemeClr val="accent1">
+                <a:shade val="50000"/>
+              </a:schemeClr>
+            </a:lnRef>
+            <a:fillRef idx="1">
+              <a:schemeClr val="accent1"/>
+            </a:fillRef>
+            <a:effectRef idx="0">
+              <a:schemeClr val="accent1"/>
+            </a:effectRef>
+            <a:fontRef idx="minor">
+              <a:schemeClr val="lt1"/>
+            </a:fontRef>
+          </p:style>
+          <p:txBody>
+            <a:bodyPr rtlCol="0" anchor="ctr"/>
+            <a:lstStyle/>
+            <a:p>
+              <a:pPr algn="ctr"/>
+              <a:endParaRPr kumimoji="1" lang="ja-JP" altLang="en-US"/>
             </a:p>
           </p:txBody>
         </p:sp>
       </p:grpSp>
-      <p:sp>
-        <p:nvSpPr>
-          <p:cNvPr id="8" name="下矢印 7">
-            <a:extLst>
-              <a:ext uri="{FF2B5EF4-FFF2-40B4-BE49-F238E27FC236}">
-                <a16:creationId xmlns:a16="http://schemas.microsoft.com/office/drawing/2014/main" id="{6430E466-3594-144F-96C5-048A43D3227B}"/>
-              </a:ext>
-            </a:extLst>
-          </p:cNvPr>
-          <p:cNvSpPr/>
-          <p:nvPr/>
-        </p:nvSpPr>
-        <p:spPr>
-          <a:xfrm>
-            <a:off x="1832934" y="1536238"/>
-            <a:ext cx="180000" cy="271095"/>
-          </a:xfrm>
-          <a:prstGeom prst="downArrow">
-            <a:avLst/>
-          </a:prstGeom>
-          <a:solidFill>
-            <a:schemeClr val="tx1">
-              <a:lumMod val="85000"/>
-              <a:lumOff val="15000"/>
-            </a:schemeClr>
-          </a:solidFill>
-          <a:ln>
-            <a:noFill/>
-          </a:ln>
-        </p:spPr>
-        <p:style>
-          <a:lnRef idx="2">
-            <a:schemeClr val="accent1">
-              <a:shade val="50000"/>
-            </a:schemeClr>
-          </a:lnRef>
-          <a:fillRef idx="1">
-            <a:schemeClr val="accent1"/>
-          </a:fillRef>
-          <a:effectRef idx="0">
-            <a:schemeClr val="accent1"/>
-          </a:effectRef>
-          <a:fontRef idx="minor">
-            <a:schemeClr val="lt1"/>
-          </a:fontRef>
-        </p:style>
-        <p:txBody>
-          <a:bodyPr rtlCol="0" anchor="ctr"/>
-          <a:lstStyle/>
-          <a:p>
-            <a:pPr algn="ctr"/>
-            <a:endParaRPr kumimoji="1" lang="ja-JP" altLang="en-US"/>
-          </a:p>
-        </p:txBody>
-      </p:sp>
-      <p:sp>
-        <p:nvSpPr>
-          <p:cNvPr id="21" name="下矢印 20">
-            <a:extLst>
-              <a:ext uri="{FF2B5EF4-FFF2-40B4-BE49-F238E27FC236}">
-                <a16:creationId xmlns:a16="http://schemas.microsoft.com/office/drawing/2014/main" id="{2FFD12F3-BF63-6043-8968-01A4D34B4C9F}"/>
-              </a:ext>
-            </a:extLst>
-          </p:cNvPr>
-          <p:cNvSpPr/>
-          <p:nvPr/>
-        </p:nvSpPr>
-        <p:spPr>
-          <a:xfrm>
-            <a:off x="1832934" y="2653001"/>
-            <a:ext cx="180000" cy="271095"/>
-          </a:xfrm>
-          <a:prstGeom prst="downArrow">
-            <a:avLst/>
-          </a:prstGeom>
-          <a:solidFill>
-            <a:schemeClr val="tx1">
-              <a:lumMod val="85000"/>
-              <a:lumOff val="15000"/>
-            </a:schemeClr>
-          </a:solidFill>
-          <a:ln>
-            <a:noFill/>
-          </a:ln>
-        </p:spPr>
-        <p:style>
-          <a:lnRef idx="2">
-            <a:schemeClr val="accent1">
-              <a:shade val="50000"/>
-            </a:schemeClr>
-          </a:lnRef>
-          <a:fillRef idx="1">
-            <a:schemeClr val="accent1"/>
-          </a:fillRef>
-          <a:effectRef idx="0">
-            <a:schemeClr val="accent1"/>
-          </a:effectRef>
-          <a:fontRef idx="minor">
-            <a:schemeClr val="lt1"/>
-          </a:fontRef>
-        </p:style>
-        <p:txBody>
-          <a:bodyPr rtlCol="0" anchor="ctr"/>
-          <a:lstStyle/>
-          <a:p>
-            <a:pPr algn="ctr"/>
-            <a:endParaRPr kumimoji="1" lang="ja-JP" altLang="en-US"/>
-          </a:p>
-        </p:txBody>
-      </p:sp>
-      <p:sp>
-        <p:nvSpPr>
-          <p:cNvPr id="22" name="下矢印 21">
-            <a:extLst>
-              <a:ext uri="{FF2B5EF4-FFF2-40B4-BE49-F238E27FC236}">
-                <a16:creationId xmlns:a16="http://schemas.microsoft.com/office/drawing/2014/main" id="{BC45455E-8BCC-764D-8316-14E0E7AD73A0}"/>
-              </a:ext>
-            </a:extLst>
-          </p:cNvPr>
-          <p:cNvSpPr/>
-          <p:nvPr/>
-        </p:nvSpPr>
-        <p:spPr>
-          <a:xfrm>
-            <a:off x="1832934" y="3380972"/>
-            <a:ext cx="180000" cy="270000"/>
-          </a:xfrm>
-          <a:prstGeom prst="downArrow">
-            <a:avLst/>
-          </a:prstGeom>
-          <a:solidFill>
-            <a:schemeClr val="tx1">
-              <a:lumMod val="85000"/>
-              <a:lumOff val="15000"/>
-            </a:schemeClr>
-          </a:solidFill>
-          <a:ln>
-            <a:noFill/>
-          </a:ln>
-        </p:spPr>
-        <p:style>
-          <a:lnRef idx="2">
-            <a:schemeClr val="accent1">
-              <a:shade val="50000"/>
-            </a:schemeClr>
-          </a:lnRef>
-          <a:fillRef idx="1">
-            <a:schemeClr val="accent1"/>
-          </a:fillRef>
-          <a:effectRef idx="0">
-            <a:schemeClr val="accent1"/>
-          </a:effectRef>
-          <a:fontRef idx="minor">
-            <a:schemeClr val="lt1"/>
-          </a:fontRef>
-        </p:style>
-        <p:txBody>
-          <a:bodyPr rtlCol="0" anchor="ctr"/>
-          <a:lstStyle/>
-          <a:p>
-            <a:pPr algn="ctr"/>
-            <a:endParaRPr kumimoji="1" lang="ja-JP" altLang="en-US"/>
-          </a:p>
-        </p:txBody>
-      </p:sp>
-      <p:sp>
-        <p:nvSpPr>
-          <p:cNvPr id="23" name="下矢印 22">
-            <a:extLst>
-              <a:ext uri="{FF2B5EF4-FFF2-40B4-BE49-F238E27FC236}">
-                <a16:creationId xmlns:a16="http://schemas.microsoft.com/office/drawing/2014/main" id="{B599B5AE-D37D-494B-9020-817E59ABB2DD}"/>
-              </a:ext>
-            </a:extLst>
-          </p:cNvPr>
-          <p:cNvSpPr/>
-          <p:nvPr/>
-        </p:nvSpPr>
-        <p:spPr>
-          <a:xfrm rot="5400000">
-            <a:off x="2878753" y="2601166"/>
-            <a:ext cx="180000" cy="360000"/>
-          </a:xfrm>
-          <a:prstGeom prst="downArrow">
-            <a:avLst/>
-          </a:prstGeom>
-          <a:solidFill>
-            <a:schemeClr val="tx1">
-              <a:lumMod val="85000"/>
-              <a:lumOff val="15000"/>
-            </a:schemeClr>
-          </a:solidFill>
-          <a:ln>
-            <a:noFill/>
-          </a:ln>
-        </p:spPr>
-        <p:style>
-          <a:lnRef idx="2">
-            <a:schemeClr val="accent1">
-              <a:shade val="50000"/>
-            </a:schemeClr>
-          </a:lnRef>
-          <a:fillRef idx="1">
-            <a:schemeClr val="accent1"/>
-          </a:fillRef>
-          <a:effectRef idx="0">
-            <a:schemeClr val="accent1"/>
-          </a:effectRef>
-          <a:fontRef idx="minor">
-            <a:schemeClr val="lt1"/>
-          </a:fontRef>
-        </p:style>
-        <p:txBody>
-          <a:bodyPr rtlCol="0" anchor="ctr"/>
-          <a:lstStyle/>
-          <a:p>
-            <a:pPr algn="ctr"/>
-            <a:endParaRPr kumimoji="1" lang="ja-JP" altLang="en-US"/>
-          </a:p>
-        </p:txBody>
-      </p:sp>
-      <p:sp>
-        <p:nvSpPr>
-          <p:cNvPr id="9" name="正方形/長方形 8">
-            <a:extLst>
-              <a:ext uri="{FF2B5EF4-FFF2-40B4-BE49-F238E27FC236}">
-                <a16:creationId xmlns:a16="http://schemas.microsoft.com/office/drawing/2014/main" id="{4044581B-BFCB-5047-8E6A-7F4FCFBD5F9E}"/>
-              </a:ext>
-            </a:extLst>
-          </p:cNvPr>
-          <p:cNvSpPr/>
-          <p:nvPr/>
-        </p:nvSpPr>
-        <p:spPr>
-          <a:xfrm>
-            <a:off x="3130197" y="2732804"/>
-            <a:ext cx="72000" cy="1692000"/>
-          </a:xfrm>
-          <a:prstGeom prst="rect">
-            <a:avLst/>
-          </a:prstGeom>
-          <a:solidFill>
-            <a:schemeClr val="tx1">
-              <a:lumMod val="85000"/>
-              <a:lumOff val="15000"/>
-            </a:schemeClr>
-          </a:solidFill>
-          <a:ln>
-            <a:noFill/>
-          </a:ln>
-        </p:spPr>
-        <p:style>
-          <a:lnRef idx="2">
-            <a:schemeClr val="accent1">
-              <a:shade val="50000"/>
-            </a:schemeClr>
-          </a:lnRef>
-          <a:fillRef idx="1">
-            <a:schemeClr val="accent1"/>
-          </a:fillRef>
-          <a:effectRef idx="0">
-            <a:schemeClr val="accent1"/>
-          </a:effectRef>
-          <a:fontRef idx="minor">
-            <a:schemeClr val="lt1"/>
-          </a:fontRef>
-        </p:style>
-        <p:txBody>
-          <a:bodyPr rtlCol="0" anchor="ctr"/>
-          <a:lstStyle/>
-          <a:p>
-            <a:pPr algn="ctr"/>
-            <a:endParaRPr kumimoji="1" lang="ja-JP" altLang="en-US"/>
-          </a:p>
-        </p:txBody>
-      </p:sp>
-      <p:sp>
-        <p:nvSpPr>
-          <p:cNvPr id="26" name="正方形/長方形 25">
-            <a:extLst>
-              <a:ext uri="{FF2B5EF4-FFF2-40B4-BE49-F238E27FC236}">
-                <a16:creationId xmlns:a16="http://schemas.microsoft.com/office/drawing/2014/main" id="{539D3C94-8591-3545-9E67-FE485DA138F0}"/>
-              </a:ext>
-            </a:extLst>
-          </p:cNvPr>
-          <p:cNvSpPr/>
-          <p:nvPr/>
-        </p:nvSpPr>
-        <p:spPr>
-          <a:xfrm>
-            <a:off x="1886934" y="4082456"/>
-            <a:ext cx="72000" cy="288000"/>
-          </a:xfrm>
-          <a:prstGeom prst="rect">
-            <a:avLst/>
-          </a:prstGeom>
-          <a:solidFill>
-            <a:schemeClr val="tx1">
-              <a:lumMod val="85000"/>
-              <a:lumOff val="15000"/>
-            </a:schemeClr>
-          </a:solidFill>
-          <a:ln>
-            <a:noFill/>
-          </a:ln>
-        </p:spPr>
-        <p:style>
-          <a:lnRef idx="2">
-            <a:schemeClr val="accent1">
-              <a:shade val="50000"/>
-            </a:schemeClr>
-          </a:lnRef>
-          <a:fillRef idx="1">
-            <a:schemeClr val="accent1"/>
-          </a:fillRef>
-          <a:effectRef idx="0">
-            <a:schemeClr val="accent1"/>
-          </a:effectRef>
-          <a:fontRef idx="minor">
-            <a:schemeClr val="lt1"/>
-          </a:fontRef>
-        </p:style>
-        <p:txBody>
-          <a:bodyPr rtlCol="0" anchor="ctr"/>
-          <a:lstStyle/>
-          <a:p>
-            <a:pPr algn="ctr"/>
-            <a:endParaRPr kumimoji="1" lang="ja-JP" altLang="en-US"/>
-          </a:p>
-        </p:txBody>
-      </p:sp>
-      <p:sp>
-        <p:nvSpPr>
-          <p:cNvPr id="27" name="正方形/長方形 26">
-            <a:extLst>
-              <a:ext uri="{FF2B5EF4-FFF2-40B4-BE49-F238E27FC236}">
-                <a16:creationId xmlns:a16="http://schemas.microsoft.com/office/drawing/2014/main" id="{C10C67EE-C3DA-3147-AF6D-96B4219649ED}"/>
-              </a:ext>
-            </a:extLst>
-          </p:cNvPr>
-          <p:cNvSpPr/>
-          <p:nvPr/>
-        </p:nvSpPr>
-        <p:spPr>
-          <a:xfrm rot="16200000">
-            <a:off x="2504649" y="3739911"/>
-            <a:ext cx="72000" cy="1296000"/>
-          </a:xfrm>
-          <a:prstGeom prst="rect">
-            <a:avLst/>
-          </a:prstGeom>
-          <a:solidFill>
-            <a:schemeClr val="tx1">
-              <a:lumMod val="85000"/>
-              <a:lumOff val="15000"/>
-            </a:schemeClr>
-          </a:solidFill>
-          <a:ln>
-            <a:noFill/>
-          </a:ln>
-        </p:spPr>
-        <p:style>
-          <a:lnRef idx="2">
-            <a:schemeClr val="accent1">
-              <a:shade val="50000"/>
-            </a:schemeClr>
-          </a:lnRef>
-          <a:fillRef idx="1">
-            <a:schemeClr val="accent1"/>
-          </a:fillRef>
-          <a:effectRef idx="0">
-            <a:schemeClr val="accent1"/>
-          </a:effectRef>
-          <a:fontRef idx="minor">
-            <a:schemeClr val="lt1"/>
-          </a:fontRef>
-        </p:style>
-        <p:txBody>
-          <a:bodyPr rtlCol="0" anchor="ctr"/>
-          <a:lstStyle/>
-          <a:p>
-            <a:pPr algn="ctr"/>
-            <a:endParaRPr kumimoji="1" lang="ja-JP" altLang="en-US"/>
-          </a:p>
-        </p:txBody>
-      </p:sp>
     </p:spTree>
     <p:extLst>
       <p:ext uri="{BB962C8B-B14F-4D97-AF65-F5344CB8AC3E}">

--- a/論文に使う画像.pptx
+++ b/論文に使う画像.pptx
@@ -5,7 +5,7 @@
     <p:sldMasterId id="2147483648" r:id="rId1"/>
   </p:sldMasterIdLst>
   <p:notesMasterIdLst>
-    <p:notesMasterId r:id="rId14"/>
+    <p:notesMasterId r:id="rId15"/>
   </p:notesMasterIdLst>
   <p:sldIdLst>
     <p:sldId id="256" r:id="rId2"/>
@@ -20,6 +20,7 @@
     <p:sldId id="263" r:id="rId11"/>
     <p:sldId id="264" r:id="rId12"/>
     <p:sldId id="265" r:id="rId13"/>
+    <p:sldId id="310" r:id="rId14"/>
   </p:sldIdLst>
   <p:sldSz cx="12192000" cy="6858000"/>
   <p:notesSz cx="6858000" cy="9144000"/>
@@ -1395,7 +1396,7 @@
           <a:p>
             <a:fld id="{B3605A22-EF04-4240-9C27-9ADDF0E4DE85}" type="datetimeFigureOut">
               <a:rPr kumimoji="1" lang="ja-JP" altLang="en-US" smtClean="0"/>
-              <a:t>2019/1/29</a:t>
+              <a:t>2019/2/1</a:t>
             </a:fld>
             <a:endParaRPr kumimoji="1" lang="ja-JP" altLang="en-US"/>
           </a:p>
@@ -2404,7 +2405,7 @@
           <a:p>
             <a:fld id="{F8143675-065B-6249-819E-977928931EDE}" type="datetimeFigureOut">
               <a:rPr kumimoji="1" lang="ja-JP" altLang="en-US" smtClean="0"/>
-              <a:t>2019/1/29</a:t>
+              <a:t>2019/2/1</a:t>
             </a:fld>
             <a:endParaRPr kumimoji="1" lang="ja-JP" altLang="en-US"/>
           </a:p>
@@ -2609,7 +2610,7 @@
           <a:p>
             <a:fld id="{F8143675-065B-6249-819E-977928931EDE}" type="datetimeFigureOut">
               <a:rPr kumimoji="1" lang="ja-JP" altLang="en-US" smtClean="0"/>
-              <a:t>2019/1/29</a:t>
+              <a:t>2019/2/1</a:t>
             </a:fld>
             <a:endParaRPr kumimoji="1" lang="ja-JP" altLang="en-US"/>
           </a:p>
@@ -2824,7 +2825,7 @@
           <a:p>
             <a:fld id="{F8143675-065B-6249-819E-977928931EDE}" type="datetimeFigureOut">
               <a:rPr kumimoji="1" lang="ja-JP" altLang="en-US" smtClean="0"/>
-              <a:t>2019/1/29</a:t>
+              <a:t>2019/2/1</a:t>
             </a:fld>
             <a:endParaRPr kumimoji="1" lang="ja-JP" altLang="en-US"/>
           </a:p>
@@ -3029,7 +3030,7 @@
           <a:p>
             <a:fld id="{F8143675-065B-6249-819E-977928931EDE}" type="datetimeFigureOut">
               <a:rPr kumimoji="1" lang="ja-JP" altLang="en-US" smtClean="0"/>
-              <a:t>2019/1/29</a:t>
+              <a:t>2019/2/1</a:t>
             </a:fld>
             <a:endParaRPr kumimoji="1" lang="ja-JP" altLang="en-US"/>
           </a:p>
@@ -3339,7 +3340,7 @@
           <a:p>
             <a:fld id="{F8143675-065B-6249-819E-977928931EDE}" type="datetimeFigureOut">
               <a:rPr kumimoji="1" lang="ja-JP" altLang="en-US" smtClean="0"/>
-              <a:t>2019/1/29</a:t>
+              <a:t>2019/2/1</a:t>
             </a:fld>
             <a:endParaRPr kumimoji="1" lang="ja-JP" altLang="en-US"/>
           </a:p>
@@ -3618,7 +3619,7 @@
           <a:p>
             <a:fld id="{F8143675-065B-6249-819E-977928931EDE}" type="datetimeFigureOut">
               <a:rPr kumimoji="1" lang="ja-JP" altLang="en-US" smtClean="0"/>
-              <a:t>2019/1/29</a:t>
+              <a:t>2019/2/1</a:t>
             </a:fld>
             <a:endParaRPr kumimoji="1" lang="ja-JP" altLang="en-US"/>
           </a:p>
@@ -4114,7 +4115,7 @@
           <a:p>
             <a:fld id="{F8143675-065B-6249-819E-977928931EDE}" type="datetimeFigureOut">
               <a:rPr kumimoji="1" lang="ja-JP" altLang="en-US" smtClean="0"/>
-              <a:t>2019/1/29</a:t>
+              <a:t>2019/2/1</a:t>
             </a:fld>
             <a:endParaRPr kumimoji="1" lang="ja-JP" altLang="en-US"/>
           </a:p>
@@ -4255,7 +4256,7 @@
           <a:p>
             <a:fld id="{F8143675-065B-6249-819E-977928931EDE}" type="datetimeFigureOut">
               <a:rPr kumimoji="1" lang="ja-JP" altLang="en-US" smtClean="0"/>
-              <a:t>2019/1/29</a:t>
+              <a:t>2019/2/1</a:t>
             </a:fld>
             <a:endParaRPr kumimoji="1" lang="ja-JP" altLang="en-US"/>
           </a:p>
@@ -4368,7 +4369,7 @@
           <a:p>
             <a:fld id="{F8143675-065B-6249-819E-977928931EDE}" type="datetimeFigureOut">
               <a:rPr kumimoji="1" lang="ja-JP" altLang="en-US" smtClean="0"/>
-              <a:t>2019/1/29</a:t>
+              <a:t>2019/2/1</a:t>
             </a:fld>
             <a:endParaRPr kumimoji="1" lang="ja-JP" altLang="en-US"/>
           </a:p>
@@ -4721,7 +4722,7 @@
           <a:p>
             <a:fld id="{F8143675-065B-6249-819E-977928931EDE}" type="datetimeFigureOut">
               <a:rPr kumimoji="1" lang="ja-JP" altLang="en-US" smtClean="0"/>
-              <a:t>2019/1/29</a:t>
+              <a:t>2019/2/1</a:t>
             </a:fld>
             <a:endParaRPr kumimoji="1" lang="ja-JP" altLang="en-US"/>
           </a:p>
@@ -5044,7 +5045,7 @@
           <a:p>
             <a:fld id="{F8143675-065B-6249-819E-977928931EDE}" type="datetimeFigureOut">
               <a:rPr kumimoji="1" lang="ja-JP" altLang="en-US" smtClean="0"/>
-              <a:t>2019/1/29</a:t>
+              <a:t>2019/2/1</a:t>
             </a:fld>
             <a:endParaRPr kumimoji="1" lang="ja-JP" altLang="en-US"/>
           </a:p>
@@ -5292,7 +5293,7 @@
           <a:p>
             <a:fld id="{F8143675-065B-6249-819E-977928931EDE}" type="datetimeFigureOut">
               <a:rPr kumimoji="1" lang="ja-JP" altLang="en-US" smtClean="0"/>
-              <a:t>2019/1/29</a:t>
+              <a:t>2019/2/1</a:t>
             </a:fld>
             <a:endParaRPr kumimoji="1" lang="ja-JP" altLang="en-US"/>
           </a:p>
@@ -10460,6 +10461,2906 @@
     <p:extLst>
       <p:ext uri="{BB962C8B-B14F-4D97-AF65-F5344CB8AC3E}">
         <p14:creationId xmlns:p14="http://schemas.microsoft.com/office/powerpoint/2010/main" val="28613863"/>
+      </p:ext>
+    </p:extLst>
+  </p:cSld>
+  <p:clrMapOvr>
+    <a:masterClrMapping/>
+  </p:clrMapOvr>
+</p:sld>
+</file>
+
+<file path=ppt/slides/slide13.xml><?xml version="1.0" encoding="utf-8"?>
+<p:sld xmlns:a="http://schemas.openxmlformats.org/drawingml/2006/main" xmlns:r="http://schemas.openxmlformats.org/officeDocument/2006/relationships" xmlns:p="http://schemas.openxmlformats.org/presentationml/2006/main">
+  <p:cSld>
+    <p:spTree>
+      <p:nvGrpSpPr>
+        <p:cNvPr id="1" name=""/>
+        <p:cNvGrpSpPr/>
+        <p:nvPr/>
+      </p:nvGrpSpPr>
+      <p:grpSpPr>
+        <a:xfrm>
+          <a:off x="0" y="0"/>
+          <a:ext cx="0" cy="0"/>
+          <a:chOff x="0" y="0"/>
+          <a:chExt cx="0" cy="0"/>
+        </a:xfrm>
+      </p:grpSpPr>
+      <p:cxnSp>
+        <p:nvCxnSpPr>
+          <p:cNvPr id="6" name="直線コネクタ 5">
+            <a:extLst>
+              <a:ext uri="{FF2B5EF4-FFF2-40B4-BE49-F238E27FC236}">
+                <a16:creationId xmlns:a16="http://schemas.microsoft.com/office/drawing/2014/main" id="{020989A2-EF2B-41C5-950B-50A1E8B11746}"/>
+              </a:ext>
+            </a:extLst>
+          </p:cNvPr>
+          <p:cNvCxnSpPr/>
+          <p:nvPr/>
+        </p:nvCxnSpPr>
+        <p:spPr>
+          <a:xfrm>
+            <a:off x="364822" y="818740"/>
+            <a:ext cx="11605847" cy="0"/>
+          </a:xfrm>
+          <a:prstGeom prst="line">
+            <a:avLst/>
+          </a:prstGeom>
+          <a:ln>
+            <a:solidFill>
+              <a:srgbClr val="000000"/>
+            </a:solidFill>
+          </a:ln>
+          <a:effectLst/>
+        </p:spPr>
+        <p:style>
+          <a:lnRef idx="2">
+            <a:schemeClr val="accent1"/>
+          </a:lnRef>
+          <a:fillRef idx="0">
+            <a:schemeClr val="accent1"/>
+          </a:fillRef>
+          <a:effectRef idx="1">
+            <a:schemeClr val="accent1"/>
+          </a:effectRef>
+          <a:fontRef idx="minor">
+            <a:schemeClr val="tx1"/>
+          </a:fontRef>
+        </p:style>
+      </p:cxnSp>
+      <p:sp>
+        <p:nvSpPr>
+          <p:cNvPr id="7" name="テキスト ボックス 6">
+            <a:extLst>
+              <a:ext uri="{FF2B5EF4-FFF2-40B4-BE49-F238E27FC236}">
+                <a16:creationId xmlns:a16="http://schemas.microsoft.com/office/drawing/2014/main" id="{3A716497-665A-4E83-B191-B77885DB9AC4}"/>
+              </a:ext>
+            </a:extLst>
+          </p:cNvPr>
+          <p:cNvSpPr txBox="1"/>
+          <p:nvPr/>
+        </p:nvSpPr>
+        <p:spPr>
+          <a:xfrm>
+            <a:off x="879565" y="141283"/>
+            <a:ext cx="3970959" cy="535531"/>
+          </a:xfrm>
+          <a:prstGeom prst="rect">
+            <a:avLst/>
+          </a:prstGeom>
+          <a:noFill/>
+        </p:spPr>
+        <p:txBody>
+          <a:bodyPr wrap="none" rtlCol="0">
+            <a:spAutoFit/>
+          </a:bodyPr>
+          <a:lstStyle/>
+          <a:p>
+            <a:pPr defTabSz="548640">
+              <a:defRPr/>
+            </a:pPr>
+            <a:r>
+              <a:rPr lang="en-US" altLang="ja-JP" sz="2880" dirty="0">
+                <a:solidFill>
+                  <a:prstClr val="black"/>
+                </a:solidFill>
+                <a:latin typeface="ヒラギノ角ゴ ProN W3"/>
+                <a:ea typeface="ヒラギノ角ゴ ProN W3"/>
+                <a:cs typeface="ヒラギノ角ゴ ProN W3"/>
+              </a:rPr>
+              <a:t>6.</a:t>
+            </a:r>
+            <a:r>
+              <a:rPr lang="ja-JP" altLang="en-US" sz="2880" dirty="0">
+                <a:solidFill>
+                  <a:prstClr val="black"/>
+                </a:solidFill>
+                <a:latin typeface="ヒラギノ角ゴ ProN W3"/>
+                <a:ea typeface="ヒラギノ角ゴ ProN W3"/>
+                <a:cs typeface="ヒラギノ角ゴ ProN W3"/>
+              </a:rPr>
+              <a:t>ソースコードの比較</a:t>
+            </a:r>
+            <a:r>
+              <a:rPr lang="en-US" altLang="ja-JP" sz="2880" dirty="0">
+                <a:solidFill>
+                  <a:prstClr val="black"/>
+                </a:solidFill>
+                <a:latin typeface="ヒラギノ角ゴ ProN W3"/>
+                <a:ea typeface="ヒラギノ角ゴ ProN W3"/>
+                <a:cs typeface="ヒラギノ角ゴ ProN W3"/>
+              </a:rPr>
+              <a:t>1</a:t>
+            </a:r>
+            <a:endParaRPr lang="ja-JP" altLang="en-US" sz="2880" dirty="0">
+              <a:solidFill>
+                <a:prstClr val="black"/>
+              </a:solidFill>
+              <a:latin typeface="ヒラギノ角ゴ ProN W3"/>
+              <a:ea typeface="ヒラギノ角ゴ ProN W3"/>
+              <a:cs typeface="ヒラギノ角ゴ ProN W3"/>
+            </a:endParaRPr>
+          </a:p>
+        </p:txBody>
+      </p:sp>
+      <p:grpSp>
+        <p:nvGrpSpPr>
+          <p:cNvPr id="14" name="グループ化 13">
+            <a:extLst>
+              <a:ext uri="{FF2B5EF4-FFF2-40B4-BE49-F238E27FC236}">
+                <a16:creationId xmlns:a16="http://schemas.microsoft.com/office/drawing/2014/main" id="{E1B36F95-D8CB-7845-AE40-1DDC5650D0FB}"/>
+              </a:ext>
+            </a:extLst>
+          </p:cNvPr>
+          <p:cNvGrpSpPr/>
+          <p:nvPr/>
+        </p:nvGrpSpPr>
+        <p:grpSpPr>
+          <a:xfrm>
+            <a:off x="1617496" y="1390336"/>
+            <a:ext cx="2460546" cy="3539354"/>
+            <a:chOff x="783573" y="1072798"/>
+            <a:chExt cx="2050455" cy="2949462"/>
+          </a:xfrm>
+        </p:grpSpPr>
+        <p:grpSp>
+          <p:nvGrpSpPr>
+            <p:cNvPr id="15" name="グループ化 14">
+              <a:extLst>
+                <a:ext uri="{FF2B5EF4-FFF2-40B4-BE49-F238E27FC236}">
+                  <a16:creationId xmlns:a16="http://schemas.microsoft.com/office/drawing/2014/main" id="{49DACC85-1990-C045-8F90-83892767B82E}"/>
+                </a:ext>
+              </a:extLst>
+            </p:cNvPr>
+            <p:cNvGrpSpPr/>
+            <p:nvPr/>
+          </p:nvGrpSpPr>
+          <p:grpSpPr>
+            <a:xfrm>
+              <a:off x="795484" y="1072798"/>
+              <a:ext cx="1897051" cy="447754"/>
+              <a:chOff x="783091" y="1072798"/>
+              <a:chExt cx="1897051" cy="447754"/>
+            </a:xfrm>
+          </p:grpSpPr>
+          <p:sp>
+            <p:nvSpPr>
+              <p:cNvPr id="32" name="角丸四角形 31">
+                <a:extLst>
+                  <a:ext uri="{FF2B5EF4-FFF2-40B4-BE49-F238E27FC236}">
+                    <a16:creationId xmlns:a16="http://schemas.microsoft.com/office/drawing/2014/main" id="{622A198A-4CD7-1241-8692-4848793D780A}"/>
+                  </a:ext>
+                </a:extLst>
+              </p:cNvPr>
+              <p:cNvSpPr/>
+              <p:nvPr/>
+            </p:nvSpPr>
+            <p:spPr>
+              <a:xfrm>
+                <a:off x="783091" y="1072798"/>
+                <a:ext cx="1897051" cy="447754"/>
+              </a:xfrm>
+              <a:prstGeom prst="roundRect">
+                <a:avLst>
+                  <a:gd name="adj" fmla="val 50000"/>
+                </a:avLst>
+              </a:prstGeom>
+              <a:solidFill>
+                <a:schemeClr val="accent3">
+                  <a:lumMod val="40000"/>
+                  <a:lumOff val="60000"/>
+                </a:schemeClr>
+              </a:solidFill>
+              <a:ln>
+                <a:noFill/>
+              </a:ln>
+            </p:spPr>
+            <p:style>
+              <a:lnRef idx="2">
+                <a:schemeClr val="accent1">
+                  <a:shade val="50000"/>
+                </a:schemeClr>
+              </a:lnRef>
+              <a:fillRef idx="1">
+                <a:schemeClr val="accent1"/>
+              </a:fillRef>
+              <a:effectRef idx="0">
+                <a:schemeClr val="accent1"/>
+              </a:effectRef>
+              <a:fontRef idx="minor">
+                <a:schemeClr val="lt1"/>
+              </a:fontRef>
+            </p:style>
+            <p:txBody>
+              <a:bodyPr rtlCol="0" anchor="ctr"/>
+              <a:lstStyle/>
+              <a:p>
+                <a:pPr algn="ctr"/>
+                <a:endParaRPr lang="ja-JP" altLang="en-US" sz="2160">
+                  <a:latin typeface="Hiragino Kaku Gothic Pro W3" panose="020B0300000000000000" pitchFamily="34" charset="-128"/>
+                  <a:ea typeface="Hiragino Kaku Gothic Pro W3" panose="020B0300000000000000" pitchFamily="34" charset="-128"/>
+                </a:endParaRPr>
+              </a:p>
+            </p:txBody>
+          </p:sp>
+          <p:sp>
+            <p:nvSpPr>
+              <p:cNvPr id="33" name="テキスト ボックス 32">
+                <a:extLst>
+                  <a:ext uri="{FF2B5EF4-FFF2-40B4-BE49-F238E27FC236}">
+                    <a16:creationId xmlns:a16="http://schemas.microsoft.com/office/drawing/2014/main" id="{DB30EA37-5FC2-6340-985B-FFEDEFB01E9D}"/>
+                  </a:ext>
+                </a:extLst>
+              </p:cNvPr>
+              <p:cNvSpPr txBox="1"/>
+              <p:nvPr/>
+            </p:nvSpPr>
+            <p:spPr>
+              <a:xfrm>
+                <a:off x="1408451" y="1072798"/>
+                <a:ext cx="616088" cy="353943"/>
+              </a:xfrm>
+              <a:prstGeom prst="rect">
+                <a:avLst/>
+              </a:prstGeom>
+              <a:noFill/>
+            </p:spPr>
+            <p:txBody>
+              <a:bodyPr wrap="none" rtlCol="0">
+                <a:spAutoFit/>
+              </a:bodyPr>
+              <a:lstStyle/>
+              <a:p>
+                <a:r>
+                  <a:rPr lang="ja-JP" altLang="en-US" sz="2160" dirty="0">
+                    <a:latin typeface="Hiragino Kaku Gothic Pro W3" panose="020B0300000000000000" pitchFamily="34" charset="-128"/>
+                    <a:ea typeface="Hiragino Kaku Gothic Pro W3" panose="020B0300000000000000" pitchFamily="34" charset="-128"/>
+                  </a:rPr>
+                  <a:t>開始</a:t>
+                </a:r>
+              </a:p>
+            </p:txBody>
+          </p:sp>
+        </p:grpSp>
+        <p:grpSp>
+          <p:nvGrpSpPr>
+            <p:cNvPr id="16" name="グループ化 15">
+              <a:extLst>
+                <a:ext uri="{FF2B5EF4-FFF2-40B4-BE49-F238E27FC236}">
+                  <a16:creationId xmlns:a16="http://schemas.microsoft.com/office/drawing/2014/main" id="{9FF3CA54-E9EB-894E-9265-2A1FE221F621}"/>
+                </a:ext>
+              </a:extLst>
+            </p:cNvPr>
+            <p:cNvGrpSpPr/>
+            <p:nvPr/>
+          </p:nvGrpSpPr>
+          <p:grpSpPr>
+            <a:xfrm>
+              <a:off x="783573" y="1823019"/>
+              <a:ext cx="1877684" cy="447754"/>
+              <a:chOff x="771180" y="1937759"/>
+              <a:chExt cx="1877684" cy="447754"/>
+            </a:xfrm>
+          </p:grpSpPr>
+          <p:sp>
+            <p:nvSpPr>
+              <p:cNvPr id="30" name="正方形/長方形 29">
+                <a:extLst>
+                  <a:ext uri="{FF2B5EF4-FFF2-40B4-BE49-F238E27FC236}">
+                    <a16:creationId xmlns:a16="http://schemas.microsoft.com/office/drawing/2014/main" id="{F7A82617-AF1A-954D-B598-BDCEA2276BAD}"/>
+                  </a:ext>
+                </a:extLst>
+              </p:cNvPr>
+              <p:cNvSpPr/>
+              <p:nvPr/>
+            </p:nvSpPr>
+            <p:spPr>
+              <a:xfrm>
+                <a:off x="814369" y="1937759"/>
+                <a:ext cx="1834495" cy="447754"/>
+              </a:xfrm>
+              <a:prstGeom prst="rect">
+                <a:avLst/>
+              </a:prstGeom>
+              <a:solidFill>
+                <a:schemeClr val="accent2">
+                  <a:lumMod val="40000"/>
+                  <a:lumOff val="60000"/>
+                </a:schemeClr>
+              </a:solidFill>
+              <a:ln>
+                <a:noFill/>
+              </a:ln>
+            </p:spPr>
+            <p:style>
+              <a:lnRef idx="2">
+                <a:schemeClr val="accent1">
+                  <a:shade val="50000"/>
+                </a:schemeClr>
+              </a:lnRef>
+              <a:fillRef idx="1">
+                <a:schemeClr val="accent1"/>
+              </a:fillRef>
+              <a:effectRef idx="0">
+                <a:schemeClr val="accent1"/>
+              </a:effectRef>
+              <a:fontRef idx="minor">
+                <a:schemeClr val="lt1"/>
+              </a:fontRef>
+            </p:style>
+            <p:txBody>
+              <a:bodyPr rtlCol="0" anchor="ctr"/>
+              <a:lstStyle/>
+              <a:p>
+                <a:pPr algn="ctr"/>
+                <a:endParaRPr lang="ja-JP" altLang="en-US" sz="2160"/>
+              </a:p>
+            </p:txBody>
+          </p:sp>
+          <p:sp>
+            <p:nvSpPr>
+              <p:cNvPr id="31" name="テキスト ボックス 30">
+                <a:extLst>
+                  <a:ext uri="{FF2B5EF4-FFF2-40B4-BE49-F238E27FC236}">
+                    <a16:creationId xmlns:a16="http://schemas.microsoft.com/office/drawing/2014/main" id="{F2288051-6DD2-E348-923E-8EA7FD20D1C7}"/>
+                  </a:ext>
+                </a:extLst>
+              </p:cNvPr>
+              <p:cNvSpPr txBox="1"/>
+              <p:nvPr/>
+            </p:nvSpPr>
+            <p:spPr>
+              <a:xfrm>
+                <a:off x="771180" y="1990964"/>
+                <a:ext cx="1855744" cy="353944"/>
+              </a:xfrm>
+              <a:prstGeom prst="rect">
+                <a:avLst/>
+              </a:prstGeom>
+              <a:noFill/>
+            </p:spPr>
+            <p:txBody>
+              <a:bodyPr wrap="none" rtlCol="0">
+                <a:spAutoFit/>
+              </a:bodyPr>
+              <a:lstStyle/>
+              <a:p>
+                <a:r>
+                  <a:rPr lang="en-US" altLang="ja-JP" sz="2160" dirty="0">
+                    <a:latin typeface="Hiragino Kaku Gothic Pro W3" panose="020B0300000000000000" pitchFamily="34" charset="-128"/>
+                    <a:ea typeface="Hiragino Kaku Gothic Pro W3" panose="020B0300000000000000" pitchFamily="34" charset="-128"/>
+                  </a:rPr>
+                  <a:t>Canvas</a:t>
+                </a:r>
+                <a:r>
+                  <a:rPr lang="ja-JP" altLang="en-US" sz="2160">
+                    <a:latin typeface="Hiragino Kaku Gothic Pro W3" panose="020B0300000000000000" pitchFamily="34" charset="-128"/>
+                    <a:ea typeface="Hiragino Kaku Gothic Pro W3" panose="020B0300000000000000" pitchFamily="34" charset="-128"/>
+                  </a:rPr>
+                  <a:t>要素取得</a:t>
+                </a:r>
+                <a:endParaRPr lang="en-US" altLang="ja-JP" sz="2160" dirty="0">
+                  <a:latin typeface="Hiragino Kaku Gothic Pro W3" panose="020B0300000000000000" pitchFamily="34" charset="-128"/>
+                  <a:ea typeface="Hiragino Kaku Gothic Pro W3" panose="020B0300000000000000" pitchFamily="34" charset="-128"/>
+                </a:endParaRPr>
+              </a:p>
+            </p:txBody>
+          </p:sp>
+        </p:grpSp>
+        <p:grpSp>
+          <p:nvGrpSpPr>
+            <p:cNvPr id="17" name="グループ化 16">
+              <a:extLst>
+                <a:ext uri="{FF2B5EF4-FFF2-40B4-BE49-F238E27FC236}">
+                  <a16:creationId xmlns:a16="http://schemas.microsoft.com/office/drawing/2014/main" id="{B6269CD0-7C0C-2047-B380-5C9C398FB920}"/>
+                </a:ext>
+              </a:extLst>
+            </p:cNvPr>
+            <p:cNvGrpSpPr/>
+            <p:nvPr/>
+          </p:nvGrpSpPr>
+          <p:grpSpPr>
+            <a:xfrm>
+              <a:off x="826762" y="2589401"/>
+              <a:ext cx="1834495" cy="425504"/>
+              <a:chOff x="814369" y="2828542"/>
+              <a:chExt cx="1834495" cy="425504"/>
+            </a:xfrm>
+          </p:grpSpPr>
+          <p:sp>
+            <p:nvSpPr>
+              <p:cNvPr id="28" name="正方形/長方形 27">
+                <a:extLst>
+                  <a:ext uri="{FF2B5EF4-FFF2-40B4-BE49-F238E27FC236}">
+                    <a16:creationId xmlns:a16="http://schemas.microsoft.com/office/drawing/2014/main" id="{8233E60F-E279-8046-9AAF-FB819ECD35E6}"/>
+                  </a:ext>
+                </a:extLst>
+              </p:cNvPr>
+              <p:cNvSpPr/>
+              <p:nvPr/>
+            </p:nvSpPr>
+            <p:spPr>
+              <a:xfrm>
+                <a:off x="814369" y="2853936"/>
+                <a:ext cx="1834495" cy="400110"/>
+              </a:xfrm>
+              <a:prstGeom prst="rect">
+                <a:avLst/>
+              </a:prstGeom>
+              <a:solidFill>
+                <a:schemeClr val="accent6">
+                  <a:lumMod val="40000"/>
+                  <a:lumOff val="60000"/>
+                </a:schemeClr>
+              </a:solidFill>
+              <a:ln>
+                <a:noFill/>
+              </a:ln>
+            </p:spPr>
+            <p:style>
+              <a:lnRef idx="2">
+                <a:schemeClr val="accent1">
+                  <a:shade val="50000"/>
+                </a:schemeClr>
+              </a:lnRef>
+              <a:fillRef idx="1">
+                <a:schemeClr val="accent1"/>
+              </a:fillRef>
+              <a:effectRef idx="0">
+                <a:schemeClr val="accent1"/>
+              </a:effectRef>
+              <a:fontRef idx="minor">
+                <a:schemeClr val="lt1"/>
+              </a:fontRef>
+            </p:style>
+            <p:txBody>
+              <a:bodyPr rtlCol="0" anchor="ctr"/>
+              <a:lstStyle/>
+              <a:p>
+                <a:pPr algn="ctr"/>
+                <a:endParaRPr lang="ja-JP" altLang="en-US" sz="2160"/>
+              </a:p>
+            </p:txBody>
+          </p:sp>
+          <p:sp>
+            <p:nvSpPr>
+              <p:cNvPr id="29" name="テキスト ボックス 28">
+                <a:extLst>
+                  <a:ext uri="{FF2B5EF4-FFF2-40B4-BE49-F238E27FC236}">
+                    <a16:creationId xmlns:a16="http://schemas.microsoft.com/office/drawing/2014/main" id="{F9DD25D1-2B5B-3143-9B85-22F55127E03B}"/>
+                  </a:ext>
+                </a:extLst>
+              </p:cNvPr>
+              <p:cNvSpPr txBox="1"/>
+              <p:nvPr/>
+            </p:nvSpPr>
+            <p:spPr>
+              <a:xfrm>
+                <a:off x="1408451" y="2828542"/>
+                <a:ext cx="616088" cy="353943"/>
+              </a:xfrm>
+              <a:prstGeom prst="rect">
+                <a:avLst/>
+              </a:prstGeom>
+              <a:noFill/>
+            </p:spPr>
+            <p:txBody>
+              <a:bodyPr wrap="none" rtlCol="0">
+                <a:spAutoFit/>
+              </a:bodyPr>
+              <a:lstStyle/>
+              <a:p>
+                <a:r>
+                  <a:rPr lang="ja-JP" altLang="en-US" sz="2160" dirty="0">
+                    <a:latin typeface="Hiragino Kaku Gothic Pro W3" panose="020B0300000000000000" pitchFamily="34" charset="-128"/>
+                    <a:ea typeface="Hiragino Kaku Gothic Pro W3" panose="020B0300000000000000" pitchFamily="34" charset="-128"/>
+                  </a:rPr>
+                  <a:t>演算</a:t>
+                </a:r>
+              </a:p>
+            </p:txBody>
+          </p:sp>
+        </p:grpSp>
+        <p:grpSp>
+          <p:nvGrpSpPr>
+            <p:cNvPr id="18" name="グループ化 17">
+              <a:extLst>
+                <a:ext uri="{FF2B5EF4-FFF2-40B4-BE49-F238E27FC236}">
+                  <a16:creationId xmlns:a16="http://schemas.microsoft.com/office/drawing/2014/main" id="{FAFE9DD6-CE2A-A04E-B158-F05BBBB57274}"/>
+                </a:ext>
+              </a:extLst>
+            </p:cNvPr>
+            <p:cNvGrpSpPr/>
+            <p:nvPr/>
+          </p:nvGrpSpPr>
+          <p:grpSpPr>
+            <a:xfrm>
+              <a:off x="826762" y="3341915"/>
+              <a:ext cx="1834495" cy="372762"/>
+              <a:chOff x="814369" y="3891517"/>
+              <a:chExt cx="1834495" cy="372762"/>
+            </a:xfrm>
+          </p:grpSpPr>
+          <p:sp>
+            <p:nvSpPr>
+              <p:cNvPr id="26" name="正方形/長方形 25">
+                <a:extLst>
+                  <a:ext uri="{FF2B5EF4-FFF2-40B4-BE49-F238E27FC236}">
+                    <a16:creationId xmlns:a16="http://schemas.microsoft.com/office/drawing/2014/main" id="{333E4EEE-6CE2-2C43-BFAA-3DF689524A58}"/>
+                  </a:ext>
+                </a:extLst>
+              </p:cNvPr>
+              <p:cNvSpPr/>
+              <p:nvPr/>
+            </p:nvSpPr>
+            <p:spPr>
+              <a:xfrm>
+                <a:off x="814369" y="3891517"/>
+                <a:ext cx="1834495" cy="372762"/>
+              </a:xfrm>
+              <a:prstGeom prst="rect">
+                <a:avLst/>
+              </a:prstGeom>
+              <a:solidFill>
+                <a:schemeClr val="accent6">
+                  <a:lumMod val="40000"/>
+                  <a:lumOff val="60000"/>
+                </a:schemeClr>
+              </a:solidFill>
+              <a:ln>
+                <a:noFill/>
+              </a:ln>
+            </p:spPr>
+            <p:style>
+              <a:lnRef idx="2">
+                <a:schemeClr val="accent1">
+                  <a:shade val="50000"/>
+                </a:schemeClr>
+              </a:lnRef>
+              <a:fillRef idx="1">
+                <a:schemeClr val="accent1"/>
+              </a:fillRef>
+              <a:effectRef idx="0">
+                <a:schemeClr val="accent1"/>
+              </a:effectRef>
+              <a:fontRef idx="minor">
+                <a:schemeClr val="lt1"/>
+              </a:fontRef>
+            </p:style>
+            <p:txBody>
+              <a:bodyPr rtlCol="0" anchor="ctr"/>
+              <a:lstStyle/>
+              <a:p>
+                <a:pPr algn="ctr"/>
+                <a:endParaRPr lang="ja-JP" altLang="en-US" sz="2160"/>
+              </a:p>
+            </p:txBody>
+          </p:sp>
+          <p:sp>
+            <p:nvSpPr>
+              <p:cNvPr id="27" name="テキスト ボックス 26">
+                <a:extLst>
+                  <a:ext uri="{FF2B5EF4-FFF2-40B4-BE49-F238E27FC236}">
+                    <a16:creationId xmlns:a16="http://schemas.microsoft.com/office/drawing/2014/main" id="{05B42DAC-D54E-DE43-8068-0287FAFE4DD8}"/>
+                  </a:ext>
+                </a:extLst>
+              </p:cNvPr>
+              <p:cNvSpPr txBox="1"/>
+              <p:nvPr/>
+            </p:nvSpPr>
+            <p:spPr>
+              <a:xfrm>
+                <a:off x="1408451" y="3891517"/>
+                <a:ext cx="616088" cy="353944"/>
+              </a:xfrm>
+              <a:prstGeom prst="rect">
+                <a:avLst/>
+              </a:prstGeom>
+              <a:noFill/>
+            </p:spPr>
+            <p:txBody>
+              <a:bodyPr wrap="none" rtlCol="0">
+                <a:spAutoFit/>
+              </a:bodyPr>
+              <a:lstStyle/>
+              <a:p>
+                <a:r>
+                  <a:rPr lang="ja-JP" altLang="en-US" sz="2160">
+                    <a:latin typeface="Hiragino Kaku Gothic Pro W3" panose="020B0300000000000000" pitchFamily="34" charset="-128"/>
+                    <a:ea typeface="Hiragino Kaku Gothic Pro W3" panose="020B0300000000000000" pitchFamily="34" charset="-128"/>
+                  </a:rPr>
+                  <a:t>描画</a:t>
+                </a:r>
+                <a:endParaRPr lang="en-US" altLang="ja-JP" sz="2160" dirty="0">
+                  <a:latin typeface="Hiragino Kaku Gothic Pro W3" panose="020B0300000000000000" pitchFamily="34" charset="-128"/>
+                  <a:ea typeface="Hiragino Kaku Gothic Pro W3" panose="020B0300000000000000" pitchFamily="34" charset="-128"/>
+                </a:endParaRPr>
+              </a:p>
+            </p:txBody>
+          </p:sp>
+        </p:grpSp>
+        <p:sp>
+          <p:nvSpPr>
+            <p:cNvPr id="19" name="下矢印 18">
+              <a:extLst>
+                <a:ext uri="{FF2B5EF4-FFF2-40B4-BE49-F238E27FC236}">
+                  <a16:creationId xmlns:a16="http://schemas.microsoft.com/office/drawing/2014/main" id="{51CBF04F-AC6C-004D-BD38-AAC90FD0D255}"/>
+                </a:ext>
+              </a:extLst>
+            </p:cNvPr>
+            <p:cNvSpPr/>
+            <p:nvPr/>
+          </p:nvSpPr>
+          <p:spPr>
+            <a:xfrm>
+              <a:off x="1654009" y="1536238"/>
+              <a:ext cx="180000" cy="271095"/>
+            </a:xfrm>
+            <a:prstGeom prst="downArrow">
+              <a:avLst/>
+            </a:prstGeom>
+            <a:solidFill>
+              <a:schemeClr val="tx1">
+                <a:lumMod val="85000"/>
+                <a:lumOff val="15000"/>
+              </a:schemeClr>
+            </a:solidFill>
+            <a:ln>
+              <a:noFill/>
+            </a:ln>
+          </p:spPr>
+          <p:style>
+            <a:lnRef idx="2">
+              <a:schemeClr val="accent1">
+                <a:shade val="50000"/>
+              </a:schemeClr>
+            </a:lnRef>
+            <a:fillRef idx="1">
+              <a:schemeClr val="accent1"/>
+            </a:fillRef>
+            <a:effectRef idx="0">
+              <a:schemeClr val="accent1"/>
+            </a:effectRef>
+            <a:fontRef idx="minor">
+              <a:schemeClr val="lt1"/>
+            </a:fontRef>
+          </p:style>
+          <p:txBody>
+            <a:bodyPr rtlCol="0" anchor="ctr"/>
+            <a:lstStyle/>
+            <a:p>
+              <a:pPr algn="ctr"/>
+              <a:endParaRPr lang="ja-JP" altLang="en-US" sz="2160"/>
+            </a:p>
+          </p:txBody>
+        </p:sp>
+        <p:sp>
+          <p:nvSpPr>
+            <p:cNvPr id="20" name="下矢印 19">
+              <a:extLst>
+                <a:ext uri="{FF2B5EF4-FFF2-40B4-BE49-F238E27FC236}">
+                  <a16:creationId xmlns:a16="http://schemas.microsoft.com/office/drawing/2014/main" id="{420463A2-806D-264F-81D4-E62BBCD0934C}"/>
+                </a:ext>
+              </a:extLst>
+            </p:cNvPr>
+            <p:cNvSpPr/>
+            <p:nvPr/>
+          </p:nvSpPr>
+          <p:spPr>
+            <a:xfrm>
+              <a:off x="1654009" y="2311172"/>
+              <a:ext cx="180000" cy="271095"/>
+            </a:xfrm>
+            <a:prstGeom prst="downArrow">
+              <a:avLst/>
+            </a:prstGeom>
+            <a:solidFill>
+              <a:schemeClr val="tx1">
+                <a:lumMod val="85000"/>
+                <a:lumOff val="15000"/>
+              </a:schemeClr>
+            </a:solidFill>
+            <a:ln>
+              <a:noFill/>
+            </a:ln>
+          </p:spPr>
+          <p:style>
+            <a:lnRef idx="2">
+              <a:schemeClr val="accent1">
+                <a:shade val="50000"/>
+              </a:schemeClr>
+            </a:lnRef>
+            <a:fillRef idx="1">
+              <a:schemeClr val="accent1"/>
+            </a:fillRef>
+            <a:effectRef idx="0">
+              <a:schemeClr val="accent1"/>
+            </a:effectRef>
+            <a:fontRef idx="minor">
+              <a:schemeClr val="lt1"/>
+            </a:fontRef>
+          </p:style>
+          <p:txBody>
+            <a:bodyPr rtlCol="0" anchor="ctr"/>
+            <a:lstStyle/>
+            <a:p>
+              <a:pPr algn="ctr"/>
+              <a:endParaRPr lang="ja-JP" altLang="en-US" sz="2160"/>
+            </a:p>
+          </p:txBody>
+        </p:sp>
+        <p:sp>
+          <p:nvSpPr>
+            <p:cNvPr id="21" name="下矢印 20">
+              <a:extLst>
+                <a:ext uri="{FF2B5EF4-FFF2-40B4-BE49-F238E27FC236}">
+                  <a16:creationId xmlns:a16="http://schemas.microsoft.com/office/drawing/2014/main" id="{6A63B1A1-9BF7-0544-B0C8-FF1B4A01CD43}"/>
+                </a:ext>
+              </a:extLst>
+            </p:cNvPr>
+            <p:cNvSpPr/>
+            <p:nvPr/>
+          </p:nvSpPr>
+          <p:spPr>
+            <a:xfrm>
+              <a:off x="1654009" y="3047684"/>
+              <a:ext cx="180000" cy="270000"/>
+            </a:xfrm>
+            <a:prstGeom prst="downArrow">
+              <a:avLst/>
+            </a:prstGeom>
+            <a:solidFill>
+              <a:schemeClr val="tx1">
+                <a:lumMod val="85000"/>
+                <a:lumOff val="15000"/>
+              </a:schemeClr>
+            </a:solidFill>
+            <a:ln>
+              <a:noFill/>
+            </a:ln>
+          </p:spPr>
+          <p:style>
+            <a:lnRef idx="2">
+              <a:schemeClr val="accent1">
+                <a:shade val="50000"/>
+              </a:schemeClr>
+            </a:lnRef>
+            <a:fillRef idx="1">
+              <a:schemeClr val="accent1"/>
+            </a:fillRef>
+            <a:effectRef idx="0">
+              <a:schemeClr val="accent1"/>
+            </a:effectRef>
+            <a:fontRef idx="minor">
+              <a:schemeClr val="lt1"/>
+            </a:fontRef>
+          </p:style>
+          <p:txBody>
+            <a:bodyPr rtlCol="0" anchor="ctr"/>
+            <a:lstStyle/>
+            <a:p>
+              <a:pPr algn="ctr"/>
+              <a:endParaRPr lang="ja-JP" altLang="en-US" sz="2160"/>
+            </a:p>
+          </p:txBody>
+        </p:sp>
+        <p:sp>
+          <p:nvSpPr>
+            <p:cNvPr id="22" name="下矢印 21">
+              <a:extLst>
+                <a:ext uri="{FF2B5EF4-FFF2-40B4-BE49-F238E27FC236}">
+                  <a16:creationId xmlns:a16="http://schemas.microsoft.com/office/drawing/2014/main" id="{A7F8C0DD-1C44-3844-A1D7-6A0C945F230A}"/>
+                </a:ext>
+              </a:extLst>
+            </p:cNvPr>
+            <p:cNvSpPr/>
+            <p:nvPr/>
+          </p:nvSpPr>
+          <p:spPr>
+            <a:xfrm rot="5400000">
+              <a:off x="2510584" y="2307801"/>
+              <a:ext cx="180000" cy="360000"/>
+            </a:xfrm>
+            <a:prstGeom prst="downArrow">
+              <a:avLst/>
+            </a:prstGeom>
+            <a:solidFill>
+              <a:schemeClr val="tx1">
+                <a:lumMod val="85000"/>
+                <a:lumOff val="15000"/>
+              </a:schemeClr>
+            </a:solidFill>
+            <a:ln>
+              <a:noFill/>
+            </a:ln>
+          </p:spPr>
+          <p:style>
+            <a:lnRef idx="2">
+              <a:schemeClr val="accent1">
+                <a:shade val="50000"/>
+              </a:schemeClr>
+            </a:lnRef>
+            <a:fillRef idx="1">
+              <a:schemeClr val="accent1"/>
+            </a:fillRef>
+            <a:effectRef idx="0">
+              <a:schemeClr val="accent1"/>
+            </a:effectRef>
+            <a:fontRef idx="minor">
+              <a:schemeClr val="lt1"/>
+            </a:fontRef>
+          </p:style>
+          <p:txBody>
+            <a:bodyPr rtlCol="0" anchor="ctr"/>
+            <a:lstStyle/>
+            <a:p>
+              <a:pPr algn="ctr"/>
+              <a:endParaRPr lang="ja-JP" altLang="en-US" sz="2160" dirty="0"/>
+            </a:p>
+          </p:txBody>
+        </p:sp>
+        <p:sp>
+          <p:nvSpPr>
+            <p:cNvPr id="23" name="正方形/長方形 22">
+              <a:extLst>
+                <a:ext uri="{FF2B5EF4-FFF2-40B4-BE49-F238E27FC236}">
+                  <a16:creationId xmlns:a16="http://schemas.microsoft.com/office/drawing/2014/main" id="{B98A808E-7EA6-064E-8A33-FAE8D0BA72D4}"/>
+                </a:ext>
+              </a:extLst>
+            </p:cNvPr>
+            <p:cNvSpPr/>
+            <p:nvPr/>
+          </p:nvSpPr>
+          <p:spPr>
+            <a:xfrm>
+              <a:off x="2762028" y="2435661"/>
+              <a:ext cx="72000" cy="1584000"/>
+            </a:xfrm>
+            <a:prstGeom prst="rect">
+              <a:avLst/>
+            </a:prstGeom>
+            <a:solidFill>
+              <a:schemeClr val="tx1">
+                <a:lumMod val="85000"/>
+                <a:lumOff val="15000"/>
+              </a:schemeClr>
+            </a:solidFill>
+            <a:ln>
+              <a:noFill/>
+            </a:ln>
+          </p:spPr>
+          <p:style>
+            <a:lnRef idx="2">
+              <a:schemeClr val="accent1">
+                <a:shade val="50000"/>
+              </a:schemeClr>
+            </a:lnRef>
+            <a:fillRef idx="1">
+              <a:schemeClr val="accent1"/>
+            </a:fillRef>
+            <a:effectRef idx="0">
+              <a:schemeClr val="accent1"/>
+            </a:effectRef>
+            <a:fontRef idx="minor">
+              <a:schemeClr val="lt1"/>
+            </a:fontRef>
+          </p:style>
+          <p:txBody>
+            <a:bodyPr rtlCol="0" anchor="ctr"/>
+            <a:lstStyle/>
+            <a:p>
+              <a:pPr algn="ctr"/>
+              <a:endParaRPr lang="ja-JP" altLang="en-US" sz="2160" dirty="0"/>
+            </a:p>
+          </p:txBody>
+        </p:sp>
+        <p:sp>
+          <p:nvSpPr>
+            <p:cNvPr id="24" name="正方形/長方形 23">
+              <a:extLst>
+                <a:ext uri="{FF2B5EF4-FFF2-40B4-BE49-F238E27FC236}">
+                  <a16:creationId xmlns:a16="http://schemas.microsoft.com/office/drawing/2014/main" id="{7B2CFC87-3514-AC49-8D7F-6611399F9FD7}"/>
+                </a:ext>
+              </a:extLst>
+            </p:cNvPr>
+            <p:cNvSpPr/>
+            <p:nvPr/>
+          </p:nvSpPr>
+          <p:spPr>
+            <a:xfrm>
+              <a:off x="1708009" y="3723535"/>
+              <a:ext cx="72000" cy="288000"/>
+            </a:xfrm>
+            <a:prstGeom prst="rect">
+              <a:avLst/>
+            </a:prstGeom>
+            <a:solidFill>
+              <a:schemeClr val="tx1">
+                <a:lumMod val="85000"/>
+                <a:lumOff val="15000"/>
+              </a:schemeClr>
+            </a:solidFill>
+            <a:ln>
+              <a:noFill/>
+            </a:ln>
+          </p:spPr>
+          <p:style>
+            <a:lnRef idx="2">
+              <a:schemeClr val="accent1">
+                <a:shade val="50000"/>
+              </a:schemeClr>
+            </a:lnRef>
+            <a:fillRef idx="1">
+              <a:schemeClr val="accent1"/>
+            </a:fillRef>
+            <a:effectRef idx="0">
+              <a:schemeClr val="accent1"/>
+            </a:effectRef>
+            <a:fontRef idx="minor">
+              <a:schemeClr val="lt1"/>
+            </a:fontRef>
+          </p:style>
+          <p:txBody>
+            <a:bodyPr rtlCol="0" anchor="ctr"/>
+            <a:lstStyle/>
+            <a:p>
+              <a:pPr algn="ctr"/>
+              <a:endParaRPr lang="ja-JP" altLang="en-US" sz="2160"/>
+            </a:p>
+          </p:txBody>
+        </p:sp>
+        <p:sp>
+          <p:nvSpPr>
+            <p:cNvPr id="25" name="正方形/長方形 24">
+              <a:extLst>
+                <a:ext uri="{FF2B5EF4-FFF2-40B4-BE49-F238E27FC236}">
+                  <a16:creationId xmlns:a16="http://schemas.microsoft.com/office/drawing/2014/main" id="{D90B3BAC-0898-9F4E-AABF-6B594828FB61}"/>
+                </a:ext>
+              </a:extLst>
+            </p:cNvPr>
+            <p:cNvSpPr/>
+            <p:nvPr/>
+          </p:nvSpPr>
+          <p:spPr>
+            <a:xfrm rot="16200000">
+              <a:off x="2231774" y="3428260"/>
+              <a:ext cx="72000" cy="1116000"/>
+            </a:xfrm>
+            <a:prstGeom prst="rect">
+              <a:avLst/>
+            </a:prstGeom>
+            <a:solidFill>
+              <a:schemeClr val="tx1">
+                <a:lumMod val="85000"/>
+                <a:lumOff val="15000"/>
+              </a:schemeClr>
+            </a:solidFill>
+            <a:ln>
+              <a:noFill/>
+            </a:ln>
+          </p:spPr>
+          <p:style>
+            <a:lnRef idx="2">
+              <a:schemeClr val="accent1">
+                <a:shade val="50000"/>
+              </a:schemeClr>
+            </a:lnRef>
+            <a:fillRef idx="1">
+              <a:schemeClr val="accent1"/>
+            </a:fillRef>
+            <a:effectRef idx="0">
+              <a:schemeClr val="accent1"/>
+            </a:effectRef>
+            <a:fontRef idx="minor">
+              <a:schemeClr val="lt1"/>
+            </a:fontRef>
+          </p:style>
+          <p:txBody>
+            <a:bodyPr rtlCol="0" anchor="ctr"/>
+            <a:lstStyle/>
+            <a:p>
+              <a:pPr algn="ctr"/>
+              <a:endParaRPr lang="ja-JP" altLang="en-US" sz="2160" dirty="0"/>
+            </a:p>
+          </p:txBody>
+        </p:sp>
+      </p:grpSp>
+      <p:grpSp>
+        <p:nvGrpSpPr>
+          <p:cNvPr id="3" name="グループ化 2">
+            <a:extLst>
+              <a:ext uri="{FF2B5EF4-FFF2-40B4-BE49-F238E27FC236}">
+                <a16:creationId xmlns:a16="http://schemas.microsoft.com/office/drawing/2014/main" id="{9EF92294-A05C-4831-A4A7-1A23CFECABFC}"/>
+              </a:ext>
+            </a:extLst>
+          </p:cNvPr>
+          <p:cNvGrpSpPr/>
+          <p:nvPr/>
+        </p:nvGrpSpPr>
+        <p:grpSpPr>
+          <a:xfrm>
+            <a:off x="6232157" y="1567505"/>
+            <a:ext cx="4652342" cy="3201036"/>
+            <a:chOff x="4363304" y="1348828"/>
+            <a:chExt cx="3876952" cy="2667530"/>
+          </a:xfrm>
+        </p:grpSpPr>
+        <p:grpSp>
+          <p:nvGrpSpPr>
+            <p:cNvPr id="66" name="グループ化 65">
+              <a:extLst>
+                <a:ext uri="{FF2B5EF4-FFF2-40B4-BE49-F238E27FC236}">
+                  <a16:creationId xmlns:a16="http://schemas.microsoft.com/office/drawing/2014/main" id="{2B55363A-7F20-4FF7-8885-5608FE53741B}"/>
+                </a:ext>
+              </a:extLst>
+            </p:cNvPr>
+            <p:cNvGrpSpPr/>
+            <p:nvPr/>
+          </p:nvGrpSpPr>
+          <p:grpSpPr>
+            <a:xfrm>
+              <a:off x="4437606" y="1853855"/>
+              <a:ext cx="1897050" cy="630942"/>
+              <a:chOff x="811488" y="2021205"/>
+              <a:chExt cx="2770206" cy="921344"/>
+            </a:xfrm>
+          </p:grpSpPr>
+          <p:sp>
+            <p:nvSpPr>
+              <p:cNvPr id="103" name="正方形/長方形 102">
+                <a:extLst>
+                  <a:ext uri="{FF2B5EF4-FFF2-40B4-BE49-F238E27FC236}">
+                    <a16:creationId xmlns:a16="http://schemas.microsoft.com/office/drawing/2014/main" id="{2F3AC1FC-924F-4357-B2CD-71BD61125100}"/>
+                  </a:ext>
+                </a:extLst>
+              </p:cNvPr>
+              <p:cNvSpPr/>
+              <p:nvPr/>
+            </p:nvSpPr>
+            <p:spPr>
+              <a:xfrm>
+                <a:off x="811488" y="2085966"/>
+                <a:ext cx="2770206" cy="814297"/>
+              </a:xfrm>
+              <a:prstGeom prst="rect">
+                <a:avLst/>
+              </a:prstGeom>
+              <a:solidFill>
+                <a:schemeClr val="accent2">
+                  <a:lumMod val="40000"/>
+                  <a:lumOff val="60000"/>
+                </a:schemeClr>
+              </a:solidFill>
+              <a:ln>
+                <a:noFill/>
+              </a:ln>
+            </p:spPr>
+            <p:style>
+              <a:lnRef idx="2">
+                <a:schemeClr val="accent1">
+                  <a:shade val="50000"/>
+                </a:schemeClr>
+              </a:lnRef>
+              <a:fillRef idx="1">
+                <a:schemeClr val="accent1"/>
+              </a:fillRef>
+              <a:effectRef idx="0">
+                <a:schemeClr val="accent1"/>
+              </a:effectRef>
+              <a:fontRef idx="minor">
+                <a:schemeClr val="lt1"/>
+              </a:fontRef>
+            </p:style>
+            <p:txBody>
+              <a:bodyPr rtlCol="0" anchor="ctr"/>
+              <a:lstStyle/>
+              <a:p>
+                <a:pPr algn="ctr"/>
+                <a:endParaRPr lang="ja-JP" altLang="en-US" sz="2160"/>
+              </a:p>
+            </p:txBody>
+          </p:sp>
+          <p:sp>
+            <p:nvSpPr>
+              <p:cNvPr id="104" name="テキスト ボックス 103">
+                <a:extLst>
+                  <a:ext uri="{FF2B5EF4-FFF2-40B4-BE49-F238E27FC236}">
+                    <a16:creationId xmlns:a16="http://schemas.microsoft.com/office/drawing/2014/main" id="{7DF6E1FF-302A-424C-9D9F-06A9BCEA9D5F}"/>
+                  </a:ext>
+                </a:extLst>
+              </p:cNvPr>
+              <p:cNvSpPr txBox="1"/>
+              <p:nvPr/>
+            </p:nvSpPr>
+            <p:spPr>
+              <a:xfrm>
+                <a:off x="819958" y="2021205"/>
+                <a:ext cx="2709886" cy="921344"/>
+              </a:xfrm>
+              <a:prstGeom prst="rect">
+                <a:avLst/>
+              </a:prstGeom>
+              <a:noFill/>
+            </p:spPr>
+            <p:txBody>
+              <a:bodyPr wrap="none" rtlCol="0">
+                <a:spAutoFit/>
+              </a:bodyPr>
+              <a:lstStyle/>
+              <a:p>
+                <a:r>
+                  <a:rPr lang="en-US" altLang="ja-JP" sz="2160" dirty="0">
+                    <a:latin typeface="Hiragino Kaku Gothic Pro W3" panose="020B0300000000000000" pitchFamily="34" charset="-128"/>
+                    <a:ea typeface="Hiragino Kaku Gothic Pro W3" panose="020B0300000000000000" pitchFamily="34" charset="-128"/>
+                  </a:rPr>
+                  <a:t>Canvas</a:t>
+                </a:r>
+                <a:r>
+                  <a:rPr lang="ja-JP" altLang="en-US" sz="2160" dirty="0">
+                    <a:latin typeface="Hiragino Kaku Gothic Pro W3" panose="020B0300000000000000" pitchFamily="34" charset="-128"/>
+                    <a:ea typeface="Hiragino Kaku Gothic Pro W3" panose="020B0300000000000000" pitchFamily="34" charset="-128"/>
+                  </a:rPr>
+                  <a:t>要素取得</a:t>
+                </a:r>
+                <a:endParaRPr lang="en-US" altLang="ja-JP" sz="2160" dirty="0">
+                  <a:latin typeface="Hiragino Kaku Gothic Pro W3" panose="020B0300000000000000" pitchFamily="34" charset="-128"/>
+                  <a:ea typeface="Hiragino Kaku Gothic Pro W3" panose="020B0300000000000000" pitchFamily="34" charset="-128"/>
+                </a:endParaRPr>
+              </a:p>
+              <a:p>
+                <a:r>
+                  <a:rPr lang="en-US" altLang="ja-JP" sz="2160" dirty="0">
+                    <a:latin typeface="Hiragino Kaku Gothic Pro W3" panose="020B0300000000000000" pitchFamily="34" charset="-128"/>
+                    <a:ea typeface="Hiragino Kaku Gothic Pro W3" panose="020B0300000000000000" pitchFamily="34" charset="-128"/>
+                  </a:rPr>
+                  <a:t>worker</a:t>
+                </a:r>
+                <a:r>
+                  <a:rPr lang="ja-JP" altLang="en-US" sz="2160" dirty="0">
+                    <a:latin typeface="Hiragino Kaku Gothic Pro W3" panose="020B0300000000000000" pitchFamily="34" charset="-128"/>
+                    <a:ea typeface="Hiragino Kaku Gothic Pro W3" panose="020B0300000000000000" pitchFamily="34" charset="-128"/>
+                  </a:rPr>
+                  <a:t>作成</a:t>
+                </a:r>
+                <a:endParaRPr lang="en-US" altLang="ja-JP" sz="2160" dirty="0">
+                  <a:latin typeface="Hiragino Kaku Gothic Pro W3" panose="020B0300000000000000" pitchFamily="34" charset="-128"/>
+                  <a:ea typeface="Hiragino Kaku Gothic Pro W3" panose="020B0300000000000000" pitchFamily="34" charset="-128"/>
+                </a:endParaRPr>
+              </a:p>
+            </p:txBody>
+          </p:sp>
+        </p:grpSp>
+        <p:grpSp>
+          <p:nvGrpSpPr>
+            <p:cNvPr id="67" name="グループ化 66">
+              <a:extLst>
+                <a:ext uri="{FF2B5EF4-FFF2-40B4-BE49-F238E27FC236}">
+                  <a16:creationId xmlns:a16="http://schemas.microsoft.com/office/drawing/2014/main" id="{C0182043-B46F-4C5B-A72D-B4F79C859BC4}"/>
+                </a:ext>
+              </a:extLst>
+            </p:cNvPr>
+            <p:cNvGrpSpPr/>
+            <p:nvPr/>
+          </p:nvGrpSpPr>
+          <p:grpSpPr>
+            <a:xfrm>
+              <a:off x="4437606" y="2635883"/>
+              <a:ext cx="1897051" cy="353944"/>
+              <a:chOff x="820268" y="4193356"/>
+              <a:chExt cx="2770208" cy="516853"/>
+            </a:xfrm>
+          </p:grpSpPr>
+          <p:sp>
+            <p:nvSpPr>
+              <p:cNvPr id="101" name="正方形/長方形 100">
+                <a:extLst>
+                  <a:ext uri="{FF2B5EF4-FFF2-40B4-BE49-F238E27FC236}">
+                    <a16:creationId xmlns:a16="http://schemas.microsoft.com/office/drawing/2014/main" id="{337132C1-CCBE-4E61-8F3E-40E3C836DA9C}"/>
+                  </a:ext>
+                </a:extLst>
+              </p:cNvPr>
+              <p:cNvSpPr/>
+              <p:nvPr/>
+            </p:nvSpPr>
+            <p:spPr>
+              <a:xfrm>
+                <a:off x="820268" y="4251822"/>
+                <a:ext cx="2770208" cy="381130"/>
+              </a:xfrm>
+              <a:prstGeom prst="rect">
+                <a:avLst/>
+              </a:prstGeom>
+              <a:solidFill>
+                <a:schemeClr val="accent2">
+                  <a:lumMod val="40000"/>
+                  <a:lumOff val="60000"/>
+                </a:schemeClr>
+              </a:solidFill>
+              <a:ln>
+                <a:noFill/>
+              </a:ln>
+            </p:spPr>
+            <p:style>
+              <a:lnRef idx="2">
+                <a:schemeClr val="accent1">
+                  <a:shade val="50000"/>
+                </a:schemeClr>
+              </a:lnRef>
+              <a:fillRef idx="1">
+                <a:schemeClr val="accent1"/>
+              </a:fillRef>
+              <a:effectRef idx="0">
+                <a:schemeClr val="accent1"/>
+              </a:effectRef>
+              <a:fontRef idx="minor">
+                <a:schemeClr val="lt1"/>
+              </a:fontRef>
+            </p:style>
+            <p:txBody>
+              <a:bodyPr rtlCol="0" anchor="ctr"/>
+              <a:lstStyle/>
+              <a:p>
+                <a:pPr algn="ctr"/>
+                <a:endParaRPr lang="ja-JP" altLang="en-US" sz="2160"/>
+              </a:p>
+            </p:txBody>
+          </p:sp>
+          <p:sp>
+            <p:nvSpPr>
+              <p:cNvPr id="102" name="テキスト ボックス 101">
+                <a:extLst>
+                  <a:ext uri="{FF2B5EF4-FFF2-40B4-BE49-F238E27FC236}">
+                    <a16:creationId xmlns:a16="http://schemas.microsoft.com/office/drawing/2014/main" id="{4F645C88-EB38-4265-A126-3CDEE0FF9820}"/>
+                  </a:ext>
+                </a:extLst>
+              </p:cNvPr>
+              <p:cNvSpPr txBox="1"/>
+              <p:nvPr/>
+            </p:nvSpPr>
+            <p:spPr>
+              <a:xfrm>
+                <a:off x="1029225" y="4193356"/>
+                <a:ext cx="2249526" cy="516853"/>
+              </a:xfrm>
+              <a:prstGeom prst="rect">
+                <a:avLst/>
+              </a:prstGeom>
+              <a:noFill/>
+            </p:spPr>
+            <p:txBody>
+              <a:bodyPr wrap="none" rtlCol="0">
+                <a:spAutoFit/>
+              </a:bodyPr>
+              <a:lstStyle/>
+              <a:p>
+                <a:r>
+                  <a:rPr lang="ja-JP" altLang="en-US" sz="2160" dirty="0">
+                    <a:latin typeface="Hiragino Kaku Gothic Pro W3" panose="020B0300000000000000" pitchFamily="34" charset="-128"/>
+                    <a:ea typeface="Hiragino Kaku Gothic Pro W3" panose="020B0300000000000000" pitchFamily="34" charset="-128"/>
+                  </a:rPr>
+                  <a:t>同期信号送信</a:t>
+                </a:r>
+                <a:endParaRPr lang="en-US" altLang="ja-JP" sz="2160" dirty="0">
+                  <a:latin typeface="Hiragino Kaku Gothic Pro W3" panose="020B0300000000000000" pitchFamily="34" charset="-128"/>
+                  <a:ea typeface="Hiragino Kaku Gothic Pro W3" panose="020B0300000000000000" pitchFamily="34" charset="-128"/>
+                </a:endParaRPr>
+              </a:p>
+            </p:txBody>
+          </p:sp>
+        </p:grpSp>
+        <p:grpSp>
+          <p:nvGrpSpPr>
+            <p:cNvPr id="68" name="グループ化 67">
+              <a:extLst>
+                <a:ext uri="{FF2B5EF4-FFF2-40B4-BE49-F238E27FC236}">
+                  <a16:creationId xmlns:a16="http://schemas.microsoft.com/office/drawing/2014/main" id="{B69445AF-C598-44FA-9966-8C95E31C20E2}"/>
+                </a:ext>
+              </a:extLst>
+            </p:cNvPr>
+            <p:cNvGrpSpPr/>
+            <p:nvPr/>
+          </p:nvGrpSpPr>
+          <p:grpSpPr>
+            <a:xfrm>
+              <a:off x="6699771" y="1414994"/>
+              <a:ext cx="1540485" cy="353944"/>
+              <a:chOff x="1861905" y="2115228"/>
+              <a:chExt cx="2249525" cy="516853"/>
+            </a:xfrm>
+          </p:grpSpPr>
+          <p:sp>
+            <p:nvSpPr>
+              <p:cNvPr id="99" name="正方形/長方形 98">
+                <a:extLst>
+                  <a:ext uri="{FF2B5EF4-FFF2-40B4-BE49-F238E27FC236}">
+                    <a16:creationId xmlns:a16="http://schemas.microsoft.com/office/drawing/2014/main" id="{3C862240-80B6-492A-BA62-2EDA9A420C07}"/>
+                  </a:ext>
+                </a:extLst>
+              </p:cNvPr>
+              <p:cNvSpPr/>
+              <p:nvPr/>
+            </p:nvSpPr>
+            <p:spPr>
+              <a:xfrm>
+                <a:off x="1917695" y="2155210"/>
+                <a:ext cx="2180545" cy="459357"/>
+              </a:xfrm>
+              <a:prstGeom prst="rect">
+                <a:avLst/>
+              </a:prstGeom>
+              <a:solidFill>
+                <a:schemeClr val="accent2">
+                  <a:lumMod val="40000"/>
+                  <a:lumOff val="60000"/>
+                </a:schemeClr>
+              </a:solidFill>
+              <a:ln>
+                <a:noFill/>
+              </a:ln>
+            </p:spPr>
+            <p:style>
+              <a:lnRef idx="2">
+                <a:schemeClr val="accent1">
+                  <a:shade val="50000"/>
+                </a:schemeClr>
+              </a:lnRef>
+              <a:fillRef idx="1">
+                <a:schemeClr val="accent1"/>
+              </a:fillRef>
+              <a:effectRef idx="0">
+                <a:schemeClr val="accent1"/>
+              </a:effectRef>
+              <a:fontRef idx="minor">
+                <a:schemeClr val="lt1"/>
+              </a:fontRef>
+            </p:style>
+            <p:txBody>
+              <a:bodyPr rtlCol="0" anchor="ctr"/>
+              <a:lstStyle/>
+              <a:p>
+                <a:pPr algn="ctr"/>
+                <a:endParaRPr lang="ja-JP" altLang="en-US" sz="2160"/>
+              </a:p>
+            </p:txBody>
+          </p:sp>
+          <p:sp>
+            <p:nvSpPr>
+              <p:cNvPr id="100" name="テキスト ボックス 99">
+                <a:extLst>
+                  <a:ext uri="{FF2B5EF4-FFF2-40B4-BE49-F238E27FC236}">
+                    <a16:creationId xmlns:a16="http://schemas.microsoft.com/office/drawing/2014/main" id="{43C25D04-8C48-47F3-98EE-1AFC0831CC3D}"/>
+                  </a:ext>
+                </a:extLst>
+              </p:cNvPr>
+              <p:cNvSpPr txBox="1"/>
+              <p:nvPr/>
+            </p:nvSpPr>
+            <p:spPr>
+              <a:xfrm>
+                <a:off x="1861905" y="2115228"/>
+                <a:ext cx="2249525" cy="516853"/>
+              </a:xfrm>
+              <a:prstGeom prst="rect">
+                <a:avLst/>
+              </a:prstGeom>
+              <a:noFill/>
+            </p:spPr>
+            <p:txBody>
+              <a:bodyPr wrap="none" rtlCol="0">
+                <a:spAutoFit/>
+              </a:bodyPr>
+              <a:lstStyle/>
+              <a:p>
+                <a:r>
+                  <a:rPr lang="ja-JP" altLang="en-US" sz="2160" dirty="0">
+                    <a:latin typeface="Hiragino Kaku Gothic Pro W3" panose="020B0300000000000000" pitchFamily="34" charset="-128"/>
+                    <a:ea typeface="Hiragino Kaku Gothic Pro W3" panose="020B0300000000000000" pitchFamily="34" charset="-128"/>
+                  </a:rPr>
+                  <a:t>同期信号受信</a:t>
+                </a:r>
+                <a:endParaRPr lang="en-US" altLang="ja-JP" sz="2160" dirty="0">
+                  <a:latin typeface="Hiragino Kaku Gothic Pro W3" panose="020B0300000000000000" pitchFamily="34" charset="-128"/>
+                  <a:ea typeface="Hiragino Kaku Gothic Pro W3" panose="020B0300000000000000" pitchFamily="34" charset="-128"/>
+                </a:endParaRPr>
+              </a:p>
+            </p:txBody>
+          </p:sp>
+        </p:grpSp>
+        <p:grpSp>
+          <p:nvGrpSpPr>
+            <p:cNvPr id="69" name="グループ化 68">
+              <a:extLst>
+                <a:ext uri="{FF2B5EF4-FFF2-40B4-BE49-F238E27FC236}">
+                  <a16:creationId xmlns:a16="http://schemas.microsoft.com/office/drawing/2014/main" id="{F044C518-0A90-43C6-BA41-08B4146340ED}"/>
+                </a:ext>
+              </a:extLst>
+            </p:cNvPr>
+            <p:cNvGrpSpPr/>
+            <p:nvPr/>
+          </p:nvGrpSpPr>
+          <p:grpSpPr>
+            <a:xfrm>
+              <a:off x="6737976" y="1945819"/>
+              <a:ext cx="1493247" cy="353944"/>
+              <a:chOff x="1806127" y="3178509"/>
+              <a:chExt cx="2180544" cy="516854"/>
+            </a:xfrm>
+          </p:grpSpPr>
+          <p:sp>
+            <p:nvSpPr>
+              <p:cNvPr id="97" name="正方形/長方形 96">
+                <a:extLst>
+                  <a:ext uri="{FF2B5EF4-FFF2-40B4-BE49-F238E27FC236}">
+                    <a16:creationId xmlns:a16="http://schemas.microsoft.com/office/drawing/2014/main" id="{D2499406-F4D3-4E8A-9D40-98F7D28C3D6C}"/>
+                  </a:ext>
+                </a:extLst>
+              </p:cNvPr>
+              <p:cNvSpPr/>
+              <p:nvPr/>
+            </p:nvSpPr>
+            <p:spPr>
+              <a:xfrm>
+                <a:off x="1806127" y="3240657"/>
+                <a:ext cx="2180544" cy="415031"/>
+              </a:xfrm>
+              <a:prstGeom prst="rect">
+                <a:avLst/>
+              </a:prstGeom>
+              <a:solidFill>
+                <a:schemeClr val="accent6">
+                  <a:lumMod val="40000"/>
+                  <a:lumOff val="60000"/>
+                </a:schemeClr>
+              </a:solidFill>
+              <a:ln>
+                <a:noFill/>
+              </a:ln>
+            </p:spPr>
+            <p:style>
+              <a:lnRef idx="2">
+                <a:schemeClr val="accent1">
+                  <a:shade val="50000"/>
+                </a:schemeClr>
+              </a:lnRef>
+              <a:fillRef idx="1">
+                <a:schemeClr val="accent1"/>
+              </a:fillRef>
+              <a:effectRef idx="0">
+                <a:schemeClr val="accent1"/>
+              </a:effectRef>
+              <a:fontRef idx="minor">
+                <a:schemeClr val="lt1"/>
+              </a:fontRef>
+            </p:style>
+            <p:txBody>
+              <a:bodyPr rtlCol="0" anchor="ctr"/>
+              <a:lstStyle/>
+              <a:p>
+                <a:pPr algn="ctr"/>
+                <a:endParaRPr lang="ja-JP" altLang="en-US" sz="2160"/>
+              </a:p>
+            </p:txBody>
+          </p:sp>
+          <p:sp>
+            <p:nvSpPr>
+              <p:cNvPr id="98" name="テキスト ボックス 97">
+                <a:extLst>
+                  <a:ext uri="{FF2B5EF4-FFF2-40B4-BE49-F238E27FC236}">
+                    <a16:creationId xmlns:a16="http://schemas.microsoft.com/office/drawing/2014/main" id="{0EC989A1-2AEB-434A-BC85-183A1726618E}"/>
+                  </a:ext>
+                </a:extLst>
+              </p:cNvPr>
+              <p:cNvSpPr txBox="1"/>
+              <p:nvPr/>
+            </p:nvSpPr>
+            <p:spPr>
+              <a:xfrm>
+                <a:off x="2424489" y="3178509"/>
+                <a:ext cx="899654" cy="516854"/>
+              </a:xfrm>
+              <a:prstGeom prst="rect">
+                <a:avLst/>
+              </a:prstGeom>
+              <a:noFill/>
+            </p:spPr>
+            <p:txBody>
+              <a:bodyPr wrap="none" rtlCol="0">
+                <a:spAutoFit/>
+              </a:bodyPr>
+              <a:lstStyle/>
+              <a:p>
+                <a:r>
+                  <a:rPr lang="ja-JP" altLang="en-US" sz="2160" dirty="0">
+                    <a:latin typeface="Hiragino Kaku Gothic Pro W3" panose="020B0300000000000000" pitchFamily="34" charset="-128"/>
+                    <a:ea typeface="Hiragino Kaku Gothic Pro W3" panose="020B0300000000000000" pitchFamily="34" charset="-128"/>
+                  </a:rPr>
+                  <a:t>演算</a:t>
+                </a:r>
+              </a:p>
+            </p:txBody>
+          </p:sp>
+        </p:grpSp>
+        <p:grpSp>
+          <p:nvGrpSpPr>
+            <p:cNvPr id="70" name="グループ化 69">
+              <a:extLst>
+                <a:ext uri="{FF2B5EF4-FFF2-40B4-BE49-F238E27FC236}">
+                  <a16:creationId xmlns:a16="http://schemas.microsoft.com/office/drawing/2014/main" id="{47BA6AB2-9C03-462C-B5BF-4DCE4B554326}"/>
+                </a:ext>
+              </a:extLst>
+            </p:cNvPr>
+            <p:cNvGrpSpPr/>
+            <p:nvPr/>
+          </p:nvGrpSpPr>
+          <p:grpSpPr>
+            <a:xfrm>
+              <a:off x="4449515" y="3485264"/>
+              <a:ext cx="1873232" cy="353944"/>
+              <a:chOff x="383141" y="4254155"/>
+              <a:chExt cx="2735425" cy="516854"/>
+            </a:xfrm>
+          </p:grpSpPr>
+          <p:sp>
+            <p:nvSpPr>
+              <p:cNvPr id="95" name="正方形/長方形 94">
+                <a:extLst>
+                  <a:ext uri="{FF2B5EF4-FFF2-40B4-BE49-F238E27FC236}">
+                    <a16:creationId xmlns:a16="http://schemas.microsoft.com/office/drawing/2014/main" id="{7A1803F8-7A9B-4418-AE7A-72DE5DD3B329}"/>
+                  </a:ext>
+                </a:extLst>
+              </p:cNvPr>
+              <p:cNvSpPr/>
+              <p:nvPr/>
+            </p:nvSpPr>
+            <p:spPr>
+              <a:xfrm>
+                <a:off x="383141" y="4323765"/>
+                <a:ext cx="2735425" cy="400111"/>
+              </a:xfrm>
+              <a:prstGeom prst="rect">
+                <a:avLst/>
+              </a:prstGeom>
+              <a:solidFill>
+                <a:schemeClr val="accent6">
+                  <a:lumMod val="40000"/>
+                  <a:lumOff val="60000"/>
+                </a:schemeClr>
+              </a:solidFill>
+              <a:ln>
+                <a:noFill/>
+              </a:ln>
+            </p:spPr>
+            <p:style>
+              <a:lnRef idx="2">
+                <a:schemeClr val="accent1">
+                  <a:shade val="50000"/>
+                </a:schemeClr>
+              </a:lnRef>
+              <a:fillRef idx="1">
+                <a:schemeClr val="accent1"/>
+              </a:fillRef>
+              <a:effectRef idx="0">
+                <a:schemeClr val="accent1"/>
+              </a:effectRef>
+              <a:fontRef idx="minor">
+                <a:schemeClr val="lt1"/>
+              </a:fontRef>
+            </p:style>
+            <p:txBody>
+              <a:bodyPr rtlCol="0" anchor="ctr"/>
+              <a:lstStyle/>
+              <a:p>
+                <a:pPr algn="ctr"/>
+                <a:endParaRPr lang="ja-JP" altLang="en-US" sz="2160"/>
+              </a:p>
+            </p:txBody>
+          </p:sp>
+          <p:sp>
+            <p:nvSpPr>
+              <p:cNvPr id="96" name="テキスト ボックス 95">
+                <a:extLst>
+                  <a:ext uri="{FF2B5EF4-FFF2-40B4-BE49-F238E27FC236}">
+                    <a16:creationId xmlns:a16="http://schemas.microsoft.com/office/drawing/2014/main" id="{3EA8B388-470E-4B39-ABEB-3713FC280A3B}"/>
+                  </a:ext>
+                </a:extLst>
+              </p:cNvPr>
+              <p:cNvSpPr txBox="1"/>
+              <p:nvPr/>
+            </p:nvSpPr>
+            <p:spPr>
+              <a:xfrm>
+                <a:off x="1278945" y="4254155"/>
+                <a:ext cx="899654" cy="516854"/>
+              </a:xfrm>
+              <a:prstGeom prst="rect">
+                <a:avLst/>
+              </a:prstGeom>
+              <a:noFill/>
+            </p:spPr>
+            <p:txBody>
+              <a:bodyPr wrap="none" rtlCol="0">
+                <a:spAutoFit/>
+              </a:bodyPr>
+              <a:lstStyle/>
+              <a:p>
+                <a:r>
+                  <a:rPr lang="ja-JP" altLang="en-US" sz="2160" dirty="0">
+                    <a:latin typeface="Hiragino Kaku Gothic Pro W3" panose="020B0300000000000000" pitchFamily="34" charset="-128"/>
+                    <a:ea typeface="Hiragino Kaku Gothic Pro W3" panose="020B0300000000000000" pitchFamily="34" charset="-128"/>
+                  </a:rPr>
+                  <a:t>描画</a:t>
+                </a:r>
+                <a:endParaRPr lang="en-US" altLang="ja-JP" sz="2160" dirty="0">
+                  <a:latin typeface="Hiragino Kaku Gothic Pro W3" panose="020B0300000000000000" pitchFamily="34" charset="-128"/>
+                  <a:ea typeface="Hiragino Kaku Gothic Pro W3" panose="020B0300000000000000" pitchFamily="34" charset="-128"/>
+                </a:endParaRPr>
+              </a:p>
+            </p:txBody>
+          </p:sp>
+        </p:grpSp>
+        <p:grpSp>
+          <p:nvGrpSpPr>
+            <p:cNvPr id="71" name="グループ化 70">
+              <a:extLst>
+                <a:ext uri="{FF2B5EF4-FFF2-40B4-BE49-F238E27FC236}">
+                  <a16:creationId xmlns:a16="http://schemas.microsoft.com/office/drawing/2014/main" id="{7B6D1E7B-9289-4E38-8E58-5AAFFED4E95F}"/>
+                </a:ext>
+              </a:extLst>
+            </p:cNvPr>
+            <p:cNvGrpSpPr/>
+            <p:nvPr/>
+          </p:nvGrpSpPr>
+          <p:grpSpPr>
+            <a:xfrm>
+              <a:off x="6737976" y="2480399"/>
+              <a:ext cx="1493247" cy="353944"/>
+              <a:chOff x="4583654" y="3931380"/>
+              <a:chExt cx="2180544" cy="516853"/>
+            </a:xfrm>
+          </p:grpSpPr>
+          <p:sp>
+            <p:nvSpPr>
+              <p:cNvPr id="93" name="正方形/長方形 92">
+                <a:extLst>
+                  <a:ext uri="{FF2B5EF4-FFF2-40B4-BE49-F238E27FC236}">
+                    <a16:creationId xmlns:a16="http://schemas.microsoft.com/office/drawing/2014/main" id="{0A8C2AF3-0B90-4DB3-8EF2-55B2A9D90041}"/>
+                  </a:ext>
+                </a:extLst>
+              </p:cNvPr>
+              <p:cNvSpPr/>
+              <p:nvPr/>
+            </p:nvSpPr>
+            <p:spPr>
+              <a:xfrm>
+                <a:off x="4583654" y="3971364"/>
+                <a:ext cx="2180544" cy="459357"/>
+              </a:xfrm>
+              <a:prstGeom prst="rect">
+                <a:avLst/>
+              </a:prstGeom>
+              <a:solidFill>
+                <a:schemeClr val="accent2">
+                  <a:lumMod val="40000"/>
+                  <a:lumOff val="60000"/>
+                </a:schemeClr>
+              </a:solidFill>
+              <a:ln>
+                <a:noFill/>
+              </a:ln>
+            </p:spPr>
+            <p:style>
+              <a:lnRef idx="2">
+                <a:schemeClr val="accent1">
+                  <a:shade val="50000"/>
+                </a:schemeClr>
+              </a:lnRef>
+              <a:fillRef idx="1">
+                <a:schemeClr val="accent1"/>
+              </a:fillRef>
+              <a:effectRef idx="0">
+                <a:schemeClr val="accent1"/>
+              </a:effectRef>
+              <a:fontRef idx="minor">
+                <a:schemeClr val="lt1"/>
+              </a:fontRef>
+            </p:style>
+            <p:txBody>
+              <a:bodyPr rtlCol="0" anchor="ctr"/>
+              <a:lstStyle/>
+              <a:p>
+                <a:pPr algn="ctr"/>
+                <a:endParaRPr lang="ja-JP" altLang="en-US" sz="2160"/>
+              </a:p>
+            </p:txBody>
+          </p:sp>
+          <p:sp>
+            <p:nvSpPr>
+              <p:cNvPr id="94" name="テキスト ボックス 93">
+                <a:extLst>
+                  <a:ext uri="{FF2B5EF4-FFF2-40B4-BE49-F238E27FC236}">
+                    <a16:creationId xmlns:a16="http://schemas.microsoft.com/office/drawing/2014/main" id="{5FC6D395-29DF-4F56-A2F4-2ED43AF1E97B}"/>
+                  </a:ext>
+                </a:extLst>
+              </p:cNvPr>
+              <p:cNvSpPr txBox="1"/>
+              <p:nvPr/>
+            </p:nvSpPr>
+            <p:spPr>
+              <a:xfrm>
+                <a:off x="4864939" y="3931380"/>
+                <a:ext cx="1574590" cy="516853"/>
+              </a:xfrm>
+              <a:prstGeom prst="rect">
+                <a:avLst/>
+              </a:prstGeom>
+              <a:noFill/>
+            </p:spPr>
+            <p:txBody>
+              <a:bodyPr wrap="none" rtlCol="0">
+                <a:spAutoFit/>
+              </a:bodyPr>
+              <a:lstStyle/>
+              <a:p>
+                <a:r>
+                  <a:rPr lang="ja-JP" altLang="en-US" sz="2160" dirty="0">
+                    <a:latin typeface="Hiragino Kaku Gothic Pro W3" panose="020B0300000000000000" pitchFamily="34" charset="-128"/>
+                    <a:ea typeface="Hiragino Kaku Gothic Pro W3" panose="020B0300000000000000" pitchFamily="34" charset="-128"/>
+                  </a:rPr>
+                  <a:t>結果送信</a:t>
+                </a:r>
+                <a:endParaRPr lang="en-US" altLang="ja-JP" sz="2160" dirty="0">
+                  <a:latin typeface="Hiragino Kaku Gothic Pro W3" panose="020B0300000000000000" pitchFamily="34" charset="-128"/>
+                  <a:ea typeface="Hiragino Kaku Gothic Pro W3" panose="020B0300000000000000" pitchFamily="34" charset="-128"/>
+                </a:endParaRPr>
+              </a:p>
+            </p:txBody>
+          </p:sp>
+        </p:grpSp>
+        <p:grpSp>
+          <p:nvGrpSpPr>
+            <p:cNvPr id="72" name="グループ化 71">
+              <a:extLst>
+                <a:ext uri="{FF2B5EF4-FFF2-40B4-BE49-F238E27FC236}">
+                  <a16:creationId xmlns:a16="http://schemas.microsoft.com/office/drawing/2014/main" id="{085056F3-3649-436C-9665-FC73AFE75D43}"/>
+                </a:ext>
+              </a:extLst>
+            </p:cNvPr>
+            <p:cNvGrpSpPr/>
+            <p:nvPr/>
+          </p:nvGrpSpPr>
+          <p:grpSpPr>
+            <a:xfrm>
+              <a:off x="4440506" y="2980238"/>
+              <a:ext cx="1891250" cy="353944"/>
+              <a:chOff x="828737" y="3897912"/>
+              <a:chExt cx="2761737" cy="516853"/>
+            </a:xfrm>
+          </p:grpSpPr>
+          <p:sp>
+            <p:nvSpPr>
+              <p:cNvPr id="91" name="正方形/長方形 90">
+                <a:extLst>
+                  <a:ext uri="{FF2B5EF4-FFF2-40B4-BE49-F238E27FC236}">
+                    <a16:creationId xmlns:a16="http://schemas.microsoft.com/office/drawing/2014/main" id="{0DDEC765-BFC2-4511-8F5D-E4A811940B2E}"/>
+                  </a:ext>
+                </a:extLst>
+              </p:cNvPr>
+              <p:cNvSpPr/>
+              <p:nvPr/>
+            </p:nvSpPr>
+            <p:spPr>
+              <a:xfrm>
+                <a:off x="828737" y="3970825"/>
+                <a:ext cx="2761737" cy="392230"/>
+              </a:xfrm>
+              <a:prstGeom prst="rect">
+                <a:avLst/>
+              </a:prstGeom>
+              <a:solidFill>
+                <a:schemeClr val="accent2">
+                  <a:lumMod val="40000"/>
+                  <a:lumOff val="60000"/>
+                </a:schemeClr>
+              </a:solidFill>
+              <a:ln>
+                <a:noFill/>
+              </a:ln>
+            </p:spPr>
+            <p:style>
+              <a:lnRef idx="2">
+                <a:schemeClr val="accent1">
+                  <a:shade val="50000"/>
+                </a:schemeClr>
+              </a:lnRef>
+              <a:fillRef idx="1">
+                <a:schemeClr val="accent1"/>
+              </a:fillRef>
+              <a:effectRef idx="0">
+                <a:schemeClr val="accent1"/>
+              </a:effectRef>
+              <a:fontRef idx="minor">
+                <a:schemeClr val="lt1"/>
+              </a:fontRef>
+            </p:style>
+            <p:txBody>
+              <a:bodyPr rtlCol="0" anchor="ctr"/>
+              <a:lstStyle/>
+              <a:p>
+                <a:pPr algn="ctr"/>
+                <a:endParaRPr lang="ja-JP" altLang="en-US" sz="2160"/>
+              </a:p>
+            </p:txBody>
+          </p:sp>
+          <p:sp>
+            <p:nvSpPr>
+              <p:cNvPr id="92" name="テキスト ボックス 91">
+                <a:extLst>
+                  <a:ext uri="{FF2B5EF4-FFF2-40B4-BE49-F238E27FC236}">
+                    <a16:creationId xmlns:a16="http://schemas.microsoft.com/office/drawing/2014/main" id="{A934884E-5149-40A6-B192-512AA57B5452}"/>
+                  </a:ext>
+                </a:extLst>
+              </p:cNvPr>
+              <p:cNvSpPr txBox="1"/>
+              <p:nvPr/>
+            </p:nvSpPr>
+            <p:spPr>
+              <a:xfrm>
+                <a:off x="1366302" y="3897912"/>
+                <a:ext cx="1574590" cy="516853"/>
+              </a:xfrm>
+              <a:prstGeom prst="rect">
+                <a:avLst/>
+              </a:prstGeom>
+              <a:noFill/>
+            </p:spPr>
+            <p:txBody>
+              <a:bodyPr wrap="none" rtlCol="0">
+                <a:spAutoFit/>
+              </a:bodyPr>
+              <a:lstStyle/>
+              <a:p>
+                <a:r>
+                  <a:rPr lang="ja-JP" altLang="en-US" sz="2160" dirty="0">
+                    <a:latin typeface="Hiragino Kaku Gothic Pro W3" panose="020B0300000000000000" pitchFamily="34" charset="-128"/>
+                    <a:ea typeface="Hiragino Kaku Gothic Pro W3" panose="020B0300000000000000" pitchFamily="34" charset="-128"/>
+                  </a:rPr>
+                  <a:t>結果受信</a:t>
+                </a:r>
+                <a:endParaRPr lang="en-US" altLang="ja-JP" sz="2160" dirty="0">
+                  <a:latin typeface="Hiragino Kaku Gothic Pro W3" panose="020B0300000000000000" pitchFamily="34" charset="-128"/>
+                  <a:ea typeface="Hiragino Kaku Gothic Pro W3" panose="020B0300000000000000" pitchFamily="34" charset="-128"/>
+                </a:endParaRPr>
+              </a:p>
+            </p:txBody>
+          </p:sp>
+        </p:grpSp>
+        <p:grpSp>
+          <p:nvGrpSpPr>
+            <p:cNvPr id="73" name="グループ化 72">
+              <a:extLst>
+                <a:ext uri="{FF2B5EF4-FFF2-40B4-BE49-F238E27FC236}">
+                  <a16:creationId xmlns:a16="http://schemas.microsoft.com/office/drawing/2014/main" id="{214936BA-D424-4F8C-AE6D-827E85694338}"/>
+                </a:ext>
+              </a:extLst>
+            </p:cNvPr>
+            <p:cNvGrpSpPr/>
+            <p:nvPr/>
+          </p:nvGrpSpPr>
+          <p:grpSpPr>
+            <a:xfrm>
+              <a:off x="4432747" y="1348828"/>
+              <a:ext cx="1906768" cy="353944"/>
+              <a:chOff x="783091" y="1072798"/>
+              <a:chExt cx="2784397" cy="516853"/>
+            </a:xfrm>
+          </p:grpSpPr>
+          <p:sp>
+            <p:nvSpPr>
+              <p:cNvPr id="89" name="角丸四角形 53">
+                <a:extLst>
+                  <a:ext uri="{FF2B5EF4-FFF2-40B4-BE49-F238E27FC236}">
+                    <a16:creationId xmlns:a16="http://schemas.microsoft.com/office/drawing/2014/main" id="{3F0EA286-1C34-411B-94A8-A48902D10F78}"/>
+                  </a:ext>
+                </a:extLst>
+              </p:cNvPr>
+              <p:cNvSpPr/>
+              <p:nvPr/>
+            </p:nvSpPr>
+            <p:spPr>
+              <a:xfrm>
+                <a:off x="783091" y="1118583"/>
+                <a:ext cx="2784397" cy="447754"/>
+              </a:xfrm>
+              <a:prstGeom prst="roundRect">
+                <a:avLst>
+                  <a:gd name="adj" fmla="val 50000"/>
+                </a:avLst>
+              </a:prstGeom>
+              <a:solidFill>
+                <a:schemeClr val="accent3">
+                  <a:lumMod val="40000"/>
+                  <a:lumOff val="60000"/>
+                </a:schemeClr>
+              </a:solidFill>
+              <a:ln>
+                <a:noFill/>
+              </a:ln>
+            </p:spPr>
+            <p:style>
+              <a:lnRef idx="2">
+                <a:schemeClr val="accent1">
+                  <a:shade val="50000"/>
+                </a:schemeClr>
+              </a:lnRef>
+              <a:fillRef idx="1">
+                <a:schemeClr val="accent1"/>
+              </a:fillRef>
+              <a:effectRef idx="0">
+                <a:schemeClr val="accent1"/>
+              </a:effectRef>
+              <a:fontRef idx="minor">
+                <a:schemeClr val="lt1"/>
+              </a:fontRef>
+            </p:style>
+            <p:txBody>
+              <a:bodyPr rtlCol="0" anchor="ctr"/>
+              <a:lstStyle/>
+              <a:p>
+                <a:pPr algn="ctr"/>
+                <a:endParaRPr lang="ja-JP" altLang="en-US" sz="2160" dirty="0">
+                  <a:latin typeface="Hiragino Kaku Gothic Pro W3" panose="020B0300000000000000" pitchFamily="34" charset="-128"/>
+                  <a:ea typeface="Hiragino Kaku Gothic Pro W3" panose="020B0300000000000000" pitchFamily="34" charset="-128"/>
+                </a:endParaRPr>
+              </a:p>
+            </p:txBody>
+          </p:sp>
+          <p:sp>
+            <p:nvSpPr>
+              <p:cNvPr id="90" name="テキスト ボックス 89">
+                <a:extLst>
+                  <a:ext uri="{FF2B5EF4-FFF2-40B4-BE49-F238E27FC236}">
+                    <a16:creationId xmlns:a16="http://schemas.microsoft.com/office/drawing/2014/main" id="{2A06638D-A53A-4BF2-88DE-1BFB242F95A6}"/>
+                  </a:ext>
+                </a:extLst>
+              </p:cNvPr>
+              <p:cNvSpPr txBox="1"/>
+              <p:nvPr/>
+            </p:nvSpPr>
+            <p:spPr>
+              <a:xfrm>
+                <a:off x="1703380" y="1072798"/>
+                <a:ext cx="899655" cy="516853"/>
+              </a:xfrm>
+              <a:prstGeom prst="rect">
+                <a:avLst/>
+              </a:prstGeom>
+              <a:noFill/>
+            </p:spPr>
+            <p:txBody>
+              <a:bodyPr wrap="none" rtlCol="0">
+                <a:spAutoFit/>
+              </a:bodyPr>
+              <a:lstStyle/>
+              <a:p>
+                <a:r>
+                  <a:rPr lang="ja-JP" altLang="en-US" sz="2160" dirty="0">
+                    <a:latin typeface="Hiragino Kaku Gothic Pro W3" panose="020B0300000000000000" pitchFamily="34" charset="-128"/>
+                    <a:ea typeface="Hiragino Kaku Gothic Pro W3" panose="020B0300000000000000" pitchFamily="34" charset="-128"/>
+                  </a:rPr>
+                  <a:t>開始</a:t>
+                </a:r>
+              </a:p>
+            </p:txBody>
+          </p:sp>
+        </p:grpSp>
+        <p:sp>
+          <p:nvSpPr>
+            <p:cNvPr id="74" name="下矢印 55">
+              <a:extLst>
+                <a:ext uri="{FF2B5EF4-FFF2-40B4-BE49-F238E27FC236}">
+                  <a16:creationId xmlns:a16="http://schemas.microsoft.com/office/drawing/2014/main" id="{E64E9241-9B69-4844-9246-63D7F1BBB03D}"/>
+                </a:ext>
+              </a:extLst>
+            </p:cNvPr>
+            <p:cNvSpPr/>
+            <p:nvPr/>
+          </p:nvSpPr>
+          <p:spPr>
+            <a:xfrm>
+              <a:off x="5324499" y="1693183"/>
+              <a:ext cx="123265" cy="185647"/>
+            </a:xfrm>
+            <a:prstGeom prst="downArrow">
+              <a:avLst/>
+            </a:prstGeom>
+            <a:solidFill>
+              <a:schemeClr val="tx1">
+                <a:lumMod val="85000"/>
+                <a:lumOff val="15000"/>
+              </a:schemeClr>
+            </a:solidFill>
+            <a:ln>
+              <a:noFill/>
+            </a:ln>
+          </p:spPr>
+          <p:style>
+            <a:lnRef idx="2">
+              <a:schemeClr val="accent1">
+                <a:shade val="50000"/>
+              </a:schemeClr>
+            </a:lnRef>
+            <a:fillRef idx="1">
+              <a:schemeClr val="accent1"/>
+            </a:fillRef>
+            <a:effectRef idx="0">
+              <a:schemeClr val="accent1"/>
+            </a:effectRef>
+            <a:fontRef idx="minor">
+              <a:schemeClr val="lt1"/>
+            </a:fontRef>
+          </p:style>
+          <p:txBody>
+            <a:bodyPr rtlCol="0" anchor="ctr"/>
+            <a:lstStyle/>
+            <a:p>
+              <a:pPr algn="ctr"/>
+              <a:endParaRPr lang="ja-JP" altLang="en-US" sz="2160" dirty="0"/>
+            </a:p>
+          </p:txBody>
+        </p:sp>
+        <p:sp>
+          <p:nvSpPr>
+            <p:cNvPr id="75" name="下矢印 56">
+              <a:extLst>
+                <a:ext uri="{FF2B5EF4-FFF2-40B4-BE49-F238E27FC236}">
+                  <a16:creationId xmlns:a16="http://schemas.microsoft.com/office/drawing/2014/main" id="{35971613-86E0-4130-A888-385652373FA1}"/>
+                </a:ext>
+              </a:extLst>
+            </p:cNvPr>
+            <p:cNvSpPr/>
+            <p:nvPr/>
+          </p:nvSpPr>
+          <p:spPr>
+            <a:xfrm>
+              <a:off x="5324499" y="2475209"/>
+              <a:ext cx="123265" cy="185647"/>
+            </a:xfrm>
+            <a:prstGeom prst="downArrow">
+              <a:avLst/>
+            </a:prstGeom>
+            <a:solidFill>
+              <a:schemeClr val="tx1">
+                <a:lumMod val="85000"/>
+                <a:lumOff val="15000"/>
+              </a:schemeClr>
+            </a:solidFill>
+            <a:ln>
+              <a:noFill/>
+            </a:ln>
+          </p:spPr>
+          <p:style>
+            <a:lnRef idx="2">
+              <a:schemeClr val="accent1">
+                <a:shade val="50000"/>
+              </a:schemeClr>
+            </a:lnRef>
+            <a:fillRef idx="1">
+              <a:schemeClr val="accent1"/>
+            </a:fillRef>
+            <a:effectRef idx="0">
+              <a:schemeClr val="accent1"/>
+            </a:effectRef>
+            <a:fontRef idx="minor">
+              <a:schemeClr val="lt1"/>
+            </a:fontRef>
+          </p:style>
+          <p:txBody>
+            <a:bodyPr rtlCol="0" anchor="ctr"/>
+            <a:lstStyle/>
+            <a:p>
+              <a:pPr algn="ctr"/>
+              <a:endParaRPr lang="ja-JP" altLang="en-US" sz="2160"/>
+            </a:p>
+          </p:txBody>
+        </p:sp>
+        <p:sp>
+          <p:nvSpPr>
+            <p:cNvPr id="77" name="下矢印 58">
+              <a:extLst>
+                <a:ext uri="{FF2B5EF4-FFF2-40B4-BE49-F238E27FC236}">
+                  <a16:creationId xmlns:a16="http://schemas.microsoft.com/office/drawing/2014/main" id="{D8705855-ED2F-4FED-B6EB-45375B384137}"/>
+                </a:ext>
+              </a:extLst>
+            </p:cNvPr>
+            <p:cNvSpPr/>
+            <p:nvPr/>
+          </p:nvSpPr>
+          <p:spPr>
+            <a:xfrm>
+              <a:off x="5324499" y="3324592"/>
+              <a:ext cx="123265" cy="185647"/>
+            </a:xfrm>
+            <a:prstGeom prst="downArrow">
+              <a:avLst/>
+            </a:prstGeom>
+            <a:solidFill>
+              <a:schemeClr val="tx1">
+                <a:lumMod val="85000"/>
+                <a:lumOff val="15000"/>
+              </a:schemeClr>
+            </a:solidFill>
+            <a:ln>
+              <a:noFill/>
+            </a:ln>
+          </p:spPr>
+          <p:style>
+            <a:lnRef idx="2">
+              <a:schemeClr val="accent1">
+                <a:shade val="50000"/>
+              </a:schemeClr>
+            </a:lnRef>
+            <a:fillRef idx="1">
+              <a:schemeClr val="accent1"/>
+            </a:fillRef>
+            <a:effectRef idx="0">
+              <a:schemeClr val="accent1"/>
+            </a:effectRef>
+            <a:fontRef idx="minor">
+              <a:schemeClr val="lt1"/>
+            </a:fontRef>
+          </p:style>
+          <p:txBody>
+            <a:bodyPr rtlCol="0" anchor="ctr"/>
+            <a:lstStyle/>
+            <a:p>
+              <a:pPr algn="ctr"/>
+              <a:endParaRPr lang="ja-JP" altLang="en-US" sz="2160"/>
+            </a:p>
+          </p:txBody>
+        </p:sp>
+        <p:sp>
+          <p:nvSpPr>
+            <p:cNvPr id="78" name="下矢印 59">
+              <a:extLst>
+                <a:ext uri="{FF2B5EF4-FFF2-40B4-BE49-F238E27FC236}">
+                  <a16:creationId xmlns:a16="http://schemas.microsoft.com/office/drawing/2014/main" id="{4686AF0C-FB39-436E-B3F0-57B5D3D1DC86}"/>
+                </a:ext>
+              </a:extLst>
+            </p:cNvPr>
+            <p:cNvSpPr/>
+            <p:nvPr/>
+          </p:nvSpPr>
+          <p:spPr>
+            <a:xfrm>
+              <a:off x="7422967" y="1742433"/>
+              <a:ext cx="123265" cy="185647"/>
+            </a:xfrm>
+            <a:prstGeom prst="downArrow">
+              <a:avLst/>
+            </a:prstGeom>
+            <a:solidFill>
+              <a:schemeClr val="tx1">
+                <a:lumMod val="85000"/>
+                <a:lumOff val="15000"/>
+              </a:schemeClr>
+            </a:solidFill>
+            <a:ln>
+              <a:noFill/>
+            </a:ln>
+          </p:spPr>
+          <p:style>
+            <a:lnRef idx="2">
+              <a:schemeClr val="accent1">
+                <a:shade val="50000"/>
+              </a:schemeClr>
+            </a:lnRef>
+            <a:fillRef idx="1">
+              <a:schemeClr val="accent1"/>
+            </a:fillRef>
+            <a:effectRef idx="0">
+              <a:schemeClr val="accent1"/>
+            </a:effectRef>
+            <a:fontRef idx="minor">
+              <a:schemeClr val="lt1"/>
+            </a:fontRef>
+          </p:style>
+          <p:txBody>
+            <a:bodyPr rtlCol="0" anchor="ctr"/>
+            <a:lstStyle/>
+            <a:p>
+              <a:pPr algn="ctr"/>
+              <a:endParaRPr lang="ja-JP" altLang="en-US" sz="2160"/>
+            </a:p>
+          </p:txBody>
+        </p:sp>
+        <p:sp>
+          <p:nvSpPr>
+            <p:cNvPr id="79" name="下矢印 61">
+              <a:extLst>
+                <a:ext uri="{FF2B5EF4-FFF2-40B4-BE49-F238E27FC236}">
+                  <a16:creationId xmlns:a16="http://schemas.microsoft.com/office/drawing/2014/main" id="{DE29BBF3-6614-46E6-9E97-CC05CAEAF574}"/>
+                </a:ext>
+              </a:extLst>
+            </p:cNvPr>
+            <p:cNvSpPr/>
+            <p:nvPr/>
+          </p:nvSpPr>
+          <p:spPr>
+            <a:xfrm>
+              <a:off x="7422967" y="2278611"/>
+              <a:ext cx="123265" cy="185647"/>
+            </a:xfrm>
+            <a:prstGeom prst="downArrow">
+              <a:avLst/>
+            </a:prstGeom>
+            <a:solidFill>
+              <a:schemeClr val="tx1">
+                <a:lumMod val="85000"/>
+                <a:lumOff val="15000"/>
+              </a:schemeClr>
+            </a:solidFill>
+            <a:ln>
+              <a:noFill/>
+            </a:ln>
+          </p:spPr>
+          <p:style>
+            <a:lnRef idx="2">
+              <a:schemeClr val="accent1">
+                <a:shade val="50000"/>
+              </a:schemeClr>
+            </a:lnRef>
+            <a:fillRef idx="1">
+              <a:schemeClr val="accent1"/>
+            </a:fillRef>
+            <a:effectRef idx="0">
+              <a:schemeClr val="accent1"/>
+            </a:effectRef>
+            <a:fontRef idx="minor">
+              <a:schemeClr val="lt1"/>
+            </a:fontRef>
+          </p:style>
+          <p:txBody>
+            <a:bodyPr rtlCol="0" anchor="ctr"/>
+            <a:lstStyle/>
+            <a:p>
+              <a:pPr algn="ctr"/>
+              <a:endParaRPr lang="ja-JP" altLang="en-US" sz="2160"/>
+            </a:p>
+          </p:txBody>
+        </p:sp>
+        <p:sp>
+          <p:nvSpPr>
+            <p:cNvPr id="80" name="正方形/長方形 79">
+              <a:extLst>
+                <a:ext uri="{FF2B5EF4-FFF2-40B4-BE49-F238E27FC236}">
+                  <a16:creationId xmlns:a16="http://schemas.microsoft.com/office/drawing/2014/main" id="{37B2EAEC-32C3-4B1C-88BD-96B6BA0F2E5C}"/>
+                </a:ext>
+              </a:extLst>
+            </p:cNvPr>
+            <p:cNvSpPr/>
+            <p:nvPr/>
+          </p:nvSpPr>
+          <p:spPr>
+            <a:xfrm>
+              <a:off x="5361478" y="3810976"/>
+              <a:ext cx="49306" cy="197224"/>
+            </a:xfrm>
+            <a:prstGeom prst="rect">
+              <a:avLst/>
+            </a:prstGeom>
+            <a:solidFill>
+              <a:schemeClr val="tx1">
+                <a:lumMod val="85000"/>
+                <a:lumOff val="15000"/>
+              </a:schemeClr>
+            </a:solidFill>
+            <a:ln>
+              <a:noFill/>
+            </a:ln>
+          </p:spPr>
+          <p:style>
+            <a:lnRef idx="2">
+              <a:schemeClr val="accent1">
+                <a:shade val="50000"/>
+              </a:schemeClr>
+            </a:lnRef>
+            <a:fillRef idx="1">
+              <a:schemeClr val="accent1"/>
+            </a:fillRef>
+            <a:effectRef idx="0">
+              <a:schemeClr val="accent1"/>
+            </a:effectRef>
+            <a:fontRef idx="minor">
+              <a:schemeClr val="lt1"/>
+            </a:fontRef>
+          </p:style>
+          <p:txBody>
+            <a:bodyPr rtlCol="0" anchor="ctr"/>
+            <a:lstStyle/>
+            <a:p>
+              <a:pPr algn="ctr"/>
+              <a:endParaRPr lang="ja-JP" altLang="en-US" sz="2160"/>
+            </a:p>
+          </p:txBody>
+        </p:sp>
+        <p:sp>
+          <p:nvSpPr>
+            <p:cNvPr id="81" name="正方形/長方形 80">
+              <a:extLst>
+                <a:ext uri="{FF2B5EF4-FFF2-40B4-BE49-F238E27FC236}">
+                  <a16:creationId xmlns:a16="http://schemas.microsoft.com/office/drawing/2014/main" id="{1107D7A6-8DDA-488B-AC4C-52585D70AAC0}"/>
+                </a:ext>
+              </a:extLst>
+            </p:cNvPr>
+            <p:cNvSpPr/>
+            <p:nvPr/>
+          </p:nvSpPr>
+          <p:spPr>
+            <a:xfrm rot="16200000">
+              <a:off x="4865856" y="3469705"/>
+              <a:ext cx="49306" cy="1044000"/>
+            </a:xfrm>
+            <a:prstGeom prst="rect">
+              <a:avLst/>
+            </a:prstGeom>
+            <a:solidFill>
+              <a:schemeClr val="tx1">
+                <a:lumMod val="85000"/>
+                <a:lumOff val="15000"/>
+              </a:schemeClr>
+            </a:solidFill>
+            <a:ln>
+              <a:noFill/>
+            </a:ln>
+          </p:spPr>
+          <p:style>
+            <a:lnRef idx="2">
+              <a:schemeClr val="accent1">
+                <a:shade val="50000"/>
+              </a:schemeClr>
+            </a:lnRef>
+            <a:fillRef idx="1">
+              <a:schemeClr val="accent1"/>
+            </a:fillRef>
+            <a:effectRef idx="0">
+              <a:schemeClr val="accent1"/>
+            </a:effectRef>
+            <a:fontRef idx="minor">
+              <a:schemeClr val="lt1"/>
+            </a:fontRef>
+          </p:style>
+          <p:txBody>
+            <a:bodyPr rtlCol="0" anchor="ctr"/>
+            <a:lstStyle/>
+            <a:p>
+              <a:pPr algn="ctr"/>
+              <a:endParaRPr lang="ja-JP" altLang="en-US" sz="2160"/>
+            </a:p>
+          </p:txBody>
+        </p:sp>
+        <p:sp>
+          <p:nvSpPr>
+            <p:cNvPr id="82" name="正方形/長方形 81">
+              <a:extLst>
+                <a:ext uri="{FF2B5EF4-FFF2-40B4-BE49-F238E27FC236}">
+                  <a16:creationId xmlns:a16="http://schemas.microsoft.com/office/drawing/2014/main" id="{4AF68785-9454-40FF-BA50-5E3D451DC2D9}"/>
+                </a:ext>
+              </a:extLst>
+            </p:cNvPr>
+            <p:cNvSpPr/>
+            <p:nvPr/>
+          </p:nvSpPr>
+          <p:spPr>
+            <a:xfrm rot="10800000">
+              <a:off x="4363304" y="2539127"/>
+              <a:ext cx="49306" cy="1440000"/>
+            </a:xfrm>
+            <a:prstGeom prst="rect">
+              <a:avLst/>
+            </a:prstGeom>
+            <a:solidFill>
+              <a:schemeClr val="tx1">
+                <a:lumMod val="85000"/>
+                <a:lumOff val="15000"/>
+              </a:schemeClr>
+            </a:solidFill>
+            <a:ln>
+              <a:noFill/>
+            </a:ln>
+          </p:spPr>
+          <p:style>
+            <a:lnRef idx="2">
+              <a:schemeClr val="accent1">
+                <a:shade val="50000"/>
+              </a:schemeClr>
+            </a:lnRef>
+            <a:fillRef idx="1">
+              <a:schemeClr val="accent1"/>
+            </a:fillRef>
+            <a:effectRef idx="0">
+              <a:schemeClr val="accent1"/>
+            </a:effectRef>
+            <a:fontRef idx="minor">
+              <a:schemeClr val="lt1"/>
+            </a:fontRef>
+          </p:style>
+          <p:txBody>
+            <a:bodyPr rtlCol="0" anchor="ctr"/>
+            <a:lstStyle/>
+            <a:p>
+              <a:pPr algn="ctr"/>
+              <a:endParaRPr lang="ja-JP" altLang="en-US" sz="2160"/>
+            </a:p>
+          </p:txBody>
+        </p:sp>
+        <p:sp>
+          <p:nvSpPr>
+            <p:cNvPr id="83" name="下矢印 65">
+              <a:extLst>
+                <a:ext uri="{FF2B5EF4-FFF2-40B4-BE49-F238E27FC236}">
+                  <a16:creationId xmlns:a16="http://schemas.microsoft.com/office/drawing/2014/main" id="{5E3584EF-AFC8-4644-A802-9076E6A75191}"/>
+                </a:ext>
+              </a:extLst>
+            </p:cNvPr>
+            <p:cNvSpPr/>
+            <p:nvPr/>
+          </p:nvSpPr>
+          <p:spPr>
+            <a:xfrm rot="16200000">
+              <a:off x="4464875" y="2407702"/>
+              <a:ext cx="123265" cy="295836"/>
+            </a:xfrm>
+            <a:prstGeom prst="downArrow">
+              <a:avLst/>
+            </a:prstGeom>
+            <a:solidFill>
+              <a:schemeClr val="tx1">
+                <a:lumMod val="85000"/>
+                <a:lumOff val="15000"/>
+              </a:schemeClr>
+            </a:solidFill>
+            <a:ln>
+              <a:noFill/>
+            </a:ln>
+          </p:spPr>
+          <p:style>
+            <a:lnRef idx="2">
+              <a:schemeClr val="accent1">
+                <a:shade val="50000"/>
+              </a:schemeClr>
+            </a:lnRef>
+            <a:fillRef idx="1">
+              <a:schemeClr val="accent1"/>
+            </a:fillRef>
+            <a:effectRef idx="0">
+              <a:schemeClr val="accent1"/>
+            </a:effectRef>
+            <a:fontRef idx="minor">
+              <a:schemeClr val="lt1"/>
+            </a:fontRef>
+          </p:style>
+          <p:txBody>
+            <a:bodyPr rtlCol="0" anchor="ctr"/>
+            <a:lstStyle/>
+            <a:p>
+              <a:pPr algn="ctr"/>
+              <a:endParaRPr lang="ja-JP" altLang="en-US" sz="2160"/>
+            </a:p>
+          </p:txBody>
+        </p:sp>
+        <p:sp>
+          <p:nvSpPr>
+            <p:cNvPr id="84" name="正方形/長方形 83">
+              <a:extLst>
+                <a:ext uri="{FF2B5EF4-FFF2-40B4-BE49-F238E27FC236}">
+                  <a16:creationId xmlns:a16="http://schemas.microsoft.com/office/drawing/2014/main" id="{93898C55-5F24-4551-8D99-F5B84554B256}"/>
+                </a:ext>
+              </a:extLst>
+            </p:cNvPr>
+            <p:cNvSpPr/>
+            <p:nvPr/>
+          </p:nvSpPr>
+          <p:spPr>
+            <a:xfrm rot="16200000">
+              <a:off x="6435021" y="2776677"/>
+              <a:ext cx="49306" cy="180000"/>
+            </a:xfrm>
+            <a:prstGeom prst="rect">
+              <a:avLst/>
+            </a:prstGeom>
+            <a:solidFill>
+              <a:schemeClr val="tx1">
+                <a:lumMod val="85000"/>
+                <a:lumOff val="15000"/>
+              </a:schemeClr>
+            </a:solidFill>
+            <a:ln>
+              <a:noFill/>
+            </a:ln>
+          </p:spPr>
+          <p:style>
+            <a:lnRef idx="2">
+              <a:schemeClr val="accent1">
+                <a:shade val="50000"/>
+              </a:schemeClr>
+            </a:lnRef>
+            <a:fillRef idx="1">
+              <a:schemeClr val="accent1"/>
+            </a:fillRef>
+            <a:effectRef idx="0">
+              <a:schemeClr val="accent1"/>
+            </a:effectRef>
+            <a:fontRef idx="minor">
+              <a:schemeClr val="lt1"/>
+            </a:fontRef>
+          </p:style>
+          <p:txBody>
+            <a:bodyPr rtlCol="0" anchor="ctr"/>
+            <a:lstStyle/>
+            <a:p>
+              <a:pPr algn="ctr"/>
+              <a:endParaRPr lang="ja-JP" altLang="en-US" sz="2160" dirty="0"/>
+            </a:p>
+          </p:txBody>
+        </p:sp>
+        <p:sp>
+          <p:nvSpPr>
+            <p:cNvPr id="85" name="下矢印 68">
+              <a:extLst>
+                <a:ext uri="{FF2B5EF4-FFF2-40B4-BE49-F238E27FC236}">
+                  <a16:creationId xmlns:a16="http://schemas.microsoft.com/office/drawing/2014/main" id="{1C2705F2-AC8F-4B14-9BFD-45A92E89525F}"/>
+                </a:ext>
+              </a:extLst>
+            </p:cNvPr>
+            <p:cNvSpPr/>
+            <p:nvPr/>
+          </p:nvSpPr>
+          <p:spPr>
+            <a:xfrm rot="5400000">
+              <a:off x="6891965" y="2618285"/>
+              <a:ext cx="123265" cy="1116000"/>
+            </a:xfrm>
+            <a:prstGeom prst="downArrow">
+              <a:avLst/>
+            </a:prstGeom>
+            <a:solidFill>
+              <a:schemeClr val="tx1">
+                <a:lumMod val="85000"/>
+                <a:lumOff val="15000"/>
+              </a:schemeClr>
+            </a:solidFill>
+            <a:ln>
+              <a:noFill/>
+            </a:ln>
+          </p:spPr>
+          <p:style>
+            <a:lnRef idx="2">
+              <a:schemeClr val="accent1">
+                <a:shade val="50000"/>
+              </a:schemeClr>
+            </a:lnRef>
+            <a:fillRef idx="1">
+              <a:schemeClr val="accent1"/>
+            </a:fillRef>
+            <a:effectRef idx="0">
+              <a:schemeClr val="accent1"/>
+            </a:effectRef>
+            <a:fontRef idx="minor">
+              <a:schemeClr val="lt1"/>
+            </a:fontRef>
+          </p:style>
+          <p:txBody>
+            <a:bodyPr rtlCol="0" anchor="ctr"/>
+            <a:lstStyle/>
+            <a:p>
+              <a:pPr algn="ctr"/>
+              <a:endParaRPr lang="ja-JP" altLang="en-US" sz="2160"/>
+            </a:p>
+          </p:txBody>
+        </p:sp>
+        <p:sp>
+          <p:nvSpPr>
+            <p:cNvPr id="86" name="正方形/長方形 85">
+              <a:extLst>
+                <a:ext uri="{FF2B5EF4-FFF2-40B4-BE49-F238E27FC236}">
+                  <a16:creationId xmlns:a16="http://schemas.microsoft.com/office/drawing/2014/main" id="{96A02D97-8D33-4C00-A53A-F05D4A93EDFF}"/>
+                </a:ext>
+              </a:extLst>
+            </p:cNvPr>
+            <p:cNvSpPr/>
+            <p:nvPr/>
+          </p:nvSpPr>
+          <p:spPr>
+            <a:xfrm>
+              <a:off x="6492680" y="1533833"/>
+              <a:ext cx="49306" cy="1331261"/>
+            </a:xfrm>
+            <a:prstGeom prst="rect">
+              <a:avLst/>
+            </a:prstGeom>
+            <a:solidFill>
+              <a:schemeClr val="tx1">
+                <a:lumMod val="85000"/>
+                <a:lumOff val="15000"/>
+              </a:schemeClr>
+            </a:solidFill>
+            <a:ln>
+              <a:noFill/>
+            </a:ln>
+          </p:spPr>
+          <p:style>
+            <a:lnRef idx="2">
+              <a:schemeClr val="accent1">
+                <a:shade val="50000"/>
+              </a:schemeClr>
+            </a:lnRef>
+            <a:fillRef idx="1">
+              <a:schemeClr val="accent1"/>
+            </a:fillRef>
+            <a:effectRef idx="0">
+              <a:schemeClr val="accent1"/>
+            </a:effectRef>
+            <a:fontRef idx="minor">
+              <a:schemeClr val="lt1"/>
+            </a:fontRef>
+          </p:style>
+          <p:txBody>
+            <a:bodyPr rtlCol="0" anchor="ctr"/>
+            <a:lstStyle/>
+            <a:p>
+              <a:pPr algn="ctr"/>
+              <a:endParaRPr lang="ja-JP" altLang="en-US" sz="2160"/>
+            </a:p>
+          </p:txBody>
+        </p:sp>
+        <p:sp>
+          <p:nvSpPr>
+            <p:cNvPr id="87" name="下矢印 70">
+              <a:extLst>
+                <a:ext uri="{FF2B5EF4-FFF2-40B4-BE49-F238E27FC236}">
+                  <a16:creationId xmlns:a16="http://schemas.microsoft.com/office/drawing/2014/main" id="{9B9438D8-AABF-4D26-B069-0BEE10F760AC}"/>
+                </a:ext>
+              </a:extLst>
+            </p:cNvPr>
+            <p:cNvSpPr/>
+            <p:nvPr/>
+          </p:nvSpPr>
+          <p:spPr>
+            <a:xfrm rot="16200000">
+              <a:off x="6545747" y="1457943"/>
+              <a:ext cx="123265" cy="221877"/>
+            </a:xfrm>
+            <a:prstGeom prst="downArrow">
+              <a:avLst/>
+            </a:prstGeom>
+            <a:solidFill>
+              <a:schemeClr val="tx1">
+                <a:lumMod val="85000"/>
+                <a:lumOff val="15000"/>
+              </a:schemeClr>
+            </a:solidFill>
+            <a:ln>
+              <a:noFill/>
+            </a:ln>
+          </p:spPr>
+          <p:style>
+            <a:lnRef idx="2">
+              <a:schemeClr val="accent1">
+                <a:shade val="50000"/>
+              </a:schemeClr>
+            </a:lnRef>
+            <a:fillRef idx="1">
+              <a:schemeClr val="accent1"/>
+            </a:fillRef>
+            <a:effectRef idx="0">
+              <a:schemeClr val="accent1"/>
+            </a:effectRef>
+            <a:fontRef idx="minor">
+              <a:schemeClr val="lt1"/>
+            </a:fontRef>
+          </p:style>
+          <p:txBody>
+            <a:bodyPr rtlCol="0" anchor="ctr"/>
+            <a:lstStyle/>
+            <a:p>
+              <a:pPr algn="ctr"/>
+              <a:endParaRPr lang="ja-JP" altLang="en-US" sz="2160"/>
+            </a:p>
+          </p:txBody>
+        </p:sp>
+        <p:sp>
+          <p:nvSpPr>
+            <p:cNvPr id="88" name="正方形/長方形 87">
+              <a:extLst>
+                <a:ext uri="{FF2B5EF4-FFF2-40B4-BE49-F238E27FC236}">
+                  <a16:creationId xmlns:a16="http://schemas.microsoft.com/office/drawing/2014/main" id="{67814F2B-8EDC-4F6F-B1D7-260468F641D5}"/>
+                </a:ext>
+              </a:extLst>
+            </p:cNvPr>
+            <p:cNvSpPr/>
+            <p:nvPr/>
+          </p:nvSpPr>
+          <p:spPr>
+            <a:xfrm>
+              <a:off x="7459946" y="2810786"/>
+              <a:ext cx="49306" cy="394448"/>
+            </a:xfrm>
+            <a:prstGeom prst="rect">
+              <a:avLst/>
+            </a:prstGeom>
+            <a:solidFill>
+              <a:schemeClr val="tx1">
+                <a:lumMod val="85000"/>
+                <a:lumOff val="15000"/>
+              </a:schemeClr>
+            </a:solidFill>
+            <a:ln>
+              <a:noFill/>
+            </a:ln>
+          </p:spPr>
+          <p:style>
+            <a:lnRef idx="2">
+              <a:schemeClr val="accent1">
+                <a:shade val="50000"/>
+              </a:schemeClr>
+            </a:lnRef>
+            <a:fillRef idx="1">
+              <a:schemeClr val="accent1"/>
+            </a:fillRef>
+            <a:effectRef idx="0">
+              <a:schemeClr val="accent1"/>
+            </a:effectRef>
+            <a:fontRef idx="minor">
+              <a:schemeClr val="lt1"/>
+            </a:fontRef>
+          </p:style>
+          <p:txBody>
+            <a:bodyPr rtlCol="0" anchor="ctr"/>
+            <a:lstStyle/>
+            <a:p>
+              <a:pPr algn="ctr"/>
+              <a:endParaRPr lang="ja-JP" altLang="en-US" sz="2160"/>
+            </a:p>
+          </p:txBody>
+        </p:sp>
+      </p:grpSp>
+      <p:sp>
+        <p:nvSpPr>
+          <p:cNvPr id="105" name="テキスト ボックス 104">
+            <a:extLst>
+              <a:ext uri="{FF2B5EF4-FFF2-40B4-BE49-F238E27FC236}">
+                <a16:creationId xmlns:a16="http://schemas.microsoft.com/office/drawing/2014/main" id="{7F00CFBD-AFCD-42FE-B271-40D90BD021EA}"/>
+              </a:ext>
+            </a:extLst>
+          </p:cNvPr>
+          <p:cNvSpPr txBox="1"/>
+          <p:nvPr/>
+        </p:nvSpPr>
+        <p:spPr>
+          <a:xfrm>
+            <a:off x="2339020" y="916877"/>
+            <a:ext cx="1324402" cy="424732"/>
+          </a:xfrm>
+          <a:prstGeom prst="rect">
+            <a:avLst/>
+          </a:prstGeom>
+          <a:noFill/>
+        </p:spPr>
+        <p:txBody>
+          <a:bodyPr wrap="none" rtlCol="0">
+            <a:spAutoFit/>
+          </a:bodyPr>
+          <a:lstStyle/>
+          <a:p>
+            <a:r>
+              <a:rPr lang="ja-JP" altLang="en-US" sz="2160" dirty="0">
+                <a:latin typeface="Hiragino Kaku Gothic Pro W3" panose="020B0300000000000000" pitchFamily="34" charset="-128"/>
+                <a:ea typeface="Hiragino Kaku Gothic Pro W3" panose="020B0300000000000000" pitchFamily="34" charset="-128"/>
+              </a:rPr>
+              <a:t>手法</a:t>
+            </a:r>
+            <a:r>
+              <a:rPr lang="en-US" altLang="ja-JP" sz="2160" dirty="0">
+                <a:latin typeface="Hiragino Kaku Gothic Pro W3" panose="020B0300000000000000" pitchFamily="34" charset="-128"/>
+                <a:ea typeface="Hiragino Kaku Gothic Pro W3" panose="020B0300000000000000" pitchFamily="34" charset="-128"/>
+              </a:rPr>
+              <a:t>1</a:t>
+            </a:r>
+            <a:r>
+              <a:rPr lang="ja-JP" altLang="en-US" sz="2160" dirty="0">
+                <a:latin typeface="Hiragino Kaku Gothic Pro W3" panose="020B0300000000000000" pitchFamily="34" charset="-128"/>
+                <a:ea typeface="Hiragino Kaku Gothic Pro W3" panose="020B0300000000000000" pitchFamily="34" charset="-128"/>
+              </a:rPr>
+              <a:t>・</a:t>
+            </a:r>
+            <a:r>
+              <a:rPr lang="en-US" altLang="ja-JP" sz="2160" dirty="0">
+                <a:latin typeface="Hiragino Kaku Gothic Pro W3" panose="020B0300000000000000" pitchFamily="34" charset="-128"/>
+                <a:ea typeface="Hiragino Kaku Gothic Pro W3" panose="020B0300000000000000" pitchFamily="34" charset="-128"/>
+              </a:rPr>
+              <a:t>2</a:t>
+            </a:r>
+            <a:endParaRPr lang="ja-JP" altLang="en-US" sz="2160" dirty="0">
+              <a:latin typeface="Hiragino Kaku Gothic Pro W3" panose="020B0300000000000000" pitchFamily="34" charset="-128"/>
+              <a:ea typeface="Hiragino Kaku Gothic Pro W3" panose="020B0300000000000000" pitchFamily="34" charset="-128"/>
+            </a:endParaRPr>
+          </a:p>
+        </p:txBody>
+      </p:sp>
+      <p:sp>
+        <p:nvSpPr>
+          <p:cNvPr id="106" name="テキスト ボックス 105">
+            <a:extLst>
+              <a:ext uri="{FF2B5EF4-FFF2-40B4-BE49-F238E27FC236}">
+                <a16:creationId xmlns:a16="http://schemas.microsoft.com/office/drawing/2014/main" id="{A7C7367E-DF7E-4BED-8A5C-E656AE850369}"/>
+              </a:ext>
+            </a:extLst>
+          </p:cNvPr>
+          <p:cNvSpPr txBox="1"/>
+          <p:nvPr/>
+        </p:nvSpPr>
+        <p:spPr>
+          <a:xfrm>
+            <a:off x="8206166" y="911014"/>
+            <a:ext cx="893193" cy="424732"/>
+          </a:xfrm>
+          <a:prstGeom prst="rect">
+            <a:avLst/>
+          </a:prstGeom>
+          <a:noFill/>
+        </p:spPr>
+        <p:txBody>
+          <a:bodyPr wrap="none" rtlCol="0">
+            <a:spAutoFit/>
+          </a:bodyPr>
+          <a:lstStyle/>
+          <a:p>
+            <a:r>
+              <a:rPr lang="ja-JP" altLang="en-US" sz="2160" dirty="0">
+                <a:latin typeface="Hiragino Kaku Gothic Pro W3" panose="020B0300000000000000" pitchFamily="34" charset="-128"/>
+                <a:ea typeface="Hiragino Kaku Gothic Pro W3" panose="020B0300000000000000" pitchFamily="34" charset="-128"/>
+              </a:rPr>
+              <a:t>手法</a:t>
+            </a:r>
+            <a:r>
+              <a:rPr lang="en-US" altLang="ja-JP" sz="2160" dirty="0">
+                <a:latin typeface="Hiragino Kaku Gothic Pro W3" panose="020B0300000000000000" pitchFamily="34" charset="-128"/>
+                <a:ea typeface="Hiragino Kaku Gothic Pro W3" panose="020B0300000000000000" pitchFamily="34" charset="-128"/>
+              </a:rPr>
+              <a:t>3</a:t>
+            </a:r>
+            <a:endParaRPr lang="ja-JP" altLang="en-US" sz="2160" dirty="0">
+              <a:latin typeface="Hiragino Kaku Gothic Pro W3" panose="020B0300000000000000" pitchFamily="34" charset="-128"/>
+              <a:ea typeface="Hiragino Kaku Gothic Pro W3" panose="020B0300000000000000" pitchFamily="34" charset="-128"/>
+            </a:endParaRPr>
+          </a:p>
+        </p:txBody>
+      </p:sp>
+    </p:spTree>
+    <p:extLst>
+      <p:ext uri="{BB962C8B-B14F-4D97-AF65-F5344CB8AC3E}">
+        <p14:creationId xmlns:p14="http://schemas.microsoft.com/office/powerpoint/2010/main" val="853568751"/>
       </p:ext>
     </p:extLst>
   </p:cSld>
